--- a/統計データの可視化.pptx
+++ b/統計データの可視化.pptx
@@ -4,11 +4,18 @@
   <p:sldMasterIdLst>
     <p:sldMasterId id="2147483648" r:id="rId1"/>
   </p:sldMasterIdLst>
+  <p:notesMasterIdLst>
+    <p:notesMasterId r:id="rId10"/>
+  </p:notesMasterIdLst>
   <p:sldIdLst>
     <p:sldId id="256" r:id="rId2"/>
-    <p:sldId id="257" r:id="rId3"/>
-    <p:sldId id="258" r:id="rId4"/>
-    <p:sldId id="260" r:id="rId5"/>
+    <p:sldId id="261" r:id="rId3"/>
+    <p:sldId id="257" r:id="rId4"/>
+    <p:sldId id="258" r:id="rId5"/>
+    <p:sldId id="262" r:id="rId6"/>
+    <p:sldId id="264" r:id="rId7"/>
+    <p:sldId id="263" r:id="rId8"/>
+    <p:sldId id="260" r:id="rId9"/>
   </p:sldIdLst>
   <p:sldSz cx="12192000" cy="6858000"/>
   <p:notesSz cx="6858000" cy="9144000"/>
@@ -115,6 +122,472 @@
 </p:presentation>
 </file>
 
+<file path=ppt/notesMasters/notesMaster1.xml><?xml version="1.0" encoding="utf-8"?>
+<p:notesMaster xmlns:a="http://schemas.openxmlformats.org/drawingml/2006/main" xmlns:r="http://schemas.openxmlformats.org/officeDocument/2006/relationships" xmlns:p="http://schemas.openxmlformats.org/presentationml/2006/main">
+  <p:cSld>
+    <p:bg>
+      <p:bgRef idx="1001">
+        <a:schemeClr val="bg1"/>
+      </p:bgRef>
+    </p:bg>
+    <p:spTree>
+      <p:nvGrpSpPr>
+        <p:cNvPr id="1" name=""/>
+        <p:cNvGrpSpPr/>
+        <p:nvPr/>
+      </p:nvGrpSpPr>
+      <p:grpSpPr>
+        <a:xfrm>
+          <a:off x="0" y="0"/>
+          <a:ext cx="0" cy="0"/>
+          <a:chOff x="0" y="0"/>
+          <a:chExt cx="0" cy="0"/>
+        </a:xfrm>
+      </p:grpSpPr>
+      <p:sp>
+        <p:nvSpPr>
+          <p:cNvPr id="2" name="ヘッダー プレースホルダー 1"/>
+          <p:cNvSpPr>
+            <a:spLocks noGrp="1"/>
+          </p:cNvSpPr>
+          <p:nvPr>
+            <p:ph type="hdr" sz="quarter"/>
+          </p:nvPr>
+        </p:nvSpPr>
+        <p:spPr>
+          <a:xfrm>
+            <a:off x="0" y="0"/>
+            <a:ext cx="2971800" cy="458788"/>
+          </a:xfrm>
+          <a:prstGeom prst="rect">
+            <a:avLst/>
+          </a:prstGeom>
+        </p:spPr>
+        <p:txBody>
+          <a:bodyPr vert="horz" lIns="91440" tIns="45720" rIns="91440" bIns="45720" rtlCol="0"/>
+          <a:lstStyle>
+            <a:lvl1pPr algn="l">
+              <a:defRPr sz="1200"/>
+            </a:lvl1pPr>
+          </a:lstStyle>
+          <a:p>
+            <a:endParaRPr kumimoji="1" lang="ja-JP" altLang="en-US"/>
+          </a:p>
+        </p:txBody>
+      </p:sp>
+      <p:sp>
+        <p:nvSpPr>
+          <p:cNvPr id="3" name="日付プレースホルダー 2"/>
+          <p:cNvSpPr>
+            <a:spLocks noGrp="1"/>
+          </p:cNvSpPr>
+          <p:nvPr>
+            <p:ph type="dt" idx="1"/>
+          </p:nvPr>
+        </p:nvSpPr>
+        <p:spPr>
+          <a:xfrm>
+            <a:off x="3884613" y="0"/>
+            <a:ext cx="2971800" cy="458788"/>
+          </a:xfrm>
+          <a:prstGeom prst="rect">
+            <a:avLst/>
+          </a:prstGeom>
+        </p:spPr>
+        <p:txBody>
+          <a:bodyPr vert="horz" lIns="91440" tIns="45720" rIns="91440" bIns="45720" rtlCol="0"/>
+          <a:lstStyle>
+            <a:lvl1pPr algn="r">
+              <a:defRPr sz="1200"/>
+            </a:lvl1pPr>
+          </a:lstStyle>
+          <a:p>
+            <a:fld id="{EB0903BF-2B53-4C75-8BDB-47C6B0519046}" type="datetimeFigureOut">
+              <a:rPr kumimoji="1" lang="ja-JP" altLang="en-US" smtClean="0"/>
+              <a:t>2019/10/30</a:t>
+            </a:fld>
+            <a:endParaRPr kumimoji="1" lang="ja-JP" altLang="en-US"/>
+          </a:p>
+        </p:txBody>
+      </p:sp>
+      <p:sp>
+        <p:nvSpPr>
+          <p:cNvPr id="4" name="スライド イメージ プレースホルダー 3"/>
+          <p:cNvSpPr>
+            <a:spLocks noGrp="1" noRot="1" noChangeAspect="1"/>
+          </p:cNvSpPr>
+          <p:nvPr>
+            <p:ph type="sldImg" idx="2"/>
+          </p:nvPr>
+        </p:nvSpPr>
+        <p:spPr>
+          <a:xfrm>
+            <a:off x="685800" y="1143000"/>
+            <a:ext cx="5486400" cy="3086100"/>
+          </a:xfrm>
+          <a:prstGeom prst="rect">
+            <a:avLst/>
+          </a:prstGeom>
+          <a:noFill/>
+          <a:ln w="12700">
+            <a:solidFill>
+              <a:prstClr val="black"/>
+            </a:solidFill>
+          </a:ln>
+        </p:spPr>
+        <p:txBody>
+          <a:bodyPr vert="horz" lIns="91440" tIns="45720" rIns="91440" bIns="45720" rtlCol="0" anchor="ctr"/>
+          <a:lstStyle/>
+          <a:p>
+            <a:endParaRPr lang="ja-JP" altLang="en-US"/>
+          </a:p>
+        </p:txBody>
+      </p:sp>
+      <p:sp>
+        <p:nvSpPr>
+          <p:cNvPr id="5" name="ノート プレースホルダー 4"/>
+          <p:cNvSpPr>
+            <a:spLocks noGrp="1"/>
+          </p:cNvSpPr>
+          <p:nvPr>
+            <p:ph type="body" sz="quarter" idx="3"/>
+          </p:nvPr>
+        </p:nvSpPr>
+        <p:spPr>
+          <a:xfrm>
+            <a:off x="685800" y="4400550"/>
+            <a:ext cx="5486400" cy="3600450"/>
+          </a:xfrm>
+          <a:prstGeom prst="rect">
+            <a:avLst/>
+          </a:prstGeom>
+        </p:spPr>
+        <p:txBody>
+          <a:bodyPr vert="horz" lIns="91440" tIns="45720" rIns="91440" bIns="45720" rtlCol="0"/>
+          <a:lstStyle/>
+          <a:p>
+            <a:pPr lvl="0"/>
+            <a:r>
+              <a:rPr kumimoji="1" lang="ja-JP" altLang="en-US" smtClean="0"/>
+              <a:t>マスター テキストの書式設定</a:t>
+            </a:r>
+          </a:p>
+          <a:p>
+            <a:pPr lvl="1"/>
+            <a:r>
+              <a:rPr kumimoji="1" lang="ja-JP" altLang="en-US" smtClean="0"/>
+              <a:t>第 </a:t>
+            </a:r>
+            <a:r>
+              <a:rPr kumimoji="1" lang="en-US" altLang="ja-JP" smtClean="0"/>
+              <a:t>2 </a:t>
+            </a:r>
+            <a:r>
+              <a:rPr kumimoji="1" lang="ja-JP" altLang="en-US" smtClean="0"/>
+              <a:t>レベル</a:t>
+            </a:r>
+          </a:p>
+          <a:p>
+            <a:pPr lvl="2"/>
+            <a:r>
+              <a:rPr kumimoji="1" lang="ja-JP" altLang="en-US" smtClean="0"/>
+              <a:t>第 </a:t>
+            </a:r>
+            <a:r>
+              <a:rPr kumimoji="1" lang="en-US" altLang="ja-JP" smtClean="0"/>
+              <a:t>3 </a:t>
+            </a:r>
+            <a:r>
+              <a:rPr kumimoji="1" lang="ja-JP" altLang="en-US" smtClean="0"/>
+              <a:t>レベル</a:t>
+            </a:r>
+          </a:p>
+          <a:p>
+            <a:pPr lvl="3"/>
+            <a:r>
+              <a:rPr kumimoji="1" lang="ja-JP" altLang="en-US" smtClean="0"/>
+              <a:t>第 </a:t>
+            </a:r>
+            <a:r>
+              <a:rPr kumimoji="1" lang="en-US" altLang="ja-JP" smtClean="0"/>
+              <a:t>4 </a:t>
+            </a:r>
+            <a:r>
+              <a:rPr kumimoji="1" lang="ja-JP" altLang="en-US" smtClean="0"/>
+              <a:t>レベル</a:t>
+            </a:r>
+          </a:p>
+          <a:p>
+            <a:pPr lvl="4"/>
+            <a:r>
+              <a:rPr kumimoji="1" lang="ja-JP" altLang="en-US" smtClean="0"/>
+              <a:t>第 </a:t>
+            </a:r>
+            <a:r>
+              <a:rPr kumimoji="1" lang="en-US" altLang="ja-JP" smtClean="0"/>
+              <a:t>5 </a:t>
+            </a:r>
+            <a:r>
+              <a:rPr kumimoji="1" lang="ja-JP" altLang="en-US" smtClean="0"/>
+              <a:t>レベル</a:t>
+            </a:r>
+            <a:endParaRPr kumimoji="1" lang="ja-JP" altLang="en-US"/>
+          </a:p>
+        </p:txBody>
+      </p:sp>
+      <p:sp>
+        <p:nvSpPr>
+          <p:cNvPr id="6" name="フッター プレースホルダー 5"/>
+          <p:cNvSpPr>
+            <a:spLocks noGrp="1"/>
+          </p:cNvSpPr>
+          <p:nvPr>
+            <p:ph type="ftr" sz="quarter" idx="4"/>
+          </p:nvPr>
+        </p:nvSpPr>
+        <p:spPr>
+          <a:xfrm>
+            <a:off x="0" y="8685213"/>
+            <a:ext cx="2971800" cy="458787"/>
+          </a:xfrm>
+          <a:prstGeom prst="rect">
+            <a:avLst/>
+          </a:prstGeom>
+        </p:spPr>
+        <p:txBody>
+          <a:bodyPr vert="horz" lIns="91440" tIns="45720" rIns="91440" bIns="45720" rtlCol="0" anchor="b"/>
+          <a:lstStyle>
+            <a:lvl1pPr algn="l">
+              <a:defRPr sz="1200"/>
+            </a:lvl1pPr>
+          </a:lstStyle>
+          <a:p>
+            <a:endParaRPr kumimoji="1" lang="ja-JP" altLang="en-US"/>
+          </a:p>
+        </p:txBody>
+      </p:sp>
+      <p:sp>
+        <p:nvSpPr>
+          <p:cNvPr id="7" name="スライド番号プレースホルダー 6"/>
+          <p:cNvSpPr>
+            <a:spLocks noGrp="1"/>
+          </p:cNvSpPr>
+          <p:nvPr>
+            <p:ph type="sldNum" sz="quarter" idx="5"/>
+          </p:nvPr>
+        </p:nvSpPr>
+        <p:spPr>
+          <a:xfrm>
+            <a:off x="3884613" y="8685213"/>
+            <a:ext cx="2971800" cy="458787"/>
+          </a:xfrm>
+          <a:prstGeom prst="rect">
+            <a:avLst/>
+          </a:prstGeom>
+        </p:spPr>
+        <p:txBody>
+          <a:bodyPr vert="horz" lIns="91440" tIns="45720" rIns="91440" bIns="45720" rtlCol="0" anchor="b"/>
+          <a:lstStyle>
+            <a:lvl1pPr algn="r">
+              <a:defRPr sz="1200"/>
+            </a:lvl1pPr>
+          </a:lstStyle>
+          <a:p>
+            <a:fld id="{B05A5F5C-BC8F-42F1-805F-F119BAB24EC1}" type="slidenum">
+              <a:rPr kumimoji="1" lang="ja-JP" altLang="en-US" smtClean="0"/>
+              <a:t>‹#›</a:t>
+            </a:fld>
+            <a:endParaRPr kumimoji="1" lang="ja-JP" altLang="en-US"/>
+          </a:p>
+        </p:txBody>
+      </p:sp>
+    </p:spTree>
+    <p:extLst>
+      <p:ext uri="{BB962C8B-B14F-4D97-AF65-F5344CB8AC3E}">
+        <p14:creationId xmlns:p14="http://schemas.microsoft.com/office/powerpoint/2010/main" val="4004283673"/>
+      </p:ext>
+    </p:extLst>
+  </p:cSld>
+  <p:clrMap bg1="lt1" tx1="dk1" bg2="lt2" tx2="dk2" accent1="accent1" accent2="accent2" accent3="accent3" accent4="accent4" accent5="accent5" accent6="accent6" hlink="hlink" folHlink="folHlink"/>
+  <p:notesStyle>
+    <a:lvl1pPr marL="0" algn="l" defTabSz="914400" rtl="0" eaLnBrk="1" latinLnBrk="0" hangingPunct="1">
+      <a:defRPr kumimoji="1" sz="1200" kern="1200">
+        <a:solidFill>
+          <a:schemeClr val="tx1"/>
+        </a:solidFill>
+        <a:latin typeface="+mn-lt"/>
+        <a:ea typeface="+mn-ea"/>
+        <a:cs typeface="+mn-cs"/>
+      </a:defRPr>
+    </a:lvl1pPr>
+    <a:lvl2pPr marL="457200" algn="l" defTabSz="914400" rtl="0" eaLnBrk="1" latinLnBrk="0" hangingPunct="1">
+      <a:defRPr kumimoji="1" sz="1200" kern="1200">
+        <a:solidFill>
+          <a:schemeClr val="tx1"/>
+        </a:solidFill>
+        <a:latin typeface="+mn-lt"/>
+        <a:ea typeface="+mn-ea"/>
+        <a:cs typeface="+mn-cs"/>
+      </a:defRPr>
+    </a:lvl2pPr>
+    <a:lvl3pPr marL="914400" algn="l" defTabSz="914400" rtl="0" eaLnBrk="1" latinLnBrk="0" hangingPunct="1">
+      <a:defRPr kumimoji="1" sz="1200" kern="1200">
+        <a:solidFill>
+          <a:schemeClr val="tx1"/>
+        </a:solidFill>
+        <a:latin typeface="+mn-lt"/>
+        <a:ea typeface="+mn-ea"/>
+        <a:cs typeface="+mn-cs"/>
+      </a:defRPr>
+    </a:lvl3pPr>
+    <a:lvl4pPr marL="1371600" algn="l" defTabSz="914400" rtl="0" eaLnBrk="1" latinLnBrk="0" hangingPunct="1">
+      <a:defRPr kumimoji="1" sz="1200" kern="1200">
+        <a:solidFill>
+          <a:schemeClr val="tx1"/>
+        </a:solidFill>
+        <a:latin typeface="+mn-lt"/>
+        <a:ea typeface="+mn-ea"/>
+        <a:cs typeface="+mn-cs"/>
+      </a:defRPr>
+    </a:lvl4pPr>
+    <a:lvl5pPr marL="1828800" algn="l" defTabSz="914400" rtl="0" eaLnBrk="1" latinLnBrk="0" hangingPunct="1">
+      <a:defRPr kumimoji="1" sz="1200" kern="1200">
+        <a:solidFill>
+          <a:schemeClr val="tx1"/>
+        </a:solidFill>
+        <a:latin typeface="+mn-lt"/>
+        <a:ea typeface="+mn-ea"/>
+        <a:cs typeface="+mn-cs"/>
+      </a:defRPr>
+    </a:lvl5pPr>
+    <a:lvl6pPr marL="2286000" algn="l" defTabSz="914400" rtl="0" eaLnBrk="1" latinLnBrk="0" hangingPunct="1">
+      <a:defRPr kumimoji="1" sz="1200" kern="1200">
+        <a:solidFill>
+          <a:schemeClr val="tx1"/>
+        </a:solidFill>
+        <a:latin typeface="+mn-lt"/>
+        <a:ea typeface="+mn-ea"/>
+        <a:cs typeface="+mn-cs"/>
+      </a:defRPr>
+    </a:lvl6pPr>
+    <a:lvl7pPr marL="2743200" algn="l" defTabSz="914400" rtl="0" eaLnBrk="1" latinLnBrk="0" hangingPunct="1">
+      <a:defRPr kumimoji="1" sz="1200" kern="1200">
+        <a:solidFill>
+          <a:schemeClr val="tx1"/>
+        </a:solidFill>
+        <a:latin typeface="+mn-lt"/>
+        <a:ea typeface="+mn-ea"/>
+        <a:cs typeface="+mn-cs"/>
+      </a:defRPr>
+    </a:lvl7pPr>
+    <a:lvl8pPr marL="3200400" algn="l" defTabSz="914400" rtl="0" eaLnBrk="1" latinLnBrk="0" hangingPunct="1">
+      <a:defRPr kumimoji="1" sz="1200" kern="1200">
+        <a:solidFill>
+          <a:schemeClr val="tx1"/>
+        </a:solidFill>
+        <a:latin typeface="+mn-lt"/>
+        <a:ea typeface="+mn-ea"/>
+        <a:cs typeface="+mn-cs"/>
+      </a:defRPr>
+    </a:lvl8pPr>
+    <a:lvl9pPr marL="3657600" algn="l" defTabSz="914400" rtl="0" eaLnBrk="1" latinLnBrk="0" hangingPunct="1">
+      <a:defRPr kumimoji="1" sz="1200" kern="1200">
+        <a:solidFill>
+          <a:schemeClr val="tx1"/>
+        </a:solidFill>
+        <a:latin typeface="+mn-lt"/>
+        <a:ea typeface="+mn-ea"/>
+        <a:cs typeface="+mn-cs"/>
+      </a:defRPr>
+    </a:lvl9pPr>
+  </p:notesStyle>
+</p:notesMaster>
+</file>
+
+<file path=ppt/notesSlides/notesSlide1.xml><?xml version="1.0" encoding="utf-8"?>
+<p:notes xmlns:a="http://schemas.openxmlformats.org/drawingml/2006/main" xmlns:r="http://schemas.openxmlformats.org/officeDocument/2006/relationships" xmlns:p="http://schemas.openxmlformats.org/presentationml/2006/main">
+  <p:cSld>
+    <p:spTree>
+      <p:nvGrpSpPr>
+        <p:cNvPr id="1" name=""/>
+        <p:cNvGrpSpPr/>
+        <p:nvPr/>
+      </p:nvGrpSpPr>
+      <p:grpSpPr>
+        <a:xfrm>
+          <a:off x="0" y="0"/>
+          <a:ext cx="0" cy="0"/>
+          <a:chOff x="0" y="0"/>
+          <a:chExt cx="0" cy="0"/>
+        </a:xfrm>
+      </p:grpSpPr>
+      <p:sp>
+        <p:nvSpPr>
+          <p:cNvPr id="2" name="スライド イメージ プレースホルダー 1"/>
+          <p:cNvSpPr>
+            <a:spLocks noGrp="1" noRot="1" noChangeAspect="1"/>
+          </p:cNvSpPr>
+          <p:nvPr>
+            <p:ph type="sldImg"/>
+          </p:nvPr>
+        </p:nvSpPr>
+        <p:spPr/>
+      </p:sp>
+      <p:sp>
+        <p:nvSpPr>
+          <p:cNvPr id="3" name="ノート プレースホルダー 2"/>
+          <p:cNvSpPr>
+            <a:spLocks noGrp="1"/>
+          </p:cNvSpPr>
+          <p:nvPr>
+            <p:ph type="body" idx="1"/>
+          </p:nvPr>
+        </p:nvSpPr>
+        <p:spPr/>
+        <p:txBody>
+          <a:bodyPr/>
+          <a:lstStyle/>
+          <a:p>
+            <a:endParaRPr kumimoji="1" lang="ja-JP" altLang="en-US" dirty="0"/>
+          </a:p>
+        </p:txBody>
+      </p:sp>
+      <p:sp>
+        <p:nvSpPr>
+          <p:cNvPr id="4" name="スライド番号プレースホルダー 3"/>
+          <p:cNvSpPr>
+            <a:spLocks noGrp="1"/>
+          </p:cNvSpPr>
+          <p:nvPr>
+            <p:ph type="sldNum" sz="quarter" idx="10"/>
+          </p:nvPr>
+        </p:nvSpPr>
+        <p:spPr/>
+        <p:txBody>
+          <a:bodyPr/>
+          <a:lstStyle/>
+          <a:p>
+            <a:fld id="{B05A5F5C-BC8F-42F1-805F-F119BAB24EC1}" type="slidenum">
+              <a:rPr kumimoji="1" lang="ja-JP" altLang="en-US" smtClean="0"/>
+              <a:t>3</a:t>
+            </a:fld>
+            <a:endParaRPr kumimoji="1" lang="ja-JP" altLang="en-US"/>
+          </a:p>
+        </p:txBody>
+      </p:sp>
+    </p:spTree>
+    <p:extLst>
+      <p:ext uri="{BB962C8B-B14F-4D97-AF65-F5344CB8AC3E}">
+        <p14:creationId xmlns:p14="http://schemas.microsoft.com/office/powerpoint/2010/main" val="152221476"/>
+      </p:ext>
+    </p:extLst>
+  </p:cSld>
+  <p:clrMapOvr>
+    <a:masterClrMapping/>
+  </p:clrMapOvr>
+</p:notes>
+</file>
+
 <file path=ppt/slideLayouts/slideLayout1.xml><?xml version="1.0" encoding="utf-8"?>
 <p:sldLayout xmlns:a="http://schemas.openxmlformats.org/drawingml/2006/main" xmlns:r="http://schemas.openxmlformats.org/officeDocument/2006/relationships" xmlns:p="http://schemas.openxmlformats.org/presentationml/2006/main" type="title" preserve="1">
   <p:cSld name="タイトル スライド">
@@ -137,7 +610,7 @@
           <p:cNvPr id="2" name="タイトル 1">
             <a:extLst>
               <a:ext uri="{FF2B5EF4-FFF2-40B4-BE49-F238E27FC236}">
-                <a16:creationId xmlns:a16="http://schemas.microsoft.com/office/drawing/2014/main" id="{D5DF3914-848A-5745-957C-528267F7C428}"/>
+                <a16:creationId xmlns:a16="http://schemas.microsoft.com/office/drawing/2014/main" xmlns="" id="{D5DF3914-848A-5745-957C-528267F7C428}"/>
               </a:ext>
             </a:extLst>
           </p:cNvPr>
@@ -174,7 +647,7 @@
           <p:cNvPr id="3" name="字幕 2">
             <a:extLst>
               <a:ext uri="{FF2B5EF4-FFF2-40B4-BE49-F238E27FC236}">
-                <a16:creationId xmlns:a16="http://schemas.microsoft.com/office/drawing/2014/main" id="{09ED48ED-F942-EA4B-837D-433A04D6B104}"/>
+                <a16:creationId xmlns:a16="http://schemas.microsoft.com/office/drawing/2014/main" xmlns="" id="{09ED48ED-F942-EA4B-837D-433A04D6B104}"/>
               </a:ext>
             </a:extLst>
           </p:cNvPr>
@@ -244,7 +717,7 @@
           <p:cNvPr id="4" name="日付プレースホルダー 3">
             <a:extLst>
               <a:ext uri="{FF2B5EF4-FFF2-40B4-BE49-F238E27FC236}">
-                <a16:creationId xmlns:a16="http://schemas.microsoft.com/office/drawing/2014/main" id="{3A0DDE53-FAF3-374A-B93B-6D7F5E526B83}"/>
+                <a16:creationId xmlns:a16="http://schemas.microsoft.com/office/drawing/2014/main" xmlns="" id="{3A0DDE53-FAF3-374A-B93B-6D7F5E526B83}"/>
               </a:ext>
             </a:extLst>
           </p:cNvPr>
@@ -262,7 +735,7 @@
           <a:p>
             <a:fld id="{E7024DAA-6A28-DF40-9D51-C240F04DB82B}" type="datetimeFigureOut">
               <a:rPr kumimoji="1" lang="ja-JP" altLang="en-US" smtClean="0"/>
-              <a:t>2019/10/23</a:t>
+              <a:t>2019/10/30</a:t>
             </a:fld>
             <a:endParaRPr kumimoji="1" lang="ja-JP" altLang="en-US"/>
           </a:p>
@@ -273,7 +746,7 @@
           <p:cNvPr id="5" name="フッター プレースホルダー 4">
             <a:extLst>
               <a:ext uri="{FF2B5EF4-FFF2-40B4-BE49-F238E27FC236}">
-                <a16:creationId xmlns:a16="http://schemas.microsoft.com/office/drawing/2014/main" id="{83CD93A0-C601-B84D-B2EA-38118C6AE7FB}"/>
+                <a16:creationId xmlns:a16="http://schemas.microsoft.com/office/drawing/2014/main" xmlns="" id="{83CD93A0-C601-B84D-B2EA-38118C6AE7FB}"/>
               </a:ext>
             </a:extLst>
           </p:cNvPr>
@@ -298,7 +771,7 @@
           <p:cNvPr id="6" name="スライド番号プレースホルダー 5">
             <a:extLst>
               <a:ext uri="{FF2B5EF4-FFF2-40B4-BE49-F238E27FC236}">
-                <a16:creationId xmlns:a16="http://schemas.microsoft.com/office/drawing/2014/main" id="{8020DA69-1EC4-8D4B-8C3D-2ABD8A48C106}"/>
+                <a16:creationId xmlns:a16="http://schemas.microsoft.com/office/drawing/2014/main" xmlns="" id="{8020DA69-1EC4-8D4B-8C3D-2ABD8A48C106}"/>
               </a:ext>
             </a:extLst>
           </p:cNvPr>
@@ -357,7 +830,7 @@
           <p:cNvPr id="2" name="タイトル 1">
             <a:extLst>
               <a:ext uri="{FF2B5EF4-FFF2-40B4-BE49-F238E27FC236}">
-                <a16:creationId xmlns:a16="http://schemas.microsoft.com/office/drawing/2014/main" id="{BB3E10CC-A6BC-8949-B208-329D84FD4921}"/>
+                <a16:creationId xmlns:a16="http://schemas.microsoft.com/office/drawing/2014/main" xmlns="" id="{BB3E10CC-A6BC-8949-B208-329D84FD4921}"/>
               </a:ext>
             </a:extLst>
           </p:cNvPr>
@@ -385,7 +858,7 @@
           <p:cNvPr id="3" name="縦書きテキスト プレースホルダー 2">
             <a:extLst>
               <a:ext uri="{FF2B5EF4-FFF2-40B4-BE49-F238E27FC236}">
-                <a16:creationId xmlns:a16="http://schemas.microsoft.com/office/drawing/2014/main" id="{7219424D-BC1D-AD4E-B010-1F1D7A13D58F}"/>
+                <a16:creationId xmlns:a16="http://schemas.microsoft.com/office/drawing/2014/main" xmlns="" id="{7219424D-BC1D-AD4E-B010-1F1D7A13D58F}"/>
               </a:ext>
             </a:extLst>
           </p:cNvPr>
@@ -474,7 +947,7 @@
           <p:cNvPr id="4" name="日付プレースホルダー 3">
             <a:extLst>
               <a:ext uri="{FF2B5EF4-FFF2-40B4-BE49-F238E27FC236}">
-                <a16:creationId xmlns:a16="http://schemas.microsoft.com/office/drawing/2014/main" id="{A0EC3470-4F95-8440-8244-40DACC03B789}"/>
+                <a16:creationId xmlns:a16="http://schemas.microsoft.com/office/drawing/2014/main" xmlns="" id="{A0EC3470-4F95-8440-8244-40DACC03B789}"/>
               </a:ext>
             </a:extLst>
           </p:cNvPr>
@@ -492,7 +965,7 @@
           <a:p>
             <a:fld id="{E7024DAA-6A28-DF40-9D51-C240F04DB82B}" type="datetimeFigureOut">
               <a:rPr kumimoji="1" lang="ja-JP" altLang="en-US" smtClean="0"/>
-              <a:t>2019/10/23</a:t>
+              <a:t>2019/10/30</a:t>
             </a:fld>
             <a:endParaRPr kumimoji="1" lang="ja-JP" altLang="en-US"/>
           </a:p>
@@ -503,7 +976,7 @@
           <p:cNvPr id="5" name="フッター プレースホルダー 4">
             <a:extLst>
               <a:ext uri="{FF2B5EF4-FFF2-40B4-BE49-F238E27FC236}">
-                <a16:creationId xmlns:a16="http://schemas.microsoft.com/office/drawing/2014/main" id="{66F14C45-11C0-E844-8F6B-65127DAC330E}"/>
+                <a16:creationId xmlns:a16="http://schemas.microsoft.com/office/drawing/2014/main" xmlns="" id="{66F14C45-11C0-E844-8F6B-65127DAC330E}"/>
               </a:ext>
             </a:extLst>
           </p:cNvPr>
@@ -528,7 +1001,7 @@
           <p:cNvPr id="6" name="スライド番号プレースホルダー 5">
             <a:extLst>
               <a:ext uri="{FF2B5EF4-FFF2-40B4-BE49-F238E27FC236}">
-                <a16:creationId xmlns:a16="http://schemas.microsoft.com/office/drawing/2014/main" id="{0E725F07-7F0B-E14E-8116-981B96C66531}"/>
+                <a16:creationId xmlns:a16="http://schemas.microsoft.com/office/drawing/2014/main" xmlns="" id="{0E725F07-7F0B-E14E-8116-981B96C66531}"/>
               </a:ext>
             </a:extLst>
           </p:cNvPr>
@@ -587,7 +1060,7 @@
           <p:cNvPr id="2" name="縦書きタイトル 1">
             <a:extLst>
               <a:ext uri="{FF2B5EF4-FFF2-40B4-BE49-F238E27FC236}">
-                <a16:creationId xmlns:a16="http://schemas.microsoft.com/office/drawing/2014/main" id="{39813C18-B35A-0B48-9CAB-63198D349B64}"/>
+                <a16:creationId xmlns:a16="http://schemas.microsoft.com/office/drawing/2014/main" xmlns="" id="{39813C18-B35A-0B48-9CAB-63198D349B64}"/>
               </a:ext>
             </a:extLst>
           </p:cNvPr>
@@ -620,7 +1093,7 @@
           <p:cNvPr id="3" name="縦書きテキスト プレースホルダー 2">
             <a:extLst>
               <a:ext uri="{FF2B5EF4-FFF2-40B4-BE49-F238E27FC236}">
-                <a16:creationId xmlns:a16="http://schemas.microsoft.com/office/drawing/2014/main" id="{F67CE368-0F9E-2B42-A1E6-C2B1870B324A}"/>
+                <a16:creationId xmlns:a16="http://schemas.microsoft.com/office/drawing/2014/main" xmlns="" id="{F67CE368-0F9E-2B42-A1E6-C2B1870B324A}"/>
               </a:ext>
             </a:extLst>
           </p:cNvPr>
@@ -714,7 +1187,7 @@
           <p:cNvPr id="4" name="日付プレースホルダー 3">
             <a:extLst>
               <a:ext uri="{FF2B5EF4-FFF2-40B4-BE49-F238E27FC236}">
-                <a16:creationId xmlns:a16="http://schemas.microsoft.com/office/drawing/2014/main" id="{867ACC2A-B8D1-7C41-9B9F-4C65056F947D}"/>
+                <a16:creationId xmlns:a16="http://schemas.microsoft.com/office/drawing/2014/main" xmlns="" id="{867ACC2A-B8D1-7C41-9B9F-4C65056F947D}"/>
               </a:ext>
             </a:extLst>
           </p:cNvPr>
@@ -732,7 +1205,7 @@
           <a:p>
             <a:fld id="{E7024DAA-6A28-DF40-9D51-C240F04DB82B}" type="datetimeFigureOut">
               <a:rPr kumimoji="1" lang="ja-JP" altLang="en-US" smtClean="0"/>
-              <a:t>2019/10/23</a:t>
+              <a:t>2019/10/30</a:t>
             </a:fld>
             <a:endParaRPr kumimoji="1" lang="ja-JP" altLang="en-US"/>
           </a:p>
@@ -743,7 +1216,7 @@
           <p:cNvPr id="5" name="フッター プレースホルダー 4">
             <a:extLst>
               <a:ext uri="{FF2B5EF4-FFF2-40B4-BE49-F238E27FC236}">
-                <a16:creationId xmlns:a16="http://schemas.microsoft.com/office/drawing/2014/main" id="{087856E7-9E03-2C48-B6EC-72CF81629D1A}"/>
+                <a16:creationId xmlns:a16="http://schemas.microsoft.com/office/drawing/2014/main" xmlns="" id="{087856E7-9E03-2C48-B6EC-72CF81629D1A}"/>
               </a:ext>
             </a:extLst>
           </p:cNvPr>
@@ -768,7 +1241,7 @@
           <p:cNvPr id="6" name="スライド番号プレースホルダー 5">
             <a:extLst>
               <a:ext uri="{FF2B5EF4-FFF2-40B4-BE49-F238E27FC236}">
-                <a16:creationId xmlns:a16="http://schemas.microsoft.com/office/drawing/2014/main" id="{C67C1FF0-41FF-734C-8215-5603860FCEB5}"/>
+                <a16:creationId xmlns:a16="http://schemas.microsoft.com/office/drawing/2014/main" xmlns="" id="{C67C1FF0-41FF-734C-8215-5603860FCEB5}"/>
               </a:ext>
             </a:extLst>
           </p:cNvPr>
@@ -827,7 +1300,7 @@
           <p:cNvPr id="2" name="タイトル 1">
             <a:extLst>
               <a:ext uri="{FF2B5EF4-FFF2-40B4-BE49-F238E27FC236}">
-                <a16:creationId xmlns:a16="http://schemas.microsoft.com/office/drawing/2014/main" id="{79AD0717-2C6D-1447-94E8-005D647C12FA}"/>
+                <a16:creationId xmlns:a16="http://schemas.microsoft.com/office/drawing/2014/main" xmlns="" id="{79AD0717-2C6D-1447-94E8-005D647C12FA}"/>
               </a:ext>
             </a:extLst>
           </p:cNvPr>
@@ -855,7 +1328,7 @@
           <p:cNvPr id="3" name="コンテンツ プレースホルダー 2">
             <a:extLst>
               <a:ext uri="{FF2B5EF4-FFF2-40B4-BE49-F238E27FC236}">
-                <a16:creationId xmlns:a16="http://schemas.microsoft.com/office/drawing/2014/main" id="{F692E943-D9F7-F64A-9495-77932297DAB9}"/>
+                <a16:creationId xmlns:a16="http://schemas.microsoft.com/office/drawing/2014/main" xmlns="" id="{F692E943-D9F7-F64A-9495-77932297DAB9}"/>
               </a:ext>
             </a:extLst>
           </p:cNvPr>
@@ -944,7 +1417,7 @@
           <p:cNvPr id="4" name="日付プレースホルダー 3">
             <a:extLst>
               <a:ext uri="{FF2B5EF4-FFF2-40B4-BE49-F238E27FC236}">
-                <a16:creationId xmlns:a16="http://schemas.microsoft.com/office/drawing/2014/main" id="{46AF73F5-1F52-3C42-920C-52BCD964D9DB}"/>
+                <a16:creationId xmlns:a16="http://schemas.microsoft.com/office/drawing/2014/main" xmlns="" id="{46AF73F5-1F52-3C42-920C-52BCD964D9DB}"/>
               </a:ext>
             </a:extLst>
           </p:cNvPr>
@@ -962,7 +1435,7 @@
           <a:p>
             <a:fld id="{E7024DAA-6A28-DF40-9D51-C240F04DB82B}" type="datetimeFigureOut">
               <a:rPr kumimoji="1" lang="ja-JP" altLang="en-US" smtClean="0"/>
-              <a:t>2019/10/23</a:t>
+              <a:t>2019/10/30</a:t>
             </a:fld>
             <a:endParaRPr kumimoji="1" lang="ja-JP" altLang="en-US"/>
           </a:p>
@@ -973,7 +1446,7 @@
           <p:cNvPr id="5" name="フッター プレースホルダー 4">
             <a:extLst>
               <a:ext uri="{FF2B5EF4-FFF2-40B4-BE49-F238E27FC236}">
-                <a16:creationId xmlns:a16="http://schemas.microsoft.com/office/drawing/2014/main" id="{68D477E9-E726-3440-9A60-D29AD7FFB974}"/>
+                <a16:creationId xmlns:a16="http://schemas.microsoft.com/office/drawing/2014/main" xmlns="" id="{68D477E9-E726-3440-9A60-D29AD7FFB974}"/>
               </a:ext>
             </a:extLst>
           </p:cNvPr>
@@ -998,7 +1471,7 @@
           <p:cNvPr id="6" name="スライド番号プレースホルダー 5">
             <a:extLst>
               <a:ext uri="{FF2B5EF4-FFF2-40B4-BE49-F238E27FC236}">
-                <a16:creationId xmlns:a16="http://schemas.microsoft.com/office/drawing/2014/main" id="{281A8823-BFC8-2149-9684-D4368C50FB0C}"/>
+                <a16:creationId xmlns:a16="http://schemas.microsoft.com/office/drawing/2014/main" xmlns="" id="{281A8823-BFC8-2149-9684-D4368C50FB0C}"/>
               </a:ext>
             </a:extLst>
           </p:cNvPr>
@@ -1057,7 +1530,7 @@
           <p:cNvPr id="2" name="タイトル 1">
             <a:extLst>
               <a:ext uri="{FF2B5EF4-FFF2-40B4-BE49-F238E27FC236}">
-                <a16:creationId xmlns:a16="http://schemas.microsoft.com/office/drawing/2014/main" id="{11D7A484-CED8-0042-AB5C-E49584593BA4}"/>
+                <a16:creationId xmlns:a16="http://schemas.microsoft.com/office/drawing/2014/main" xmlns="" id="{11D7A484-CED8-0042-AB5C-E49584593BA4}"/>
               </a:ext>
             </a:extLst>
           </p:cNvPr>
@@ -1094,7 +1567,7 @@
           <p:cNvPr id="3" name="テキスト プレースホルダー 2">
             <a:extLst>
               <a:ext uri="{FF2B5EF4-FFF2-40B4-BE49-F238E27FC236}">
-                <a16:creationId xmlns:a16="http://schemas.microsoft.com/office/drawing/2014/main" id="{603AFF4A-337D-6F44-B171-9DAE74385387}"/>
+                <a16:creationId xmlns:a16="http://schemas.microsoft.com/office/drawing/2014/main" xmlns="" id="{603AFF4A-337D-6F44-B171-9DAE74385387}"/>
               </a:ext>
             </a:extLst>
           </p:cNvPr>
@@ -1219,7 +1692,7 @@
           <p:cNvPr id="4" name="日付プレースホルダー 3">
             <a:extLst>
               <a:ext uri="{FF2B5EF4-FFF2-40B4-BE49-F238E27FC236}">
-                <a16:creationId xmlns:a16="http://schemas.microsoft.com/office/drawing/2014/main" id="{B2D66AD0-01C1-914F-BB4D-24E1D0802D2B}"/>
+                <a16:creationId xmlns:a16="http://schemas.microsoft.com/office/drawing/2014/main" xmlns="" id="{B2D66AD0-01C1-914F-BB4D-24E1D0802D2B}"/>
               </a:ext>
             </a:extLst>
           </p:cNvPr>
@@ -1237,7 +1710,7 @@
           <a:p>
             <a:fld id="{E7024DAA-6A28-DF40-9D51-C240F04DB82B}" type="datetimeFigureOut">
               <a:rPr kumimoji="1" lang="ja-JP" altLang="en-US" smtClean="0"/>
-              <a:t>2019/10/23</a:t>
+              <a:t>2019/10/30</a:t>
             </a:fld>
             <a:endParaRPr kumimoji="1" lang="ja-JP" altLang="en-US"/>
           </a:p>
@@ -1248,7 +1721,7 @@
           <p:cNvPr id="5" name="フッター プレースホルダー 4">
             <a:extLst>
               <a:ext uri="{FF2B5EF4-FFF2-40B4-BE49-F238E27FC236}">
-                <a16:creationId xmlns:a16="http://schemas.microsoft.com/office/drawing/2014/main" id="{CD674AB9-A292-CC49-B4AC-1151A77C96C1}"/>
+                <a16:creationId xmlns:a16="http://schemas.microsoft.com/office/drawing/2014/main" xmlns="" id="{CD674AB9-A292-CC49-B4AC-1151A77C96C1}"/>
               </a:ext>
             </a:extLst>
           </p:cNvPr>
@@ -1273,7 +1746,7 @@
           <p:cNvPr id="6" name="スライド番号プレースホルダー 5">
             <a:extLst>
               <a:ext uri="{FF2B5EF4-FFF2-40B4-BE49-F238E27FC236}">
-                <a16:creationId xmlns:a16="http://schemas.microsoft.com/office/drawing/2014/main" id="{C2194DD3-01FF-E24A-990B-531E6B1C8814}"/>
+                <a16:creationId xmlns:a16="http://schemas.microsoft.com/office/drawing/2014/main" xmlns="" id="{C2194DD3-01FF-E24A-990B-531E6B1C8814}"/>
               </a:ext>
             </a:extLst>
           </p:cNvPr>
@@ -1332,7 +1805,7 @@
           <p:cNvPr id="2" name="タイトル 1">
             <a:extLst>
               <a:ext uri="{FF2B5EF4-FFF2-40B4-BE49-F238E27FC236}">
-                <a16:creationId xmlns:a16="http://schemas.microsoft.com/office/drawing/2014/main" id="{AF4C0AFC-A229-8B43-A476-E19F9A12B5E9}"/>
+                <a16:creationId xmlns:a16="http://schemas.microsoft.com/office/drawing/2014/main" xmlns="" id="{AF4C0AFC-A229-8B43-A476-E19F9A12B5E9}"/>
               </a:ext>
             </a:extLst>
           </p:cNvPr>
@@ -1360,7 +1833,7 @@
           <p:cNvPr id="3" name="コンテンツ プレースホルダー 2">
             <a:extLst>
               <a:ext uri="{FF2B5EF4-FFF2-40B4-BE49-F238E27FC236}">
-                <a16:creationId xmlns:a16="http://schemas.microsoft.com/office/drawing/2014/main" id="{A77E57E2-40B9-0840-8854-0BB52DFB6AD7}"/>
+                <a16:creationId xmlns:a16="http://schemas.microsoft.com/office/drawing/2014/main" xmlns="" id="{A77E57E2-40B9-0840-8854-0BB52DFB6AD7}"/>
               </a:ext>
             </a:extLst>
           </p:cNvPr>
@@ -1454,7 +1927,7 @@
           <p:cNvPr id="4" name="コンテンツ プレースホルダー 3">
             <a:extLst>
               <a:ext uri="{FF2B5EF4-FFF2-40B4-BE49-F238E27FC236}">
-                <a16:creationId xmlns:a16="http://schemas.microsoft.com/office/drawing/2014/main" id="{5376FFAC-8690-B24D-9377-7FEEB22104AF}"/>
+                <a16:creationId xmlns:a16="http://schemas.microsoft.com/office/drawing/2014/main" xmlns="" id="{5376FFAC-8690-B24D-9377-7FEEB22104AF}"/>
               </a:ext>
             </a:extLst>
           </p:cNvPr>
@@ -1548,7 +2021,7 @@
           <p:cNvPr id="5" name="日付プレースホルダー 4">
             <a:extLst>
               <a:ext uri="{FF2B5EF4-FFF2-40B4-BE49-F238E27FC236}">
-                <a16:creationId xmlns:a16="http://schemas.microsoft.com/office/drawing/2014/main" id="{86E22A30-78E1-3F43-9E9C-5C7CBC5E207D}"/>
+                <a16:creationId xmlns:a16="http://schemas.microsoft.com/office/drawing/2014/main" xmlns="" id="{86E22A30-78E1-3F43-9E9C-5C7CBC5E207D}"/>
               </a:ext>
             </a:extLst>
           </p:cNvPr>
@@ -1566,7 +2039,7 @@
           <a:p>
             <a:fld id="{E7024DAA-6A28-DF40-9D51-C240F04DB82B}" type="datetimeFigureOut">
               <a:rPr kumimoji="1" lang="ja-JP" altLang="en-US" smtClean="0"/>
-              <a:t>2019/10/23</a:t>
+              <a:t>2019/10/30</a:t>
             </a:fld>
             <a:endParaRPr kumimoji="1" lang="ja-JP" altLang="en-US"/>
           </a:p>
@@ -1577,7 +2050,7 @@
           <p:cNvPr id="6" name="フッター プレースホルダー 5">
             <a:extLst>
               <a:ext uri="{FF2B5EF4-FFF2-40B4-BE49-F238E27FC236}">
-                <a16:creationId xmlns:a16="http://schemas.microsoft.com/office/drawing/2014/main" id="{F7E1C133-61A1-3B48-99FD-9B44EDC7FA8F}"/>
+                <a16:creationId xmlns:a16="http://schemas.microsoft.com/office/drawing/2014/main" xmlns="" id="{F7E1C133-61A1-3B48-99FD-9B44EDC7FA8F}"/>
               </a:ext>
             </a:extLst>
           </p:cNvPr>
@@ -1602,7 +2075,7 @@
           <p:cNvPr id="7" name="スライド番号プレースホルダー 6">
             <a:extLst>
               <a:ext uri="{FF2B5EF4-FFF2-40B4-BE49-F238E27FC236}">
-                <a16:creationId xmlns:a16="http://schemas.microsoft.com/office/drawing/2014/main" id="{6AD892A4-0282-8C4E-BBCA-18D30829CEB8}"/>
+                <a16:creationId xmlns:a16="http://schemas.microsoft.com/office/drawing/2014/main" xmlns="" id="{6AD892A4-0282-8C4E-BBCA-18D30829CEB8}"/>
               </a:ext>
             </a:extLst>
           </p:cNvPr>
@@ -1661,7 +2134,7 @@
           <p:cNvPr id="2" name="タイトル 1">
             <a:extLst>
               <a:ext uri="{FF2B5EF4-FFF2-40B4-BE49-F238E27FC236}">
-                <a16:creationId xmlns:a16="http://schemas.microsoft.com/office/drawing/2014/main" id="{967A1187-E1C0-3F49-9BBB-3CEE05287960}"/>
+                <a16:creationId xmlns:a16="http://schemas.microsoft.com/office/drawing/2014/main" xmlns="" id="{967A1187-E1C0-3F49-9BBB-3CEE05287960}"/>
               </a:ext>
             </a:extLst>
           </p:cNvPr>
@@ -1694,7 +2167,7 @@
           <p:cNvPr id="3" name="テキスト プレースホルダー 2">
             <a:extLst>
               <a:ext uri="{FF2B5EF4-FFF2-40B4-BE49-F238E27FC236}">
-                <a16:creationId xmlns:a16="http://schemas.microsoft.com/office/drawing/2014/main" id="{0B8BED0F-B809-214C-854B-1E53659BAC87}"/>
+                <a16:creationId xmlns:a16="http://schemas.microsoft.com/office/drawing/2014/main" xmlns="" id="{0B8BED0F-B809-214C-854B-1E53659BAC87}"/>
               </a:ext>
             </a:extLst>
           </p:cNvPr>
@@ -1765,7 +2238,7 @@
           <p:cNvPr id="4" name="コンテンツ プレースホルダー 3">
             <a:extLst>
               <a:ext uri="{FF2B5EF4-FFF2-40B4-BE49-F238E27FC236}">
-                <a16:creationId xmlns:a16="http://schemas.microsoft.com/office/drawing/2014/main" id="{B73D82D9-99EB-F849-A598-D4B5491774B8}"/>
+                <a16:creationId xmlns:a16="http://schemas.microsoft.com/office/drawing/2014/main" xmlns="" id="{B73D82D9-99EB-F849-A598-D4B5491774B8}"/>
               </a:ext>
             </a:extLst>
           </p:cNvPr>
@@ -1859,7 +2332,7 @@
           <p:cNvPr id="5" name="テキスト プレースホルダー 4">
             <a:extLst>
               <a:ext uri="{FF2B5EF4-FFF2-40B4-BE49-F238E27FC236}">
-                <a16:creationId xmlns:a16="http://schemas.microsoft.com/office/drawing/2014/main" id="{75B659EC-3244-C545-B91A-A4A6995D5B1D}"/>
+                <a16:creationId xmlns:a16="http://schemas.microsoft.com/office/drawing/2014/main" xmlns="" id="{75B659EC-3244-C545-B91A-A4A6995D5B1D}"/>
               </a:ext>
             </a:extLst>
           </p:cNvPr>
@@ -1930,7 +2403,7 @@
           <p:cNvPr id="6" name="コンテンツ プレースホルダー 5">
             <a:extLst>
               <a:ext uri="{FF2B5EF4-FFF2-40B4-BE49-F238E27FC236}">
-                <a16:creationId xmlns:a16="http://schemas.microsoft.com/office/drawing/2014/main" id="{33D91E99-E03D-6E41-9187-88ABD7EB0D64}"/>
+                <a16:creationId xmlns:a16="http://schemas.microsoft.com/office/drawing/2014/main" xmlns="" id="{33D91E99-E03D-6E41-9187-88ABD7EB0D64}"/>
               </a:ext>
             </a:extLst>
           </p:cNvPr>
@@ -2024,7 +2497,7 @@
           <p:cNvPr id="7" name="日付プレースホルダー 6">
             <a:extLst>
               <a:ext uri="{FF2B5EF4-FFF2-40B4-BE49-F238E27FC236}">
-                <a16:creationId xmlns:a16="http://schemas.microsoft.com/office/drawing/2014/main" id="{968BA2AE-B4E8-BC4F-AAE2-2FE7F43CAF94}"/>
+                <a16:creationId xmlns:a16="http://schemas.microsoft.com/office/drawing/2014/main" xmlns="" id="{968BA2AE-B4E8-BC4F-AAE2-2FE7F43CAF94}"/>
               </a:ext>
             </a:extLst>
           </p:cNvPr>
@@ -2042,7 +2515,7 @@
           <a:p>
             <a:fld id="{E7024DAA-6A28-DF40-9D51-C240F04DB82B}" type="datetimeFigureOut">
               <a:rPr kumimoji="1" lang="ja-JP" altLang="en-US" smtClean="0"/>
-              <a:t>2019/10/23</a:t>
+              <a:t>2019/10/30</a:t>
             </a:fld>
             <a:endParaRPr kumimoji="1" lang="ja-JP" altLang="en-US"/>
           </a:p>
@@ -2053,7 +2526,7 @@
           <p:cNvPr id="8" name="フッター プレースホルダー 7">
             <a:extLst>
               <a:ext uri="{FF2B5EF4-FFF2-40B4-BE49-F238E27FC236}">
-                <a16:creationId xmlns:a16="http://schemas.microsoft.com/office/drawing/2014/main" id="{75356495-EC54-F546-A091-DC1A785066CC}"/>
+                <a16:creationId xmlns:a16="http://schemas.microsoft.com/office/drawing/2014/main" xmlns="" id="{75356495-EC54-F546-A091-DC1A785066CC}"/>
               </a:ext>
             </a:extLst>
           </p:cNvPr>
@@ -2078,7 +2551,7 @@
           <p:cNvPr id="9" name="スライド番号プレースホルダー 8">
             <a:extLst>
               <a:ext uri="{FF2B5EF4-FFF2-40B4-BE49-F238E27FC236}">
-                <a16:creationId xmlns:a16="http://schemas.microsoft.com/office/drawing/2014/main" id="{A594F2B8-9C5A-B748-B626-F119CDBA795E}"/>
+                <a16:creationId xmlns:a16="http://schemas.microsoft.com/office/drawing/2014/main" xmlns="" id="{A594F2B8-9C5A-B748-B626-F119CDBA795E}"/>
               </a:ext>
             </a:extLst>
           </p:cNvPr>
@@ -2137,7 +2610,7 @@
           <p:cNvPr id="2" name="タイトル 1">
             <a:extLst>
               <a:ext uri="{FF2B5EF4-FFF2-40B4-BE49-F238E27FC236}">
-                <a16:creationId xmlns:a16="http://schemas.microsoft.com/office/drawing/2014/main" id="{4D2EAD1E-60F9-7641-8969-0A56C0A350EB}"/>
+                <a16:creationId xmlns:a16="http://schemas.microsoft.com/office/drawing/2014/main" xmlns="" id="{4D2EAD1E-60F9-7641-8969-0A56C0A350EB}"/>
               </a:ext>
             </a:extLst>
           </p:cNvPr>
@@ -2165,7 +2638,7 @@
           <p:cNvPr id="3" name="日付プレースホルダー 2">
             <a:extLst>
               <a:ext uri="{FF2B5EF4-FFF2-40B4-BE49-F238E27FC236}">
-                <a16:creationId xmlns:a16="http://schemas.microsoft.com/office/drawing/2014/main" id="{6F635876-01C2-A249-87FC-FA72E59558F1}"/>
+                <a16:creationId xmlns:a16="http://schemas.microsoft.com/office/drawing/2014/main" xmlns="" id="{6F635876-01C2-A249-87FC-FA72E59558F1}"/>
               </a:ext>
             </a:extLst>
           </p:cNvPr>
@@ -2183,7 +2656,7 @@
           <a:p>
             <a:fld id="{E7024DAA-6A28-DF40-9D51-C240F04DB82B}" type="datetimeFigureOut">
               <a:rPr kumimoji="1" lang="ja-JP" altLang="en-US" smtClean="0"/>
-              <a:t>2019/10/23</a:t>
+              <a:t>2019/10/30</a:t>
             </a:fld>
             <a:endParaRPr kumimoji="1" lang="ja-JP" altLang="en-US"/>
           </a:p>
@@ -2194,7 +2667,7 @@
           <p:cNvPr id="4" name="フッター プレースホルダー 3">
             <a:extLst>
               <a:ext uri="{FF2B5EF4-FFF2-40B4-BE49-F238E27FC236}">
-                <a16:creationId xmlns:a16="http://schemas.microsoft.com/office/drawing/2014/main" id="{DA54D7D2-5C3F-4E49-A451-8903880D6AD8}"/>
+                <a16:creationId xmlns:a16="http://schemas.microsoft.com/office/drawing/2014/main" xmlns="" id="{DA54D7D2-5C3F-4E49-A451-8903880D6AD8}"/>
               </a:ext>
             </a:extLst>
           </p:cNvPr>
@@ -2219,7 +2692,7 @@
           <p:cNvPr id="5" name="スライド番号プレースホルダー 4">
             <a:extLst>
               <a:ext uri="{FF2B5EF4-FFF2-40B4-BE49-F238E27FC236}">
-                <a16:creationId xmlns:a16="http://schemas.microsoft.com/office/drawing/2014/main" id="{D7F36122-4EA4-C74A-B8E2-64720EB3ECD9}"/>
+                <a16:creationId xmlns:a16="http://schemas.microsoft.com/office/drawing/2014/main" xmlns="" id="{D7F36122-4EA4-C74A-B8E2-64720EB3ECD9}"/>
               </a:ext>
             </a:extLst>
           </p:cNvPr>
@@ -2278,7 +2751,7 @@
           <p:cNvPr id="2" name="日付プレースホルダー 1">
             <a:extLst>
               <a:ext uri="{FF2B5EF4-FFF2-40B4-BE49-F238E27FC236}">
-                <a16:creationId xmlns:a16="http://schemas.microsoft.com/office/drawing/2014/main" id="{8A8504EB-34C4-6F46-8241-1474E6181EAD}"/>
+                <a16:creationId xmlns:a16="http://schemas.microsoft.com/office/drawing/2014/main" xmlns="" id="{8A8504EB-34C4-6F46-8241-1474E6181EAD}"/>
               </a:ext>
             </a:extLst>
           </p:cNvPr>
@@ -2296,7 +2769,7 @@
           <a:p>
             <a:fld id="{E7024DAA-6A28-DF40-9D51-C240F04DB82B}" type="datetimeFigureOut">
               <a:rPr kumimoji="1" lang="ja-JP" altLang="en-US" smtClean="0"/>
-              <a:t>2019/10/23</a:t>
+              <a:t>2019/10/30</a:t>
             </a:fld>
             <a:endParaRPr kumimoji="1" lang="ja-JP" altLang="en-US"/>
           </a:p>
@@ -2307,7 +2780,7 @@
           <p:cNvPr id="3" name="フッター プレースホルダー 2">
             <a:extLst>
               <a:ext uri="{FF2B5EF4-FFF2-40B4-BE49-F238E27FC236}">
-                <a16:creationId xmlns:a16="http://schemas.microsoft.com/office/drawing/2014/main" id="{8E4B51ED-6797-F542-AE04-9FB3D420CB9F}"/>
+                <a16:creationId xmlns:a16="http://schemas.microsoft.com/office/drawing/2014/main" xmlns="" id="{8E4B51ED-6797-F542-AE04-9FB3D420CB9F}"/>
               </a:ext>
             </a:extLst>
           </p:cNvPr>
@@ -2332,7 +2805,7 @@
           <p:cNvPr id="4" name="スライド番号プレースホルダー 3">
             <a:extLst>
               <a:ext uri="{FF2B5EF4-FFF2-40B4-BE49-F238E27FC236}">
-                <a16:creationId xmlns:a16="http://schemas.microsoft.com/office/drawing/2014/main" id="{0C423C5D-3A0A-4248-8EDC-76AAB818ADC7}"/>
+                <a16:creationId xmlns:a16="http://schemas.microsoft.com/office/drawing/2014/main" xmlns="" id="{0C423C5D-3A0A-4248-8EDC-76AAB818ADC7}"/>
               </a:ext>
             </a:extLst>
           </p:cNvPr>
@@ -2391,7 +2864,7 @@
           <p:cNvPr id="2" name="タイトル 1">
             <a:extLst>
               <a:ext uri="{FF2B5EF4-FFF2-40B4-BE49-F238E27FC236}">
-                <a16:creationId xmlns:a16="http://schemas.microsoft.com/office/drawing/2014/main" id="{5C0FE34A-22F2-3444-BB9C-4A78E0748F00}"/>
+                <a16:creationId xmlns:a16="http://schemas.microsoft.com/office/drawing/2014/main" xmlns="" id="{5C0FE34A-22F2-3444-BB9C-4A78E0748F00}"/>
               </a:ext>
             </a:extLst>
           </p:cNvPr>
@@ -2428,7 +2901,7 @@
           <p:cNvPr id="3" name="コンテンツ プレースホルダー 2">
             <a:extLst>
               <a:ext uri="{FF2B5EF4-FFF2-40B4-BE49-F238E27FC236}">
-                <a16:creationId xmlns:a16="http://schemas.microsoft.com/office/drawing/2014/main" id="{09BAAB2D-647B-BD4D-A2B8-C19C8B5806B4}"/>
+                <a16:creationId xmlns:a16="http://schemas.microsoft.com/office/drawing/2014/main" xmlns="" id="{09BAAB2D-647B-BD4D-A2B8-C19C8B5806B4}"/>
               </a:ext>
             </a:extLst>
           </p:cNvPr>
@@ -2550,7 +3023,7 @@
           <p:cNvPr id="4" name="テキスト プレースホルダー 3">
             <a:extLst>
               <a:ext uri="{FF2B5EF4-FFF2-40B4-BE49-F238E27FC236}">
-                <a16:creationId xmlns:a16="http://schemas.microsoft.com/office/drawing/2014/main" id="{B990BF36-195F-024D-A68C-39FD62D44CED}"/>
+                <a16:creationId xmlns:a16="http://schemas.microsoft.com/office/drawing/2014/main" xmlns="" id="{B990BF36-195F-024D-A68C-39FD62D44CED}"/>
               </a:ext>
             </a:extLst>
           </p:cNvPr>
@@ -2621,7 +3094,7 @@
           <p:cNvPr id="5" name="日付プレースホルダー 4">
             <a:extLst>
               <a:ext uri="{FF2B5EF4-FFF2-40B4-BE49-F238E27FC236}">
-                <a16:creationId xmlns:a16="http://schemas.microsoft.com/office/drawing/2014/main" id="{DC1FFC4A-CE0C-1F41-B7FF-34D1BB864561}"/>
+                <a16:creationId xmlns:a16="http://schemas.microsoft.com/office/drawing/2014/main" xmlns="" id="{DC1FFC4A-CE0C-1F41-B7FF-34D1BB864561}"/>
               </a:ext>
             </a:extLst>
           </p:cNvPr>
@@ -2639,7 +3112,7 @@
           <a:p>
             <a:fld id="{E7024DAA-6A28-DF40-9D51-C240F04DB82B}" type="datetimeFigureOut">
               <a:rPr kumimoji="1" lang="ja-JP" altLang="en-US" smtClean="0"/>
-              <a:t>2019/10/23</a:t>
+              <a:t>2019/10/30</a:t>
             </a:fld>
             <a:endParaRPr kumimoji="1" lang="ja-JP" altLang="en-US"/>
           </a:p>
@@ -2650,7 +3123,7 @@
           <p:cNvPr id="6" name="フッター プレースホルダー 5">
             <a:extLst>
               <a:ext uri="{FF2B5EF4-FFF2-40B4-BE49-F238E27FC236}">
-                <a16:creationId xmlns:a16="http://schemas.microsoft.com/office/drawing/2014/main" id="{E17C14E4-63A5-054C-BC87-FAC762FBD5BD}"/>
+                <a16:creationId xmlns:a16="http://schemas.microsoft.com/office/drawing/2014/main" xmlns="" id="{E17C14E4-63A5-054C-BC87-FAC762FBD5BD}"/>
               </a:ext>
             </a:extLst>
           </p:cNvPr>
@@ -2675,7 +3148,7 @@
           <p:cNvPr id="7" name="スライド番号プレースホルダー 6">
             <a:extLst>
               <a:ext uri="{FF2B5EF4-FFF2-40B4-BE49-F238E27FC236}">
-                <a16:creationId xmlns:a16="http://schemas.microsoft.com/office/drawing/2014/main" id="{4CC39CDD-988A-9544-916A-E6BC31EF330A}"/>
+                <a16:creationId xmlns:a16="http://schemas.microsoft.com/office/drawing/2014/main" xmlns="" id="{4CC39CDD-988A-9544-916A-E6BC31EF330A}"/>
               </a:ext>
             </a:extLst>
           </p:cNvPr>
@@ -2734,7 +3207,7 @@
           <p:cNvPr id="2" name="タイトル 1">
             <a:extLst>
               <a:ext uri="{FF2B5EF4-FFF2-40B4-BE49-F238E27FC236}">
-                <a16:creationId xmlns:a16="http://schemas.microsoft.com/office/drawing/2014/main" id="{8DF74D26-4214-3A41-93DC-CB4F45E821D7}"/>
+                <a16:creationId xmlns:a16="http://schemas.microsoft.com/office/drawing/2014/main" xmlns="" id="{8DF74D26-4214-3A41-93DC-CB4F45E821D7}"/>
               </a:ext>
             </a:extLst>
           </p:cNvPr>
@@ -2771,7 +3244,7 @@
           <p:cNvPr id="3" name="図プレースホルダー 2">
             <a:extLst>
               <a:ext uri="{FF2B5EF4-FFF2-40B4-BE49-F238E27FC236}">
-                <a16:creationId xmlns:a16="http://schemas.microsoft.com/office/drawing/2014/main" id="{D940054E-68E5-484F-A4CF-426949E92B65}"/>
+                <a16:creationId xmlns:a16="http://schemas.microsoft.com/office/drawing/2014/main" xmlns="" id="{D940054E-68E5-484F-A4CF-426949E92B65}"/>
               </a:ext>
             </a:extLst>
           </p:cNvPr>
@@ -2838,7 +3311,7 @@
           <p:cNvPr id="4" name="テキスト プレースホルダー 3">
             <a:extLst>
               <a:ext uri="{FF2B5EF4-FFF2-40B4-BE49-F238E27FC236}">
-                <a16:creationId xmlns:a16="http://schemas.microsoft.com/office/drawing/2014/main" id="{352261EF-C0AC-DD47-80A3-9E3C6D693575}"/>
+                <a16:creationId xmlns:a16="http://schemas.microsoft.com/office/drawing/2014/main" xmlns="" id="{352261EF-C0AC-DD47-80A3-9E3C6D693575}"/>
               </a:ext>
             </a:extLst>
           </p:cNvPr>
@@ -2909,7 +3382,7 @@
           <p:cNvPr id="5" name="日付プレースホルダー 4">
             <a:extLst>
               <a:ext uri="{FF2B5EF4-FFF2-40B4-BE49-F238E27FC236}">
-                <a16:creationId xmlns:a16="http://schemas.microsoft.com/office/drawing/2014/main" id="{78345BD8-A5BE-2B4C-B50F-854BE8DA244E}"/>
+                <a16:creationId xmlns:a16="http://schemas.microsoft.com/office/drawing/2014/main" xmlns="" id="{78345BD8-A5BE-2B4C-B50F-854BE8DA244E}"/>
               </a:ext>
             </a:extLst>
           </p:cNvPr>
@@ -2927,7 +3400,7 @@
           <a:p>
             <a:fld id="{E7024DAA-6A28-DF40-9D51-C240F04DB82B}" type="datetimeFigureOut">
               <a:rPr kumimoji="1" lang="ja-JP" altLang="en-US" smtClean="0"/>
-              <a:t>2019/10/23</a:t>
+              <a:t>2019/10/30</a:t>
             </a:fld>
             <a:endParaRPr kumimoji="1" lang="ja-JP" altLang="en-US"/>
           </a:p>
@@ -2938,7 +3411,7 @@
           <p:cNvPr id="6" name="フッター プレースホルダー 5">
             <a:extLst>
               <a:ext uri="{FF2B5EF4-FFF2-40B4-BE49-F238E27FC236}">
-                <a16:creationId xmlns:a16="http://schemas.microsoft.com/office/drawing/2014/main" id="{49B99FCF-ADF1-9D4F-88BE-3EABB8C04E28}"/>
+                <a16:creationId xmlns:a16="http://schemas.microsoft.com/office/drawing/2014/main" xmlns="" id="{49B99FCF-ADF1-9D4F-88BE-3EABB8C04E28}"/>
               </a:ext>
             </a:extLst>
           </p:cNvPr>
@@ -2963,7 +3436,7 @@
           <p:cNvPr id="7" name="スライド番号プレースホルダー 6">
             <a:extLst>
               <a:ext uri="{FF2B5EF4-FFF2-40B4-BE49-F238E27FC236}">
-                <a16:creationId xmlns:a16="http://schemas.microsoft.com/office/drawing/2014/main" id="{27455309-6FE4-1340-87BA-D1AD36515559}"/>
+                <a16:creationId xmlns:a16="http://schemas.microsoft.com/office/drawing/2014/main" xmlns="" id="{27455309-6FE4-1340-87BA-D1AD36515559}"/>
               </a:ext>
             </a:extLst>
           </p:cNvPr>
@@ -3027,7 +3500,7 @@
           <p:cNvPr id="2" name="タイトル プレースホルダー 1">
             <a:extLst>
               <a:ext uri="{FF2B5EF4-FFF2-40B4-BE49-F238E27FC236}">
-                <a16:creationId xmlns:a16="http://schemas.microsoft.com/office/drawing/2014/main" id="{2D34D946-D89E-6442-9075-ADE04490EE87}"/>
+                <a16:creationId xmlns:a16="http://schemas.microsoft.com/office/drawing/2014/main" xmlns="" id="{2D34D946-D89E-6442-9075-ADE04490EE87}"/>
               </a:ext>
             </a:extLst>
           </p:cNvPr>
@@ -3065,7 +3538,7 @@
           <p:cNvPr id="3" name="テキスト プレースホルダー 2">
             <a:extLst>
               <a:ext uri="{FF2B5EF4-FFF2-40B4-BE49-F238E27FC236}">
-                <a16:creationId xmlns:a16="http://schemas.microsoft.com/office/drawing/2014/main" id="{ECB16F28-657A-7547-9851-1F9FC0B19702}"/>
+                <a16:creationId xmlns:a16="http://schemas.microsoft.com/office/drawing/2014/main" xmlns="" id="{ECB16F28-657A-7547-9851-1F9FC0B19702}"/>
               </a:ext>
             </a:extLst>
           </p:cNvPr>
@@ -3164,7 +3637,7 @@
           <p:cNvPr id="4" name="日付プレースホルダー 3">
             <a:extLst>
               <a:ext uri="{FF2B5EF4-FFF2-40B4-BE49-F238E27FC236}">
-                <a16:creationId xmlns:a16="http://schemas.microsoft.com/office/drawing/2014/main" id="{AA47E054-8B17-264A-AFC9-BCC05E220C26}"/>
+                <a16:creationId xmlns:a16="http://schemas.microsoft.com/office/drawing/2014/main" xmlns="" id="{AA47E054-8B17-264A-AFC9-BCC05E220C26}"/>
               </a:ext>
             </a:extLst>
           </p:cNvPr>
@@ -3200,7 +3673,7 @@
           <a:p>
             <a:fld id="{E7024DAA-6A28-DF40-9D51-C240F04DB82B}" type="datetimeFigureOut">
               <a:rPr kumimoji="1" lang="ja-JP" altLang="en-US" smtClean="0"/>
-              <a:t>2019/10/23</a:t>
+              <a:t>2019/10/30</a:t>
             </a:fld>
             <a:endParaRPr kumimoji="1" lang="ja-JP" altLang="en-US"/>
           </a:p>
@@ -3211,7 +3684,7 @@
           <p:cNvPr id="5" name="フッター プレースホルダー 4">
             <a:extLst>
               <a:ext uri="{FF2B5EF4-FFF2-40B4-BE49-F238E27FC236}">
-                <a16:creationId xmlns:a16="http://schemas.microsoft.com/office/drawing/2014/main" id="{C8FD813E-BA24-5E40-883A-DFDE11A12983}"/>
+                <a16:creationId xmlns:a16="http://schemas.microsoft.com/office/drawing/2014/main" xmlns="" id="{C8FD813E-BA24-5E40-883A-DFDE11A12983}"/>
               </a:ext>
             </a:extLst>
           </p:cNvPr>
@@ -3254,7 +3727,7 @@
           <p:cNvPr id="6" name="スライド番号プレースホルダー 5">
             <a:extLst>
               <a:ext uri="{FF2B5EF4-FFF2-40B4-BE49-F238E27FC236}">
-                <a16:creationId xmlns:a16="http://schemas.microsoft.com/office/drawing/2014/main" id="{5FB17BC1-8AA0-7843-B555-D51F4B1C5A23}"/>
+                <a16:creationId xmlns:a16="http://schemas.microsoft.com/office/drawing/2014/main" xmlns="" id="{5FB17BC1-8AA0-7843-B555-D51F4B1C5A23}"/>
               </a:ext>
             </a:extLst>
           </p:cNvPr>
@@ -3622,7 +4095,7 @@
           <p:cNvPr id="2" name="タイトル 1">
             <a:extLst>
               <a:ext uri="{FF2B5EF4-FFF2-40B4-BE49-F238E27FC236}">
-                <a16:creationId xmlns:a16="http://schemas.microsoft.com/office/drawing/2014/main" id="{4E9248D7-C77C-964F-B39C-A0CF57B18B5C}"/>
+                <a16:creationId xmlns:a16="http://schemas.microsoft.com/office/drawing/2014/main" xmlns="" id="{4E9248D7-C77C-964F-B39C-A0CF57B18B5C}"/>
               </a:ext>
             </a:extLst>
           </p:cNvPr>
@@ -3650,7 +4123,7 @@
           <p:cNvPr id="3" name="字幕 2">
             <a:extLst>
               <a:ext uri="{FF2B5EF4-FFF2-40B4-BE49-F238E27FC236}">
-                <a16:creationId xmlns:a16="http://schemas.microsoft.com/office/drawing/2014/main" id="{733749B4-8B89-A141-B0F8-D74350083502}"/>
+                <a16:creationId xmlns:a16="http://schemas.microsoft.com/office/drawing/2014/main" xmlns="" id="{733749B4-8B89-A141-B0F8-D74350083502}"/>
               </a:ext>
             </a:extLst>
           </p:cNvPr>
@@ -3718,13 +4191,7 @@
       </p:grpSpPr>
       <p:sp>
         <p:nvSpPr>
-          <p:cNvPr id="2" name="タイトル 1">
-            <a:extLst>
-              <a:ext uri="{FF2B5EF4-FFF2-40B4-BE49-F238E27FC236}">
-                <a16:creationId xmlns:a16="http://schemas.microsoft.com/office/drawing/2014/main" id="{CBA8BA4B-598F-334C-AE25-93577CEDDC57}"/>
-              </a:ext>
-            </a:extLst>
-          </p:cNvPr>
+          <p:cNvPr id="2" name="タイトル 1"/>
           <p:cNvSpPr>
             <a:spLocks noGrp="1"/>
           </p:cNvSpPr>
@@ -3738,76 +4205,57 @@
           <a:lstStyle/>
           <a:p>
             <a:r>
-              <a:rPr lang="ja-JP" altLang="en-US"/>
+              <a:rPr kumimoji="1" lang="ja-JP" altLang="en-US" dirty="0" smtClean="0"/>
+              <a:t>目次</a:t>
+            </a:r>
+            <a:endParaRPr kumimoji="1" lang="ja-JP" altLang="en-US" dirty="0"/>
+          </a:p>
+        </p:txBody>
+      </p:sp>
+      <p:sp>
+        <p:nvSpPr>
+          <p:cNvPr id="3" name="コンテンツ プレースホルダー 2"/>
+          <p:cNvSpPr>
+            <a:spLocks noGrp="1"/>
+          </p:cNvSpPr>
+          <p:nvPr>
+            <p:ph idx="1"/>
+          </p:nvPr>
+        </p:nvSpPr>
+        <p:spPr/>
+        <p:txBody>
+          <a:bodyPr/>
+          <a:lstStyle/>
+          <a:p>
+            <a:r>
+              <a:rPr kumimoji="1" lang="ja-JP" altLang="en-US" dirty="0" smtClean="0"/>
               <a:t>目的・背景</a:t>
             </a:r>
-            <a:endParaRPr kumimoji="1" lang="ja-JP" altLang="en-US"/>
-          </a:p>
-        </p:txBody>
-      </p:sp>
-      <p:sp>
-        <p:nvSpPr>
-          <p:cNvPr id="3" name="コンテンツ プレースホルダー 2">
-            <a:extLst>
-              <a:ext uri="{FF2B5EF4-FFF2-40B4-BE49-F238E27FC236}">
-                <a16:creationId xmlns:a16="http://schemas.microsoft.com/office/drawing/2014/main" id="{2402BAF8-03EA-584A-B27B-7CF2D553193C}"/>
-              </a:ext>
-            </a:extLst>
-          </p:cNvPr>
-          <p:cNvSpPr>
-            <a:spLocks noGrp="1"/>
-          </p:cNvSpPr>
-          <p:nvPr>
-            <p:ph idx="1"/>
-          </p:nvPr>
-        </p:nvSpPr>
-        <p:spPr/>
-        <p:txBody>
-          <a:bodyPr/>
-          <a:lstStyle/>
-          <a:p>
-            <a:r>
-              <a:rPr kumimoji="1" lang="ja-JP" altLang="en-US"/>
-              <a:t>病気別死亡数と</a:t>
-            </a:r>
-            <a:r>
-              <a:rPr kumimoji="1" lang="en-US" altLang="ja-JP" dirty="0"/>
-              <a:t>GDP</a:t>
-            </a:r>
-            <a:r>
-              <a:rPr kumimoji="1" lang="ja-JP" altLang="en-US"/>
-              <a:t>との関係を知るためにわかりやすい　　　可視化の方法は何か</a:t>
-            </a:r>
-            <a:endParaRPr kumimoji="1" lang="en-US" altLang="ja-JP" dirty="0"/>
-          </a:p>
-          <a:p>
-            <a:endParaRPr lang="en-US" altLang="ja-JP" dirty="0"/>
-          </a:p>
-          <a:p>
-            <a:r>
-              <a:rPr kumimoji="1" lang="ja-JP" altLang="en-US"/>
-              <a:t>アジア・アフリカの２地域におけるデータの可視化</a:t>
-            </a:r>
-            <a:endParaRPr kumimoji="1" lang="en-US" altLang="ja-JP" dirty="0"/>
-          </a:p>
-          <a:p>
-            <a:endParaRPr lang="en-US" altLang="ja-JP" dirty="0"/>
-          </a:p>
-          <a:p>
-            <a:endParaRPr kumimoji="1" lang="en-US" altLang="ja-JP" dirty="0"/>
-          </a:p>
-          <a:p>
-            <a:endParaRPr lang="en-US" altLang="ja-JP" dirty="0"/>
-          </a:p>
-          <a:p>
-            <a:endParaRPr kumimoji="1" lang="ja-JP" altLang="en-US"/>
+            <a:endParaRPr kumimoji="1" lang="en-US" altLang="ja-JP" dirty="0" smtClean="0"/>
+          </a:p>
+          <a:p>
+            <a:r>
+              <a:rPr lang="ja-JP" altLang="en-US" dirty="0"/>
+              <a:t>可視化</a:t>
+            </a:r>
+            <a:r>
+              <a:rPr lang="ja-JP" altLang="en-US" dirty="0" smtClean="0"/>
+              <a:t>の具体例</a:t>
+            </a:r>
+            <a:endParaRPr lang="en-US" altLang="ja-JP" dirty="0" smtClean="0"/>
+          </a:p>
+          <a:p>
+            <a:endParaRPr lang="en-US" altLang="ja-JP" dirty="0" smtClean="0"/>
+          </a:p>
+          <a:p>
+            <a:endParaRPr kumimoji="1" lang="ja-JP" altLang="en-US" dirty="0"/>
           </a:p>
         </p:txBody>
       </p:sp>
     </p:spTree>
     <p:extLst>
       <p:ext uri="{BB962C8B-B14F-4D97-AF65-F5344CB8AC3E}">
-        <p14:creationId xmlns:p14="http://schemas.microsoft.com/office/powerpoint/2010/main" val="1778591188"/>
+        <p14:creationId xmlns:p14="http://schemas.microsoft.com/office/powerpoint/2010/main" val="2570613706"/>
       </p:ext>
     </p:extLst>
   </p:cSld>
@@ -3839,7 +4287,7 @@
           <p:cNvPr id="2" name="タイトル 1">
             <a:extLst>
               <a:ext uri="{FF2B5EF4-FFF2-40B4-BE49-F238E27FC236}">
-                <a16:creationId xmlns:a16="http://schemas.microsoft.com/office/drawing/2014/main" id="{9D35B7F5-C616-2546-AAE3-A4C37ADA891C}"/>
+                <a16:creationId xmlns:a16="http://schemas.microsoft.com/office/drawing/2014/main" xmlns="" id="{CBA8BA4B-598F-334C-AE25-93577CEDDC57}"/>
               </a:ext>
             </a:extLst>
           </p:cNvPr>
@@ -3856,9 +4304,10 @@
           <a:lstStyle/>
           <a:p>
             <a:r>
-              <a:rPr kumimoji="1" lang="ja-JP" altLang="en-US"/>
-              <a:t>可視化の具体例</a:t>
-            </a:r>
+              <a:rPr lang="ja-JP" altLang="en-US"/>
+              <a:t>目的・背景</a:t>
+            </a:r>
+            <a:endParaRPr kumimoji="1" lang="ja-JP" altLang="en-US"/>
           </a:p>
         </p:txBody>
       </p:sp>
@@ -3867,7 +4316,7 @@
           <p:cNvPr id="3" name="コンテンツ プレースホルダー 2">
             <a:extLst>
               <a:ext uri="{FF2B5EF4-FFF2-40B4-BE49-F238E27FC236}">
-                <a16:creationId xmlns:a16="http://schemas.microsoft.com/office/drawing/2014/main" id="{F5CDCC94-1BC0-9F45-BD6E-AEA44C88CDA1}"/>
+                <a16:creationId xmlns:a16="http://schemas.microsoft.com/office/drawing/2014/main" xmlns="" id="{2402BAF8-03EA-584A-B27B-7CF2D553193C}"/>
               </a:ext>
             </a:extLst>
           </p:cNvPr>
@@ -3884,75 +4333,30 @@
           <a:lstStyle/>
           <a:p>
             <a:r>
-              <a:rPr lang="en-US" altLang="ja-JP" dirty="0"/>
-              <a:t>Python</a:t>
-            </a:r>
-            <a:r>
-              <a:rPr lang="ja-JP" altLang="en-US"/>
-              <a:t>の</a:t>
-            </a:r>
-            <a:r>
-              <a:rPr lang="en-US" altLang="ja-JP" dirty="0"/>
-              <a:t>matplotlib</a:t>
-            </a:r>
-            <a:r>
-              <a:rPr lang="ja-JP" altLang="en-US"/>
-              <a:t>のグラフ（折れ線、棒、（済み）</a:t>
+              <a:rPr lang="ja-JP" altLang="en-US" dirty="0" smtClean="0"/>
+              <a:t>統計</a:t>
+            </a:r>
+            <a:r>
+              <a:rPr lang="ja-JP" altLang="en-US" dirty="0"/>
+              <a:t>データ</a:t>
+            </a:r>
+            <a:r>
+              <a:rPr lang="ja-JP" altLang="en-US" dirty="0" smtClean="0"/>
+              <a:t>から世界情勢を理解するために、わかりやすい可視化の方法は何か？</a:t>
             </a:r>
             <a:endParaRPr lang="en-US" altLang="ja-JP" dirty="0"/>
           </a:p>
           <a:p>
-            <a:r>
-              <a:rPr lang="en-US" altLang="ja-JP" dirty="0"/>
-              <a:t>Google Chart</a:t>
-            </a:r>
-            <a:r>
-              <a:rPr lang="ja-JP" altLang="en-US"/>
-              <a:t>の</a:t>
-            </a:r>
-            <a:r>
-              <a:rPr lang="en-US" altLang="ja-JP" dirty="0" err="1"/>
-              <a:t>GeoChart</a:t>
-            </a:r>
-            <a:r>
-              <a:rPr lang="ja-JP" altLang="en-US"/>
-              <a:t>、バブルチャート</a:t>
-            </a:r>
-            <a:endParaRPr lang="en-US" altLang="ja-JP" dirty="0"/>
-          </a:p>
-          <a:p>
-            <a:r>
-              <a:rPr lang="ja-JP" altLang="en-US"/>
-              <a:t>もう一つ何か</a:t>
-            </a:r>
-            <a:endParaRPr lang="en-US" altLang="ja-JP" dirty="0"/>
-          </a:p>
-          <a:p>
-            <a:endParaRPr lang="en-US" altLang="ja-JP" dirty="0"/>
-          </a:p>
-          <a:p>
-            <a:r>
-              <a:rPr lang="ja-JP" altLang="en-US"/>
-              <a:t>２</a:t>
-            </a:r>
-            <a:r>
-              <a:rPr lang="en-US" altLang="ja-JP" dirty="0"/>
-              <a:t>〜</a:t>
-            </a:r>
-            <a:r>
-              <a:rPr lang="ja-JP" altLang="en-US"/>
-              <a:t>３通りのデータ例を使って示す</a:t>
-            </a:r>
-            <a:endParaRPr lang="en-US" altLang="ja-JP" dirty="0"/>
-          </a:p>
-          <a:p>
-            <a:r>
-              <a:rPr lang="en-US" altLang="ja-JP" dirty="0"/>
-              <a:t>GDP</a:t>
-            </a:r>
-            <a:r>
-              <a:rPr lang="ja-JP" altLang="en-US"/>
-              <a:t>と死因別死亡者数、気温と死因別死亡者数、人口</a:t>
+            <a:endParaRPr kumimoji="1" lang="en-US" altLang="ja-JP" dirty="0"/>
+          </a:p>
+          <a:p>
+            <a:r>
+              <a:rPr lang="ja-JP" altLang="en-US" dirty="0" smtClean="0"/>
+              <a:t>いくつかの</a:t>
+            </a:r>
+            <a:r>
+              <a:rPr lang="ja-JP" altLang="en-US" dirty="0" smtClean="0"/>
+              <a:t>データ可視化ツールの特徴を比較する</a:t>
             </a:r>
             <a:endParaRPr lang="en-US" altLang="ja-JP" dirty="0"/>
           </a:p>
@@ -3961,7 +4365,7 @@
     </p:spTree>
     <p:extLst>
       <p:ext uri="{BB962C8B-B14F-4D97-AF65-F5344CB8AC3E}">
-        <p14:creationId xmlns:p14="http://schemas.microsoft.com/office/powerpoint/2010/main" val="4009065063"/>
+        <p14:creationId xmlns:p14="http://schemas.microsoft.com/office/powerpoint/2010/main" val="1778591188"/>
       </p:ext>
     </p:extLst>
   </p:cSld>
@@ -3993,7 +4397,7 @@
           <p:cNvPr id="2" name="タイトル 1">
             <a:extLst>
               <a:ext uri="{FF2B5EF4-FFF2-40B4-BE49-F238E27FC236}">
-                <a16:creationId xmlns:a16="http://schemas.microsoft.com/office/drawing/2014/main" id="{6F584A2C-E669-CE44-A264-10CEF60BD21A}"/>
+                <a16:creationId xmlns:a16="http://schemas.microsoft.com/office/drawing/2014/main" xmlns="" id="{9D35B7F5-C616-2546-AAE3-A4C37ADA891C}"/>
               </a:ext>
             </a:extLst>
           </p:cNvPr>
@@ -4011,6 +4415,527 @@
           <a:p>
             <a:r>
               <a:rPr kumimoji="1" lang="ja-JP" altLang="en-US"/>
+              <a:t>可視化の具体例</a:t>
+            </a:r>
+          </a:p>
+        </p:txBody>
+      </p:sp>
+      <p:sp>
+        <p:nvSpPr>
+          <p:cNvPr id="3" name="コンテンツ プレースホルダー 2">
+            <a:extLst>
+              <a:ext uri="{FF2B5EF4-FFF2-40B4-BE49-F238E27FC236}">
+                <a16:creationId xmlns:a16="http://schemas.microsoft.com/office/drawing/2014/main" xmlns="" id="{F5CDCC94-1BC0-9F45-BD6E-AEA44C88CDA1}"/>
+              </a:ext>
+            </a:extLst>
+          </p:cNvPr>
+          <p:cNvSpPr>
+            <a:spLocks noGrp="1"/>
+          </p:cNvSpPr>
+          <p:nvPr>
+            <p:ph idx="1"/>
+          </p:nvPr>
+        </p:nvSpPr>
+        <p:spPr/>
+        <p:txBody>
+          <a:bodyPr/>
+          <a:lstStyle/>
+          <a:p>
+            <a:r>
+              <a:rPr lang="en-US" altLang="ja-JP" dirty="0"/>
+              <a:t>Python</a:t>
+            </a:r>
+            <a:r>
+              <a:rPr lang="ja-JP" altLang="en-US" dirty="0"/>
+              <a:t>の</a:t>
+            </a:r>
+            <a:r>
+              <a:rPr lang="en-US" altLang="ja-JP" dirty="0"/>
+              <a:t>matplotlib</a:t>
+            </a:r>
+            <a:r>
+              <a:rPr lang="ja-JP" altLang="en-US" dirty="0"/>
+              <a:t>のグラフ（折れ線、</a:t>
+            </a:r>
+            <a:r>
+              <a:rPr lang="ja-JP" altLang="en-US" dirty="0" smtClean="0"/>
+              <a:t>棒グラフ）</a:t>
+            </a:r>
+            <a:endParaRPr lang="en-US" altLang="ja-JP" dirty="0"/>
+          </a:p>
+          <a:p>
+            <a:r>
+              <a:rPr lang="en-US" altLang="ja-JP" dirty="0"/>
+              <a:t>Google </a:t>
+            </a:r>
+            <a:r>
+              <a:rPr lang="en-US" altLang="ja-JP" dirty="0" smtClean="0"/>
+              <a:t>Chart</a:t>
+            </a:r>
+            <a:r>
+              <a:rPr lang="ja-JP" altLang="en-US" dirty="0" smtClean="0"/>
+              <a:t>のジオチャート、</a:t>
+            </a:r>
+            <a:r>
+              <a:rPr lang="ja-JP" altLang="en-US" dirty="0" smtClean="0"/>
+              <a:t>バブルチャート</a:t>
+            </a:r>
+            <a:endParaRPr lang="en-US" altLang="ja-JP" dirty="0" smtClean="0"/>
+          </a:p>
+          <a:p>
+            <a:endParaRPr lang="en-US" altLang="ja-JP" dirty="0"/>
+          </a:p>
+          <a:p>
+            <a:pPr marL="0" indent="0">
+              <a:buNone/>
+            </a:pPr>
+            <a:r>
+              <a:rPr lang="ja-JP" altLang="en-US" dirty="0"/>
+              <a:t>使用</a:t>
+            </a:r>
+            <a:r>
+              <a:rPr lang="ja-JP" altLang="en-US" dirty="0" smtClean="0"/>
+              <a:t>する統計データ：</a:t>
+            </a:r>
+            <a:endParaRPr lang="en-US" altLang="ja-JP" dirty="0"/>
+          </a:p>
+          <a:p>
+            <a:r>
+              <a:rPr lang="ja-JP" altLang="en-US" dirty="0" smtClean="0"/>
+              <a:t>国別</a:t>
+            </a:r>
+            <a:r>
+              <a:rPr lang="en-US" altLang="ja-JP" dirty="0" smtClean="0"/>
+              <a:t>HIV/AIDS</a:t>
+            </a:r>
+            <a:r>
+              <a:rPr lang="ja-JP" altLang="en-US" dirty="0" smtClean="0"/>
+              <a:t>による年間死亡者数</a:t>
+            </a:r>
+            <a:endParaRPr lang="en-US" altLang="ja-JP" dirty="0" smtClean="0"/>
+          </a:p>
+          <a:p>
+            <a:r>
+              <a:rPr lang="ja-JP" altLang="en-US" dirty="0" smtClean="0"/>
+              <a:t>国別人口</a:t>
+            </a:r>
+            <a:endParaRPr lang="en-US" altLang="ja-JP" dirty="0" smtClean="0"/>
+          </a:p>
+          <a:p>
+            <a:endParaRPr lang="en-US" altLang="ja-JP" dirty="0"/>
+          </a:p>
+        </p:txBody>
+      </p:sp>
+    </p:spTree>
+    <p:extLst>
+      <p:ext uri="{BB962C8B-B14F-4D97-AF65-F5344CB8AC3E}">
+        <p14:creationId xmlns:p14="http://schemas.microsoft.com/office/powerpoint/2010/main" val="4009065063"/>
+      </p:ext>
+    </p:extLst>
+  </p:cSld>
+  <p:clrMapOvr>
+    <a:masterClrMapping/>
+  </p:clrMapOvr>
+</p:sld>
+</file>
+
+<file path=ppt/slides/slide5.xml><?xml version="1.0" encoding="utf-8"?>
+<p:sld xmlns:a="http://schemas.openxmlformats.org/drawingml/2006/main" xmlns:r="http://schemas.openxmlformats.org/officeDocument/2006/relationships" xmlns:p="http://schemas.openxmlformats.org/presentationml/2006/main">
+  <p:cSld>
+    <p:spTree>
+      <p:nvGrpSpPr>
+        <p:cNvPr id="1" name=""/>
+        <p:cNvGrpSpPr/>
+        <p:nvPr/>
+      </p:nvGrpSpPr>
+      <p:grpSpPr>
+        <a:xfrm>
+          <a:off x="0" y="0"/>
+          <a:ext cx="0" cy="0"/>
+          <a:chOff x="0" y="0"/>
+          <a:chExt cx="0" cy="0"/>
+        </a:xfrm>
+      </p:grpSpPr>
+      <p:sp>
+        <p:nvSpPr>
+          <p:cNvPr id="2" name="タイトル 1"/>
+          <p:cNvSpPr>
+            <a:spLocks noGrp="1"/>
+          </p:cNvSpPr>
+          <p:nvPr>
+            <p:ph type="title"/>
+          </p:nvPr>
+        </p:nvSpPr>
+        <p:spPr/>
+        <p:txBody>
+          <a:bodyPr/>
+          <a:lstStyle/>
+          <a:p>
+            <a:r>
+              <a:rPr lang="ja-JP" altLang="en-US" dirty="0" smtClean="0"/>
+              <a:t>折れ線グラフ、棒グラフ</a:t>
+            </a:r>
+            <a:endParaRPr kumimoji="1" lang="ja-JP" altLang="en-US" dirty="0"/>
+          </a:p>
+        </p:txBody>
+      </p:sp>
+      <p:sp>
+        <p:nvSpPr>
+          <p:cNvPr id="3" name="コンテンツ プレースホルダー 2"/>
+          <p:cNvSpPr>
+            <a:spLocks noGrp="1"/>
+          </p:cNvSpPr>
+          <p:nvPr>
+            <p:ph idx="1"/>
+          </p:nvPr>
+        </p:nvSpPr>
+        <p:spPr/>
+        <p:txBody>
+          <a:bodyPr/>
+          <a:lstStyle/>
+          <a:p>
+            <a:endParaRPr kumimoji="1" lang="ja-JP" altLang="en-US"/>
+          </a:p>
+        </p:txBody>
+      </p:sp>
+    </p:spTree>
+    <p:extLst>
+      <p:ext uri="{BB962C8B-B14F-4D97-AF65-F5344CB8AC3E}">
+        <p14:creationId xmlns:p14="http://schemas.microsoft.com/office/powerpoint/2010/main" val="4184186527"/>
+      </p:ext>
+    </p:extLst>
+  </p:cSld>
+  <p:clrMapOvr>
+    <a:masterClrMapping/>
+  </p:clrMapOvr>
+</p:sld>
+</file>
+
+<file path=ppt/slides/slide6.xml><?xml version="1.0" encoding="utf-8"?>
+<p:sld xmlns:a="http://schemas.openxmlformats.org/drawingml/2006/main" xmlns:r="http://schemas.openxmlformats.org/officeDocument/2006/relationships" xmlns:p="http://schemas.openxmlformats.org/presentationml/2006/main">
+  <p:cSld>
+    <p:spTree>
+      <p:nvGrpSpPr>
+        <p:cNvPr id="1" name=""/>
+        <p:cNvGrpSpPr/>
+        <p:nvPr/>
+      </p:nvGrpSpPr>
+      <p:grpSpPr>
+        <a:xfrm>
+          <a:off x="0" y="0"/>
+          <a:ext cx="0" cy="0"/>
+          <a:chOff x="0" y="0"/>
+          <a:chExt cx="0" cy="0"/>
+        </a:xfrm>
+      </p:grpSpPr>
+      <p:sp>
+        <p:nvSpPr>
+          <p:cNvPr id="2" name="タイトル 1"/>
+          <p:cNvSpPr>
+            <a:spLocks noGrp="1"/>
+          </p:cNvSpPr>
+          <p:nvPr>
+            <p:ph type="title"/>
+          </p:nvPr>
+        </p:nvSpPr>
+        <p:spPr/>
+        <p:txBody>
+          <a:bodyPr/>
+          <a:lstStyle/>
+          <a:p>
+            <a:r>
+              <a:rPr kumimoji="1" lang="ja-JP" altLang="en-US" dirty="0" smtClean="0"/>
+              <a:t>ジオチャート</a:t>
+            </a:r>
+            <a:endParaRPr kumimoji="1" lang="ja-JP" altLang="en-US" dirty="0"/>
+          </a:p>
+        </p:txBody>
+      </p:sp>
+      <p:sp>
+        <p:nvSpPr>
+          <p:cNvPr id="3" name="コンテンツ プレースホルダー 2"/>
+          <p:cNvSpPr>
+            <a:spLocks noGrp="1"/>
+          </p:cNvSpPr>
+          <p:nvPr>
+            <p:ph idx="1"/>
+          </p:nvPr>
+        </p:nvSpPr>
+        <p:spPr/>
+        <p:txBody>
+          <a:bodyPr/>
+          <a:lstStyle/>
+          <a:p>
+            <a:endParaRPr lang="en-US" altLang="ja-JP" smtClean="0"/>
+          </a:p>
+          <a:p>
+            <a:r>
+              <a:rPr lang="en-US" altLang="ja-JP" dirty="0" smtClean="0"/>
+              <a:t>Google Map API</a:t>
+            </a:r>
+            <a:endParaRPr kumimoji="1" lang="en-US" altLang="ja-JP" dirty="0" smtClean="0"/>
+          </a:p>
+        </p:txBody>
+      </p:sp>
+    </p:spTree>
+    <p:extLst>
+      <p:ext uri="{BB962C8B-B14F-4D97-AF65-F5344CB8AC3E}">
+        <p14:creationId xmlns:p14="http://schemas.microsoft.com/office/powerpoint/2010/main" val="2117400784"/>
+      </p:ext>
+    </p:extLst>
+  </p:cSld>
+  <p:clrMapOvr>
+    <a:masterClrMapping/>
+  </p:clrMapOvr>
+</p:sld>
+</file>
+
+<file path=ppt/slides/slide7.xml><?xml version="1.0" encoding="utf-8"?>
+<p:sld xmlns:a="http://schemas.openxmlformats.org/drawingml/2006/main" xmlns:r="http://schemas.openxmlformats.org/officeDocument/2006/relationships" xmlns:p="http://schemas.openxmlformats.org/presentationml/2006/main">
+  <p:cSld>
+    <p:spTree>
+      <p:nvGrpSpPr>
+        <p:cNvPr id="1" name=""/>
+        <p:cNvGrpSpPr/>
+        <p:nvPr/>
+      </p:nvGrpSpPr>
+      <p:grpSpPr>
+        <a:xfrm>
+          <a:off x="0" y="0"/>
+          <a:ext cx="0" cy="0"/>
+          <a:chOff x="0" y="0"/>
+          <a:chExt cx="0" cy="0"/>
+        </a:xfrm>
+      </p:grpSpPr>
+      <p:sp>
+        <p:nvSpPr>
+          <p:cNvPr id="2" name="タイトル 1"/>
+          <p:cNvSpPr>
+            <a:spLocks noGrp="1"/>
+          </p:cNvSpPr>
+          <p:nvPr>
+            <p:ph type="title"/>
+          </p:nvPr>
+        </p:nvSpPr>
+        <p:spPr/>
+        <p:txBody>
+          <a:bodyPr/>
+          <a:lstStyle/>
+          <a:p>
+            <a:r>
+              <a:rPr lang="ja-JP" altLang="en-US" dirty="0" smtClean="0"/>
+              <a:t>ジオ</a:t>
+            </a:r>
+            <a:r>
+              <a:rPr lang="ja-JP" altLang="en-US" dirty="0"/>
+              <a:t>チャート</a:t>
+            </a:r>
+            <a:endParaRPr kumimoji="1" lang="ja-JP" altLang="en-US" dirty="0"/>
+          </a:p>
+        </p:txBody>
+      </p:sp>
+      <p:pic>
+        <p:nvPicPr>
+          <p:cNvPr id="4" name="コンテンツ プレースホルダー 3"/>
+          <p:cNvPicPr>
+            <a:picLocks noGrp="1" noChangeAspect="1"/>
+          </p:cNvPicPr>
+          <p:nvPr>
+            <p:ph idx="1"/>
+          </p:nvPr>
+        </p:nvPicPr>
+        <p:blipFill>
+          <a:blip r:embed="rId2">
+            <a:extLst>
+              <a:ext uri="{28A0092B-C50C-407E-A947-70E740481C1C}">
+                <a14:useLocalDpi xmlns:a14="http://schemas.microsoft.com/office/drawing/2010/main" val="0"/>
+              </a:ext>
+            </a:extLst>
+          </a:blip>
+          <a:stretch>
+            <a:fillRect/>
+          </a:stretch>
+        </p:blipFill>
+        <p:spPr>
+          <a:xfrm>
+            <a:off x="2635372" y="1375248"/>
+            <a:ext cx="6921255" cy="4351338"/>
+          </a:xfrm>
+          <a:prstGeom prst="rect">
+            <a:avLst/>
+          </a:prstGeom>
+          <a:solidFill>
+            <a:srgbClr val="FFFFFF">
+              <a:shade val="85000"/>
+            </a:srgbClr>
+          </a:solidFill>
+          <a:ln w="190500" cap="rnd">
+            <a:solidFill>
+              <a:srgbClr val="FFFFFF"/>
+            </a:solidFill>
+          </a:ln>
+          <a:effectLst>
+            <a:outerShdw blurRad="50000" algn="tl" rotWithShape="0">
+              <a:srgbClr val="000000">
+                <a:alpha val="41000"/>
+              </a:srgbClr>
+            </a:outerShdw>
+          </a:effectLst>
+          <a:scene3d>
+            <a:camera prst="orthographicFront"/>
+            <a:lightRig rig="twoPt" dir="t">
+              <a:rot lat="0" lon="0" rev="7800000"/>
+            </a:lightRig>
+          </a:scene3d>
+          <a:sp3d contourW="6350">
+            <a:bevelT w="50800" h="16510"/>
+            <a:contourClr>
+              <a:srgbClr val="C0C0C0"/>
+            </a:contourClr>
+          </a:sp3d>
+        </p:spPr>
+      </p:pic>
+      <p:sp>
+        <p:nvSpPr>
+          <p:cNvPr id="5" name="テキスト ボックス 4"/>
+          <p:cNvSpPr txBox="1"/>
+          <p:nvPr/>
+        </p:nvSpPr>
+        <p:spPr>
+          <a:xfrm>
+            <a:off x="3567751" y="6098865"/>
+            <a:ext cx="5056496" cy="369332"/>
+          </a:xfrm>
+          <a:prstGeom prst="rect">
+            <a:avLst/>
+          </a:prstGeom>
+          <a:noFill/>
+        </p:spPr>
+        <p:txBody>
+          <a:bodyPr wrap="square" rtlCol="0">
+            <a:spAutoFit/>
+          </a:bodyPr>
+          <a:lstStyle/>
+          <a:p>
+            <a:r>
+              <a:rPr kumimoji="1" lang="ja-JP" altLang="en-US" sz="1800" kern="1200" dirty="0" smtClean="0">
+                <a:solidFill>
+                  <a:schemeClr val="tx1"/>
+                </a:solidFill>
+                <a:latin typeface="+mn-lt"/>
+                <a:ea typeface="+mn-ea"/>
+                <a:cs typeface="+mn-cs"/>
+              </a:rPr>
+              <a:t>図１　</a:t>
+            </a:r>
+            <a:r>
+              <a:rPr kumimoji="1" lang="en-US" altLang="ja-JP" sz="1800" kern="1200" dirty="0" smtClean="0">
+                <a:solidFill>
+                  <a:schemeClr val="tx1"/>
+                </a:solidFill>
+                <a:latin typeface="+mn-lt"/>
+                <a:ea typeface="+mn-ea"/>
+                <a:cs typeface="+mn-cs"/>
+              </a:rPr>
+              <a:t>2000</a:t>
+            </a:r>
+            <a:r>
+              <a:rPr kumimoji="1" lang="ja-JP" altLang="en-US" sz="1800" kern="1200" dirty="0" smtClean="0">
+                <a:solidFill>
+                  <a:schemeClr val="tx1"/>
+                </a:solidFill>
+                <a:latin typeface="+mn-lt"/>
+                <a:ea typeface="+mn-ea"/>
+                <a:cs typeface="+mn-cs"/>
+              </a:rPr>
+              <a:t>年の国別</a:t>
+            </a:r>
+            <a:r>
+              <a:rPr kumimoji="1" lang="en-US" altLang="ja-JP" sz="1800" kern="1200" dirty="0" smtClean="0">
+                <a:solidFill>
+                  <a:schemeClr val="tx1"/>
+                </a:solidFill>
+                <a:latin typeface="+mn-lt"/>
+                <a:ea typeface="+mn-ea"/>
+                <a:cs typeface="+mn-cs"/>
+              </a:rPr>
+              <a:t>HIV/AIDS</a:t>
+            </a:r>
+            <a:r>
+              <a:rPr kumimoji="1" lang="ja-JP" altLang="en-US" sz="1800" kern="1200" dirty="0" smtClean="0">
+                <a:solidFill>
+                  <a:schemeClr val="tx1"/>
+                </a:solidFill>
+                <a:latin typeface="+mn-lt"/>
+                <a:ea typeface="+mn-ea"/>
+                <a:cs typeface="+mn-cs"/>
+              </a:rPr>
+              <a:t>による死亡者数</a:t>
+            </a:r>
+            <a:endParaRPr kumimoji="1" lang="ja-JP" altLang="en-US" sz="1800" kern="1200" dirty="0">
+              <a:solidFill>
+                <a:schemeClr val="tx1"/>
+              </a:solidFill>
+              <a:latin typeface="+mn-lt"/>
+              <a:ea typeface="+mn-ea"/>
+              <a:cs typeface="+mn-cs"/>
+            </a:endParaRPr>
+          </a:p>
+        </p:txBody>
+      </p:sp>
+    </p:spTree>
+    <p:extLst>
+      <p:ext uri="{BB962C8B-B14F-4D97-AF65-F5344CB8AC3E}">
+        <p14:creationId xmlns:p14="http://schemas.microsoft.com/office/powerpoint/2010/main" val="2718392308"/>
+      </p:ext>
+    </p:extLst>
+  </p:cSld>
+  <p:clrMapOvr>
+    <a:masterClrMapping/>
+  </p:clrMapOvr>
+</p:sld>
+</file>
+
+<file path=ppt/slides/slide8.xml><?xml version="1.0" encoding="utf-8"?>
+<p:sld xmlns:a="http://schemas.openxmlformats.org/drawingml/2006/main" xmlns:r="http://schemas.openxmlformats.org/officeDocument/2006/relationships" xmlns:p="http://schemas.openxmlformats.org/presentationml/2006/main">
+  <p:cSld>
+    <p:spTree>
+      <p:nvGrpSpPr>
+        <p:cNvPr id="1" name=""/>
+        <p:cNvGrpSpPr/>
+        <p:nvPr/>
+      </p:nvGrpSpPr>
+      <p:grpSpPr>
+        <a:xfrm>
+          <a:off x="0" y="0"/>
+          <a:ext cx="0" cy="0"/>
+          <a:chOff x="0" y="0"/>
+          <a:chExt cx="0" cy="0"/>
+        </a:xfrm>
+      </p:grpSpPr>
+      <p:sp>
+        <p:nvSpPr>
+          <p:cNvPr id="2" name="タイトル 1">
+            <a:extLst>
+              <a:ext uri="{FF2B5EF4-FFF2-40B4-BE49-F238E27FC236}">
+                <a16:creationId xmlns:a16="http://schemas.microsoft.com/office/drawing/2014/main" xmlns="" id="{6F584A2C-E669-CE44-A264-10CEF60BD21A}"/>
+              </a:ext>
+            </a:extLst>
+          </p:cNvPr>
+          <p:cNvSpPr>
+            <a:spLocks noGrp="1"/>
+          </p:cNvSpPr>
+          <p:nvPr>
+            <p:ph type="title"/>
+          </p:nvPr>
+        </p:nvSpPr>
+        <p:spPr/>
+        <p:txBody>
+          <a:bodyPr/>
+          <a:lstStyle/>
+          <a:p>
+            <a:r>
+              <a:rPr kumimoji="1" lang="ja-JP" altLang="en-US"/>
               <a:t>結果</a:t>
             </a:r>
           </a:p>
@@ -4021,7 +4946,7 @@
           <p:cNvPr id="3" name="コンテンツ プレースホルダー 2">
             <a:extLst>
               <a:ext uri="{FF2B5EF4-FFF2-40B4-BE49-F238E27FC236}">
-                <a16:creationId xmlns:a16="http://schemas.microsoft.com/office/drawing/2014/main" id="{66C3A0BD-2AA3-F149-90C2-DFBDD1F2DDFF}"/>
+                <a16:creationId xmlns:a16="http://schemas.microsoft.com/office/drawing/2014/main" xmlns="" id="{66C3A0BD-2AA3-F149-90C2-DFBDD1F2DDFF}"/>
               </a:ext>
             </a:extLst>
           </p:cNvPr>
@@ -4350,4 +5275,265 @@
     </a:ext>
   </a:extLst>
 </a:theme>
+</file>
+
+<file path=ppt/theme/theme2.xml><?xml version="1.0" encoding="utf-8"?>
+<a:theme xmlns:a="http://schemas.openxmlformats.org/drawingml/2006/main" name="Office テーマ">
+  <a:themeElements>
+    <a:clrScheme name="Office">
+      <a:dk1>
+        <a:sysClr val="windowText" lastClr="000000"/>
+      </a:dk1>
+      <a:lt1>
+        <a:sysClr val="window" lastClr="FFFFFF"/>
+      </a:lt1>
+      <a:dk2>
+        <a:srgbClr val="44546A"/>
+      </a:dk2>
+      <a:lt2>
+        <a:srgbClr val="E7E6E6"/>
+      </a:lt2>
+      <a:accent1>
+        <a:srgbClr val="5B9BD5"/>
+      </a:accent1>
+      <a:accent2>
+        <a:srgbClr val="ED7D31"/>
+      </a:accent2>
+      <a:accent3>
+        <a:srgbClr val="A5A5A5"/>
+      </a:accent3>
+      <a:accent4>
+        <a:srgbClr val="FFC000"/>
+      </a:accent4>
+      <a:accent5>
+        <a:srgbClr val="4472C4"/>
+      </a:accent5>
+      <a:accent6>
+        <a:srgbClr val="70AD47"/>
+      </a:accent6>
+      <a:hlink>
+        <a:srgbClr val="0563C1"/>
+      </a:hlink>
+      <a:folHlink>
+        <a:srgbClr val="954F72"/>
+      </a:folHlink>
+    </a:clrScheme>
+    <a:fontScheme name="Office">
+      <a:majorFont>
+        <a:latin typeface="Calibri Light" panose="020F0302020204030204"/>
+        <a:ea typeface=""/>
+        <a:cs typeface=""/>
+        <a:font script="Jpan" typeface="ＭＳ Ｐゴシック"/>
+        <a:font script="Hang" typeface="맑은 고딕"/>
+        <a:font script="Hans" typeface="宋体"/>
+        <a:font script="Hant" typeface="新細明體"/>
+        <a:font script="Arab" typeface="Times New Roman"/>
+        <a:font script="Hebr" typeface="Times New Roman"/>
+        <a:font script="Thai" typeface="Angsana New"/>
+        <a:font script="Ethi" typeface="Nyala"/>
+        <a:font script="Beng" typeface="Vrinda"/>
+        <a:font script="Gujr" typeface="Shruti"/>
+        <a:font script="Khmr" typeface="MoolBoran"/>
+        <a:font script="Knda" typeface="Tunga"/>
+        <a:font script="Guru" typeface="Raavi"/>
+        <a:font script="Cans" typeface="Euphemia"/>
+        <a:font script="Cher" typeface="Plantagenet Cherokee"/>
+        <a:font script="Yiii" typeface="Microsoft Yi Baiti"/>
+        <a:font script="Tibt" typeface="Microsoft Himalaya"/>
+        <a:font script="Thaa" typeface="MV Boli"/>
+        <a:font script="Deva" typeface="Mangal"/>
+        <a:font script="Telu" typeface="Gautami"/>
+        <a:font script="Taml" typeface="Latha"/>
+        <a:font script="Syrc" typeface="Estrangelo Edessa"/>
+        <a:font script="Orya" typeface="Kalinga"/>
+        <a:font script="Mlym" typeface="Kartika"/>
+        <a:font script="Laoo" typeface="DokChampa"/>
+        <a:font script="Sinh" typeface="Iskoola Pota"/>
+        <a:font script="Mong" typeface="Mongolian Baiti"/>
+        <a:font script="Viet" typeface="Times New Roman"/>
+        <a:font script="Uigh" typeface="Microsoft Uighur"/>
+        <a:font script="Geor" typeface="Sylfaen"/>
+      </a:majorFont>
+      <a:minorFont>
+        <a:latin typeface="Calibri" panose="020F0502020204030204"/>
+        <a:ea typeface=""/>
+        <a:cs typeface=""/>
+        <a:font script="Jpan" typeface="ＭＳ Ｐゴシック"/>
+        <a:font script="Hang" typeface="맑은 고딕"/>
+        <a:font script="Hans" typeface="宋体"/>
+        <a:font script="Hant" typeface="新細明體"/>
+        <a:font script="Arab" typeface="Arial"/>
+        <a:font script="Hebr" typeface="Arial"/>
+        <a:font script="Thai" typeface="Cordia New"/>
+        <a:font script="Ethi" typeface="Nyala"/>
+        <a:font script="Beng" typeface="Vrinda"/>
+        <a:font script="Gujr" typeface="Shruti"/>
+        <a:font script="Khmr" typeface="DaunPenh"/>
+        <a:font script="Knda" typeface="Tunga"/>
+        <a:font script="Guru" typeface="Raavi"/>
+        <a:font script="Cans" typeface="Euphemia"/>
+        <a:font script="Cher" typeface="Plantagenet Cherokee"/>
+        <a:font script="Yiii" typeface="Microsoft Yi Baiti"/>
+        <a:font script="Tibt" typeface="Microsoft Himalaya"/>
+        <a:font script="Thaa" typeface="MV Boli"/>
+        <a:font script="Deva" typeface="Mangal"/>
+        <a:font script="Telu" typeface="Gautami"/>
+        <a:font script="Taml" typeface="Latha"/>
+        <a:font script="Syrc" typeface="Estrangelo Edessa"/>
+        <a:font script="Orya" typeface="Kalinga"/>
+        <a:font script="Mlym" typeface="Kartika"/>
+        <a:font script="Laoo" typeface="DokChampa"/>
+        <a:font script="Sinh" typeface="Iskoola Pota"/>
+        <a:font script="Mong" typeface="Mongolian Baiti"/>
+        <a:font script="Viet" typeface="Arial"/>
+        <a:font script="Uigh" typeface="Microsoft Uighur"/>
+        <a:font script="Geor" typeface="Sylfaen"/>
+      </a:minorFont>
+    </a:fontScheme>
+    <a:fmtScheme name="Office">
+      <a:fillStyleLst>
+        <a:solidFill>
+          <a:schemeClr val="phClr"/>
+        </a:solidFill>
+        <a:gradFill rotWithShape="1">
+          <a:gsLst>
+            <a:gs pos="0">
+              <a:schemeClr val="phClr">
+                <a:lumMod val="110000"/>
+                <a:satMod val="105000"/>
+                <a:tint val="67000"/>
+              </a:schemeClr>
+            </a:gs>
+            <a:gs pos="50000">
+              <a:schemeClr val="phClr">
+                <a:lumMod val="105000"/>
+                <a:satMod val="103000"/>
+                <a:tint val="73000"/>
+              </a:schemeClr>
+            </a:gs>
+            <a:gs pos="100000">
+              <a:schemeClr val="phClr">
+                <a:lumMod val="105000"/>
+                <a:satMod val="109000"/>
+                <a:tint val="81000"/>
+              </a:schemeClr>
+            </a:gs>
+          </a:gsLst>
+          <a:lin ang="5400000" scaled="0"/>
+        </a:gradFill>
+        <a:gradFill rotWithShape="1">
+          <a:gsLst>
+            <a:gs pos="0">
+              <a:schemeClr val="phClr">
+                <a:satMod val="103000"/>
+                <a:lumMod val="102000"/>
+                <a:tint val="94000"/>
+              </a:schemeClr>
+            </a:gs>
+            <a:gs pos="50000">
+              <a:schemeClr val="phClr">
+                <a:satMod val="110000"/>
+                <a:lumMod val="100000"/>
+                <a:shade val="100000"/>
+              </a:schemeClr>
+            </a:gs>
+            <a:gs pos="100000">
+              <a:schemeClr val="phClr">
+                <a:lumMod val="99000"/>
+                <a:satMod val="120000"/>
+                <a:shade val="78000"/>
+              </a:schemeClr>
+            </a:gs>
+          </a:gsLst>
+          <a:lin ang="5400000" scaled="0"/>
+        </a:gradFill>
+      </a:fillStyleLst>
+      <a:lnStyleLst>
+        <a:ln w="6350" cap="flat" cmpd="sng" algn="ctr">
+          <a:solidFill>
+            <a:schemeClr val="phClr"/>
+          </a:solidFill>
+          <a:prstDash val="solid"/>
+          <a:miter lim="800000"/>
+        </a:ln>
+        <a:ln w="12700" cap="flat" cmpd="sng" algn="ctr">
+          <a:solidFill>
+            <a:schemeClr val="phClr"/>
+          </a:solidFill>
+          <a:prstDash val="solid"/>
+          <a:miter lim="800000"/>
+        </a:ln>
+        <a:ln w="19050" cap="flat" cmpd="sng" algn="ctr">
+          <a:solidFill>
+            <a:schemeClr val="phClr"/>
+          </a:solidFill>
+          <a:prstDash val="solid"/>
+          <a:miter lim="800000"/>
+        </a:ln>
+      </a:lnStyleLst>
+      <a:effectStyleLst>
+        <a:effectStyle>
+          <a:effectLst/>
+        </a:effectStyle>
+        <a:effectStyle>
+          <a:effectLst/>
+        </a:effectStyle>
+        <a:effectStyle>
+          <a:effectLst>
+            <a:outerShdw blurRad="57150" dist="19050" dir="5400000" algn="ctr" rotWithShape="0">
+              <a:srgbClr val="000000">
+                <a:alpha val="63000"/>
+              </a:srgbClr>
+            </a:outerShdw>
+          </a:effectLst>
+        </a:effectStyle>
+      </a:effectStyleLst>
+      <a:bgFillStyleLst>
+        <a:solidFill>
+          <a:schemeClr val="phClr"/>
+        </a:solidFill>
+        <a:solidFill>
+          <a:schemeClr val="phClr">
+            <a:tint val="95000"/>
+            <a:satMod val="170000"/>
+          </a:schemeClr>
+        </a:solidFill>
+        <a:gradFill rotWithShape="1">
+          <a:gsLst>
+            <a:gs pos="0">
+              <a:schemeClr val="phClr">
+                <a:tint val="93000"/>
+                <a:satMod val="150000"/>
+                <a:shade val="98000"/>
+                <a:lumMod val="102000"/>
+              </a:schemeClr>
+            </a:gs>
+            <a:gs pos="50000">
+              <a:schemeClr val="phClr">
+                <a:tint val="98000"/>
+                <a:satMod val="130000"/>
+                <a:shade val="90000"/>
+                <a:lumMod val="103000"/>
+              </a:schemeClr>
+            </a:gs>
+            <a:gs pos="100000">
+              <a:schemeClr val="phClr">
+                <a:shade val="63000"/>
+                <a:satMod val="120000"/>
+              </a:schemeClr>
+            </a:gs>
+          </a:gsLst>
+          <a:lin ang="5400000" scaled="0"/>
+        </a:gradFill>
+      </a:bgFillStyleLst>
+    </a:fmtScheme>
+  </a:themeElements>
+  <a:objectDefaults/>
+  <a:extraClrSchemeLst/>
+  <a:extLst>
+    <a:ext uri="{05A4C25C-085E-4340-85A3-A5531E510DB2}">
+      <thm15:themeFamily xmlns:thm15="http://schemas.microsoft.com/office/thememl/2012/main" name="Office Theme" id="{62F939B6-93AF-4DB8-9C6B-D6C7DFDC589F}" vid="{4A3C46E8-61CC-4603-A589-7422A47A8E4A}"/>
+    </a:ext>
+  </a:extLst>
+</a:theme>
 </file>
--- a/統計データの可視化.pptx
+++ b/統計データの可視化.pptx
@@ -5,17 +5,20 @@
     <p:sldMasterId id="2147483648" r:id="rId1"/>
   </p:sldMasterIdLst>
   <p:notesMasterIdLst>
-    <p:notesMasterId r:id="rId10"/>
+    <p:notesMasterId r:id="rId13"/>
   </p:notesMasterIdLst>
   <p:sldIdLst>
     <p:sldId id="256" r:id="rId2"/>
     <p:sldId id="261" r:id="rId3"/>
-    <p:sldId id="257" r:id="rId4"/>
-    <p:sldId id="258" r:id="rId5"/>
-    <p:sldId id="262" r:id="rId6"/>
-    <p:sldId id="264" r:id="rId7"/>
+    <p:sldId id="268" r:id="rId4"/>
+    <p:sldId id="257" r:id="rId5"/>
+    <p:sldId id="258" r:id="rId6"/>
+    <p:sldId id="267" r:id="rId7"/>
     <p:sldId id="263" r:id="rId8"/>
-    <p:sldId id="260" r:id="rId9"/>
+    <p:sldId id="269" r:id="rId9"/>
+    <p:sldId id="264" r:id="rId10"/>
+    <p:sldId id="265" r:id="rId11"/>
+    <p:sldId id="260" r:id="rId12"/>
   </p:sldIdLst>
   <p:sldSz cx="12192000" cy="6858000"/>
   <p:notesSz cx="6858000" cy="9144000"/>
@@ -268,70 +271,69 @@
           <a:p>
             <a:pPr lvl="0"/>
             <a:r>
-              <a:rPr kumimoji="1" lang="ja-JP" altLang="en-US" smtClean="0"/>
+              <a:rPr kumimoji="1" lang="ja-JP" altLang="en-US"/>
               <a:t>マスター テキストの書式設定</a:t>
             </a:r>
           </a:p>
           <a:p>
             <a:pPr lvl="1"/>
             <a:r>
-              <a:rPr kumimoji="1" lang="ja-JP" altLang="en-US" smtClean="0"/>
+              <a:rPr kumimoji="1" lang="ja-JP" altLang="en-US"/>
               <a:t>第 </a:t>
             </a:r>
             <a:r>
-              <a:rPr kumimoji="1" lang="en-US" altLang="ja-JP" smtClean="0"/>
+              <a:rPr kumimoji="1" lang="en-US" altLang="ja-JP"/>
               <a:t>2 </a:t>
             </a:r>
             <a:r>
-              <a:rPr kumimoji="1" lang="ja-JP" altLang="en-US" smtClean="0"/>
+              <a:rPr kumimoji="1" lang="ja-JP" altLang="en-US"/>
               <a:t>レベル</a:t>
             </a:r>
           </a:p>
           <a:p>
             <a:pPr lvl="2"/>
             <a:r>
-              <a:rPr kumimoji="1" lang="ja-JP" altLang="en-US" smtClean="0"/>
+              <a:rPr kumimoji="1" lang="ja-JP" altLang="en-US"/>
               <a:t>第 </a:t>
             </a:r>
             <a:r>
-              <a:rPr kumimoji="1" lang="en-US" altLang="ja-JP" smtClean="0"/>
+              <a:rPr kumimoji="1" lang="en-US" altLang="ja-JP"/>
               <a:t>3 </a:t>
             </a:r>
             <a:r>
-              <a:rPr kumimoji="1" lang="ja-JP" altLang="en-US" smtClean="0"/>
+              <a:rPr kumimoji="1" lang="ja-JP" altLang="en-US"/>
               <a:t>レベル</a:t>
             </a:r>
           </a:p>
           <a:p>
             <a:pPr lvl="3"/>
             <a:r>
-              <a:rPr kumimoji="1" lang="ja-JP" altLang="en-US" smtClean="0"/>
+              <a:rPr kumimoji="1" lang="ja-JP" altLang="en-US"/>
               <a:t>第 </a:t>
             </a:r>
             <a:r>
-              <a:rPr kumimoji="1" lang="en-US" altLang="ja-JP" smtClean="0"/>
+              <a:rPr kumimoji="1" lang="en-US" altLang="ja-JP"/>
               <a:t>4 </a:t>
             </a:r>
             <a:r>
-              <a:rPr kumimoji="1" lang="ja-JP" altLang="en-US" smtClean="0"/>
+              <a:rPr kumimoji="1" lang="ja-JP" altLang="en-US"/>
               <a:t>レベル</a:t>
             </a:r>
           </a:p>
           <a:p>
             <a:pPr lvl="4"/>
             <a:r>
-              <a:rPr kumimoji="1" lang="ja-JP" altLang="en-US" smtClean="0"/>
+              <a:rPr kumimoji="1" lang="ja-JP" altLang="en-US"/>
               <a:t>第 </a:t>
             </a:r>
             <a:r>
-              <a:rPr kumimoji="1" lang="en-US" altLang="ja-JP" smtClean="0"/>
+              <a:rPr kumimoji="1" lang="en-US" altLang="ja-JP"/>
               <a:t>5 </a:t>
             </a:r>
             <a:r>
-              <a:rPr kumimoji="1" lang="ja-JP" altLang="en-US" smtClean="0"/>
+              <a:rPr kumimoji="1" lang="ja-JP" altLang="en-US"/>
               <a:t>レベル</a:t>
             </a:r>
-            <a:endParaRPr kumimoji="1" lang="ja-JP" altLang="en-US"/>
           </a:p>
         </p:txBody>
       </p:sp>
@@ -569,7 +571,7 @@
           <a:p>
             <a:fld id="{B05A5F5C-BC8F-42F1-805F-F119BAB24EC1}" type="slidenum">
               <a:rPr kumimoji="1" lang="ja-JP" altLang="en-US" smtClean="0"/>
-              <a:t>3</a:t>
+              <a:t>4</a:t>
             </a:fld>
             <a:endParaRPr kumimoji="1" lang="ja-JP" altLang="en-US"/>
           </a:p>
@@ -579,6 +581,516 @@
     <p:extLst>
       <p:ext uri="{BB962C8B-B14F-4D97-AF65-F5344CB8AC3E}">
         <p14:creationId xmlns:p14="http://schemas.microsoft.com/office/powerpoint/2010/main" val="152221476"/>
+      </p:ext>
+    </p:extLst>
+  </p:cSld>
+  <p:clrMapOvr>
+    <a:masterClrMapping/>
+  </p:clrMapOvr>
+</p:notes>
+</file>
+
+<file path=ppt/notesSlides/notesSlide2.xml><?xml version="1.0" encoding="utf-8"?>
+<p:notes xmlns:a="http://schemas.openxmlformats.org/drawingml/2006/main" xmlns:r="http://schemas.openxmlformats.org/officeDocument/2006/relationships" xmlns:p="http://schemas.openxmlformats.org/presentationml/2006/main">
+  <p:cSld>
+    <p:spTree>
+      <p:nvGrpSpPr>
+        <p:cNvPr id="1" name=""/>
+        <p:cNvGrpSpPr/>
+        <p:nvPr/>
+      </p:nvGrpSpPr>
+      <p:grpSpPr>
+        <a:xfrm>
+          <a:off x="0" y="0"/>
+          <a:ext cx="0" cy="0"/>
+          <a:chOff x="0" y="0"/>
+          <a:chExt cx="0" cy="0"/>
+        </a:xfrm>
+      </p:grpSpPr>
+      <p:sp>
+        <p:nvSpPr>
+          <p:cNvPr id="2" name="スライド イメージ プレースホルダー 1"/>
+          <p:cNvSpPr>
+            <a:spLocks noGrp="1" noRot="1" noChangeAspect="1"/>
+          </p:cNvSpPr>
+          <p:nvPr>
+            <p:ph type="sldImg"/>
+          </p:nvPr>
+        </p:nvSpPr>
+        <p:spPr/>
+      </p:sp>
+      <p:sp>
+        <p:nvSpPr>
+          <p:cNvPr id="3" name="ノート プレースホルダー 2"/>
+          <p:cNvSpPr>
+            <a:spLocks noGrp="1"/>
+          </p:cNvSpPr>
+          <p:nvPr>
+            <p:ph type="body" idx="1"/>
+          </p:nvPr>
+        </p:nvSpPr>
+        <p:spPr/>
+        <p:txBody>
+          <a:bodyPr/>
+          <a:lstStyle/>
+          <a:p>
+            <a:r>
+              <a:rPr kumimoji="1" lang="en-US" altLang="ja-JP" dirty="0"/>
+              <a:t>Matplotlib</a:t>
+            </a:r>
+            <a:r>
+              <a:rPr kumimoji="1" lang="ja-JP" altLang="en-US"/>
+              <a:t>、</a:t>
+            </a:r>
+            <a:r>
+              <a:rPr kumimoji="1" lang="en-US" altLang="ja-JP" dirty="0" err="1"/>
+              <a:t>GoogleChart</a:t>
+            </a:r>
+            <a:r>
+              <a:rPr kumimoji="1" lang="ja-JP" altLang="en-US"/>
+              <a:t>についての簡単な説明</a:t>
+            </a:r>
+            <a:endParaRPr kumimoji="1" lang="en-US" altLang="ja-JP" dirty="0"/>
+          </a:p>
+          <a:p>
+            <a:endParaRPr kumimoji="1" lang="en-US" altLang="ja-JP" dirty="0"/>
+          </a:p>
+          <a:p>
+            <a:r>
+              <a:rPr kumimoji="1" lang="en-US" altLang="ja-JP" dirty="0"/>
+              <a:t>Matplotlib:</a:t>
+            </a:r>
+          </a:p>
+          <a:p>
+            <a:r>
+              <a:rPr kumimoji="1" lang="en-US" altLang="ja-JP" dirty="0"/>
+              <a:t>Python</a:t>
+            </a:r>
+            <a:r>
+              <a:rPr kumimoji="1" lang="ja-JP" altLang="en-US"/>
+              <a:t>のためのグラフ描画ライブラリ</a:t>
+            </a:r>
+            <a:endParaRPr kumimoji="1" lang="en-US" altLang="ja-JP" dirty="0"/>
+          </a:p>
+          <a:p>
+            <a:endParaRPr lang="en-US" altLang="ja-JP" dirty="0"/>
+          </a:p>
+          <a:p>
+            <a:r>
+              <a:rPr lang="en-US" altLang="ja-JP" dirty="0" err="1"/>
+              <a:t>GoogleChart</a:t>
+            </a:r>
+            <a:r>
+              <a:rPr lang="en-US" altLang="ja-JP" dirty="0"/>
+              <a:t>:</a:t>
+            </a:r>
+          </a:p>
+          <a:p>
+            <a:r>
+              <a:rPr lang="en-US" altLang="ja-JP" dirty="0" err="1"/>
+              <a:t>Javascript</a:t>
+            </a:r>
+            <a:r>
+              <a:rPr lang="ja-JP" altLang="en-US"/>
+              <a:t>で動く</a:t>
+            </a:r>
+            <a:r>
+              <a:rPr lang="en-US" altLang="ja-JP" dirty="0"/>
+              <a:t>Web</a:t>
+            </a:r>
+            <a:r>
+              <a:rPr lang="ja-JP" altLang="en-US"/>
+              <a:t>アプリケーションマウスオーバーなどによりインタラクティブに動作</a:t>
+            </a:r>
+            <a:endParaRPr lang="en-US" altLang="ja-JP" dirty="0"/>
+          </a:p>
+          <a:p>
+            <a:endParaRPr kumimoji="1" lang="en-US" altLang="ja-JP" dirty="0"/>
+          </a:p>
+          <a:p>
+            <a:r>
+              <a:rPr kumimoji="1" lang="ja-JP" altLang="en-US"/>
+              <a:t>どちらのツールも様々なグラフを描画することができるが、今回は上記のチャートを比較する旨</a:t>
+            </a:r>
+          </a:p>
+        </p:txBody>
+      </p:sp>
+      <p:sp>
+        <p:nvSpPr>
+          <p:cNvPr id="4" name="スライド番号プレースホルダー 3"/>
+          <p:cNvSpPr>
+            <a:spLocks noGrp="1"/>
+          </p:cNvSpPr>
+          <p:nvPr>
+            <p:ph type="sldNum" sz="quarter" idx="5"/>
+          </p:nvPr>
+        </p:nvSpPr>
+        <p:spPr/>
+        <p:txBody>
+          <a:bodyPr/>
+          <a:lstStyle/>
+          <a:p>
+            <a:fld id="{B05A5F5C-BC8F-42F1-805F-F119BAB24EC1}" type="slidenum">
+              <a:rPr kumimoji="1" lang="ja-JP" altLang="en-US" smtClean="0"/>
+              <a:t>5</a:t>
+            </a:fld>
+            <a:endParaRPr kumimoji="1" lang="ja-JP" altLang="en-US"/>
+          </a:p>
+        </p:txBody>
+      </p:sp>
+    </p:spTree>
+    <p:extLst>
+      <p:ext uri="{BB962C8B-B14F-4D97-AF65-F5344CB8AC3E}">
+        <p14:creationId xmlns:p14="http://schemas.microsoft.com/office/powerpoint/2010/main" val="193721532"/>
+      </p:ext>
+    </p:extLst>
+  </p:cSld>
+  <p:clrMapOvr>
+    <a:masterClrMapping/>
+  </p:clrMapOvr>
+</p:notes>
+</file>
+
+<file path=ppt/notesSlides/notesSlide3.xml><?xml version="1.0" encoding="utf-8"?>
+<p:notes xmlns:a="http://schemas.openxmlformats.org/drawingml/2006/main" xmlns:r="http://schemas.openxmlformats.org/officeDocument/2006/relationships" xmlns:p="http://schemas.openxmlformats.org/presentationml/2006/main">
+  <p:cSld>
+    <p:spTree>
+      <p:nvGrpSpPr>
+        <p:cNvPr id="1" name=""/>
+        <p:cNvGrpSpPr/>
+        <p:nvPr/>
+      </p:nvGrpSpPr>
+      <p:grpSpPr>
+        <a:xfrm>
+          <a:off x="0" y="0"/>
+          <a:ext cx="0" cy="0"/>
+          <a:chOff x="0" y="0"/>
+          <a:chExt cx="0" cy="0"/>
+        </a:xfrm>
+      </p:grpSpPr>
+      <p:sp>
+        <p:nvSpPr>
+          <p:cNvPr id="2" name="スライド イメージ プレースホルダー 1"/>
+          <p:cNvSpPr>
+            <a:spLocks noGrp="1" noRot="1" noChangeAspect="1"/>
+          </p:cNvSpPr>
+          <p:nvPr>
+            <p:ph type="sldImg"/>
+          </p:nvPr>
+        </p:nvSpPr>
+        <p:spPr/>
+      </p:sp>
+      <p:sp>
+        <p:nvSpPr>
+          <p:cNvPr id="3" name="ノート プレースホルダー 2"/>
+          <p:cNvSpPr>
+            <a:spLocks noGrp="1"/>
+          </p:cNvSpPr>
+          <p:nvPr>
+            <p:ph type="body" idx="1"/>
+          </p:nvPr>
+        </p:nvSpPr>
+        <p:spPr/>
+        <p:txBody>
+          <a:bodyPr/>
+          <a:lstStyle/>
+          <a:p>
+            <a:endParaRPr kumimoji="1" lang="ja-JP" altLang="en-US"/>
+          </a:p>
+        </p:txBody>
+      </p:sp>
+      <p:sp>
+        <p:nvSpPr>
+          <p:cNvPr id="4" name="スライド番号プレースホルダー 3"/>
+          <p:cNvSpPr>
+            <a:spLocks noGrp="1"/>
+          </p:cNvSpPr>
+          <p:nvPr>
+            <p:ph type="sldNum" sz="quarter" idx="5"/>
+          </p:nvPr>
+        </p:nvSpPr>
+        <p:spPr/>
+        <p:txBody>
+          <a:bodyPr/>
+          <a:lstStyle/>
+          <a:p>
+            <a:fld id="{B05A5F5C-BC8F-42F1-805F-F119BAB24EC1}" type="slidenum">
+              <a:rPr kumimoji="1" lang="ja-JP" altLang="en-US" smtClean="0"/>
+              <a:t>6</a:t>
+            </a:fld>
+            <a:endParaRPr kumimoji="1" lang="ja-JP" altLang="en-US"/>
+          </a:p>
+        </p:txBody>
+      </p:sp>
+    </p:spTree>
+    <p:extLst>
+      <p:ext uri="{BB962C8B-B14F-4D97-AF65-F5344CB8AC3E}">
+        <p14:creationId xmlns:p14="http://schemas.microsoft.com/office/powerpoint/2010/main" val="162175"/>
+      </p:ext>
+    </p:extLst>
+  </p:cSld>
+  <p:clrMapOvr>
+    <a:masterClrMapping/>
+  </p:clrMapOvr>
+</p:notes>
+</file>
+
+<file path=ppt/notesSlides/notesSlide4.xml><?xml version="1.0" encoding="utf-8"?>
+<p:notes xmlns:a="http://schemas.openxmlformats.org/drawingml/2006/main" xmlns:r="http://schemas.openxmlformats.org/officeDocument/2006/relationships" xmlns:p="http://schemas.openxmlformats.org/presentationml/2006/main">
+  <p:cSld>
+    <p:spTree>
+      <p:nvGrpSpPr>
+        <p:cNvPr id="1" name=""/>
+        <p:cNvGrpSpPr/>
+        <p:nvPr/>
+      </p:nvGrpSpPr>
+      <p:grpSpPr>
+        <a:xfrm>
+          <a:off x="0" y="0"/>
+          <a:ext cx="0" cy="0"/>
+          <a:chOff x="0" y="0"/>
+          <a:chExt cx="0" cy="0"/>
+        </a:xfrm>
+      </p:grpSpPr>
+      <p:sp>
+        <p:nvSpPr>
+          <p:cNvPr id="2" name="スライド イメージ プレースホルダー 1"/>
+          <p:cNvSpPr>
+            <a:spLocks noGrp="1" noRot="1" noChangeAspect="1"/>
+          </p:cNvSpPr>
+          <p:nvPr>
+            <p:ph type="sldImg"/>
+          </p:nvPr>
+        </p:nvSpPr>
+        <p:spPr/>
+      </p:sp>
+      <p:sp>
+        <p:nvSpPr>
+          <p:cNvPr id="3" name="ノート プレースホルダー 2"/>
+          <p:cNvSpPr>
+            <a:spLocks noGrp="1"/>
+          </p:cNvSpPr>
+          <p:nvPr>
+            <p:ph type="body" idx="1"/>
+          </p:nvPr>
+        </p:nvSpPr>
+        <p:spPr/>
+        <p:txBody>
+          <a:bodyPr/>
+          <a:lstStyle/>
+          <a:p>
+            <a:r>
+              <a:rPr kumimoji="1" lang="ja-JP" altLang="en-US"/>
+              <a:t>チャートをたくさん作って、特徴についてたくさん説明する</a:t>
+            </a:r>
+            <a:endParaRPr kumimoji="1" lang="en-US" altLang="ja-JP" dirty="0"/>
+          </a:p>
+          <a:p>
+            <a:r>
+              <a:rPr kumimoji="1" lang="ja-JP" altLang="en-US"/>
+              <a:t>ジオチャートは地域による違いがわかりやすいが、時間的推移を見るには向いていない</a:t>
+            </a:r>
+          </a:p>
+        </p:txBody>
+      </p:sp>
+      <p:sp>
+        <p:nvSpPr>
+          <p:cNvPr id="4" name="スライド番号プレースホルダー 3"/>
+          <p:cNvSpPr>
+            <a:spLocks noGrp="1"/>
+          </p:cNvSpPr>
+          <p:nvPr>
+            <p:ph type="sldNum" sz="quarter" idx="5"/>
+          </p:nvPr>
+        </p:nvSpPr>
+        <p:spPr/>
+        <p:txBody>
+          <a:bodyPr/>
+          <a:lstStyle/>
+          <a:p>
+            <a:fld id="{B05A5F5C-BC8F-42F1-805F-F119BAB24EC1}" type="slidenum">
+              <a:rPr kumimoji="1" lang="ja-JP" altLang="en-US" smtClean="0"/>
+              <a:t>7</a:t>
+            </a:fld>
+            <a:endParaRPr kumimoji="1" lang="ja-JP" altLang="en-US"/>
+          </a:p>
+        </p:txBody>
+      </p:sp>
+    </p:spTree>
+    <p:extLst>
+      <p:ext uri="{BB962C8B-B14F-4D97-AF65-F5344CB8AC3E}">
+        <p14:creationId xmlns:p14="http://schemas.microsoft.com/office/powerpoint/2010/main" val="497168513"/>
+      </p:ext>
+    </p:extLst>
+  </p:cSld>
+  <p:clrMapOvr>
+    <a:masterClrMapping/>
+  </p:clrMapOvr>
+</p:notes>
+</file>
+
+<file path=ppt/notesSlides/notesSlide5.xml><?xml version="1.0" encoding="utf-8"?>
+<p:notes xmlns:a="http://schemas.openxmlformats.org/drawingml/2006/main" xmlns:r="http://schemas.openxmlformats.org/officeDocument/2006/relationships" xmlns:p="http://schemas.openxmlformats.org/presentationml/2006/main">
+  <p:cSld>
+    <p:spTree>
+      <p:nvGrpSpPr>
+        <p:cNvPr id="1" name=""/>
+        <p:cNvGrpSpPr/>
+        <p:nvPr/>
+      </p:nvGrpSpPr>
+      <p:grpSpPr>
+        <a:xfrm>
+          <a:off x="0" y="0"/>
+          <a:ext cx="0" cy="0"/>
+          <a:chOff x="0" y="0"/>
+          <a:chExt cx="0" cy="0"/>
+        </a:xfrm>
+      </p:grpSpPr>
+      <p:sp>
+        <p:nvSpPr>
+          <p:cNvPr id="2" name="スライド イメージ プレースホルダー 1"/>
+          <p:cNvSpPr>
+            <a:spLocks noGrp="1" noRot="1" noChangeAspect="1"/>
+          </p:cNvSpPr>
+          <p:nvPr>
+            <p:ph type="sldImg"/>
+          </p:nvPr>
+        </p:nvSpPr>
+        <p:spPr/>
+      </p:sp>
+      <p:sp>
+        <p:nvSpPr>
+          <p:cNvPr id="3" name="ノート プレースホルダー 2"/>
+          <p:cNvSpPr>
+            <a:spLocks noGrp="1"/>
+          </p:cNvSpPr>
+          <p:nvPr>
+            <p:ph type="body" idx="1"/>
+          </p:nvPr>
+        </p:nvSpPr>
+        <p:spPr/>
+        <p:txBody>
+          <a:bodyPr/>
+          <a:lstStyle/>
+          <a:p>
+            <a:endParaRPr kumimoji="1" lang="ja-JP" altLang="en-US"/>
+          </a:p>
+        </p:txBody>
+      </p:sp>
+      <p:sp>
+        <p:nvSpPr>
+          <p:cNvPr id="4" name="スライド番号プレースホルダー 3"/>
+          <p:cNvSpPr>
+            <a:spLocks noGrp="1"/>
+          </p:cNvSpPr>
+          <p:nvPr>
+            <p:ph type="sldNum" sz="quarter" idx="5"/>
+          </p:nvPr>
+        </p:nvSpPr>
+        <p:spPr/>
+        <p:txBody>
+          <a:bodyPr/>
+          <a:lstStyle/>
+          <a:p>
+            <a:fld id="{B05A5F5C-BC8F-42F1-805F-F119BAB24EC1}" type="slidenum">
+              <a:rPr kumimoji="1" lang="ja-JP" altLang="en-US" smtClean="0"/>
+              <a:t>10</a:t>
+            </a:fld>
+            <a:endParaRPr kumimoji="1" lang="ja-JP" altLang="en-US"/>
+          </a:p>
+        </p:txBody>
+      </p:sp>
+    </p:spTree>
+    <p:extLst>
+      <p:ext uri="{BB962C8B-B14F-4D97-AF65-F5344CB8AC3E}">
+        <p14:creationId xmlns:p14="http://schemas.microsoft.com/office/powerpoint/2010/main" val="2142925182"/>
+      </p:ext>
+    </p:extLst>
+  </p:cSld>
+  <p:clrMapOvr>
+    <a:masterClrMapping/>
+  </p:clrMapOvr>
+</p:notes>
+</file>
+
+<file path=ppt/notesSlides/notesSlide6.xml><?xml version="1.0" encoding="utf-8"?>
+<p:notes xmlns:a="http://schemas.openxmlformats.org/drawingml/2006/main" xmlns:r="http://schemas.openxmlformats.org/officeDocument/2006/relationships" xmlns:p="http://schemas.openxmlformats.org/presentationml/2006/main">
+  <p:cSld>
+    <p:spTree>
+      <p:nvGrpSpPr>
+        <p:cNvPr id="1" name=""/>
+        <p:cNvGrpSpPr/>
+        <p:nvPr/>
+      </p:nvGrpSpPr>
+      <p:grpSpPr>
+        <a:xfrm>
+          <a:off x="0" y="0"/>
+          <a:ext cx="0" cy="0"/>
+          <a:chOff x="0" y="0"/>
+          <a:chExt cx="0" cy="0"/>
+        </a:xfrm>
+      </p:grpSpPr>
+      <p:sp>
+        <p:nvSpPr>
+          <p:cNvPr id="2" name="スライド イメージ プレースホルダー 1"/>
+          <p:cNvSpPr>
+            <a:spLocks noGrp="1" noRot="1" noChangeAspect="1"/>
+          </p:cNvSpPr>
+          <p:nvPr>
+            <p:ph type="sldImg"/>
+          </p:nvPr>
+        </p:nvSpPr>
+        <p:spPr/>
+      </p:sp>
+      <p:sp>
+        <p:nvSpPr>
+          <p:cNvPr id="3" name="ノート プレースホルダー 2"/>
+          <p:cNvSpPr>
+            <a:spLocks noGrp="1"/>
+          </p:cNvSpPr>
+          <p:nvPr>
+            <p:ph type="body" idx="1"/>
+          </p:nvPr>
+        </p:nvSpPr>
+        <p:spPr/>
+        <p:txBody>
+          <a:bodyPr/>
+          <a:lstStyle/>
+          <a:p>
+            <a:r>
+              <a:rPr kumimoji="1" lang="ja-JP" altLang="en-US"/>
+              <a:t>・やろうと思っていたことをどこまでできました、どこまでできませんでした、を発表のまとめとする</a:t>
+            </a:r>
+          </a:p>
+        </p:txBody>
+      </p:sp>
+      <p:sp>
+        <p:nvSpPr>
+          <p:cNvPr id="4" name="スライド番号プレースホルダー 3"/>
+          <p:cNvSpPr>
+            <a:spLocks noGrp="1"/>
+          </p:cNvSpPr>
+          <p:nvPr>
+            <p:ph type="sldNum" sz="quarter" idx="5"/>
+          </p:nvPr>
+        </p:nvSpPr>
+        <p:spPr/>
+        <p:txBody>
+          <a:bodyPr/>
+          <a:lstStyle/>
+          <a:p>
+            <a:fld id="{B05A5F5C-BC8F-42F1-805F-F119BAB24EC1}" type="slidenum">
+              <a:rPr kumimoji="1" lang="ja-JP" altLang="en-US" smtClean="0"/>
+              <a:t>11</a:t>
+            </a:fld>
+            <a:endParaRPr kumimoji="1" lang="ja-JP" altLang="en-US"/>
+          </a:p>
+        </p:txBody>
+      </p:sp>
+    </p:spTree>
+    <p:extLst>
+      <p:ext uri="{BB962C8B-B14F-4D97-AF65-F5344CB8AC3E}">
+        <p14:creationId xmlns:p14="http://schemas.microsoft.com/office/powerpoint/2010/main" val="826536609"/>
       </p:ext>
     </p:extLst>
   </p:cSld>
@@ -610,7 +1122,7 @@
           <p:cNvPr id="2" name="タイトル 1">
             <a:extLst>
               <a:ext uri="{FF2B5EF4-FFF2-40B4-BE49-F238E27FC236}">
-                <a16:creationId xmlns:a16="http://schemas.microsoft.com/office/drawing/2014/main" xmlns="" id="{D5DF3914-848A-5745-957C-528267F7C428}"/>
+                <a16:creationId xmlns:a16="http://schemas.microsoft.com/office/drawing/2014/main" id="{D5DF3914-848A-5745-957C-528267F7C428}"/>
               </a:ext>
             </a:extLst>
           </p:cNvPr>
@@ -647,7 +1159,7 @@
           <p:cNvPr id="3" name="字幕 2">
             <a:extLst>
               <a:ext uri="{FF2B5EF4-FFF2-40B4-BE49-F238E27FC236}">
-                <a16:creationId xmlns:a16="http://schemas.microsoft.com/office/drawing/2014/main" xmlns="" id="{09ED48ED-F942-EA4B-837D-433A04D6B104}"/>
+                <a16:creationId xmlns:a16="http://schemas.microsoft.com/office/drawing/2014/main" id="{09ED48ED-F942-EA4B-837D-433A04D6B104}"/>
               </a:ext>
             </a:extLst>
           </p:cNvPr>
@@ -717,7 +1229,7 @@
           <p:cNvPr id="4" name="日付プレースホルダー 3">
             <a:extLst>
               <a:ext uri="{FF2B5EF4-FFF2-40B4-BE49-F238E27FC236}">
-                <a16:creationId xmlns:a16="http://schemas.microsoft.com/office/drawing/2014/main" xmlns="" id="{3A0DDE53-FAF3-374A-B93B-6D7F5E526B83}"/>
+                <a16:creationId xmlns:a16="http://schemas.microsoft.com/office/drawing/2014/main" id="{3A0DDE53-FAF3-374A-B93B-6D7F5E526B83}"/>
               </a:ext>
             </a:extLst>
           </p:cNvPr>
@@ -746,7 +1258,7 @@
           <p:cNvPr id="5" name="フッター プレースホルダー 4">
             <a:extLst>
               <a:ext uri="{FF2B5EF4-FFF2-40B4-BE49-F238E27FC236}">
-                <a16:creationId xmlns:a16="http://schemas.microsoft.com/office/drawing/2014/main" xmlns="" id="{83CD93A0-C601-B84D-B2EA-38118C6AE7FB}"/>
+                <a16:creationId xmlns:a16="http://schemas.microsoft.com/office/drawing/2014/main" id="{83CD93A0-C601-B84D-B2EA-38118C6AE7FB}"/>
               </a:ext>
             </a:extLst>
           </p:cNvPr>
@@ -771,7 +1283,7 @@
           <p:cNvPr id="6" name="スライド番号プレースホルダー 5">
             <a:extLst>
               <a:ext uri="{FF2B5EF4-FFF2-40B4-BE49-F238E27FC236}">
-                <a16:creationId xmlns:a16="http://schemas.microsoft.com/office/drawing/2014/main" xmlns="" id="{8020DA69-1EC4-8D4B-8C3D-2ABD8A48C106}"/>
+                <a16:creationId xmlns:a16="http://schemas.microsoft.com/office/drawing/2014/main" id="{8020DA69-1EC4-8D4B-8C3D-2ABD8A48C106}"/>
               </a:ext>
             </a:extLst>
           </p:cNvPr>
@@ -830,7 +1342,7 @@
           <p:cNvPr id="2" name="タイトル 1">
             <a:extLst>
               <a:ext uri="{FF2B5EF4-FFF2-40B4-BE49-F238E27FC236}">
-                <a16:creationId xmlns:a16="http://schemas.microsoft.com/office/drawing/2014/main" xmlns="" id="{BB3E10CC-A6BC-8949-B208-329D84FD4921}"/>
+                <a16:creationId xmlns:a16="http://schemas.microsoft.com/office/drawing/2014/main" id="{BB3E10CC-A6BC-8949-B208-329D84FD4921}"/>
               </a:ext>
             </a:extLst>
           </p:cNvPr>
@@ -858,7 +1370,7 @@
           <p:cNvPr id="3" name="縦書きテキスト プレースホルダー 2">
             <a:extLst>
               <a:ext uri="{FF2B5EF4-FFF2-40B4-BE49-F238E27FC236}">
-                <a16:creationId xmlns:a16="http://schemas.microsoft.com/office/drawing/2014/main" xmlns="" id="{7219424D-BC1D-AD4E-B010-1F1D7A13D58F}"/>
+                <a16:creationId xmlns:a16="http://schemas.microsoft.com/office/drawing/2014/main" id="{7219424D-BC1D-AD4E-B010-1F1D7A13D58F}"/>
               </a:ext>
             </a:extLst>
           </p:cNvPr>
@@ -947,7 +1459,7 @@
           <p:cNvPr id="4" name="日付プレースホルダー 3">
             <a:extLst>
               <a:ext uri="{FF2B5EF4-FFF2-40B4-BE49-F238E27FC236}">
-                <a16:creationId xmlns:a16="http://schemas.microsoft.com/office/drawing/2014/main" xmlns="" id="{A0EC3470-4F95-8440-8244-40DACC03B789}"/>
+                <a16:creationId xmlns:a16="http://schemas.microsoft.com/office/drawing/2014/main" id="{A0EC3470-4F95-8440-8244-40DACC03B789}"/>
               </a:ext>
             </a:extLst>
           </p:cNvPr>
@@ -976,7 +1488,7 @@
           <p:cNvPr id="5" name="フッター プレースホルダー 4">
             <a:extLst>
               <a:ext uri="{FF2B5EF4-FFF2-40B4-BE49-F238E27FC236}">
-                <a16:creationId xmlns:a16="http://schemas.microsoft.com/office/drawing/2014/main" xmlns="" id="{66F14C45-11C0-E844-8F6B-65127DAC330E}"/>
+                <a16:creationId xmlns:a16="http://schemas.microsoft.com/office/drawing/2014/main" id="{66F14C45-11C0-E844-8F6B-65127DAC330E}"/>
               </a:ext>
             </a:extLst>
           </p:cNvPr>
@@ -1001,7 +1513,7 @@
           <p:cNvPr id="6" name="スライド番号プレースホルダー 5">
             <a:extLst>
               <a:ext uri="{FF2B5EF4-FFF2-40B4-BE49-F238E27FC236}">
-                <a16:creationId xmlns:a16="http://schemas.microsoft.com/office/drawing/2014/main" xmlns="" id="{0E725F07-7F0B-E14E-8116-981B96C66531}"/>
+                <a16:creationId xmlns:a16="http://schemas.microsoft.com/office/drawing/2014/main" id="{0E725F07-7F0B-E14E-8116-981B96C66531}"/>
               </a:ext>
             </a:extLst>
           </p:cNvPr>
@@ -1060,7 +1572,7 @@
           <p:cNvPr id="2" name="縦書きタイトル 1">
             <a:extLst>
               <a:ext uri="{FF2B5EF4-FFF2-40B4-BE49-F238E27FC236}">
-                <a16:creationId xmlns:a16="http://schemas.microsoft.com/office/drawing/2014/main" xmlns="" id="{39813C18-B35A-0B48-9CAB-63198D349B64}"/>
+                <a16:creationId xmlns:a16="http://schemas.microsoft.com/office/drawing/2014/main" id="{39813C18-B35A-0B48-9CAB-63198D349B64}"/>
               </a:ext>
             </a:extLst>
           </p:cNvPr>
@@ -1093,7 +1605,7 @@
           <p:cNvPr id="3" name="縦書きテキスト プレースホルダー 2">
             <a:extLst>
               <a:ext uri="{FF2B5EF4-FFF2-40B4-BE49-F238E27FC236}">
-                <a16:creationId xmlns:a16="http://schemas.microsoft.com/office/drawing/2014/main" xmlns="" id="{F67CE368-0F9E-2B42-A1E6-C2B1870B324A}"/>
+                <a16:creationId xmlns:a16="http://schemas.microsoft.com/office/drawing/2014/main" id="{F67CE368-0F9E-2B42-A1E6-C2B1870B324A}"/>
               </a:ext>
             </a:extLst>
           </p:cNvPr>
@@ -1187,7 +1699,7 @@
           <p:cNvPr id="4" name="日付プレースホルダー 3">
             <a:extLst>
               <a:ext uri="{FF2B5EF4-FFF2-40B4-BE49-F238E27FC236}">
-                <a16:creationId xmlns:a16="http://schemas.microsoft.com/office/drawing/2014/main" xmlns="" id="{867ACC2A-B8D1-7C41-9B9F-4C65056F947D}"/>
+                <a16:creationId xmlns:a16="http://schemas.microsoft.com/office/drawing/2014/main" id="{867ACC2A-B8D1-7C41-9B9F-4C65056F947D}"/>
               </a:ext>
             </a:extLst>
           </p:cNvPr>
@@ -1216,7 +1728,7 @@
           <p:cNvPr id="5" name="フッター プレースホルダー 4">
             <a:extLst>
               <a:ext uri="{FF2B5EF4-FFF2-40B4-BE49-F238E27FC236}">
-                <a16:creationId xmlns:a16="http://schemas.microsoft.com/office/drawing/2014/main" xmlns="" id="{087856E7-9E03-2C48-B6EC-72CF81629D1A}"/>
+                <a16:creationId xmlns:a16="http://schemas.microsoft.com/office/drawing/2014/main" id="{087856E7-9E03-2C48-B6EC-72CF81629D1A}"/>
               </a:ext>
             </a:extLst>
           </p:cNvPr>
@@ -1241,7 +1753,7 @@
           <p:cNvPr id="6" name="スライド番号プレースホルダー 5">
             <a:extLst>
               <a:ext uri="{FF2B5EF4-FFF2-40B4-BE49-F238E27FC236}">
-                <a16:creationId xmlns:a16="http://schemas.microsoft.com/office/drawing/2014/main" xmlns="" id="{C67C1FF0-41FF-734C-8215-5603860FCEB5}"/>
+                <a16:creationId xmlns:a16="http://schemas.microsoft.com/office/drawing/2014/main" id="{C67C1FF0-41FF-734C-8215-5603860FCEB5}"/>
               </a:ext>
             </a:extLst>
           </p:cNvPr>
@@ -1300,7 +1812,7 @@
           <p:cNvPr id="2" name="タイトル 1">
             <a:extLst>
               <a:ext uri="{FF2B5EF4-FFF2-40B4-BE49-F238E27FC236}">
-                <a16:creationId xmlns:a16="http://schemas.microsoft.com/office/drawing/2014/main" xmlns="" id="{79AD0717-2C6D-1447-94E8-005D647C12FA}"/>
+                <a16:creationId xmlns:a16="http://schemas.microsoft.com/office/drawing/2014/main" id="{79AD0717-2C6D-1447-94E8-005D647C12FA}"/>
               </a:ext>
             </a:extLst>
           </p:cNvPr>
@@ -1328,7 +1840,7 @@
           <p:cNvPr id="3" name="コンテンツ プレースホルダー 2">
             <a:extLst>
               <a:ext uri="{FF2B5EF4-FFF2-40B4-BE49-F238E27FC236}">
-                <a16:creationId xmlns:a16="http://schemas.microsoft.com/office/drawing/2014/main" xmlns="" id="{F692E943-D9F7-F64A-9495-77932297DAB9}"/>
+                <a16:creationId xmlns:a16="http://schemas.microsoft.com/office/drawing/2014/main" id="{F692E943-D9F7-F64A-9495-77932297DAB9}"/>
               </a:ext>
             </a:extLst>
           </p:cNvPr>
@@ -1417,7 +1929,7 @@
           <p:cNvPr id="4" name="日付プレースホルダー 3">
             <a:extLst>
               <a:ext uri="{FF2B5EF4-FFF2-40B4-BE49-F238E27FC236}">
-                <a16:creationId xmlns:a16="http://schemas.microsoft.com/office/drawing/2014/main" xmlns="" id="{46AF73F5-1F52-3C42-920C-52BCD964D9DB}"/>
+                <a16:creationId xmlns:a16="http://schemas.microsoft.com/office/drawing/2014/main" id="{46AF73F5-1F52-3C42-920C-52BCD964D9DB}"/>
               </a:ext>
             </a:extLst>
           </p:cNvPr>
@@ -1446,7 +1958,7 @@
           <p:cNvPr id="5" name="フッター プレースホルダー 4">
             <a:extLst>
               <a:ext uri="{FF2B5EF4-FFF2-40B4-BE49-F238E27FC236}">
-                <a16:creationId xmlns:a16="http://schemas.microsoft.com/office/drawing/2014/main" xmlns="" id="{68D477E9-E726-3440-9A60-D29AD7FFB974}"/>
+                <a16:creationId xmlns:a16="http://schemas.microsoft.com/office/drawing/2014/main" id="{68D477E9-E726-3440-9A60-D29AD7FFB974}"/>
               </a:ext>
             </a:extLst>
           </p:cNvPr>
@@ -1471,7 +1983,7 @@
           <p:cNvPr id="6" name="スライド番号プレースホルダー 5">
             <a:extLst>
               <a:ext uri="{FF2B5EF4-FFF2-40B4-BE49-F238E27FC236}">
-                <a16:creationId xmlns:a16="http://schemas.microsoft.com/office/drawing/2014/main" xmlns="" id="{281A8823-BFC8-2149-9684-D4368C50FB0C}"/>
+                <a16:creationId xmlns:a16="http://schemas.microsoft.com/office/drawing/2014/main" id="{281A8823-BFC8-2149-9684-D4368C50FB0C}"/>
               </a:ext>
             </a:extLst>
           </p:cNvPr>
@@ -1530,7 +2042,7 @@
           <p:cNvPr id="2" name="タイトル 1">
             <a:extLst>
               <a:ext uri="{FF2B5EF4-FFF2-40B4-BE49-F238E27FC236}">
-                <a16:creationId xmlns:a16="http://schemas.microsoft.com/office/drawing/2014/main" xmlns="" id="{11D7A484-CED8-0042-AB5C-E49584593BA4}"/>
+                <a16:creationId xmlns:a16="http://schemas.microsoft.com/office/drawing/2014/main" id="{11D7A484-CED8-0042-AB5C-E49584593BA4}"/>
               </a:ext>
             </a:extLst>
           </p:cNvPr>
@@ -1567,7 +2079,7 @@
           <p:cNvPr id="3" name="テキスト プレースホルダー 2">
             <a:extLst>
               <a:ext uri="{FF2B5EF4-FFF2-40B4-BE49-F238E27FC236}">
-                <a16:creationId xmlns:a16="http://schemas.microsoft.com/office/drawing/2014/main" xmlns="" id="{603AFF4A-337D-6F44-B171-9DAE74385387}"/>
+                <a16:creationId xmlns:a16="http://schemas.microsoft.com/office/drawing/2014/main" id="{603AFF4A-337D-6F44-B171-9DAE74385387}"/>
               </a:ext>
             </a:extLst>
           </p:cNvPr>
@@ -1692,7 +2204,7 @@
           <p:cNvPr id="4" name="日付プレースホルダー 3">
             <a:extLst>
               <a:ext uri="{FF2B5EF4-FFF2-40B4-BE49-F238E27FC236}">
-                <a16:creationId xmlns:a16="http://schemas.microsoft.com/office/drawing/2014/main" xmlns="" id="{B2D66AD0-01C1-914F-BB4D-24E1D0802D2B}"/>
+                <a16:creationId xmlns:a16="http://schemas.microsoft.com/office/drawing/2014/main" id="{B2D66AD0-01C1-914F-BB4D-24E1D0802D2B}"/>
               </a:ext>
             </a:extLst>
           </p:cNvPr>
@@ -1721,7 +2233,7 @@
           <p:cNvPr id="5" name="フッター プレースホルダー 4">
             <a:extLst>
               <a:ext uri="{FF2B5EF4-FFF2-40B4-BE49-F238E27FC236}">
-                <a16:creationId xmlns:a16="http://schemas.microsoft.com/office/drawing/2014/main" xmlns="" id="{CD674AB9-A292-CC49-B4AC-1151A77C96C1}"/>
+                <a16:creationId xmlns:a16="http://schemas.microsoft.com/office/drawing/2014/main" id="{CD674AB9-A292-CC49-B4AC-1151A77C96C1}"/>
               </a:ext>
             </a:extLst>
           </p:cNvPr>
@@ -1746,7 +2258,7 @@
           <p:cNvPr id="6" name="スライド番号プレースホルダー 5">
             <a:extLst>
               <a:ext uri="{FF2B5EF4-FFF2-40B4-BE49-F238E27FC236}">
-                <a16:creationId xmlns:a16="http://schemas.microsoft.com/office/drawing/2014/main" xmlns="" id="{C2194DD3-01FF-E24A-990B-531E6B1C8814}"/>
+                <a16:creationId xmlns:a16="http://schemas.microsoft.com/office/drawing/2014/main" id="{C2194DD3-01FF-E24A-990B-531E6B1C8814}"/>
               </a:ext>
             </a:extLst>
           </p:cNvPr>
@@ -1805,7 +2317,7 @@
           <p:cNvPr id="2" name="タイトル 1">
             <a:extLst>
               <a:ext uri="{FF2B5EF4-FFF2-40B4-BE49-F238E27FC236}">
-                <a16:creationId xmlns:a16="http://schemas.microsoft.com/office/drawing/2014/main" xmlns="" id="{AF4C0AFC-A229-8B43-A476-E19F9A12B5E9}"/>
+                <a16:creationId xmlns:a16="http://schemas.microsoft.com/office/drawing/2014/main" id="{AF4C0AFC-A229-8B43-A476-E19F9A12B5E9}"/>
               </a:ext>
             </a:extLst>
           </p:cNvPr>
@@ -1833,7 +2345,7 @@
           <p:cNvPr id="3" name="コンテンツ プレースホルダー 2">
             <a:extLst>
               <a:ext uri="{FF2B5EF4-FFF2-40B4-BE49-F238E27FC236}">
-                <a16:creationId xmlns:a16="http://schemas.microsoft.com/office/drawing/2014/main" xmlns="" id="{A77E57E2-40B9-0840-8854-0BB52DFB6AD7}"/>
+                <a16:creationId xmlns:a16="http://schemas.microsoft.com/office/drawing/2014/main" id="{A77E57E2-40B9-0840-8854-0BB52DFB6AD7}"/>
               </a:ext>
             </a:extLst>
           </p:cNvPr>
@@ -1927,7 +2439,7 @@
           <p:cNvPr id="4" name="コンテンツ プレースホルダー 3">
             <a:extLst>
               <a:ext uri="{FF2B5EF4-FFF2-40B4-BE49-F238E27FC236}">
-                <a16:creationId xmlns:a16="http://schemas.microsoft.com/office/drawing/2014/main" xmlns="" id="{5376FFAC-8690-B24D-9377-7FEEB22104AF}"/>
+                <a16:creationId xmlns:a16="http://schemas.microsoft.com/office/drawing/2014/main" id="{5376FFAC-8690-B24D-9377-7FEEB22104AF}"/>
               </a:ext>
             </a:extLst>
           </p:cNvPr>
@@ -2021,7 +2533,7 @@
           <p:cNvPr id="5" name="日付プレースホルダー 4">
             <a:extLst>
               <a:ext uri="{FF2B5EF4-FFF2-40B4-BE49-F238E27FC236}">
-                <a16:creationId xmlns:a16="http://schemas.microsoft.com/office/drawing/2014/main" xmlns="" id="{86E22A30-78E1-3F43-9E9C-5C7CBC5E207D}"/>
+                <a16:creationId xmlns:a16="http://schemas.microsoft.com/office/drawing/2014/main" id="{86E22A30-78E1-3F43-9E9C-5C7CBC5E207D}"/>
               </a:ext>
             </a:extLst>
           </p:cNvPr>
@@ -2050,7 +2562,7 @@
           <p:cNvPr id="6" name="フッター プレースホルダー 5">
             <a:extLst>
               <a:ext uri="{FF2B5EF4-FFF2-40B4-BE49-F238E27FC236}">
-                <a16:creationId xmlns:a16="http://schemas.microsoft.com/office/drawing/2014/main" xmlns="" id="{F7E1C133-61A1-3B48-99FD-9B44EDC7FA8F}"/>
+                <a16:creationId xmlns:a16="http://schemas.microsoft.com/office/drawing/2014/main" id="{F7E1C133-61A1-3B48-99FD-9B44EDC7FA8F}"/>
               </a:ext>
             </a:extLst>
           </p:cNvPr>
@@ -2075,7 +2587,7 @@
           <p:cNvPr id="7" name="スライド番号プレースホルダー 6">
             <a:extLst>
               <a:ext uri="{FF2B5EF4-FFF2-40B4-BE49-F238E27FC236}">
-                <a16:creationId xmlns:a16="http://schemas.microsoft.com/office/drawing/2014/main" xmlns="" id="{6AD892A4-0282-8C4E-BBCA-18D30829CEB8}"/>
+                <a16:creationId xmlns:a16="http://schemas.microsoft.com/office/drawing/2014/main" id="{6AD892A4-0282-8C4E-BBCA-18D30829CEB8}"/>
               </a:ext>
             </a:extLst>
           </p:cNvPr>
@@ -2134,7 +2646,7 @@
           <p:cNvPr id="2" name="タイトル 1">
             <a:extLst>
               <a:ext uri="{FF2B5EF4-FFF2-40B4-BE49-F238E27FC236}">
-                <a16:creationId xmlns:a16="http://schemas.microsoft.com/office/drawing/2014/main" xmlns="" id="{967A1187-E1C0-3F49-9BBB-3CEE05287960}"/>
+                <a16:creationId xmlns:a16="http://schemas.microsoft.com/office/drawing/2014/main" id="{967A1187-E1C0-3F49-9BBB-3CEE05287960}"/>
               </a:ext>
             </a:extLst>
           </p:cNvPr>
@@ -2167,7 +2679,7 @@
           <p:cNvPr id="3" name="テキスト プレースホルダー 2">
             <a:extLst>
               <a:ext uri="{FF2B5EF4-FFF2-40B4-BE49-F238E27FC236}">
-                <a16:creationId xmlns:a16="http://schemas.microsoft.com/office/drawing/2014/main" xmlns="" id="{0B8BED0F-B809-214C-854B-1E53659BAC87}"/>
+                <a16:creationId xmlns:a16="http://schemas.microsoft.com/office/drawing/2014/main" id="{0B8BED0F-B809-214C-854B-1E53659BAC87}"/>
               </a:ext>
             </a:extLst>
           </p:cNvPr>
@@ -2238,7 +2750,7 @@
           <p:cNvPr id="4" name="コンテンツ プレースホルダー 3">
             <a:extLst>
               <a:ext uri="{FF2B5EF4-FFF2-40B4-BE49-F238E27FC236}">
-                <a16:creationId xmlns:a16="http://schemas.microsoft.com/office/drawing/2014/main" xmlns="" id="{B73D82D9-99EB-F849-A598-D4B5491774B8}"/>
+                <a16:creationId xmlns:a16="http://schemas.microsoft.com/office/drawing/2014/main" id="{B73D82D9-99EB-F849-A598-D4B5491774B8}"/>
               </a:ext>
             </a:extLst>
           </p:cNvPr>
@@ -2332,7 +2844,7 @@
           <p:cNvPr id="5" name="テキスト プレースホルダー 4">
             <a:extLst>
               <a:ext uri="{FF2B5EF4-FFF2-40B4-BE49-F238E27FC236}">
-                <a16:creationId xmlns:a16="http://schemas.microsoft.com/office/drawing/2014/main" xmlns="" id="{75B659EC-3244-C545-B91A-A4A6995D5B1D}"/>
+                <a16:creationId xmlns:a16="http://schemas.microsoft.com/office/drawing/2014/main" id="{75B659EC-3244-C545-B91A-A4A6995D5B1D}"/>
               </a:ext>
             </a:extLst>
           </p:cNvPr>
@@ -2403,7 +2915,7 @@
           <p:cNvPr id="6" name="コンテンツ プレースホルダー 5">
             <a:extLst>
               <a:ext uri="{FF2B5EF4-FFF2-40B4-BE49-F238E27FC236}">
-                <a16:creationId xmlns:a16="http://schemas.microsoft.com/office/drawing/2014/main" xmlns="" id="{33D91E99-E03D-6E41-9187-88ABD7EB0D64}"/>
+                <a16:creationId xmlns:a16="http://schemas.microsoft.com/office/drawing/2014/main" id="{33D91E99-E03D-6E41-9187-88ABD7EB0D64}"/>
               </a:ext>
             </a:extLst>
           </p:cNvPr>
@@ -2497,7 +3009,7 @@
           <p:cNvPr id="7" name="日付プレースホルダー 6">
             <a:extLst>
               <a:ext uri="{FF2B5EF4-FFF2-40B4-BE49-F238E27FC236}">
-                <a16:creationId xmlns:a16="http://schemas.microsoft.com/office/drawing/2014/main" xmlns="" id="{968BA2AE-B4E8-BC4F-AAE2-2FE7F43CAF94}"/>
+                <a16:creationId xmlns:a16="http://schemas.microsoft.com/office/drawing/2014/main" id="{968BA2AE-B4E8-BC4F-AAE2-2FE7F43CAF94}"/>
               </a:ext>
             </a:extLst>
           </p:cNvPr>
@@ -2526,7 +3038,7 @@
           <p:cNvPr id="8" name="フッター プレースホルダー 7">
             <a:extLst>
               <a:ext uri="{FF2B5EF4-FFF2-40B4-BE49-F238E27FC236}">
-                <a16:creationId xmlns:a16="http://schemas.microsoft.com/office/drawing/2014/main" xmlns="" id="{75356495-EC54-F546-A091-DC1A785066CC}"/>
+                <a16:creationId xmlns:a16="http://schemas.microsoft.com/office/drawing/2014/main" id="{75356495-EC54-F546-A091-DC1A785066CC}"/>
               </a:ext>
             </a:extLst>
           </p:cNvPr>
@@ -2551,7 +3063,7 @@
           <p:cNvPr id="9" name="スライド番号プレースホルダー 8">
             <a:extLst>
               <a:ext uri="{FF2B5EF4-FFF2-40B4-BE49-F238E27FC236}">
-                <a16:creationId xmlns:a16="http://schemas.microsoft.com/office/drawing/2014/main" xmlns="" id="{A594F2B8-9C5A-B748-B626-F119CDBA795E}"/>
+                <a16:creationId xmlns:a16="http://schemas.microsoft.com/office/drawing/2014/main" id="{A594F2B8-9C5A-B748-B626-F119CDBA795E}"/>
               </a:ext>
             </a:extLst>
           </p:cNvPr>
@@ -2610,7 +3122,7 @@
           <p:cNvPr id="2" name="タイトル 1">
             <a:extLst>
               <a:ext uri="{FF2B5EF4-FFF2-40B4-BE49-F238E27FC236}">
-                <a16:creationId xmlns:a16="http://schemas.microsoft.com/office/drawing/2014/main" xmlns="" id="{4D2EAD1E-60F9-7641-8969-0A56C0A350EB}"/>
+                <a16:creationId xmlns:a16="http://schemas.microsoft.com/office/drawing/2014/main" id="{4D2EAD1E-60F9-7641-8969-0A56C0A350EB}"/>
               </a:ext>
             </a:extLst>
           </p:cNvPr>
@@ -2638,7 +3150,7 @@
           <p:cNvPr id="3" name="日付プレースホルダー 2">
             <a:extLst>
               <a:ext uri="{FF2B5EF4-FFF2-40B4-BE49-F238E27FC236}">
-                <a16:creationId xmlns:a16="http://schemas.microsoft.com/office/drawing/2014/main" xmlns="" id="{6F635876-01C2-A249-87FC-FA72E59558F1}"/>
+                <a16:creationId xmlns:a16="http://schemas.microsoft.com/office/drawing/2014/main" id="{6F635876-01C2-A249-87FC-FA72E59558F1}"/>
               </a:ext>
             </a:extLst>
           </p:cNvPr>
@@ -2667,7 +3179,7 @@
           <p:cNvPr id="4" name="フッター プレースホルダー 3">
             <a:extLst>
               <a:ext uri="{FF2B5EF4-FFF2-40B4-BE49-F238E27FC236}">
-                <a16:creationId xmlns:a16="http://schemas.microsoft.com/office/drawing/2014/main" xmlns="" id="{DA54D7D2-5C3F-4E49-A451-8903880D6AD8}"/>
+                <a16:creationId xmlns:a16="http://schemas.microsoft.com/office/drawing/2014/main" id="{DA54D7D2-5C3F-4E49-A451-8903880D6AD8}"/>
               </a:ext>
             </a:extLst>
           </p:cNvPr>
@@ -2692,7 +3204,7 @@
           <p:cNvPr id="5" name="スライド番号プレースホルダー 4">
             <a:extLst>
               <a:ext uri="{FF2B5EF4-FFF2-40B4-BE49-F238E27FC236}">
-                <a16:creationId xmlns:a16="http://schemas.microsoft.com/office/drawing/2014/main" xmlns="" id="{D7F36122-4EA4-C74A-B8E2-64720EB3ECD9}"/>
+                <a16:creationId xmlns:a16="http://schemas.microsoft.com/office/drawing/2014/main" id="{D7F36122-4EA4-C74A-B8E2-64720EB3ECD9}"/>
               </a:ext>
             </a:extLst>
           </p:cNvPr>
@@ -2751,7 +3263,7 @@
           <p:cNvPr id="2" name="日付プレースホルダー 1">
             <a:extLst>
               <a:ext uri="{FF2B5EF4-FFF2-40B4-BE49-F238E27FC236}">
-                <a16:creationId xmlns:a16="http://schemas.microsoft.com/office/drawing/2014/main" xmlns="" id="{8A8504EB-34C4-6F46-8241-1474E6181EAD}"/>
+                <a16:creationId xmlns:a16="http://schemas.microsoft.com/office/drawing/2014/main" id="{8A8504EB-34C4-6F46-8241-1474E6181EAD}"/>
               </a:ext>
             </a:extLst>
           </p:cNvPr>
@@ -2780,7 +3292,7 @@
           <p:cNvPr id="3" name="フッター プレースホルダー 2">
             <a:extLst>
               <a:ext uri="{FF2B5EF4-FFF2-40B4-BE49-F238E27FC236}">
-                <a16:creationId xmlns:a16="http://schemas.microsoft.com/office/drawing/2014/main" xmlns="" id="{8E4B51ED-6797-F542-AE04-9FB3D420CB9F}"/>
+                <a16:creationId xmlns:a16="http://schemas.microsoft.com/office/drawing/2014/main" id="{8E4B51ED-6797-F542-AE04-9FB3D420CB9F}"/>
               </a:ext>
             </a:extLst>
           </p:cNvPr>
@@ -2805,7 +3317,7 @@
           <p:cNvPr id="4" name="スライド番号プレースホルダー 3">
             <a:extLst>
               <a:ext uri="{FF2B5EF4-FFF2-40B4-BE49-F238E27FC236}">
-                <a16:creationId xmlns:a16="http://schemas.microsoft.com/office/drawing/2014/main" xmlns="" id="{0C423C5D-3A0A-4248-8EDC-76AAB818ADC7}"/>
+                <a16:creationId xmlns:a16="http://schemas.microsoft.com/office/drawing/2014/main" id="{0C423C5D-3A0A-4248-8EDC-76AAB818ADC7}"/>
               </a:ext>
             </a:extLst>
           </p:cNvPr>
@@ -2864,7 +3376,7 @@
           <p:cNvPr id="2" name="タイトル 1">
             <a:extLst>
               <a:ext uri="{FF2B5EF4-FFF2-40B4-BE49-F238E27FC236}">
-                <a16:creationId xmlns:a16="http://schemas.microsoft.com/office/drawing/2014/main" xmlns="" id="{5C0FE34A-22F2-3444-BB9C-4A78E0748F00}"/>
+                <a16:creationId xmlns:a16="http://schemas.microsoft.com/office/drawing/2014/main" id="{5C0FE34A-22F2-3444-BB9C-4A78E0748F00}"/>
               </a:ext>
             </a:extLst>
           </p:cNvPr>
@@ -2901,7 +3413,7 @@
           <p:cNvPr id="3" name="コンテンツ プレースホルダー 2">
             <a:extLst>
               <a:ext uri="{FF2B5EF4-FFF2-40B4-BE49-F238E27FC236}">
-                <a16:creationId xmlns:a16="http://schemas.microsoft.com/office/drawing/2014/main" xmlns="" id="{09BAAB2D-647B-BD4D-A2B8-C19C8B5806B4}"/>
+                <a16:creationId xmlns:a16="http://schemas.microsoft.com/office/drawing/2014/main" id="{09BAAB2D-647B-BD4D-A2B8-C19C8B5806B4}"/>
               </a:ext>
             </a:extLst>
           </p:cNvPr>
@@ -3023,7 +3535,7 @@
           <p:cNvPr id="4" name="テキスト プレースホルダー 3">
             <a:extLst>
               <a:ext uri="{FF2B5EF4-FFF2-40B4-BE49-F238E27FC236}">
-                <a16:creationId xmlns:a16="http://schemas.microsoft.com/office/drawing/2014/main" xmlns="" id="{B990BF36-195F-024D-A68C-39FD62D44CED}"/>
+                <a16:creationId xmlns:a16="http://schemas.microsoft.com/office/drawing/2014/main" id="{B990BF36-195F-024D-A68C-39FD62D44CED}"/>
               </a:ext>
             </a:extLst>
           </p:cNvPr>
@@ -3094,7 +3606,7 @@
           <p:cNvPr id="5" name="日付プレースホルダー 4">
             <a:extLst>
               <a:ext uri="{FF2B5EF4-FFF2-40B4-BE49-F238E27FC236}">
-                <a16:creationId xmlns:a16="http://schemas.microsoft.com/office/drawing/2014/main" xmlns="" id="{DC1FFC4A-CE0C-1F41-B7FF-34D1BB864561}"/>
+                <a16:creationId xmlns:a16="http://schemas.microsoft.com/office/drawing/2014/main" id="{DC1FFC4A-CE0C-1F41-B7FF-34D1BB864561}"/>
               </a:ext>
             </a:extLst>
           </p:cNvPr>
@@ -3123,7 +3635,7 @@
           <p:cNvPr id="6" name="フッター プレースホルダー 5">
             <a:extLst>
               <a:ext uri="{FF2B5EF4-FFF2-40B4-BE49-F238E27FC236}">
-                <a16:creationId xmlns:a16="http://schemas.microsoft.com/office/drawing/2014/main" xmlns="" id="{E17C14E4-63A5-054C-BC87-FAC762FBD5BD}"/>
+                <a16:creationId xmlns:a16="http://schemas.microsoft.com/office/drawing/2014/main" id="{E17C14E4-63A5-054C-BC87-FAC762FBD5BD}"/>
               </a:ext>
             </a:extLst>
           </p:cNvPr>
@@ -3148,7 +3660,7 @@
           <p:cNvPr id="7" name="スライド番号プレースホルダー 6">
             <a:extLst>
               <a:ext uri="{FF2B5EF4-FFF2-40B4-BE49-F238E27FC236}">
-                <a16:creationId xmlns:a16="http://schemas.microsoft.com/office/drawing/2014/main" xmlns="" id="{4CC39CDD-988A-9544-916A-E6BC31EF330A}"/>
+                <a16:creationId xmlns:a16="http://schemas.microsoft.com/office/drawing/2014/main" id="{4CC39CDD-988A-9544-916A-E6BC31EF330A}"/>
               </a:ext>
             </a:extLst>
           </p:cNvPr>
@@ -3207,7 +3719,7 @@
           <p:cNvPr id="2" name="タイトル 1">
             <a:extLst>
               <a:ext uri="{FF2B5EF4-FFF2-40B4-BE49-F238E27FC236}">
-                <a16:creationId xmlns:a16="http://schemas.microsoft.com/office/drawing/2014/main" xmlns="" id="{8DF74D26-4214-3A41-93DC-CB4F45E821D7}"/>
+                <a16:creationId xmlns:a16="http://schemas.microsoft.com/office/drawing/2014/main" id="{8DF74D26-4214-3A41-93DC-CB4F45E821D7}"/>
               </a:ext>
             </a:extLst>
           </p:cNvPr>
@@ -3244,7 +3756,7 @@
           <p:cNvPr id="3" name="図プレースホルダー 2">
             <a:extLst>
               <a:ext uri="{FF2B5EF4-FFF2-40B4-BE49-F238E27FC236}">
-                <a16:creationId xmlns:a16="http://schemas.microsoft.com/office/drawing/2014/main" xmlns="" id="{D940054E-68E5-484F-A4CF-426949E92B65}"/>
+                <a16:creationId xmlns:a16="http://schemas.microsoft.com/office/drawing/2014/main" id="{D940054E-68E5-484F-A4CF-426949E92B65}"/>
               </a:ext>
             </a:extLst>
           </p:cNvPr>
@@ -3311,7 +3823,7 @@
           <p:cNvPr id="4" name="テキスト プレースホルダー 3">
             <a:extLst>
               <a:ext uri="{FF2B5EF4-FFF2-40B4-BE49-F238E27FC236}">
-                <a16:creationId xmlns:a16="http://schemas.microsoft.com/office/drawing/2014/main" xmlns="" id="{352261EF-C0AC-DD47-80A3-9E3C6D693575}"/>
+                <a16:creationId xmlns:a16="http://schemas.microsoft.com/office/drawing/2014/main" id="{352261EF-C0AC-DD47-80A3-9E3C6D693575}"/>
               </a:ext>
             </a:extLst>
           </p:cNvPr>
@@ -3382,7 +3894,7 @@
           <p:cNvPr id="5" name="日付プレースホルダー 4">
             <a:extLst>
               <a:ext uri="{FF2B5EF4-FFF2-40B4-BE49-F238E27FC236}">
-                <a16:creationId xmlns:a16="http://schemas.microsoft.com/office/drawing/2014/main" xmlns="" id="{78345BD8-A5BE-2B4C-B50F-854BE8DA244E}"/>
+                <a16:creationId xmlns:a16="http://schemas.microsoft.com/office/drawing/2014/main" id="{78345BD8-A5BE-2B4C-B50F-854BE8DA244E}"/>
               </a:ext>
             </a:extLst>
           </p:cNvPr>
@@ -3411,7 +3923,7 @@
           <p:cNvPr id="6" name="フッター プレースホルダー 5">
             <a:extLst>
               <a:ext uri="{FF2B5EF4-FFF2-40B4-BE49-F238E27FC236}">
-                <a16:creationId xmlns:a16="http://schemas.microsoft.com/office/drawing/2014/main" xmlns="" id="{49B99FCF-ADF1-9D4F-88BE-3EABB8C04E28}"/>
+                <a16:creationId xmlns:a16="http://schemas.microsoft.com/office/drawing/2014/main" id="{49B99FCF-ADF1-9D4F-88BE-3EABB8C04E28}"/>
               </a:ext>
             </a:extLst>
           </p:cNvPr>
@@ -3436,7 +3948,7 @@
           <p:cNvPr id="7" name="スライド番号プレースホルダー 6">
             <a:extLst>
               <a:ext uri="{FF2B5EF4-FFF2-40B4-BE49-F238E27FC236}">
-                <a16:creationId xmlns:a16="http://schemas.microsoft.com/office/drawing/2014/main" xmlns="" id="{27455309-6FE4-1340-87BA-D1AD36515559}"/>
+                <a16:creationId xmlns:a16="http://schemas.microsoft.com/office/drawing/2014/main" id="{27455309-6FE4-1340-87BA-D1AD36515559}"/>
               </a:ext>
             </a:extLst>
           </p:cNvPr>
@@ -3500,7 +4012,7 @@
           <p:cNvPr id="2" name="タイトル プレースホルダー 1">
             <a:extLst>
               <a:ext uri="{FF2B5EF4-FFF2-40B4-BE49-F238E27FC236}">
-                <a16:creationId xmlns:a16="http://schemas.microsoft.com/office/drawing/2014/main" xmlns="" id="{2D34D946-D89E-6442-9075-ADE04490EE87}"/>
+                <a16:creationId xmlns:a16="http://schemas.microsoft.com/office/drawing/2014/main" id="{2D34D946-D89E-6442-9075-ADE04490EE87}"/>
               </a:ext>
             </a:extLst>
           </p:cNvPr>
@@ -3538,7 +4050,7 @@
           <p:cNvPr id="3" name="テキスト プレースホルダー 2">
             <a:extLst>
               <a:ext uri="{FF2B5EF4-FFF2-40B4-BE49-F238E27FC236}">
-                <a16:creationId xmlns:a16="http://schemas.microsoft.com/office/drawing/2014/main" xmlns="" id="{ECB16F28-657A-7547-9851-1F9FC0B19702}"/>
+                <a16:creationId xmlns:a16="http://schemas.microsoft.com/office/drawing/2014/main" id="{ECB16F28-657A-7547-9851-1F9FC0B19702}"/>
               </a:ext>
             </a:extLst>
           </p:cNvPr>
@@ -3637,7 +4149,7 @@
           <p:cNvPr id="4" name="日付プレースホルダー 3">
             <a:extLst>
               <a:ext uri="{FF2B5EF4-FFF2-40B4-BE49-F238E27FC236}">
-                <a16:creationId xmlns:a16="http://schemas.microsoft.com/office/drawing/2014/main" xmlns="" id="{AA47E054-8B17-264A-AFC9-BCC05E220C26}"/>
+                <a16:creationId xmlns:a16="http://schemas.microsoft.com/office/drawing/2014/main" id="{AA47E054-8B17-264A-AFC9-BCC05E220C26}"/>
               </a:ext>
             </a:extLst>
           </p:cNvPr>
@@ -3684,7 +4196,7 @@
           <p:cNvPr id="5" name="フッター プレースホルダー 4">
             <a:extLst>
               <a:ext uri="{FF2B5EF4-FFF2-40B4-BE49-F238E27FC236}">
-                <a16:creationId xmlns:a16="http://schemas.microsoft.com/office/drawing/2014/main" xmlns="" id="{C8FD813E-BA24-5E40-883A-DFDE11A12983}"/>
+                <a16:creationId xmlns:a16="http://schemas.microsoft.com/office/drawing/2014/main" id="{C8FD813E-BA24-5E40-883A-DFDE11A12983}"/>
               </a:ext>
             </a:extLst>
           </p:cNvPr>
@@ -3727,7 +4239,7 @@
           <p:cNvPr id="6" name="スライド番号プレースホルダー 5">
             <a:extLst>
               <a:ext uri="{FF2B5EF4-FFF2-40B4-BE49-F238E27FC236}">
-                <a16:creationId xmlns:a16="http://schemas.microsoft.com/office/drawing/2014/main" xmlns="" id="{5FB17BC1-8AA0-7843-B555-D51F4B1C5A23}"/>
+                <a16:creationId xmlns:a16="http://schemas.microsoft.com/office/drawing/2014/main" id="{5FB17BC1-8AA0-7843-B555-D51F4B1C5A23}"/>
               </a:ext>
             </a:extLst>
           </p:cNvPr>
@@ -4095,7 +4607,7 @@
           <p:cNvPr id="2" name="タイトル 1">
             <a:extLst>
               <a:ext uri="{FF2B5EF4-FFF2-40B4-BE49-F238E27FC236}">
-                <a16:creationId xmlns:a16="http://schemas.microsoft.com/office/drawing/2014/main" xmlns="" id="{4E9248D7-C77C-964F-B39C-A0CF57B18B5C}"/>
+                <a16:creationId xmlns:a16="http://schemas.microsoft.com/office/drawing/2014/main" id="{4E9248D7-C77C-964F-B39C-A0CF57B18B5C}"/>
               </a:ext>
             </a:extLst>
           </p:cNvPr>
@@ -4123,7 +4635,7 @@
           <p:cNvPr id="3" name="字幕 2">
             <a:extLst>
               <a:ext uri="{FF2B5EF4-FFF2-40B4-BE49-F238E27FC236}">
-                <a16:creationId xmlns:a16="http://schemas.microsoft.com/office/drawing/2014/main" xmlns="" id="{733749B4-8B89-A141-B0F8-D74350083502}"/>
+                <a16:creationId xmlns:a16="http://schemas.microsoft.com/office/drawing/2014/main" id="{733749B4-8B89-A141-B0F8-D74350083502}"/>
               </a:ext>
             </a:extLst>
           </p:cNvPr>
@@ -4163,6 +4675,174 @@
     <p:extLst>
       <p:ext uri="{BB962C8B-B14F-4D97-AF65-F5344CB8AC3E}">
         <p14:creationId xmlns:p14="http://schemas.microsoft.com/office/powerpoint/2010/main" val="451738816"/>
+      </p:ext>
+    </p:extLst>
+  </p:cSld>
+  <p:clrMapOvr>
+    <a:masterClrMapping/>
+  </p:clrMapOvr>
+</p:sld>
+</file>
+
+<file path=ppt/slides/slide10.xml><?xml version="1.0" encoding="utf-8"?>
+<p:sld xmlns:a="http://schemas.openxmlformats.org/drawingml/2006/main" xmlns:r="http://schemas.openxmlformats.org/officeDocument/2006/relationships" xmlns:p="http://schemas.openxmlformats.org/presentationml/2006/main">
+  <p:cSld>
+    <p:spTree>
+      <p:nvGrpSpPr>
+        <p:cNvPr id="1" name=""/>
+        <p:cNvGrpSpPr/>
+        <p:nvPr/>
+      </p:nvGrpSpPr>
+      <p:grpSpPr>
+        <a:xfrm>
+          <a:off x="0" y="0"/>
+          <a:ext cx="0" cy="0"/>
+          <a:chOff x="0" y="0"/>
+          <a:chExt cx="0" cy="0"/>
+        </a:xfrm>
+      </p:grpSpPr>
+      <p:sp>
+        <p:nvSpPr>
+          <p:cNvPr id="2" name="タイトル 1">
+            <a:extLst>
+              <a:ext uri="{FF2B5EF4-FFF2-40B4-BE49-F238E27FC236}">
+                <a16:creationId xmlns:a16="http://schemas.microsoft.com/office/drawing/2014/main" id="{B418ABC2-92A5-AF40-B28E-354A6DD8641E}"/>
+              </a:ext>
+            </a:extLst>
+          </p:cNvPr>
+          <p:cNvSpPr>
+            <a:spLocks noGrp="1"/>
+          </p:cNvSpPr>
+          <p:nvPr>
+            <p:ph type="title"/>
+          </p:nvPr>
+        </p:nvSpPr>
+        <p:spPr/>
+        <p:txBody>
+          <a:bodyPr/>
+          <a:lstStyle/>
+          <a:p>
+            <a:r>
+              <a:rPr lang="ja-JP" altLang="en-US"/>
+              <a:t>バブルチャート</a:t>
+            </a:r>
+            <a:endParaRPr kumimoji="1" lang="ja-JP" altLang="en-US"/>
+          </a:p>
+        </p:txBody>
+      </p:sp>
+      <p:sp>
+        <p:nvSpPr>
+          <p:cNvPr id="3" name="コンテンツ プレースホルダー 2">
+            <a:extLst>
+              <a:ext uri="{FF2B5EF4-FFF2-40B4-BE49-F238E27FC236}">
+                <a16:creationId xmlns:a16="http://schemas.microsoft.com/office/drawing/2014/main" id="{8EF18BA8-8B88-0C4F-9821-97B4BFB1EE10}"/>
+              </a:ext>
+            </a:extLst>
+          </p:cNvPr>
+          <p:cNvSpPr>
+            <a:spLocks noGrp="1"/>
+          </p:cNvSpPr>
+          <p:nvPr>
+            <p:ph idx="1"/>
+          </p:nvPr>
+        </p:nvSpPr>
+        <p:spPr/>
+        <p:txBody>
+          <a:bodyPr/>
+          <a:lstStyle/>
+          <a:p>
+            <a:endParaRPr kumimoji="1" lang="ja-JP" altLang="en-US"/>
+          </a:p>
+        </p:txBody>
+      </p:sp>
+    </p:spTree>
+    <p:extLst>
+      <p:ext uri="{BB962C8B-B14F-4D97-AF65-F5344CB8AC3E}">
+        <p14:creationId xmlns:p14="http://schemas.microsoft.com/office/powerpoint/2010/main" val="109845329"/>
+      </p:ext>
+    </p:extLst>
+  </p:cSld>
+  <p:clrMapOvr>
+    <a:masterClrMapping/>
+  </p:clrMapOvr>
+</p:sld>
+</file>
+
+<file path=ppt/slides/slide11.xml><?xml version="1.0" encoding="utf-8"?>
+<p:sld xmlns:a="http://schemas.openxmlformats.org/drawingml/2006/main" xmlns:r="http://schemas.openxmlformats.org/officeDocument/2006/relationships" xmlns:p="http://schemas.openxmlformats.org/presentationml/2006/main">
+  <p:cSld>
+    <p:spTree>
+      <p:nvGrpSpPr>
+        <p:cNvPr id="1" name=""/>
+        <p:cNvGrpSpPr/>
+        <p:nvPr/>
+      </p:nvGrpSpPr>
+      <p:grpSpPr>
+        <a:xfrm>
+          <a:off x="0" y="0"/>
+          <a:ext cx="0" cy="0"/>
+          <a:chOff x="0" y="0"/>
+          <a:chExt cx="0" cy="0"/>
+        </a:xfrm>
+      </p:grpSpPr>
+      <p:sp>
+        <p:nvSpPr>
+          <p:cNvPr id="2" name="タイトル 1">
+            <a:extLst>
+              <a:ext uri="{FF2B5EF4-FFF2-40B4-BE49-F238E27FC236}">
+                <a16:creationId xmlns:a16="http://schemas.microsoft.com/office/drawing/2014/main" id="{6F584A2C-E669-CE44-A264-10CEF60BD21A}"/>
+              </a:ext>
+            </a:extLst>
+          </p:cNvPr>
+          <p:cNvSpPr>
+            <a:spLocks noGrp="1"/>
+          </p:cNvSpPr>
+          <p:nvPr>
+            <p:ph type="title"/>
+          </p:nvPr>
+        </p:nvSpPr>
+        <p:spPr/>
+        <p:txBody>
+          <a:bodyPr/>
+          <a:lstStyle/>
+          <a:p>
+            <a:r>
+              <a:rPr lang="ja-JP" altLang="en-US"/>
+              <a:t>まとめ</a:t>
+            </a:r>
+            <a:endParaRPr kumimoji="1" lang="ja-JP" altLang="en-US"/>
+          </a:p>
+        </p:txBody>
+      </p:sp>
+      <p:sp>
+        <p:nvSpPr>
+          <p:cNvPr id="3" name="コンテンツ プレースホルダー 2">
+            <a:extLst>
+              <a:ext uri="{FF2B5EF4-FFF2-40B4-BE49-F238E27FC236}">
+                <a16:creationId xmlns:a16="http://schemas.microsoft.com/office/drawing/2014/main" id="{66C3A0BD-2AA3-F149-90C2-DFBDD1F2DDFF}"/>
+              </a:ext>
+            </a:extLst>
+          </p:cNvPr>
+          <p:cNvSpPr>
+            <a:spLocks noGrp="1"/>
+          </p:cNvSpPr>
+          <p:nvPr>
+            <p:ph idx="1"/>
+          </p:nvPr>
+        </p:nvSpPr>
+        <p:spPr/>
+        <p:txBody>
+          <a:bodyPr/>
+          <a:lstStyle/>
+          <a:p>
+            <a:endParaRPr kumimoji="1" lang="ja-JP" altLang="en-US"/>
+          </a:p>
+        </p:txBody>
+      </p:sp>
+    </p:spTree>
+    <p:extLst>
+      <p:ext uri="{BB962C8B-B14F-4D97-AF65-F5344CB8AC3E}">
+        <p14:creationId xmlns:p14="http://schemas.microsoft.com/office/powerpoint/2010/main" val="1473631637"/>
       </p:ext>
     </p:extLst>
   </p:cSld>
@@ -4205,10 +4885,9 @@
           <a:lstStyle/>
           <a:p>
             <a:r>
-              <a:rPr kumimoji="1" lang="ja-JP" altLang="en-US" dirty="0" smtClean="0"/>
+              <a:rPr kumimoji="1" lang="ja-JP" altLang="en-US" dirty="0"/>
               <a:t>目次</a:t>
             </a:r>
-            <a:endParaRPr kumimoji="1" lang="ja-JP" altLang="en-US" dirty="0"/>
           </a:p>
         </p:txBody>
       </p:sp>
@@ -4228,26 +4907,30 @@
           <a:lstStyle/>
           <a:p>
             <a:r>
-              <a:rPr kumimoji="1" lang="ja-JP" altLang="en-US" dirty="0" smtClean="0"/>
-              <a:t>目的・背景</a:t>
-            </a:r>
-            <a:endParaRPr kumimoji="1" lang="en-US" altLang="ja-JP" dirty="0" smtClean="0"/>
-          </a:p>
-          <a:p>
-            <a:r>
-              <a:rPr lang="ja-JP" altLang="en-US" dirty="0"/>
-              <a:t>可視化</a:t>
-            </a:r>
-            <a:r>
-              <a:rPr lang="ja-JP" altLang="en-US" dirty="0" smtClean="0"/>
-              <a:t>の具体例</a:t>
-            </a:r>
-            <a:endParaRPr lang="en-US" altLang="ja-JP" dirty="0" smtClean="0"/>
-          </a:p>
-          <a:p>
-            <a:endParaRPr lang="en-US" altLang="ja-JP" dirty="0" smtClean="0"/>
-          </a:p>
-          <a:p>
+              <a:rPr kumimoji="1" lang="ja-JP" altLang="en-US"/>
+              <a:t>背景</a:t>
+            </a:r>
+            <a:endParaRPr kumimoji="1" lang="en-US" altLang="ja-JP" dirty="0"/>
+          </a:p>
+          <a:p>
+            <a:r>
+              <a:rPr lang="ja-JP" altLang="en-US"/>
+              <a:t>目的</a:t>
+            </a:r>
+            <a:endParaRPr kumimoji="1" lang="en-US" altLang="ja-JP" dirty="0"/>
+          </a:p>
+          <a:p>
+            <a:r>
+              <a:rPr lang="ja-JP" altLang="en-US"/>
+              <a:t>比較した可視化ツール</a:t>
+            </a:r>
+            <a:endParaRPr lang="en-US" altLang="ja-JP" dirty="0"/>
+          </a:p>
+          <a:p>
+            <a:r>
+              <a:rPr kumimoji="1" lang="ja-JP" altLang="en-US"/>
+              <a:t>まとめ</a:t>
+            </a:r>
             <a:endParaRPr kumimoji="1" lang="ja-JP" altLang="en-US" dirty="0"/>
           </a:p>
         </p:txBody>
@@ -4287,7 +4970,7 @@
           <p:cNvPr id="2" name="タイトル 1">
             <a:extLst>
               <a:ext uri="{FF2B5EF4-FFF2-40B4-BE49-F238E27FC236}">
-                <a16:creationId xmlns:a16="http://schemas.microsoft.com/office/drawing/2014/main" xmlns="" id="{CBA8BA4B-598F-334C-AE25-93577CEDDC57}"/>
+                <a16:creationId xmlns:a16="http://schemas.microsoft.com/office/drawing/2014/main" id="{896E4980-C4A7-5A4F-A462-99F235D2E767}"/>
               </a:ext>
             </a:extLst>
           </p:cNvPr>
@@ -4304,68 +4987,75 @@
           <a:lstStyle/>
           <a:p>
             <a:r>
+              <a:rPr kumimoji="1" lang="ja-JP" altLang="en-US"/>
+              <a:t>背景</a:t>
+            </a:r>
+          </a:p>
+        </p:txBody>
+      </p:sp>
+      <p:sp>
+        <p:nvSpPr>
+          <p:cNvPr id="3" name="コンテンツ プレースホルダー 2">
+            <a:extLst>
+              <a:ext uri="{FF2B5EF4-FFF2-40B4-BE49-F238E27FC236}">
+                <a16:creationId xmlns:a16="http://schemas.microsoft.com/office/drawing/2014/main" id="{D83D92FA-7F8A-C342-A02E-997F9C036FFA}"/>
+              </a:ext>
+            </a:extLst>
+          </p:cNvPr>
+          <p:cNvSpPr>
+            <a:spLocks noGrp="1"/>
+          </p:cNvSpPr>
+          <p:nvPr>
+            <p:ph idx="1"/>
+          </p:nvPr>
+        </p:nvSpPr>
+        <p:spPr/>
+        <p:txBody>
+          <a:bodyPr/>
+          <a:lstStyle/>
+          <a:p>
+            <a:r>
               <a:rPr lang="ja-JP" altLang="en-US"/>
-              <a:t>目的・背景</a:t>
-            </a:r>
-            <a:endParaRPr kumimoji="1" lang="ja-JP" altLang="en-US"/>
-          </a:p>
-        </p:txBody>
-      </p:sp>
-      <p:sp>
-        <p:nvSpPr>
-          <p:cNvPr id="3" name="コンテンツ プレースホルダー 2">
-            <a:extLst>
-              <a:ext uri="{FF2B5EF4-FFF2-40B4-BE49-F238E27FC236}">
-                <a16:creationId xmlns:a16="http://schemas.microsoft.com/office/drawing/2014/main" xmlns="" id="{2402BAF8-03EA-584A-B27B-7CF2D553193C}"/>
-              </a:ext>
-            </a:extLst>
-          </p:cNvPr>
-          <p:cNvSpPr>
-            <a:spLocks noGrp="1"/>
-          </p:cNvSpPr>
-          <p:nvPr>
-            <p:ph idx="1"/>
-          </p:nvPr>
-        </p:nvSpPr>
-        <p:spPr/>
-        <p:txBody>
-          <a:bodyPr/>
-          <a:lstStyle/>
-          <a:p>
-            <a:r>
-              <a:rPr lang="ja-JP" altLang="en-US" dirty="0" smtClean="0"/>
-              <a:t>統計</a:t>
-            </a:r>
-            <a:r>
-              <a:rPr lang="ja-JP" altLang="en-US" dirty="0"/>
-              <a:t>データ</a:t>
-            </a:r>
-            <a:r>
-              <a:rPr lang="ja-JP" altLang="en-US" dirty="0" smtClean="0"/>
-              <a:t>から世界情勢を理解するために、わかりやすい可視化の方法は何か？</a:t>
+              <a:t>統計データから世界情勢を理解したい</a:t>
             </a:r>
             <a:endParaRPr lang="en-US" altLang="ja-JP" dirty="0"/>
           </a:p>
           <a:p>
+            <a:endParaRPr lang="en-US" altLang="ja-JP" dirty="0"/>
+          </a:p>
+          <a:p>
+            <a:r>
+              <a:rPr kumimoji="1" lang="ja-JP" altLang="en-US"/>
+              <a:t>数字のデータではわかりにくい</a:t>
+            </a:r>
+            <a:endParaRPr lang="en-US" altLang="ja-JP" dirty="0"/>
+          </a:p>
+          <a:p>
+            <a:endParaRPr lang="en-US" altLang="ja-JP" dirty="0"/>
+          </a:p>
+          <a:p>
+            <a:r>
+              <a:rPr kumimoji="1" lang="ja-JP" altLang="en-US"/>
+              <a:t>わかりやすい図表に可視化したい</a:t>
+            </a:r>
             <a:endParaRPr kumimoji="1" lang="en-US" altLang="ja-JP" dirty="0"/>
           </a:p>
           <a:p>
-            <a:r>
-              <a:rPr lang="ja-JP" altLang="en-US" dirty="0" smtClean="0"/>
-              <a:t>いくつかの</a:t>
-            </a:r>
-            <a:r>
-              <a:rPr lang="ja-JP" altLang="en-US" dirty="0" smtClean="0"/>
-              <a:t>データ可視化ツールの特徴を比較する</a:t>
-            </a:r>
             <a:endParaRPr lang="en-US" altLang="ja-JP" dirty="0"/>
+          </a:p>
+          <a:p>
+            <a:r>
+              <a:rPr lang="ja-JP" altLang="en-US"/>
+              <a:t>適切な可視化の方法がわからない</a:t>
+            </a:r>
+            <a:endParaRPr kumimoji="1" lang="en-US" altLang="ja-JP" dirty="0"/>
           </a:p>
         </p:txBody>
       </p:sp>
     </p:spTree>
     <p:extLst>
       <p:ext uri="{BB962C8B-B14F-4D97-AF65-F5344CB8AC3E}">
-        <p14:creationId xmlns:p14="http://schemas.microsoft.com/office/powerpoint/2010/main" val="1778591188"/>
+        <p14:creationId xmlns:p14="http://schemas.microsoft.com/office/powerpoint/2010/main" val="3655604434"/>
       </p:ext>
     </p:extLst>
   </p:cSld>
@@ -4397,7 +5087,7 @@
           <p:cNvPr id="2" name="タイトル 1">
             <a:extLst>
               <a:ext uri="{FF2B5EF4-FFF2-40B4-BE49-F238E27FC236}">
-                <a16:creationId xmlns:a16="http://schemas.microsoft.com/office/drawing/2014/main" xmlns="" id="{9D35B7F5-C616-2546-AAE3-A4C37ADA891C}"/>
+                <a16:creationId xmlns:a16="http://schemas.microsoft.com/office/drawing/2014/main" id="{CBA8BA4B-598F-334C-AE25-93577CEDDC57}"/>
               </a:ext>
             </a:extLst>
           </p:cNvPr>
@@ -4414,9 +5104,10 @@
           <a:lstStyle/>
           <a:p>
             <a:r>
-              <a:rPr kumimoji="1" lang="ja-JP" altLang="en-US"/>
-              <a:t>可視化の具体例</a:t>
-            </a:r>
+              <a:rPr lang="ja-JP" altLang="en-US"/>
+              <a:t>目的</a:t>
+            </a:r>
+            <a:endParaRPr kumimoji="1" lang="ja-JP" altLang="en-US"/>
           </a:p>
         </p:txBody>
       </p:sp>
@@ -4425,7 +5116,7 @@
           <p:cNvPr id="3" name="コンテンツ プレースホルダー 2">
             <a:extLst>
               <a:ext uri="{FF2B5EF4-FFF2-40B4-BE49-F238E27FC236}">
-                <a16:creationId xmlns:a16="http://schemas.microsoft.com/office/drawing/2014/main" xmlns="" id="{F5CDCC94-1BC0-9F45-BD6E-AEA44C88CDA1}"/>
+                <a16:creationId xmlns:a16="http://schemas.microsoft.com/office/drawing/2014/main" id="{2402BAF8-03EA-584A-B27B-7CF2D553193C}"/>
               </a:ext>
             </a:extLst>
           </p:cNvPr>
@@ -4441,87 +5132,20 @@
           <a:bodyPr/>
           <a:lstStyle/>
           <a:p>
-            <a:r>
-              <a:rPr lang="en-US" altLang="ja-JP" dirty="0"/>
-              <a:t>Python</a:t>
+            <a:endParaRPr kumimoji="1" lang="en-US" altLang="ja-JP" dirty="0"/>
+          </a:p>
+          <a:p>
+            <a:endParaRPr kumimoji="1" lang="en-US" altLang="ja-JP" dirty="0"/>
+          </a:p>
+          <a:p>
+            <a:r>
+              <a:rPr lang="ja-JP" altLang="en-US"/>
+              <a:t>いくつ</a:t>
             </a:r>
             <a:r>
               <a:rPr lang="ja-JP" altLang="en-US" dirty="0"/>
-              <a:t>の</a:t>
-            </a:r>
-            <a:r>
-              <a:rPr lang="en-US" altLang="ja-JP" dirty="0"/>
-              <a:t>matplotlib</a:t>
-            </a:r>
-            <a:r>
-              <a:rPr lang="ja-JP" altLang="en-US" dirty="0"/>
-              <a:t>のグラフ（折れ線、</a:t>
-            </a:r>
-            <a:r>
-              <a:rPr lang="ja-JP" altLang="en-US" dirty="0" smtClean="0"/>
-              <a:t>棒グラフ）</a:t>
-            </a:r>
-            <a:endParaRPr lang="en-US" altLang="ja-JP" dirty="0"/>
-          </a:p>
-          <a:p>
-            <a:r>
-              <a:rPr lang="en-US" altLang="ja-JP" dirty="0"/>
-              <a:t>Google </a:t>
-            </a:r>
-            <a:r>
-              <a:rPr lang="en-US" altLang="ja-JP" dirty="0" smtClean="0"/>
-              <a:t>Chart</a:t>
-            </a:r>
-            <a:r>
-              <a:rPr lang="ja-JP" altLang="en-US" dirty="0" smtClean="0"/>
-              <a:t>のジオチャート、</a:t>
-            </a:r>
-            <a:r>
-              <a:rPr lang="ja-JP" altLang="en-US" dirty="0" smtClean="0"/>
-              <a:t>バブルチャート</a:t>
-            </a:r>
-            <a:endParaRPr lang="en-US" altLang="ja-JP" dirty="0" smtClean="0"/>
-          </a:p>
-          <a:p>
-            <a:endParaRPr lang="en-US" altLang="ja-JP" dirty="0"/>
-          </a:p>
-          <a:p>
-            <a:pPr marL="0" indent="0">
-              <a:buNone/>
-            </a:pPr>
-            <a:r>
-              <a:rPr lang="ja-JP" altLang="en-US" dirty="0"/>
-              <a:t>使用</a:t>
-            </a:r>
-            <a:r>
-              <a:rPr lang="ja-JP" altLang="en-US" dirty="0" smtClean="0"/>
-              <a:t>する統計データ：</a:t>
-            </a:r>
-            <a:endParaRPr lang="en-US" altLang="ja-JP" dirty="0"/>
-          </a:p>
-          <a:p>
-            <a:r>
-              <a:rPr lang="ja-JP" altLang="en-US" dirty="0" smtClean="0"/>
-              <a:t>国別</a:t>
-            </a:r>
-            <a:r>
-              <a:rPr lang="en-US" altLang="ja-JP" dirty="0" smtClean="0"/>
-              <a:t>HIV/AIDS</a:t>
-            </a:r>
-            <a:r>
-              <a:rPr lang="ja-JP" altLang="en-US" dirty="0" smtClean="0"/>
-              <a:t>による年間死亡者数</a:t>
-            </a:r>
-            <a:endParaRPr lang="en-US" altLang="ja-JP" dirty="0" smtClean="0"/>
-          </a:p>
-          <a:p>
-            <a:r>
-              <a:rPr lang="ja-JP" altLang="en-US" dirty="0" smtClean="0"/>
-              <a:t>国別人口</a:t>
-            </a:r>
-            <a:endParaRPr lang="en-US" altLang="ja-JP" dirty="0" smtClean="0"/>
-          </a:p>
-          <a:p>
+              <a:t>かのデータ可視化ツールの特徴を比較する</a:t>
+            </a:r>
             <a:endParaRPr lang="en-US" altLang="ja-JP" dirty="0"/>
           </a:p>
         </p:txBody>
@@ -4529,7 +5153,7 @@
     </p:spTree>
     <p:extLst>
       <p:ext uri="{BB962C8B-B14F-4D97-AF65-F5344CB8AC3E}">
-        <p14:creationId xmlns:p14="http://schemas.microsoft.com/office/powerpoint/2010/main" val="4009065063"/>
+        <p14:creationId xmlns:p14="http://schemas.microsoft.com/office/powerpoint/2010/main" val="1778591188"/>
       </p:ext>
     </p:extLst>
   </p:cSld>
@@ -4558,7 +5182,13 @@
       </p:grpSpPr>
       <p:sp>
         <p:nvSpPr>
-          <p:cNvPr id="2" name="タイトル 1"/>
+          <p:cNvPr id="2" name="タイトル 1">
+            <a:extLst>
+              <a:ext uri="{FF2B5EF4-FFF2-40B4-BE49-F238E27FC236}">
+                <a16:creationId xmlns:a16="http://schemas.microsoft.com/office/drawing/2014/main" id="{9D35B7F5-C616-2546-AAE3-A4C37ADA891C}"/>
+              </a:ext>
+            </a:extLst>
+          </p:cNvPr>
           <p:cNvSpPr>
             <a:spLocks noGrp="1"/>
           </p:cNvSpPr>
@@ -4572,16 +5202,21 @@
           <a:lstStyle/>
           <a:p>
             <a:r>
-              <a:rPr lang="ja-JP" altLang="en-US" dirty="0" smtClean="0"/>
-              <a:t>折れ線グラフ、棒グラフ</a:t>
-            </a:r>
-            <a:endParaRPr kumimoji="1" lang="ja-JP" altLang="en-US" dirty="0"/>
-          </a:p>
-        </p:txBody>
-      </p:sp>
-      <p:sp>
-        <p:nvSpPr>
-          <p:cNvPr id="3" name="コンテンツ プレースホルダー 2"/>
+              <a:rPr kumimoji="1" lang="ja-JP" altLang="en-US"/>
+              <a:t>比較した可視化ツール</a:t>
+            </a:r>
+          </a:p>
+        </p:txBody>
+      </p:sp>
+      <p:sp>
+        <p:nvSpPr>
+          <p:cNvPr id="3" name="コンテンツ プレースホルダー 2">
+            <a:extLst>
+              <a:ext uri="{FF2B5EF4-FFF2-40B4-BE49-F238E27FC236}">
+                <a16:creationId xmlns:a16="http://schemas.microsoft.com/office/drawing/2014/main" id="{F5CDCC94-1BC0-9F45-BD6E-AEA44C88CDA1}"/>
+              </a:ext>
+            </a:extLst>
+          </p:cNvPr>
           <p:cNvSpPr>
             <a:spLocks noGrp="1"/>
           </p:cNvSpPr>
@@ -4594,14 +5229,96 @@
           <a:bodyPr/>
           <a:lstStyle/>
           <a:p>
-            <a:endParaRPr kumimoji="1" lang="ja-JP" altLang="en-US"/>
+            <a:r>
+              <a:rPr lang="en-US" altLang="ja-JP" dirty="0"/>
+              <a:t>matplotlib</a:t>
+            </a:r>
+            <a:r>
+              <a:rPr lang="ja-JP" altLang="en-US" dirty="0"/>
+              <a:t>のグラフ</a:t>
+            </a:r>
+            <a:r>
+              <a:rPr lang="ja-JP" altLang="en-US"/>
+              <a:t>（折れ線グラフ</a:t>
+            </a:r>
+            <a:r>
+              <a:rPr lang="ja-JP" altLang="en-US" dirty="0"/>
+              <a:t>）</a:t>
+            </a:r>
+            <a:endParaRPr lang="en-US" altLang="ja-JP" dirty="0"/>
+          </a:p>
+          <a:p>
+            <a:r>
+              <a:rPr lang="en-US" altLang="ja-JP" dirty="0"/>
+              <a:t>Google Chart</a:t>
+            </a:r>
+            <a:r>
+              <a:rPr lang="ja-JP" altLang="en-US" dirty="0"/>
+              <a:t>のジオチャート、バブルチャート</a:t>
+            </a:r>
+            <a:endParaRPr lang="en-US" altLang="ja-JP" dirty="0"/>
+          </a:p>
+          <a:p>
+            <a:endParaRPr lang="en-US" altLang="ja-JP" dirty="0"/>
+          </a:p>
+          <a:p>
+            <a:pPr marL="0" indent="0">
+              <a:buNone/>
+            </a:pPr>
+            <a:r>
+              <a:rPr lang="ja-JP" altLang="en-US" dirty="0"/>
+              <a:t>使用する統計データ：</a:t>
+            </a:r>
+            <a:endParaRPr lang="en-US" altLang="ja-JP" dirty="0"/>
+          </a:p>
+          <a:p>
+            <a:r>
+              <a:rPr lang="ja-JP" altLang="en-US" dirty="0"/>
+              <a:t>国別</a:t>
+            </a:r>
+            <a:r>
+              <a:rPr lang="en-US" altLang="ja-JP" dirty="0"/>
+              <a:t>HIV/AIDS</a:t>
+            </a:r>
+            <a:r>
+              <a:rPr lang="ja-JP" altLang="en-US" dirty="0"/>
+              <a:t>による</a:t>
+            </a:r>
+            <a:r>
+              <a:rPr lang="ja-JP" altLang="en-US"/>
+              <a:t>年間死亡者数</a:t>
+            </a:r>
+            <a:endParaRPr lang="en-US" altLang="ja-JP" dirty="0"/>
+          </a:p>
+          <a:p>
+            <a:r>
+              <a:rPr lang="ja-JP" altLang="en-US"/>
+              <a:t>国別乳児死亡率</a:t>
+            </a:r>
+            <a:endParaRPr lang="en-US" altLang="ja-JP" dirty="0"/>
+          </a:p>
+          <a:p>
+            <a:r>
+              <a:rPr lang="ja-JP" altLang="en-US"/>
+              <a:t>国別人口</a:t>
+            </a:r>
+            <a:r>
+              <a:rPr lang="en-US" altLang="ja-JP" dirty="0"/>
+              <a:t>, GDP</a:t>
+            </a:r>
+          </a:p>
+          <a:p>
+            <a:endParaRPr lang="en-US" altLang="ja-JP" dirty="0"/>
+          </a:p>
+          <a:p>
+            <a:endParaRPr lang="en-US" altLang="ja-JP" dirty="0"/>
           </a:p>
         </p:txBody>
       </p:sp>
     </p:spTree>
     <p:extLst>
       <p:ext uri="{BB962C8B-B14F-4D97-AF65-F5344CB8AC3E}">
-        <p14:creationId xmlns:p14="http://schemas.microsoft.com/office/powerpoint/2010/main" val="4184186527"/>
+        <p14:creationId xmlns:p14="http://schemas.microsoft.com/office/powerpoint/2010/main" val="4009065063"/>
       </p:ext>
     </p:extLst>
   </p:cSld>
@@ -4630,7 +5347,13 @@
       </p:grpSpPr>
       <p:sp>
         <p:nvSpPr>
-          <p:cNvPr id="2" name="タイトル 1"/>
+          <p:cNvPr id="2" name="タイトル 1">
+            <a:extLst>
+              <a:ext uri="{FF2B5EF4-FFF2-40B4-BE49-F238E27FC236}">
+                <a16:creationId xmlns:a16="http://schemas.microsoft.com/office/drawing/2014/main" id="{64A11CCF-73BE-084D-A8D7-B183386D4431}"/>
+              </a:ext>
+            </a:extLst>
+          </p:cNvPr>
           <p:cNvSpPr>
             <a:spLocks noGrp="1"/>
           </p:cNvSpPr>
@@ -4644,16 +5367,22 @@
           <a:lstStyle/>
           <a:p>
             <a:r>
-              <a:rPr kumimoji="1" lang="ja-JP" altLang="en-US" dirty="0" smtClean="0"/>
-              <a:t>ジオチャート</a:t>
-            </a:r>
-            <a:endParaRPr kumimoji="1" lang="ja-JP" altLang="en-US" dirty="0"/>
-          </a:p>
-        </p:txBody>
-      </p:sp>
-      <p:sp>
-        <p:nvSpPr>
-          <p:cNvPr id="3" name="コンテンツ プレースホルダー 2"/>
+              <a:rPr lang="ja-JP" altLang="en-US"/>
+              <a:t>折れ線グラフ</a:t>
+            </a:r>
+            <a:endParaRPr kumimoji="1" lang="ja-JP" altLang="en-US"/>
+          </a:p>
+        </p:txBody>
+      </p:sp>
+      <p:sp>
+        <p:nvSpPr>
+          <p:cNvPr id="3" name="コンテンツ プレースホルダー 2">
+            <a:extLst>
+              <a:ext uri="{FF2B5EF4-FFF2-40B4-BE49-F238E27FC236}">
+                <a16:creationId xmlns:a16="http://schemas.microsoft.com/office/drawing/2014/main" id="{DEFF8EDF-62D5-3044-8E76-F620FB00CBA7}"/>
+              </a:ext>
+            </a:extLst>
+          </p:cNvPr>
           <p:cNvSpPr>
             <a:spLocks noGrp="1"/>
           </p:cNvSpPr>
@@ -4666,21 +5395,14 @@
           <a:bodyPr/>
           <a:lstStyle/>
           <a:p>
-            <a:endParaRPr lang="en-US" altLang="ja-JP" smtClean="0"/>
-          </a:p>
-          <a:p>
-            <a:r>
-              <a:rPr lang="en-US" altLang="ja-JP" dirty="0" smtClean="0"/>
-              <a:t>Google Map API</a:t>
-            </a:r>
-            <a:endParaRPr kumimoji="1" lang="en-US" altLang="ja-JP" dirty="0" smtClean="0"/>
+            <a:endParaRPr kumimoji="1" lang="ja-JP" altLang="en-US"/>
           </a:p>
         </p:txBody>
       </p:sp>
     </p:spTree>
     <p:extLst>
       <p:ext uri="{BB962C8B-B14F-4D97-AF65-F5344CB8AC3E}">
-        <p14:creationId xmlns:p14="http://schemas.microsoft.com/office/powerpoint/2010/main" val="2117400784"/>
+        <p14:creationId xmlns:p14="http://schemas.microsoft.com/office/powerpoint/2010/main" val="11634133"/>
       </p:ext>
     </p:extLst>
   </p:cSld>
@@ -4723,12 +5445,8 @@
           <a:lstStyle/>
           <a:p>
             <a:r>
-              <a:rPr lang="ja-JP" altLang="en-US" dirty="0" smtClean="0"/>
-              <a:t>ジオ</a:t>
-            </a:r>
-            <a:r>
               <a:rPr lang="ja-JP" altLang="en-US" dirty="0"/>
-              <a:t>チャート</a:t>
+              <a:t>ジオチャート</a:t>
             </a:r>
             <a:endParaRPr kumimoji="1" lang="ja-JP" altLang="en-US" dirty="0"/>
           </a:p>
@@ -4745,7 +5463,7 @@
           </p:nvPr>
         </p:nvPicPr>
         <p:blipFill>
-          <a:blip r:embed="rId2">
+          <a:blip r:embed="rId3">
             <a:extLst>
               <a:ext uri="{28A0092B-C50C-407E-A947-70E740481C1C}">
                 <a14:useLocalDpi xmlns:a14="http://schemas.microsoft.com/office/drawing/2010/main" val="0"/>
@@ -4818,7 +5536,7 @@
           <a:lstStyle/>
           <a:p>
             <a:r>
-              <a:rPr kumimoji="1" lang="ja-JP" altLang="en-US" sz="1800" kern="1200" dirty="0" smtClean="0">
+              <a:rPr kumimoji="1" lang="ja-JP" altLang="en-US" sz="1800" kern="1200" dirty="0">
                 <a:solidFill>
                   <a:schemeClr val="tx1"/>
                 </a:solidFill>
@@ -4829,7 +5547,7 @@
               <a:t>図１　</a:t>
             </a:r>
             <a:r>
-              <a:rPr kumimoji="1" lang="en-US" altLang="ja-JP" sz="1800" kern="1200" dirty="0" smtClean="0">
+              <a:rPr kumimoji="1" lang="en-US" altLang="ja-JP" sz="1800" kern="1200" dirty="0">
                 <a:solidFill>
                   <a:schemeClr val="tx1"/>
                 </a:solidFill>
@@ -4840,7 +5558,7 @@
               <a:t>2000</a:t>
             </a:r>
             <a:r>
-              <a:rPr kumimoji="1" lang="ja-JP" altLang="en-US" sz="1800" kern="1200" dirty="0" smtClean="0">
+              <a:rPr kumimoji="1" lang="ja-JP" altLang="en-US" sz="1800" kern="1200" dirty="0">
                 <a:solidFill>
                   <a:schemeClr val="tx1"/>
                 </a:solidFill>
@@ -4851,7 +5569,7 @@
               <a:t>年の国別</a:t>
             </a:r>
             <a:r>
-              <a:rPr kumimoji="1" lang="en-US" altLang="ja-JP" sz="1800" kern="1200" dirty="0" smtClean="0">
+              <a:rPr kumimoji="1" lang="en-US" altLang="ja-JP" sz="1800" kern="1200" dirty="0">
                 <a:solidFill>
                   <a:schemeClr val="tx1"/>
                 </a:solidFill>
@@ -4862,7 +5580,7 @@
               <a:t>HIV/AIDS</a:t>
             </a:r>
             <a:r>
-              <a:rPr kumimoji="1" lang="ja-JP" altLang="en-US" sz="1800" kern="1200" dirty="0" smtClean="0">
+              <a:rPr kumimoji="1" lang="ja-JP" altLang="en-US" sz="1800" kern="1200" dirty="0">
                 <a:solidFill>
                   <a:schemeClr val="tx1"/>
                 </a:solidFill>
@@ -4872,14 +5590,6 @@
               </a:rPr>
               <a:t>による死亡者数</a:t>
             </a:r>
-            <a:endParaRPr kumimoji="1" lang="ja-JP" altLang="en-US" sz="1800" kern="1200" dirty="0">
-              <a:solidFill>
-                <a:schemeClr val="tx1"/>
-              </a:solidFill>
-              <a:latin typeface="+mn-lt"/>
-              <a:ea typeface="+mn-ea"/>
-              <a:cs typeface="+mn-cs"/>
-            </a:endParaRPr>
           </a:p>
         </p:txBody>
       </p:sp>
@@ -4913,58 +5623,242 @@
           <a:chExt cx="0" cy="0"/>
         </a:xfrm>
       </p:grpSpPr>
-      <p:sp>
-        <p:nvSpPr>
-          <p:cNvPr id="2" name="タイトル 1">
-            <a:extLst>
-              <a:ext uri="{FF2B5EF4-FFF2-40B4-BE49-F238E27FC236}">
-                <a16:creationId xmlns:a16="http://schemas.microsoft.com/office/drawing/2014/main" xmlns="" id="{6F584A2C-E669-CE44-A264-10CEF60BD21A}"/>
-              </a:ext>
-            </a:extLst>
-          </p:cNvPr>
-          <p:cNvSpPr>
-            <a:spLocks noGrp="1"/>
-          </p:cNvSpPr>
-          <p:nvPr>
-            <p:ph type="title"/>
-          </p:nvPr>
-        </p:nvSpPr>
-        <p:spPr/>
-        <p:txBody>
-          <a:bodyPr/>
-          <a:lstStyle/>
-          <a:p>
-            <a:r>
-              <a:rPr kumimoji="1" lang="ja-JP" altLang="en-US"/>
-              <a:t>結果</a:t>
-            </a:r>
-          </a:p>
-        </p:txBody>
-      </p:sp>
-      <p:sp>
-        <p:nvSpPr>
-          <p:cNvPr id="3" name="コンテンツ プレースホルダー 2">
-            <a:extLst>
-              <a:ext uri="{FF2B5EF4-FFF2-40B4-BE49-F238E27FC236}">
-                <a16:creationId xmlns:a16="http://schemas.microsoft.com/office/drawing/2014/main" xmlns="" id="{66C3A0BD-2AA3-F149-90C2-DFBDD1F2DDFF}"/>
-              </a:ext>
-            </a:extLst>
-          </p:cNvPr>
-          <p:cNvSpPr>
-            <a:spLocks noGrp="1"/>
-          </p:cNvSpPr>
+      <p:pic>
+        <p:nvPicPr>
+          <p:cNvPr id="5" name="コンテンツ プレースホルダー 4">
+            <a:extLst>
+              <a:ext uri="{FF2B5EF4-FFF2-40B4-BE49-F238E27FC236}">
+                <a16:creationId xmlns:a16="http://schemas.microsoft.com/office/drawing/2014/main" id="{1E5D8649-DA8C-214B-B91C-F807A6D4F3BF}"/>
+              </a:ext>
+            </a:extLst>
+          </p:cNvPr>
+          <p:cNvPicPr>
+            <a:picLocks noGrp="1" noChangeAspect="1"/>
+          </p:cNvPicPr>
           <p:nvPr>
             <p:ph idx="1"/>
           </p:nvPr>
-        </p:nvSpPr>
-        <p:spPr/>
-        <p:txBody>
-          <a:bodyPr/>
-          <a:lstStyle/>
-          <a:p>
-            <a:r>
-              <a:rPr kumimoji="1" lang="ja-JP" altLang="en-US"/>
-              <a:t>可視化の方法をそれぞれ比較</a:t>
+        </p:nvPicPr>
+        <p:blipFill>
+          <a:blip r:embed="rId2"/>
+          <a:stretch>
+            <a:fillRect/>
+          </a:stretch>
+        </p:blipFill>
+        <p:spPr>
+          <a:xfrm>
+            <a:off x="1372870" y="286542"/>
+            <a:ext cx="4723130" cy="2951957"/>
+          </a:xfrm>
+        </p:spPr>
+      </p:pic>
+      <p:pic>
+        <p:nvPicPr>
+          <p:cNvPr id="7" name="図 6">
+            <a:extLst>
+              <a:ext uri="{FF2B5EF4-FFF2-40B4-BE49-F238E27FC236}">
+                <a16:creationId xmlns:a16="http://schemas.microsoft.com/office/drawing/2014/main" id="{D606FACA-C735-7445-A696-121B917347DF}"/>
+              </a:ext>
+            </a:extLst>
+          </p:cNvPr>
+          <p:cNvPicPr>
+            <a:picLocks noChangeAspect="1"/>
+          </p:cNvPicPr>
+          <p:nvPr/>
+        </p:nvPicPr>
+        <p:blipFill>
+          <a:blip r:embed="rId3"/>
+          <a:stretch>
+            <a:fillRect/>
+          </a:stretch>
+        </p:blipFill>
+        <p:spPr>
+          <a:xfrm>
+            <a:off x="6299198" y="286541"/>
+            <a:ext cx="4723130" cy="2951957"/>
+          </a:xfrm>
+          <a:prstGeom prst="rect">
+            <a:avLst/>
+          </a:prstGeom>
+        </p:spPr>
+      </p:pic>
+      <p:pic>
+        <p:nvPicPr>
+          <p:cNvPr id="13" name="図 12">
+            <a:extLst>
+              <a:ext uri="{FF2B5EF4-FFF2-40B4-BE49-F238E27FC236}">
+                <a16:creationId xmlns:a16="http://schemas.microsoft.com/office/drawing/2014/main" id="{1CA906F6-D528-7E4B-9F59-254A16A30401}"/>
+              </a:ext>
+            </a:extLst>
+          </p:cNvPr>
+          <p:cNvPicPr>
+            <a:picLocks noChangeAspect="1"/>
+          </p:cNvPicPr>
+          <p:nvPr/>
+        </p:nvPicPr>
+        <p:blipFill>
+          <a:blip r:embed="rId4"/>
+          <a:stretch>
+            <a:fillRect/>
+          </a:stretch>
+        </p:blipFill>
+        <p:spPr>
+          <a:xfrm>
+            <a:off x="1372870" y="3238501"/>
+            <a:ext cx="4723131" cy="2951957"/>
+          </a:xfrm>
+          <a:prstGeom prst="rect">
+            <a:avLst/>
+          </a:prstGeom>
+        </p:spPr>
+      </p:pic>
+      <p:sp>
+        <p:nvSpPr>
+          <p:cNvPr id="15" name="テキスト ボックス 14">
+            <a:extLst>
+              <a:ext uri="{FF2B5EF4-FFF2-40B4-BE49-F238E27FC236}">
+                <a16:creationId xmlns:a16="http://schemas.microsoft.com/office/drawing/2014/main" id="{067AB168-65F8-F54D-8654-A00BECE2E716}"/>
+              </a:ext>
+            </a:extLst>
+          </p:cNvPr>
+          <p:cNvSpPr txBox="1"/>
+          <p:nvPr/>
+        </p:nvSpPr>
+        <p:spPr>
+          <a:xfrm>
+            <a:off x="577412" y="399534"/>
+            <a:ext cx="697627" cy="369332"/>
+          </a:xfrm>
+          <a:prstGeom prst="rect">
+            <a:avLst/>
+          </a:prstGeom>
+          <a:noFill/>
+        </p:spPr>
+        <p:txBody>
+          <a:bodyPr wrap="none" rtlCol="0">
+            <a:spAutoFit/>
+          </a:bodyPr>
+          <a:lstStyle/>
+          <a:p>
+            <a:r>
+              <a:rPr kumimoji="1" lang="en-US" altLang="ja-JP" dirty="0"/>
+              <a:t>2017</a:t>
+            </a:r>
+            <a:endParaRPr kumimoji="1" lang="ja-JP" altLang="en-US"/>
+          </a:p>
+        </p:txBody>
+      </p:sp>
+      <p:sp>
+        <p:nvSpPr>
+          <p:cNvPr id="16" name="テキスト ボックス 15">
+            <a:extLst>
+              <a:ext uri="{FF2B5EF4-FFF2-40B4-BE49-F238E27FC236}">
+                <a16:creationId xmlns:a16="http://schemas.microsoft.com/office/drawing/2014/main" id="{3E2C1726-397E-A84C-8EF2-170D9805EF04}"/>
+              </a:ext>
+            </a:extLst>
+          </p:cNvPr>
+          <p:cNvSpPr txBox="1"/>
+          <p:nvPr/>
+        </p:nvSpPr>
+        <p:spPr>
+          <a:xfrm>
+            <a:off x="11225525" y="399534"/>
+            <a:ext cx="697627" cy="369332"/>
+          </a:xfrm>
+          <a:prstGeom prst="rect">
+            <a:avLst/>
+          </a:prstGeom>
+          <a:noFill/>
+        </p:spPr>
+        <p:txBody>
+          <a:bodyPr wrap="none" rtlCol="0">
+            <a:spAutoFit/>
+          </a:bodyPr>
+          <a:lstStyle/>
+          <a:p>
+            <a:r>
+              <a:rPr kumimoji="1" lang="en-US" altLang="ja-JP" dirty="0"/>
+              <a:t>2016</a:t>
+            </a:r>
+            <a:endParaRPr kumimoji="1" lang="ja-JP" altLang="en-US"/>
+          </a:p>
+        </p:txBody>
+      </p:sp>
+      <p:sp>
+        <p:nvSpPr>
+          <p:cNvPr id="17" name="テキスト ボックス 16">
+            <a:extLst>
+              <a:ext uri="{FF2B5EF4-FFF2-40B4-BE49-F238E27FC236}">
+                <a16:creationId xmlns:a16="http://schemas.microsoft.com/office/drawing/2014/main" id="{C4ADD0B6-CD92-AE43-88CC-9FDDA4EE27F6}"/>
+              </a:ext>
+            </a:extLst>
+          </p:cNvPr>
+          <p:cNvSpPr txBox="1"/>
+          <p:nvPr/>
+        </p:nvSpPr>
+        <p:spPr>
+          <a:xfrm>
+            <a:off x="577412" y="3429000"/>
+            <a:ext cx="697627" cy="369332"/>
+          </a:xfrm>
+          <a:prstGeom prst="rect">
+            <a:avLst/>
+          </a:prstGeom>
+          <a:noFill/>
+        </p:spPr>
+        <p:txBody>
+          <a:bodyPr wrap="none" rtlCol="0">
+            <a:spAutoFit/>
+          </a:bodyPr>
+          <a:lstStyle/>
+          <a:p>
+            <a:r>
+              <a:rPr kumimoji="1" lang="en-US" altLang="ja-JP" dirty="0"/>
+              <a:t>2015</a:t>
+            </a:r>
+            <a:endParaRPr kumimoji="1" lang="ja-JP" altLang="en-US"/>
+          </a:p>
+        </p:txBody>
+      </p:sp>
+      <p:sp>
+        <p:nvSpPr>
+          <p:cNvPr id="19" name="テキスト ボックス 18">
+            <a:extLst>
+              <a:ext uri="{FF2B5EF4-FFF2-40B4-BE49-F238E27FC236}">
+                <a16:creationId xmlns:a16="http://schemas.microsoft.com/office/drawing/2014/main" id="{27A43D62-12BA-AE4D-807A-8F1FC33AF8A0}"/>
+              </a:ext>
+            </a:extLst>
+          </p:cNvPr>
+          <p:cNvSpPr txBox="1"/>
+          <p:nvPr/>
+        </p:nvSpPr>
+        <p:spPr>
+          <a:xfrm>
+            <a:off x="3777897" y="6386792"/>
+            <a:ext cx="4636206" cy="369332"/>
+          </a:xfrm>
+          <a:prstGeom prst="rect">
+            <a:avLst/>
+          </a:prstGeom>
+          <a:noFill/>
+        </p:spPr>
+        <p:txBody>
+          <a:bodyPr wrap="none" rtlCol="0">
+            <a:spAutoFit/>
+          </a:bodyPr>
+          <a:lstStyle/>
+          <a:p>
+            <a:r>
+              <a:rPr kumimoji="1" lang="ja-JP" altLang="en-US"/>
+              <a:t>図２　国別マラリアによる死亡者数</a:t>
+            </a:r>
+            <a:r>
+              <a:rPr kumimoji="1" lang="en-US" altLang="ja-JP" dirty="0"/>
+              <a:t> </a:t>
+            </a:r>
+            <a:r>
+              <a:rPr kumimoji="1" lang="ja-JP" altLang="en-US"/>
+              <a:t>の推移</a:t>
             </a:r>
           </a:p>
         </p:txBody>
@@ -4972,7 +5866,107 @@
     </p:spTree>
     <p:extLst>
       <p:ext uri="{BB962C8B-B14F-4D97-AF65-F5344CB8AC3E}">
-        <p14:creationId xmlns:p14="http://schemas.microsoft.com/office/powerpoint/2010/main" val="1473631637"/>
+        <p14:creationId xmlns:p14="http://schemas.microsoft.com/office/powerpoint/2010/main" val="696814170"/>
+      </p:ext>
+    </p:extLst>
+  </p:cSld>
+  <p:clrMapOvr>
+    <a:masterClrMapping/>
+  </p:clrMapOvr>
+</p:sld>
+</file>
+
+<file path=ppt/slides/slide9.xml><?xml version="1.0" encoding="utf-8"?>
+<p:sld xmlns:a="http://schemas.openxmlformats.org/drawingml/2006/main" xmlns:r="http://schemas.openxmlformats.org/officeDocument/2006/relationships" xmlns:p="http://schemas.openxmlformats.org/presentationml/2006/main">
+  <p:cSld>
+    <p:spTree>
+      <p:nvGrpSpPr>
+        <p:cNvPr id="1" name=""/>
+        <p:cNvGrpSpPr/>
+        <p:nvPr/>
+      </p:nvGrpSpPr>
+      <p:grpSpPr>
+        <a:xfrm>
+          <a:off x="0" y="0"/>
+          <a:ext cx="0" cy="0"/>
+          <a:chOff x="0" y="0"/>
+          <a:chExt cx="0" cy="0"/>
+        </a:xfrm>
+      </p:grpSpPr>
+      <p:sp>
+        <p:nvSpPr>
+          <p:cNvPr id="2" name="タイトル 1"/>
+          <p:cNvSpPr>
+            <a:spLocks noGrp="1"/>
+          </p:cNvSpPr>
+          <p:nvPr>
+            <p:ph type="title"/>
+          </p:nvPr>
+        </p:nvSpPr>
+        <p:spPr/>
+        <p:txBody>
+          <a:bodyPr/>
+          <a:lstStyle/>
+          <a:p>
+            <a:r>
+              <a:rPr kumimoji="1" lang="ja-JP" altLang="en-US" dirty="0"/>
+              <a:t>ジオチャート</a:t>
+            </a:r>
+          </a:p>
+        </p:txBody>
+      </p:sp>
+      <p:sp>
+        <p:nvSpPr>
+          <p:cNvPr id="3" name="コンテンツ プレースホルダー 2"/>
+          <p:cNvSpPr>
+            <a:spLocks noGrp="1"/>
+          </p:cNvSpPr>
+          <p:nvPr>
+            <p:ph idx="1"/>
+          </p:nvPr>
+        </p:nvSpPr>
+        <p:spPr/>
+        <p:txBody>
+          <a:bodyPr/>
+          <a:lstStyle/>
+          <a:p>
+            <a:endParaRPr lang="en-US" altLang="ja-JP" dirty="0"/>
+          </a:p>
+          <a:p>
+            <a:r>
+              <a:rPr lang="ja-JP" altLang="en-US"/>
+              <a:t>地図上にデータをマッピング</a:t>
+            </a:r>
+            <a:endParaRPr kumimoji="1" lang="en-US" altLang="ja-JP" dirty="0"/>
+          </a:p>
+          <a:p>
+            <a:endParaRPr kumimoji="1" lang="en-US" altLang="ja-JP" dirty="0"/>
+          </a:p>
+          <a:p>
+            <a:r>
+              <a:rPr lang="ja-JP" altLang="en-US"/>
+              <a:t>地域特性が見やすい</a:t>
+            </a:r>
+            <a:endParaRPr lang="en-US" altLang="ja-JP" dirty="0"/>
+          </a:p>
+          <a:p>
+            <a:endParaRPr lang="en-US" altLang="ja-JP" dirty="0"/>
+          </a:p>
+          <a:p>
+            <a:r>
+              <a:rPr lang="ja-JP" altLang="en-US"/>
+              <a:t>推移が見にくい</a:t>
+            </a:r>
+          </a:p>
+          <a:p>
+            <a:endParaRPr kumimoji="1" lang="en-US" altLang="ja-JP" dirty="0"/>
+          </a:p>
+        </p:txBody>
+      </p:sp>
+    </p:spTree>
+    <p:extLst>
+      <p:ext uri="{BB962C8B-B14F-4D97-AF65-F5344CB8AC3E}">
+        <p14:creationId xmlns:p14="http://schemas.microsoft.com/office/powerpoint/2010/main" val="2117400784"/>
       </p:ext>
     </p:extLst>
   </p:cSld>

--- a/統計データの可視化.pptx
+++ b/統計データの可視化.pptx
@@ -550,6 +550,10 @@
           <a:bodyPr/>
           <a:lstStyle/>
           <a:p>
+            <a:r>
+              <a:rPr kumimoji="1" lang="ja-JP" altLang="en-US" dirty="0" smtClean="0"/>
+              <a:t>私たちは、統計データの可視化について発表します。</a:t>
+            </a:r>
             <a:endParaRPr kumimoji="1" lang="ja-JP" altLang="en-US" dirty="0"/>
           </a:p>
         </p:txBody>
@@ -571,7 +575,7 @@
           <a:p>
             <a:fld id="{B05A5F5C-BC8F-42F1-805F-F119BAB24EC1}" type="slidenum">
               <a:rPr kumimoji="1" lang="ja-JP" altLang="en-US" smtClean="0"/>
-              <a:t>4</a:t>
+              <a:t>1</a:t>
             </a:fld>
             <a:endParaRPr kumimoji="1" lang="ja-JP" altLang="en-US"/>
           </a:p>
@@ -580,7 +584,7 @@
     </p:spTree>
     <p:extLst>
       <p:ext uri="{BB962C8B-B14F-4D97-AF65-F5344CB8AC3E}">
-        <p14:creationId xmlns:p14="http://schemas.microsoft.com/office/powerpoint/2010/main" val="152221476"/>
+        <p14:creationId xmlns:p14="http://schemas.microsoft.com/office/powerpoint/2010/main" val="3580704546"/>
       </p:ext>
     </p:extLst>
   </p:cSld>
@@ -635,83 +639,13 @@
           <a:lstStyle/>
           <a:p>
             <a:r>
-              <a:rPr kumimoji="1" lang="en-US" altLang="ja-JP" dirty="0"/>
-              <a:t>Matplotlib</a:t>
-            </a:r>
-            <a:r>
-              <a:rPr kumimoji="1" lang="ja-JP" altLang="en-US"/>
-              <a:t>、</a:t>
-            </a:r>
-            <a:r>
-              <a:rPr kumimoji="1" lang="en-US" altLang="ja-JP" dirty="0" err="1"/>
-              <a:t>GoogleChart</a:t>
-            </a:r>
-            <a:r>
-              <a:rPr kumimoji="1" lang="ja-JP" altLang="en-US"/>
-              <a:t>についての簡単な説明</a:t>
-            </a:r>
-            <a:endParaRPr kumimoji="1" lang="en-US" altLang="ja-JP" dirty="0"/>
-          </a:p>
-          <a:p>
-            <a:endParaRPr kumimoji="1" lang="en-US" altLang="ja-JP" dirty="0"/>
-          </a:p>
-          <a:p>
-            <a:r>
-              <a:rPr kumimoji="1" lang="en-US" altLang="ja-JP" dirty="0"/>
-              <a:t>Matplotlib:</a:t>
-            </a:r>
-          </a:p>
-          <a:p>
-            <a:r>
-              <a:rPr kumimoji="1" lang="en-US" altLang="ja-JP" dirty="0"/>
-              <a:t>Python</a:t>
-            </a:r>
-            <a:r>
-              <a:rPr kumimoji="1" lang="ja-JP" altLang="en-US"/>
-              <a:t>のためのグラフ描画ライブラリ</a:t>
-            </a:r>
-            <a:endParaRPr kumimoji="1" lang="en-US" altLang="ja-JP" dirty="0"/>
-          </a:p>
-          <a:p>
-            <a:endParaRPr lang="en-US" altLang="ja-JP" dirty="0"/>
-          </a:p>
-          <a:p>
-            <a:r>
-              <a:rPr lang="en-US" altLang="ja-JP" dirty="0" err="1"/>
-              <a:t>GoogleChart</a:t>
-            </a:r>
-            <a:r>
-              <a:rPr lang="en-US" altLang="ja-JP" dirty="0"/>
-              <a:t>:</a:t>
-            </a:r>
-          </a:p>
-          <a:p>
-            <a:r>
-              <a:rPr lang="en-US" altLang="ja-JP" dirty="0" err="1"/>
-              <a:t>Javascript</a:t>
-            </a:r>
-            <a:r>
-              <a:rPr lang="ja-JP" altLang="en-US"/>
-              <a:t>で動く</a:t>
-            </a:r>
-            <a:r>
-              <a:rPr lang="en-US" altLang="ja-JP" dirty="0"/>
-              <a:t>Web</a:t>
-            </a:r>
-            <a:r>
-              <a:rPr lang="ja-JP" altLang="en-US"/>
-              <a:t>アプリケーションマウスオーバーなどによりインタラクティブに動作</a:t>
-            </a:r>
-            <a:endParaRPr lang="en-US" altLang="ja-JP" dirty="0"/>
-          </a:p>
-          <a:p>
-            <a:endParaRPr kumimoji="1" lang="en-US" altLang="ja-JP" dirty="0"/>
-          </a:p>
-          <a:p>
-            <a:r>
-              <a:rPr kumimoji="1" lang="ja-JP" altLang="en-US"/>
-              <a:t>どちらのツールも様々なグラフを描画することができるが、今回は上記のチャートを比較する旨</a:t>
-            </a:r>
+              <a:rPr kumimoji="1" lang="ja-JP" altLang="en-US" dirty="0" smtClean="0"/>
+              <a:t>発表の流れはこのようになります。</a:t>
+            </a:r>
+            <a:endParaRPr kumimoji="1" lang="en-US" altLang="ja-JP" dirty="0" smtClean="0"/>
+          </a:p>
+          <a:p>
+            <a:endParaRPr kumimoji="1" lang="ja-JP" altLang="en-US" dirty="0"/>
           </a:p>
         </p:txBody>
       </p:sp>
@@ -722,7 +656,7 @@
             <a:spLocks noGrp="1"/>
           </p:cNvSpPr>
           <p:nvPr>
-            <p:ph type="sldNum" sz="quarter" idx="5"/>
+            <p:ph type="sldNum" sz="quarter" idx="10"/>
           </p:nvPr>
         </p:nvSpPr>
         <p:spPr/>
@@ -732,7 +666,7 @@
           <a:p>
             <a:fld id="{B05A5F5C-BC8F-42F1-805F-F119BAB24EC1}" type="slidenum">
               <a:rPr kumimoji="1" lang="ja-JP" altLang="en-US" smtClean="0"/>
-              <a:t>5</a:t>
+              <a:t>2</a:t>
             </a:fld>
             <a:endParaRPr kumimoji="1" lang="ja-JP" altLang="en-US"/>
           </a:p>
@@ -741,7 +675,7 @@
     </p:spTree>
     <p:extLst>
       <p:ext uri="{BB962C8B-B14F-4D97-AF65-F5344CB8AC3E}">
-        <p14:creationId xmlns:p14="http://schemas.microsoft.com/office/powerpoint/2010/main" val="193721532"/>
+        <p14:creationId xmlns:p14="http://schemas.microsoft.com/office/powerpoint/2010/main" val="3649374036"/>
       </p:ext>
     </p:extLst>
   </p:cSld>
@@ -795,7 +729,7 @@
           <a:bodyPr/>
           <a:lstStyle/>
           <a:p>
-            <a:endParaRPr kumimoji="1" lang="ja-JP" altLang="en-US"/>
+            <a:endParaRPr kumimoji="1" lang="ja-JP" altLang="en-US" dirty="0"/>
           </a:p>
         </p:txBody>
       </p:sp>
@@ -806,7 +740,7 @@
             <a:spLocks noGrp="1"/>
           </p:cNvSpPr>
           <p:nvPr>
-            <p:ph type="sldNum" sz="quarter" idx="5"/>
+            <p:ph type="sldNum" sz="quarter" idx="10"/>
           </p:nvPr>
         </p:nvSpPr>
         <p:spPr/>
@@ -816,7 +750,7 @@
           <a:p>
             <a:fld id="{B05A5F5C-BC8F-42F1-805F-F119BAB24EC1}" type="slidenum">
               <a:rPr kumimoji="1" lang="ja-JP" altLang="en-US" smtClean="0"/>
-              <a:t>6</a:t>
+              <a:t>3</a:t>
             </a:fld>
             <a:endParaRPr kumimoji="1" lang="ja-JP" altLang="en-US"/>
           </a:p>
@@ -825,7 +759,7 @@
     </p:spTree>
     <p:extLst>
       <p:ext uri="{BB962C8B-B14F-4D97-AF65-F5344CB8AC3E}">
-        <p14:creationId xmlns:p14="http://schemas.microsoft.com/office/powerpoint/2010/main" val="162175"/>
+        <p14:creationId xmlns:p14="http://schemas.microsoft.com/office/powerpoint/2010/main" val="744629779"/>
       </p:ext>
     </p:extLst>
   </p:cSld>
@@ -879,17 +813,7 @@
           <a:bodyPr/>
           <a:lstStyle/>
           <a:p>
-            <a:r>
-              <a:rPr kumimoji="1" lang="ja-JP" altLang="en-US"/>
-              <a:t>チャートをたくさん作って、特徴についてたくさん説明する</a:t>
-            </a:r>
-            <a:endParaRPr kumimoji="1" lang="en-US" altLang="ja-JP" dirty="0"/>
-          </a:p>
-          <a:p>
-            <a:r>
-              <a:rPr kumimoji="1" lang="ja-JP" altLang="en-US"/>
-              <a:t>ジオチャートは地域による違いがわかりやすいが、時間的推移を見るには向いていない</a:t>
-            </a:r>
+            <a:endParaRPr kumimoji="1" lang="ja-JP" altLang="en-US" dirty="0"/>
           </a:p>
         </p:txBody>
       </p:sp>
@@ -900,7 +824,7 @@
             <a:spLocks noGrp="1"/>
           </p:cNvSpPr>
           <p:nvPr>
-            <p:ph type="sldNum" sz="quarter" idx="5"/>
+            <p:ph type="sldNum" sz="quarter" idx="10"/>
           </p:nvPr>
         </p:nvSpPr>
         <p:spPr/>
@@ -910,7 +834,7 @@
           <a:p>
             <a:fld id="{B05A5F5C-BC8F-42F1-805F-F119BAB24EC1}" type="slidenum">
               <a:rPr kumimoji="1" lang="ja-JP" altLang="en-US" smtClean="0"/>
-              <a:t>7</a:t>
+              <a:t>4</a:t>
             </a:fld>
             <a:endParaRPr kumimoji="1" lang="ja-JP" altLang="en-US"/>
           </a:p>
@@ -919,7 +843,7 @@
     </p:spTree>
     <p:extLst>
       <p:ext uri="{BB962C8B-B14F-4D97-AF65-F5344CB8AC3E}">
-        <p14:creationId xmlns:p14="http://schemas.microsoft.com/office/powerpoint/2010/main" val="497168513"/>
+        <p14:creationId xmlns:p14="http://schemas.microsoft.com/office/powerpoint/2010/main" val="152221476"/>
       </p:ext>
     </p:extLst>
   </p:cSld>
@@ -973,6 +897,345 @@
           <a:bodyPr/>
           <a:lstStyle/>
           <a:p>
+            <a:r>
+              <a:rPr kumimoji="1" lang="en-US" altLang="ja-JP" dirty="0"/>
+              <a:t>Matplotlib</a:t>
+            </a:r>
+            <a:r>
+              <a:rPr kumimoji="1" lang="ja-JP" altLang="en-US" dirty="0" err="1"/>
+              <a:t>、</a:t>
+            </a:r>
+            <a:r>
+              <a:rPr kumimoji="1" lang="en-US" altLang="ja-JP" dirty="0" err="1"/>
+              <a:t>GoogleChart</a:t>
+            </a:r>
+            <a:r>
+              <a:rPr kumimoji="1" lang="ja-JP" altLang="en-US" dirty="0"/>
+              <a:t>についての簡単な説明</a:t>
+            </a:r>
+            <a:endParaRPr kumimoji="1" lang="en-US" altLang="ja-JP" dirty="0"/>
+          </a:p>
+          <a:p>
+            <a:endParaRPr kumimoji="1" lang="en-US" altLang="ja-JP" dirty="0"/>
+          </a:p>
+          <a:p>
+            <a:r>
+              <a:rPr kumimoji="1" lang="en-US" altLang="ja-JP" dirty="0"/>
+              <a:t>Matplotlib:</a:t>
+            </a:r>
+          </a:p>
+          <a:p>
+            <a:r>
+              <a:rPr kumimoji="1" lang="en-US" altLang="ja-JP" dirty="0"/>
+              <a:t>Python</a:t>
+            </a:r>
+            <a:r>
+              <a:rPr kumimoji="1" lang="ja-JP" altLang="en-US" dirty="0"/>
+              <a:t>のためのグラフ描画ライブラリ</a:t>
+            </a:r>
+            <a:endParaRPr kumimoji="1" lang="en-US" altLang="ja-JP" dirty="0"/>
+          </a:p>
+          <a:p>
+            <a:endParaRPr lang="en-US" altLang="ja-JP" dirty="0"/>
+          </a:p>
+          <a:p>
+            <a:r>
+              <a:rPr lang="en-US" altLang="ja-JP" dirty="0" err="1"/>
+              <a:t>GoogleChart</a:t>
+            </a:r>
+            <a:r>
+              <a:rPr lang="en-US" altLang="ja-JP" dirty="0"/>
+              <a:t>:</a:t>
+            </a:r>
+          </a:p>
+          <a:p>
+            <a:r>
+              <a:rPr lang="en-US" altLang="ja-JP" dirty="0" err="1"/>
+              <a:t>Javascript</a:t>
+            </a:r>
+            <a:r>
+              <a:rPr lang="ja-JP" altLang="en-US" dirty="0"/>
+              <a:t>で動く</a:t>
+            </a:r>
+            <a:r>
+              <a:rPr lang="en-US" altLang="ja-JP" dirty="0"/>
+              <a:t>Web</a:t>
+            </a:r>
+            <a:r>
+              <a:rPr lang="ja-JP" altLang="en-US" dirty="0"/>
+              <a:t>アプリケーションマウスオーバーなどによりインタラクティブに動作</a:t>
+            </a:r>
+            <a:endParaRPr lang="en-US" altLang="ja-JP" dirty="0"/>
+          </a:p>
+          <a:p>
+            <a:endParaRPr kumimoji="1" lang="en-US" altLang="ja-JP" dirty="0"/>
+          </a:p>
+          <a:p>
+            <a:r>
+              <a:rPr kumimoji="1" lang="ja-JP" altLang="en-US" dirty="0"/>
+              <a:t>どちらのツールも様々なグラフを描画することができるが、今回は上記のチャートを比較する旨</a:t>
+            </a:r>
+          </a:p>
+        </p:txBody>
+      </p:sp>
+      <p:sp>
+        <p:nvSpPr>
+          <p:cNvPr id="4" name="スライド番号プレースホルダー 3"/>
+          <p:cNvSpPr>
+            <a:spLocks noGrp="1"/>
+          </p:cNvSpPr>
+          <p:nvPr>
+            <p:ph type="sldNum" sz="quarter" idx="5"/>
+          </p:nvPr>
+        </p:nvSpPr>
+        <p:spPr/>
+        <p:txBody>
+          <a:bodyPr/>
+          <a:lstStyle/>
+          <a:p>
+            <a:fld id="{B05A5F5C-BC8F-42F1-805F-F119BAB24EC1}" type="slidenum">
+              <a:rPr kumimoji="1" lang="ja-JP" altLang="en-US" smtClean="0"/>
+              <a:t>5</a:t>
+            </a:fld>
+            <a:endParaRPr kumimoji="1" lang="ja-JP" altLang="en-US"/>
+          </a:p>
+        </p:txBody>
+      </p:sp>
+    </p:spTree>
+    <p:extLst>
+      <p:ext uri="{BB962C8B-B14F-4D97-AF65-F5344CB8AC3E}">
+        <p14:creationId xmlns:p14="http://schemas.microsoft.com/office/powerpoint/2010/main" val="193721532"/>
+      </p:ext>
+    </p:extLst>
+  </p:cSld>
+  <p:clrMapOvr>
+    <a:masterClrMapping/>
+  </p:clrMapOvr>
+</p:notes>
+</file>
+
+<file path=ppt/notesSlides/notesSlide6.xml><?xml version="1.0" encoding="utf-8"?>
+<p:notes xmlns:a="http://schemas.openxmlformats.org/drawingml/2006/main" xmlns:r="http://schemas.openxmlformats.org/officeDocument/2006/relationships" xmlns:p="http://schemas.openxmlformats.org/presentationml/2006/main">
+  <p:cSld>
+    <p:spTree>
+      <p:nvGrpSpPr>
+        <p:cNvPr id="1" name=""/>
+        <p:cNvGrpSpPr/>
+        <p:nvPr/>
+      </p:nvGrpSpPr>
+      <p:grpSpPr>
+        <a:xfrm>
+          <a:off x="0" y="0"/>
+          <a:ext cx="0" cy="0"/>
+          <a:chOff x="0" y="0"/>
+          <a:chExt cx="0" cy="0"/>
+        </a:xfrm>
+      </p:grpSpPr>
+      <p:sp>
+        <p:nvSpPr>
+          <p:cNvPr id="2" name="スライド イメージ プレースホルダー 1"/>
+          <p:cNvSpPr>
+            <a:spLocks noGrp="1" noRot="1" noChangeAspect="1"/>
+          </p:cNvSpPr>
+          <p:nvPr>
+            <p:ph type="sldImg"/>
+          </p:nvPr>
+        </p:nvSpPr>
+        <p:spPr/>
+      </p:sp>
+      <p:sp>
+        <p:nvSpPr>
+          <p:cNvPr id="3" name="ノート プレースホルダー 2"/>
+          <p:cNvSpPr>
+            <a:spLocks noGrp="1"/>
+          </p:cNvSpPr>
+          <p:nvPr>
+            <p:ph type="body" idx="1"/>
+          </p:nvPr>
+        </p:nvSpPr>
+        <p:spPr/>
+        <p:txBody>
+          <a:bodyPr/>
+          <a:lstStyle/>
+          <a:p>
+            <a:endParaRPr kumimoji="1" lang="ja-JP" altLang="en-US"/>
+          </a:p>
+        </p:txBody>
+      </p:sp>
+      <p:sp>
+        <p:nvSpPr>
+          <p:cNvPr id="4" name="スライド番号プレースホルダー 3"/>
+          <p:cNvSpPr>
+            <a:spLocks noGrp="1"/>
+          </p:cNvSpPr>
+          <p:nvPr>
+            <p:ph type="sldNum" sz="quarter" idx="5"/>
+          </p:nvPr>
+        </p:nvSpPr>
+        <p:spPr/>
+        <p:txBody>
+          <a:bodyPr/>
+          <a:lstStyle/>
+          <a:p>
+            <a:fld id="{B05A5F5C-BC8F-42F1-805F-F119BAB24EC1}" type="slidenum">
+              <a:rPr kumimoji="1" lang="ja-JP" altLang="en-US" smtClean="0"/>
+              <a:t>6</a:t>
+            </a:fld>
+            <a:endParaRPr kumimoji="1" lang="ja-JP" altLang="en-US"/>
+          </a:p>
+        </p:txBody>
+      </p:sp>
+    </p:spTree>
+    <p:extLst>
+      <p:ext uri="{BB962C8B-B14F-4D97-AF65-F5344CB8AC3E}">
+        <p14:creationId xmlns:p14="http://schemas.microsoft.com/office/powerpoint/2010/main" val="162175"/>
+      </p:ext>
+    </p:extLst>
+  </p:cSld>
+  <p:clrMapOvr>
+    <a:masterClrMapping/>
+  </p:clrMapOvr>
+</p:notes>
+</file>
+
+<file path=ppt/notesSlides/notesSlide7.xml><?xml version="1.0" encoding="utf-8"?>
+<p:notes xmlns:a="http://schemas.openxmlformats.org/drawingml/2006/main" xmlns:r="http://schemas.openxmlformats.org/officeDocument/2006/relationships" xmlns:p="http://schemas.openxmlformats.org/presentationml/2006/main">
+  <p:cSld>
+    <p:spTree>
+      <p:nvGrpSpPr>
+        <p:cNvPr id="1" name=""/>
+        <p:cNvGrpSpPr/>
+        <p:nvPr/>
+      </p:nvGrpSpPr>
+      <p:grpSpPr>
+        <a:xfrm>
+          <a:off x="0" y="0"/>
+          <a:ext cx="0" cy="0"/>
+          <a:chOff x="0" y="0"/>
+          <a:chExt cx="0" cy="0"/>
+        </a:xfrm>
+      </p:grpSpPr>
+      <p:sp>
+        <p:nvSpPr>
+          <p:cNvPr id="2" name="スライド イメージ プレースホルダー 1"/>
+          <p:cNvSpPr>
+            <a:spLocks noGrp="1" noRot="1" noChangeAspect="1"/>
+          </p:cNvSpPr>
+          <p:nvPr>
+            <p:ph type="sldImg"/>
+          </p:nvPr>
+        </p:nvSpPr>
+        <p:spPr/>
+      </p:sp>
+      <p:sp>
+        <p:nvSpPr>
+          <p:cNvPr id="3" name="ノート プレースホルダー 2"/>
+          <p:cNvSpPr>
+            <a:spLocks noGrp="1"/>
+          </p:cNvSpPr>
+          <p:nvPr>
+            <p:ph type="body" idx="1"/>
+          </p:nvPr>
+        </p:nvSpPr>
+        <p:spPr/>
+        <p:txBody>
+          <a:bodyPr/>
+          <a:lstStyle/>
+          <a:p>
+            <a:r>
+              <a:rPr kumimoji="1" lang="ja-JP" altLang="en-US"/>
+              <a:t>チャートをたくさん作って、特徴についてたくさん説明する</a:t>
+            </a:r>
+            <a:endParaRPr kumimoji="1" lang="en-US" altLang="ja-JP" dirty="0"/>
+          </a:p>
+          <a:p>
+            <a:r>
+              <a:rPr kumimoji="1" lang="ja-JP" altLang="en-US"/>
+              <a:t>ジオチャートは地域による違いがわかりやすいが、時間的推移を見るには向いていない</a:t>
+            </a:r>
+          </a:p>
+        </p:txBody>
+      </p:sp>
+      <p:sp>
+        <p:nvSpPr>
+          <p:cNvPr id="4" name="スライド番号プレースホルダー 3"/>
+          <p:cNvSpPr>
+            <a:spLocks noGrp="1"/>
+          </p:cNvSpPr>
+          <p:nvPr>
+            <p:ph type="sldNum" sz="quarter" idx="5"/>
+          </p:nvPr>
+        </p:nvSpPr>
+        <p:spPr/>
+        <p:txBody>
+          <a:bodyPr/>
+          <a:lstStyle/>
+          <a:p>
+            <a:fld id="{B05A5F5C-BC8F-42F1-805F-F119BAB24EC1}" type="slidenum">
+              <a:rPr kumimoji="1" lang="ja-JP" altLang="en-US" smtClean="0"/>
+              <a:t>7</a:t>
+            </a:fld>
+            <a:endParaRPr kumimoji="1" lang="ja-JP" altLang="en-US"/>
+          </a:p>
+        </p:txBody>
+      </p:sp>
+    </p:spTree>
+    <p:extLst>
+      <p:ext uri="{BB962C8B-B14F-4D97-AF65-F5344CB8AC3E}">
+        <p14:creationId xmlns:p14="http://schemas.microsoft.com/office/powerpoint/2010/main" val="497168513"/>
+      </p:ext>
+    </p:extLst>
+  </p:cSld>
+  <p:clrMapOvr>
+    <a:masterClrMapping/>
+  </p:clrMapOvr>
+</p:notes>
+</file>
+
+<file path=ppt/notesSlides/notesSlide8.xml><?xml version="1.0" encoding="utf-8"?>
+<p:notes xmlns:a="http://schemas.openxmlformats.org/drawingml/2006/main" xmlns:r="http://schemas.openxmlformats.org/officeDocument/2006/relationships" xmlns:p="http://schemas.openxmlformats.org/presentationml/2006/main">
+  <p:cSld>
+    <p:spTree>
+      <p:nvGrpSpPr>
+        <p:cNvPr id="1" name=""/>
+        <p:cNvGrpSpPr/>
+        <p:nvPr/>
+      </p:nvGrpSpPr>
+      <p:grpSpPr>
+        <a:xfrm>
+          <a:off x="0" y="0"/>
+          <a:ext cx="0" cy="0"/>
+          <a:chOff x="0" y="0"/>
+          <a:chExt cx="0" cy="0"/>
+        </a:xfrm>
+      </p:grpSpPr>
+      <p:sp>
+        <p:nvSpPr>
+          <p:cNvPr id="2" name="スライド イメージ プレースホルダー 1"/>
+          <p:cNvSpPr>
+            <a:spLocks noGrp="1" noRot="1" noChangeAspect="1"/>
+          </p:cNvSpPr>
+          <p:nvPr>
+            <p:ph type="sldImg"/>
+          </p:nvPr>
+        </p:nvSpPr>
+        <p:spPr/>
+      </p:sp>
+      <p:sp>
+        <p:nvSpPr>
+          <p:cNvPr id="3" name="ノート プレースホルダー 2"/>
+          <p:cNvSpPr>
+            <a:spLocks noGrp="1"/>
+          </p:cNvSpPr>
+          <p:nvPr>
+            <p:ph type="body" idx="1"/>
+          </p:nvPr>
+        </p:nvSpPr>
+        <p:spPr/>
+        <p:txBody>
+          <a:bodyPr/>
+          <a:lstStyle/>
+          <a:p>
             <a:endParaRPr kumimoji="1" lang="ja-JP" altLang="en-US"/>
           </a:p>
         </p:txBody>
@@ -1013,7 +1276,7 @@
 </p:notes>
 </file>
 
-<file path=ppt/notesSlides/notesSlide6.xml><?xml version="1.0" encoding="utf-8"?>
+<file path=ppt/notesSlides/notesSlide9.xml><?xml version="1.0" encoding="utf-8"?>
 <p:notes xmlns:a="http://schemas.openxmlformats.org/drawingml/2006/main" xmlns:r="http://schemas.openxmlformats.org/officeDocument/2006/relationships" xmlns:p="http://schemas.openxmlformats.org/presentationml/2006/main">
   <p:cSld>
     <p:spTree>
@@ -1122,7 +1385,7 @@
           <p:cNvPr id="2" name="タイトル 1">
             <a:extLst>
               <a:ext uri="{FF2B5EF4-FFF2-40B4-BE49-F238E27FC236}">
-                <a16:creationId xmlns:a16="http://schemas.microsoft.com/office/drawing/2014/main" id="{D5DF3914-848A-5745-957C-528267F7C428}"/>
+                <a16:creationId xmlns:a16="http://schemas.microsoft.com/office/drawing/2014/main" xmlns="" id="{D5DF3914-848A-5745-957C-528267F7C428}"/>
               </a:ext>
             </a:extLst>
           </p:cNvPr>
@@ -1159,7 +1422,7 @@
           <p:cNvPr id="3" name="字幕 2">
             <a:extLst>
               <a:ext uri="{FF2B5EF4-FFF2-40B4-BE49-F238E27FC236}">
-                <a16:creationId xmlns:a16="http://schemas.microsoft.com/office/drawing/2014/main" id="{09ED48ED-F942-EA4B-837D-433A04D6B104}"/>
+                <a16:creationId xmlns:a16="http://schemas.microsoft.com/office/drawing/2014/main" xmlns="" id="{09ED48ED-F942-EA4B-837D-433A04D6B104}"/>
               </a:ext>
             </a:extLst>
           </p:cNvPr>
@@ -1229,7 +1492,7 @@
           <p:cNvPr id="4" name="日付プレースホルダー 3">
             <a:extLst>
               <a:ext uri="{FF2B5EF4-FFF2-40B4-BE49-F238E27FC236}">
-                <a16:creationId xmlns:a16="http://schemas.microsoft.com/office/drawing/2014/main" id="{3A0DDE53-FAF3-374A-B93B-6D7F5E526B83}"/>
+                <a16:creationId xmlns:a16="http://schemas.microsoft.com/office/drawing/2014/main" xmlns="" id="{3A0DDE53-FAF3-374A-B93B-6D7F5E526B83}"/>
               </a:ext>
             </a:extLst>
           </p:cNvPr>
@@ -1258,7 +1521,7 @@
           <p:cNvPr id="5" name="フッター プレースホルダー 4">
             <a:extLst>
               <a:ext uri="{FF2B5EF4-FFF2-40B4-BE49-F238E27FC236}">
-                <a16:creationId xmlns:a16="http://schemas.microsoft.com/office/drawing/2014/main" id="{83CD93A0-C601-B84D-B2EA-38118C6AE7FB}"/>
+                <a16:creationId xmlns:a16="http://schemas.microsoft.com/office/drawing/2014/main" xmlns="" id="{83CD93A0-C601-B84D-B2EA-38118C6AE7FB}"/>
               </a:ext>
             </a:extLst>
           </p:cNvPr>
@@ -1283,7 +1546,7 @@
           <p:cNvPr id="6" name="スライド番号プレースホルダー 5">
             <a:extLst>
               <a:ext uri="{FF2B5EF4-FFF2-40B4-BE49-F238E27FC236}">
-                <a16:creationId xmlns:a16="http://schemas.microsoft.com/office/drawing/2014/main" id="{8020DA69-1EC4-8D4B-8C3D-2ABD8A48C106}"/>
+                <a16:creationId xmlns:a16="http://schemas.microsoft.com/office/drawing/2014/main" xmlns="" id="{8020DA69-1EC4-8D4B-8C3D-2ABD8A48C106}"/>
               </a:ext>
             </a:extLst>
           </p:cNvPr>
@@ -1342,7 +1605,7 @@
           <p:cNvPr id="2" name="タイトル 1">
             <a:extLst>
               <a:ext uri="{FF2B5EF4-FFF2-40B4-BE49-F238E27FC236}">
-                <a16:creationId xmlns:a16="http://schemas.microsoft.com/office/drawing/2014/main" id="{BB3E10CC-A6BC-8949-B208-329D84FD4921}"/>
+                <a16:creationId xmlns:a16="http://schemas.microsoft.com/office/drawing/2014/main" xmlns="" id="{BB3E10CC-A6BC-8949-B208-329D84FD4921}"/>
               </a:ext>
             </a:extLst>
           </p:cNvPr>
@@ -1370,7 +1633,7 @@
           <p:cNvPr id="3" name="縦書きテキスト プレースホルダー 2">
             <a:extLst>
               <a:ext uri="{FF2B5EF4-FFF2-40B4-BE49-F238E27FC236}">
-                <a16:creationId xmlns:a16="http://schemas.microsoft.com/office/drawing/2014/main" id="{7219424D-BC1D-AD4E-B010-1F1D7A13D58F}"/>
+                <a16:creationId xmlns:a16="http://schemas.microsoft.com/office/drawing/2014/main" xmlns="" id="{7219424D-BC1D-AD4E-B010-1F1D7A13D58F}"/>
               </a:ext>
             </a:extLst>
           </p:cNvPr>
@@ -1459,7 +1722,7 @@
           <p:cNvPr id="4" name="日付プレースホルダー 3">
             <a:extLst>
               <a:ext uri="{FF2B5EF4-FFF2-40B4-BE49-F238E27FC236}">
-                <a16:creationId xmlns:a16="http://schemas.microsoft.com/office/drawing/2014/main" id="{A0EC3470-4F95-8440-8244-40DACC03B789}"/>
+                <a16:creationId xmlns:a16="http://schemas.microsoft.com/office/drawing/2014/main" xmlns="" id="{A0EC3470-4F95-8440-8244-40DACC03B789}"/>
               </a:ext>
             </a:extLst>
           </p:cNvPr>
@@ -1488,7 +1751,7 @@
           <p:cNvPr id="5" name="フッター プレースホルダー 4">
             <a:extLst>
               <a:ext uri="{FF2B5EF4-FFF2-40B4-BE49-F238E27FC236}">
-                <a16:creationId xmlns:a16="http://schemas.microsoft.com/office/drawing/2014/main" id="{66F14C45-11C0-E844-8F6B-65127DAC330E}"/>
+                <a16:creationId xmlns:a16="http://schemas.microsoft.com/office/drawing/2014/main" xmlns="" id="{66F14C45-11C0-E844-8F6B-65127DAC330E}"/>
               </a:ext>
             </a:extLst>
           </p:cNvPr>
@@ -1513,7 +1776,7 @@
           <p:cNvPr id="6" name="スライド番号プレースホルダー 5">
             <a:extLst>
               <a:ext uri="{FF2B5EF4-FFF2-40B4-BE49-F238E27FC236}">
-                <a16:creationId xmlns:a16="http://schemas.microsoft.com/office/drawing/2014/main" id="{0E725F07-7F0B-E14E-8116-981B96C66531}"/>
+                <a16:creationId xmlns:a16="http://schemas.microsoft.com/office/drawing/2014/main" xmlns="" id="{0E725F07-7F0B-E14E-8116-981B96C66531}"/>
               </a:ext>
             </a:extLst>
           </p:cNvPr>
@@ -1572,7 +1835,7 @@
           <p:cNvPr id="2" name="縦書きタイトル 1">
             <a:extLst>
               <a:ext uri="{FF2B5EF4-FFF2-40B4-BE49-F238E27FC236}">
-                <a16:creationId xmlns:a16="http://schemas.microsoft.com/office/drawing/2014/main" id="{39813C18-B35A-0B48-9CAB-63198D349B64}"/>
+                <a16:creationId xmlns:a16="http://schemas.microsoft.com/office/drawing/2014/main" xmlns="" id="{39813C18-B35A-0B48-9CAB-63198D349B64}"/>
               </a:ext>
             </a:extLst>
           </p:cNvPr>
@@ -1605,7 +1868,7 @@
           <p:cNvPr id="3" name="縦書きテキスト プレースホルダー 2">
             <a:extLst>
               <a:ext uri="{FF2B5EF4-FFF2-40B4-BE49-F238E27FC236}">
-                <a16:creationId xmlns:a16="http://schemas.microsoft.com/office/drawing/2014/main" id="{F67CE368-0F9E-2B42-A1E6-C2B1870B324A}"/>
+                <a16:creationId xmlns:a16="http://schemas.microsoft.com/office/drawing/2014/main" xmlns="" id="{F67CE368-0F9E-2B42-A1E6-C2B1870B324A}"/>
               </a:ext>
             </a:extLst>
           </p:cNvPr>
@@ -1699,7 +1962,7 @@
           <p:cNvPr id="4" name="日付プレースホルダー 3">
             <a:extLst>
               <a:ext uri="{FF2B5EF4-FFF2-40B4-BE49-F238E27FC236}">
-                <a16:creationId xmlns:a16="http://schemas.microsoft.com/office/drawing/2014/main" id="{867ACC2A-B8D1-7C41-9B9F-4C65056F947D}"/>
+                <a16:creationId xmlns:a16="http://schemas.microsoft.com/office/drawing/2014/main" xmlns="" id="{867ACC2A-B8D1-7C41-9B9F-4C65056F947D}"/>
               </a:ext>
             </a:extLst>
           </p:cNvPr>
@@ -1728,7 +1991,7 @@
           <p:cNvPr id="5" name="フッター プレースホルダー 4">
             <a:extLst>
               <a:ext uri="{FF2B5EF4-FFF2-40B4-BE49-F238E27FC236}">
-                <a16:creationId xmlns:a16="http://schemas.microsoft.com/office/drawing/2014/main" id="{087856E7-9E03-2C48-B6EC-72CF81629D1A}"/>
+                <a16:creationId xmlns:a16="http://schemas.microsoft.com/office/drawing/2014/main" xmlns="" id="{087856E7-9E03-2C48-B6EC-72CF81629D1A}"/>
               </a:ext>
             </a:extLst>
           </p:cNvPr>
@@ -1753,7 +2016,7 @@
           <p:cNvPr id="6" name="スライド番号プレースホルダー 5">
             <a:extLst>
               <a:ext uri="{FF2B5EF4-FFF2-40B4-BE49-F238E27FC236}">
-                <a16:creationId xmlns:a16="http://schemas.microsoft.com/office/drawing/2014/main" id="{C67C1FF0-41FF-734C-8215-5603860FCEB5}"/>
+                <a16:creationId xmlns:a16="http://schemas.microsoft.com/office/drawing/2014/main" xmlns="" id="{C67C1FF0-41FF-734C-8215-5603860FCEB5}"/>
               </a:ext>
             </a:extLst>
           </p:cNvPr>
@@ -1812,7 +2075,7 @@
           <p:cNvPr id="2" name="タイトル 1">
             <a:extLst>
               <a:ext uri="{FF2B5EF4-FFF2-40B4-BE49-F238E27FC236}">
-                <a16:creationId xmlns:a16="http://schemas.microsoft.com/office/drawing/2014/main" id="{79AD0717-2C6D-1447-94E8-005D647C12FA}"/>
+                <a16:creationId xmlns:a16="http://schemas.microsoft.com/office/drawing/2014/main" xmlns="" id="{79AD0717-2C6D-1447-94E8-005D647C12FA}"/>
               </a:ext>
             </a:extLst>
           </p:cNvPr>
@@ -1840,7 +2103,7 @@
           <p:cNvPr id="3" name="コンテンツ プレースホルダー 2">
             <a:extLst>
               <a:ext uri="{FF2B5EF4-FFF2-40B4-BE49-F238E27FC236}">
-                <a16:creationId xmlns:a16="http://schemas.microsoft.com/office/drawing/2014/main" id="{F692E943-D9F7-F64A-9495-77932297DAB9}"/>
+                <a16:creationId xmlns:a16="http://schemas.microsoft.com/office/drawing/2014/main" xmlns="" id="{F692E943-D9F7-F64A-9495-77932297DAB9}"/>
               </a:ext>
             </a:extLst>
           </p:cNvPr>
@@ -1929,7 +2192,7 @@
           <p:cNvPr id="4" name="日付プレースホルダー 3">
             <a:extLst>
               <a:ext uri="{FF2B5EF4-FFF2-40B4-BE49-F238E27FC236}">
-                <a16:creationId xmlns:a16="http://schemas.microsoft.com/office/drawing/2014/main" id="{46AF73F5-1F52-3C42-920C-52BCD964D9DB}"/>
+                <a16:creationId xmlns:a16="http://schemas.microsoft.com/office/drawing/2014/main" xmlns="" id="{46AF73F5-1F52-3C42-920C-52BCD964D9DB}"/>
               </a:ext>
             </a:extLst>
           </p:cNvPr>
@@ -1958,7 +2221,7 @@
           <p:cNvPr id="5" name="フッター プレースホルダー 4">
             <a:extLst>
               <a:ext uri="{FF2B5EF4-FFF2-40B4-BE49-F238E27FC236}">
-                <a16:creationId xmlns:a16="http://schemas.microsoft.com/office/drawing/2014/main" id="{68D477E9-E726-3440-9A60-D29AD7FFB974}"/>
+                <a16:creationId xmlns:a16="http://schemas.microsoft.com/office/drawing/2014/main" xmlns="" id="{68D477E9-E726-3440-9A60-D29AD7FFB974}"/>
               </a:ext>
             </a:extLst>
           </p:cNvPr>
@@ -1983,7 +2246,7 @@
           <p:cNvPr id="6" name="スライド番号プレースホルダー 5">
             <a:extLst>
               <a:ext uri="{FF2B5EF4-FFF2-40B4-BE49-F238E27FC236}">
-                <a16:creationId xmlns:a16="http://schemas.microsoft.com/office/drawing/2014/main" id="{281A8823-BFC8-2149-9684-D4368C50FB0C}"/>
+                <a16:creationId xmlns:a16="http://schemas.microsoft.com/office/drawing/2014/main" xmlns="" id="{281A8823-BFC8-2149-9684-D4368C50FB0C}"/>
               </a:ext>
             </a:extLst>
           </p:cNvPr>
@@ -2042,7 +2305,7 @@
           <p:cNvPr id="2" name="タイトル 1">
             <a:extLst>
               <a:ext uri="{FF2B5EF4-FFF2-40B4-BE49-F238E27FC236}">
-                <a16:creationId xmlns:a16="http://schemas.microsoft.com/office/drawing/2014/main" id="{11D7A484-CED8-0042-AB5C-E49584593BA4}"/>
+                <a16:creationId xmlns:a16="http://schemas.microsoft.com/office/drawing/2014/main" xmlns="" id="{11D7A484-CED8-0042-AB5C-E49584593BA4}"/>
               </a:ext>
             </a:extLst>
           </p:cNvPr>
@@ -2079,7 +2342,7 @@
           <p:cNvPr id="3" name="テキスト プレースホルダー 2">
             <a:extLst>
               <a:ext uri="{FF2B5EF4-FFF2-40B4-BE49-F238E27FC236}">
-                <a16:creationId xmlns:a16="http://schemas.microsoft.com/office/drawing/2014/main" id="{603AFF4A-337D-6F44-B171-9DAE74385387}"/>
+                <a16:creationId xmlns:a16="http://schemas.microsoft.com/office/drawing/2014/main" xmlns="" id="{603AFF4A-337D-6F44-B171-9DAE74385387}"/>
               </a:ext>
             </a:extLst>
           </p:cNvPr>
@@ -2204,7 +2467,7 @@
           <p:cNvPr id="4" name="日付プレースホルダー 3">
             <a:extLst>
               <a:ext uri="{FF2B5EF4-FFF2-40B4-BE49-F238E27FC236}">
-                <a16:creationId xmlns:a16="http://schemas.microsoft.com/office/drawing/2014/main" id="{B2D66AD0-01C1-914F-BB4D-24E1D0802D2B}"/>
+                <a16:creationId xmlns:a16="http://schemas.microsoft.com/office/drawing/2014/main" xmlns="" id="{B2D66AD0-01C1-914F-BB4D-24E1D0802D2B}"/>
               </a:ext>
             </a:extLst>
           </p:cNvPr>
@@ -2233,7 +2496,7 @@
           <p:cNvPr id="5" name="フッター プレースホルダー 4">
             <a:extLst>
               <a:ext uri="{FF2B5EF4-FFF2-40B4-BE49-F238E27FC236}">
-                <a16:creationId xmlns:a16="http://schemas.microsoft.com/office/drawing/2014/main" id="{CD674AB9-A292-CC49-B4AC-1151A77C96C1}"/>
+                <a16:creationId xmlns:a16="http://schemas.microsoft.com/office/drawing/2014/main" xmlns="" id="{CD674AB9-A292-CC49-B4AC-1151A77C96C1}"/>
               </a:ext>
             </a:extLst>
           </p:cNvPr>
@@ -2258,7 +2521,7 @@
           <p:cNvPr id="6" name="スライド番号プレースホルダー 5">
             <a:extLst>
               <a:ext uri="{FF2B5EF4-FFF2-40B4-BE49-F238E27FC236}">
-                <a16:creationId xmlns:a16="http://schemas.microsoft.com/office/drawing/2014/main" id="{C2194DD3-01FF-E24A-990B-531E6B1C8814}"/>
+                <a16:creationId xmlns:a16="http://schemas.microsoft.com/office/drawing/2014/main" xmlns="" id="{C2194DD3-01FF-E24A-990B-531E6B1C8814}"/>
               </a:ext>
             </a:extLst>
           </p:cNvPr>
@@ -2317,7 +2580,7 @@
           <p:cNvPr id="2" name="タイトル 1">
             <a:extLst>
               <a:ext uri="{FF2B5EF4-FFF2-40B4-BE49-F238E27FC236}">
-                <a16:creationId xmlns:a16="http://schemas.microsoft.com/office/drawing/2014/main" id="{AF4C0AFC-A229-8B43-A476-E19F9A12B5E9}"/>
+                <a16:creationId xmlns:a16="http://schemas.microsoft.com/office/drawing/2014/main" xmlns="" id="{AF4C0AFC-A229-8B43-A476-E19F9A12B5E9}"/>
               </a:ext>
             </a:extLst>
           </p:cNvPr>
@@ -2345,7 +2608,7 @@
           <p:cNvPr id="3" name="コンテンツ プレースホルダー 2">
             <a:extLst>
               <a:ext uri="{FF2B5EF4-FFF2-40B4-BE49-F238E27FC236}">
-                <a16:creationId xmlns:a16="http://schemas.microsoft.com/office/drawing/2014/main" id="{A77E57E2-40B9-0840-8854-0BB52DFB6AD7}"/>
+                <a16:creationId xmlns:a16="http://schemas.microsoft.com/office/drawing/2014/main" xmlns="" id="{A77E57E2-40B9-0840-8854-0BB52DFB6AD7}"/>
               </a:ext>
             </a:extLst>
           </p:cNvPr>
@@ -2439,7 +2702,7 @@
           <p:cNvPr id="4" name="コンテンツ プレースホルダー 3">
             <a:extLst>
               <a:ext uri="{FF2B5EF4-FFF2-40B4-BE49-F238E27FC236}">
-                <a16:creationId xmlns:a16="http://schemas.microsoft.com/office/drawing/2014/main" id="{5376FFAC-8690-B24D-9377-7FEEB22104AF}"/>
+                <a16:creationId xmlns:a16="http://schemas.microsoft.com/office/drawing/2014/main" xmlns="" id="{5376FFAC-8690-B24D-9377-7FEEB22104AF}"/>
               </a:ext>
             </a:extLst>
           </p:cNvPr>
@@ -2533,7 +2796,7 @@
           <p:cNvPr id="5" name="日付プレースホルダー 4">
             <a:extLst>
               <a:ext uri="{FF2B5EF4-FFF2-40B4-BE49-F238E27FC236}">
-                <a16:creationId xmlns:a16="http://schemas.microsoft.com/office/drawing/2014/main" id="{86E22A30-78E1-3F43-9E9C-5C7CBC5E207D}"/>
+                <a16:creationId xmlns:a16="http://schemas.microsoft.com/office/drawing/2014/main" xmlns="" id="{86E22A30-78E1-3F43-9E9C-5C7CBC5E207D}"/>
               </a:ext>
             </a:extLst>
           </p:cNvPr>
@@ -2562,7 +2825,7 @@
           <p:cNvPr id="6" name="フッター プレースホルダー 5">
             <a:extLst>
               <a:ext uri="{FF2B5EF4-FFF2-40B4-BE49-F238E27FC236}">
-                <a16:creationId xmlns:a16="http://schemas.microsoft.com/office/drawing/2014/main" id="{F7E1C133-61A1-3B48-99FD-9B44EDC7FA8F}"/>
+                <a16:creationId xmlns:a16="http://schemas.microsoft.com/office/drawing/2014/main" xmlns="" id="{F7E1C133-61A1-3B48-99FD-9B44EDC7FA8F}"/>
               </a:ext>
             </a:extLst>
           </p:cNvPr>
@@ -2587,7 +2850,7 @@
           <p:cNvPr id="7" name="スライド番号プレースホルダー 6">
             <a:extLst>
               <a:ext uri="{FF2B5EF4-FFF2-40B4-BE49-F238E27FC236}">
-                <a16:creationId xmlns:a16="http://schemas.microsoft.com/office/drawing/2014/main" id="{6AD892A4-0282-8C4E-BBCA-18D30829CEB8}"/>
+                <a16:creationId xmlns:a16="http://schemas.microsoft.com/office/drawing/2014/main" xmlns="" id="{6AD892A4-0282-8C4E-BBCA-18D30829CEB8}"/>
               </a:ext>
             </a:extLst>
           </p:cNvPr>
@@ -2646,7 +2909,7 @@
           <p:cNvPr id="2" name="タイトル 1">
             <a:extLst>
               <a:ext uri="{FF2B5EF4-FFF2-40B4-BE49-F238E27FC236}">
-                <a16:creationId xmlns:a16="http://schemas.microsoft.com/office/drawing/2014/main" id="{967A1187-E1C0-3F49-9BBB-3CEE05287960}"/>
+                <a16:creationId xmlns:a16="http://schemas.microsoft.com/office/drawing/2014/main" xmlns="" id="{967A1187-E1C0-3F49-9BBB-3CEE05287960}"/>
               </a:ext>
             </a:extLst>
           </p:cNvPr>
@@ -2679,7 +2942,7 @@
           <p:cNvPr id="3" name="テキスト プレースホルダー 2">
             <a:extLst>
               <a:ext uri="{FF2B5EF4-FFF2-40B4-BE49-F238E27FC236}">
-                <a16:creationId xmlns:a16="http://schemas.microsoft.com/office/drawing/2014/main" id="{0B8BED0F-B809-214C-854B-1E53659BAC87}"/>
+                <a16:creationId xmlns:a16="http://schemas.microsoft.com/office/drawing/2014/main" xmlns="" id="{0B8BED0F-B809-214C-854B-1E53659BAC87}"/>
               </a:ext>
             </a:extLst>
           </p:cNvPr>
@@ -2750,7 +3013,7 @@
           <p:cNvPr id="4" name="コンテンツ プレースホルダー 3">
             <a:extLst>
               <a:ext uri="{FF2B5EF4-FFF2-40B4-BE49-F238E27FC236}">
-                <a16:creationId xmlns:a16="http://schemas.microsoft.com/office/drawing/2014/main" id="{B73D82D9-99EB-F849-A598-D4B5491774B8}"/>
+                <a16:creationId xmlns:a16="http://schemas.microsoft.com/office/drawing/2014/main" xmlns="" id="{B73D82D9-99EB-F849-A598-D4B5491774B8}"/>
               </a:ext>
             </a:extLst>
           </p:cNvPr>
@@ -2844,7 +3107,7 @@
           <p:cNvPr id="5" name="テキスト プレースホルダー 4">
             <a:extLst>
               <a:ext uri="{FF2B5EF4-FFF2-40B4-BE49-F238E27FC236}">
-                <a16:creationId xmlns:a16="http://schemas.microsoft.com/office/drawing/2014/main" id="{75B659EC-3244-C545-B91A-A4A6995D5B1D}"/>
+                <a16:creationId xmlns:a16="http://schemas.microsoft.com/office/drawing/2014/main" xmlns="" id="{75B659EC-3244-C545-B91A-A4A6995D5B1D}"/>
               </a:ext>
             </a:extLst>
           </p:cNvPr>
@@ -2915,7 +3178,7 @@
           <p:cNvPr id="6" name="コンテンツ プレースホルダー 5">
             <a:extLst>
               <a:ext uri="{FF2B5EF4-FFF2-40B4-BE49-F238E27FC236}">
-                <a16:creationId xmlns:a16="http://schemas.microsoft.com/office/drawing/2014/main" id="{33D91E99-E03D-6E41-9187-88ABD7EB0D64}"/>
+                <a16:creationId xmlns:a16="http://schemas.microsoft.com/office/drawing/2014/main" xmlns="" id="{33D91E99-E03D-6E41-9187-88ABD7EB0D64}"/>
               </a:ext>
             </a:extLst>
           </p:cNvPr>
@@ -3009,7 +3272,7 @@
           <p:cNvPr id="7" name="日付プレースホルダー 6">
             <a:extLst>
               <a:ext uri="{FF2B5EF4-FFF2-40B4-BE49-F238E27FC236}">
-                <a16:creationId xmlns:a16="http://schemas.microsoft.com/office/drawing/2014/main" id="{968BA2AE-B4E8-BC4F-AAE2-2FE7F43CAF94}"/>
+                <a16:creationId xmlns:a16="http://schemas.microsoft.com/office/drawing/2014/main" xmlns="" id="{968BA2AE-B4E8-BC4F-AAE2-2FE7F43CAF94}"/>
               </a:ext>
             </a:extLst>
           </p:cNvPr>
@@ -3038,7 +3301,7 @@
           <p:cNvPr id="8" name="フッター プレースホルダー 7">
             <a:extLst>
               <a:ext uri="{FF2B5EF4-FFF2-40B4-BE49-F238E27FC236}">
-                <a16:creationId xmlns:a16="http://schemas.microsoft.com/office/drawing/2014/main" id="{75356495-EC54-F546-A091-DC1A785066CC}"/>
+                <a16:creationId xmlns:a16="http://schemas.microsoft.com/office/drawing/2014/main" xmlns="" id="{75356495-EC54-F546-A091-DC1A785066CC}"/>
               </a:ext>
             </a:extLst>
           </p:cNvPr>
@@ -3063,7 +3326,7 @@
           <p:cNvPr id="9" name="スライド番号プレースホルダー 8">
             <a:extLst>
               <a:ext uri="{FF2B5EF4-FFF2-40B4-BE49-F238E27FC236}">
-                <a16:creationId xmlns:a16="http://schemas.microsoft.com/office/drawing/2014/main" id="{A594F2B8-9C5A-B748-B626-F119CDBA795E}"/>
+                <a16:creationId xmlns:a16="http://schemas.microsoft.com/office/drawing/2014/main" xmlns="" id="{A594F2B8-9C5A-B748-B626-F119CDBA795E}"/>
               </a:ext>
             </a:extLst>
           </p:cNvPr>
@@ -3122,7 +3385,7 @@
           <p:cNvPr id="2" name="タイトル 1">
             <a:extLst>
               <a:ext uri="{FF2B5EF4-FFF2-40B4-BE49-F238E27FC236}">
-                <a16:creationId xmlns:a16="http://schemas.microsoft.com/office/drawing/2014/main" id="{4D2EAD1E-60F9-7641-8969-0A56C0A350EB}"/>
+                <a16:creationId xmlns:a16="http://schemas.microsoft.com/office/drawing/2014/main" xmlns="" id="{4D2EAD1E-60F9-7641-8969-0A56C0A350EB}"/>
               </a:ext>
             </a:extLst>
           </p:cNvPr>
@@ -3150,7 +3413,7 @@
           <p:cNvPr id="3" name="日付プレースホルダー 2">
             <a:extLst>
               <a:ext uri="{FF2B5EF4-FFF2-40B4-BE49-F238E27FC236}">
-                <a16:creationId xmlns:a16="http://schemas.microsoft.com/office/drawing/2014/main" id="{6F635876-01C2-A249-87FC-FA72E59558F1}"/>
+                <a16:creationId xmlns:a16="http://schemas.microsoft.com/office/drawing/2014/main" xmlns="" id="{6F635876-01C2-A249-87FC-FA72E59558F1}"/>
               </a:ext>
             </a:extLst>
           </p:cNvPr>
@@ -3179,7 +3442,7 @@
           <p:cNvPr id="4" name="フッター プレースホルダー 3">
             <a:extLst>
               <a:ext uri="{FF2B5EF4-FFF2-40B4-BE49-F238E27FC236}">
-                <a16:creationId xmlns:a16="http://schemas.microsoft.com/office/drawing/2014/main" id="{DA54D7D2-5C3F-4E49-A451-8903880D6AD8}"/>
+                <a16:creationId xmlns:a16="http://schemas.microsoft.com/office/drawing/2014/main" xmlns="" id="{DA54D7D2-5C3F-4E49-A451-8903880D6AD8}"/>
               </a:ext>
             </a:extLst>
           </p:cNvPr>
@@ -3204,7 +3467,7 @@
           <p:cNvPr id="5" name="スライド番号プレースホルダー 4">
             <a:extLst>
               <a:ext uri="{FF2B5EF4-FFF2-40B4-BE49-F238E27FC236}">
-                <a16:creationId xmlns:a16="http://schemas.microsoft.com/office/drawing/2014/main" id="{D7F36122-4EA4-C74A-B8E2-64720EB3ECD9}"/>
+                <a16:creationId xmlns:a16="http://schemas.microsoft.com/office/drawing/2014/main" xmlns="" id="{D7F36122-4EA4-C74A-B8E2-64720EB3ECD9}"/>
               </a:ext>
             </a:extLst>
           </p:cNvPr>
@@ -3263,7 +3526,7 @@
           <p:cNvPr id="2" name="日付プレースホルダー 1">
             <a:extLst>
               <a:ext uri="{FF2B5EF4-FFF2-40B4-BE49-F238E27FC236}">
-                <a16:creationId xmlns:a16="http://schemas.microsoft.com/office/drawing/2014/main" id="{8A8504EB-34C4-6F46-8241-1474E6181EAD}"/>
+                <a16:creationId xmlns:a16="http://schemas.microsoft.com/office/drawing/2014/main" xmlns="" id="{8A8504EB-34C4-6F46-8241-1474E6181EAD}"/>
               </a:ext>
             </a:extLst>
           </p:cNvPr>
@@ -3292,7 +3555,7 @@
           <p:cNvPr id="3" name="フッター プレースホルダー 2">
             <a:extLst>
               <a:ext uri="{FF2B5EF4-FFF2-40B4-BE49-F238E27FC236}">
-                <a16:creationId xmlns:a16="http://schemas.microsoft.com/office/drawing/2014/main" id="{8E4B51ED-6797-F542-AE04-9FB3D420CB9F}"/>
+                <a16:creationId xmlns:a16="http://schemas.microsoft.com/office/drawing/2014/main" xmlns="" id="{8E4B51ED-6797-F542-AE04-9FB3D420CB9F}"/>
               </a:ext>
             </a:extLst>
           </p:cNvPr>
@@ -3317,7 +3580,7 @@
           <p:cNvPr id="4" name="スライド番号プレースホルダー 3">
             <a:extLst>
               <a:ext uri="{FF2B5EF4-FFF2-40B4-BE49-F238E27FC236}">
-                <a16:creationId xmlns:a16="http://schemas.microsoft.com/office/drawing/2014/main" id="{0C423C5D-3A0A-4248-8EDC-76AAB818ADC7}"/>
+                <a16:creationId xmlns:a16="http://schemas.microsoft.com/office/drawing/2014/main" xmlns="" id="{0C423C5D-3A0A-4248-8EDC-76AAB818ADC7}"/>
               </a:ext>
             </a:extLst>
           </p:cNvPr>
@@ -3376,7 +3639,7 @@
           <p:cNvPr id="2" name="タイトル 1">
             <a:extLst>
               <a:ext uri="{FF2B5EF4-FFF2-40B4-BE49-F238E27FC236}">
-                <a16:creationId xmlns:a16="http://schemas.microsoft.com/office/drawing/2014/main" id="{5C0FE34A-22F2-3444-BB9C-4A78E0748F00}"/>
+                <a16:creationId xmlns:a16="http://schemas.microsoft.com/office/drawing/2014/main" xmlns="" id="{5C0FE34A-22F2-3444-BB9C-4A78E0748F00}"/>
               </a:ext>
             </a:extLst>
           </p:cNvPr>
@@ -3413,7 +3676,7 @@
           <p:cNvPr id="3" name="コンテンツ プレースホルダー 2">
             <a:extLst>
               <a:ext uri="{FF2B5EF4-FFF2-40B4-BE49-F238E27FC236}">
-                <a16:creationId xmlns:a16="http://schemas.microsoft.com/office/drawing/2014/main" id="{09BAAB2D-647B-BD4D-A2B8-C19C8B5806B4}"/>
+                <a16:creationId xmlns:a16="http://schemas.microsoft.com/office/drawing/2014/main" xmlns="" id="{09BAAB2D-647B-BD4D-A2B8-C19C8B5806B4}"/>
               </a:ext>
             </a:extLst>
           </p:cNvPr>
@@ -3535,7 +3798,7 @@
           <p:cNvPr id="4" name="テキスト プレースホルダー 3">
             <a:extLst>
               <a:ext uri="{FF2B5EF4-FFF2-40B4-BE49-F238E27FC236}">
-                <a16:creationId xmlns:a16="http://schemas.microsoft.com/office/drawing/2014/main" id="{B990BF36-195F-024D-A68C-39FD62D44CED}"/>
+                <a16:creationId xmlns:a16="http://schemas.microsoft.com/office/drawing/2014/main" xmlns="" id="{B990BF36-195F-024D-A68C-39FD62D44CED}"/>
               </a:ext>
             </a:extLst>
           </p:cNvPr>
@@ -3606,7 +3869,7 @@
           <p:cNvPr id="5" name="日付プレースホルダー 4">
             <a:extLst>
               <a:ext uri="{FF2B5EF4-FFF2-40B4-BE49-F238E27FC236}">
-                <a16:creationId xmlns:a16="http://schemas.microsoft.com/office/drawing/2014/main" id="{DC1FFC4A-CE0C-1F41-B7FF-34D1BB864561}"/>
+                <a16:creationId xmlns:a16="http://schemas.microsoft.com/office/drawing/2014/main" xmlns="" id="{DC1FFC4A-CE0C-1F41-B7FF-34D1BB864561}"/>
               </a:ext>
             </a:extLst>
           </p:cNvPr>
@@ -3635,7 +3898,7 @@
           <p:cNvPr id="6" name="フッター プレースホルダー 5">
             <a:extLst>
               <a:ext uri="{FF2B5EF4-FFF2-40B4-BE49-F238E27FC236}">
-                <a16:creationId xmlns:a16="http://schemas.microsoft.com/office/drawing/2014/main" id="{E17C14E4-63A5-054C-BC87-FAC762FBD5BD}"/>
+                <a16:creationId xmlns:a16="http://schemas.microsoft.com/office/drawing/2014/main" xmlns="" id="{E17C14E4-63A5-054C-BC87-FAC762FBD5BD}"/>
               </a:ext>
             </a:extLst>
           </p:cNvPr>
@@ -3660,7 +3923,7 @@
           <p:cNvPr id="7" name="スライド番号プレースホルダー 6">
             <a:extLst>
               <a:ext uri="{FF2B5EF4-FFF2-40B4-BE49-F238E27FC236}">
-                <a16:creationId xmlns:a16="http://schemas.microsoft.com/office/drawing/2014/main" id="{4CC39CDD-988A-9544-916A-E6BC31EF330A}"/>
+                <a16:creationId xmlns:a16="http://schemas.microsoft.com/office/drawing/2014/main" xmlns="" id="{4CC39CDD-988A-9544-916A-E6BC31EF330A}"/>
               </a:ext>
             </a:extLst>
           </p:cNvPr>
@@ -3719,7 +3982,7 @@
           <p:cNvPr id="2" name="タイトル 1">
             <a:extLst>
               <a:ext uri="{FF2B5EF4-FFF2-40B4-BE49-F238E27FC236}">
-                <a16:creationId xmlns:a16="http://schemas.microsoft.com/office/drawing/2014/main" id="{8DF74D26-4214-3A41-93DC-CB4F45E821D7}"/>
+                <a16:creationId xmlns:a16="http://schemas.microsoft.com/office/drawing/2014/main" xmlns="" id="{8DF74D26-4214-3A41-93DC-CB4F45E821D7}"/>
               </a:ext>
             </a:extLst>
           </p:cNvPr>
@@ -3756,7 +4019,7 @@
           <p:cNvPr id="3" name="図プレースホルダー 2">
             <a:extLst>
               <a:ext uri="{FF2B5EF4-FFF2-40B4-BE49-F238E27FC236}">
-                <a16:creationId xmlns:a16="http://schemas.microsoft.com/office/drawing/2014/main" id="{D940054E-68E5-484F-A4CF-426949E92B65}"/>
+                <a16:creationId xmlns:a16="http://schemas.microsoft.com/office/drawing/2014/main" xmlns="" id="{D940054E-68E5-484F-A4CF-426949E92B65}"/>
               </a:ext>
             </a:extLst>
           </p:cNvPr>
@@ -3823,7 +4086,7 @@
           <p:cNvPr id="4" name="テキスト プレースホルダー 3">
             <a:extLst>
               <a:ext uri="{FF2B5EF4-FFF2-40B4-BE49-F238E27FC236}">
-                <a16:creationId xmlns:a16="http://schemas.microsoft.com/office/drawing/2014/main" id="{352261EF-C0AC-DD47-80A3-9E3C6D693575}"/>
+                <a16:creationId xmlns:a16="http://schemas.microsoft.com/office/drawing/2014/main" xmlns="" id="{352261EF-C0AC-DD47-80A3-9E3C6D693575}"/>
               </a:ext>
             </a:extLst>
           </p:cNvPr>
@@ -3894,7 +4157,7 @@
           <p:cNvPr id="5" name="日付プレースホルダー 4">
             <a:extLst>
               <a:ext uri="{FF2B5EF4-FFF2-40B4-BE49-F238E27FC236}">
-                <a16:creationId xmlns:a16="http://schemas.microsoft.com/office/drawing/2014/main" id="{78345BD8-A5BE-2B4C-B50F-854BE8DA244E}"/>
+                <a16:creationId xmlns:a16="http://schemas.microsoft.com/office/drawing/2014/main" xmlns="" id="{78345BD8-A5BE-2B4C-B50F-854BE8DA244E}"/>
               </a:ext>
             </a:extLst>
           </p:cNvPr>
@@ -3923,7 +4186,7 @@
           <p:cNvPr id="6" name="フッター プレースホルダー 5">
             <a:extLst>
               <a:ext uri="{FF2B5EF4-FFF2-40B4-BE49-F238E27FC236}">
-                <a16:creationId xmlns:a16="http://schemas.microsoft.com/office/drawing/2014/main" id="{49B99FCF-ADF1-9D4F-88BE-3EABB8C04E28}"/>
+                <a16:creationId xmlns:a16="http://schemas.microsoft.com/office/drawing/2014/main" xmlns="" id="{49B99FCF-ADF1-9D4F-88BE-3EABB8C04E28}"/>
               </a:ext>
             </a:extLst>
           </p:cNvPr>
@@ -3948,7 +4211,7 @@
           <p:cNvPr id="7" name="スライド番号プレースホルダー 6">
             <a:extLst>
               <a:ext uri="{FF2B5EF4-FFF2-40B4-BE49-F238E27FC236}">
-                <a16:creationId xmlns:a16="http://schemas.microsoft.com/office/drawing/2014/main" id="{27455309-6FE4-1340-87BA-D1AD36515559}"/>
+                <a16:creationId xmlns:a16="http://schemas.microsoft.com/office/drawing/2014/main" xmlns="" id="{27455309-6FE4-1340-87BA-D1AD36515559}"/>
               </a:ext>
             </a:extLst>
           </p:cNvPr>
@@ -4012,7 +4275,7 @@
           <p:cNvPr id="2" name="タイトル プレースホルダー 1">
             <a:extLst>
               <a:ext uri="{FF2B5EF4-FFF2-40B4-BE49-F238E27FC236}">
-                <a16:creationId xmlns:a16="http://schemas.microsoft.com/office/drawing/2014/main" id="{2D34D946-D89E-6442-9075-ADE04490EE87}"/>
+                <a16:creationId xmlns:a16="http://schemas.microsoft.com/office/drawing/2014/main" xmlns="" id="{2D34D946-D89E-6442-9075-ADE04490EE87}"/>
               </a:ext>
             </a:extLst>
           </p:cNvPr>
@@ -4050,7 +4313,7 @@
           <p:cNvPr id="3" name="テキスト プレースホルダー 2">
             <a:extLst>
               <a:ext uri="{FF2B5EF4-FFF2-40B4-BE49-F238E27FC236}">
-                <a16:creationId xmlns:a16="http://schemas.microsoft.com/office/drawing/2014/main" id="{ECB16F28-657A-7547-9851-1F9FC0B19702}"/>
+                <a16:creationId xmlns:a16="http://schemas.microsoft.com/office/drawing/2014/main" xmlns="" id="{ECB16F28-657A-7547-9851-1F9FC0B19702}"/>
               </a:ext>
             </a:extLst>
           </p:cNvPr>
@@ -4149,7 +4412,7 @@
           <p:cNvPr id="4" name="日付プレースホルダー 3">
             <a:extLst>
               <a:ext uri="{FF2B5EF4-FFF2-40B4-BE49-F238E27FC236}">
-                <a16:creationId xmlns:a16="http://schemas.microsoft.com/office/drawing/2014/main" id="{AA47E054-8B17-264A-AFC9-BCC05E220C26}"/>
+                <a16:creationId xmlns:a16="http://schemas.microsoft.com/office/drawing/2014/main" xmlns="" id="{AA47E054-8B17-264A-AFC9-BCC05E220C26}"/>
               </a:ext>
             </a:extLst>
           </p:cNvPr>
@@ -4196,7 +4459,7 @@
           <p:cNvPr id="5" name="フッター プレースホルダー 4">
             <a:extLst>
               <a:ext uri="{FF2B5EF4-FFF2-40B4-BE49-F238E27FC236}">
-                <a16:creationId xmlns:a16="http://schemas.microsoft.com/office/drawing/2014/main" id="{C8FD813E-BA24-5E40-883A-DFDE11A12983}"/>
+                <a16:creationId xmlns:a16="http://schemas.microsoft.com/office/drawing/2014/main" xmlns="" id="{C8FD813E-BA24-5E40-883A-DFDE11A12983}"/>
               </a:ext>
             </a:extLst>
           </p:cNvPr>
@@ -4239,7 +4502,7 @@
           <p:cNvPr id="6" name="スライド番号プレースホルダー 5">
             <a:extLst>
               <a:ext uri="{FF2B5EF4-FFF2-40B4-BE49-F238E27FC236}">
-                <a16:creationId xmlns:a16="http://schemas.microsoft.com/office/drawing/2014/main" id="{5FB17BC1-8AA0-7843-B555-D51F4B1C5A23}"/>
+                <a16:creationId xmlns:a16="http://schemas.microsoft.com/office/drawing/2014/main" xmlns="" id="{5FB17BC1-8AA0-7843-B555-D51F4B1C5A23}"/>
               </a:ext>
             </a:extLst>
           </p:cNvPr>
@@ -4607,7 +4870,7 @@
           <p:cNvPr id="2" name="タイトル 1">
             <a:extLst>
               <a:ext uri="{FF2B5EF4-FFF2-40B4-BE49-F238E27FC236}">
-                <a16:creationId xmlns:a16="http://schemas.microsoft.com/office/drawing/2014/main" id="{4E9248D7-C77C-964F-B39C-A0CF57B18B5C}"/>
+                <a16:creationId xmlns:a16="http://schemas.microsoft.com/office/drawing/2014/main" xmlns="" id="{4E9248D7-C77C-964F-B39C-A0CF57B18B5C}"/>
               </a:ext>
             </a:extLst>
           </p:cNvPr>
@@ -4635,7 +4898,7 @@
           <p:cNvPr id="3" name="字幕 2">
             <a:extLst>
               <a:ext uri="{FF2B5EF4-FFF2-40B4-BE49-F238E27FC236}">
-                <a16:creationId xmlns:a16="http://schemas.microsoft.com/office/drawing/2014/main" id="{733749B4-8B89-A141-B0F8-D74350083502}"/>
+                <a16:creationId xmlns:a16="http://schemas.microsoft.com/office/drawing/2014/main" xmlns="" id="{733749B4-8B89-A141-B0F8-D74350083502}"/>
               </a:ext>
             </a:extLst>
           </p:cNvPr>
@@ -4706,7 +4969,7 @@
           <p:cNvPr id="2" name="タイトル 1">
             <a:extLst>
               <a:ext uri="{FF2B5EF4-FFF2-40B4-BE49-F238E27FC236}">
-                <a16:creationId xmlns:a16="http://schemas.microsoft.com/office/drawing/2014/main" id="{B418ABC2-92A5-AF40-B28E-354A6DD8641E}"/>
+                <a16:creationId xmlns:a16="http://schemas.microsoft.com/office/drawing/2014/main" xmlns="" id="{B418ABC2-92A5-AF40-B28E-354A6DD8641E}"/>
               </a:ext>
             </a:extLst>
           </p:cNvPr>
@@ -4735,7 +4998,7 @@
           <p:cNvPr id="3" name="コンテンツ プレースホルダー 2">
             <a:extLst>
               <a:ext uri="{FF2B5EF4-FFF2-40B4-BE49-F238E27FC236}">
-                <a16:creationId xmlns:a16="http://schemas.microsoft.com/office/drawing/2014/main" id="{8EF18BA8-8B88-0C4F-9821-97B4BFB1EE10}"/>
+                <a16:creationId xmlns:a16="http://schemas.microsoft.com/office/drawing/2014/main" xmlns="" id="{8EF18BA8-8B88-0C4F-9821-97B4BFB1EE10}"/>
               </a:ext>
             </a:extLst>
           </p:cNvPr>
@@ -4790,7 +5053,7 @@
           <p:cNvPr id="2" name="タイトル 1">
             <a:extLst>
               <a:ext uri="{FF2B5EF4-FFF2-40B4-BE49-F238E27FC236}">
-                <a16:creationId xmlns:a16="http://schemas.microsoft.com/office/drawing/2014/main" id="{6F584A2C-E669-CE44-A264-10CEF60BD21A}"/>
+                <a16:creationId xmlns:a16="http://schemas.microsoft.com/office/drawing/2014/main" xmlns="" id="{6F584A2C-E669-CE44-A264-10CEF60BD21A}"/>
               </a:ext>
             </a:extLst>
           </p:cNvPr>
@@ -4819,7 +5082,7 @@
           <p:cNvPr id="3" name="コンテンツ プレースホルダー 2">
             <a:extLst>
               <a:ext uri="{FF2B5EF4-FFF2-40B4-BE49-F238E27FC236}">
-                <a16:creationId xmlns:a16="http://schemas.microsoft.com/office/drawing/2014/main" id="{66C3A0BD-2AA3-F149-90C2-DFBDD1F2DDFF}"/>
+                <a16:creationId xmlns:a16="http://schemas.microsoft.com/office/drawing/2014/main" xmlns="" id="{66C3A0BD-2AA3-F149-90C2-DFBDD1F2DDFF}"/>
               </a:ext>
             </a:extLst>
           </p:cNvPr>
@@ -4970,7 +5233,7 @@
           <p:cNvPr id="2" name="タイトル 1">
             <a:extLst>
               <a:ext uri="{FF2B5EF4-FFF2-40B4-BE49-F238E27FC236}">
-                <a16:creationId xmlns:a16="http://schemas.microsoft.com/office/drawing/2014/main" id="{896E4980-C4A7-5A4F-A462-99F235D2E767}"/>
+                <a16:creationId xmlns:a16="http://schemas.microsoft.com/office/drawing/2014/main" xmlns="" id="{896E4980-C4A7-5A4F-A462-99F235D2E767}"/>
               </a:ext>
             </a:extLst>
           </p:cNvPr>
@@ -4998,7 +5261,7 @@
           <p:cNvPr id="3" name="コンテンツ プレースホルダー 2">
             <a:extLst>
               <a:ext uri="{FF2B5EF4-FFF2-40B4-BE49-F238E27FC236}">
-                <a16:creationId xmlns:a16="http://schemas.microsoft.com/office/drawing/2014/main" id="{D83D92FA-7F8A-C342-A02E-997F9C036FFA}"/>
+                <a16:creationId xmlns:a16="http://schemas.microsoft.com/office/drawing/2014/main" xmlns="" id="{D83D92FA-7F8A-C342-A02E-997F9C036FFA}"/>
               </a:ext>
             </a:extLst>
           </p:cNvPr>
@@ -5087,7 +5350,7 @@
           <p:cNvPr id="2" name="タイトル 1">
             <a:extLst>
               <a:ext uri="{FF2B5EF4-FFF2-40B4-BE49-F238E27FC236}">
-                <a16:creationId xmlns:a16="http://schemas.microsoft.com/office/drawing/2014/main" id="{CBA8BA4B-598F-334C-AE25-93577CEDDC57}"/>
+                <a16:creationId xmlns:a16="http://schemas.microsoft.com/office/drawing/2014/main" xmlns="" id="{CBA8BA4B-598F-334C-AE25-93577CEDDC57}"/>
               </a:ext>
             </a:extLst>
           </p:cNvPr>
@@ -5116,7 +5379,7 @@
           <p:cNvPr id="3" name="コンテンツ プレースホルダー 2">
             <a:extLst>
               <a:ext uri="{FF2B5EF4-FFF2-40B4-BE49-F238E27FC236}">
-                <a16:creationId xmlns:a16="http://schemas.microsoft.com/office/drawing/2014/main" id="{2402BAF8-03EA-584A-B27B-7CF2D553193C}"/>
+                <a16:creationId xmlns:a16="http://schemas.microsoft.com/office/drawing/2014/main" xmlns="" id="{2402BAF8-03EA-584A-B27B-7CF2D553193C}"/>
               </a:ext>
             </a:extLst>
           </p:cNvPr>
@@ -5139,12 +5402,24 @@
           </a:p>
           <a:p>
             <a:r>
-              <a:rPr lang="ja-JP" altLang="en-US"/>
-              <a:t>いくつ</a:t>
-            </a:r>
-            <a:r>
               <a:rPr lang="ja-JP" altLang="en-US" dirty="0"/>
-              <a:t>かのデータ可視化ツールの特徴を比較する</a:t>
+              <a:t>いくつかのデータ可視化ツール</a:t>
+            </a:r>
+            <a:r>
+              <a:rPr lang="ja-JP" altLang="en-US" dirty="0" smtClean="0"/>
+              <a:t>の</a:t>
+            </a:r>
+            <a:r>
+              <a:rPr lang="ja-JP" altLang="en-US" dirty="0"/>
+              <a:t>特徴</a:t>
+            </a:r>
+            <a:r>
+              <a:rPr lang="ja-JP" altLang="en-US" dirty="0" smtClean="0"/>
+              <a:t>を</a:t>
+            </a:r>
+            <a:r>
+              <a:rPr lang="ja-JP" altLang="en-US" dirty="0" smtClean="0"/>
+              <a:t>比較</a:t>
             </a:r>
             <a:endParaRPr lang="en-US" altLang="ja-JP" dirty="0"/>
           </a:p>
@@ -5185,7 +5460,7 @@
           <p:cNvPr id="2" name="タイトル 1">
             <a:extLst>
               <a:ext uri="{FF2B5EF4-FFF2-40B4-BE49-F238E27FC236}">
-                <a16:creationId xmlns:a16="http://schemas.microsoft.com/office/drawing/2014/main" id="{9D35B7F5-C616-2546-AAE3-A4C37ADA891C}"/>
+                <a16:creationId xmlns:a16="http://schemas.microsoft.com/office/drawing/2014/main" xmlns="" id="{9D35B7F5-C616-2546-AAE3-A4C37ADA891C}"/>
               </a:ext>
             </a:extLst>
           </p:cNvPr>
@@ -5213,7 +5488,7 @@
           <p:cNvPr id="3" name="コンテンツ プレースホルダー 2">
             <a:extLst>
               <a:ext uri="{FF2B5EF4-FFF2-40B4-BE49-F238E27FC236}">
-                <a16:creationId xmlns:a16="http://schemas.microsoft.com/office/drawing/2014/main" id="{F5CDCC94-1BC0-9F45-BD6E-AEA44C88CDA1}"/>
+                <a16:creationId xmlns:a16="http://schemas.microsoft.com/office/drawing/2014/main" xmlns="" id="{F5CDCC94-1BC0-9F45-BD6E-AEA44C88CDA1}"/>
               </a:ext>
             </a:extLst>
           </p:cNvPr>
@@ -5325,6 +5600,13 @@
   <p:clrMapOvr>
     <a:masterClrMapping/>
   </p:clrMapOvr>
+  <p:timing>
+    <p:tnLst>
+      <p:par>
+        <p:cTn id="1" dur="indefinite" restart="never" nodeType="tmRoot"/>
+      </p:par>
+    </p:tnLst>
+  </p:timing>
 </p:sld>
 </file>
 
@@ -5350,7 +5632,7 @@
           <p:cNvPr id="2" name="タイトル 1">
             <a:extLst>
               <a:ext uri="{FF2B5EF4-FFF2-40B4-BE49-F238E27FC236}">
-                <a16:creationId xmlns:a16="http://schemas.microsoft.com/office/drawing/2014/main" id="{64A11CCF-73BE-084D-A8D7-B183386D4431}"/>
+                <a16:creationId xmlns:a16="http://schemas.microsoft.com/office/drawing/2014/main" xmlns="" id="{64A11CCF-73BE-084D-A8D7-B183386D4431}"/>
               </a:ext>
             </a:extLst>
           </p:cNvPr>
@@ -5379,7 +5661,7 @@
           <p:cNvPr id="3" name="コンテンツ プレースホルダー 2">
             <a:extLst>
               <a:ext uri="{FF2B5EF4-FFF2-40B4-BE49-F238E27FC236}">
-                <a16:creationId xmlns:a16="http://schemas.microsoft.com/office/drawing/2014/main" id="{DEFF8EDF-62D5-3044-8E76-F620FB00CBA7}"/>
+                <a16:creationId xmlns:a16="http://schemas.microsoft.com/office/drawing/2014/main" xmlns="" id="{DEFF8EDF-62D5-3044-8E76-F620FB00CBA7}"/>
               </a:ext>
             </a:extLst>
           </p:cNvPr>
@@ -5409,6 +5691,25 @@
   <p:clrMapOvr>
     <a:masterClrMapping/>
   </p:clrMapOvr>
+  <mc:AlternateContent xmlns:mc="http://schemas.openxmlformats.org/markup-compatibility/2006">
+    <mc:Choice xmlns:p14="http://schemas.microsoft.com/office/powerpoint/2010/main" Requires="p14">
+      <p:transition p14:dur="100">
+        <p:cut/>
+      </p:transition>
+    </mc:Choice>
+    <mc:Fallback>
+      <p:transition>
+        <p:cut/>
+      </p:transition>
+    </mc:Fallback>
+  </mc:AlternateContent>
+  <p:timing>
+    <p:tnLst>
+      <p:par>
+        <p:cTn id="1" dur="indefinite" restart="never" nodeType="tmRoot"/>
+      </p:par>
+    </p:tnLst>
+  </p:timing>
 </p:sld>
 </file>
 
@@ -5628,7 +5929,7 @@
           <p:cNvPr id="5" name="コンテンツ プレースホルダー 4">
             <a:extLst>
               <a:ext uri="{FF2B5EF4-FFF2-40B4-BE49-F238E27FC236}">
-                <a16:creationId xmlns:a16="http://schemas.microsoft.com/office/drawing/2014/main" id="{1E5D8649-DA8C-214B-B91C-F807A6D4F3BF}"/>
+                <a16:creationId xmlns:a16="http://schemas.microsoft.com/office/drawing/2014/main" xmlns="" id="{1E5D8649-DA8C-214B-B91C-F807A6D4F3BF}"/>
               </a:ext>
             </a:extLst>
           </p:cNvPr>
@@ -5657,7 +5958,7 @@
           <p:cNvPr id="7" name="図 6">
             <a:extLst>
               <a:ext uri="{FF2B5EF4-FFF2-40B4-BE49-F238E27FC236}">
-                <a16:creationId xmlns:a16="http://schemas.microsoft.com/office/drawing/2014/main" id="{D606FACA-C735-7445-A696-121B917347DF}"/>
+                <a16:creationId xmlns:a16="http://schemas.microsoft.com/office/drawing/2014/main" xmlns="" id="{D606FACA-C735-7445-A696-121B917347DF}"/>
               </a:ext>
             </a:extLst>
           </p:cNvPr>
@@ -5687,7 +5988,7 @@
           <p:cNvPr id="13" name="図 12">
             <a:extLst>
               <a:ext uri="{FF2B5EF4-FFF2-40B4-BE49-F238E27FC236}">
-                <a16:creationId xmlns:a16="http://schemas.microsoft.com/office/drawing/2014/main" id="{1CA906F6-D528-7E4B-9F59-254A16A30401}"/>
+                <a16:creationId xmlns:a16="http://schemas.microsoft.com/office/drawing/2014/main" xmlns="" id="{1CA906F6-D528-7E4B-9F59-254A16A30401}"/>
               </a:ext>
             </a:extLst>
           </p:cNvPr>
@@ -5717,7 +6018,7 @@
           <p:cNvPr id="15" name="テキスト ボックス 14">
             <a:extLst>
               <a:ext uri="{FF2B5EF4-FFF2-40B4-BE49-F238E27FC236}">
-                <a16:creationId xmlns:a16="http://schemas.microsoft.com/office/drawing/2014/main" id="{067AB168-65F8-F54D-8654-A00BECE2E716}"/>
+                <a16:creationId xmlns:a16="http://schemas.microsoft.com/office/drawing/2014/main" xmlns="" id="{067AB168-65F8-F54D-8654-A00BECE2E716}"/>
               </a:ext>
             </a:extLst>
           </p:cNvPr>
@@ -5753,7 +6054,7 @@
           <p:cNvPr id="16" name="テキスト ボックス 15">
             <a:extLst>
               <a:ext uri="{FF2B5EF4-FFF2-40B4-BE49-F238E27FC236}">
-                <a16:creationId xmlns:a16="http://schemas.microsoft.com/office/drawing/2014/main" id="{3E2C1726-397E-A84C-8EF2-170D9805EF04}"/>
+                <a16:creationId xmlns:a16="http://schemas.microsoft.com/office/drawing/2014/main" xmlns="" id="{3E2C1726-397E-A84C-8EF2-170D9805EF04}"/>
               </a:ext>
             </a:extLst>
           </p:cNvPr>
@@ -5789,7 +6090,7 @@
           <p:cNvPr id="17" name="テキスト ボックス 16">
             <a:extLst>
               <a:ext uri="{FF2B5EF4-FFF2-40B4-BE49-F238E27FC236}">
-                <a16:creationId xmlns:a16="http://schemas.microsoft.com/office/drawing/2014/main" id="{C4ADD0B6-CD92-AE43-88CC-9FDDA4EE27F6}"/>
+                <a16:creationId xmlns:a16="http://schemas.microsoft.com/office/drawing/2014/main" xmlns="" id="{C4ADD0B6-CD92-AE43-88CC-9FDDA4EE27F6}"/>
               </a:ext>
             </a:extLst>
           </p:cNvPr>
@@ -5825,7 +6126,7 @@
           <p:cNvPr id="19" name="テキスト ボックス 18">
             <a:extLst>
               <a:ext uri="{FF2B5EF4-FFF2-40B4-BE49-F238E27FC236}">
-                <a16:creationId xmlns:a16="http://schemas.microsoft.com/office/drawing/2014/main" id="{27A43D62-12BA-AE4D-807A-8F1FC33AF8A0}"/>
+                <a16:creationId xmlns:a16="http://schemas.microsoft.com/office/drawing/2014/main" xmlns="" id="{27A43D62-12BA-AE4D-807A-8F1FC33AF8A0}"/>
               </a:ext>
             </a:extLst>
           </p:cNvPr>

--- a/統計データの可視化.pptx
+++ b/統計データの可視化.pptx
@@ -5,7 +5,7 @@
     <p:sldMasterId id="2147483648" r:id="rId1"/>
   </p:sldMasterIdLst>
   <p:notesMasterIdLst>
-    <p:notesMasterId r:id="rId13"/>
+    <p:notesMasterId r:id="rId14"/>
   </p:notesMasterIdLst>
   <p:sldIdLst>
     <p:sldId id="256" r:id="rId2"/>
@@ -14,11 +14,12 @@
     <p:sldId id="257" r:id="rId5"/>
     <p:sldId id="258" r:id="rId6"/>
     <p:sldId id="267" r:id="rId7"/>
-    <p:sldId id="263" r:id="rId8"/>
-    <p:sldId id="269" r:id="rId9"/>
-    <p:sldId id="264" r:id="rId10"/>
-    <p:sldId id="265" r:id="rId11"/>
-    <p:sldId id="260" r:id="rId12"/>
+    <p:sldId id="270" r:id="rId8"/>
+    <p:sldId id="263" r:id="rId9"/>
+    <p:sldId id="269" r:id="rId10"/>
+    <p:sldId id="264" r:id="rId11"/>
+    <p:sldId id="265" r:id="rId12"/>
+    <p:sldId id="260" r:id="rId13"/>
   </p:sldIdLst>
   <p:sldSz cx="12192000" cy="6858000"/>
   <p:notesSz cx="6858000" cy="9144000"/>
@@ -207,7 +208,7 @@
           <a:p>
             <a:fld id="{EB0903BF-2B53-4C75-8BDB-47C6B0519046}" type="datetimeFigureOut">
               <a:rPr kumimoji="1" lang="ja-JP" altLang="en-US" smtClean="0"/>
-              <a:t>2019/10/30</a:t>
+              <a:t>2019/11/4</a:t>
             </a:fld>
             <a:endParaRPr kumimoji="1" lang="ja-JP" altLang="en-US"/>
           </a:p>
@@ -1173,7 +1174,7 @@
           <a:p>
             <a:fld id="{B05A5F5C-BC8F-42F1-805F-F119BAB24EC1}" type="slidenum">
               <a:rPr kumimoji="1" lang="ja-JP" altLang="en-US" smtClean="0"/>
-              <a:t>7</a:t>
+              <a:t>8</a:t>
             </a:fld>
             <a:endParaRPr kumimoji="1" lang="ja-JP" altLang="en-US"/>
           </a:p>
@@ -1257,7 +1258,7 @@
           <a:p>
             <a:fld id="{B05A5F5C-BC8F-42F1-805F-F119BAB24EC1}" type="slidenum">
               <a:rPr kumimoji="1" lang="ja-JP" altLang="en-US" smtClean="0"/>
-              <a:t>10</a:t>
+              <a:t>11</a:t>
             </a:fld>
             <a:endParaRPr kumimoji="1" lang="ja-JP" altLang="en-US"/>
           </a:p>
@@ -1344,7 +1345,7 @@
           <a:p>
             <a:fld id="{B05A5F5C-BC8F-42F1-805F-F119BAB24EC1}" type="slidenum">
               <a:rPr kumimoji="1" lang="ja-JP" altLang="en-US" smtClean="0"/>
-              <a:t>11</a:t>
+              <a:t>12</a:t>
             </a:fld>
             <a:endParaRPr kumimoji="1" lang="ja-JP" altLang="en-US"/>
           </a:p>
@@ -1385,7 +1386,7 @@
           <p:cNvPr id="2" name="タイトル 1">
             <a:extLst>
               <a:ext uri="{FF2B5EF4-FFF2-40B4-BE49-F238E27FC236}">
-                <a16:creationId xmlns:a16="http://schemas.microsoft.com/office/drawing/2014/main" xmlns="" id="{D5DF3914-848A-5745-957C-528267F7C428}"/>
+                <a16:creationId xmlns="" xmlns:a16="http://schemas.microsoft.com/office/drawing/2014/main" id="{D5DF3914-848A-5745-957C-528267F7C428}"/>
               </a:ext>
             </a:extLst>
           </p:cNvPr>
@@ -1422,7 +1423,7 @@
           <p:cNvPr id="3" name="字幕 2">
             <a:extLst>
               <a:ext uri="{FF2B5EF4-FFF2-40B4-BE49-F238E27FC236}">
-                <a16:creationId xmlns:a16="http://schemas.microsoft.com/office/drawing/2014/main" xmlns="" id="{09ED48ED-F942-EA4B-837D-433A04D6B104}"/>
+                <a16:creationId xmlns="" xmlns:a16="http://schemas.microsoft.com/office/drawing/2014/main" id="{09ED48ED-F942-EA4B-837D-433A04D6B104}"/>
               </a:ext>
             </a:extLst>
           </p:cNvPr>
@@ -1492,7 +1493,7 @@
           <p:cNvPr id="4" name="日付プレースホルダー 3">
             <a:extLst>
               <a:ext uri="{FF2B5EF4-FFF2-40B4-BE49-F238E27FC236}">
-                <a16:creationId xmlns:a16="http://schemas.microsoft.com/office/drawing/2014/main" xmlns="" id="{3A0DDE53-FAF3-374A-B93B-6D7F5E526B83}"/>
+                <a16:creationId xmlns="" xmlns:a16="http://schemas.microsoft.com/office/drawing/2014/main" id="{3A0DDE53-FAF3-374A-B93B-6D7F5E526B83}"/>
               </a:ext>
             </a:extLst>
           </p:cNvPr>
@@ -1510,7 +1511,7 @@
           <a:p>
             <a:fld id="{E7024DAA-6A28-DF40-9D51-C240F04DB82B}" type="datetimeFigureOut">
               <a:rPr kumimoji="1" lang="ja-JP" altLang="en-US" smtClean="0"/>
-              <a:t>2019/10/30</a:t>
+              <a:t>2019/11/4</a:t>
             </a:fld>
             <a:endParaRPr kumimoji="1" lang="ja-JP" altLang="en-US"/>
           </a:p>
@@ -1521,7 +1522,7 @@
           <p:cNvPr id="5" name="フッター プレースホルダー 4">
             <a:extLst>
               <a:ext uri="{FF2B5EF4-FFF2-40B4-BE49-F238E27FC236}">
-                <a16:creationId xmlns:a16="http://schemas.microsoft.com/office/drawing/2014/main" xmlns="" id="{83CD93A0-C601-B84D-B2EA-38118C6AE7FB}"/>
+                <a16:creationId xmlns="" xmlns:a16="http://schemas.microsoft.com/office/drawing/2014/main" id="{83CD93A0-C601-B84D-B2EA-38118C6AE7FB}"/>
               </a:ext>
             </a:extLst>
           </p:cNvPr>
@@ -1546,7 +1547,7 @@
           <p:cNvPr id="6" name="スライド番号プレースホルダー 5">
             <a:extLst>
               <a:ext uri="{FF2B5EF4-FFF2-40B4-BE49-F238E27FC236}">
-                <a16:creationId xmlns:a16="http://schemas.microsoft.com/office/drawing/2014/main" xmlns="" id="{8020DA69-1EC4-8D4B-8C3D-2ABD8A48C106}"/>
+                <a16:creationId xmlns="" xmlns:a16="http://schemas.microsoft.com/office/drawing/2014/main" id="{8020DA69-1EC4-8D4B-8C3D-2ABD8A48C106}"/>
               </a:ext>
             </a:extLst>
           </p:cNvPr>
@@ -1605,7 +1606,7 @@
           <p:cNvPr id="2" name="タイトル 1">
             <a:extLst>
               <a:ext uri="{FF2B5EF4-FFF2-40B4-BE49-F238E27FC236}">
-                <a16:creationId xmlns:a16="http://schemas.microsoft.com/office/drawing/2014/main" xmlns="" id="{BB3E10CC-A6BC-8949-B208-329D84FD4921}"/>
+                <a16:creationId xmlns="" xmlns:a16="http://schemas.microsoft.com/office/drawing/2014/main" id="{BB3E10CC-A6BC-8949-B208-329D84FD4921}"/>
               </a:ext>
             </a:extLst>
           </p:cNvPr>
@@ -1633,7 +1634,7 @@
           <p:cNvPr id="3" name="縦書きテキスト プレースホルダー 2">
             <a:extLst>
               <a:ext uri="{FF2B5EF4-FFF2-40B4-BE49-F238E27FC236}">
-                <a16:creationId xmlns:a16="http://schemas.microsoft.com/office/drawing/2014/main" xmlns="" id="{7219424D-BC1D-AD4E-B010-1F1D7A13D58F}"/>
+                <a16:creationId xmlns="" xmlns:a16="http://schemas.microsoft.com/office/drawing/2014/main" id="{7219424D-BC1D-AD4E-B010-1F1D7A13D58F}"/>
               </a:ext>
             </a:extLst>
           </p:cNvPr>
@@ -1722,7 +1723,7 @@
           <p:cNvPr id="4" name="日付プレースホルダー 3">
             <a:extLst>
               <a:ext uri="{FF2B5EF4-FFF2-40B4-BE49-F238E27FC236}">
-                <a16:creationId xmlns:a16="http://schemas.microsoft.com/office/drawing/2014/main" xmlns="" id="{A0EC3470-4F95-8440-8244-40DACC03B789}"/>
+                <a16:creationId xmlns="" xmlns:a16="http://schemas.microsoft.com/office/drawing/2014/main" id="{A0EC3470-4F95-8440-8244-40DACC03B789}"/>
               </a:ext>
             </a:extLst>
           </p:cNvPr>
@@ -1740,7 +1741,7 @@
           <a:p>
             <a:fld id="{E7024DAA-6A28-DF40-9D51-C240F04DB82B}" type="datetimeFigureOut">
               <a:rPr kumimoji="1" lang="ja-JP" altLang="en-US" smtClean="0"/>
-              <a:t>2019/10/30</a:t>
+              <a:t>2019/11/4</a:t>
             </a:fld>
             <a:endParaRPr kumimoji="1" lang="ja-JP" altLang="en-US"/>
           </a:p>
@@ -1751,7 +1752,7 @@
           <p:cNvPr id="5" name="フッター プレースホルダー 4">
             <a:extLst>
               <a:ext uri="{FF2B5EF4-FFF2-40B4-BE49-F238E27FC236}">
-                <a16:creationId xmlns:a16="http://schemas.microsoft.com/office/drawing/2014/main" xmlns="" id="{66F14C45-11C0-E844-8F6B-65127DAC330E}"/>
+                <a16:creationId xmlns="" xmlns:a16="http://schemas.microsoft.com/office/drawing/2014/main" id="{66F14C45-11C0-E844-8F6B-65127DAC330E}"/>
               </a:ext>
             </a:extLst>
           </p:cNvPr>
@@ -1776,7 +1777,7 @@
           <p:cNvPr id="6" name="スライド番号プレースホルダー 5">
             <a:extLst>
               <a:ext uri="{FF2B5EF4-FFF2-40B4-BE49-F238E27FC236}">
-                <a16:creationId xmlns:a16="http://schemas.microsoft.com/office/drawing/2014/main" xmlns="" id="{0E725F07-7F0B-E14E-8116-981B96C66531}"/>
+                <a16:creationId xmlns="" xmlns:a16="http://schemas.microsoft.com/office/drawing/2014/main" id="{0E725F07-7F0B-E14E-8116-981B96C66531}"/>
               </a:ext>
             </a:extLst>
           </p:cNvPr>
@@ -1835,7 +1836,7 @@
           <p:cNvPr id="2" name="縦書きタイトル 1">
             <a:extLst>
               <a:ext uri="{FF2B5EF4-FFF2-40B4-BE49-F238E27FC236}">
-                <a16:creationId xmlns:a16="http://schemas.microsoft.com/office/drawing/2014/main" xmlns="" id="{39813C18-B35A-0B48-9CAB-63198D349B64}"/>
+                <a16:creationId xmlns="" xmlns:a16="http://schemas.microsoft.com/office/drawing/2014/main" id="{39813C18-B35A-0B48-9CAB-63198D349B64}"/>
               </a:ext>
             </a:extLst>
           </p:cNvPr>
@@ -1868,7 +1869,7 @@
           <p:cNvPr id="3" name="縦書きテキスト プレースホルダー 2">
             <a:extLst>
               <a:ext uri="{FF2B5EF4-FFF2-40B4-BE49-F238E27FC236}">
-                <a16:creationId xmlns:a16="http://schemas.microsoft.com/office/drawing/2014/main" xmlns="" id="{F67CE368-0F9E-2B42-A1E6-C2B1870B324A}"/>
+                <a16:creationId xmlns="" xmlns:a16="http://schemas.microsoft.com/office/drawing/2014/main" id="{F67CE368-0F9E-2B42-A1E6-C2B1870B324A}"/>
               </a:ext>
             </a:extLst>
           </p:cNvPr>
@@ -1962,7 +1963,7 @@
           <p:cNvPr id="4" name="日付プレースホルダー 3">
             <a:extLst>
               <a:ext uri="{FF2B5EF4-FFF2-40B4-BE49-F238E27FC236}">
-                <a16:creationId xmlns:a16="http://schemas.microsoft.com/office/drawing/2014/main" xmlns="" id="{867ACC2A-B8D1-7C41-9B9F-4C65056F947D}"/>
+                <a16:creationId xmlns="" xmlns:a16="http://schemas.microsoft.com/office/drawing/2014/main" id="{867ACC2A-B8D1-7C41-9B9F-4C65056F947D}"/>
               </a:ext>
             </a:extLst>
           </p:cNvPr>
@@ -1980,7 +1981,7 @@
           <a:p>
             <a:fld id="{E7024DAA-6A28-DF40-9D51-C240F04DB82B}" type="datetimeFigureOut">
               <a:rPr kumimoji="1" lang="ja-JP" altLang="en-US" smtClean="0"/>
-              <a:t>2019/10/30</a:t>
+              <a:t>2019/11/4</a:t>
             </a:fld>
             <a:endParaRPr kumimoji="1" lang="ja-JP" altLang="en-US"/>
           </a:p>
@@ -1991,7 +1992,7 @@
           <p:cNvPr id="5" name="フッター プレースホルダー 4">
             <a:extLst>
               <a:ext uri="{FF2B5EF4-FFF2-40B4-BE49-F238E27FC236}">
-                <a16:creationId xmlns:a16="http://schemas.microsoft.com/office/drawing/2014/main" xmlns="" id="{087856E7-9E03-2C48-B6EC-72CF81629D1A}"/>
+                <a16:creationId xmlns="" xmlns:a16="http://schemas.microsoft.com/office/drawing/2014/main" id="{087856E7-9E03-2C48-B6EC-72CF81629D1A}"/>
               </a:ext>
             </a:extLst>
           </p:cNvPr>
@@ -2016,7 +2017,7 @@
           <p:cNvPr id="6" name="スライド番号プレースホルダー 5">
             <a:extLst>
               <a:ext uri="{FF2B5EF4-FFF2-40B4-BE49-F238E27FC236}">
-                <a16:creationId xmlns:a16="http://schemas.microsoft.com/office/drawing/2014/main" xmlns="" id="{C67C1FF0-41FF-734C-8215-5603860FCEB5}"/>
+                <a16:creationId xmlns="" xmlns:a16="http://schemas.microsoft.com/office/drawing/2014/main" id="{C67C1FF0-41FF-734C-8215-5603860FCEB5}"/>
               </a:ext>
             </a:extLst>
           </p:cNvPr>
@@ -2075,7 +2076,7 @@
           <p:cNvPr id="2" name="タイトル 1">
             <a:extLst>
               <a:ext uri="{FF2B5EF4-FFF2-40B4-BE49-F238E27FC236}">
-                <a16:creationId xmlns:a16="http://schemas.microsoft.com/office/drawing/2014/main" xmlns="" id="{79AD0717-2C6D-1447-94E8-005D647C12FA}"/>
+                <a16:creationId xmlns="" xmlns:a16="http://schemas.microsoft.com/office/drawing/2014/main" id="{79AD0717-2C6D-1447-94E8-005D647C12FA}"/>
               </a:ext>
             </a:extLst>
           </p:cNvPr>
@@ -2103,7 +2104,7 @@
           <p:cNvPr id="3" name="コンテンツ プレースホルダー 2">
             <a:extLst>
               <a:ext uri="{FF2B5EF4-FFF2-40B4-BE49-F238E27FC236}">
-                <a16:creationId xmlns:a16="http://schemas.microsoft.com/office/drawing/2014/main" xmlns="" id="{F692E943-D9F7-F64A-9495-77932297DAB9}"/>
+                <a16:creationId xmlns="" xmlns:a16="http://schemas.microsoft.com/office/drawing/2014/main" id="{F692E943-D9F7-F64A-9495-77932297DAB9}"/>
               </a:ext>
             </a:extLst>
           </p:cNvPr>
@@ -2192,7 +2193,7 @@
           <p:cNvPr id="4" name="日付プレースホルダー 3">
             <a:extLst>
               <a:ext uri="{FF2B5EF4-FFF2-40B4-BE49-F238E27FC236}">
-                <a16:creationId xmlns:a16="http://schemas.microsoft.com/office/drawing/2014/main" xmlns="" id="{46AF73F5-1F52-3C42-920C-52BCD964D9DB}"/>
+                <a16:creationId xmlns="" xmlns:a16="http://schemas.microsoft.com/office/drawing/2014/main" id="{46AF73F5-1F52-3C42-920C-52BCD964D9DB}"/>
               </a:ext>
             </a:extLst>
           </p:cNvPr>
@@ -2210,7 +2211,7 @@
           <a:p>
             <a:fld id="{E7024DAA-6A28-DF40-9D51-C240F04DB82B}" type="datetimeFigureOut">
               <a:rPr kumimoji="1" lang="ja-JP" altLang="en-US" smtClean="0"/>
-              <a:t>2019/10/30</a:t>
+              <a:t>2019/11/4</a:t>
             </a:fld>
             <a:endParaRPr kumimoji="1" lang="ja-JP" altLang="en-US"/>
           </a:p>
@@ -2221,7 +2222,7 @@
           <p:cNvPr id="5" name="フッター プレースホルダー 4">
             <a:extLst>
               <a:ext uri="{FF2B5EF4-FFF2-40B4-BE49-F238E27FC236}">
-                <a16:creationId xmlns:a16="http://schemas.microsoft.com/office/drawing/2014/main" xmlns="" id="{68D477E9-E726-3440-9A60-D29AD7FFB974}"/>
+                <a16:creationId xmlns="" xmlns:a16="http://schemas.microsoft.com/office/drawing/2014/main" id="{68D477E9-E726-3440-9A60-D29AD7FFB974}"/>
               </a:ext>
             </a:extLst>
           </p:cNvPr>
@@ -2246,7 +2247,7 @@
           <p:cNvPr id="6" name="スライド番号プレースホルダー 5">
             <a:extLst>
               <a:ext uri="{FF2B5EF4-FFF2-40B4-BE49-F238E27FC236}">
-                <a16:creationId xmlns:a16="http://schemas.microsoft.com/office/drawing/2014/main" xmlns="" id="{281A8823-BFC8-2149-9684-D4368C50FB0C}"/>
+                <a16:creationId xmlns="" xmlns:a16="http://schemas.microsoft.com/office/drawing/2014/main" id="{281A8823-BFC8-2149-9684-D4368C50FB0C}"/>
               </a:ext>
             </a:extLst>
           </p:cNvPr>
@@ -2305,7 +2306,7 @@
           <p:cNvPr id="2" name="タイトル 1">
             <a:extLst>
               <a:ext uri="{FF2B5EF4-FFF2-40B4-BE49-F238E27FC236}">
-                <a16:creationId xmlns:a16="http://schemas.microsoft.com/office/drawing/2014/main" xmlns="" id="{11D7A484-CED8-0042-AB5C-E49584593BA4}"/>
+                <a16:creationId xmlns="" xmlns:a16="http://schemas.microsoft.com/office/drawing/2014/main" id="{11D7A484-CED8-0042-AB5C-E49584593BA4}"/>
               </a:ext>
             </a:extLst>
           </p:cNvPr>
@@ -2342,7 +2343,7 @@
           <p:cNvPr id="3" name="テキスト プレースホルダー 2">
             <a:extLst>
               <a:ext uri="{FF2B5EF4-FFF2-40B4-BE49-F238E27FC236}">
-                <a16:creationId xmlns:a16="http://schemas.microsoft.com/office/drawing/2014/main" xmlns="" id="{603AFF4A-337D-6F44-B171-9DAE74385387}"/>
+                <a16:creationId xmlns="" xmlns:a16="http://schemas.microsoft.com/office/drawing/2014/main" id="{603AFF4A-337D-6F44-B171-9DAE74385387}"/>
               </a:ext>
             </a:extLst>
           </p:cNvPr>
@@ -2467,7 +2468,7 @@
           <p:cNvPr id="4" name="日付プレースホルダー 3">
             <a:extLst>
               <a:ext uri="{FF2B5EF4-FFF2-40B4-BE49-F238E27FC236}">
-                <a16:creationId xmlns:a16="http://schemas.microsoft.com/office/drawing/2014/main" xmlns="" id="{B2D66AD0-01C1-914F-BB4D-24E1D0802D2B}"/>
+                <a16:creationId xmlns="" xmlns:a16="http://schemas.microsoft.com/office/drawing/2014/main" id="{B2D66AD0-01C1-914F-BB4D-24E1D0802D2B}"/>
               </a:ext>
             </a:extLst>
           </p:cNvPr>
@@ -2485,7 +2486,7 @@
           <a:p>
             <a:fld id="{E7024DAA-6A28-DF40-9D51-C240F04DB82B}" type="datetimeFigureOut">
               <a:rPr kumimoji="1" lang="ja-JP" altLang="en-US" smtClean="0"/>
-              <a:t>2019/10/30</a:t>
+              <a:t>2019/11/4</a:t>
             </a:fld>
             <a:endParaRPr kumimoji="1" lang="ja-JP" altLang="en-US"/>
           </a:p>
@@ -2496,7 +2497,7 @@
           <p:cNvPr id="5" name="フッター プレースホルダー 4">
             <a:extLst>
               <a:ext uri="{FF2B5EF4-FFF2-40B4-BE49-F238E27FC236}">
-                <a16:creationId xmlns:a16="http://schemas.microsoft.com/office/drawing/2014/main" xmlns="" id="{CD674AB9-A292-CC49-B4AC-1151A77C96C1}"/>
+                <a16:creationId xmlns="" xmlns:a16="http://schemas.microsoft.com/office/drawing/2014/main" id="{CD674AB9-A292-CC49-B4AC-1151A77C96C1}"/>
               </a:ext>
             </a:extLst>
           </p:cNvPr>
@@ -2521,7 +2522,7 @@
           <p:cNvPr id="6" name="スライド番号プレースホルダー 5">
             <a:extLst>
               <a:ext uri="{FF2B5EF4-FFF2-40B4-BE49-F238E27FC236}">
-                <a16:creationId xmlns:a16="http://schemas.microsoft.com/office/drawing/2014/main" xmlns="" id="{C2194DD3-01FF-E24A-990B-531E6B1C8814}"/>
+                <a16:creationId xmlns="" xmlns:a16="http://schemas.microsoft.com/office/drawing/2014/main" id="{C2194DD3-01FF-E24A-990B-531E6B1C8814}"/>
               </a:ext>
             </a:extLst>
           </p:cNvPr>
@@ -2580,7 +2581,7 @@
           <p:cNvPr id="2" name="タイトル 1">
             <a:extLst>
               <a:ext uri="{FF2B5EF4-FFF2-40B4-BE49-F238E27FC236}">
-                <a16:creationId xmlns:a16="http://schemas.microsoft.com/office/drawing/2014/main" xmlns="" id="{AF4C0AFC-A229-8B43-A476-E19F9A12B5E9}"/>
+                <a16:creationId xmlns="" xmlns:a16="http://schemas.microsoft.com/office/drawing/2014/main" id="{AF4C0AFC-A229-8B43-A476-E19F9A12B5E9}"/>
               </a:ext>
             </a:extLst>
           </p:cNvPr>
@@ -2608,7 +2609,7 @@
           <p:cNvPr id="3" name="コンテンツ プレースホルダー 2">
             <a:extLst>
               <a:ext uri="{FF2B5EF4-FFF2-40B4-BE49-F238E27FC236}">
-                <a16:creationId xmlns:a16="http://schemas.microsoft.com/office/drawing/2014/main" xmlns="" id="{A77E57E2-40B9-0840-8854-0BB52DFB6AD7}"/>
+                <a16:creationId xmlns="" xmlns:a16="http://schemas.microsoft.com/office/drawing/2014/main" id="{A77E57E2-40B9-0840-8854-0BB52DFB6AD7}"/>
               </a:ext>
             </a:extLst>
           </p:cNvPr>
@@ -2702,7 +2703,7 @@
           <p:cNvPr id="4" name="コンテンツ プレースホルダー 3">
             <a:extLst>
               <a:ext uri="{FF2B5EF4-FFF2-40B4-BE49-F238E27FC236}">
-                <a16:creationId xmlns:a16="http://schemas.microsoft.com/office/drawing/2014/main" xmlns="" id="{5376FFAC-8690-B24D-9377-7FEEB22104AF}"/>
+                <a16:creationId xmlns="" xmlns:a16="http://schemas.microsoft.com/office/drawing/2014/main" id="{5376FFAC-8690-B24D-9377-7FEEB22104AF}"/>
               </a:ext>
             </a:extLst>
           </p:cNvPr>
@@ -2796,7 +2797,7 @@
           <p:cNvPr id="5" name="日付プレースホルダー 4">
             <a:extLst>
               <a:ext uri="{FF2B5EF4-FFF2-40B4-BE49-F238E27FC236}">
-                <a16:creationId xmlns:a16="http://schemas.microsoft.com/office/drawing/2014/main" xmlns="" id="{86E22A30-78E1-3F43-9E9C-5C7CBC5E207D}"/>
+                <a16:creationId xmlns="" xmlns:a16="http://schemas.microsoft.com/office/drawing/2014/main" id="{86E22A30-78E1-3F43-9E9C-5C7CBC5E207D}"/>
               </a:ext>
             </a:extLst>
           </p:cNvPr>
@@ -2814,7 +2815,7 @@
           <a:p>
             <a:fld id="{E7024DAA-6A28-DF40-9D51-C240F04DB82B}" type="datetimeFigureOut">
               <a:rPr kumimoji="1" lang="ja-JP" altLang="en-US" smtClean="0"/>
-              <a:t>2019/10/30</a:t>
+              <a:t>2019/11/4</a:t>
             </a:fld>
             <a:endParaRPr kumimoji="1" lang="ja-JP" altLang="en-US"/>
           </a:p>
@@ -2825,7 +2826,7 @@
           <p:cNvPr id="6" name="フッター プレースホルダー 5">
             <a:extLst>
               <a:ext uri="{FF2B5EF4-FFF2-40B4-BE49-F238E27FC236}">
-                <a16:creationId xmlns:a16="http://schemas.microsoft.com/office/drawing/2014/main" xmlns="" id="{F7E1C133-61A1-3B48-99FD-9B44EDC7FA8F}"/>
+                <a16:creationId xmlns="" xmlns:a16="http://schemas.microsoft.com/office/drawing/2014/main" id="{F7E1C133-61A1-3B48-99FD-9B44EDC7FA8F}"/>
               </a:ext>
             </a:extLst>
           </p:cNvPr>
@@ -2850,7 +2851,7 @@
           <p:cNvPr id="7" name="スライド番号プレースホルダー 6">
             <a:extLst>
               <a:ext uri="{FF2B5EF4-FFF2-40B4-BE49-F238E27FC236}">
-                <a16:creationId xmlns:a16="http://schemas.microsoft.com/office/drawing/2014/main" xmlns="" id="{6AD892A4-0282-8C4E-BBCA-18D30829CEB8}"/>
+                <a16:creationId xmlns="" xmlns:a16="http://schemas.microsoft.com/office/drawing/2014/main" id="{6AD892A4-0282-8C4E-BBCA-18D30829CEB8}"/>
               </a:ext>
             </a:extLst>
           </p:cNvPr>
@@ -2909,7 +2910,7 @@
           <p:cNvPr id="2" name="タイトル 1">
             <a:extLst>
               <a:ext uri="{FF2B5EF4-FFF2-40B4-BE49-F238E27FC236}">
-                <a16:creationId xmlns:a16="http://schemas.microsoft.com/office/drawing/2014/main" xmlns="" id="{967A1187-E1C0-3F49-9BBB-3CEE05287960}"/>
+                <a16:creationId xmlns="" xmlns:a16="http://schemas.microsoft.com/office/drawing/2014/main" id="{967A1187-E1C0-3F49-9BBB-3CEE05287960}"/>
               </a:ext>
             </a:extLst>
           </p:cNvPr>
@@ -2942,7 +2943,7 @@
           <p:cNvPr id="3" name="テキスト プレースホルダー 2">
             <a:extLst>
               <a:ext uri="{FF2B5EF4-FFF2-40B4-BE49-F238E27FC236}">
-                <a16:creationId xmlns:a16="http://schemas.microsoft.com/office/drawing/2014/main" xmlns="" id="{0B8BED0F-B809-214C-854B-1E53659BAC87}"/>
+                <a16:creationId xmlns="" xmlns:a16="http://schemas.microsoft.com/office/drawing/2014/main" id="{0B8BED0F-B809-214C-854B-1E53659BAC87}"/>
               </a:ext>
             </a:extLst>
           </p:cNvPr>
@@ -3013,7 +3014,7 @@
           <p:cNvPr id="4" name="コンテンツ プレースホルダー 3">
             <a:extLst>
               <a:ext uri="{FF2B5EF4-FFF2-40B4-BE49-F238E27FC236}">
-                <a16:creationId xmlns:a16="http://schemas.microsoft.com/office/drawing/2014/main" xmlns="" id="{B73D82D9-99EB-F849-A598-D4B5491774B8}"/>
+                <a16:creationId xmlns="" xmlns:a16="http://schemas.microsoft.com/office/drawing/2014/main" id="{B73D82D9-99EB-F849-A598-D4B5491774B8}"/>
               </a:ext>
             </a:extLst>
           </p:cNvPr>
@@ -3107,7 +3108,7 @@
           <p:cNvPr id="5" name="テキスト プレースホルダー 4">
             <a:extLst>
               <a:ext uri="{FF2B5EF4-FFF2-40B4-BE49-F238E27FC236}">
-                <a16:creationId xmlns:a16="http://schemas.microsoft.com/office/drawing/2014/main" xmlns="" id="{75B659EC-3244-C545-B91A-A4A6995D5B1D}"/>
+                <a16:creationId xmlns="" xmlns:a16="http://schemas.microsoft.com/office/drawing/2014/main" id="{75B659EC-3244-C545-B91A-A4A6995D5B1D}"/>
               </a:ext>
             </a:extLst>
           </p:cNvPr>
@@ -3178,7 +3179,7 @@
           <p:cNvPr id="6" name="コンテンツ プレースホルダー 5">
             <a:extLst>
               <a:ext uri="{FF2B5EF4-FFF2-40B4-BE49-F238E27FC236}">
-                <a16:creationId xmlns:a16="http://schemas.microsoft.com/office/drawing/2014/main" xmlns="" id="{33D91E99-E03D-6E41-9187-88ABD7EB0D64}"/>
+                <a16:creationId xmlns="" xmlns:a16="http://schemas.microsoft.com/office/drawing/2014/main" id="{33D91E99-E03D-6E41-9187-88ABD7EB0D64}"/>
               </a:ext>
             </a:extLst>
           </p:cNvPr>
@@ -3272,7 +3273,7 @@
           <p:cNvPr id="7" name="日付プレースホルダー 6">
             <a:extLst>
               <a:ext uri="{FF2B5EF4-FFF2-40B4-BE49-F238E27FC236}">
-                <a16:creationId xmlns:a16="http://schemas.microsoft.com/office/drawing/2014/main" xmlns="" id="{968BA2AE-B4E8-BC4F-AAE2-2FE7F43CAF94}"/>
+                <a16:creationId xmlns="" xmlns:a16="http://schemas.microsoft.com/office/drawing/2014/main" id="{968BA2AE-B4E8-BC4F-AAE2-2FE7F43CAF94}"/>
               </a:ext>
             </a:extLst>
           </p:cNvPr>
@@ -3290,7 +3291,7 @@
           <a:p>
             <a:fld id="{E7024DAA-6A28-DF40-9D51-C240F04DB82B}" type="datetimeFigureOut">
               <a:rPr kumimoji="1" lang="ja-JP" altLang="en-US" smtClean="0"/>
-              <a:t>2019/10/30</a:t>
+              <a:t>2019/11/4</a:t>
             </a:fld>
             <a:endParaRPr kumimoji="1" lang="ja-JP" altLang="en-US"/>
           </a:p>
@@ -3301,7 +3302,7 @@
           <p:cNvPr id="8" name="フッター プレースホルダー 7">
             <a:extLst>
               <a:ext uri="{FF2B5EF4-FFF2-40B4-BE49-F238E27FC236}">
-                <a16:creationId xmlns:a16="http://schemas.microsoft.com/office/drawing/2014/main" xmlns="" id="{75356495-EC54-F546-A091-DC1A785066CC}"/>
+                <a16:creationId xmlns="" xmlns:a16="http://schemas.microsoft.com/office/drawing/2014/main" id="{75356495-EC54-F546-A091-DC1A785066CC}"/>
               </a:ext>
             </a:extLst>
           </p:cNvPr>
@@ -3326,7 +3327,7 @@
           <p:cNvPr id="9" name="スライド番号プレースホルダー 8">
             <a:extLst>
               <a:ext uri="{FF2B5EF4-FFF2-40B4-BE49-F238E27FC236}">
-                <a16:creationId xmlns:a16="http://schemas.microsoft.com/office/drawing/2014/main" xmlns="" id="{A594F2B8-9C5A-B748-B626-F119CDBA795E}"/>
+                <a16:creationId xmlns="" xmlns:a16="http://schemas.microsoft.com/office/drawing/2014/main" id="{A594F2B8-9C5A-B748-B626-F119CDBA795E}"/>
               </a:ext>
             </a:extLst>
           </p:cNvPr>
@@ -3385,7 +3386,7 @@
           <p:cNvPr id="2" name="タイトル 1">
             <a:extLst>
               <a:ext uri="{FF2B5EF4-FFF2-40B4-BE49-F238E27FC236}">
-                <a16:creationId xmlns:a16="http://schemas.microsoft.com/office/drawing/2014/main" xmlns="" id="{4D2EAD1E-60F9-7641-8969-0A56C0A350EB}"/>
+                <a16:creationId xmlns="" xmlns:a16="http://schemas.microsoft.com/office/drawing/2014/main" id="{4D2EAD1E-60F9-7641-8969-0A56C0A350EB}"/>
               </a:ext>
             </a:extLst>
           </p:cNvPr>
@@ -3413,7 +3414,7 @@
           <p:cNvPr id="3" name="日付プレースホルダー 2">
             <a:extLst>
               <a:ext uri="{FF2B5EF4-FFF2-40B4-BE49-F238E27FC236}">
-                <a16:creationId xmlns:a16="http://schemas.microsoft.com/office/drawing/2014/main" xmlns="" id="{6F635876-01C2-A249-87FC-FA72E59558F1}"/>
+                <a16:creationId xmlns="" xmlns:a16="http://schemas.microsoft.com/office/drawing/2014/main" id="{6F635876-01C2-A249-87FC-FA72E59558F1}"/>
               </a:ext>
             </a:extLst>
           </p:cNvPr>
@@ -3431,7 +3432,7 @@
           <a:p>
             <a:fld id="{E7024DAA-6A28-DF40-9D51-C240F04DB82B}" type="datetimeFigureOut">
               <a:rPr kumimoji="1" lang="ja-JP" altLang="en-US" smtClean="0"/>
-              <a:t>2019/10/30</a:t>
+              <a:t>2019/11/4</a:t>
             </a:fld>
             <a:endParaRPr kumimoji="1" lang="ja-JP" altLang="en-US"/>
           </a:p>
@@ -3442,7 +3443,7 @@
           <p:cNvPr id="4" name="フッター プレースホルダー 3">
             <a:extLst>
               <a:ext uri="{FF2B5EF4-FFF2-40B4-BE49-F238E27FC236}">
-                <a16:creationId xmlns:a16="http://schemas.microsoft.com/office/drawing/2014/main" xmlns="" id="{DA54D7D2-5C3F-4E49-A451-8903880D6AD8}"/>
+                <a16:creationId xmlns="" xmlns:a16="http://schemas.microsoft.com/office/drawing/2014/main" id="{DA54D7D2-5C3F-4E49-A451-8903880D6AD8}"/>
               </a:ext>
             </a:extLst>
           </p:cNvPr>
@@ -3467,7 +3468,7 @@
           <p:cNvPr id="5" name="スライド番号プレースホルダー 4">
             <a:extLst>
               <a:ext uri="{FF2B5EF4-FFF2-40B4-BE49-F238E27FC236}">
-                <a16:creationId xmlns:a16="http://schemas.microsoft.com/office/drawing/2014/main" xmlns="" id="{D7F36122-4EA4-C74A-B8E2-64720EB3ECD9}"/>
+                <a16:creationId xmlns="" xmlns:a16="http://schemas.microsoft.com/office/drawing/2014/main" id="{D7F36122-4EA4-C74A-B8E2-64720EB3ECD9}"/>
               </a:ext>
             </a:extLst>
           </p:cNvPr>
@@ -3526,7 +3527,7 @@
           <p:cNvPr id="2" name="日付プレースホルダー 1">
             <a:extLst>
               <a:ext uri="{FF2B5EF4-FFF2-40B4-BE49-F238E27FC236}">
-                <a16:creationId xmlns:a16="http://schemas.microsoft.com/office/drawing/2014/main" xmlns="" id="{8A8504EB-34C4-6F46-8241-1474E6181EAD}"/>
+                <a16:creationId xmlns="" xmlns:a16="http://schemas.microsoft.com/office/drawing/2014/main" id="{8A8504EB-34C4-6F46-8241-1474E6181EAD}"/>
               </a:ext>
             </a:extLst>
           </p:cNvPr>
@@ -3544,7 +3545,7 @@
           <a:p>
             <a:fld id="{E7024DAA-6A28-DF40-9D51-C240F04DB82B}" type="datetimeFigureOut">
               <a:rPr kumimoji="1" lang="ja-JP" altLang="en-US" smtClean="0"/>
-              <a:t>2019/10/30</a:t>
+              <a:t>2019/11/4</a:t>
             </a:fld>
             <a:endParaRPr kumimoji="1" lang="ja-JP" altLang="en-US"/>
           </a:p>
@@ -3555,7 +3556,7 @@
           <p:cNvPr id="3" name="フッター プレースホルダー 2">
             <a:extLst>
               <a:ext uri="{FF2B5EF4-FFF2-40B4-BE49-F238E27FC236}">
-                <a16:creationId xmlns:a16="http://schemas.microsoft.com/office/drawing/2014/main" xmlns="" id="{8E4B51ED-6797-F542-AE04-9FB3D420CB9F}"/>
+                <a16:creationId xmlns="" xmlns:a16="http://schemas.microsoft.com/office/drawing/2014/main" id="{8E4B51ED-6797-F542-AE04-9FB3D420CB9F}"/>
               </a:ext>
             </a:extLst>
           </p:cNvPr>
@@ -3580,7 +3581,7 @@
           <p:cNvPr id="4" name="スライド番号プレースホルダー 3">
             <a:extLst>
               <a:ext uri="{FF2B5EF4-FFF2-40B4-BE49-F238E27FC236}">
-                <a16:creationId xmlns:a16="http://schemas.microsoft.com/office/drawing/2014/main" xmlns="" id="{0C423C5D-3A0A-4248-8EDC-76AAB818ADC7}"/>
+                <a16:creationId xmlns="" xmlns:a16="http://schemas.microsoft.com/office/drawing/2014/main" id="{0C423C5D-3A0A-4248-8EDC-76AAB818ADC7}"/>
               </a:ext>
             </a:extLst>
           </p:cNvPr>
@@ -3639,7 +3640,7 @@
           <p:cNvPr id="2" name="タイトル 1">
             <a:extLst>
               <a:ext uri="{FF2B5EF4-FFF2-40B4-BE49-F238E27FC236}">
-                <a16:creationId xmlns:a16="http://schemas.microsoft.com/office/drawing/2014/main" xmlns="" id="{5C0FE34A-22F2-3444-BB9C-4A78E0748F00}"/>
+                <a16:creationId xmlns="" xmlns:a16="http://schemas.microsoft.com/office/drawing/2014/main" id="{5C0FE34A-22F2-3444-BB9C-4A78E0748F00}"/>
               </a:ext>
             </a:extLst>
           </p:cNvPr>
@@ -3676,7 +3677,7 @@
           <p:cNvPr id="3" name="コンテンツ プレースホルダー 2">
             <a:extLst>
               <a:ext uri="{FF2B5EF4-FFF2-40B4-BE49-F238E27FC236}">
-                <a16:creationId xmlns:a16="http://schemas.microsoft.com/office/drawing/2014/main" xmlns="" id="{09BAAB2D-647B-BD4D-A2B8-C19C8B5806B4}"/>
+                <a16:creationId xmlns="" xmlns:a16="http://schemas.microsoft.com/office/drawing/2014/main" id="{09BAAB2D-647B-BD4D-A2B8-C19C8B5806B4}"/>
               </a:ext>
             </a:extLst>
           </p:cNvPr>
@@ -3798,7 +3799,7 @@
           <p:cNvPr id="4" name="テキスト プレースホルダー 3">
             <a:extLst>
               <a:ext uri="{FF2B5EF4-FFF2-40B4-BE49-F238E27FC236}">
-                <a16:creationId xmlns:a16="http://schemas.microsoft.com/office/drawing/2014/main" xmlns="" id="{B990BF36-195F-024D-A68C-39FD62D44CED}"/>
+                <a16:creationId xmlns="" xmlns:a16="http://schemas.microsoft.com/office/drawing/2014/main" id="{B990BF36-195F-024D-A68C-39FD62D44CED}"/>
               </a:ext>
             </a:extLst>
           </p:cNvPr>
@@ -3869,7 +3870,7 @@
           <p:cNvPr id="5" name="日付プレースホルダー 4">
             <a:extLst>
               <a:ext uri="{FF2B5EF4-FFF2-40B4-BE49-F238E27FC236}">
-                <a16:creationId xmlns:a16="http://schemas.microsoft.com/office/drawing/2014/main" xmlns="" id="{DC1FFC4A-CE0C-1F41-B7FF-34D1BB864561}"/>
+                <a16:creationId xmlns="" xmlns:a16="http://schemas.microsoft.com/office/drawing/2014/main" id="{DC1FFC4A-CE0C-1F41-B7FF-34D1BB864561}"/>
               </a:ext>
             </a:extLst>
           </p:cNvPr>
@@ -3887,7 +3888,7 @@
           <a:p>
             <a:fld id="{E7024DAA-6A28-DF40-9D51-C240F04DB82B}" type="datetimeFigureOut">
               <a:rPr kumimoji="1" lang="ja-JP" altLang="en-US" smtClean="0"/>
-              <a:t>2019/10/30</a:t>
+              <a:t>2019/11/4</a:t>
             </a:fld>
             <a:endParaRPr kumimoji="1" lang="ja-JP" altLang="en-US"/>
           </a:p>
@@ -3898,7 +3899,7 @@
           <p:cNvPr id="6" name="フッター プレースホルダー 5">
             <a:extLst>
               <a:ext uri="{FF2B5EF4-FFF2-40B4-BE49-F238E27FC236}">
-                <a16:creationId xmlns:a16="http://schemas.microsoft.com/office/drawing/2014/main" xmlns="" id="{E17C14E4-63A5-054C-BC87-FAC762FBD5BD}"/>
+                <a16:creationId xmlns="" xmlns:a16="http://schemas.microsoft.com/office/drawing/2014/main" id="{E17C14E4-63A5-054C-BC87-FAC762FBD5BD}"/>
               </a:ext>
             </a:extLst>
           </p:cNvPr>
@@ -3923,7 +3924,7 @@
           <p:cNvPr id="7" name="スライド番号プレースホルダー 6">
             <a:extLst>
               <a:ext uri="{FF2B5EF4-FFF2-40B4-BE49-F238E27FC236}">
-                <a16:creationId xmlns:a16="http://schemas.microsoft.com/office/drawing/2014/main" xmlns="" id="{4CC39CDD-988A-9544-916A-E6BC31EF330A}"/>
+                <a16:creationId xmlns="" xmlns:a16="http://schemas.microsoft.com/office/drawing/2014/main" id="{4CC39CDD-988A-9544-916A-E6BC31EF330A}"/>
               </a:ext>
             </a:extLst>
           </p:cNvPr>
@@ -3982,7 +3983,7 @@
           <p:cNvPr id="2" name="タイトル 1">
             <a:extLst>
               <a:ext uri="{FF2B5EF4-FFF2-40B4-BE49-F238E27FC236}">
-                <a16:creationId xmlns:a16="http://schemas.microsoft.com/office/drawing/2014/main" xmlns="" id="{8DF74D26-4214-3A41-93DC-CB4F45E821D7}"/>
+                <a16:creationId xmlns="" xmlns:a16="http://schemas.microsoft.com/office/drawing/2014/main" id="{8DF74D26-4214-3A41-93DC-CB4F45E821D7}"/>
               </a:ext>
             </a:extLst>
           </p:cNvPr>
@@ -4019,7 +4020,7 @@
           <p:cNvPr id="3" name="図プレースホルダー 2">
             <a:extLst>
               <a:ext uri="{FF2B5EF4-FFF2-40B4-BE49-F238E27FC236}">
-                <a16:creationId xmlns:a16="http://schemas.microsoft.com/office/drawing/2014/main" xmlns="" id="{D940054E-68E5-484F-A4CF-426949E92B65}"/>
+                <a16:creationId xmlns="" xmlns:a16="http://schemas.microsoft.com/office/drawing/2014/main" id="{D940054E-68E5-484F-A4CF-426949E92B65}"/>
               </a:ext>
             </a:extLst>
           </p:cNvPr>
@@ -4086,7 +4087,7 @@
           <p:cNvPr id="4" name="テキスト プレースホルダー 3">
             <a:extLst>
               <a:ext uri="{FF2B5EF4-FFF2-40B4-BE49-F238E27FC236}">
-                <a16:creationId xmlns:a16="http://schemas.microsoft.com/office/drawing/2014/main" xmlns="" id="{352261EF-C0AC-DD47-80A3-9E3C6D693575}"/>
+                <a16:creationId xmlns="" xmlns:a16="http://schemas.microsoft.com/office/drawing/2014/main" id="{352261EF-C0AC-DD47-80A3-9E3C6D693575}"/>
               </a:ext>
             </a:extLst>
           </p:cNvPr>
@@ -4157,7 +4158,7 @@
           <p:cNvPr id="5" name="日付プレースホルダー 4">
             <a:extLst>
               <a:ext uri="{FF2B5EF4-FFF2-40B4-BE49-F238E27FC236}">
-                <a16:creationId xmlns:a16="http://schemas.microsoft.com/office/drawing/2014/main" xmlns="" id="{78345BD8-A5BE-2B4C-B50F-854BE8DA244E}"/>
+                <a16:creationId xmlns="" xmlns:a16="http://schemas.microsoft.com/office/drawing/2014/main" id="{78345BD8-A5BE-2B4C-B50F-854BE8DA244E}"/>
               </a:ext>
             </a:extLst>
           </p:cNvPr>
@@ -4175,7 +4176,7 @@
           <a:p>
             <a:fld id="{E7024DAA-6A28-DF40-9D51-C240F04DB82B}" type="datetimeFigureOut">
               <a:rPr kumimoji="1" lang="ja-JP" altLang="en-US" smtClean="0"/>
-              <a:t>2019/10/30</a:t>
+              <a:t>2019/11/4</a:t>
             </a:fld>
             <a:endParaRPr kumimoji="1" lang="ja-JP" altLang="en-US"/>
           </a:p>
@@ -4186,7 +4187,7 @@
           <p:cNvPr id="6" name="フッター プレースホルダー 5">
             <a:extLst>
               <a:ext uri="{FF2B5EF4-FFF2-40B4-BE49-F238E27FC236}">
-                <a16:creationId xmlns:a16="http://schemas.microsoft.com/office/drawing/2014/main" xmlns="" id="{49B99FCF-ADF1-9D4F-88BE-3EABB8C04E28}"/>
+                <a16:creationId xmlns="" xmlns:a16="http://schemas.microsoft.com/office/drawing/2014/main" id="{49B99FCF-ADF1-9D4F-88BE-3EABB8C04E28}"/>
               </a:ext>
             </a:extLst>
           </p:cNvPr>
@@ -4211,7 +4212,7 @@
           <p:cNvPr id="7" name="スライド番号プレースホルダー 6">
             <a:extLst>
               <a:ext uri="{FF2B5EF4-FFF2-40B4-BE49-F238E27FC236}">
-                <a16:creationId xmlns:a16="http://schemas.microsoft.com/office/drawing/2014/main" xmlns="" id="{27455309-6FE4-1340-87BA-D1AD36515559}"/>
+                <a16:creationId xmlns="" xmlns:a16="http://schemas.microsoft.com/office/drawing/2014/main" id="{27455309-6FE4-1340-87BA-D1AD36515559}"/>
               </a:ext>
             </a:extLst>
           </p:cNvPr>
@@ -4275,7 +4276,7 @@
           <p:cNvPr id="2" name="タイトル プレースホルダー 1">
             <a:extLst>
               <a:ext uri="{FF2B5EF4-FFF2-40B4-BE49-F238E27FC236}">
-                <a16:creationId xmlns:a16="http://schemas.microsoft.com/office/drawing/2014/main" xmlns="" id="{2D34D946-D89E-6442-9075-ADE04490EE87}"/>
+                <a16:creationId xmlns="" xmlns:a16="http://schemas.microsoft.com/office/drawing/2014/main" id="{2D34D946-D89E-6442-9075-ADE04490EE87}"/>
               </a:ext>
             </a:extLst>
           </p:cNvPr>
@@ -4313,7 +4314,7 @@
           <p:cNvPr id="3" name="テキスト プレースホルダー 2">
             <a:extLst>
               <a:ext uri="{FF2B5EF4-FFF2-40B4-BE49-F238E27FC236}">
-                <a16:creationId xmlns:a16="http://schemas.microsoft.com/office/drawing/2014/main" xmlns="" id="{ECB16F28-657A-7547-9851-1F9FC0B19702}"/>
+                <a16:creationId xmlns="" xmlns:a16="http://schemas.microsoft.com/office/drawing/2014/main" id="{ECB16F28-657A-7547-9851-1F9FC0B19702}"/>
               </a:ext>
             </a:extLst>
           </p:cNvPr>
@@ -4412,7 +4413,7 @@
           <p:cNvPr id="4" name="日付プレースホルダー 3">
             <a:extLst>
               <a:ext uri="{FF2B5EF4-FFF2-40B4-BE49-F238E27FC236}">
-                <a16:creationId xmlns:a16="http://schemas.microsoft.com/office/drawing/2014/main" xmlns="" id="{AA47E054-8B17-264A-AFC9-BCC05E220C26}"/>
+                <a16:creationId xmlns="" xmlns:a16="http://schemas.microsoft.com/office/drawing/2014/main" id="{AA47E054-8B17-264A-AFC9-BCC05E220C26}"/>
               </a:ext>
             </a:extLst>
           </p:cNvPr>
@@ -4448,7 +4449,7 @@
           <a:p>
             <a:fld id="{E7024DAA-6A28-DF40-9D51-C240F04DB82B}" type="datetimeFigureOut">
               <a:rPr kumimoji="1" lang="ja-JP" altLang="en-US" smtClean="0"/>
-              <a:t>2019/10/30</a:t>
+              <a:t>2019/11/4</a:t>
             </a:fld>
             <a:endParaRPr kumimoji="1" lang="ja-JP" altLang="en-US"/>
           </a:p>
@@ -4459,7 +4460,7 @@
           <p:cNvPr id="5" name="フッター プレースホルダー 4">
             <a:extLst>
               <a:ext uri="{FF2B5EF4-FFF2-40B4-BE49-F238E27FC236}">
-                <a16:creationId xmlns:a16="http://schemas.microsoft.com/office/drawing/2014/main" xmlns="" id="{C8FD813E-BA24-5E40-883A-DFDE11A12983}"/>
+                <a16:creationId xmlns="" xmlns:a16="http://schemas.microsoft.com/office/drawing/2014/main" id="{C8FD813E-BA24-5E40-883A-DFDE11A12983}"/>
               </a:ext>
             </a:extLst>
           </p:cNvPr>
@@ -4502,7 +4503,7 @@
           <p:cNvPr id="6" name="スライド番号プレースホルダー 5">
             <a:extLst>
               <a:ext uri="{FF2B5EF4-FFF2-40B4-BE49-F238E27FC236}">
-                <a16:creationId xmlns:a16="http://schemas.microsoft.com/office/drawing/2014/main" xmlns="" id="{5FB17BC1-8AA0-7843-B555-D51F4B1C5A23}"/>
+                <a16:creationId xmlns="" xmlns:a16="http://schemas.microsoft.com/office/drawing/2014/main" id="{5FB17BC1-8AA0-7843-B555-D51F4B1C5A23}"/>
               </a:ext>
             </a:extLst>
           </p:cNvPr>
@@ -4870,7 +4871,7 @@
           <p:cNvPr id="2" name="タイトル 1">
             <a:extLst>
               <a:ext uri="{FF2B5EF4-FFF2-40B4-BE49-F238E27FC236}">
-                <a16:creationId xmlns:a16="http://schemas.microsoft.com/office/drawing/2014/main" xmlns="" id="{4E9248D7-C77C-964F-B39C-A0CF57B18B5C}"/>
+                <a16:creationId xmlns="" xmlns:a16="http://schemas.microsoft.com/office/drawing/2014/main" id="{4E9248D7-C77C-964F-B39C-A0CF57B18B5C}"/>
               </a:ext>
             </a:extLst>
           </p:cNvPr>
@@ -4898,7 +4899,7 @@
           <p:cNvPr id="3" name="字幕 2">
             <a:extLst>
               <a:ext uri="{FF2B5EF4-FFF2-40B4-BE49-F238E27FC236}">
-                <a16:creationId xmlns:a16="http://schemas.microsoft.com/office/drawing/2014/main" xmlns="" id="{733749B4-8B89-A141-B0F8-D74350083502}"/>
+                <a16:creationId xmlns="" xmlns:a16="http://schemas.microsoft.com/office/drawing/2014/main" id="{733749B4-8B89-A141-B0F8-D74350083502}"/>
               </a:ext>
             </a:extLst>
           </p:cNvPr>
@@ -4966,13 +4967,7 @@
       </p:grpSpPr>
       <p:sp>
         <p:nvSpPr>
-          <p:cNvPr id="2" name="タイトル 1">
-            <a:extLst>
-              <a:ext uri="{FF2B5EF4-FFF2-40B4-BE49-F238E27FC236}">
-                <a16:creationId xmlns:a16="http://schemas.microsoft.com/office/drawing/2014/main" xmlns="" id="{B418ABC2-92A5-AF40-B28E-354A6DD8641E}"/>
-              </a:ext>
-            </a:extLst>
-          </p:cNvPr>
+          <p:cNvPr id="2" name="タイトル 1"/>
           <p:cNvSpPr>
             <a:spLocks noGrp="1"/>
           </p:cNvSpPr>
@@ -4986,42 +4981,64 @@
           <a:lstStyle/>
           <a:p>
             <a:r>
+              <a:rPr kumimoji="1" lang="ja-JP" altLang="en-US" dirty="0"/>
+              <a:t>ジオチャート</a:t>
+            </a:r>
+          </a:p>
+        </p:txBody>
+      </p:sp>
+      <p:sp>
+        <p:nvSpPr>
+          <p:cNvPr id="3" name="コンテンツ プレースホルダー 2"/>
+          <p:cNvSpPr>
+            <a:spLocks noGrp="1"/>
+          </p:cNvSpPr>
+          <p:nvPr>
+            <p:ph idx="1"/>
+          </p:nvPr>
+        </p:nvSpPr>
+        <p:spPr/>
+        <p:txBody>
+          <a:bodyPr/>
+          <a:lstStyle/>
+          <a:p>
+            <a:endParaRPr lang="en-US" altLang="ja-JP" dirty="0"/>
+          </a:p>
+          <a:p>
+            <a:r>
               <a:rPr lang="ja-JP" altLang="en-US"/>
-              <a:t>バブルチャート</a:t>
-            </a:r>
-            <a:endParaRPr kumimoji="1" lang="ja-JP" altLang="en-US"/>
-          </a:p>
-        </p:txBody>
-      </p:sp>
-      <p:sp>
-        <p:nvSpPr>
-          <p:cNvPr id="3" name="コンテンツ プレースホルダー 2">
-            <a:extLst>
-              <a:ext uri="{FF2B5EF4-FFF2-40B4-BE49-F238E27FC236}">
-                <a16:creationId xmlns:a16="http://schemas.microsoft.com/office/drawing/2014/main" xmlns="" id="{8EF18BA8-8B88-0C4F-9821-97B4BFB1EE10}"/>
-              </a:ext>
-            </a:extLst>
-          </p:cNvPr>
-          <p:cNvSpPr>
-            <a:spLocks noGrp="1"/>
-          </p:cNvSpPr>
-          <p:nvPr>
-            <p:ph idx="1"/>
-          </p:nvPr>
-        </p:nvSpPr>
-        <p:spPr/>
-        <p:txBody>
-          <a:bodyPr/>
-          <a:lstStyle/>
-          <a:p>
-            <a:endParaRPr kumimoji="1" lang="ja-JP" altLang="en-US"/>
+              <a:t>地図上にデータをマッピング</a:t>
+            </a:r>
+            <a:endParaRPr kumimoji="1" lang="en-US" altLang="ja-JP" dirty="0"/>
+          </a:p>
+          <a:p>
+            <a:endParaRPr kumimoji="1" lang="en-US" altLang="ja-JP" dirty="0"/>
+          </a:p>
+          <a:p>
+            <a:r>
+              <a:rPr lang="ja-JP" altLang="en-US"/>
+              <a:t>地域特性が見やすい</a:t>
+            </a:r>
+            <a:endParaRPr lang="en-US" altLang="ja-JP" dirty="0"/>
+          </a:p>
+          <a:p>
+            <a:endParaRPr lang="en-US" altLang="ja-JP" dirty="0"/>
+          </a:p>
+          <a:p>
+            <a:r>
+              <a:rPr lang="ja-JP" altLang="en-US"/>
+              <a:t>推移が見にくい</a:t>
+            </a:r>
+          </a:p>
+          <a:p>
+            <a:endParaRPr kumimoji="1" lang="en-US" altLang="ja-JP" dirty="0"/>
           </a:p>
         </p:txBody>
       </p:sp>
     </p:spTree>
     <p:extLst>
       <p:ext uri="{BB962C8B-B14F-4D97-AF65-F5344CB8AC3E}">
-        <p14:creationId xmlns:p14="http://schemas.microsoft.com/office/powerpoint/2010/main" val="109845329"/>
+        <p14:creationId xmlns:p14="http://schemas.microsoft.com/office/powerpoint/2010/main" val="2117400784"/>
       </p:ext>
     </p:extLst>
   </p:cSld>
@@ -5053,7 +5070,91 @@
           <p:cNvPr id="2" name="タイトル 1">
             <a:extLst>
               <a:ext uri="{FF2B5EF4-FFF2-40B4-BE49-F238E27FC236}">
-                <a16:creationId xmlns:a16="http://schemas.microsoft.com/office/drawing/2014/main" xmlns="" id="{6F584A2C-E669-CE44-A264-10CEF60BD21A}"/>
+                <a16:creationId xmlns="" xmlns:a16="http://schemas.microsoft.com/office/drawing/2014/main" id="{B418ABC2-92A5-AF40-B28E-354A6DD8641E}"/>
+              </a:ext>
+            </a:extLst>
+          </p:cNvPr>
+          <p:cNvSpPr>
+            <a:spLocks noGrp="1"/>
+          </p:cNvSpPr>
+          <p:nvPr>
+            <p:ph type="title"/>
+          </p:nvPr>
+        </p:nvSpPr>
+        <p:spPr/>
+        <p:txBody>
+          <a:bodyPr/>
+          <a:lstStyle/>
+          <a:p>
+            <a:r>
+              <a:rPr lang="ja-JP" altLang="en-US"/>
+              <a:t>バブルチャート</a:t>
+            </a:r>
+            <a:endParaRPr kumimoji="1" lang="ja-JP" altLang="en-US"/>
+          </a:p>
+        </p:txBody>
+      </p:sp>
+      <p:sp>
+        <p:nvSpPr>
+          <p:cNvPr id="3" name="コンテンツ プレースホルダー 2">
+            <a:extLst>
+              <a:ext uri="{FF2B5EF4-FFF2-40B4-BE49-F238E27FC236}">
+                <a16:creationId xmlns="" xmlns:a16="http://schemas.microsoft.com/office/drawing/2014/main" id="{8EF18BA8-8B88-0C4F-9821-97B4BFB1EE10}"/>
+              </a:ext>
+            </a:extLst>
+          </p:cNvPr>
+          <p:cNvSpPr>
+            <a:spLocks noGrp="1"/>
+          </p:cNvSpPr>
+          <p:nvPr>
+            <p:ph idx="1"/>
+          </p:nvPr>
+        </p:nvSpPr>
+        <p:spPr/>
+        <p:txBody>
+          <a:bodyPr/>
+          <a:lstStyle/>
+          <a:p>
+            <a:endParaRPr kumimoji="1" lang="ja-JP" altLang="en-US"/>
+          </a:p>
+        </p:txBody>
+      </p:sp>
+    </p:spTree>
+    <p:extLst>
+      <p:ext uri="{BB962C8B-B14F-4D97-AF65-F5344CB8AC3E}">
+        <p14:creationId xmlns:p14="http://schemas.microsoft.com/office/powerpoint/2010/main" val="109845329"/>
+      </p:ext>
+    </p:extLst>
+  </p:cSld>
+  <p:clrMapOvr>
+    <a:masterClrMapping/>
+  </p:clrMapOvr>
+</p:sld>
+</file>
+
+<file path=ppt/slides/slide12.xml><?xml version="1.0" encoding="utf-8"?>
+<p:sld xmlns:a="http://schemas.openxmlformats.org/drawingml/2006/main" xmlns:r="http://schemas.openxmlformats.org/officeDocument/2006/relationships" xmlns:p="http://schemas.openxmlformats.org/presentationml/2006/main">
+  <p:cSld>
+    <p:spTree>
+      <p:nvGrpSpPr>
+        <p:cNvPr id="1" name=""/>
+        <p:cNvGrpSpPr/>
+        <p:nvPr/>
+      </p:nvGrpSpPr>
+      <p:grpSpPr>
+        <a:xfrm>
+          <a:off x="0" y="0"/>
+          <a:ext cx="0" cy="0"/>
+          <a:chOff x="0" y="0"/>
+          <a:chExt cx="0" cy="0"/>
+        </a:xfrm>
+      </p:grpSpPr>
+      <p:sp>
+        <p:nvSpPr>
+          <p:cNvPr id="2" name="タイトル 1">
+            <a:extLst>
+              <a:ext uri="{FF2B5EF4-FFF2-40B4-BE49-F238E27FC236}">
+                <a16:creationId xmlns="" xmlns:a16="http://schemas.microsoft.com/office/drawing/2014/main" id="{6F584A2C-E669-CE44-A264-10CEF60BD21A}"/>
               </a:ext>
             </a:extLst>
           </p:cNvPr>
@@ -5082,7 +5183,7 @@
           <p:cNvPr id="3" name="コンテンツ プレースホルダー 2">
             <a:extLst>
               <a:ext uri="{FF2B5EF4-FFF2-40B4-BE49-F238E27FC236}">
-                <a16:creationId xmlns:a16="http://schemas.microsoft.com/office/drawing/2014/main" xmlns="" id="{66C3A0BD-2AA3-F149-90C2-DFBDD1F2DDFF}"/>
+                <a16:creationId xmlns="" xmlns:a16="http://schemas.microsoft.com/office/drawing/2014/main" id="{66C3A0BD-2AA3-F149-90C2-DFBDD1F2DDFF}"/>
               </a:ext>
             </a:extLst>
           </p:cNvPr>
@@ -5233,7 +5334,7 @@
           <p:cNvPr id="2" name="タイトル 1">
             <a:extLst>
               <a:ext uri="{FF2B5EF4-FFF2-40B4-BE49-F238E27FC236}">
-                <a16:creationId xmlns:a16="http://schemas.microsoft.com/office/drawing/2014/main" xmlns="" id="{896E4980-C4A7-5A4F-A462-99F235D2E767}"/>
+                <a16:creationId xmlns="" xmlns:a16="http://schemas.microsoft.com/office/drawing/2014/main" id="{896E4980-C4A7-5A4F-A462-99F235D2E767}"/>
               </a:ext>
             </a:extLst>
           </p:cNvPr>
@@ -5261,7 +5362,7 @@
           <p:cNvPr id="3" name="コンテンツ プレースホルダー 2">
             <a:extLst>
               <a:ext uri="{FF2B5EF4-FFF2-40B4-BE49-F238E27FC236}">
-                <a16:creationId xmlns:a16="http://schemas.microsoft.com/office/drawing/2014/main" xmlns="" id="{D83D92FA-7F8A-C342-A02E-997F9C036FFA}"/>
+                <a16:creationId xmlns="" xmlns:a16="http://schemas.microsoft.com/office/drawing/2014/main" id="{D83D92FA-7F8A-C342-A02E-997F9C036FFA}"/>
               </a:ext>
             </a:extLst>
           </p:cNvPr>
@@ -5350,7 +5451,7 @@
           <p:cNvPr id="2" name="タイトル 1">
             <a:extLst>
               <a:ext uri="{FF2B5EF4-FFF2-40B4-BE49-F238E27FC236}">
-                <a16:creationId xmlns:a16="http://schemas.microsoft.com/office/drawing/2014/main" xmlns="" id="{CBA8BA4B-598F-334C-AE25-93577CEDDC57}"/>
+                <a16:creationId xmlns="" xmlns:a16="http://schemas.microsoft.com/office/drawing/2014/main" id="{CBA8BA4B-598F-334C-AE25-93577CEDDC57}"/>
               </a:ext>
             </a:extLst>
           </p:cNvPr>
@@ -5379,7 +5480,7 @@
           <p:cNvPr id="3" name="コンテンツ プレースホルダー 2">
             <a:extLst>
               <a:ext uri="{FF2B5EF4-FFF2-40B4-BE49-F238E27FC236}">
-                <a16:creationId xmlns:a16="http://schemas.microsoft.com/office/drawing/2014/main" xmlns="" id="{2402BAF8-03EA-584A-B27B-7CF2D553193C}"/>
+                <a16:creationId xmlns="" xmlns:a16="http://schemas.microsoft.com/office/drawing/2014/main" id="{2402BAF8-03EA-584A-B27B-7CF2D553193C}"/>
               </a:ext>
             </a:extLst>
           </p:cNvPr>
@@ -5415,11 +5516,7 @@
             </a:r>
             <a:r>
               <a:rPr lang="ja-JP" altLang="en-US" dirty="0" smtClean="0"/>
-              <a:t>を</a:t>
-            </a:r>
-            <a:r>
-              <a:rPr lang="ja-JP" altLang="en-US" dirty="0" smtClean="0"/>
-              <a:t>比較</a:t>
+              <a:t>を比較</a:t>
             </a:r>
             <a:endParaRPr lang="en-US" altLang="ja-JP" dirty="0"/>
           </a:p>
@@ -5460,7 +5557,7 @@
           <p:cNvPr id="2" name="タイトル 1">
             <a:extLst>
               <a:ext uri="{FF2B5EF4-FFF2-40B4-BE49-F238E27FC236}">
-                <a16:creationId xmlns:a16="http://schemas.microsoft.com/office/drawing/2014/main" xmlns="" id="{9D35B7F5-C616-2546-AAE3-A4C37ADA891C}"/>
+                <a16:creationId xmlns="" xmlns:a16="http://schemas.microsoft.com/office/drawing/2014/main" id="{9D35B7F5-C616-2546-AAE3-A4C37ADA891C}"/>
               </a:ext>
             </a:extLst>
           </p:cNvPr>
@@ -5488,7 +5585,7 @@
           <p:cNvPr id="3" name="コンテンツ プレースホルダー 2">
             <a:extLst>
               <a:ext uri="{FF2B5EF4-FFF2-40B4-BE49-F238E27FC236}">
-                <a16:creationId xmlns:a16="http://schemas.microsoft.com/office/drawing/2014/main" xmlns="" id="{F5CDCC94-1BC0-9F45-BD6E-AEA44C88CDA1}"/>
+                <a16:creationId xmlns="" xmlns:a16="http://schemas.microsoft.com/office/drawing/2014/main" id="{F5CDCC94-1BC0-9F45-BD6E-AEA44C88CDA1}"/>
               </a:ext>
             </a:extLst>
           </p:cNvPr>
@@ -5632,7 +5729,7 @@
           <p:cNvPr id="2" name="タイトル 1">
             <a:extLst>
               <a:ext uri="{FF2B5EF4-FFF2-40B4-BE49-F238E27FC236}">
-                <a16:creationId xmlns:a16="http://schemas.microsoft.com/office/drawing/2014/main" xmlns="" id="{64A11CCF-73BE-084D-A8D7-B183386D4431}"/>
+                <a16:creationId xmlns="" xmlns:a16="http://schemas.microsoft.com/office/drawing/2014/main" id="{64A11CCF-73BE-084D-A8D7-B183386D4431}"/>
               </a:ext>
             </a:extLst>
           </p:cNvPr>
@@ -5649,10 +5746,14 @@
           <a:lstStyle/>
           <a:p>
             <a:r>
-              <a:rPr lang="ja-JP" altLang="en-US"/>
-              <a:t>折れ線グラフ</a:t>
-            </a:r>
-            <a:endParaRPr kumimoji="1" lang="ja-JP" altLang="en-US"/>
+              <a:rPr lang="ja-JP" altLang="en-US" dirty="0"/>
+              <a:t>折れ線</a:t>
+            </a:r>
+            <a:r>
+              <a:rPr lang="ja-JP" altLang="en-US" dirty="0" smtClean="0"/>
+              <a:t>グラフ・棒グラフ</a:t>
+            </a:r>
+            <a:endParaRPr kumimoji="1" lang="ja-JP" altLang="en-US" dirty="0"/>
           </a:p>
         </p:txBody>
       </p:sp>
@@ -5661,7 +5762,7 @@
           <p:cNvPr id="3" name="コンテンツ プレースホルダー 2">
             <a:extLst>
               <a:ext uri="{FF2B5EF4-FFF2-40B4-BE49-F238E27FC236}">
-                <a16:creationId xmlns:a16="http://schemas.microsoft.com/office/drawing/2014/main" xmlns="" id="{DEFF8EDF-62D5-3044-8E76-F620FB00CBA7}"/>
+                <a16:creationId xmlns="" xmlns:a16="http://schemas.microsoft.com/office/drawing/2014/main" id="{DEFF8EDF-62D5-3044-8E76-F620FB00CBA7}"/>
               </a:ext>
             </a:extLst>
           </p:cNvPr>
@@ -5677,7 +5778,7 @@
           <a:bodyPr/>
           <a:lstStyle/>
           <a:p>
-            <a:endParaRPr kumimoji="1" lang="ja-JP" altLang="en-US"/>
+            <a:endParaRPr kumimoji="1" lang="ja-JP" altLang="en-US" dirty="0"/>
           </a:p>
         </p:txBody>
       </p:sp>
@@ -5691,13 +5792,13 @@
   <p:clrMapOvr>
     <a:masterClrMapping/>
   </p:clrMapOvr>
-  <mc:AlternateContent xmlns:mc="http://schemas.openxmlformats.org/markup-compatibility/2006">
-    <mc:Choice xmlns:p14="http://schemas.microsoft.com/office/powerpoint/2010/main" Requires="p14">
+  <mc:AlternateContent xmlns:mc="http://schemas.openxmlformats.org/markup-compatibility/2006" xmlns:p14="http://schemas.microsoft.com/office/powerpoint/2010/main">
+    <mc:Choice Requires="p14">
       <p:transition p14:dur="100">
         <p:cut/>
       </p:transition>
     </mc:Choice>
-    <mc:Fallback>
+    <mc:Fallback xmlns="">
       <p:transition>
         <p:cut/>
       </p:transition>
@@ -5714,6 +5815,88 @@
 </file>
 
 <file path=ppt/slides/slide7.xml><?xml version="1.0" encoding="utf-8"?>
+<p:sld xmlns:a="http://schemas.openxmlformats.org/drawingml/2006/main" xmlns:r="http://schemas.openxmlformats.org/officeDocument/2006/relationships" xmlns:p="http://schemas.openxmlformats.org/presentationml/2006/main">
+  <p:cSld>
+    <p:spTree>
+      <p:nvGrpSpPr>
+        <p:cNvPr id="1" name=""/>
+        <p:cNvGrpSpPr/>
+        <p:nvPr/>
+      </p:nvGrpSpPr>
+      <p:grpSpPr>
+        <a:xfrm>
+          <a:off x="0" y="0"/>
+          <a:ext cx="0" cy="0"/>
+          <a:chOff x="0" y="0"/>
+          <a:chExt cx="0" cy="0"/>
+        </a:xfrm>
+      </p:grpSpPr>
+      <p:sp>
+        <p:nvSpPr>
+          <p:cNvPr id="2" name="タイトル 1"/>
+          <p:cNvSpPr>
+            <a:spLocks noGrp="1"/>
+          </p:cNvSpPr>
+          <p:nvPr>
+            <p:ph type="title"/>
+          </p:nvPr>
+        </p:nvSpPr>
+        <p:spPr/>
+        <p:txBody>
+          <a:bodyPr/>
+          <a:lstStyle/>
+          <a:p>
+            <a:r>
+              <a:rPr kumimoji="1" lang="ja-JP" altLang="en-US" dirty="0" smtClean="0"/>
+              <a:t>折れ線グラフ・棒グラフ</a:t>
+            </a:r>
+            <a:endParaRPr kumimoji="1" lang="ja-JP" altLang="en-US" dirty="0"/>
+          </a:p>
+        </p:txBody>
+      </p:sp>
+      <p:pic>
+        <p:nvPicPr>
+          <p:cNvPr id="4" name="コンテンツ プレースホルダー 3"/>
+          <p:cNvPicPr>
+            <a:picLocks noGrp="1" noChangeAspect="1"/>
+          </p:cNvPicPr>
+          <p:nvPr>
+            <p:ph idx="1"/>
+          </p:nvPr>
+        </p:nvPicPr>
+        <p:blipFill>
+          <a:blip r:embed="rId2">
+            <a:extLst>
+              <a:ext uri="{28A0092B-C50C-407E-A947-70E740481C1C}">
+                <a14:useLocalDpi xmlns:a14="http://schemas.microsoft.com/office/drawing/2010/main" val="0"/>
+              </a:ext>
+            </a:extLst>
+          </a:blip>
+          <a:stretch>
+            <a:fillRect/>
+          </a:stretch>
+        </p:blipFill>
+        <p:spPr>
+          <a:xfrm>
+            <a:off x="0" y="1676053"/>
+            <a:ext cx="6909262" cy="5181947"/>
+          </a:xfrm>
+        </p:spPr>
+      </p:pic>
+    </p:spTree>
+    <p:extLst>
+      <p:ext uri="{BB962C8B-B14F-4D97-AF65-F5344CB8AC3E}">
+        <p14:creationId xmlns:p14="http://schemas.microsoft.com/office/powerpoint/2010/main" val="590512483"/>
+      </p:ext>
+    </p:extLst>
+  </p:cSld>
+  <p:clrMapOvr>
+    <a:masterClrMapping/>
+  </p:clrMapOvr>
+</p:sld>
+</file>
+
+<file path=ppt/slides/slide8.xml><?xml version="1.0" encoding="utf-8"?>
 <p:sld xmlns:a="http://schemas.openxmlformats.org/drawingml/2006/main" xmlns:r="http://schemas.openxmlformats.org/officeDocument/2006/relationships" xmlns:p="http://schemas.openxmlformats.org/presentationml/2006/main">
   <p:cSld>
     <p:spTree>
@@ -5907,7 +6090,7 @@
 </p:sld>
 </file>
 
-<file path=ppt/slides/slide8.xml><?xml version="1.0" encoding="utf-8"?>
+<file path=ppt/slides/slide9.xml><?xml version="1.0" encoding="utf-8"?>
 <p:sld xmlns:a="http://schemas.openxmlformats.org/drawingml/2006/main" xmlns:r="http://schemas.openxmlformats.org/officeDocument/2006/relationships" xmlns:p="http://schemas.openxmlformats.org/presentationml/2006/main">
   <p:cSld>
     <p:spTree>
@@ -5929,7 +6112,7 @@
           <p:cNvPr id="5" name="コンテンツ プレースホルダー 4">
             <a:extLst>
               <a:ext uri="{FF2B5EF4-FFF2-40B4-BE49-F238E27FC236}">
-                <a16:creationId xmlns:a16="http://schemas.microsoft.com/office/drawing/2014/main" xmlns="" id="{1E5D8649-DA8C-214B-B91C-F807A6D4F3BF}"/>
+                <a16:creationId xmlns="" xmlns:a16="http://schemas.microsoft.com/office/drawing/2014/main" id="{1E5D8649-DA8C-214B-B91C-F807A6D4F3BF}"/>
               </a:ext>
             </a:extLst>
           </p:cNvPr>
@@ -5958,7 +6141,7 @@
           <p:cNvPr id="7" name="図 6">
             <a:extLst>
               <a:ext uri="{FF2B5EF4-FFF2-40B4-BE49-F238E27FC236}">
-                <a16:creationId xmlns:a16="http://schemas.microsoft.com/office/drawing/2014/main" xmlns="" id="{D606FACA-C735-7445-A696-121B917347DF}"/>
+                <a16:creationId xmlns="" xmlns:a16="http://schemas.microsoft.com/office/drawing/2014/main" id="{D606FACA-C735-7445-A696-121B917347DF}"/>
               </a:ext>
             </a:extLst>
           </p:cNvPr>
@@ -5988,7 +6171,7 @@
           <p:cNvPr id="13" name="図 12">
             <a:extLst>
               <a:ext uri="{FF2B5EF4-FFF2-40B4-BE49-F238E27FC236}">
-                <a16:creationId xmlns:a16="http://schemas.microsoft.com/office/drawing/2014/main" xmlns="" id="{1CA906F6-D528-7E4B-9F59-254A16A30401}"/>
+                <a16:creationId xmlns="" xmlns:a16="http://schemas.microsoft.com/office/drawing/2014/main" id="{1CA906F6-D528-7E4B-9F59-254A16A30401}"/>
               </a:ext>
             </a:extLst>
           </p:cNvPr>
@@ -6018,7 +6201,7 @@
           <p:cNvPr id="15" name="テキスト ボックス 14">
             <a:extLst>
               <a:ext uri="{FF2B5EF4-FFF2-40B4-BE49-F238E27FC236}">
-                <a16:creationId xmlns:a16="http://schemas.microsoft.com/office/drawing/2014/main" xmlns="" id="{067AB168-65F8-F54D-8654-A00BECE2E716}"/>
+                <a16:creationId xmlns="" xmlns:a16="http://schemas.microsoft.com/office/drawing/2014/main" id="{067AB168-65F8-F54D-8654-A00BECE2E716}"/>
               </a:ext>
             </a:extLst>
           </p:cNvPr>
@@ -6054,7 +6237,7 @@
           <p:cNvPr id="16" name="テキスト ボックス 15">
             <a:extLst>
               <a:ext uri="{FF2B5EF4-FFF2-40B4-BE49-F238E27FC236}">
-                <a16:creationId xmlns:a16="http://schemas.microsoft.com/office/drawing/2014/main" xmlns="" id="{3E2C1726-397E-A84C-8EF2-170D9805EF04}"/>
+                <a16:creationId xmlns="" xmlns:a16="http://schemas.microsoft.com/office/drawing/2014/main" id="{3E2C1726-397E-A84C-8EF2-170D9805EF04}"/>
               </a:ext>
             </a:extLst>
           </p:cNvPr>
@@ -6090,7 +6273,7 @@
           <p:cNvPr id="17" name="テキスト ボックス 16">
             <a:extLst>
               <a:ext uri="{FF2B5EF4-FFF2-40B4-BE49-F238E27FC236}">
-                <a16:creationId xmlns:a16="http://schemas.microsoft.com/office/drawing/2014/main" xmlns="" id="{C4ADD0B6-CD92-AE43-88CC-9FDDA4EE27F6}"/>
+                <a16:creationId xmlns="" xmlns:a16="http://schemas.microsoft.com/office/drawing/2014/main" id="{C4ADD0B6-CD92-AE43-88CC-9FDDA4EE27F6}"/>
               </a:ext>
             </a:extLst>
           </p:cNvPr>
@@ -6126,7 +6309,7 @@
           <p:cNvPr id="19" name="テキスト ボックス 18">
             <a:extLst>
               <a:ext uri="{FF2B5EF4-FFF2-40B4-BE49-F238E27FC236}">
-                <a16:creationId xmlns:a16="http://schemas.microsoft.com/office/drawing/2014/main" xmlns="" id="{27A43D62-12BA-AE4D-807A-8F1FC33AF8A0}"/>
+                <a16:creationId xmlns="" xmlns:a16="http://schemas.microsoft.com/office/drawing/2014/main" id="{27A43D62-12BA-AE4D-807A-8F1FC33AF8A0}"/>
               </a:ext>
             </a:extLst>
           </p:cNvPr>
@@ -6168,106 +6351,6 @@
     <p:extLst>
       <p:ext uri="{BB962C8B-B14F-4D97-AF65-F5344CB8AC3E}">
         <p14:creationId xmlns:p14="http://schemas.microsoft.com/office/powerpoint/2010/main" val="696814170"/>
-      </p:ext>
-    </p:extLst>
-  </p:cSld>
-  <p:clrMapOvr>
-    <a:masterClrMapping/>
-  </p:clrMapOvr>
-</p:sld>
-</file>
-
-<file path=ppt/slides/slide9.xml><?xml version="1.0" encoding="utf-8"?>
-<p:sld xmlns:a="http://schemas.openxmlformats.org/drawingml/2006/main" xmlns:r="http://schemas.openxmlformats.org/officeDocument/2006/relationships" xmlns:p="http://schemas.openxmlformats.org/presentationml/2006/main">
-  <p:cSld>
-    <p:spTree>
-      <p:nvGrpSpPr>
-        <p:cNvPr id="1" name=""/>
-        <p:cNvGrpSpPr/>
-        <p:nvPr/>
-      </p:nvGrpSpPr>
-      <p:grpSpPr>
-        <a:xfrm>
-          <a:off x="0" y="0"/>
-          <a:ext cx="0" cy="0"/>
-          <a:chOff x="0" y="0"/>
-          <a:chExt cx="0" cy="0"/>
-        </a:xfrm>
-      </p:grpSpPr>
-      <p:sp>
-        <p:nvSpPr>
-          <p:cNvPr id="2" name="タイトル 1"/>
-          <p:cNvSpPr>
-            <a:spLocks noGrp="1"/>
-          </p:cNvSpPr>
-          <p:nvPr>
-            <p:ph type="title"/>
-          </p:nvPr>
-        </p:nvSpPr>
-        <p:spPr/>
-        <p:txBody>
-          <a:bodyPr/>
-          <a:lstStyle/>
-          <a:p>
-            <a:r>
-              <a:rPr kumimoji="1" lang="ja-JP" altLang="en-US" dirty="0"/>
-              <a:t>ジオチャート</a:t>
-            </a:r>
-          </a:p>
-        </p:txBody>
-      </p:sp>
-      <p:sp>
-        <p:nvSpPr>
-          <p:cNvPr id="3" name="コンテンツ プレースホルダー 2"/>
-          <p:cNvSpPr>
-            <a:spLocks noGrp="1"/>
-          </p:cNvSpPr>
-          <p:nvPr>
-            <p:ph idx="1"/>
-          </p:nvPr>
-        </p:nvSpPr>
-        <p:spPr/>
-        <p:txBody>
-          <a:bodyPr/>
-          <a:lstStyle/>
-          <a:p>
-            <a:endParaRPr lang="en-US" altLang="ja-JP" dirty="0"/>
-          </a:p>
-          <a:p>
-            <a:r>
-              <a:rPr lang="ja-JP" altLang="en-US"/>
-              <a:t>地図上にデータをマッピング</a:t>
-            </a:r>
-            <a:endParaRPr kumimoji="1" lang="en-US" altLang="ja-JP" dirty="0"/>
-          </a:p>
-          <a:p>
-            <a:endParaRPr kumimoji="1" lang="en-US" altLang="ja-JP" dirty="0"/>
-          </a:p>
-          <a:p>
-            <a:r>
-              <a:rPr lang="ja-JP" altLang="en-US"/>
-              <a:t>地域特性が見やすい</a:t>
-            </a:r>
-            <a:endParaRPr lang="en-US" altLang="ja-JP" dirty="0"/>
-          </a:p>
-          <a:p>
-            <a:endParaRPr lang="en-US" altLang="ja-JP" dirty="0"/>
-          </a:p>
-          <a:p>
-            <a:r>
-              <a:rPr lang="ja-JP" altLang="en-US"/>
-              <a:t>推移が見にくい</a:t>
-            </a:r>
-          </a:p>
-          <a:p>
-            <a:endParaRPr kumimoji="1" lang="en-US" altLang="ja-JP" dirty="0"/>
-          </a:p>
-        </p:txBody>
-      </p:sp>
-    </p:spTree>
-    <p:extLst>
-      <p:ext uri="{BB962C8B-B14F-4D97-AF65-F5344CB8AC3E}">
-        <p14:creationId xmlns:p14="http://schemas.microsoft.com/office/powerpoint/2010/main" val="2117400784"/>
       </p:ext>
     </p:extLst>
   </p:cSld>

--- a/統計データの可視化.pptx
+++ b/統計データの可視化.pptx
@@ -1386,7 +1386,7 @@
           <p:cNvPr id="2" name="タイトル 1">
             <a:extLst>
               <a:ext uri="{FF2B5EF4-FFF2-40B4-BE49-F238E27FC236}">
-                <a16:creationId xmlns="" xmlns:a16="http://schemas.microsoft.com/office/drawing/2014/main" id="{D5DF3914-848A-5745-957C-528267F7C428}"/>
+                <a16:creationId xmlns:a16="http://schemas.microsoft.com/office/drawing/2014/main" xmlns="" id="{D5DF3914-848A-5745-957C-528267F7C428}"/>
               </a:ext>
             </a:extLst>
           </p:cNvPr>
@@ -1423,7 +1423,7 @@
           <p:cNvPr id="3" name="字幕 2">
             <a:extLst>
               <a:ext uri="{FF2B5EF4-FFF2-40B4-BE49-F238E27FC236}">
-                <a16:creationId xmlns="" xmlns:a16="http://schemas.microsoft.com/office/drawing/2014/main" id="{09ED48ED-F942-EA4B-837D-433A04D6B104}"/>
+                <a16:creationId xmlns:a16="http://schemas.microsoft.com/office/drawing/2014/main" xmlns="" id="{09ED48ED-F942-EA4B-837D-433A04D6B104}"/>
               </a:ext>
             </a:extLst>
           </p:cNvPr>
@@ -1493,7 +1493,7 @@
           <p:cNvPr id="4" name="日付プレースホルダー 3">
             <a:extLst>
               <a:ext uri="{FF2B5EF4-FFF2-40B4-BE49-F238E27FC236}">
-                <a16:creationId xmlns="" xmlns:a16="http://schemas.microsoft.com/office/drawing/2014/main" id="{3A0DDE53-FAF3-374A-B93B-6D7F5E526B83}"/>
+                <a16:creationId xmlns:a16="http://schemas.microsoft.com/office/drawing/2014/main" xmlns="" id="{3A0DDE53-FAF3-374A-B93B-6D7F5E526B83}"/>
               </a:ext>
             </a:extLst>
           </p:cNvPr>
@@ -1522,7 +1522,7 @@
           <p:cNvPr id="5" name="フッター プレースホルダー 4">
             <a:extLst>
               <a:ext uri="{FF2B5EF4-FFF2-40B4-BE49-F238E27FC236}">
-                <a16:creationId xmlns="" xmlns:a16="http://schemas.microsoft.com/office/drawing/2014/main" id="{83CD93A0-C601-B84D-B2EA-38118C6AE7FB}"/>
+                <a16:creationId xmlns:a16="http://schemas.microsoft.com/office/drawing/2014/main" xmlns="" id="{83CD93A0-C601-B84D-B2EA-38118C6AE7FB}"/>
               </a:ext>
             </a:extLst>
           </p:cNvPr>
@@ -1547,7 +1547,7 @@
           <p:cNvPr id="6" name="スライド番号プレースホルダー 5">
             <a:extLst>
               <a:ext uri="{FF2B5EF4-FFF2-40B4-BE49-F238E27FC236}">
-                <a16:creationId xmlns="" xmlns:a16="http://schemas.microsoft.com/office/drawing/2014/main" id="{8020DA69-1EC4-8D4B-8C3D-2ABD8A48C106}"/>
+                <a16:creationId xmlns:a16="http://schemas.microsoft.com/office/drawing/2014/main" xmlns="" id="{8020DA69-1EC4-8D4B-8C3D-2ABD8A48C106}"/>
               </a:ext>
             </a:extLst>
           </p:cNvPr>
@@ -1606,7 +1606,7 @@
           <p:cNvPr id="2" name="タイトル 1">
             <a:extLst>
               <a:ext uri="{FF2B5EF4-FFF2-40B4-BE49-F238E27FC236}">
-                <a16:creationId xmlns="" xmlns:a16="http://schemas.microsoft.com/office/drawing/2014/main" id="{BB3E10CC-A6BC-8949-B208-329D84FD4921}"/>
+                <a16:creationId xmlns:a16="http://schemas.microsoft.com/office/drawing/2014/main" xmlns="" id="{BB3E10CC-A6BC-8949-B208-329D84FD4921}"/>
               </a:ext>
             </a:extLst>
           </p:cNvPr>
@@ -1634,7 +1634,7 @@
           <p:cNvPr id="3" name="縦書きテキスト プレースホルダー 2">
             <a:extLst>
               <a:ext uri="{FF2B5EF4-FFF2-40B4-BE49-F238E27FC236}">
-                <a16:creationId xmlns="" xmlns:a16="http://schemas.microsoft.com/office/drawing/2014/main" id="{7219424D-BC1D-AD4E-B010-1F1D7A13D58F}"/>
+                <a16:creationId xmlns:a16="http://schemas.microsoft.com/office/drawing/2014/main" xmlns="" id="{7219424D-BC1D-AD4E-B010-1F1D7A13D58F}"/>
               </a:ext>
             </a:extLst>
           </p:cNvPr>
@@ -1723,7 +1723,7 @@
           <p:cNvPr id="4" name="日付プレースホルダー 3">
             <a:extLst>
               <a:ext uri="{FF2B5EF4-FFF2-40B4-BE49-F238E27FC236}">
-                <a16:creationId xmlns="" xmlns:a16="http://schemas.microsoft.com/office/drawing/2014/main" id="{A0EC3470-4F95-8440-8244-40DACC03B789}"/>
+                <a16:creationId xmlns:a16="http://schemas.microsoft.com/office/drawing/2014/main" xmlns="" id="{A0EC3470-4F95-8440-8244-40DACC03B789}"/>
               </a:ext>
             </a:extLst>
           </p:cNvPr>
@@ -1752,7 +1752,7 @@
           <p:cNvPr id="5" name="フッター プレースホルダー 4">
             <a:extLst>
               <a:ext uri="{FF2B5EF4-FFF2-40B4-BE49-F238E27FC236}">
-                <a16:creationId xmlns="" xmlns:a16="http://schemas.microsoft.com/office/drawing/2014/main" id="{66F14C45-11C0-E844-8F6B-65127DAC330E}"/>
+                <a16:creationId xmlns:a16="http://schemas.microsoft.com/office/drawing/2014/main" xmlns="" id="{66F14C45-11C0-E844-8F6B-65127DAC330E}"/>
               </a:ext>
             </a:extLst>
           </p:cNvPr>
@@ -1777,7 +1777,7 @@
           <p:cNvPr id="6" name="スライド番号プレースホルダー 5">
             <a:extLst>
               <a:ext uri="{FF2B5EF4-FFF2-40B4-BE49-F238E27FC236}">
-                <a16:creationId xmlns="" xmlns:a16="http://schemas.microsoft.com/office/drawing/2014/main" id="{0E725F07-7F0B-E14E-8116-981B96C66531}"/>
+                <a16:creationId xmlns:a16="http://schemas.microsoft.com/office/drawing/2014/main" xmlns="" id="{0E725F07-7F0B-E14E-8116-981B96C66531}"/>
               </a:ext>
             </a:extLst>
           </p:cNvPr>
@@ -1836,7 +1836,7 @@
           <p:cNvPr id="2" name="縦書きタイトル 1">
             <a:extLst>
               <a:ext uri="{FF2B5EF4-FFF2-40B4-BE49-F238E27FC236}">
-                <a16:creationId xmlns="" xmlns:a16="http://schemas.microsoft.com/office/drawing/2014/main" id="{39813C18-B35A-0B48-9CAB-63198D349B64}"/>
+                <a16:creationId xmlns:a16="http://schemas.microsoft.com/office/drawing/2014/main" xmlns="" id="{39813C18-B35A-0B48-9CAB-63198D349B64}"/>
               </a:ext>
             </a:extLst>
           </p:cNvPr>
@@ -1869,7 +1869,7 @@
           <p:cNvPr id="3" name="縦書きテキスト プレースホルダー 2">
             <a:extLst>
               <a:ext uri="{FF2B5EF4-FFF2-40B4-BE49-F238E27FC236}">
-                <a16:creationId xmlns="" xmlns:a16="http://schemas.microsoft.com/office/drawing/2014/main" id="{F67CE368-0F9E-2B42-A1E6-C2B1870B324A}"/>
+                <a16:creationId xmlns:a16="http://schemas.microsoft.com/office/drawing/2014/main" xmlns="" id="{F67CE368-0F9E-2B42-A1E6-C2B1870B324A}"/>
               </a:ext>
             </a:extLst>
           </p:cNvPr>
@@ -1963,7 +1963,7 @@
           <p:cNvPr id="4" name="日付プレースホルダー 3">
             <a:extLst>
               <a:ext uri="{FF2B5EF4-FFF2-40B4-BE49-F238E27FC236}">
-                <a16:creationId xmlns="" xmlns:a16="http://schemas.microsoft.com/office/drawing/2014/main" id="{867ACC2A-B8D1-7C41-9B9F-4C65056F947D}"/>
+                <a16:creationId xmlns:a16="http://schemas.microsoft.com/office/drawing/2014/main" xmlns="" id="{867ACC2A-B8D1-7C41-9B9F-4C65056F947D}"/>
               </a:ext>
             </a:extLst>
           </p:cNvPr>
@@ -1992,7 +1992,7 @@
           <p:cNvPr id="5" name="フッター プレースホルダー 4">
             <a:extLst>
               <a:ext uri="{FF2B5EF4-FFF2-40B4-BE49-F238E27FC236}">
-                <a16:creationId xmlns="" xmlns:a16="http://schemas.microsoft.com/office/drawing/2014/main" id="{087856E7-9E03-2C48-B6EC-72CF81629D1A}"/>
+                <a16:creationId xmlns:a16="http://schemas.microsoft.com/office/drawing/2014/main" xmlns="" id="{087856E7-9E03-2C48-B6EC-72CF81629D1A}"/>
               </a:ext>
             </a:extLst>
           </p:cNvPr>
@@ -2017,7 +2017,7 @@
           <p:cNvPr id="6" name="スライド番号プレースホルダー 5">
             <a:extLst>
               <a:ext uri="{FF2B5EF4-FFF2-40B4-BE49-F238E27FC236}">
-                <a16:creationId xmlns="" xmlns:a16="http://schemas.microsoft.com/office/drawing/2014/main" id="{C67C1FF0-41FF-734C-8215-5603860FCEB5}"/>
+                <a16:creationId xmlns:a16="http://schemas.microsoft.com/office/drawing/2014/main" xmlns="" id="{C67C1FF0-41FF-734C-8215-5603860FCEB5}"/>
               </a:ext>
             </a:extLst>
           </p:cNvPr>
@@ -2076,7 +2076,7 @@
           <p:cNvPr id="2" name="タイトル 1">
             <a:extLst>
               <a:ext uri="{FF2B5EF4-FFF2-40B4-BE49-F238E27FC236}">
-                <a16:creationId xmlns="" xmlns:a16="http://schemas.microsoft.com/office/drawing/2014/main" id="{79AD0717-2C6D-1447-94E8-005D647C12FA}"/>
+                <a16:creationId xmlns:a16="http://schemas.microsoft.com/office/drawing/2014/main" xmlns="" id="{79AD0717-2C6D-1447-94E8-005D647C12FA}"/>
               </a:ext>
             </a:extLst>
           </p:cNvPr>
@@ -2104,7 +2104,7 @@
           <p:cNvPr id="3" name="コンテンツ プレースホルダー 2">
             <a:extLst>
               <a:ext uri="{FF2B5EF4-FFF2-40B4-BE49-F238E27FC236}">
-                <a16:creationId xmlns="" xmlns:a16="http://schemas.microsoft.com/office/drawing/2014/main" id="{F692E943-D9F7-F64A-9495-77932297DAB9}"/>
+                <a16:creationId xmlns:a16="http://schemas.microsoft.com/office/drawing/2014/main" xmlns="" id="{F692E943-D9F7-F64A-9495-77932297DAB9}"/>
               </a:ext>
             </a:extLst>
           </p:cNvPr>
@@ -2193,7 +2193,7 @@
           <p:cNvPr id="4" name="日付プレースホルダー 3">
             <a:extLst>
               <a:ext uri="{FF2B5EF4-FFF2-40B4-BE49-F238E27FC236}">
-                <a16:creationId xmlns="" xmlns:a16="http://schemas.microsoft.com/office/drawing/2014/main" id="{46AF73F5-1F52-3C42-920C-52BCD964D9DB}"/>
+                <a16:creationId xmlns:a16="http://schemas.microsoft.com/office/drawing/2014/main" xmlns="" id="{46AF73F5-1F52-3C42-920C-52BCD964D9DB}"/>
               </a:ext>
             </a:extLst>
           </p:cNvPr>
@@ -2222,7 +2222,7 @@
           <p:cNvPr id="5" name="フッター プレースホルダー 4">
             <a:extLst>
               <a:ext uri="{FF2B5EF4-FFF2-40B4-BE49-F238E27FC236}">
-                <a16:creationId xmlns="" xmlns:a16="http://schemas.microsoft.com/office/drawing/2014/main" id="{68D477E9-E726-3440-9A60-D29AD7FFB974}"/>
+                <a16:creationId xmlns:a16="http://schemas.microsoft.com/office/drawing/2014/main" xmlns="" id="{68D477E9-E726-3440-9A60-D29AD7FFB974}"/>
               </a:ext>
             </a:extLst>
           </p:cNvPr>
@@ -2247,7 +2247,7 @@
           <p:cNvPr id="6" name="スライド番号プレースホルダー 5">
             <a:extLst>
               <a:ext uri="{FF2B5EF4-FFF2-40B4-BE49-F238E27FC236}">
-                <a16:creationId xmlns="" xmlns:a16="http://schemas.microsoft.com/office/drawing/2014/main" id="{281A8823-BFC8-2149-9684-D4368C50FB0C}"/>
+                <a16:creationId xmlns:a16="http://schemas.microsoft.com/office/drawing/2014/main" xmlns="" id="{281A8823-BFC8-2149-9684-D4368C50FB0C}"/>
               </a:ext>
             </a:extLst>
           </p:cNvPr>
@@ -2306,7 +2306,7 @@
           <p:cNvPr id="2" name="タイトル 1">
             <a:extLst>
               <a:ext uri="{FF2B5EF4-FFF2-40B4-BE49-F238E27FC236}">
-                <a16:creationId xmlns="" xmlns:a16="http://schemas.microsoft.com/office/drawing/2014/main" id="{11D7A484-CED8-0042-AB5C-E49584593BA4}"/>
+                <a16:creationId xmlns:a16="http://schemas.microsoft.com/office/drawing/2014/main" xmlns="" id="{11D7A484-CED8-0042-AB5C-E49584593BA4}"/>
               </a:ext>
             </a:extLst>
           </p:cNvPr>
@@ -2343,7 +2343,7 @@
           <p:cNvPr id="3" name="テキスト プレースホルダー 2">
             <a:extLst>
               <a:ext uri="{FF2B5EF4-FFF2-40B4-BE49-F238E27FC236}">
-                <a16:creationId xmlns="" xmlns:a16="http://schemas.microsoft.com/office/drawing/2014/main" id="{603AFF4A-337D-6F44-B171-9DAE74385387}"/>
+                <a16:creationId xmlns:a16="http://schemas.microsoft.com/office/drawing/2014/main" xmlns="" id="{603AFF4A-337D-6F44-B171-9DAE74385387}"/>
               </a:ext>
             </a:extLst>
           </p:cNvPr>
@@ -2468,7 +2468,7 @@
           <p:cNvPr id="4" name="日付プレースホルダー 3">
             <a:extLst>
               <a:ext uri="{FF2B5EF4-FFF2-40B4-BE49-F238E27FC236}">
-                <a16:creationId xmlns="" xmlns:a16="http://schemas.microsoft.com/office/drawing/2014/main" id="{B2D66AD0-01C1-914F-BB4D-24E1D0802D2B}"/>
+                <a16:creationId xmlns:a16="http://schemas.microsoft.com/office/drawing/2014/main" xmlns="" id="{B2D66AD0-01C1-914F-BB4D-24E1D0802D2B}"/>
               </a:ext>
             </a:extLst>
           </p:cNvPr>
@@ -2497,7 +2497,7 @@
           <p:cNvPr id="5" name="フッター プレースホルダー 4">
             <a:extLst>
               <a:ext uri="{FF2B5EF4-FFF2-40B4-BE49-F238E27FC236}">
-                <a16:creationId xmlns="" xmlns:a16="http://schemas.microsoft.com/office/drawing/2014/main" id="{CD674AB9-A292-CC49-B4AC-1151A77C96C1}"/>
+                <a16:creationId xmlns:a16="http://schemas.microsoft.com/office/drawing/2014/main" xmlns="" id="{CD674AB9-A292-CC49-B4AC-1151A77C96C1}"/>
               </a:ext>
             </a:extLst>
           </p:cNvPr>
@@ -2522,7 +2522,7 @@
           <p:cNvPr id="6" name="スライド番号プレースホルダー 5">
             <a:extLst>
               <a:ext uri="{FF2B5EF4-FFF2-40B4-BE49-F238E27FC236}">
-                <a16:creationId xmlns="" xmlns:a16="http://schemas.microsoft.com/office/drawing/2014/main" id="{C2194DD3-01FF-E24A-990B-531E6B1C8814}"/>
+                <a16:creationId xmlns:a16="http://schemas.microsoft.com/office/drawing/2014/main" xmlns="" id="{C2194DD3-01FF-E24A-990B-531E6B1C8814}"/>
               </a:ext>
             </a:extLst>
           </p:cNvPr>
@@ -2581,7 +2581,7 @@
           <p:cNvPr id="2" name="タイトル 1">
             <a:extLst>
               <a:ext uri="{FF2B5EF4-FFF2-40B4-BE49-F238E27FC236}">
-                <a16:creationId xmlns="" xmlns:a16="http://schemas.microsoft.com/office/drawing/2014/main" id="{AF4C0AFC-A229-8B43-A476-E19F9A12B5E9}"/>
+                <a16:creationId xmlns:a16="http://schemas.microsoft.com/office/drawing/2014/main" xmlns="" id="{AF4C0AFC-A229-8B43-A476-E19F9A12B5E9}"/>
               </a:ext>
             </a:extLst>
           </p:cNvPr>
@@ -2609,7 +2609,7 @@
           <p:cNvPr id="3" name="コンテンツ プレースホルダー 2">
             <a:extLst>
               <a:ext uri="{FF2B5EF4-FFF2-40B4-BE49-F238E27FC236}">
-                <a16:creationId xmlns="" xmlns:a16="http://schemas.microsoft.com/office/drawing/2014/main" id="{A77E57E2-40B9-0840-8854-0BB52DFB6AD7}"/>
+                <a16:creationId xmlns:a16="http://schemas.microsoft.com/office/drawing/2014/main" xmlns="" id="{A77E57E2-40B9-0840-8854-0BB52DFB6AD7}"/>
               </a:ext>
             </a:extLst>
           </p:cNvPr>
@@ -2703,7 +2703,7 @@
           <p:cNvPr id="4" name="コンテンツ プレースホルダー 3">
             <a:extLst>
               <a:ext uri="{FF2B5EF4-FFF2-40B4-BE49-F238E27FC236}">
-                <a16:creationId xmlns="" xmlns:a16="http://schemas.microsoft.com/office/drawing/2014/main" id="{5376FFAC-8690-B24D-9377-7FEEB22104AF}"/>
+                <a16:creationId xmlns:a16="http://schemas.microsoft.com/office/drawing/2014/main" xmlns="" id="{5376FFAC-8690-B24D-9377-7FEEB22104AF}"/>
               </a:ext>
             </a:extLst>
           </p:cNvPr>
@@ -2797,7 +2797,7 @@
           <p:cNvPr id="5" name="日付プレースホルダー 4">
             <a:extLst>
               <a:ext uri="{FF2B5EF4-FFF2-40B4-BE49-F238E27FC236}">
-                <a16:creationId xmlns="" xmlns:a16="http://schemas.microsoft.com/office/drawing/2014/main" id="{86E22A30-78E1-3F43-9E9C-5C7CBC5E207D}"/>
+                <a16:creationId xmlns:a16="http://schemas.microsoft.com/office/drawing/2014/main" xmlns="" id="{86E22A30-78E1-3F43-9E9C-5C7CBC5E207D}"/>
               </a:ext>
             </a:extLst>
           </p:cNvPr>
@@ -2826,7 +2826,7 @@
           <p:cNvPr id="6" name="フッター プレースホルダー 5">
             <a:extLst>
               <a:ext uri="{FF2B5EF4-FFF2-40B4-BE49-F238E27FC236}">
-                <a16:creationId xmlns="" xmlns:a16="http://schemas.microsoft.com/office/drawing/2014/main" id="{F7E1C133-61A1-3B48-99FD-9B44EDC7FA8F}"/>
+                <a16:creationId xmlns:a16="http://schemas.microsoft.com/office/drawing/2014/main" xmlns="" id="{F7E1C133-61A1-3B48-99FD-9B44EDC7FA8F}"/>
               </a:ext>
             </a:extLst>
           </p:cNvPr>
@@ -2851,7 +2851,7 @@
           <p:cNvPr id="7" name="スライド番号プレースホルダー 6">
             <a:extLst>
               <a:ext uri="{FF2B5EF4-FFF2-40B4-BE49-F238E27FC236}">
-                <a16:creationId xmlns="" xmlns:a16="http://schemas.microsoft.com/office/drawing/2014/main" id="{6AD892A4-0282-8C4E-BBCA-18D30829CEB8}"/>
+                <a16:creationId xmlns:a16="http://schemas.microsoft.com/office/drawing/2014/main" xmlns="" id="{6AD892A4-0282-8C4E-BBCA-18D30829CEB8}"/>
               </a:ext>
             </a:extLst>
           </p:cNvPr>
@@ -2910,7 +2910,7 @@
           <p:cNvPr id="2" name="タイトル 1">
             <a:extLst>
               <a:ext uri="{FF2B5EF4-FFF2-40B4-BE49-F238E27FC236}">
-                <a16:creationId xmlns="" xmlns:a16="http://schemas.microsoft.com/office/drawing/2014/main" id="{967A1187-E1C0-3F49-9BBB-3CEE05287960}"/>
+                <a16:creationId xmlns:a16="http://schemas.microsoft.com/office/drawing/2014/main" xmlns="" id="{967A1187-E1C0-3F49-9BBB-3CEE05287960}"/>
               </a:ext>
             </a:extLst>
           </p:cNvPr>
@@ -2943,7 +2943,7 @@
           <p:cNvPr id="3" name="テキスト プレースホルダー 2">
             <a:extLst>
               <a:ext uri="{FF2B5EF4-FFF2-40B4-BE49-F238E27FC236}">
-                <a16:creationId xmlns="" xmlns:a16="http://schemas.microsoft.com/office/drawing/2014/main" id="{0B8BED0F-B809-214C-854B-1E53659BAC87}"/>
+                <a16:creationId xmlns:a16="http://schemas.microsoft.com/office/drawing/2014/main" xmlns="" id="{0B8BED0F-B809-214C-854B-1E53659BAC87}"/>
               </a:ext>
             </a:extLst>
           </p:cNvPr>
@@ -3014,7 +3014,7 @@
           <p:cNvPr id="4" name="コンテンツ プレースホルダー 3">
             <a:extLst>
               <a:ext uri="{FF2B5EF4-FFF2-40B4-BE49-F238E27FC236}">
-                <a16:creationId xmlns="" xmlns:a16="http://schemas.microsoft.com/office/drawing/2014/main" id="{B73D82D9-99EB-F849-A598-D4B5491774B8}"/>
+                <a16:creationId xmlns:a16="http://schemas.microsoft.com/office/drawing/2014/main" xmlns="" id="{B73D82D9-99EB-F849-A598-D4B5491774B8}"/>
               </a:ext>
             </a:extLst>
           </p:cNvPr>
@@ -3108,7 +3108,7 @@
           <p:cNvPr id="5" name="テキスト プレースホルダー 4">
             <a:extLst>
               <a:ext uri="{FF2B5EF4-FFF2-40B4-BE49-F238E27FC236}">
-                <a16:creationId xmlns="" xmlns:a16="http://schemas.microsoft.com/office/drawing/2014/main" id="{75B659EC-3244-C545-B91A-A4A6995D5B1D}"/>
+                <a16:creationId xmlns:a16="http://schemas.microsoft.com/office/drawing/2014/main" xmlns="" id="{75B659EC-3244-C545-B91A-A4A6995D5B1D}"/>
               </a:ext>
             </a:extLst>
           </p:cNvPr>
@@ -3179,7 +3179,7 @@
           <p:cNvPr id="6" name="コンテンツ プレースホルダー 5">
             <a:extLst>
               <a:ext uri="{FF2B5EF4-FFF2-40B4-BE49-F238E27FC236}">
-                <a16:creationId xmlns="" xmlns:a16="http://schemas.microsoft.com/office/drawing/2014/main" id="{33D91E99-E03D-6E41-9187-88ABD7EB0D64}"/>
+                <a16:creationId xmlns:a16="http://schemas.microsoft.com/office/drawing/2014/main" xmlns="" id="{33D91E99-E03D-6E41-9187-88ABD7EB0D64}"/>
               </a:ext>
             </a:extLst>
           </p:cNvPr>
@@ -3273,7 +3273,7 @@
           <p:cNvPr id="7" name="日付プレースホルダー 6">
             <a:extLst>
               <a:ext uri="{FF2B5EF4-FFF2-40B4-BE49-F238E27FC236}">
-                <a16:creationId xmlns="" xmlns:a16="http://schemas.microsoft.com/office/drawing/2014/main" id="{968BA2AE-B4E8-BC4F-AAE2-2FE7F43CAF94}"/>
+                <a16:creationId xmlns:a16="http://schemas.microsoft.com/office/drawing/2014/main" xmlns="" id="{968BA2AE-B4E8-BC4F-AAE2-2FE7F43CAF94}"/>
               </a:ext>
             </a:extLst>
           </p:cNvPr>
@@ -3302,7 +3302,7 @@
           <p:cNvPr id="8" name="フッター プレースホルダー 7">
             <a:extLst>
               <a:ext uri="{FF2B5EF4-FFF2-40B4-BE49-F238E27FC236}">
-                <a16:creationId xmlns="" xmlns:a16="http://schemas.microsoft.com/office/drawing/2014/main" id="{75356495-EC54-F546-A091-DC1A785066CC}"/>
+                <a16:creationId xmlns:a16="http://schemas.microsoft.com/office/drawing/2014/main" xmlns="" id="{75356495-EC54-F546-A091-DC1A785066CC}"/>
               </a:ext>
             </a:extLst>
           </p:cNvPr>
@@ -3327,7 +3327,7 @@
           <p:cNvPr id="9" name="スライド番号プレースホルダー 8">
             <a:extLst>
               <a:ext uri="{FF2B5EF4-FFF2-40B4-BE49-F238E27FC236}">
-                <a16:creationId xmlns="" xmlns:a16="http://schemas.microsoft.com/office/drawing/2014/main" id="{A594F2B8-9C5A-B748-B626-F119CDBA795E}"/>
+                <a16:creationId xmlns:a16="http://schemas.microsoft.com/office/drawing/2014/main" xmlns="" id="{A594F2B8-9C5A-B748-B626-F119CDBA795E}"/>
               </a:ext>
             </a:extLst>
           </p:cNvPr>
@@ -3386,7 +3386,7 @@
           <p:cNvPr id="2" name="タイトル 1">
             <a:extLst>
               <a:ext uri="{FF2B5EF4-FFF2-40B4-BE49-F238E27FC236}">
-                <a16:creationId xmlns="" xmlns:a16="http://schemas.microsoft.com/office/drawing/2014/main" id="{4D2EAD1E-60F9-7641-8969-0A56C0A350EB}"/>
+                <a16:creationId xmlns:a16="http://schemas.microsoft.com/office/drawing/2014/main" xmlns="" id="{4D2EAD1E-60F9-7641-8969-0A56C0A350EB}"/>
               </a:ext>
             </a:extLst>
           </p:cNvPr>
@@ -3414,7 +3414,7 @@
           <p:cNvPr id="3" name="日付プレースホルダー 2">
             <a:extLst>
               <a:ext uri="{FF2B5EF4-FFF2-40B4-BE49-F238E27FC236}">
-                <a16:creationId xmlns="" xmlns:a16="http://schemas.microsoft.com/office/drawing/2014/main" id="{6F635876-01C2-A249-87FC-FA72E59558F1}"/>
+                <a16:creationId xmlns:a16="http://schemas.microsoft.com/office/drawing/2014/main" xmlns="" id="{6F635876-01C2-A249-87FC-FA72E59558F1}"/>
               </a:ext>
             </a:extLst>
           </p:cNvPr>
@@ -3443,7 +3443,7 @@
           <p:cNvPr id="4" name="フッター プレースホルダー 3">
             <a:extLst>
               <a:ext uri="{FF2B5EF4-FFF2-40B4-BE49-F238E27FC236}">
-                <a16:creationId xmlns="" xmlns:a16="http://schemas.microsoft.com/office/drawing/2014/main" id="{DA54D7D2-5C3F-4E49-A451-8903880D6AD8}"/>
+                <a16:creationId xmlns:a16="http://schemas.microsoft.com/office/drawing/2014/main" xmlns="" id="{DA54D7D2-5C3F-4E49-A451-8903880D6AD8}"/>
               </a:ext>
             </a:extLst>
           </p:cNvPr>
@@ -3468,7 +3468,7 @@
           <p:cNvPr id="5" name="スライド番号プレースホルダー 4">
             <a:extLst>
               <a:ext uri="{FF2B5EF4-FFF2-40B4-BE49-F238E27FC236}">
-                <a16:creationId xmlns="" xmlns:a16="http://schemas.microsoft.com/office/drawing/2014/main" id="{D7F36122-4EA4-C74A-B8E2-64720EB3ECD9}"/>
+                <a16:creationId xmlns:a16="http://schemas.microsoft.com/office/drawing/2014/main" xmlns="" id="{D7F36122-4EA4-C74A-B8E2-64720EB3ECD9}"/>
               </a:ext>
             </a:extLst>
           </p:cNvPr>
@@ -3527,7 +3527,7 @@
           <p:cNvPr id="2" name="日付プレースホルダー 1">
             <a:extLst>
               <a:ext uri="{FF2B5EF4-FFF2-40B4-BE49-F238E27FC236}">
-                <a16:creationId xmlns="" xmlns:a16="http://schemas.microsoft.com/office/drawing/2014/main" id="{8A8504EB-34C4-6F46-8241-1474E6181EAD}"/>
+                <a16:creationId xmlns:a16="http://schemas.microsoft.com/office/drawing/2014/main" xmlns="" id="{8A8504EB-34C4-6F46-8241-1474E6181EAD}"/>
               </a:ext>
             </a:extLst>
           </p:cNvPr>
@@ -3556,7 +3556,7 @@
           <p:cNvPr id="3" name="フッター プレースホルダー 2">
             <a:extLst>
               <a:ext uri="{FF2B5EF4-FFF2-40B4-BE49-F238E27FC236}">
-                <a16:creationId xmlns="" xmlns:a16="http://schemas.microsoft.com/office/drawing/2014/main" id="{8E4B51ED-6797-F542-AE04-9FB3D420CB9F}"/>
+                <a16:creationId xmlns:a16="http://schemas.microsoft.com/office/drawing/2014/main" xmlns="" id="{8E4B51ED-6797-F542-AE04-9FB3D420CB9F}"/>
               </a:ext>
             </a:extLst>
           </p:cNvPr>
@@ -3581,7 +3581,7 @@
           <p:cNvPr id="4" name="スライド番号プレースホルダー 3">
             <a:extLst>
               <a:ext uri="{FF2B5EF4-FFF2-40B4-BE49-F238E27FC236}">
-                <a16:creationId xmlns="" xmlns:a16="http://schemas.microsoft.com/office/drawing/2014/main" id="{0C423C5D-3A0A-4248-8EDC-76AAB818ADC7}"/>
+                <a16:creationId xmlns:a16="http://schemas.microsoft.com/office/drawing/2014/main" xmlns="" id="{0C423C5D-3A0A-4248-8EDC-76AAB818ADC7}"/>
               </a:ext>
             </a:extLst>
           </p:cNvPr>
@@ -3640,7 +3640,7 @@
           <p:cNvPr id="2" name="タイトル 1">
             <a:extLst>
               <a:ext uri="{FF2B5EF4-FFF2-40B4-BE49-F238E27FC236}">
-                <a16:creationId xmlns="" xmlns:a16="http://schemas.microsoft.com/office/drawing/2014/main" id="{5C0FE34A-22F2-3444-BB9C-4A78E0748F00}"/>
+                <a16:creationId xmlns:a16="http://schemas.microsoft.com/office/drawing/2014/main" xmlns="" id="{5C0FE34A-22F2-3444-BB9C-4A78E0748F00}"/>
               </a:ext>
             </a:extLst>
           </p:cNvPr>
@@ -3677,7 +3677,7 @@
           <p:cNvPr id="3" name="コンテンツ プレースホルダー 2">
             <a:extLst>
               <a:ext uri="{FF2B5EF4-FFF2-40B4-BE49-F238E27FC236}">
-                <a16:creationId xmlns="" xmlns:a16="http://schemas.microsoft.com/office/drawing/2014/main" id="{09BAAB2D-647B-BD4D-A2B8-C19C8B5806B4}"/>
+                <a16:creationId xmlns:a16="http://schemas.microsoft.com/office/drawing/2014/main" xmlns="" id="{09BAAB2D-647B-BD4D-A2B8-C19C8B5806B4}"/>
               </a:ext>
             </a:extLst>
           </p:cNvPr>
@@ -3799,7 +3799,7 @@
           <p:cNvPr id="4" name="テキスト プレースホルダー 3">
             <a:extLst>
               <a:ext uri="{FF2B5EF4-FFF2-40B4-BE49-F238E27FC236}">
-                <a16:creationId xmlns="" xmlns:a16="http://schemas.microsoft.com/office/drawing/2014/main" id="{B990BF36-195F-024D-A68C-39FD62D44CED}"/>
+                <a16:creationId xmlns:a16="http://schemas.microsoft.com/office/drawing/2014/main" xmlns="" id="{B990BF36-195F-024D-A68C-39FD62D44CED}"/>
               </a:ext>
             </a:extLst>
           </p:cNvPr>
@@ -3870,7 +3870,7 @@
           <p:cNvPr id="5" name="日付プレースホルダー 4">
             <a:extLst>
               <a:ext uri="{FF2B5EF4-FFF2-40B4-BE49-F238E27FC236}">
-                <a16:creationId xmlns="" xmlns:a16="http://schemas.microsoft.com/office/drawing/2014/main" id="{DC1FFC4A-CE0C-1F41-B7FF-34D1BB864561}"/>
+                <a16:creationId xmlns:a16="http://schemas.microsoft.com/office/drawing/2014/main" xmlns="" id="{DC1FFC4A-CE0C-1F41-B7FF-34D1BB864561}"/>
               </a:ext>
             </a:extLst>
           </p:cNvPr>
@@ -3899,7 +3899,7 @@
           <p:cNvPr id="6" name="フッター プレースホルダー 5">
             <a:extLst>
               <a:ext uri="{FF2B5EF4-FFF2-40B4-BE49-F238E27FC236}">
-                <a16:creationId xmlns="" xmlns:a16="http://schemas.microsoft.com/office/drawing/2014/main" id="{E17C14E4-63A5-054C-BC87-FAC762FBD5BD}"/>
+                <a16:creationId xmlns:a16="http://schemas.microsoft.com/office/drawing/2014/main" xmlns="" id="{E17C14E4-63A5-054C-BC87-FAC762FBD5BD}"/>
               </a:ext>
             </a:extLst>
           </p:cNvPr>
@@ -3924,7 +3924,7 @@
           <p:cNvPr id="7" name="スライド番号プレースホルダー 6">
             <a:extLst>
               <a:ext uri="{FF2B5EF4-FFF2-40B4-BE49-F238E27FC236}">
-                <a16:creationId xmlns="" xmlns:a16="http://schemas.microsoft.com/office/drawing/2014/main" id="{4CC39CDD-988A-9544-916A-E6BC31EF330A}"/>
+                <a16:creationId xmlns:a16="http://schemas.microsoft.com/office/drawing/2014/main" xmlns="" id="{4CC39CDD-988A-9544-916A-E6BC31EF330A}"/>
               </a:ext>
             </a:extLst>
           </p:cNvPr>
@@ -3983,7 +3983,7 @@
           <p:cNvPr id="2" name="タイトル 1">
             <a:extLst>
               <a:ext uri="{FF2B5EF4-FFF2-40B4-BE49-F238E27FC236}">
-                <a16:creationId xmlns="" xmlns:a16="http://schemas.microsoft.com/office/drawing/2014/main" id="{8DF74D26-4214-3A41-93DC-CB4F45E821D7}"/>
+                <a16:creationId xmlns:a16="http://schemas.microsoft.com/office/drawing/2014/main" xmlns="" id="{8DF74D26-4214-3A41-93DC-CB4F45E821D7}"/>
               </a:ext>
             </a:extLst>
           </p:cNvPr>
@@ -4020,7 +4020,7 @@
           <p:cNvPr id="3" name="図プレースホルダー 2">
             <a:extLst>
               <a:ext uri="{FF2B5EF4-FFF2-40B4-BE49-F238E27FC236}">
-                <a16:creationId xmlns="" xmlns:a16="http://schemas.microsoft.com/office/drawing/2014/main" id="{D940054E-68E5-484F-A4CF-426949E92B65}"/>
+                <a16:creationId xmlns:a16="http://schemas.microsoft.com/office/drawing/2014/main" xmlns="" id="{D940054E-68E5-484F-A4CF-426949E92B65}"/>
               </a:ext>
             </a:extLst>
           </p:cNvPr>
@@ -4087,7 +4087,7 @@
           <p:cNvPr id="4" name="テキスト プレースホルダー 3">
             <a:extLst>
               <a:ext uri="{FF2B5EF4-FFF2-40B4-BE49-F238E27FC236}">
-                <a16:creationId xmlns="" xmlns:a16="http://schemas.microsoft.com/office/drawing/2014/main" id="{352261EF-C0AC-DD47-80A3-9E3C6D693575}"/>
+                <a16:creationId xmlns:a16="http://schemas.microsoft.com/office/drawing/2014/main" xmlns="" id="{352261EF-C0AC-DD47-80A3-9E3C6D693575}"/>
               </a:ext>
             </a:extLst>
           </p:cNvPr>
@@ -4158,7 +4158,7 @@
           <p:cNvPr id="5" name="日付プレースホルダー 4">
             <a:extLst>
               <a:ext uri="{FF2B5EF4-FFF2-40B4-BE49-F238E27FC236}">
-                <a16:creationId xmlns="" xmlns:a16="http://schemas.microsoft.com/office/drawing/2014/main" id="{78345BD8-A5BE-2B4C-B50F-854BE8DA244E}"/>
+                <a16:creationId xmlns:a16="http://schemas.microsoft.com/office/drawing/2014/main" xmlns="" id="{78345BD8-A5BE-2B4C-B50F-854BE8DA244E}"/>
               </a:ext>
             </a:extLst>
           </p:cNvPr>
@@ -4187,7 +4187,7 @@
           <p:cNvPr id="6" name="フッター プレースホルダー 5">
             <a:extLst>
               <a:ext uri="{FF2B5EF4-FFF2-40B4-BE49-F238E27FC236}">
-                <a16:creationId xmlns="" xmlns:a16="http://schemas.microsoft.com/office/drawing/2014/main" id="{49B99FCF-ADF1-9D4F-88BE-3EABB8C04E28}"/>
+                <a16:creationId xmlns:a16="http://schemas.microsoft.com/office/drawing/2014/main" xmlns="" id="{49B99FCF-ADF1-9D4F-88BE-3EABB8C04E28}"/>
               </a:ext>
             </a:extLst>
           </p:cNvPr>
@@ -4212,7 +4212,7 @@
           <p:cNvPr id="7" name="スライド番号プレースホルダー 6">
             <a:extLst>
               <a:ext uri="{FF2B5EF4-FFF2-40B4-BE49-F238E27FC236}">
-                <a16:creationId xmlns="" xmlns:a16="http://schemas.microsoft.com/office/drawing/2014/main" id="{27455309-6FE4-1340-87BA-D1AD36515559}"/>
+                <a16:creationId xmlns:a16="http://schemas.microsoft.com/office/drawing/2014/main" xmlns="" id="{27455309-6FE4-1340-87BA-D1AD36515559}"/>
               </a:ext>
             </a:extLst>
           </p:cNvPr>
@@ -4276,7 +4276,7 @@
           <p:cNvPr id="2" name="タイトル プレースホルダー 1">
             <a:extLst>
               <a:ext uri="{FF2B5EF4-FFF2-40B4-BE49-F238E27FC236}">
-                <a16:creationId xmlns="" xmlns:a16="http://schemas.microsoft.com/office/drawing/2014/main" id="{2D34D946-D89E-6442-9075-ADE04490EE87}"/>
+                <a16:creationId xmlns:a16="http://schemas.microsoft.com/office/drawing/2014/main" xmlns="" id="{2D34D946-D89E-6442-9075-ADE04490EE87}"/>
               </a:ext>
             </a:extLst>
           </p:cNvPr>
@@ -4314,7 +4314,7 @@
           <p:cNvPr id="3" name="テキスト プレースホルダー 2">
             <a:extLst>
               <a:ext uri="{FF2B5EF4-FFF2-40B4-BE49-F238E27FC236}">
-                <a16:creationId xmlns="" xmlns:a16="http://schemas.microsoft.com/office/drawing/2014/main" id="{ECB16F28-657A-7547-9851-1F9FC0B19702}"/>
+                <a16:creationId xmlns:a16="http://schemas.microsoft.com/office/drawing/2014/main" xmlns="" id="{ECB16F28-657A-7547-9851-1F9FC0B19702}"/>
               </a:ext>
             </a:extLst>
           </p:cNvPr>
@@ -4413,7 +4413,7 @@
           <p:cNvPr id="4" name="日付プレースホルダー 3">
             <a:extLst>
               <a:ext uri="{FF2B5EF4-FFF2-40B4-BE49-F238E27FC236}">
-                <a16:creationId xmlns="" xmlns:a16="http://schemas.microsoft.com/office/drawing/2014/main" id="{AA47E054-8B17-264A-AFC9-BCC05E220C26}"/>
+                <a16:creationId xmlns:a16="http://schemas.microsoft.com/office/drawing/2014/main" xmlns="" id="{AA47E054-8B17-264A-AFC9-BCC05E220C26}"/>
               </a:ext>
             </a:extLst>
           </p:cNvPr>
@@ -4460,7 +4460,7 @@
           <p:cNvPr id="5" name="フッター プレースホルダー 4">
             <a:extLst>
               <a:ext uri="{FF2B5EF4-FFF2-40B4-BE49-F238E27FC236}">
-                <a16:creationId xmlns="" xmlns:a16="http://schemas.microsoft.com/office/drawing/2014/main" id="{C8FD813E-BA24-5E40-883A-DFDE11A12983}"/>
+                <a16:creationId xmlns:a16="http://schemas.microsoft.com/office/drawing/2014/main" xmlns="" id="{C8FD813E-BA24-5E40-883A-DFDE11A12983}"/>
               </a:ext>
             </a:extLst>
           </p:cNvPr>
@@ -4503,7 +4503,7 @@
           <p:cNvPr id="6" name="スライド番号プレースホルダー 5">
             <a:extLst>
               <a:ext uri="{FF2B5EF4-FFF2-40B4-BE49-F238E27FC236}">
-                <a16:creationId xmlns="" xmlns:a16="http://schemas.microsoft.com/office/drawing/2014/main" id="{5FB17BC1-8AA0-7843-B555-D51F4B1C5A23}"/>
+                <a16:creationId xmlns:a16="http://schemas.microsoft.com/office/drawing/2014/main" xmlns="" id="{5FB17BC1-8AA0-7843-B555-D51F4B1C5A23}"/>
               </a:ext>
             </a:extLst>
           </p:cNvPr>
@@ -4871,7 +4871,7 @@
           <p:cNvPr id="2" name="タイトル 1">
             <a:extLst>
               <a:ext uri="{FF2B5EF4-FFF2-40B4-BE49-F238E27FC236}">
-                <a16:creationId xmlns="" xmlns:a16="http://schemas.microsoft.com/office/drawing/2014/main" id="{4E9248D7-C77C-964F-B39C-A0CF57B18B5C}"/>
+                <a16:creationId xmlns:a16="http://schemas.microsoft.com/office/drawing/2014/main" xmlns="" id="{4E9248D7-C77C-964F-B39C-A0CF57B18B5C}"/>
               </a:ext>
             </a:extLst>
           </p:cNvPr>
@@ -4899,7 +4899,7 @@
           <p:cNvPr id="3" name="字幕 2">
             <a:extLst>
               <a:ext uri="{FF2B5EF4-FFF2-40B4-BE49-F238E27FC236}">
-                <a16:creationId xmlns="" xmlns:a16="http://schemas.microsoft.com/office/drawing/2014/main" id="{733749B4-8B89-A141-B0F8-D74350083502}"/>
+                <a16:creationId xmlns:a16="http://schemas.microsoft.com/office/drawing/2014/main" xmlns="" id="{733749B4-8B89-A141-B0F8-D74350083502}"/>
               </a:ext>
             </a:extLst>
           </p:cNvPr>
@@ -5070,7 +5070,7 @@
           <p:cNvPr id="2" name="タイトル 1">
             <a:extLst>
               <a:ext uri="{FF2B5EF4-FFF2-40B4-BE49-F238E27FC236}">
-                <a16:creationId xmlns="" xmlns:a16="http://schemas.microsoft.com/office/drawing/2014/main" id="{B418ABC2-92A5-AF40-B28E-354A6DD8641E}"/>
+                <a16:creationId xmlns:a16="http://schemas.microsoft.com/office/drawing/2014/main" xmlns="" id="{B418ABC2-92A5-AF40-B28E-354A6DD8641E}"/>
               </a:ext>
             </a:extLst>
           </p:cNvPr>
@@ -5099,7 +5099,7 @@
           <p:cNvPr id="3" name="コンテンツ プレースホルダー 2">
             <a:extLst>
               <a:ext uri="{FF2B5EF4-FFF2-40B4-BE49-F238E27FC236}">
-                <a16:creationId xmlns="" xmlns:a16="http://schemas.microsoft.com/office/drawing/2014/main" id="{8EF18BA8-8B88-0C4F-9821-97B4BFB1EE10}"/>
+                <a16:creationId xmlns:a16="http://schemas.microsoft.com/office/drawing/2014/main" xmlns="" id="{8EF18BA8-8B88-0C4F-9821-97B4BFB1EE10}"/>
               </a:ext>
             </a:extLst>
           </p:cNvPr>
@@ -5154,7 +5154,7 @@
           <p:cNvPr id="2" name="タイトル 1">
             <a:extLst>
               <a:ext uri="{FF2B5EF4-FFF2-40B4-BE49-F238E27FC236}">
-                <a16:creationId xmlns="" xmlns:a16="http://schemas.microsoft.com/office/drawing/2014/main" id="{6F584A2C-E669-CE44-A264-10CEF60BD21A}"/>
+                <a16:creationId xmlns:a16="http://schemas.microsoft.com/office/drawing/2014/main" xmlns="" id="{6F584A2C-E669-CE44-A264-10CEF60BD21A}"/>
               </a:ext>
             </a:extLst>
           </p:cNvPr>
@@ -5183,7 +5183,7 @@
           <p:cNvPr id="3" name="コンテンツ プレースホルダー 2">
             <a:extLst>
               <a:ext uri="{FF2B5EF4-FFF2-40B4-BE49-F238E27FC236}">
-                <a16:creationId xmlns="" xmlns:a16="http://schemas.microsoft.com/office/drawing/2014/main" id="{66C3A0BD-2AA3-F149-90C2-DFBDD1F2DDFF}"/>
+                <a16:creationId xmlns:a16="http://schemas.microsoft.com/office/drawing/2014/main" xmlns="" id="{66C3A0BD-2AA3-F149-90C2-DFBDD1F2DDFF}"/>
               </a:ext>
             </a:extLst>
           </p:cNvPr>
@@ -5334,7 +5334,7 @@
           <p:cNvPr id="2" name="タイトル 1">
             <a:extLst>
               <a:ext uri="{FF2B5EF4-FFF2-40B4-BE49-F238E27FC236}">
-                <a16:creationId xmlns="" xmlns:a16="http://schemas.microsoft.com/office/drawing/2014/main" id="{896E4980-C4A7-5A4F-A462-99F235D2E767}"/>
+                <a16:creationId xmlns:a16="http://schemas.microsoft.com/office/drawing/2014/main" xmlns="" id="{896E4980-C4A7-5A4F-A462-99F235D2E767}"/>
               </a:ext>
             </a:extLst>
           </p:cNvPr>
@@ -5362,7 +5362,7 @@
           <p:cNvPr id="3" name="コンテンツ プレースホルダー 2">
             <a:extLst>
               <a:ext uri="{FF2B5EF4-FFF2-40B4-BE49-F238E27FC236}">
-                <a16:creationId xmlns="" xmlns:a16="http://schemas.microsoft.com/office/drawing/2014/main" id="{D83D92FA-7F8A-C342-A02E-997F9C036FFA}"/>
+                <a16:creationId xmlns:a16="http://schemas.microsoft.com/office/drawing/2014/main" xmlns="" id="{D83D92FA-7F8A-C342-A02E-997F9C036FFA}"/>
               </a:ext>
             </a:extLst>
           </p:cNvPr>
@@ -5451,7 +5451,7 @@
           <p:cNvPr id="2" name="タイトル 1">
             <a:extLst>
               <a:ext uri="{FF2B5EF4-FFF2-40B4-BE49-F238E27FC236}">
-                <a16:creationId xmlns="" xmlns:a16="http://schemas.microsoft.com/office/drawing/2014/main" id="{CBA8BA4B-598F-334C-AE25-93577CEDDC57}"/>
+                <a16:creationId xmlns:a16="http://schemas.microsoft.com/office/drawing/2014/main" xmlns="" id="{CBA8BA4B-598F-334C-AE25-93577CEDDC57}"/>
               </a:ext>
             </a:extLst>
           </p:cNvPr>
@@ -5480,7 +5480,7 @@
           <p:cNvPr id="3" name="コンテンツ プレースホルダー 2">
             <a:extLst>
               <a:ext uri="{FF2B5EF4-FFF2-40B4-BE49-F238E27FC236}">
-                <a16:creationId xmlns="" xmlns:a16="http://schemas.microsoft.com/office/drawing/2014/main" id="{2402BAF8-03EA-584A-B27B-7CF2D553193C}"/>
+                <a16:creationId xmlns:a16="http://schemas.microsoft.com/office/drawing/2014/main" xmlns="" id="{2402BAF8-03EA-584A-B27B-7CF2D553193C}"/>
               </a:ext>
             </a:extLst>
           </p:cNvPr>
@@ -5557,7 +5557,7 @@
           <p:cNvPr id="2" name="タイトル 1">
             <a:extLst>
               <a:ext uri="{FF2B5EF4-FFF2-40B4-BE49-F238E27FC236}">
-                <a16:creationId xmlns="" xmlns:a16="http://schemas.microsoft.com/office/drawing/2014/main" id="{9D35B7F5-C616-2546-AAE3-A4C37ADA891C}"/>
+                <a16:creationId xmlns:a16="http://schemas.microsoft.com/office/drawing/2014/main" xmlns="" id="{9D35B7F5-C616-2546-AAE3-A4C37ADA891C}"/>
               </a:ext>
             </a:extLst>
           </p:cNvPr>
@@ -5585,7 +5585,7 @@
           <p:cNvPr id="3" name="コンテンツ プレースホルダー 2">
             <a:extLst>
               <a:ext uri="{FF2B5EF4-FFF2-40B4-BE49-F238E27FC236}">
-                <a16:creationId xmlns="" xmlns:a16="http://schemas.microsoft.com/office/drawing/2014/main" id="{F5CDCC94-1BC0-9F45-BD6E-AEA44C88CDA1}"/>
+                <a16:creationId xmlns:a16="http://schemas.microsoft.com/office/drawing/2014/main" xmlns="" id="{F5CDCC94-1BC0-9F45-BD6E-AEA44C88CDA1}"/>
               </a:ext>
             </a:extLst>
           </p:cNvPr>
@@ -5729,7 +5729,7 @@
           <p:cNvPr id="2" name="タイトル 1">
             <a:extLst>
               <a:ext uri="{FF2B5EF4-FFF2-40B4-BE49-F238E27FC236}">
-                <a16:creationId xmlns="" xmlns:a16="http://schemas.microsoft.com/office/drawing/2014/main" id="{64A11CCF-73BE-084D-A8D7-B183386D4431}"/>
+                <a16:creationId xmlns:a16="http://schemas.microsoft.com/office/drawing/2014/main" xmlns="" id="{64A11CCF-73BE-084D-A8D7-B183386D4431}"/>
               </a:ext>
             </a:extLst>
           </p:cNvPr>
@@ -5762,7 +5762,7 @@
           <p:cNvPr id="3" name="コンテンツ プレースホルダー 2">
             <a:extLst>
               <a:ext uri="{FF2B5EF4-FFF2-40B4-BE49-F238E27FC236}">
-                <a16:creationId xmlns="" xmlns:a16="http://schemas.microsoft.com/office/drawing/2014/main" id="{DEFF8EDF-62D5-3044-8E76-F620FB00CBA7}"/>
+                <a16:creationId xmlns:a16="http://schemas.microsoft.com/office/drawing/2014/main" xmlns="" id="{DEFF8EDF-62D5-3044-8E76-F620FB00CBA7}"/>
               </a:ext>
             </a:extLst>
           </p:cNvPr>
@@ -5778,7 +5778,43 @@
           <a:bodyPr/>
           <a:lstStyle/>
           <a:p>
-            <a:endParaRPr kumimoji="1" lang="ja-JP" altLang="en-US" dirty="0"/>
+            <a:r>
+              <a:rPr kumimoji="1" lang="en-US" altLang="ja-JP" dirty="0" smtClean="0"/>
+              <a:t>2</a:t>
+            </a:r>
+            <a:r>
+              <a:rPr kumimoji="1" lang="ja-JP" altLang="en-US" dirty="0" err="1" smtClean="0"/>
+              <a:t>つの</a:t>
+            </a:r>
+            <a:r>
+              <a:rPr kumimoji="1" lang="ja-JP" altLang="en-US" dirty="0" smtClean="0"/>
+              <a:t>要素を</a:t>
+            </a:r>
+            <a:r>
+              <a:rPr kumimoji="1" lang="en-US" altLang="ja-JP" dirty="0" smtClean="0"/>
+              <a:t>2</a:t>
+            </a:r>
+            <a:r>
+              <a:rPr kumimoji="1" lang="ja-JP" altLang="en-US" dirty="0" smtClean="0"/>
+              <a:t>種類のグラフで表示</a:t>
+            </a:r>
+            <a:endParaRPr kumimoji="1" lang="en-US" altLang="ja-JP" dirty="0" smtClean="0"/>
+          </a:p>
+          <a:p>
+            <a:endParaRPr lang="en-US" altLang="ja-JP" dirty="0"/>
+          </a:p>
+          <a:p>
+            <a:r>
+              <a:rPr kumimoji="1" lang="ja-JP" altLang="en-US" dirty="0" smtClean="0"/>
+              <a:t>時系列に沿った変化が見やすい</a:t>
+            </a:r>
+            <a:endParaRPr kumimoji="1" lang="en-US" altLang="ja-JP" dirty="0" smtClean="0"/>
+          </a:p>
+          <a:p>
+            <a:endParaRPr lang="en-US" altLang="ja-JP" dirty="0" smtClean="0"/>
+          </a:p>
+          <a:p>
+            <a:endParaRPr lang="en-US" altLang="ja-JP" dirty="0"/>
           </a:p>
         </p:txBody>
       </p:sp>
@@ -5856,7 +5892,7 @@
       </p:sp>
       <p:pic>
         <p:nvPicPr>
-          <p:cNvPr id="4" name="コンテンツ プレースホルダー 3"/>
+          <p:cNvPr id="5" name="コンテンツ プレースホルダー 4"/>
           <p:cNvPicPr>
             <a:picLocks noGrp="1" noChangeAspect="1"/>
           </p:cNvPicPr>
@@ -5878,9 +5914,39 @@
         </p:blipFill>
         <p:spPr>
           <a:xfrm>
-            <a:off x="0" y="1676053"/>
-            <a:ext cx="6909262" cy="5181947"/>
+            <a:off x="1" y="1459865"/>
+            <a:ext cx="6521412" cy="4891059"/>
           </a:xfrm>
+        </p:spPr>
+      </p:pic>
+      <p:pic>
+        <p:nvPicPr>
+          <p:cNvPr id="6" name="図 5"/>
+          <p:cNvPicPr>
+            <a:picLocks noChangeAspect="1"/>
+          </p:cNvPicPr>
+          <p:nvPr/>
+        </p:nvPicPr>
+        <p:blipFill>
+          <a:blip r:embed="rId3">
+            <a:extLst>
+              <a:ext uri="{28A0092B-C50C-407E-A947-70E740481C1C}">
+                <a14:useLocalDpi xmlns:a14="http://schemas.microsoft.com/office/drawing/2010/main" val="0"/>
+              </a:ext>
+            </a:extLst>
+          </a:blip>
+          <a:stretch>
+            <a:fillRect/>
+          </a:stretch>
+        </p:blipFill>
+        <p:spPr>
+          <a:xfrm>
+            <a:off x="5889607" y="1459865"/>
+            <a:ext cx="6095999" cy="4891059"/>
+          </a:xfrm>
+          <a:prstGeom prst="rect">
+            <a:avLst/>
+          </a:prstGeom>
         </p:spPr>
       </p:pic>
     </p:spTree>
@@ -6112,7 +6178,7 @@
           <p:cNvPr id="5" name="コンテンツ プレースホルダー 4">
             <a:extLst>
               <a:ext uri="{FF2B5EF4-FFF2-40B4-BE49-F238E27FC236}">
-                <a16:creationId xmlns="" xmlns:a16="http://schemas.microsoft.com/office/drawing/2014/main" id="{1E5D8649-DA8C-214B-B91C-F807A6D4F3BF}"/>
+                <a16:creationId xmlns:a16="http://schemas.microsoft.com/office/drawing/2014/main" xmlns="" id="{1E5D8649-DA8C-214B-B91C-F807A6D4F3BF}"/>
               </a:ext>
             </a:extLst>
           </p:cNvPr>
@@ -6141,7 +6207,7 @@
           <p:cNvPr id="7" name="図 6">
             <a:extLst>
               <a:ext uri="{FF2B5EF4-FFF2-40B4-BE49-F238E27FC236}">
-                <a16:creationId xmlns="" xmlns:a16="http://schemas.microsoft.com/office/drawing/2014/main" id="{D606FACA-C735-7445-A696-121B917347DF}"/>
+                <a16:creationId xmlns:a16="http://schemas.microsoft.com/office/drawing/2014/main" xmlns="" id="{D606FACA-C735-7445-A696-121B917347DF}"/>
               </a:ext>
             </a:extLst>
           </p:cNvPr>
@@ -6171,7 +6237,7 @@
           <p:cNvPr id="13" name="図 12">
             <a:extLst>
               <a:ext uri="{FF2B5EF4-FFF2-40B4-BE49-F238E27FC236}">
-                <a16:creationId xmlns="" xmlns:a16="http://schemas.microsoft.com/office/drawing/2014/main" id="{1CA906F6-D528-7E4B-9F59-254A16A30401}"/>
+                <a16:creationId xmlns:a16="http://schemas.microsoft.com/office/drawing/2014/main" xmlns="" id="{1CA906F6-D528-7E4B-9F59-254A16A30401}"/>
               </a:ext>
             </a:extLst>
           </p:cNvPr>
@@ -6201,7 +6267,7 @@
           <p:cNvPr id="15" name="テキスト ボックス 14">
             <a:extLst>
               <a:ext uri="{FF2B5EF4-FFF2-40B4-BE49-F238E27FC236}">
-                <a16:creationId xmlns="" xmlns:a16="http://schemas.microsoft.com/office/drawing/2014/main" id="{067AB168-65F8-F54D-8654-A00BECE2E716}"/>
+                <a16:creationId xmlns:a16="http://schemas.microsoft.com/office/drawing/2014/main" xmlns="" id="{067AB168-65F8-F54D-8654-A00BECE2E716}"/>
               </a:ext>
             </a:extLst>
           </p:cNvPr>
@@ -6237,7 +6303,7 @@
           <p:cNvPr id="16" name="テキスト ボックス 15">
             <a:extLst>
               <a:ext uri="{FF2B5EF4-FFF2-40B4-BE49-F238E27FC236}">
-                <a16:creationId xmlns="" xmlns:a16="http://schemas.microsoft.com/office/drawing/2014/main" id="{3E2C1726-397E-A84C-8EF2-170D9805EF04}"/>
+                <a16:creationId xmlns:a16="http://schemas.microsoft.com/office/drawing/2014/main" xmlns="" id="{3E2C1726-397E-A84C-8EF2-170D9805EF04}"/>
               </a:ext>
             </a:extLst>
           </p:cNvPr>
@@ -6273,7 +6339,7 @@
           <p:cNvPr id="17" name="テキスト ボックス 16">
             <a:extLst>
               <a:ext uri="{FF2B5EF4-FFF2-40B4-BE49-F238E27FC236}">
-                <a16:creationId xmlns="" xmlns:a16="http://schemas.microsoft.com/office/drawing/2014/main" id="{C4ADD0B6-CD92-AE43-88CC-9FDDA4EE27F6}"/>
+                <a16:creationId xmlns:a16="http://schemas.microsoft.com/office/drawing/2014/main" xmlns="" id="{C4ADD0B6-CD92-AE43-88CC-9FDDA4EE27F6}"/>
               </a:ext>
             </a:extLst>
           </p:cNvPr>
@@ -6309,7 +6375,7 @@
           <p:cNvPr id="19" name="テキスト ボックス 18">
             <a:extLst>
               <a:ext uri="{FF2B5EF4-FFF2-40B4-BE49-F238E27FC236}">
-                <a16:creationId xmlns="" xmlns:a16="http://schemas.microsoft.com/office/drawing/2014/main" id="{27A43D62-12BA-AE4D-807A-8F1FC33AF8A0}"/>
+                <a16:creationId xmlns:a16="http://schemas.microsoft.com/office/drawing/2014/main" xmlns="" id="{27A43D62-12BA-AE4D-807A-8F1FC33AF8A0}"/>
               </a:ext>
             </a:extLst>
           </p:cNvPr>

--- a/統計データの可視化.pptx
+++ b/統計データの可視化.pptx
@@ -5,21 +5,23 @@
     <p:sldMasterId id="2147483648" r:id="rId1"/>
   </p:sldMasterIdLst>
   <p:notesMasterIdLst>
-    <p:notesMasterId r:id="rId14"/>
+    <p:notesMasterId r:id="rId16"/>
   </p:notesMasterIdLst>
   <p:sldIdLst>
     <p:sldId id="256" r:id="rId2"/>
     <p:sldId id="261" r:id="rId3"/>
     <p:sldId id="268" r:id="rId4"/>
     <p:sldId id="257" r:id="rId5"/>
-    <p:sldId id="258" r:id="rId6"/>
-    <p:sldId id="267" r:id="rId7"/>
-    <p:sldId id="270" r:id="rId8"/>
-    <p:sldId id="263" r:id="rId9"/>
+    <p:sldId id="272" r:id="rId6"/>
+    <p:sldId id="258" r:id="rId7"/>
+    <p:sldId id="275" r:id="rId8"/>
+    <p:sldId id="273" r:id="rId9"/>
     <p:sldId id="269" r:id="rId10"/>
-    <p:sldId id="264" r:id="rId11"/>
-    <p:sldId id="265" r:id="rId12"/>
-    <p:sldId id="260" r:id="rId13"/>
+    <p:sldId id="274" r:id="rId11"/>
+    <p:sldId id="270" r:id="rId12"/>
+    <p:sldId id="276" r:id="rId13"/>
+    <p:sldId id="267" r:id="rId14"/>
+    <p:sldId id="264" r:id="rId15"/>
   </p:sldIdLst>
   <p:sldSz cx="12192000" cy="6858000"/>
   <p:notesSz cx="6858000" cy="9144000"/>
@@ -208,7 +210,7 @@
           <a:p>
             <a:fld id="{EB0903BF-2B53-4C75-8BDB-47C6B0519046}" type="datetimeFigureOut">
               <a:rPr kumimoji="1" lang="ja-JP" altLang="en-US" smtClean="0"/>
-              <a:t>2019/11/4</a:t>
+              <a:t>2019/11/5</a:t>
             </a:fld>
             <a:endParaRPr kumimoji="1" lang="ja-JP" altLang="en-US"/>
           </a:p>
@@ -814,6 +816,10 @@
           <a:bodyPr/>
           <a:lstStyle/>
           <a:p>
+            <a:r>
+              <a:rPr kumimoji="1" lang="ja-JP" altLang="en-US" dirty="0" smtClean="0"/>
+              <a:t>そこで、いくつかの具体的なデータ可視化ツールを挙げ、その特徴を比較することで、データの可視化に適当な方法は何かを議論していこうと考えています。</a:t>
+            </a:r>
             <a:endParaRPr kumimoji="1" lang="ja-JP" altLang="en-US" dirty="0"/>
           </a:p>
         </p:txBody>
@@ -898,84 +904,7 @@
           <a:bodyPr/>
           <a:lstStyle/>
           <a:p>
-            <a:r>
-              <a:rPr kumimoji="1" lang="en-US" altLang="ja-JP" dirty="0"/>
-              <a:t>Matplotlib</a:t>
-            </a:r>
-            <a:r>
-              <a:rPr kumimoji="1" lang="ja-JP" altLang="en-US" dirty="0" err="1"/>
-              <a:t>、</a:t>
-            </a:r>
-            <a:r>
-              <a:rPr kumimoji="1" lang="en-US" altLang="ja-JP" dirty="0" err="1"/>
-              <a:t>GoogleChart</a:t>
-            </a:r>
-            <a:r>
-              <a:rPr kumimoji="1" lang="ja-JP" altLang="en-US" dirty="0"/>
-              <a:t>についての簡単な説明</a:t>
-            </a:r>
-            <a:endParaRPr kumimoji="1" lang="en-US" altLang="ja-JP" dirty="0"/>
-          </a:p>
-          <a:p>
-            <a:endParaRPr kumimoji="1" lang="en-US" altLang="ja-JP" dirty="0"/>
-          </a:p>
-          <a:p>
-            <a:r>
-              <a:rPr kumimoji="1" lang="en-US" altLang="ja-JP" dirty="0"/>
-              <a:t>Matplotlib:</a:t>
-            </a:r>
-          </a:p>
-          <a:p>
-            <a:r>
-              <a:rPr kumimoji="1" lang="en-US" altLang="ja-JP" dirty="0"/>
-              <a:t>Python</a:t>
-            </a:r>
-            <a:r>
-              <a:rPr kumimoji="1" lang="ja-JP" altLang="en-US" dirty="0"/>
-              <a:t>のためのグラフ描画ライブラリ</a:t>
-            </a:r>
-            <a:endParaRPr kumimoji="1" lang="en-US" altLang="ja-JP" dirty="0"/>
-          </a:p>
-          <a:p>
-            <a:endParaRPr lang="en-US" altLang="ja-JP" dirty="0"/>
-          </a:p>
-          <a:p>
-            <a:r>
-              <a:rPr lang="en-US" altLang="ja-JP" dirty="0" err="1"/>
-              <a:t>GoogleChart</a:t>
-            </a:r>
-            <a:r>
-              <a:rPr lang="en-US" altLang="ja-JP" dirty="0"/>
-              <a:t>:</a:t>
-            </a:r>
-          </a:p>
-          <a:p>
-            <a:r>
-              <a:rPr lang="en-US" altLang="ja-JP" dirty="0" err="1"/>
-              <a:t>Javascript</a:t>
-            </a:r>
-            <a:r>
-              <a:rPr lang="ja-JP" altLang="en-US" dirty="0"/>
-              <a:t>で動く</a:t>
-            </a:r>
-            <a:r>
-              <a:rPr lang="en-US" altLang="ja-JP" dirty="0"/>
-              <a:t>Web</a:t>
-            </a:r>
-            <a:r>
-              <a:rPr lang="ja-JP" altLang="en-US" dirty="0"/>
-              <a:t>アプリケーションマウスオーバーなどによりインタラクティブに動作</a:t>
-            </a:r>
-            <a:endParaRPr lang="en-US" altLang="ja-JP" dirty="0"/>
-          </a:p>
-          <a:p>
-            <a:endParaRPr kumimoji="1" lang="en-US" altLang="ja-JP" dirty="0"/>
-          </a:p>
-          <a:p>
-            <a:r>
-              <a:rPr kumimoji="1" lang="ja-JP" altLang="en-US" dirty="0"/>
-              <a:t>どちらのツールも様々なグラフを描画することができるが、今回は上記のチャートを比較する旨</a:t>
-            </a:r>
+            <a:endParaRPr kumimoji="1" lang="ja-JP" altLang="en-US" dirty="0"/>
           </a:p>
         </p:txBody>
       </p:sp>
@@ -986,7 +915,7 @@
             <a:spLocks noGrp="1"/>
           </p:cNvSpPr>
           <p:nvPr>
-            <p:ph type="sldNum" sz="quarter" idx="5"/>
+            <p:ph type="sldNum" sz="quarter" idx="10"/>
           </p:nvPr>
         </p:nvSpPr>
         <p:spPr/>
@@ -1005,7 +934,7 @@
     </p:spTree>
     <p:extLst>
       <p:ext uri="{BB962C8B-B14F-4D97-AF65-F5344CB8AC3E}">
-        <p14:creationId xmlns:p14="http://schemas.microsoft.com/office/powerpoint/2010/main" val="193721532"/>
+        <p14:creationId xmlns:p14="http://schemas.microsoft.com/office/powerpoint/2010/main" val="833579096"/>
       </p:ext>
     </p:extLst>
   </p:cSld>
@@ -1059,7 +988,92 @@
           <a:bodyPr/>
           <a:lstStyle/>
           <a:p>
-            <a:endParaRPr kumimoji="1" lang="ja-JP" altLang="en-US"/>
+            <a:r>
+              <a:rPr kumimoji="1" lang="en-US" altLang="ja-JP" dirty="0"/>
+              <a:t>Matplotlib</a:t>
+            </a:r>
+            <a:r>
+              <a:rPr kumimoji="1" lang="ja-JP" altLang="en-US" dirty="0" err="1"/>
+              <a:t>、</a:t>
+            </a:r>
+            <a:r>
+              <a:rPr kumimoji="1" lang="en-US" altLang="ja-JP" dirty="0" err="1"/>
+              <a:t>GoogleChart</a:t>
+            </a:r>
+            <a:r>
+              <a:rPr kumimoji="1" lang="ja-JP" altLang="en-US" dirty="0"/>
+              <a:t>についての簡単な説明</a:t>
+            </a:r>
+            <a:endParaRPr kumimoji="1" lang="en-US" altLang="ja-JP" dirty="0"/>
+          </a:p>
+          <a:p>
+            <a:endParaRPr kumimoji="1" lang="en-US" altLang="ja-JP" dirty="0"/>
+          </a:p>
+          <a:p>
+            <a:r>
+              <a:rPr kumimoji="1" lang="en-US" altLang="ja-JP" dirty="0"/>
+              <a:t>Matplotlib:</a:t>
+            </a:r>
+          </a:p>
+          <a:p>
+            <a:r>
+              <a:rPr kumimoji="1" lang="en-US" altLang="ja-JP" dirty="0"/>
+              <a:t>Python</a:t>
+            </a:r>
+            <a:r>
+              <a:rPr kumimoji="1" lang="ja-JP" altLang="en-US" dirty="0"/>
+              <a:t>のためのグラフ描画</a:t>
+            </a:r>
+            <a:r>
+              <a:rPr kumimoji="1" lang="ja-JP" altLang="en-US" dirty="0" smtClean="0"/>
+              <a:t>ライブラリ、今回は折れ線グラフと棒グラフの描画に使用します。</a:t>
+            </a:r>
+            <a:endParaRPr kumimoji="1" lang="en-US" altLang="ja-JP" dirty="0"/>
+          </a:p>
+          <a:p>
+            <a:endParaRPr lang="en-US" altLang="ja-JP" dirty="0"/>
+          </a:p>
+          <a:p>
+            <a:r>
+              <a:rPr lang="en-US" altLang="ja-JP" dirty="0" err="1"/>
+              <a:t>GoogleChart</a:t>
+            </a:r>
+            <a:r>
+              <a:rPr lang="en-US" altLang="ja-JP" dirty="0"/>
+              <a:t>:</a:t>
+            </a:r>
+          </a:p>
+          <a:p>
+            <a:r>
+              <a:rPr lang="en-US" altLang="ja-JP" dirty="0" err="1"/>
+              <a:t>Javascript</a:t>
+            </a:r>
+            <a:r>
+              <a:rPr lang="ja-JP" altLang="en-US" dirty="0"/>
+              <a:t>で</a:t>
+            </a:r>
+            <a:r>
+              <a:rPr lang="ja-JP" altLang="en-US" dirty="0" smtClean="0"/>
+              <a:t>動く、</a:t>
+            </a:r>
+            <a:r>
+              <a:rPr lang="en-US" altLang="ja-JP" dirty="0" smtClean="0"/>
+              <a:t>Web</a:t>
+            </a:r>
+            <a:r>
+              <a:rPr lang="ja-JP" altLang="en-US" dirty="0"/>
+              <a:t>アプリケーションマウスオーバーなどによりインタラクティブに動作</a:t>
+            </a:r>
+            <a:endParaRPr lang="en-US" altLang="ja-JP" dirty="0"/>
+          </a:p>
+          <a:p>
+            <a:endParaRPr kumimoji="1" lang="en-US" altLang="ja-JP" dirty="0"/>
+          </a:p>
+          <a:p>
+            <a:r>
+              <a:rPr kumimoji="1" lang="ja-JP" altLang="en-US" dirty="0"/>
+              <a:t>どちらのツールも様々なグラフを描画することができるが、今回は上記のチャートを比較する旨</a:t>
+            </a:r>
           </a:p>
         </p:txBody>
       </p:sp>
@@ -1089,7 +1103,7 @@
     </p:spTree>
     <p:extLst>
       <p:ext uri="{BB962C8B-B14F-4D97-AF65-F5344CB8AC3E}">
-        <p14:creationId xmlns:p14="http://schemas.microsoft.com/office/powerpoint/2010/main" val="162175"/>
+        <p14:creationId xmlns:p14="http://schemas.microsoft.com/office/powerpoint/2010/main" val="193721532"/>
       </p:ext>
     </p:extLst>
   </p:cSld>
@@ -1143,17 +1157,7 @@
           <a:bodyPr/>
           <a:lstStyle/>
           <a:p>
-            <a:r>
-              <a:rPr kumimoji="1" lang="ja-JP" altLang="en-US"/>
-              <a:t>チャートをたくさん作って、特徴についてたくさん説明する</a:t>
-            </a:r>
-            <a:endParaRPr kumimoji="1" lang="en-US" altLang="ja-JP" dirty="0"/>
-          </a:p>
-          <a:p>
-            <a:r>
-              <a:rPr kumimoji="1" lang="ja-JP" altLang="en-US"/>
-              <a:t>ジオチャートは地域による違いがわかりやすいが、時間的推移を見るには向いていない</a:t>
-            </a:r>
+            <a:endParaRPr kumimoji="1" lang="ja-JP" altLang="en-US" dirty="0"/>
           </a:p>
         </p:txBody>
       </p:sp>
@@ -1164,7 +1168,7 @@
             <a:spLocks noGrp="1"/>
           </p:cNvSpPr>
           <p:nvPr>
-            <p:ph type="sldNum" sz="quarter" idx="5"/>
+            <p:ph type="sldNum" sz="quarter" idx="10"/>
           </p:nvPr>
         </p:nvSpPr>
         <p:spPr/>
@@ -1183,7 +1187,7 @@
     </p:spTree>
     <p:extLst>
       <p:ext uri="{BB962C8B-B14F-4D97-AF65-F5344CB8AC3E}">
-        <p14:creationId xmlns:p14="http://schemas.microsoft.com/office/powerpoint/2010/main" val="497168513"/>
+        <p14:creationId xmlns:p14="http://schemas.microsoft.com/office/powerpoint/2010/main" val="3274921346"/>
       </p:ext>
     </p:extLst>
   </p:cSld>
@@ -1258,7 +1262,7 @@
           <a:p>
             <a:fld id="{B05A5F5C-BC8F-42F1-805F-F119BAB24EC1}" type="slidenum">
               <a:rPr kumimoji="1" lang="ja-JP" altLang="en-US" smtClean="0"/>
-              <a:t>11</a:t>
+              <a:t>13</a:t>
             </a:fld>
             <a:endParaRPr kumimoji="1" lang="ja-JP" altLang="en-US"/>
           </a:p>
@@ -1267,94 +1271,7 @@
     </p:spTree>
     <p:extLst>
       <p:ext uri="{BB962C8B-B14F-4D97-AF65-F5344CB8AC3E}">
-        <p14:creationId xmlns:p14="http://schemas.microsoft.com/office/powerpoint/2010/main" val="2142925182"/>
-      </p:ext>
-    </p:extLst>
-  </p:cSld>
-  <p:clrMapOvr>
-    <a:masterClrMapping/>
-  </p:clrMapOvr>
-</p:notes>
-</file>
-
-<file path=ppt/notesSlides/notesSlide9.xml><?xml version="1.0" encoding="utf-8"?>
-<p:notes xmlns:a="http://schemas.openxmlformats.org/drawingml/2006/main" xmlns:r="http://schemas.openxmlformats.org/officeDocument/2006/relationships" xmlns:p="http://schemas.openxmlformats.org/presentationml/2006/main">
-  <p:cSld>
-    <p:spTree>
-      <p:nvGrpSpPr>
-        <p:cNvPr id="1" name=""/>
-        <p:cNvGrpSpPr/>
-        <p:nvPr/>
-      </p:nvGrpSpPr>
-      <p:grpSpPr>
-        <a:xfrm>
-          <a:off x="0" y="0"/>
-          <a:ext cx="0" cy="0"/>
-          <a:chOff x="0" y="0"/>
-          <a:chExt cx="0" cy="0"/>
-        </a:xfrm>
-      </p:grpSpPr>
-      <p:sp>
-        <p:nvSpPr>
-          <p:cNvPr id="2" name="スライド イメージ プレースホルダー 1"/>
-          <p:cNvSpPr>
-            <a:spLocks noGrp="1" noRot="1" noChangeAspect="1"/>
-          </p:cNvSpPr>
-          <p:nvPr>
-            <p:ph type="sldImg"/>
-          </p:nvPr>
-        </p:nvSpPr>
-        <p:spPr/>
-      </p:sp>
-      <p:sp>
-        <p:nvSpPr>
-          <p:cNvPr id="3" name="ノート プレースホルダー 2"/>
-          <p:cNvSpPr>
-            <a:spLocks noGrp="1"/>
-          </p:cNvSpPr>
-          <p:nvPr>
-            <p:ph type="body" idx="1"/>
-          </p:nvPr>
-        </p:nvSpPr>
-        <p:spPr/>
-        <p:txBody>
-          <a:bodyPr/>
-          <a:lstStyle/>
-          <a:p>
-            <a:r>
-              <a:rPr kumimoji="1" lang="ja-JP" altLang="en-US"/>
-              <a:t>・やろうと思っていたことをどこまでできました、どこまでできませんでした、を発表のまとめとする</a:t>
-            </a:r>
-          </a:p>
-        </p:txBody>
-      </p:sp>
-      <p:sp>
-        <p:nvSpPr>
-          <p:cNvPr id="4" name="スライド番号プレースホルダー 3"/>
-          <p:cNvSpPr>
-            <a:spLocks noGrp="1"/>
-          </p:cNvSpPr>
-          <p:nvPr>
-            <p:ph type="sldNum" sz="quarter" idx="5"/>
-          </p:nvPr>
-        </p:nvSpPr>
-        <p:spPr/>
-        <p:txBody>
-          <a:bodyPr/>
-          <a:lstStyle/>
-          <a:p>
-            <a:fld id="{B05A5F5C-BC8F-42F1-805F-F119BAB24EC1}" type="slidenum">
-              <a:rPr kumimoji="1" lang="ja-JP" altLang="en-US" smtClean="0"/>
-              <a:t>12</a:t>
-            </a:fld>
-            <a:endParaRPr kumimoji="1" lang="ja-JP" altLang="en-US"/>
-          </a:p>
-        </p:txBody>
-      </p:sp>
-    </p:spTree>
-    <p:extLst>
-      <p:ext uri="{BB962C8B-B14F-4D97-AF65-F5344CB8AC3E}">
-        <p14:creationId xmlns:p14="http://schemas.microsoft.com/office/powerpoint/2010/main" val="826536609"/>
+        <p14:creationId xmlns:p14="http://schemas.microsoft.com/office/powerpoint/2010/main" val="162175"/>
       </p:ext>
     </p:extLst>
   </p:cSld>
@@ -1386,7 +1303,7 @@
           <p:cNvPr id="2" name="タイトル 1">
             <a:extLst>
               <a:ext uri="{FF2B5EF4-FFF2-40B4-BE49-F238E27FC236}">
-                <a16:creationId xmlns:a16="http://schemas.microsoft.com/office/drawing/2014/main" xmlns="" id="{D5DF3914-848A-5745-957C-528267F7C428}"/>
+                <a16:creationId xmlns="" xmlns:a16="http://schemas.microsoft.com/office/drawing/2014/main" id="{D5DF3914-848A-5745-957C-528267F7C428}"/>
               </a:ext>
             </a:extLst>
           </p:cNvPr>
@@ -1423,7 +1340,7 @@
           <p:cNvPr id="3" name="字幕 2">
             <a:extLst>
               <a:ext uri="{FF2B5EF4-FFF2-40B4-BE49-F238E27FC236}">
-                <a16:creationId xmlns:a16="http://schemas.microsoft.com/office/drawing/2014/main" xmlns="" id="{09ED48ED-F942-EA4B-837D-433A04D6B104}"/>
+                <a16:creationId xmlns="" xmlns:a16="http://schemas.microsoft.com/office/drawing/2014/main" id="{09ED48ED-F942-EA4B-837D-433A04D6B104}"/>
               </a:ext>
             </a:extLst>
           </p:cNvPr>
@@ -1493,7 +1410,7 @@
           <p:cNvPr id="4" name="日付プレースホルダー 3">
             <a:extLst>
               <a:ext uri="{FF2B5EF4-FFF2-40B4-BE49-F238E27FC236}">
-                <a16:creationId xmlns:a16="http://schemas.microsoft.com/office/drawing/2014/main" xmlns="" id="{3A0DDE53-FAF3-374A-B93B-6D7F5E526B83}"/>
+                <a16:creationId xmlns="" xmlns:a16="http://schemas.microsoft.com/office/drawing/2014/main" id="{3A0DDE53-FAF3-374A-B93B-6D7F5E526B83}"/>
               </a:ext>
             </a:extLst>
           </p:cNvPr>
@@ -1511,7 +1428,7 @@
           <a:p>
             <a:fld id="{E7024DAA-6A28-DF40-9D51-C240F04DB82B}" type="datetimeFigureOut">
               <a:rPr kumimoji="1" lang="ja-JP" altLang="en-US" smtClean="0"/>
-              <a:t>2019/11/4</a:t>
+              <a:t>2019/11/5</a:t>
             </a:fld>
             <a:endParaRPr kumimoji="1" lang="ja-JP" altLang="en-US"/>
           </a:p>
@@ -1522,7 +1439,7 @@
           <p:cNvPr id="5" name="フッター プレースホルダー 4">
             <a:extLst>
               <a:ext uri="{FF2B5EF4-FFF2-40B4-BE49-F238E27FC236}">
-                <a16:creationId xmlns:a16="http://schemas.microsoft.com/office/drawing/2014/main" xmlns="" id="{83CD93A0-C601-B84D-B2EA-38118C6AE7FB}"/>
+                <a16:creationId xmlns="" xmlns:a16="http://schemas.microsoft.com/office/drawing/2014/main" id="{83CD93A0-C601-B84D-B2EA-38118C6AE7FB}"/>
               </a:ext>
             </a:extLst>
           </p:cNvPr>
@@ -1547,7 +1464,7 @@
           <p:cNvPr id="6" name="スライド番号プレースホルダー 5">
             <a:extLst>
               <a:ext uri="{FF2B5EF4-FFF2-40B4-BE49-F238E27FC236}">
-                <a16:creationId xmlns:a16="http://schemas.microsoft.com/office/drawing/2014/main" xmlns="" id="{8020DA69-1EC4-8D4B-8C3D-2ABD8A48C106}"/>
+                <a16:creationId xmlns="" xmlns:a16="http://schemas.microsoft.com/office/drawing/2014/main" id="{8020DA69-1EC4-8D4B-8C3D-2ABD8A48C106}"/>
               </a:ext>
             </a:extLst>
           </p:cNvPr>
@@ -1606,7 +1523,7 @@
           <p:cNvPr id="2" name="タイトル 1">
             <a:extLst>
               <a:ext uri="{FF2B5EF4-FFF2-40B4-BE49-F238E27FC236}">
-                <a16:creationId xmlns:a16="http://schemas.microsoft.com/office/drawing/2014/main" xmlns="" id="{BB3E10CC-A6BC-8949-B208-329D84FD4921}"/>
+                <a16:creationId xmlns="" xmlns:a16="http://schemas.microsoft.com/office/drawing/2014/main" id="{BB3E10CC-A6BC-8949-B208-329D84FD4921}"/>
               </a:ext>
             </a:extLst>
           </p:cNvPr>
@@ -1634,7 +1551,7 @@
           <p:cNvPr id="3" name="縦書きテキスト プレースホルダー 2">
             <a:extLst>
               <a:ext uri="{FF2B5EF4-FFF2-40B4-BE49-F238E27FC236}">
-                <a16:creationId xmlns:a16="http://schemas.microsoft.com/office/drawing/2014/main" xmlns="" id="{7219424D-BC1D-AD4E-B010-1F1D7A13D58F}"/>
+                <a16:creationId xmlns="" xmlns:a16="http://schemas.microsoft.com/office/drawing/2014/main" id="{7219424D-BC1D-AD4E-B010-1F1D7A13D58F}"/>
               </a:ext>
             </a:extLst>
           </p:cNvPr>
@@ -1723,7 +1640,7 @@
           <p:cNvPr id="4" name="日付プレースホルダー 3">
             <a:extLst>
               <a:ext uri="{FF2B5EF4-FFF2-40B4-BE49-F238E27FC236}">
-                <a16:creationId xmlns:a16="http://schemas.microsoft.com/office/drawing/2014/main" xmlns="" id="{A0EC3470-4F95-8440-8244-40DACC03B789}"/>
+                <a16:creationId xmlns="" xmlns:a16="http://schemas.microsoft.com/office/drawing/2014/main" id="{A0EC3470-4F95-8440-8244-40DACC03B789}"/>
               </a:ext>
             </a:extLst>
           </p:cNvPr>
@@ -1741,7 +1658,7 @@
           <a:p>
             <a:fld id="{E7024DAA-6A28-DF40-9D51-C240F04DB82B}" type="datetimeFigureOut">
               <a:rPr kumimoji="1" lang="ja-JP" altLang="en-US" smtClean="0"/>
-              <a:t>2019/11/4</a:t>
+              <a:t>2019/11/5</a:t>
             </a:fld>
             <a:endParaRPr kumimoji="1" lang="ja-JP" altLang="en-US"/>
           </a:p>
@@ -1752,7 +1669,7 @@
           <p:cNvPr id="5" name="フッター プレースホルダー 4">
             <a:extLst>
               <a:ext uri="{FF2B5EF4-FFF2-40B4-BE49-F238E27FC236}">
-                <a16:creationId xmlns:a16="http://schemas.microsoft.com/office/drawing/2014/main" xmlns="" id="{66F14C45-11C0-E844-8F6B-65127DAC330E}"/>
+                <a16:creationId xmlns="" xmlns:a16="http://schemas.microsoft.com/office/drawing/2014/main" id="{66F14C45-11C0-E844-8F6B-65127DAC330E}"/>
               </a:ext>
             </a:extLst>
           </p:cNvPr>
@@ -1777,7 +1694,7 @@
           <p:cNvPr id="6" name="スライド番号プレースホルダー 5">
             <a:extLst>
               <a:ext uri="{FF2B5EF4-FFF2-40B4-BE49-F238E27FC236}">
-                <a16:creationId xmlns:a16="http://schemas.microsoft.com/office/drawing/2014/main" xmlns="" id="{0E725F07-7F0B-E14E-8116-981B96C66531}"/>
+                <a16:creationId xmlns="" xmlns:a16="http://schemas.microsoft.com/office/drawing/2014/main" id="{0E725F07-7F0B-E14E-8116-981B96C66531}"/>
               </a:ext>
             </a:extLst>
           </p:cNvPr>
@@ -1836,7 +1753,7 @@
           <p:cNvPr id="2" name="縦書きタイトル 1">
             <a:extLst>
               <a:ext uri="{FF2B5EF4-FFF2-40B4-BE49-F238E27FC236}">
-                <a16:creationId xmlns:a16="http://schemas.microsoft.com/office/drawing/2014/main" xmlns="" id="{39813C18-B35A-0B48-9CAB-63198D349B64}"/>
+                <a16:creationId xmlns="" xmlns:a16="http://schemas.microsoft.com/office/drawing/2014/main" id="{39813C18-B35A-0B48-9CAB-63198D349B64}"/>
               </a:ext>
             </a:extLst>
           </p:cNvPr>
@@ -1869,7 +1786,7 @@
           <p:cNvPr id="3" name="縦書きテキスト プレースホルダー 2">
             <a:extLst>
               <a:ext uri="{FF2B5EF4-FFF2-40B4-BE49-F238E27FC236}">
-                <a16:creationId xmlns:a16="http://schemas.microsoft.com/office/drawing/2014/main" xmlns="" id="{F67CE368-0F9E-2B42-A1E6-C2B1870B324A}"/>
+                <a16:creationId xmlns="" xmlns:a16="http://schemas.microsoft.com/office/drawing/2014/main" id="{F67CE368-0F9E-2B42-A1E6-C2B1870B324A}"/>
               </a:ext>
             </a:extLst>
           </p:cNvPr>
@@ -1963,7 +1880,7 @@
           <p:cNvPr id="4" name="日付プレースホルダー 3">
             <a:extLst>
               <a:ext uri="{FF2B5EF4-FFF2-40B4-BE49-F238E27FC236}">
-                <a16:creationId xmlns:a16="http://schemas.microsoft.com/office/drawing/2014/main" xmlns="" id="{867ACC2A-B8D1-7C41-9B9F-4C65056F947D}"/>
+                <a16:creationId xmlns="" xmlns:a16="http://schemas.microsoft.com/office/drawing/2014/main" id="{867ACC2A-B8D1-7C41-9B9F-4C65056F947D}"/>
               </a:ext>
             </a:extLst>
           </p:cNvPr>
@@ -1981,7 +1898,7 @@
           <a:p>
             <a:fld id="{E7024DAA-6A28-DF40-9D51-C240F04DB82B}" type="datetimeFigureOut">
               <a:rPr kumimoji="1" lang="ja-JP" altLang="en-US" smtClean="0"/>
-              <a:t>2019/11/4</a:t>
+              <a:t>2019/11/5</a:t>
             </a:fld>
             <a:endParaRPr kumimoji="1" lang="ja-JP" altLang="en-US"/>
           </a:p>
@@ -1992,7 +1909,7 @@
           <p:cNvPr id="5" name="フッター プレースホルダー 4">
             <a:extLst>
               <a:ext uri="{FF2B5EF4-FFF2-40B4-BE49-F238E27FC236}">
-                <a16:creationId xmlns:a16="http://schemas.microsoft.com/office/drawing/2014/main" xmlns="" id="{087856E7-9E03-2C48-B6EC-72CF81629D1A}"/>
+                <a16:creationId xmlns="" xmlns:a16="http://schemas.microsoft.com/office/drawing/2014/main" id="{087856E7-9E03-2C48-B6EC-72CF81629D1A}"/>
               </a:ext>
             </a:extLst>
           </p:cNvPr>
@@ -2017,7 +1934,7 @@
           <p:cNvPr id="6" name="スライド番号プレースホルダー 5">
             <a:extLst>
               <a:ext uri="{FF2B5EF4-FFF2-40B4-BE49-F238E27FC236}">
-                <a16:creationId xmlns:a16="http://schemas.microsoft.com/office/drawing/2014/main" xmlns="" id="{C67C1FF0-41FF-734C-8215-5603860FCEB5}"/>
+                <a16:creationId xmlns="" xmlns:a16="http://schemas.microsoft.com/office/drawing/2014/main" id="{C67C1FF0-41FF-734C-8215-5603860FCEB5}"/>
               </a:ext>
             </a:extLst>
           </p:cNvPr>
@@ -2076,7 +1993,7 @@
           <p:cNvPr id="2" name="タイトル 1">
             <a:extLst>
               <a:ext uri="{FF2B5EF4-FFF2-40B4-BE49-F238E27FC236}">
-                <a16:creationId xmlns:a16="http://schemas.microsoft.com/office/drawing/2014/main" xmlns="" id="{79AD0717-2C6D-1447-94E8-005D647C12FA}"/>
+                <a16:creationId xmlns="" xmlns:a16="http://schemas.microsoft.com/office/drawing/2014/main" id="{79AD0717-2C6D-1447-94E8-005D647C12FA}"/>
               </a:ext>
             </a:extLst>
           </p:cNvPr>
@@ -2104,7 +2021,7 @@
           <p:cNvPr id="3" name="コンテンツ プレースホルダー 2">
             <a:extLst>
               <a:ext uri="{FF2B5EF4-FFF2-40B4-BE49-F238E27FC236}">
-                <a16:creationId xmlns:a16="http://schemas.microsoft.com/office/drawing/2014/main" xmlns="" id="{F692E943-D9F7-F64A-9495-77932297DAB9}"/>
+                <a16:creationId xmlns="" xmlns:a16="http://schemas.microsoft.com/office/drawing/2014/main" id="{F692E943-D9F7-F64A-9495-77932297DAB9}"/>
               </a:ext>
             </a:extLst>
           </p:cNvPr>
@@ -2193,7 +2110,7 @@
           <p:cNvPr id="4" name="日付プレースホルダー 3">
             <a:extLst>
               <a:ext uri="{FF2B5EF4-FFF2-40B4-BE49-F238E27FC236}">
-                <a16:creationId xmlns:a16="http://schemas.microsoft.com/office/drawing/2014/main" xmlns="" id="{46AF73F5-1F52-3C42-920C-52BCD964D9DB}"/>
+                <a16:creationId xmlns="" xmlns:a16="http://schemas.microsoft.com/office/drawing/2014/main" id="{46AF73F5-1F52-3C42-920C-52BCD964D9DB}"/>
               </a:ext>
             </a:extLst>
           </p:cNvPr>
@@ -2211,7 +2128,7 @@
           <a:p>
             <a:fld id="{E7024DAA-6A28-DF40-9D51-C240F04DB82B}" type="datetimeFigureOut">
               <a:rPr kumimoji="1" lang="ja-JP" altLang="en-US" smtClean="0"/>
-              <a:t>2019/11/4</a:t>
+              <a:t>2019/11/5</a:t>
             </a:fld>
             <a:endParaRPr kumimoji="1" lang="ja-JP" altLang="en-US"/>
           </a:p>
@@ -2222,7 +2139,7 @@
           <p:cNvPr id="5" name="フッター プレースホルダー 4">
             <a:extLst>
               <a:ext uri="{FF2B5EF4-FFF2-40B4-BE49-F238E27FC236}">
-                <a16:creationId xmlns:a16="http://schemas.microsoft.com/office/drawing/2014/main" xmlns="" id="{68D477E9-E726-3440-9A60-D29AD7FFB974}"/>
+                <a16:creationId xmlns="" xmlns:a16="http://schemas.microsoft.com/office/drawing/2014/main" id="{68D477E9-E726-3440-9A60-D29AD7FFB974}"/>
               </a:ext>
             </a:extLst>
           </p:cNvPr>
@@ -2247,7 +2164,7 @@
           <p:cNvPr id="6" name="スライド番号プレースホルダー 5">
             <a:extLst>
               <a:ext uri="{FF2B5EF4-FFF2-40B4-BE49-F238E27FC236}">
-                <a16:creationId xmlns:a16="http://schemas.microsoft.com/office/drawing/2014/main" xmlns="" id="{281A8823-BFC8-2149-9684-D4368C50FB0C}"/>
+                <a16:creationId xmlns="" xmlns:a16="http://schemas.microsoft.com/office/drawing/2014/main" id="{281A8823-BFC8-2149-9684-D4368C50FB0C}"/>
               </a:ext>
             </a:extLst>
           </p:cNvPr>
@@ -2306,7 +2223,7 @@
           <p:cNvPr id="2" name="タイトル 1">
             <a:extLst>
               <a:ext uri="{FF2B5EF4-FFF2-40B4-BE49-F238E27FC236}">
-                <a16:creationId xmlns:a16="http://schemas.microsoft.com/office/drawing/2014/main" xmlns="" id="{11D7A484-CED8-0042-AB5C-E49584593BA4}"/>
+                <a16:creationId xmlns="" xmlns:a16="http://schemas.microsoft.com/office/drawing/2014/main" id="{11D7A484-CED8-0042-AB5C-E49584593BA4}"/>
               </a:ext>
             </a:extLst>
           </p:cNvPr>
@@ -2343,7 +2260,7 @@
           <p:cNvPr id="3" name="テキスト プレースホルダー 2">
             <a:extLst>
               <a:ext uri="{FF2B5EF4-FFF2-40B4-BE49-F238E27FC236}">
-                <a16:creationId xmlns:a16="http://schemas.microsoft.com/office/drawing/2014/main" xmlns="" id="{603AFF4A-337D-6F44-B171-9DAE74385387}"/>
+                <a16:creationId xmlns="" xmlns:a16="http://schemas.microsoft.com/office/drawing/2014/main" id="{603AFF4A-337D-6F44-B171-9DAE74385387}"/>
               </a:ext>
             </a:extLst>
           </p:cNvPr>
@@ -2468,7 +2385,7 @@
           <p:cNvPr id="4" name="日付プレースホルダー 3">
             <a:extLst>
               <a:ext uri="{FF2B5EF4-FFF2-40B4-BE49-F238E27FC236}">
-                <a16:creationId xmlns:a16="http://schemas.microsoft.com/office/drawing/2014/main" xmlns="" id="{B2D66AD0-01C1-914F-BB4D-24E1D0802D2B}"/>
+                <a16:creationId xmlns="" xmlns:a16="http://schemas.microsoft.com/office/drawing/2014/main" id="{B2D66AD0-01C1-914F-BB4D-24E1D0802D2B}"/>
               </a:ext>
             </a:extLst>
           </p:cNvPr>
@@ -2486,7 +2403,7 @@
           <a:p>
             <a:fld id="{E7024DAA-6A28-DF40-9D51-C240F04DB82B}" type="datetimeFigureOut">
               <a:rPr kumimoji="1" lang="ja-JP" altLang="en-US" smtClean="0"/>
-              <a:t>2019/11/4</a:t>
+              <a:t>2019/11/5</a:t>
             </a:fld>
             <a:endParaRPr kumimoji="1" lang="ja-JP" altLang="en-US"/>
           </a:p>
@@ -2497,7 +2414,7 @@
           <p:cNvPr id="5" name="フッター プレースホルダー 4">
             <a:extLst>
               <a:ext uri="{FF2B5EF4-FFF2-40B4-BE49-F238E27FC236}">
-                <a16:creationId xmlns:a16="http://schemas.microsoft.com/office/drawing/2014/main" xmlns="" id="{CD674AB9-A292-CC49-B4AC-1151A77C96C1}"/>
+                <a16:creationId xmlns="" xmlns:a16="http://schemas.microsoft.com/office/drawing/2014/main" id="{CD674AB9-A292-CC49-B4AC-1151A77C96C1}"/>
               </a:ext>
             </a:extLst>
           </p:cNvPr>
@@ -2522,7 +2439,7 @@
           <p:cNvPr id="6" name="スライド番号プレースホルダー 5">
             <a:extLst>
               <a:ext uri="{FF2B5EF4-FFF2-40B4-BE49-F238E27FC236}">
-                <a16:creationId xmlns:a16="http://schemas.microsoft.com/office/drawing/2014/main" xmlns="" id="{C2194DD3-01FF-E24A-990B-531E6B1C8814}"/>
+                <a16:creationId xmlns="" xmlns:a16="http://schemas.microsoft.com/office/drawing/2014/main" id="{C2194DD3-01FF-E24A-990B-531E6B1C8814}"/>
               </a:ext>
             </a:extLst>
           </p:cNvPr>
@@ -2581,7 +2498,7 @@
           <p:cNvPr id="2" name="タイトル 1">
             <a:extLst>
               <a:ext uri="{FF2B5EF4-FFF2-40B4-BE49-F238E27FC236}">
-                <a16:creationId xmlns:a16="http://schemas.microsoft.com/office/drawing/2014/main" xmlns="" id="{AF4C0AFC-A229-8B43-A476-E19F9A12B5E9}"/>
+                <a16:creationId xmlns="" xmlns:a16="http://schemas.microsoft.com/office/drawing/2014/main" id="{AF4C0AFC-A229-8B43-A476-E19F9A12B5E9}"/>
               </a:ext>
             </a:extLst>
           </p:cNvPr>
@@ -2609,7 +2526,7 @@
           <p:cNvPr id="3" name="コンテンツ プレースホルダー 2">
             <a:extLst>
               <a:ext uri="{FF2B5EF4-FFF2-40B4-BE49-F238E27FC236}">
-                <a16:creationId xmlns:a16="http://schemas.microsoft.com/office/drawing/2014/main" xmlns="" id="{A77E57E2-40B9-0840-8854-0BB52DFB6AD7}"/>
+                <a16:creationId xmlns="" xmlns:a16="http://schemas.microsoft.com/office/drawing/2014/main" id="{A77E57E2-40B9-0840-8854-0BB52DFB6AD7}"/>
               </a:ext>
             </a:extLst>
           </p:cNvPr>
@@ -2703,7 +2620,7 @@
           <p:cNvPr id="4" name="コンテンツ プレースホルダー 3">
             <a:extLst>
               <a:ext uri="{FF2B5EF4-FFF2-40B4-BE49-F238E27FC236}">
-                <a16:creationId xmlns:a16="http://schemas.microsoft.com/office/drawing/2014/main" xmlns="" id="{5376FFAC-8690-B24D-9377-7FEEB22104AF}"/>
+                <a16:creationId xmlns="" xmlns:a16="http://schemas.microsoft.com/office/drawing/2014/main" id="{5376FFAC-8690-B24D-9377-7FEEB22104AF}"/>
               </a:ext>
             </a:extLst>
           </p:cNvPr>
@@ -2797,7 +2714,7 @@
           <p:cNvPr id="5" name="日付プレースホルダー 4">
             <a:extLst>
               <a:ext uri="{FF2B5EF4-FFF2-40B4-BE49-F238E27FC236}">
-                <a16:creationId xmlns:a16="http://schemas.microsoft.com/office/drawing/2014/main" xmlns="" id="{86E22A30-78E1-3F43-9E9C-5C7CBC5E207D}"/>
+                <a16:creationId xmlns="" xmlns:a16="http://schemas.microsoft.com/office/drawing/2014/main" id="{86E22A30-78E1-3F43-9E9C-5C7CBC5E207D}"/>
               </a:ext>
             </a:extLst>
           </p:cNvPr>
@@ -2815,7 +2732,7 @@
           <a:p>
             <a:fld id="{E7024DAA-6A28-DF40-9D51-C240F04DB82B}" type="datetimeFigureOut">
               <a:rPr kumimoji="1" lang="ja-JP" altLang="en-US" smtClean="0"/>
-              <a:t>2019/11/4</a:t>
+              <a:t>2019/11/5</a:t>
             </a:fld>
             <a:endParaRPr kumimoji="1" lang="ja-JP" altLang="en-US"/>
           </a:p>
@@ -2826,7 +2743,7 @@
           <p:cNvPr id="6" name="フッター プレースホルダー 5">
             <a:extLst>
               <a:ext uri="{FF2B5EF4-FFF2-40B4-BE49-F238E27FC236}">
-                <a16:creationId xmlns:a16="http://schemas.microsoft.com/office/drawing/2014/main" xmlns="" id="{F7E1C133-61A1-3B48-99FD-9B44EDC7FA8F}"/>
+                <a16:creationId xmlns="" xmlns:a16="http://schemas.microsoft.com/office/drawing/2014/main" id="{F7E1C133-61A1-3B48-99FD-9B44EDC7FA8F}"/>
               </a:ext>
             </a:extLst>
           </p:cNvPr>
@@ -2851,7 +2768,7 @@
           <p:cNvPr id="7" name="スライド番号プレースホルダー 6">
             <a:extLst>
               <a:ext uri="{FF2B5EF4-FFF2-40B4-BE49-F238E27FC236}">
-                <a16:creationId xmlns:a16="http://schemas.microsoft.com/office/drawing/2014/main" xmlns="" id="{6AD892A4-0282-8C4E-BBCA-18D30829CEB8}"/>
+                <a16:creationId xmlns="" xmlns:a16="http://schemas.microsoft.com/office/drawing/2014/main" id="{6AD892A4-0282-8C4E-BBCA-18D30829CEB8}"/>
               </a:ext>
             </a:extLst>
           </p:cNvPr>
@@ -2910,7 +2827,7 @@
           <p:cNvPr id="2" name="タイトル 1">
             <a:extLst>
               <a:ext uri="{FF2B5EF4-FFF2-40B4-BE49-F238E27FC236}">
-                <a16:creationId xmlns:a16="http://schemas.microsoft.com/office/drawing/2014/main" xmlns="" id="{967A1187-E1C0-3F49-9BBB-3CEE05287960}"/>
+                <a16:creationId xmlns="" xmlns:a16="http://schemas.microsoft.com/office/drawing/2014/main" id="{967A1187-E1C0-3F49-9BBB-3CEE05287960}"/>
               </a:ext>
             </a:extLst>
           </p:cNvPr>
@@ -2943,7 +2860,7 @@
           <p:cNvPr id="3" name="テキスト プレースホルダー 2">
             <a:extLst>
               <a:ext uri="{FF2B5EF4-FFF2-40B4-BE49-F238E27FC236}">
-                <a16:creationId xmlns:a16="http://schemas.microsoft.com/office/drawing/2014/main" xmlns="" id="{0B8BED0F-B809-214C-854B-1E53659BAC87}"/>
+                <a16:creationId xmlns="" xmlns:a16="http://schemas.microsoft.com/office/drawing/2014/main" id="{0B8BED0F-B809-214C-854B-1E53659BAC87}"/>
               </a:ext>
             </a:extLst>
           </p:cNvPr>
@@ -3014,7 +2931,7 @@
           <p:cNvPr id="4" name="コンテンツ プレースホルダー 3">
             <a:extLst>
               <a:ext uri="{FF2B5EF4-FFF2-40B4-BE49-F238E27FC236}">
-                <a16:creationId xmlns:a16="http://schemas.microsoft.com/office/drawing/2014/main" xmlns="" id="{B73D82D9-99EB-F849-A598-D4B5491774B8}"/>
+                <a16:creationId xmlns="" xmlns:a16="http://schemas.microsoft.com/office/drawing/2014/main" id="{B73D82D9-99EB-F849-A598-D4B5491774B8}"/>
               </a:ext>
             </a:extLst>
           </p:cNvPr>
@@ -3108,7 +3025,7 @@
           <p:cNvPr id="5" name="テキスト プレースホルダー 4">
             <a:extLst>
               <a:ext uri="{FF2B5EF4-FFF2-40B4-BE49-F238E27FC236}">
-                <a16:creationId xmlns:a16="http://schemas.microsoft.com/office/drawing/2014/main" xmlns="" id="{75B659EC-3244-C545-B91A-A4A6995D5B1D}"/>
+                <a16:creationId xmlns="" xmlns:a16="http://schemas.microsoft.com/office/drawing/2014/main" id="{75B659EC-3244-C545-B91A-A4A6995D5B1D}"/>
               </a:ext>
             </a:extLst>
           </p:cNvPr>
@@ -3179,7 +3096,7 @@
           <p:cNvPr id="6" name="コンテンツ プレースホルダー 5">
             <a:extLst>
               <a:ext uri="{FF2B5EF4-FFF2-40B4-BE49-F238E27FC236}">
-                <a16:creationId xmlns:a16="http://schemas.microsoft.com/office/drawing/2014/main" xmlns="" id="{33D91E99-E03D-6E41-9187-88ABD7EB0D64}"/>
+                <a16:creationId xmlns="" xmlns:a16="http://schemas.microsoft.com/office/drawing/2014/main" id="{33D91E99-E03D-6E41-9187-88ABD7EB0D64}"/>
               </a:ext>
             </a:extLst>
           </p:cNvPr>
@@ -3273,7 +3190,7 @@
           <p:cNvPr id="7" name="日付プレースホルダー 6">
             <a:extLst>
               <a:ext uri="{FF2B5EF4-FFF2-40B4-BE49-F238E27FC236}">
-                <a16:creationId xmlns:a16="http://schemas.microsoft.com/office/drawing/2014/main" xmlns="" id="{968BA2AE-B4E8-BC4F-AAE2-2FE7F43CAF94}"/>
+                <a16:creationId xmlns="" xmlns:a16="http://schemas.microsoft.com/office/drawing/2014/main" id="{968BA2AE-B4E8-BC4F-AAE2-2FE7F43CAF94}"/>
               </a:ext>
             </a:extLst>
           </p:cNvPr>
@@ -3291,7 +3208,7 @@
           <a:p>
             <a:fld id="{E7024DAA-6A28-DF40-9D51-C240F04DB82B}" type="datetimeFigureOut">
               <a:rPr kumimoji="1" lang="ja-JP" altLang="en-US" smtClean="0"/>
-              <a:t>2019/11/4</a:t>
+              <a:t>2019/11/5</a:t>
             </a:fld>
             <a:endParaRPr kumimoji="1" lang="ja-JP" altLang="en-US"/>
           </a:p>
@@ -3302,7 +3219,7 @@
           <p:cNvPr id="8" name="フッター プレースホルダー 7">
             <a:extLst>
               <a:ext uri="{FF2B5EF4-FFF2-40B4-BE49-F238E27FC236}">
-                <a16:creationId xmlns:a16="http://schemas.microsoft.com/office/drawing/2014/main" xmlns="" id="{75356495-EC54-F546-A091-DC1A785066CC}"/>
+                <a16:creationId xmlns="" xmlns:a16="http://schemas.microsoft.com/office/drawing/2014/main" id="{75356495-EC54-F546-A091-DC1A785066CC}"/>
               </a:ext>
             </a:extLst>
           </p:cNvPr>
@@ -3327,7 +3244,7 @@
           <p:cNvPr id="9" name="スライド番号プレースホルダー 8">
             <a:extLst>
               <a:ext uri="{FF2B5EF4-FFF2-40B4-BE49-F238E27FC236}">
-                <a16:creationId xmlns:a16="http://schemas.microsoft.com/office/drawing/2014/main" xmlns="" id="{A594F2B8-9C5A-B748-B626-F119CDBA795E}"/>
+                <a16:creationId xmlns="" xmlns:a16="http://schemas.microsoft.com/office/drawing/2014/main" id="{A594F2B8-9C5A-B748-B626-F119CDBA795E}"/>
               </a:ext>
             </a:extLst>
           </p:cNvPr>
@@ -3386,7 +3303,7 @@
           <p:cNvPr id="2" name="タイトル 1">
             <a:extLst>
               <a:ext uri="{FF2B5EF4-FFF2-40B4-BE49-F238E27FC236}">
-                <a16:creationId xmlns:a16="http://schemas.microsoft.com/office/drawing/2014/main" xmlns="" id="{4D2EAD1E-60F9-7641-8969-0A56C0A350EB}"/>
+                <a16:creationId xmlns="" xmlns:a16="http://schemas.microsoft.com/office/drawing/2014/main" id="{4D2EAD1E-60F9-7641-8969-0A56C0A350EB}"/>
               </a:ext>
             </a:extLst>
           </p:cNvPr>
@@ -3414,7 +3331,7 @@
           <p:cNvPr id="3" name="日付プレースホルダー 2">
             <a:extLst>
               <a:ext uri="{FF2B5EF4-FFF2-40B4-BE49-F238E27FC236}">
-                <a16:creationId xmlns:a16="http://schemas.microsoft.com/office/drawing/2014/main" xmlns="" id="{6F635876-01C2-A249-87FC-FA72E59558F1}"/>
+                <a16:creationId xmlns="" xmlns:a16="http://schemas.microsoft.com/office/drawing/2014/main" id="{6F635876-01C2-A249-87FC-FA72E59558F1}"/>
               </a:ext>
             </a:extLst>
           </p:cNvPr>
@@ -3432,7 +3349,7 @@
           <a:p>
             <a:fld id="{E7024DAA-6A28-DF40-9D51-C240F04DB82B}" type="datetimeFigureOut">
               <a:rPr kumimoji="1" lang="ja-JP" altLang="en-US" smtClean="0"/>
-              <a:t>2019/11/4</a:t>
+              <a:t>2019/11/5</a:t>
             </a:fld>
             <a:endParaRPr kumimoji="1" lang="ja-JP" altLang="en-US"/>
           </a:p>
@@ -3443,7 +3360,7 @@
           <p:cNvPr id="4" name="フッター プレースホルダー 3">
             <a:extLst>
               <a:ext uri="{FF2B5EF4-FFF2-40B4-BE49-F238E27FC236}">
-                <a16:creationId xmlns:a16="http://schemas.microsoft.com/office/drawing/2014/main" xmlns="" id="{DA54D7D2-5C3F-4E49-A451-8903880D6AD8}"/>
+                <a16:creationId xmlns="" xmlns:a16="http://schemas.microsoft.com/office/drawing/2014/main" id="{DA54D7D2-5C3F-4E49-A451-8903880D6AD8}"/>
               </a:ext>
             </a:extLst>
           </p:cNvPr>
@@ -3468,7 +3385,7 @@
           <p:cNvPr id="5" name="スライド番号プレースホルダー 4">
             <a:extLst>
               <a:ext uri="{FF2B5EF4-FFF2-40B4-BE49-F238E27FC236}">
-                <a16:creationId xmlns:a16="http://schemas.microsoft.com/office/drawing/2014/main" xmlns="" id="{D7F36122-4EA4-C74A-B8E2-64720EB3ECD9}"/>
+                <a16:creationId xmlns="" xmlns:a16="http://schemas.microsoft.com/office/drawing/2014/main" id="{D7F36122-4EA4-C74A-B8E2-64720EB3ECD9}"/>
               </a:ext>
             </a:extLst>
           </p:cNvPr>
@@ -3527,7 +3444,7 @@
           <p:cNvPr id="2" name="日付プレースホルダー 1">
             <a:extLst>
               <a:ext uri="{FF2B5EF4-FFF2-40B4-BE49-F238E27FC236}">
-                <a16:creationId xmlns:a16="http://schemas.microsoft.com/office/drawing/2014/main" xmlns="" id="{8A8504EB-34C4-6F46-8241-1474E6181EAD}"/>
+                <a16:creationId xmlns="" xmlns:a16="http://schemas.microsoft.com/office/drawing/2014/main" id="{8A8504EB-34C4-6F46-8241-1474E6181EAD}"/>
               </a:ext>
             </a:extLst>
           </p:cNvPr>
@@ -3545,7 +3462,7 @@
           <a:p>
             <a:fld id="{E7024DAA-6A28-DF40-9D51-C240F04DB82B}" type="datetimeFigureOut">
               <a:rPr kumimoji="1" lang="ja-JP" altLang="en-US" smtClean="0"/>
-              <a:t>2019/11/4</a:t>
+              <a:t>2019/11/5</a:t>
             </a:fld>
             <a:endParaRPr kumimoji="1" lang="ja-JP" altLang="en-US"/>
           </a:p>
@@ -3556,7 +3473,7 @@
           <p:cNvPr id="3" name="フッター プレースホルダー 2">
             <a:extLst>
               <a:ext uri="{FF2B5EF4-FFF2-40B4-BE49-F238E27FC236}">
-                <a16:creationId xmlns:a16="http://schemas.microsoft.com/office/drawing/2014/main" xmlns="" id="{8E4B51ED-6797-F542-AE04-9FB3D420CB9F}"/>
+                <a16:creationId xmlns="" xmlns:a16="http://schemas.microsoft.com/office/drawing/2014/main" id="{8E4B51ED-6797-F542-AE04-9FB3D420CB9F}"/>
               </a:ext>
             </a:extLst>
           </p:cNvPr>
@@ -3581,7 +3498,7 @@
           <p:cNvPr id="4" name="スライド番号プレースホルダー 3">
             <a:extLst>
               <a:ext uri="{FF2B5EF4-FFF2-40B4-BE49-F238E27FC236}">
-                <a16:creationId xmlns:a16="http://schemas.microsoft.com/office/drawing/2014/main" xmlns="" id="{0C423C5D-3A0A-4248-8EDC-76AAB818ADC7}"/>
+                <a16:creationId xmlns="" xmlns:a16="http://schemas.microsoft.com/office/drawing/2014/main" id="{0C423C5D-3A0A-4248-8EDC-76AAB818ADC7}"/>
               </a:ext>
             </a:extLst>
           </p:cNvPr>
@@ -3640,7 +3557,7 @@
           <p:cNvPr id="2" name="タイトル 1">
             <a:extLst>
               <a:ext uri="{FF2B5EF4-FFF2-40B4-BE49-F238E27FC236}">
-                <a16:creationId xmlns:a16="http://schemas.microsoft.com/office/drawing/2014/main" xmlns="" id="{5C0FE34A-22F2-3444-BB9C-4A78E0748F00}"/>
+                <a16:creationId xmlns="" xmlns:a16="http://schemas.microsoft.com/office/drawing/2014/main" id="{5C0FE34A-22F2-3444-BB9C-4A78E0748F00}"/>
               </a:ext>
             </a:extLst>
           </p:cNvPr>
@@ -3677,7 +3594,7 @@
           <p:cNvPr id="3" name="コンテンツ プレースホルダー 2">
             <a:extLst>
               <a:ext uri="{FF2B5EF4-FFF2-40B4-BE49-F238E27FC236}">
-                <a16:creationId xmlns:a16="http://schemas.microsoft.com/office/drawing/2014/main" xmlns="" id="{09BAAB2D-647B-BD4D-A2B8-C19C8B5806B4}"/>
+                <a16:creationId xmlns="" xmlns:a16="http://schemas.microsoft.com/office/drawing/2014/main" id="{09BAAB2D-647B-BD4D-A2B8-C19C8B5806B4}"/>
               </a:ext>
             </a:extLst>
           </p:cNvPr>
@@ -3799,7 +3716,7 @@
           <p:cNvPr id="4" name="テキスト プレースホルダー 3">
             <a:extLst>
               <a:ext uri="{FF2B5EF4-FFF2-40B4-BE49-F238E27FC236}">
-                <a16:creationId xmlns:a16="http://schemas.microsoft.com/office/drawing/2014/main" xmlns="" id="{B990BF36-195F-024D-A68C-39FD62D44CED}"/>
+                <a16:creationId xmlns="" xmlns:a16="http://schemas.microsoft.com/office/drawing/2014/main" id="{B990BF36-195F-024D-A68C-39FD62D44CED}"/>
               </a:ext>
             </a:extLst>
           </p:cNvPr>
@@ -3870,7 +3787,7 @@
           <p:cNvPr id="5" name="日付プレースホルダー 4">
             <a:extLst>
               <a:ext uri="{FF2B5EF4-FFF2-40B4-BE49-F238E27FC236}">
-                <a16:creationId xmlns:a16="http://schemas.microsoft.com/office/drawing/2014/main" xmlns="" id="{DC1FFC4A-CE0C-1F41-B7FF-34D1BB864561}"/>
+                <a16:creationId xmlns="" xmlns:a16="http://schemas.microsoft.com/office/drawing/2014/main" id="{DC1FFC4A-CE0C-1F41-B7FF-34D1BB864561}"/>
               </a:ext>
             </a:extLst>
           </p:cNvPr>
@@ -3888,7 +3805,7 @@
           <a:p>
             <a:fld id="{E7024DAA-6A28-DF40-9D51-C240F04DB82B}" type="datetimeFigureOut">
               <a:rPr kumimoji="1" lang="ja-JP" altLang="en-US" smtClean="0"/>
-              <a:t>2019/11/4</a:t>
+              <a:t>2019/11/5</a:t>
             </a:fld>
             <a:endParaRPr kumimoji="1" lang="ja-JP" altLang="en-US"/>
           </a:p>
@@ -3899,7 +3816,7 @@
           <p:cNvPr id="6" name="フッター プレースホルダー 5">
             <a:extLst>
               <a:ext uri="{FF2B5EF4-FFF2-40B4-BE49-F238E27FC236}">
-                <a16:creationId xmlns:a16="http://schemas.microsoft.com/office/drawing/2014/main" xmlns="" id="{E17C14E4-63A5-054C-BC87-FAC762FBD5BD}"/>
+                <a16:creationId xmlns="" xmlns:a16="http://schemas.microsoft.com/office/drawing/2014/main" id="{E17C14E4-63A5-054C-BC87-FAC762FBD5BD}"/>
               </a:ext>
             </a:extLst>
           </p:cNvPr>
@@ -3924,7 +3841,7 @@
           <p:cNvPr id="7" name="スライド番号プレースホルダー 6">
             <a:extLst>
               <a:ext uri="{FF2B5EF4-FFF2-40B4-BE49-F238E27FC236}">
-                <a16:creationId xmlns:a16="http://schemas.microsoft.com/office/drawing/2014/main" xmlns="" id="{4CC39CDD-988A-9544-916A-E6BC31EF330A}"/>
+                <a16:creationId xmlns="" xmlns:a16="http://schemas.microsoft.com/office/drawing/2014/main" id="{4CC39CDD-988A-9544-916A-E6BC31EF330A}"/>
               </a:ext>
             </a:extLst>
           </p:cNvPr>
@@ -3983,7 +3900,7 @@
           <p:cNvPr id="2" name="タイトル 1">
             <a:extLst>
               <a:ext uri="{FF2B5EF4-FFF2-40B4-BE49-F238E27FC236}">
-                <a16:creationId xmlns:a16="http://schemas.microsoft.com/office/drawing/2014/main" xmlns="" id="{8DF74D26-4214-3A41-93DC-CB4F45E821D7}"/>
+                <a16:creationId xmlns="" xmlns:a16="http://schemas.microsoft.com/office/drawing/2014/main" id="{8DF74D26-4214-3A41-93DC-CB4F45E821D7}"/>
               </a:ext>
             </a:extLst>
           </p:cNvPr>
@@ -4020,7 +3937,7 @@
           <p:cNvPr id="3" name="図プレースホルダー 2">
             <a:extLst>
               <a:ext uri="{FF2B5EF4-FFF2-40B4-BE49-F238E27FC236}">
-                <a16:creationId xmlns:a16="http://schemas.microsoft.com/office/drawing/2014/main" xmlns="" id="{D940054E-68E5-484F-A4CF-426949E92B65}"/>
+                <a16:creationId xmlns="" xmlns:a16="http://schemas.microsoft.com/office/drawing/2014/main" id="{D940054E-68E5-484F-A4CF-426949E92B65}"/>
               </a:ext>
             </a:extLst>
           </p:cNvPr>
@@ -4087,7 +4004,7 @@
           <p:cNvPr id="4" name="テキスト プレースホルダー 3">
             <a:extLst>
               <a:ext uri="{FF2B5EF4-FFF2-40B4-BE49-F238E27FC236}">
-                <a16:creationId xmlns:a16="http://schemas.microsoft.com/office/drawing/2014/main" xmlns="" id="{352261EF-C0AC-DD47-80A3-9E3C6D693575}"/>
+                <a16:creationId xmlns="" xmlns:a16="http://schemas.microsoft.com/office/drawing/2014/main" id="{352261EF-C0AC-DD47-80A3-9E3C6D693575}"/>
               </a:ext>
             </a:extLst>
           </p:cNvPr>
@@ -4158,7 +4075,7 @@
           <p:cNvPr id="5" name="日付プレースホルダー 4">
             <a:extLst>
               <a:ext uri="{FF2B5EF4-FFF2-40B4-BE49-F238E27FC236}">
-                <a16:creationId xmlns:a16="http://schemas.microsoft.com/office/drawing/2014/main" xmlns="" id="{78345BD8-A5BE-2B4C-B50F-854BE8DA244E}"/>
+                <a16:creationId xmlns="" xmlns:a16="http://schemas.microsoft.com/office/drawing/2014/main" id="{78345BD8-A5BE-2B4C-B50F-854BE8DA244E}"/>
               </a:ext>
             </a:extLst>
           </p:cNvPr>
@@ -4176,7 +4093,7 @@
           <a:p>
             <a:fld id="{E7024DAA-6A28-DF40-9D51-C240F04DB82B}" type="datetimeFigureOut">
               <a:rPr kumimoji="1" lang="ja-JP" altLang="en-US" smtClean="0"/>
-              <a:t>2019/11/4</a:t>
+              <a:t>2019/11/5</a:t>
             </a:fld>
             <a:endParaRPr kumimoji="1" lang="ja-JP" altLang="en-US"/>
           </a:p>
@@ -4187,7 +4104,7 @@
           <p:cNvPr id="6" name="フッター プレースホルダー 5">
             <a:extLst>
               <a:ext uri="{FF2B5EF4-FFF2-40B4-BE49-F238E27FC236}">
-                <a16:creationId xmlns:a16="http://schemas.microsoft.com/office/drawing/2014/main" xmlns="" id="{49B99FCF-ADF1-9D4F-88BE-3EABB8C04E28}"/>
+                <a16:creationId xmlns="" xmlns:a16="http://schemas.microsoft.com/office/drawing/2014/main" id="{49B99FCF-ADF1-9D4F-88BE-3EABB8C04E28}"/>
               </a:ext>
             </a:extLst>
           </p:cNvPr>
@@ -4212,7 +4129,7 @@
           <p:cNvPr id="7" name="スライド番号プレースホルダー 6">
             <a:extLst>
               <a:ext uri="{FF2B5EF4-FFF2-40B4-BE49-F238E27FC236}">
-                <a16:creationId xmlns:a16="http://schemas.microsoft.com/office/drawing/2014/main" xmlns="" id="{27455309-6FE4-1340-87BA-D1AD36515559}"/>
+                <a16:creationId xmlns="" xmlns:a16="http://schemas.microsoft.com/office/drawing/2014/main" id="{27455309-6FE4-1340-87BA-D1AD36515559}"/>
               </a:ext>
             </a:extLst>
           </p:cNvPr>
@@ -4276,7 +4193,7 @@
           <p:cNvPr id="2" name="タイトル プレースホルダー 1">
             <a:extLst>
               <a:ext uri="{FF2B5EF4-FFF2-40B4-BE49-F238E27FC236}">
-                <a16:creationId xmlns:a16="http://schemas.microsoft.com/office/drawing/2014/main" xmlns="" id="{2D34D946-D89E-6442-9075-ADE04490EE87}"/>
+                <a16:creationId xmlns="" xmlns:a16="http://schemas.microsoft.com/office/drawing/2014/main" id="{2D34D946-D89E-6442-9075-ADE04490EE87}"/>
               </a:ext>
             </a:extLst>
           </p:cNvPr>
@@ -4314,7 +4231,7 @@
           <p:cNvPr id="3" name="テキスト プレースホルダー 2">
             <a:extLst>
               <a:ext uri="{FF2B5EF4-FFF2-40B4-BE49-F238E27FC236}">
-                <a16:creationId xmlns:a16="http://schemas.microsoft.com/office/drawing/2014/main" xmlns="" id="{ECB16F28-657A-7547-9851-1F9FC0B19702}"/>
+                <a16:creationId xmlns="" xmlns:a16="http://schemas.microsoft.com/office/drawing/2014/main" id="{ECB16F28-657A-7547-9851-1F9FC0B19702}"/>
               </a:ext>
             </a:extLst>
           </p:cNvPr>
@@ -4413,7 +4330,7 @@
           <p:cNvPr id="4" name="日付プレースホルダー 3">
             <a:extLst>
               <a:ext uri="{FF2B5EF4-FFF2-40B4-BE49-F238E27FC236}">
-                <a16:creationId xmlns:a16="http://schemas.microsoft.com/office/drawing/2014/main" xmlns="" id="{AA47E054-8B17-264A-AFC9-BCC05E220C26}"/>
+                <a16:creationId xmlns="" xmlns:a16="http://schemas.microsoft.com/office/drawing/2014/main" id="{AA47E054-8B17-264A-AFC9-BCC05E220C26}"/>
               </a:ext>
             </a:extLst>
           </p:cNvPr>
@@ -4449,7 +4366,7 @@
           <a:p>
             <a:fld id="{E7024DAA-6A28-DF40-9D51-C240F04DB82B}" type="datetimeFigureOut">
               <a:rPr kumimoji="1" lang="ja-JP" altLang="en-US" smtClean="0"/>
-              <a:t>2019/11/4</a:t>
+              <a:t>2019/11/5</a:t>
             </a:fld>
             <a:endParaRPr kumimoji="1" lang="ja-JP" altLang="en-US"/>
           </a:p>
@@ -4460,7 +4377,7 @@
           <p:cNvPr id="5" name="フッター プレースホルダー 4">
             <a:extLst>
               <a:ext uri="{FF2B5EF4-FFF2-40B4-BE49-F238E27FC236}">
-                <a16:creationId xmlns:a16="http://schemas.microsoft.com/office/drawing/2014/main" xmlns="" id="{C8FD813E-BA24-5E40-883A-DFDE11A12983}"/>
+                <a16:creationId xmlns="" xmlns:a16="http://schemas.microsoft.com/office/drawing/2014/main" id="{C8FD813E-BA24-5E40-883A-DFDE11A12983}"/>
               </a:ext>
             </a:extLst>
           </p:cNvPr>
@@ -4503,7 +4420,7 @@
           <p:cNvPr id="6" name="スライド番号プレースホルダー 5">
             <a:extLst>
               <a:ext uri="{FF2B5EF4-FFF2-40B4-BE49-F238E27FC236}">
-                <a16:creationId xmlns:a16="http://schemas.microsoft.com/office/drawing/2014/main" xmlns="" id="{5FB17BC1-8AA0-7843-B555-D51F4B1C5A23}"/>
+                <a16:creationId xmlns="" xmlns:a16="http://schemas.microsoft.com/office/drawing/2014/main" id="{5FB17BC1-8AA0-7843-B555-D51F4B1C5A23}"/>
               </a:ext>
             </a:extLst>
           </p:cNvPr>
@@ -4871,7 +4788,7 @@
           <p:cNvPr id="2" name="タイトル 1">
             <a:extLst>
               <a:ext uri="{FF2B5EF4-FFF2-40B4-BE49-F238E27FC236}">
-                <a16:creationId xmlns:a16="http://schemas.microsoft.com/office/drawing/2014/main" xmlns="" id="{4E9248D7-C77C-964F-B39C-A0CF57B18B5C}"/>
+                <a16:creationId xmlns="" xmlns:a16="http://schemas.microsoft.com/office/drawing/2014/main" id="{4E9248D7-C77C-964F-B39C-A0CF57B18B5C}"/>
               </a:ext>
             </a:extLst>
           </p:cNvPr>
@@ -4899,7 +4816,7 @@
           <p:cNvPr id="3" name="字幕 2">
             <a:extLst>
               <a:ext uri="{FF2B5EF4-FFF2-40B4-BE49-F238E27FC236}">
-                <a16:creationId xmlns:a16="http://schemas.microsoft.com/office/drawing/2014/main" xmlns="" id="{733749B4-8B89-A141-B0F8-D74350083502}"/>
+                <a16:creationId xmlns="" xmlns:a16="http://schemas.microsoft.com/office/drawing/2014/main" id="{733749B4-8B89-A141-B0F8-D74350083502}"/>
               </a:ext>
             </a:extLst>
           </p:cNvPr>
@@ -4981,9 +4898,14 @@
           <a:lstStyle/>
           <a:p>
             <a:r>
-              <a:rPr kumimoji="1" lang="ja-JP" altLang="en-US" dirty="0"/>
-              <a:t>ジオチャート</a:t>
-            </a:r>
+              <a:rPr kumimoji="1" lang="en-US" altLang="ja-JP" dirty="0" err="1" smtClean="0"/>
+              <a:t>Matplotlib</a:t>
+            </a:r>
+            <a:r>
+              <a:rPr kumimoji="1" lang="ja-JP" altLang="en-US" dirty="0" smtClean="0"/>
+              <a:t>とは</a:t>
+            </a:r>
+            <a:endParaRPr kumimoji="1" lang="ja-JP" altLang="en-US" dirty="0"/>
           </a:p>
         </p:txBody>
       </p:sp>
@@ -4997,54 +4919,119 @@
             <p:ph idx="1"/>
           </p:nvPr>
         </p:nvSpPr>
-        <p:spPr/>
-        <p:txBody>
-          <a:bodyPr/>
-          <a:lstStyle/>
+        <p:spPr>
+          <a:xfrm>
+            <a:off x="838200" y="1825625"/>
+            <a:ext cx="5676900" cy="4351338"/>
+          </a:xfrm>
+        </p:spPr>
+        <p:txBody>
+          <a:bodyPr/>
+          <a:lstStyle/>
+          <a:p>
+            <a:r>
+              <a:rPr kumimoji="1" lang="en-US" altLang="ja-JP" dirty="0" smtClean="0"/>
+              <a:t>Python</a:t>
+            </a:r>
+            <a:r>
+              <a:rPr lang="ja-JP" altLang="en-US" dirty="0" smtClean="0"/>
+              <a:t>と科学計算用ライブラリ </a:t>
+            </a:r>
+            <a:r>
+              <a:rPr lang="en-US" altLang="ja-JP" dirty="0" err="1" smtClean="0"/>
+              <a:t>Numpy</a:t>
+            </a:r>
+            <a:r>
+              <a:rPr lang="ja-JP" altLang="en-US" dirty="0" smtClean="0"/>
+              <a:t>のための</a:t>
+            </a:r>
+            <a:r>
+              <a:rPr kumimoji="1" lang="ja-JP" altLang="en-US" dirty="0" smtClean="0"/>
+              <a:t>グラフ描画ライブラリ</a:t>
+            </a:r>
+            <a:endParaRPr kumimoji="1" lang="en-US" altLang="ja-JP" dirty="0" smtClean="0"/>
+          </a:p>
           <a:p>
             <a:endParaRPr lang="en-US" altLang="ja-JP" dirty="0"/>
           </a:p>
           <a:p>
             <a:r>
-              <a:rPr lang="ja-JP" altLang="en-US"/>
-              <a:t>地図上にデータをマッピング</a:t>
-            </a:r>
+              <a:rPr lang="ja-JP" altLang="en-US" dirty="0"/>
+              <a:t>主</a:t>
+            </a:r>
+            <a:r>
+              <a:rPr lang="ja-JP" altLang="en-US" dirty="0" smtClean="0"/>
+              <a:t>に</a:t>
+            </a:r>
+            <a:r>
+              <a:rPr lang="en-US" altLang="ja-JP" dirty="0" smtClean="0"/>
+              <a:t>2</a:t>
+            </a:r>
+            <a:r>
+              <a:rPr lang="ja-JP" altLang="en-US" dirty="0" smtClean="0"/>
+              <a:t>次元プロットをサポート</a:t>
+            </a:r>
+            <a:endParaRPr lang="en-US" altLang="ja-JP" dirty="0" smtClean="0"/>
+          </a:p>
+          <a:p>
             <a:endParaRPr kumimoji="1" lang="en-US" altLang="ja-JP" dirty="0"/>
           </a:p>
           <a:p>
-            <a:endParaRPr kumimoji="1" lang="en-US" altLang="ja-JP" dirty="0"/>
-          </a:p>
-          <a:p>
-            <a:r>
-              <a:rPr lang="ja-JP" altLang="en-US"/>
-              <a:t>地域特性が見やすい</a:t>
-            </a:r>
-            <a:endParaRPr lang="en-US" altLang="ja-JP" dirty="0"/>
-          </a:p>
-          <a:p>
-            <a:endParaRPr lang="en-US" altLang="ja-JP" dirty="0"/>
-          </a:p>
-          <a:p>
-            <a:r>
-              <a:rPr lang="ja-JP" altLang="en-US"/>
-              <a:t>推移が見にくい</a:t>
-            </a:r>
-          </a:p>
-          <a:p>
-            <a:endParaRPr kumimoji="1" lang="en-US" altLang="ja-JP" dirty="0"/>
-          </a:p>
-        </p:txBody>
-      </p:sp>
+            <a:r>
+              <a:rPr lang="ja-JP" altLang="en-US" dirty="0" smtClean="0"/>
+              <a:t>多くのグラフ形式を提供</a:t>
+            </a:r>
+            <a:endParaRPr kumimoji="1" lang="ja-JP" altLang="en-US" dirty="0"/>
+          </a:p>
+        </p:txBody>
+      </p:sp>
+      <p:pic>
+        <p:nvPicPr>
+          <p:cNvPr id="4" name="コンテンツ プレースホルダー 3"/>
+          <p:cNvPicPr>
+            <a:picLocks noChangeAspect="1"/>
+          </p:cNvPicPr>
+          <p:nvPr/>
+        </p:nvPicPr>
+        <p:blipFill>
+          <a:blip r:embed="rId2">
+            <a:extLst>
+              <a:ext uri="{28A0092B-C50C-407E-A947-70E740481C1C}">
+                <a14:useLocalDpi xmlns:a14="http://schemas.microsoft.com/office/drawing/2010/main" val="0"/>
+              </a:ext>
+            </a:extLst>
+          </a:blip>
+          <a:stretch>
+            <a:fillRect/>
+          </a:stretch>
+        </p:blipFill>
+        <p:spPr>
+          <a:xfrm>
+            <a:off x="6949786" y="1027906"/>
+            <a:ext cx="5242214" cy="3931660"/>
+          </a:xfrm>
+          <a:prstGeom prst="rect">
+            <a:avLst/>
+          </a:prstGeom>
+        </p:spPr>
+      </p:pic>
     </p:spTree>
     <p:extLst>
       <p:ext uri="{BB962C8B-B14F-4D97-AF65-F5344CB8AC3E}">
-        <p14:creationId xmlns:p14="http://schemas.microsoft.com/office/powerpoint/2010/main" val="2117400784"/>
+        <p14:creationId xmlns:p14="http://schemas.microsoft.com/office/powerpoint/2010/main" val="1132357790"/>
       </p:ext>
     </p:extLst>
   </p:cSld>
   <p:clrMapOvr>
     <a:masterClrMapping/>
   </p:clrMapOvr>
+  <p:timing>
+    <p:tnLst>
+      <p:par>
+        <p:cTn id="1" dur="indefinite" restart="never" nodeType="tmRoot"/>
+      </p:par>
+    </p:tnLst>
+  </p:timing>
 </p:sld>
 </file>
 
@@ -5067,13 +5054,7 @@
       </p:grpSpPr>
       <p:sp>
         <p:nvSpPr>
-          <p:cNvPr id="2" name="タイトル 1">
-            <a:extLst>
-              <a:ext uri="{FF2B5EF4-FFF2-40B4-BE49-F238E27FC236}">
-                <a16:creationId xmlns:a16="http://schemas.microsoft.com/office/drawing/2014/main" xmlns="" id="{B418ABC2-92A5-AF40-B28E-354A6DD8641E}"/>
-              </a:ext>
-            </a:extLst>
-          </p:cNvPr>
+          <p:cNvPr id="2" name="タイトル 1"/>
           <p:cNvSpPr>
             <a:spLocks noGrp="1"/>
           </p:cNvSpPr>
@@ -5087,48 +5068,89 @@
           <a:lstStyle/>
           <a:p>
             <a:r>
-              <a:rPr lang="ja-JP" altLang="en-US"/>
-              <a:t>バブルチャート</a:t>
-            </a:r>
-            <a:endParaRPr kumimoji="1" lang="ja-JP" altLang="en-US"/>
-          </a:p>
-        </p:txBody>
-      </p:sp>
-      <p:sp>
-        <p:nvSpPr>
-          <p:cNvPr id="3" name="コンテンツ プレースホルダー 2">
-            <a:extLst>
-              <a:ext uri="{FF2B5EF4-FFF2-40B4-BE49-F238E27FC236}">
-                <a16:creationId xmlns:a16="http://schemas.microsoft.com/office/drawing/2014/main" xmlns="" id="{8EF18BA8-8B88-0C4F-9821-97B4BFB1EE10}"/>
-              </a:ext>
-            </a:extLst>
-          </p:cNvPr>
-          <p:cNvSpPr>
-            <a:spLocks noGrp="1"/>
-          </p:cNvSpPr>
+              <a:rPr kumimoji="1" lang="ja-JP" altLang="en-US" dirty="0" smtClean="0"/>
+              <a:t>折れ線グラフ・棒グラフ</a:t>
+            </a:r>
+            <a:endParaRPr kumimoji="1" lang="ja-JP" altLang="en-US" dirty="0"/>
+          </a:p>
+        </p:txBody>
+      </p:sp>
+      <p:pic>
+        <p:nvPicPr>
+          <p:cNvPr id="5" name="コンテンツ プレースホルダー 4"/>
+          <p:cNvPicPr>
+            <a:picLocks noGrp="1" noChangeAspect="1"/>
+          </p:cNvPicPr>
           <p:nvPr>
             <p:ph idx="1"/>
           </p:nvPr>
-        </p:nvSpPr>
-        <p:spPr/>
-        <p:txBody>
-          <a:bodyPr/>
-          <a:lstStyle/>
-          <a:p>
-            <a:endParaRPr kumimoji="1" lang="ja-JP" altLang="en-US"/>
-          </a:p>
-        </p:txBody>
-      </p:sp>
+        </p:nvPicPr>
+        <p:blipFill>
+          <a:blip r:embed="rId2">
+            <a:extLst>
+              <a:ext uri="{28A0092B-C50C-407E-A947-70E740481C1C}">
+                <a14:useLocalDpi xmlns:a14="http://schemas.microsoft.com/office/drawing/2010/main" val="0"/>
+              </a:ext>
+            </a:extLst>
+          </a:blip>
+          <a:stretch>
+            <a:fillRect/>
+          </a:stretch>
+        </p:blipFill>
+        <p:spPr>
+          <a:xfrm>
+            <a:off x="1" y="1459865"/>
+            <a:ext cx="6521412" cy="4891059"/>
+          </a:xfrm>
+        </p:spPr>
+      </p:pic>
+      <p:pic>
+        <p:nvPicPr>
+          <p:cNvPr id="6" name="図 5"/>
+          <p:cNvPicPr>
+            <a:picLocks noChangeAspect="1"/>
+          </p:cNvPicPr>
+          <p:nvPr/>
+        </p:nvPicPr>
+        <p:blipFill>
+          <a:blip r:embed="rId3">
+            <a:extLst>
+              <a:ext uri="{28A0092B-C50C-407E-A947-70E740481C1C}">
+                <a14:useLocalDpi xmlns:a14="http://schemas.microsoft.com/office/drawing/2010/main" val="0"/>
+              </a:ext>
+            </a:extLst>
+          </a:blip>
+          <a:stretch>
+            <a:fillRect/>
+          </a:stretch>
+        </p:blipFill>
+        <p:spPr>
+          <a:xfrm>
+            <a:off x="5889607" y="1459865"/>
+            <a:ext cx="6095999" cy="4891059"/>
+          </a:xfrm>
+          <a:prstGeom prst="rect">
+            <a:avLst/>
+          </a:prstGeom>
+        </p:spPr>
+      </p:pic>
     </p:spTree>
     <p:extLst>
       <p:ext uri="{BB962C8B-B14F-4D97-AF65-F5344CB8AC3E}">
-        <p14:creationId xmlns:p14="http://schemas.microsoft.com/office/powerpoint/2010/main" val="109845329"/>
+        <p14:creationId xmlns:p14="http://schemas.microsoft.com/office/powerpoint/2010/main" val="590512483"/>
       </p:ext>
     </p:extLst>
   </p:cSld>
   <p:clrMapOvr>
     <a:masterClrMapping/>
   </p:clrMapOvr>
+  <p:timing>
+    <p:tnLst>
+      <p:par>
+        <p:cTn id="1" dur="indefinite" restart="never" nodeType="tmRoot"/>
+      </p:par>
+    </p:tnLst>
+  </p:timing>
 </p:sld>
 </file>
 
@@ -5151,13 +5173,7 @@
       </p:grpSpPr>
       <p:sp>
         <p:nvSpPr>
-          <p:cNvPr id="2" name="タイトル 1">
-            <a:extLst>
-              <a:ext uri="{FF2B5EF4-FFF2-40B4-BE49-F238E27FC236}">
-                <a16:creationId xmlns:a16="http://schemas.microsoft.com/office/drawing/2014/main" xmlns="" id="{6F584A2C-E669-CE44-A264-10CEF60BD21A}"/>
-              </a:ext>
-            </a:extLst>
-          </p:cNvPr>
+          <p:cNvPr id="2" name="タイトル 1"/>
           <p:cNvSpPr>
             <a:spLocks noGrp="1"/>
           </p:cNvSpPr>
@@ -5171,22 +5187,16 @@
           <a:lstStyle/>
           <a:p>
             <a:r>
-              <a:rPr lang="ja-JP" altLang="en-US"/>
+              <a:rPr kumimoji="1" lang="ja-JP" altLang="en-US" dirty="0" smtClean="0"/>
               <a:t>まとめ</a:t>
             </a:r>
-            <a:endParaRPr kumimoji="1" lang="ja-JP" altLang="en-US"/>
-          </a:p>
-        </p:txBody>
-      </p:sp>
-      <p:sp>
-        <p:nvSpPr>
-          <p:cNvPr id="3" name="コンテンツ プレースホルダー 2">
-            <a:extLst>
-              <a:ext uri="{FF2B5EF4-FFF2-40B4-BE49-F238E27FC236}">
-                <a16:creationId xmlns:a16="http://schemas.microsoft.com/office/drawing/2014/main" xmlns="" id="{66C3A0BD-2AA3-F149-90C2-DFBDD1F2DDFF}"/>
-              </a:ext>
-            </a:extLst>
-          </p:cNvPr>
+            <a:endParaRPr kumimoji="1" lang="ja-JP" altLang="en-US" dirty="0"/>
+          </a:p>
+        </p:txBody>
+      </p:sp>
+      <p:sp>
+        <p:nvSpPr>
+          <p:cNvPr id="3" name="コンテンツ プレースホルダー 2"/>
           <p:cNvSpPr>
             <a:spLocks noGrp="1"/>
           </p:cNvSpPr>
@@ -5206,13 +5216,276 @@
     </p:spTree>
     <p:extLst>
       <p:ext uri="{BB962C8B-B14F-4D97-AF65-F5344CB8AC3E}">
-        <p14:creationId xmlns:p14="http://schemas.microsoft.com/office/powerpoint/2010/main" val="1473631637"/>
+        <p14:creationId xmlns:p14="http://schemas.microsoft.com/office/powerpoint/2010/main" val="3533172223"/>
       </p:ext>
     </p:extLst>
   </p:cSld>
   <p:clrMapOvr>
     <a:masterClrMapping/>
   </p:clrMapOvr>
+  <p:timing>
+    <p:tnLst>
+      <p:par>
+        <p:cTn id="1" dur="indefinite" restart="never" nodeType="tmRoot"/>
+      </p:par>
+    </p:tnLst>
+  </p:timing>
+</p:sld>
+</file>
+
+<file path=ppt/slides/slide13.xml><?xml version="1.0" encoding="utf-8"?>
+<p:sld xmlns:a="http://schemas.openxmlformats.org/drawingml/2006/main" xmlns:r="http://schemas.openxmlformats.org/officeDocument/2006/relationships" xmlns:p="http://schemas.openxmlformats.org/presentationml/2006/main">
+  <p:cSld>
+    <p:spTree>
+      <p:nvGrpSpPr>
+        <p:cNvPr id="1" name=""/>
+        <p:cNvGrpSpPr/>
+        <p:nvPr/>
+      </p:nvGrpSpPr>
+      <p:grpSpPr>
+        <a:xfrm>
+          <a:off x="0" y="0"/>
+          <a:ext cx="0" cy="0"/>
+          <a:chOff x="0" y="0"/>
+          <a:chExt cx="0" cy="0"/>
+        </a:xfrm>
+      </p:grpSpPr>
+      <p:sp>
+        <p:nvSpPr>
+          <p:cNvPr id="2" name="タイトル 1">
+            <a:extLst>
+              <a:ext uri="{FF2B5EF4-FFF2-40B4-BE49-F238E27FC236}">
+                <a16:creationId xmlns="" xmlns:a16="http://schemas.microsoft.com/office/drawing/2014/main" id="{64A11CCF-73BE-084D-A8D7-B183386D4431}"/>
+              </a:ext>
+            </a:extLst>
+          </p:cNvPr>
+          <p:cNvSpPr>
+            <a:spLocks noGrp="1"/>
+          </p:cNvSpPr>
+          <p:nvPr>
+            <p:ph type="title"/>
+          </p:nvPr>
+        </p:nvSpPr>
+        <p:spPr/>
+        <p:txBody>
+          <a:bodyPr/>
+          <a:lstStyle/>
+          <a:p>
+            <a:r>
+              <a:rPr lang="ja-JP" altLang="en-US" dirty="0"/>
+              <a:t>折れ線</a:t>
+            </a:r>
+            <a:r>
+              <a:rPr lang="ja-JP" altLang="en-US" dirty="0" smtClean="0"/>
+              <a:t>グラフ・棒グラフ</a:t>
+            </a:r>
+            <a:endParaRPr kumimoji="1" lang="ja-JP" altLang="en-US" dirty="0"/>
+          </a:p>
+        </p:txBody>
+      </p:sp>
+      <p:sp>
+        <p:nvSpPr>
+          <p:cNvPr id="3" name="コンテンツ プレースホルダー 2">
+            <a:extLst>
+              <a:ext uri="{FF2B5EF4-FFF2-40B4-BE49-F238E27FC236}">
+                <a16:creationId xmlns="" xmlns:a16="http://schemas.microsoft.com/office/drawing/2014/main" id="{DEFF8EDF-62D5-3044-8E76-F620FB00CBA7}"/>
+              </a:ext>
+            </a:extLst>
+          </p:cNvPr>
+          <p:cNvSpPr>
+            <a:spLocks noGrp="1"/>
+          </p:cNvSpPr>
+          <p:nvPr>
+            <p:ph idx="1"/>
+          </p:nvPr>
+        </p:nvSpPr>
+        <p:spPr/>
+        <p:txBody>
+          <a:bodyPr/>
+          <a:lstStyle/>
+          <a:p>
+            <a:endParaRPr lang="en-US" altLang="ja-JP" dirty="0"/>
+          </a:p>
+          <a:p>
+            <a:r>
+              <a:rPr kumimoji="1" lang="ja-JP" altLang="en-US" dirty="0" smtClean="0"/>
+              <a:t>時系列に沿った変化が</a:t>
+            </a:r>
+            <a:r>
+              <a:rPr kumimoji="1" lang="ja-JP" altLang="en-US" dirty="0" smtClean="0"/>
+              <a:t>見やすい</a:t>
+            </a:r>
+            <a:endParaRPr kumimoji="1" lang="en-US" altLang="ja-JP" dirty="0" smtClean="0"/>
+          </a:p>
+          <a:p>
+            <a:endParaRPr lang="en-US" altLang="ja-JP" dirty="0"/>
+          </a:p>
+          <a:p>
+            <a:r>
+              <a:rPr kumimoji="1" lang="en-US" altLang="ja-JP" dirty="0" smtClean="0"/>
+              <a:t>2</a:t>
+            </a:r>
+            <a:r>
+              <a:rPr kumimoji="1" lang="ja-JP" altLang="en-US" dirty="0" err="1" smtClean="0"/>
+              <a:t>つの</a:t>
+            </a:r>
+            <a:r>
+              <a:rPr kumimoji="1" lang="ja-JP" altLang="en-US" dirty="0" smtClean="0"/>
+              <a:t>要素を比較することができる</a:t>
+            </a:r>
+            <a:endParaRPr kumimoji="1" lang="en-US" altLang="ja-JP" dirty="0" smtClean="0"/>
+          </a:p>
+          <a:p>
+            <a:endParaRPr lang="en-US" altLang="ja-JP" dirty="0"/>
+          </a:p>
+          <a:p>
+            <a:endParaRPr kumimoji="1" lang="en-US" altLang="ja-JP" dirty="0" smtClean="0"/>
+          </a:p>
+          <a:p>
+            <a:endParaRPr lang="en-US" altLang="ja-JP" dirty="0" smtClean="0"/>
+          </a:p>
+          <a:p>
+            <a:endParaRPr lang="en-US" altLang="ja-JP" dirty="0"/>
+          </a:p>
+        </p:txBody>
+      </p:sp>
+    </p:spTree>
+    <p:extLst>
+      <p:ext uri="{BB962C8B-B14F-4D97-AF65-F5344CB8AC3E}">
+        <p14:creationId xmlns:p14="http://schemas.microsoft.com/office/powerpoint/2010/main" val="11634133"/>
+      </p:ext>
+    </p:extLst>
+  </p:cSld>
+  <p:clrMapOvr>
+    <a:masterClrMapping/>
+  </p:clrMapOvr>
+  <mc:AlternateContent xmlns:mc="http://schemas.openxmlformats.org/markup-compatibility/2006" xmlns:p14="http://schemas.microsoft.com/office/powerpoint/2010/main">
+    <mc:Choice Requires="p14">
+      <p:transition p14:dur="100">
+        <p:cut/>
+      </p:transition>
+    </mc:Choice>
+    <mc:Fallback xmlns="">
+      <p:transition>
+        <p:cut/>
+      </p:transition>
+    </mc:Fallback>
+  </mc:AlternateContent>
+  <p:timing>
+    <p:tnLst>
+      <p:par>
+        <p:cTn id="1" dur="indefinite" restart="never" nodeType="tmRoot"/>
+      </p:par>
+    </p:tnLst>
+  </p:timing>
+</p:sld>
+</file>
+
+<file path=ppt/slides/slide14.xml><?xml version="1.0" encoding="utf-8"?>
+<p:sld xmlns:a="http://schemas.openxmlformats.org/drawingml/2006/main" xmlns:r="http://schemas.openxmlformats.org/officeDocument/2006/relationships" xmlns:p="http://schemas.openxmlformats.org/presentationml/2006/main">
+  <p:cSld>
+    <p:spTree>
+      <p:nvGrpSpPr>
+        <p:cNvPr id="1" name=""/>
+        <p:cNvGrpSpPr/>
+        <p:nvPr/>
+      </p:nvGrpSpPr>
+      <p:grpSpPr>
+        <a:xfrm>
+          <a:off x="0" y="0"/>
+          <a:ext cx="0" cy="0"/>
+          <a:chOff x="0" y="0"/>
+          <a:chExt cx="0" cy="0"/>
+        </a:xfrm>
+      </p:grpSpPr>
+      <p:sp>
+        <p:nvSpPr>
+          <p:cNvPr id="2" name="タイトル 1"/>
+          <p:cNvSpPr>
+            <a:spLocks noGrp="1"/>
+          </p:cNvSpPr>
+          <p:nvPr>
+            <p:ph type="title"/>
+          </p:nvPr>
+        </p:nvSpPr>
+        <p:spPr/>
+        <p:txBody>
+          <a:bodyPr/>
+          <a:lstStyle/>
+          <a:p>
+            <a:r>
+              <a:rPr lang="en-US" altLang="ja-JP" dirty="0" err="1" smtClean="0"/>
+              <a:t>GeoChart</a:t>
+            </a:r>
+            <a:endParaRPr kumimoji="1" lang="ja-JP" altLang="en-US" dirty="0"/>
+          </a:p>
+        </p:txBody>
+      </p:sp>
+      <p:sp>
+        <p:nvSpPr>
+          <p:cNvPr id="3" name="コンテンツ プレースホルダー 2"/>
+          <p:cNvSpPr>
+            <a:spLocks noGrp="1"/>
+          </p:cNvSpPr>
+          <p:nvPr>
+            <p:ph idx="1"/>
+          </p:nvPr>
+        </p:nvSpPr>
+        <p:spPr/>
+        <p:txBody>
+          <a:bodyPr/>
+          <a:lstStyle/>
+          <a:p>
+            <a:endParaRPr lang="en-US" altLang="ja-JP" dirty="0"/>
+          </a:p>
+          <a:p>
+            <a:pPr marL="0" indent="0">
+              <a:buNone/>
+            </a:pPr>
+            <a:endParaRPr kumimoji="1" lang="en-US" altLang="ja-JP" dirty="0"/>
+          </a:p>
+          <a:p>
+            <a:r>
+              <a:rPr lang="ja-JP" altLang="en-US" dirty="0"/>
+              <a:t>地域特性が見やすい</a:t>
+            </a:r>
+            <a:endParaRPr lang="en-US" altLang="ja-JP" dirty="0"/>
+          </a:p>
+          <a:p>
+            <a:endParaRPr lang="en-US" altLang="ja-JP" dirty="0"/>
+          </a:p>
+          <a:p>
+            <a:r>
+              <a:rPr lang="ja-JP" altLang="en-US" dirty="0" smtClean="0"/>
+              <a:t>時間的推移</a:t>
+            </a:r>
+            <a:r>
+              <a:rPr lang="ja-JP" altLang="en-US" dirty="0"/>
+              <a:t>が見にくい</a:t>
+            </a:r>
+          </a:p>
+          <a:p>
+            <a:endParaRPr kumimoji="1" lang="en-US" altLang="ja-JP" dirty="0"/>
+          </a:p>
+        </p:txBody>
+      </p:sp>
+    </p:spTree>
+    <p:extLst>
+      <p:ext uri="{BB962C8B-B14F-4D97-AF65-F5344CB8AC3E}">
+        <p14:creationId xmlns:p14="http://schemas.microsoft.com/office/powerpoint/2010/main" val="2117400784"/>
+      </p:ext>
+    </p:extLst>
+  </p:cSld>
+  <p:clrMapOvr>
+    <a:masterClrMapping/>
+  </p:clrMapOvr>
+  <p:timing>
+    <p:tnLst>
+      <p:par>
+        <p:cTn id="1" dur="indefinite" restart="never" nodeType="tmRoot"/>
+      </p:par>
+    </p:tnLst>
+  </p:timing>
 </p:sld>
 </file>
 
@@ -5309,6 +5582,13 @@
   <p:clrMapOvr>
     <a:masterClrMapping/>
   </p:clrMapOvr>
+  <p:timing>
+    <p:tnLst>
+      <p:par>
+        <p:cTn id="1" dur="indefinite" restart="never" nodeType="tmRoot"/>
+      </p:par>
+    </p:tnLst>
+  </p:timing>
 </p:sld>
 </file>
 
@@ -5334,7 +5614,7 @@
           <p:cNvPr id="2" name="タイトル 1">
             <a:extLst>
               <a:ext uri="{FF2B5EF4-FFF2-40B4-BE49-F238E27FC236}">
-                <a16:creationId xmlns:a16="http://schemas.microsoft.com/office/drawing/2014/main" xmlns="" id="{896E4980-C4A7-5A4F-A462-99F235D2E767}"/>
+                <a16:creationId xmlns="" xmlns:a16="http://schemas.microsoft.com/office/drawing/2014/main" id="{896E4980-C4A7-5A4F-A462-99F235D2E767}"/>
               </a:ext>
             </a:extLst>
           </p:cNvPr>
@@ -5362,7 +5642,7 @@
           <p:cNvPr id="3" name="コンテンツ プレースホルダー 2">
             <a:extLst>
               <a:ext uri="{FF2B5EF4-FFF2-40B4-BE49-F238E27FC236}">
-                <a16:creationId xmlns:a16="http://schemas.microsoft.com/office/drawing/2014/main" xmlns="" id="{D83D92FA-7F8A-C342-A02E-997F9C036FFA}"/>
+                <a16:creationId xmlns="" xmlns:a16="http://schemas.microsoft.com/office/drawing/2014/main" id="{D83D92FA-7F8A-C342-A02E-997F9C036FFA}"/>
               </a:ext>
             </a:extLst>
           </p:cNvPr>
@@ -5426,6 +5706,13 @@
   <p:clrMapOvr>
     <a:masterClrMapping/>
   </p:clrMapOvr>
+  <p:timing>
+    <p:tnLst>
+      <p:par>
+        <p:cTn id="1" dur="indefinite" restart="never" nodeType="tmRoot"/>
+      </p:par>
+    </p:tnLst>
+  </p:timing>
 </p:sld>
 </file>
 
@@ -5451,7 +5738,7 @@
           <p:cNvPr id="2" name="タイトル 1">
             <a:extLst>
               <a:ext uri="{FF2B5EF4-FFF2-40B4-BE49-F238E27FC236}">
-                <a16:creationId xmlns:a16="http://schemas.microsoft.com/office/drawing/2014/main" xmlns="" id="{CBA8BA4B-598F-334C-AE25-93577CEDDC57}"/>
+                <a16:creationId xmlns="" xmlns:a16="http://schemas.microsoft.com/office/drawing/2014/main" id="{CBA8BA4B-598F-334C-AE25-93577CEDDC57}"/>
               </a:ext>
             </a:extLst>
           </p:cNvPr>
@@ -5480,7 +5767,7 @@
           <p:cNvPr id="3" name="コンテンツ プレースホルダー 2">
             <a:extLst>
               <a:ext uri="{FF2B5EF4-FFF2-40B4-BE49-F238E27FC236}">
-                <a16:creationId xmlns:a16="http://schemas.microsoft.com/office/drawing/2014/main" xmlns="" id="{2402BAF8-03EA-584A-B27B-7CF2D553193C}"/>
+                <a16:creationId xmlns="" xmlns:a16="http://schemas.microsoft.com/office/drawing/2014/main" id="{2402BAF8-03EA-584A-B27B-7CF2D553193C}"/>
               </a:ext>
             </a:extLst>
           </p:cNvPr>
@@ -5532,6 +5819,13 @@
   <p:clrMapOvr>
     <a:masterClrMapping/>
   </p:clrMapOvr>
+  <p:timing>
+    <p:tnLst>
+      <p:par>
+        <p:cTn id="1" dur="indefinite" restart="never" nodeType="tmRoot"/>
+      </p:par>
+    </p:tnLst>
+  </p:timing>
 </p:sld>
 </file>
 
@@ -5554,13 +5848,7 @@
       </p:grpSpPr>
       <p:sp>
         <p:nvSpPr>
-          <p:cNvPr id="2" name="タイトル 1">
-            <a:extLst>
-              <a:ext uri="{FF2B5EF4-FFF2-40B4-BE49-F238E27FC236}">
-                <a16:creationId xmlns:a16="http://schemas.microsoft.com/office/drawing/2014/main" xmlns="" id="{9D35B7F5-C616-2546-AAE3-A4C37ADA891C}"/>
-              </a:ext>
-            </a:extLst>
-          </p:cNvPr>
+          <p:cNvPr id="2" name="タイトル 1"/>
           <p:cNvSpPr>
             <a:spLocks noGrp="1"/>
           </p:cNvSpPr>
@@ -5574,21 +5862,20 @@
           <a:lstStyle/>
           <a:p>
             <a:r>
-              <a:rPr kumimoji="1" lang="ja-JP" altLang="en-US"/>
-              <a:t>比較した可視化ツール</a:t>
-            </a:r>
-          </a:p>
-        </p:txBody>
-      </p:sp>
-      <p:sp>
-        <p:nvSpPr>
-          <p:cNvPr id="3" name="コンテンツ プレースホルダー 2">
-            <a:extLst>
-              <a:ext uri="{FF2B5EF4-FFF2-40B4-BE49-F238E27FC236}">
-                <a16:creationId xmlns:a16="http://schemas.microsoft.com/office/drawing/2014/main" xmlns="" id="{F5CDCC94-1BC0-9F45-BD6E-AEA44C88CDA1}"/>
-              </a:ext>
-            </a:extLst>
-          </p:cNvPr>
+              <a:rPr lang="ja-JP" altLang="en-US" dirty="0"/>
+              <a:t>使用する統計</a:t>
+            </a:r>
+            <a:r>
+              <a:rPr lang="ja-JP" altLang="en-US" dirty="0" smtClean="0"/>
+              <a:t>データ</a:t>
+            </a:r>
+            <a:endParaRPr kumimoji="1" lang="ja-JP" altLang="en-US" dirty="0"/>
+          </a:p>
+        </p:txBody>
+      </p:sp>
+      <p:sp>
+        <p:nvSpPr>
+          <p:cNvPr id="3" name="コンテンツ プレースホルダー 2"/>
           <p:cNvSpPr>
             <a:spLocks noGrp="1"/>
           </p:cNvSpPr>
@@ -5602,50 +5889,7 @@
           <a:lstStyle/>
           <a:p>
             <a:r>
-              <a:rPr lang="en-US" altLang="ja-JP" dirty="0"/>
-              <a:t>matplotlib</a:t>
-            </a:r>
-            <a:r>
-              <a:rPr lang="ja-JP" altLang="en-US" dirty="0"/>
-              <a:t>のグラフ</a:t>
-            </a:r>
-            <a:r>
-              <a:rPr lang="ja-JP" altLang="en-US"/>
-              <a:t>（折れ線グラフ</a:t>
-            </a:r>
-            <a:r>
-              <a:rPr lang="ja-JP" altLang="en-US" dirty="0"/>
-              <a:t>）</a:t>
-            </a:r>
-            <a:endParaRPr lang="en-US" altLang="ja-JP" dirty="0"/>
-          </a:p>
-          <a:p>
-            <a:r>
-              <a:rPr lang="en-US" altLang="ja-JP" dirty="0"/>
-              <a:t>Google Chart</a:t>
-            </a:r>
-            <a:r>
-              <a:rPr lang="ja-JP" altLang="en-US" dirty="0"/>
-              <a:t>のジオチャート、バブルチャート</a:t>
-            </a:r>
-            <a:endParaRPr lang="en-US" altLang="ja-JP" dirty="0"/>
-          </a:p>
-          <a:p>
-            <a:endParaRPr lang="en-US" altLang="ja-JP" dirty="0"/>
-          </a:p>
-          <a:p>
-            <a:pPr marL="0" indent="0">
-              <a:buNone/>
-            </a:pPr>
-            <a:r>
-              <a:rPr lang="ja-JP" altLang="en-US" dirty="0"/>
-              <a:t>使用する統計データ：</a:t>
-            </a:r>
-            <a:endParaRPr lang="en-US" altLang="ja-JP" dirty="0"/>
-          </a:p>
-          <a:p>
-            <a:r>
-              <a:rPr lang="ja-JP" altLang="en-US" dirty="0"/>
+              <a:rPr lang="ja-JP" altLang="en-US" dirty="0" smtClean="0"/>
               <a:t>国別</a:t>
             </a:r>
             <a:r>
@@ -5654,43 +5898,93 @@
             </a:r>
             <a:r>
               <a:rPr lang="ja-JP" altLang="en-US" dirty="0"/>
-              <a:t>による</a:t>
-            </a:r>
-            <a:r>
-              <a:rPr lang="ja-JP" altLang="en-US"/>
-              <a:t>年間死亡者数</a:t>
-            </a:r>
+              <a:t>による年間死</a:t>
+            </a:r>
+            <a:r>
+              <a:rPr lang="ja-JP" altLang="en-US" dirty="0" smtClean="0"/>
+              <a:t>亡者数</a:t>
+            </a:r>
+            <a:r>
+              <a:rPr lang="en-US" altLang="ja-JP" dirty="0" smtClean="0"/>
+              <a:t>(The</a:t>
+            </a:r>
+            <a:r>
+              <a:rPr lang="ja-JP" altLang="en-US" dirty="0" smtClean="0"/>
+              <a:t> </a:t>
+            </a:r>
+            <a:r>
+              <a:rPr lang="en-US" altLang="ja-JP" dirty="0" err="1" smtClean="0"/>
+              <a:t>Database,WHO</a:t>
+            </a:r>
+            <a:r>
+              <a:rPr lang="ja-JP" altLang="en-US" dirty="0" smtClean="0"/>
+              <a:t>より</a:t>
+            </a:r>
+            <a:r>
+              <a:rPr lang="en-US" altLang="ja-JP" dirty="0" smtClean="0"/>
+              <a:t>)</a:t>
+            </a:r>
+          </a:p>
+          <a:p>
             <a:endParaRPr lang="en-US" altLang="ja-JP" dirty="0"/>
           </a:p>
           <a:p>
             <a:r>
-              <a:rPr lang="ja-JP" altLang="en-US"/>
-              <a:t>国別乳児死亡率</a:t>
-            </a:r>
+              <a:rPr lang="ja-JP" altLang="en-US" dirty="0"/>
+              <a:t>国別乳児</a:t>
+            </a:r>
+            <a:r>
+              <a:rPr lang="ja-JP" altLang="en-US" dirty="0" smtClean="0"/>
+              <a:t>死亡率</a:t>
+            </a:r>
+            <a:r>
+              <a:rPr lang="en-US" altLang="ja-JP" dirty="0" smtClean="0"/>
+              <a:t>(</a:t>
+            </a:r>
+            <a:r>
+              <a:rPr lang="ja-JP" altLang="en-US" dirty="0" smtClean="0"/>
+              <a:t>同上</a:t>
+            </a:r>
+            <a:r>
+              <a:rPr lang="en-US" altLang="ja-JP" dirty="0" smtClean="0"/>
+              <a:t>)</a:t>
+            </a:r>
+          </a:p>
+          <a:p>
             <a:endParaRPr lang="en-US" altLang="ja-JP" dirty="0"/>
           </a:p>
           <a:p>
             <a:r>
-              <a:rPr lang="ja-JP" altLang="en-US"/>
+              <a:rPr lang="ja-JP" altLang="en-US" dirty="0"/>
               <a:t>国別人口</a:t>
             </a:r>
             <a:r>
               <a:rPr lang="en-US" altLang="ja-JP" dirty="0"/>
-              <a:t>, GDP</a:t>
-            </a:r>
-          </a:p>
-          <a:p>
+              <a:t>, </a:t>
+            </a:r>
+            <a:r>
+              <a:rPr lang="en-US" altLang="ja-JP" dirty="0" smtClean="0"/>
+              <a:t>GDP(World Development Indicators</a:t>
+            </a:r>
+            <a:r>
+              <a:rPr lang="ja-JP" altLang="en-US" dirty="0" smtClean="0"/>
+              <a:t> より</a:t>
+            </a:r>
+            <a:r>
+              <a:rPr lang="en-US" altLang="ja-JP" dirty="0" smtClean="0"/>
+              <a:t>)</a:t>
+            </a:r>
             <a:endParaRPr lang="en-US" altLang="ja-JP" dirty="0"/>
           </a:p>
           <a:p>
-            <a:endParaRPr lang="en-US" altLang="ja-JP" dirty="0"/>
+            <a:endParaRPr kumimoji="1" lang="ja-JP" altLang="en-US" dirty="0"/>
           </a:p>
         </p:txBody>
       </p:sp>
     </p:spTree>
     <p:extLst>
       <p:ext uri="{BB962C8B-B14F-4D97-AF65-F5344CB8AC3E}">
-        <p14:creationId xmlns:p14="http://schemas.microsoft.com/office/powerpoint/2010/main" val="4009065063"/>
+        <p14:creationId xmlns:p14="http://schemas.microsoft.com/office/powerpoint/2010/main" val="3169366597"/>
       </p:ext>
     </p:extLst>
   </p:cSld>
@@ -5729,7 +6023,7 @@
           <p:cNvPr id="2" name="タイトル 1">
             <a:extLst>
               <a:ext uri="{FF2B5EF4-FFF2-40B4-BE49-F238E27FC236}">
-                <a16:creationId xmlns:a16="http://schemas.microsoft.com/office/drawing/2014/main" xmlns="" id="{64A11CCF-73BE-084D-A8D7-B183386D4431}"/>
+                <a16:creationId xmlns="" xmlns:a16="http://schemas.microsoft.com/office/drawing/2014/main" id="{9D35B7F5-C616-2546-AAE3-A4C37ADA891C}"/>
               </a:ext>
             </a:extLst>
           </p:cNvPr>
@@ -5746,72 +6040,85 @@
           <a:lstStyle/>
           <a:p>
             <a:r>
+              <a:rPr kumimoji="1" lang="ja-JP" altLang="en-US"/>
+              <a:t>比較した可視化ツール</a:t>
+            </a:r>
+          </a:p>
+        </p:txBody>
+      </p:sp>
+      <p:sp>
+        <p:nvSpPr>
+          <p:cNvPr id="3" name="コンテンツ プレースホルダー 2">
+            <a:extLst>
+              <a:ext uri="{FF2B5EF4-FFF2-40B4-BE49-F238E27FC236}">
+                <a16:creationId xmlns="" xmlns:a16="http://schemas.microsoft.com/office/drawing/2014/main" id="{F5CDCC94-1BC0-9F45-BD6E-AEA44C88CDA1}"/>
+              </a:ext>
+            </a:extLst>
+          </p:cNvPr>
+          <p:cNvSpPr>
+            <a:spLocks noGrp="1"/>
+          </p:cNvSpPr>
+          <p:nvPr>
+            <p:ph idx="1"/>
+          </p:nvPr>
+        </p:nvSpPr>
+        <p:spPr/>
+        <p:txBody>
+          <a:bodyPr/>
+          <a:lstStyle/>
+          <a:p>
+            <a:r>
+              <a:rPr lang="en-US" altLang="ja-JP" dirty="0"/>
+              <a:t>Google Chart</a:t>
+            </a:r>
+            <a:r>
               <a:rPr lang="ja-JP" altLang="en-US" dirty="0"/>
-              <a:t>折れ線</a:t>
+              <a:t>の</a:t>
+            </a:r>
+            <a:r>
+              <a:rPr lang="en-US" altLang="ja-JP" dirty="0" err="1" smtClean="0"/>
+              <a:t>GeoChart</a:t>
+            </a:r>
+            <a:endParaRPr lang="en-US" altLang="ja-JP" dirty="0" smtClean="0"/>
+          </a:p>
+          <a:p>
+            <a:endParaRPr lang="en-US" altLang="ja-JP" dirty="0" smtClean="0"/>
+          </a:p>
+          <a:p>
+            <a:r>
+              <a:rPr lang="en-US" altLang="ja-JP" dirty="0" err="1" smtClean="0"/>
+              <a:t>matplotlib</a:t>
             </a:r>
             <a:r>
               <a:rPr lang="ja-JP" altLang="en-US" dirty="0" smtClean="0"/>
-              <a:t>グラフ・棒グラフ</a:t>
-            </a:r>
-            <a:endParaRPr kumimoji="1" lang="ja-JP" altLang="en-US" dirty="0"/>
-          </a:p>
-        </p:txBody>
-      </p:sp>
-      <p:sp>
-        <p:nvSpPr>
-          <p:cNvPr id="3" name="コンテンツ プレースホルダー 2">
-            <a:extLst>
-              <a:ext uri="{FF2B5EF4-FFF2-40B4-BE49-F238E27FC236}">
-                <a16:creationId xmlns:a16="http://schemas.microsoft.com/office/drawing/2014/main" xmlns="" id="{DEFF8EDF-62D5-3044-8E76-F620FB00CBA7}"/>
-              </a:ext>
-            </a:extLst>
-          </p:cNvPr>
-          <p:cNvSpPr>
-            <a:spLocks noGrp="1"/>
-          </p:cNvSpPr>
-          <p:nvPr>
-            <p:ph idx="1"/>
-          </p:nvPr>
-        </p:nvSpPr>
-        <p:spPr/>
-        <p:txBody>
-          <a:bodyPr/>
-          <a:lstStyle/>
-          <a:p>
-            <a:r>
-              <a:rPr kumimoji="1" lang="en-US" altLang="ja-JP" dirty="0" smtClean="0"/>
-              <a:t>2</a:t>
-            </a:r>
-            <a:r>
-              <a:rPr kumimoji="1" lang="ja-JP" altLang="en-US" dirty="0" err="1" smtClean="0"/>
-              <a:t>つの</a:t>
-            </a:r>
-            <a:r>
-              <a:rPr kumimoji="1" lang="ja-JP" altLang="en-US" dirty="0" smtClean="0"/>
-              <a:t>要素を</a:t>
-            </a:r>
-            <a:r>
-              <a:rPr kumimoji="1" lang="en-US" altLang="ja-JP" dirty="0" smtClean="0"/>
-              <a:t>2</a:t>
-            </a:r>
-            <a:r>
-              <a:rPr kumimoji="1" lang="ja-JP" altLang="en-US" dirty="0" smtClean="0"/>
-              <a:t>種類のグラフで表示</a:t>
-            </a:r>
-            <a:endParaRPr kumimoji="1" lang="en-US" altLang="ja-JP" dirty="0" smtClean="0"/>
-          </a:p>
-          <a:p>
+              <a:t>の折れ線グラフ</a:t>
+            </a:r>
+            <a:endParaRPr lang="en-US" altLang="ja-JP" dirty="0" smtClean="0"/>
+          </a:p>
+          <a:p>
+            <a:endParaRPr lang="en-US" altLang="ja-JP" dirty="0" smtClean="0"/>
+          </a:p>
+          <a:p>
+            <a:r>
+              <a:rPr lang="en-US" altLang="ja-JP" dirty="0" err="1"/>
+              <a:t>m</a:t>
+            </a:r>
+            <a:r>
+              <a:rPr lang="en-US" altLang="ja-JP" dirty="0" err="1" smtClean="0"/>
+              <a:t>atplotlib</a:t>
+            </a:r>
+            <a:r>
+              <a:rPr lang="ja-JP" altLang="en-US" dirty="0" smtClean="0"/>
+              <a:t>の</a:t>
+            </a:r>
+            <a:r>
+              <a:rPr lang="ja-JP" altLang="en-US" dirty="0" smtClean="0"/>
+              <a:t>棒グラフ</a:t>
+            </a:r>
             <a:endParaRPr lang="en-US" altLang="ja-JP" dirty="0"/>
           </a:p>
           <a:p>
-            <a:r>
-              <a:rPr kumimoji="1" lang="ja-JP" altLang="en-US" dirty="0" smtClean="0"/>
-              <a:t>時系列に沿った変化が見やすい</a:t>
-            </a:r>
-            <a:endParaRPr kumimoji="1" lang="en-US" altLang="ja-JP" dirty="0" smtClean="0"/>
-          </a:p>
-          <a:p>
-            <a:endParaRPr lang="en-US" altLang="ja-JP" dirty="0" smtClean="0"/>
+            <a:endParaRPr lang="en-US" altLang="ja-JP" dirty="0"/>
           </a:p>
           <a:p>
             <a:endParaRPr lang="en-US" altLang="ja-JP" dirty="0"/>
@@ -5821,25 +6128,13 @@
     </p:spTree>
     <p:extLst>
       <p:ext uri="{BB962C8B-B14F-4D97-AF65-F5344CB8AC3E}">
-        <p14:creationId xmlns:p14="http://schemas.microsoft.com/office/powerpoint/2010/main" val="11634133"/>
+        <p14:creationId xmlns:p14="http://schemas.microsoft.com/office/powerpoint/2010/main" val="4009065063"/>
       </p:ext>
     </p:extLst>
   </p:cSld>
   <p:clrMapOvr>
     <a:masterClrMapping/>
   </p:clrMapOvr>
-  <mc:AlternateContent xmlns:mc="http://schemas.openxmlformats.org/markup-compatibility/2006" xmlns:p14="http://schemas.microsoft.com/office/powerpoint/2010/main">
-    <mc:Choice Requires="p14">
-      <p:transition p14:dur="100">
-        <p:cut/>
-      </p:transition>
-    </mc:Choice>
-    <mc:Fallback xmlns="">
-      <p:transition>
-        <p:cut/>
-      </p:transition>
-    </mc:Fallback>
-  </mc:AlternateContent>
   <p:timing>
     <p:tnLst>
       <p:par>
@@ -5883,82 +6178,93 @@
           <a:lstStyle/>
           <a:p>
             <a:r>
+              <a:rPr kumimoji="1" lang="en-US" altLang="ja-JP" dirty="0" smtClean="0"/>
+              <a:t>Google Chart</a:t>
+            </a:r>
+            <a:r>
               <a:rPr kumimoji="1" lang="ja-JP" altLang="en-US" dirty="0" smtClean="0"/>
-              <a:t>折れ線グラフ・棒グラフ</a:t>
+              <a:t>とは</a:t>
             </a:r>
             <a:endParaRPr kumimoji="1" lang="ja-JP" altLang="en-US" dirty="0"/>
           </a:p>
         </p:txBody>
       </p:sp>
-      <p:pic>
-        <p:nvPicPr>
-          <p:cNvPr id="5" name="コンテンツ プレースホルダー 4"/>
-          <p:cNvPicPr>
-            <a:picLocks noGrp="1" noChangeAspect="1"/>
-          </p:cNvPicPr>
+      <p:sp>
+        <p:nvSpPr>
+          <p:cNvPr id="3" name="コンテンツ プレースホルダー 2"/>
+          <p:cNvSpPr>
+            <a:spLocks noGrp="1"/>
+          </p:cNvSpPr>
           <p:nvPr>
             <p:ph idx="1"/>
           </p:nvPr>
-        </p:nvPicPr>
-        <p:blipFill>
-          <a:blip r:embed="rId2">
-            <a:extLst>
-              <a:ext uri="{28A0092B-C50C-407E-A947-70E740481C1C}">
-                <a14:useLocalDpi xmlns:a14="http://schemas.microsoft.com/office/drawing/2010/main" val="0"/>
-              </a:ext>
-            </a:extLst>
-          </a:blip>
-          <a:stretch>
-            <a:fillRect/>
-          </a:stretch>
-        </p:blipFill>
-        <p:spPr>
-          <a:xfrm>
-            <a:off x="1" y="1459865"/>
-            <a:ext cx="6521412" cy="4891059"/>
-          </a:xfrm>
-        </p:spPr>
-      </p:pic>
-      <p:pic>
-        <p:nvPicPr>
-          <p:cNvPr id="6" name="図 5"/>
-          <p:cNvPicPr>
-            <a:picLocks noChangeAspect="1"/>
-          </p:cNvPicPr>
-          <p:nvPr/>
-        </p:nvPicPr>
-        <p:blipFill>
-          <a:blip r:embed="rId3">
-            <a:extLst>
-              <a:ext uri="{28A0092B-C50C-407E-A947-70E740481C1C}">
-                <a14:useLocalDpi xmlns:a14="http://schemas.microsoft.com/office/drawing/2010/main" val="0"/>
-              </a:ext>
-            </a:extLst>
-          </a:blip>
-          <a:stretch>
-            <a:fillRect/>
-          </a:stretch>
-        </p:blipFill>
-        <p:spPr>
-          <a:xfrm>
-            <a:off x="5889607" y="1459865"/>
-            <a:ext cx="6095999" cy="4891059"/>
-          </a:xfrm>
-          <a:prstGeom prst="rect">
-            <a:avLst/>
-          </a:prstGeom>
-        </p:spPr>
-      </p:pic>
+        </p:nvSpPr>
+        <p:spPr/>
+        <p:txBody>
+          <a:bodyPr/>
+          <a:lstStyle/>
+          <a:p>
+            <a:r>
+              <a:rPr kumimoji="1" lang="en-US" altLang="ja-JP" dirty="0" smtClean="0"/>
+              <a:t>Google</a:t>
+            </a:r>
+            <a:r>
+              <a:rPr kumimoji="1" lang="ja-JP" altLang="en-US" dirty="0" err="1" smtClean="0"/>
+              <a:t>が提</a:t>
+            </a:r>
+            <a:r>
+              <a:rPr kumimoji="1" lang="ja-JP" altLang="en-US" dirty="0" smtClean="0"/>
+              <a:t>供するグラフ描画ツール</a:t>
+            </a:r>
+            <a:endParaRPr kumimoji="1" lang="en-US" altLang="ja-JP" dirty="0" smtClean="0"/>
+          </a:p>
+          <a:p>
+            <a:endParaRPr lang="en-US" altLang="ja-JP" dirty="0"/>
+          </a:p>
+          <a:p>
+            <a:r>
+              <a:rPr kumimoji="1" lang="en-US" altLang="ja-JP" dirty="0" err="1" smtClean="0"/>
+              <a:t>Javascript</a:t>
+            </a:r>
+            <a:r>
+              <a:rPr kumimoji="1" lang="ja-JP" altLang="en-US" dirty="0" smtClean="0"/>
+              <a:t>で動く</a:t>
+            </a:r>
+            <a:r>
+              <a:rPr kumimoji="1" lang="en-US" altLang="ja-JP" dirty="0" smtClean="0"/>
+              <a:t>Web</a:t>
+            </a:r>
+            <a:r>
+              <a:rPr kumimoji="1" lang="ja-JP" altLang="en-US" dirty="0" smtClean="0"/>
+              <a:t>アプリケーション</a:t>
+            </a:r>
+            <a:endParaRPr kumimoji="1" lang="en-US" altLang="ja-JP" dirty="0" smtClean="0"/>
+          </a:p>
+          <a:p>
+            <a:endParaRPr lang="en-US" altLang="ja-JP" dirty="0"/>
+          </a:p>
+          <a:p>
+            <a:endParaRPr kumimoji="1" lang="ja-JP" altLang="en-US" dirty="0"/>
+          </a:p>
+        </p:txBody>
+      </p:sp>
     </p:spTree>
     <p:extLst>
       <p:ext uri="{BB962C8B-B14F-4D97-AF65-F5344CB8AC3E}">
-        <p14:creationId xmlns:p14="http://schemas.microsoft.com/office/powerpoint/2010/main" val="590512483"/>
+        <p14:creationId xmlns:p14="http://schemas.microsoft.com/office/powerpoint/2010/main" val="1036109752"/>
       </p:ext>
     </p:extLst>
   </p:cSld>
   <p:clrMapOvr>
     <a:masterClrMapping/>
   </p:clrMapOvr>
+  <p:timing>
+    <p:tnLst>
+      <p:par>
+        <p:cTn id="1" dur="indefinite" restart="never" nodeType="tmRoot"/>
+      </p:par>
+    </p:tnLst>
+  </p:timing>
 </p:sld>
 </file>
 
@@ -5995,10 +6301,82 @@
           <a:lstStyle/>
           <a:p>
             <a:r>
+              <a:rPr kumimoji="1" lang="en-US" altLang="ja-JP" dirty="0" err="1" smtClean="0"/>
+              <a:t>GeoChart</a:t>
+            </a:r>
+            <a:r>
+              <a:rPr lang="ja-JP" altLang="en-US" dirty="0" smtClean="0"/>
+              <a:t>と</a:t>
+            </a:r>
+            <a:r>
               <a:rPr lang="ja-JP" altLang="en-US" dirty="0"/>
-              <a:t>ジオチャート</a:t>
+              <a:t>は</a:t>
             </a:r>
             <a:endParaRPr kumimoji="1" lang="ja-JP" altLang="en-US" dirty="0"/>
+          </a:p>
+        </p:txBody>
+      </p:sp>
+      <p:sp>
+        <p:nvSpPr>
+          <p:cNvPr id="3" name="コンテンツ プレースホルダー 2"/>
+          <p:cNvSpPr>
+            <a:spLocks noGrp="1"/>
+          </p:cNvSpPr>
+          <p:nvPr>
+            <p:ph idx="1"/>
+          </p:nvPr>
+        </p:nvSpPr>
+        <p:spPr>
+          <a:xfrm>
+            <a:off x="838200" y="1825625"/>
+            <a:ext cx="5314950" cy="4351338"/>
+          </a:xfrm>
+        </p:spPr>
+        <p:txBody>
+          <a:bodyPr/>
+          <a:lstStyle/>
+          <a:p>
+            <a:r>
+              <a:rPr kumimoji="1" lang="en-US" altLang="ja-JP" dirty="0" smtClean="0"/>
+              <a:t>Google Chart</a:t>
+            </a:r>
+            <a:r>
+              <a:rPr kumimoji="1" lang="ja-JP" altLang="en-US" dirty="0" smtClean="0"/>
+              <a:t>の機能の一つ</a:t>
+            </a:r>
+            <a:endParaRPr kumimoji="1" lang="en-US" altLang="ja-JP" dirty="0" smtClean="0"/>
+          </a:p>
+          <a:p>
+            <a:endParaRPr kumimoji="1" lang="en-US" altLang="ja-JP" dirty="0" smtClean="0"/>
+          </a:p>
+          <a:p>
+            <a:r>
+              <a:rPr kumimoji="1" lang="ja-JP" altLang="en-US" dirty="0" smtClean="0"/>
+              <a:t>階級区分図 </a:t>
+            </a:r>
+            <a:r>
+              <a:rPr kumimoji="1" lang="en-US" altLang="ja-JP" dirty="0" smtClean="0"/>
+              <a:t>Choropleth map</a:t>
+            </a:r>
+            <a:r>
+              <a:rPr kumimoji="1" lang="ja-JP" altLang="en-US" dirty="0" smtClean="0"/>
+              <a:t>を描画できる</a:t>
+            </a:r>
+            <a:endParaRPr kumimoji="1" lang="en-US" altLang="ja-JP" dirty="0" smtClean="0"/>
+          </a:p>
+          <a:p>
+            <a:endParaRPr lang="en-US" altLang="ja-JP" dirty="0"/>
+          </a:p>
+          <a:p>
+            <a:r>
+              <a:rPr lang="ja-JP" altLang="en-US" dirty="0" smtClean="0"/>
+              <a:t>階級区分図</a:t>
+            </a:r>
+            <a:r>
+              <a:rPr lang="en-US" altLang="ja-JP" dirty="0" smtClean="0"/>
+              <a:t>…</a:t>
+            </a:r>
+            <a:endParaRPr lang="en-US" altLang="ja-JP" dirty="0"/>
           </a:p>
         </p:txBody>
       </p:sp>
@@ -6006,11 +6384,9 @@
         <p:nvPicPr>
           <p:cNvPr id="4" name="コンテンツ プレースホルダー 3"/>
           <p:cNvPicPr>
-            <a:picLocks noGrp="1" noChangeAspect="1"/>
+            <a:picLocks noChangeAspect="1"/>
           </p:cNvPicPr>
-          <p:nvPr>
-            <p:ph idx="1"/>
-          </p:nvPr>
+          <p:nvPr/>
         </p:nvPicPr>
         <p:blipFill>
           <a:blip r:embed="rId3">
@@ -6026,8 +6402,8 @@
         </p:blipFill>
         <p:spPr>
           <a:xfrm>
-            <a:off x="2635372" y="1375248"/>
-            <a:ext cx="6921255" cy="4351338"/>
+            <a:off x="7105651" y="2596080"/>
+            <a:ext cx="4470278" cy="2810428"/>
           </a:xfrm>
           <a:prstGeom prst="rect">
             <a:avLst/>
@@ -6063,96 +6439,23 @@
           </a:sp3d>
         </p:spPr>
       </p:pic>
-      <p:sp>
-        <p:nvSpPr>
-          <p:cNvPr id="5" name="テキスト ボックス 4"/>
-          <p:cNvSpPr txBox="1"/>
-          <p:nvPr/>
-        </p:nvSpPr>
-        <p:spPr>
-          <a:xfrm>
-            <a:off x="3567751" y="6098865"/>
-            <a:ext cx="5056496" cy="369332"/>
-          </a:xfrm>
-          <a:prstGeom prst="rect">
-            <a:avLst/>
-          </a:prstGeom>
-          <a:noFill/>
-        </p:spPr>
-        <p:txBody>
-          <a:bodyPr wrap="square" rtlCol="0">
-            <a:spAutoFit/>
-          </a:bodyPr>
-          <a:lstStyle/>
-          <a:p>
-            <a:r>
-              <a:rPr kumimoji="1" lang="ja-JP" altLang="en-US" sz="1800" kern="1200" dirty="0">
-                <a:solidFill>
-                  <a:schemeClr val="tx1"/>
-                </a:solidFill>
-                <a:latin typeface="+mn-lt"/>
-                <a:ea typeface="+mn-ea"/>
-                <a:cs typeface="+mn-cs"/>
-              </a:rPr>
-              <a:t>図１　</a:t>
-            </a:r>
-            <a:r>
-              <a:rPr kumimoji="1" lang="en-US" altLang="ja-JP" sz="1800" kern="1200" dirty="0">
-                <a:solidFill>
-                  <a:schemeClr val="tx1"/>
-                </a:solidFill>
-                <a:latin typeface="+mn-lt"/>
-                <a:ea typeface="+mn-ea"/>
-                <a:cs typeface="+mn-cs"/>
-              </a:rPr>
-              <a:t>2000</a:t>
-            </a:r>
-            <a:r>
-              <a:rPr kumimoji="1" lang="ja-JP" altLang="en-US" sz="1800" kern="1200" dirty="0">
-                <a:solidFill>
-                  <a:schemeClr val="tx1"/>
-                </a:solidFill>
-                <a:latin typeface="+mn-lt"/>
-                <a:ea typeface="+mn-ea"/>
-                <a:cs typeface="+mn-cs"/>
-              </a:rPr>
-              <a:t>年の国別</a:t>
-            </a:r>
-            <a:r>
-              <a:rPr kumimoji="1" lang="en-US" altLang="ja-JP" sz="1800" kern="1200" dirty="0">
-                <a:solidFill>
-                  <a:schemeClr val="tx1"/>
-                </a:solidFill>
-                <a:latin typeface="+mn-lt"/>
-                <a:ea typeface="+mn-ea"/>
-                <a:cs typeface="+mn-cs"/>
-              </a:rPr>
-              <a:t>HIV/AIDS</a:t>
-            </a:r>
-            <a:r>
-              <a:rPr kumimoji="1" lang="ja-JP" altLang="en-US" sz="1800" kern="1200" dirty="0">
-                <a:solidFill>
-                  <a:schemeClr val="tx1"/>
-                </a:solidFill>
-                <a:latin typeface="+mn-lt"/>
-                <a:ea typeface="+mn-ea"/>
-                <a:cs typeface="+mn-cs"/>
-              </a:rPr>
-              <a:t>による死亡者数</a:t>
-            </a:r>
-          </a:p>
-        </p:txBody>
-      </p:sp>
     </p:spTree>
     <p:extLst>
       <p:ext uri="{BB962C8B-B14F-4D97-AF65-F5344CB8AC3E}">
-        <p14:creationId xmlns:p14="http://schemas.microsoft.com/office/powerpoint/2010/main" val="2718392308"/>
+        <p14:creationId xmlns:p14="http://schemas.microsoft.com/office/powerpoint/2010/main" val="1635559087"/>
       </p:ext>
     </p:extLst>
   </p:cSld>
   <p:clrMapOvr>
     <a:masterClrMapping/>
   </p:clrMapOvr>
+  <p:timing>
+    <p:tnLst>
+      <p:par>
+        <p:cTn id="1" dur="indefinite" restart="never" nodeType="tmRoot"/>
+      </p:par>
+    </p:tnLst>
+  </p:timing>
 </p:sld>
 </file>
 
@@ -6178,7 +6481,7 @@
           <p:cNvPr id="5" name="コンテンツ プレースホルダー 4">
             <a:extLst>
               <a:ext uri="{FF2B5EF4-FFF2-40B4-BE49-F238E27FC236}">
-                <a16:creationId xmlns:a16="http://schemas.microsoft.com/office/drawing/2014/main" xmlns="" id="{1E5D8649-DA8C-214B-B91C-F807A6D4F3BF}"/>
+                <a16:creationId xmlns="" xmlns:a16="http://schemas.microsoft.com/office/drawing/2014/main" id="{1E5D8649-DA8C-214B-B91C-F807A6D4F3BF}"/>
               </a:ext>
             </a:extLst>
           </p:cNvPr>
@@ -6207,7 +6510,7 @@
           <p:cNvPr id="7" name="図 6">
             <a:extLst>
               <a:ext uri="{FF2B5EF4-FFF2-40B4-BE49-F238E27FC236}">
-                <a16:creationId xmlns:a16="http://schemas.microsoft.com/office/drawing/2014/main" xmlns="" id="{D606FACA-C735-7445-A696-121B917347DF}"/>
+                <a16:creationId xmlns="" xmlns:a16="http://schemas.microsoft.com/office/drawing/2014/main" id="{D606FACA-C735-7445-A696-121B917347DF}"/>
               </a:ext>
             </a:extLst>
           </p:cNvPr>
@@ -6237,7 +6540,7 @@
           <p:cNvPr id="13" name="図 12">
             <a:extLst>
               <a:ext uri="{FF2B5EF4-FFF2-40B4-BE49-F238E27FC236}">
-                <a16:creationId xmlns:a16="http://schemas.microsoft.com/office/drawing/2014/main" xmlns="" id="{1CA906F6-D528-7E4B-9F59-254A16A30401}"/>
+                <a16:creationId xmlns="" xmlns:a16="http://schemas.microsoft.com/office/drawing/2014/main" id="{1CA906F6-D528-7E4B-9F59-254A16A30401}"/>
               </a:ext>
             </a:extLst>
           </p:cNvPr>
@@ -6262,157 +6565,6 @@
           </a:prstGeom>
         </p:spPr>
       </p:pic>
-      <p:sp>
-        <p:nvSpPr>
-          <p:cNvPr id="15" name="テキスト ボックス 14">
-            <a:extLst>
-              <a:ext uri="{FF2B5EF4-FFF2-40B4-BE49-F238E27FC236}">
-                <a16:creationId xmlns:a16="http://schemas.microsoft.com/office/drawing/2014/main" xmlns="" id="{067AB168-65F8-F54D-8654-A00BECE2E716}"/>
-              </a:ext>
-            </a:extLst>
-          </p:cNvPr>
-          <p:cNvSpPr txBox="1"/>
-          <p:nvPr/>
-        </p:nvSpPr>
-        <p:spPr>
-          <a:xfrm>
-            <a:off x="577412" y="399534"/>
-            <a:ext cx="697627" cy="369332"/>
-          </a:xfrm>
-          <a:prstGeom prst="rect">
-            <a:avLst/>
-          </a:prstGeom>
-          <a:noFill/>
-        </p:spPr>
-        <p:txBody>
-          <a:bodyPr wrap="none" rtlCol="0">
-            <a:spAutoFit/>
-          </a:bodyPr>
-          <a:lstStyle/>
-          <a:p>
-            <a:r>
-              <a:rPr kumimoji="1" lang="en-US" altLang="ja-JP" dirty="0"/>
-              <a:t>2017</a:t>
-            </a:r>
-            <a:endParaRPr kumimoji="1" lang="ja-JP" altLang="en-US"/>
-          </a:p>
-        </p:txBody>
-      </p:sp>
-      <p:sp>
-        <p:nvSpPr>
-          <p:cNvPr id="16" name="テキスト ボックス 15">
-            <a:extLst>
-              <a:ext uri="{FF2B5EF4-FFF2-40B4-BE49-F238E27FC236}">
-                <a16:creationId xmlns:a16="http://schemas.microsoft.com/office/drawing/2014/main" xmlns="" id="{3E2C1726-397E-A84C-8EF2-170D9805EF04}"/>
-              </a:ext>
-            </a:extLst>
-          </p:cNvPr>
-          <p:cNvSpPr txBox="1"/>
-          <p:nvPr/>
-        </p:nvSpPr>
-        <p:spPr>
-          <a:xfrm>
-            <a:off x="11225525" y="399534"/>
-            <a:ext cx="697627" cy="369332"/>
-          </a:xfrm>
-          <a:prstGeom prst="rect">
-            <a:avLst/>
-          </a:prstGeom>
-          <a:noFill/>
-        </p:spPr>
-        <p:txBody>
-          <a:bodyPr wrap="none" rtlCol="0">
-            <a:spAutoFit/>
-          </a:bodyPr>
-          <a:lstStyle/>
-          <a:p>
-            <a:r>
-              <a:rPr kumimoji="1" lang="en-US" altLang="ja-JP" dirty="0"/>
-              <a:t>2016</a:t>
-            </a:r>
-            <a:endParaRPr kumimoji="1" lang="ja-JP" altLang="en-US"/>
-          </a:p>
-        </p:txBody>
-      </p:sp>
-      <p:sp>
-        <p:nvSpPr>
-          <p:cNvPr id="17" name="テキスト ボックス 16">
-            <a:extLst>
-              <a:ext uri="{FF2B5EF4-FFF2-40B4-BE49-F238E27FC236}">
-                <a16:creationId xmlns:a16="http://schemas.microsoft.com/office/drawing/2014/main" xmlns="" id="{C4ADD0B6-CD92-AE43-88CC-9FDDA4EE27F6}"/>
-              </a:ext>
-            </a:extLst>
-          </p:cNvPr>
-          <p:cNvSpPr txBox="1"/>
-          <p:nvPr/>
-        </p:nvSpPr>
-        <p:spPr>
-          <a:xfrm>
-            <a:off x="577412" y="3429000"/>
-            <a:ext cx="697627" cy="369332"/>
-          </a:xfrm>
-          <a:prstGeom prst="rect">
-            <a:avLst/>
-          </a:prstGeom>
-          <a:noFill/>
-        </p:spPr>
-        <p:txBody>
-          <a:bodyPr wrap="none" rtlCol="0">
-            <a:spAutoFit/>
-          </a:bodyPr>
-          <a:lstStyle/>
-          <a:p>
-            <a:r>
-              <a:rPr kumimoji="1" lang="en-US" altLang="ja-JP" dirty="0"/>
-              <a:t>2015</a:t>
-            </a:r>
-            <a:endParaRPr kumimoji="1" lang="ja-JP" altLang="en-US"/>
-          </a:p>
-        </p:txBody>
-      </p:sp>
-      <p:sp>
-        <p:nvSpPr>
-          <p:cNvPr id="19" name="テキスト ボックス 18">
-            <a:extLst>
-              <a:ext uri="{FF2B5EF4-FFF2-40B4-BE49-F238E27FC236}">
-                <a16:creationId xmlns:a16="http://schemas.microsoft.com/office/drawing/2014/main" xmlns="" id="{27A43D62-12BA-AE4D-807A-8F1FC33AF8A0}"/>
-              </a:ext>
-            </a:extLst>
-          </p:cNvPr>
-          <p:cNvSpPr txBox="1"/>
-          <p:nvPr/>
-        </p:nvSpPr>
-        <p:spPr>
-          <a:xfrm>
-            <a:off x="3777897" y="6386792"/>
-            <a:ext cx="4636206" cy="369332"/>
-          </a:xfrm>
-          <a:prstGeom prst="rect">
-            <a:avLst/>
-          </a:prstGeom>
-          <a:noFill/>
-        </p:spPr>
-        <p:txBody>
-          <a:bodyPr wrap="none" rtlCol="0">
-            <a:spAutoFit/>
-          </a:bodyPr>
-          <a:lstStyle/>
-          <a:p>
-            <a:r>
-              <a:rPr kumimoji="1" lang="ja-JP" altLang="en-US"/>
-              <a:t>図２　国別マラリアによる死亡者数</a:t>
-            </a:r>
-            <a:r>
-              <a:rPr kumimoji="1" lang="en-US" altLang="ja-JP" dirty="0"/>
-              <a:t> </a:t>
-            </a:r>
-            <a:r>
-              <a:rPr kumimoji="1" lang="ja-JP" altLang="en-US"/>
-              <a:t>の推移</a:t>
-            </a:r>
-          </a:p>
-        </p:txBody>
-      </p:sp>
     </p:spTree>
     <p:extLst>
       <p:ext uri="{BB962C8B-B14F-4D97-AF65-F5344CB8AC3E}">
@@ -6423,6 +6575,13 @@
   <p:clrMapOvr>
     <a:masterClrMapping/>
   </p:clrMapOvr>
+  <p:timing>
+    <p:tnLst>
+      <p:par>
+        <p:cTn id="1" dur="indefinite" restart="never" nodeType="tmRoot"/>
+      </p:par>
+    </p:tnLst>
+  </p:timing>
 </p:sld>
 </file>
 

--- a/統計データの可視化.pptx
+++ b/統計データの可視化.pptx
@@ -5,7 +5,7 @@
     <p:sldMasterId id="2147483648" r:id="rId1"/>
   </p:sldMasterIdLst>
   <p:notesMasterIdLst>
-    <p:notesMasterId r:id="rId16"/>
+    <p:notesMasterId r:id="rId17"/>
   </p:notesMasterIdLst>
   <p:sldIdLst>
     <p:sldId id="256" r:id="rId2"/>
@@ -18,10 +18,11 @@
     <p:sldId id="273" r:id="rId9"/>
     <p:sldId id="269" r:id="rId10"/>
     <p:sldId id="274" r:id="rId11"/>
-    <p:sldId id="270" r:id="rId12"/>
-    <p:sldId id="276" r:id="rId13"/>
-    <p:sldId id="267" r:id="rId14"/>
-    <p:sldId id="264" r:id="rId15"/>
+    <p:sldId id="277" r:id="rId12"/>
+    <p:sldId id="270" r:id="rId13"/>
+    <p:sldId id="276" r:id="rId14"/>
+    <p:sldId id="267" r:id="rId15"/>
+    <p:sldId id="264" r:id="rId16"/>
   </p:sldIdLst>
   <p:sldSz cx="12192000" cy="6858000"/>
   <p:notesSz cx="6858000" cy="9144000"/>
@@ -1262,7 +1263,7 @@
           <a:p>
             <a:fld id="{B05A5F5C-BC8F-42F1-805F-F119BAB24EC1}" type="slidenum">
               <a:rPr kumimoji="1" lang="ja-JP" altLang="en-US" smtClean="0"/>
-              <a:t>13</a:t>
+              <a:t>14</a:t>
             </a:fld>
             <a:endParaRPr kumimoji="1" lang="ja-JP" altLang="en-US"/>
           </a:p>
@@ -5067,6 +5068,81 @@
           <a:bodyPr/>
           <a:lstStyle/>
           <a:p>
+            <a:endParaRPr kumimoji="1" lang="ja-JP" altLang="en-US"/>
+          </a:p>
+        </p:txBody>
+      </p:sp>
+      <p:sp>
+        <p:nvSpPr>
+          <p:cNvPr id="3" name="コンテンツ プレースホルダー 2"/>
+          <p:cNvSpPr>
+            <a:spLocks noGrp="1"/>
+          </p:cNvSpPr>
+          <p:nvPr>
+            <p:ph idx="1"/>
+          </p:nvPr>
+        </p:nvSpPr>
+        <p:spPr/>
+        <p:txBody>
+          <a:bodyPr/>
+          <a:lstStyle/>
+          <a:p>
+            <a:endParaRPr kumimoji="1" lang="ja-JP" altLang="en-US"/>
+          </a:p>
+        </p:txBody>
+      </p:sp>
+    </p:spTree>
+    <p:extLst>
+      <p:ext uri="{BB962C8B-B14F-4D97-AF65-F5344CB8AC3E}">
+        <p14:creationId xmlns:p14="http://schemas.microsoft.com/office/powerpoint/2010/main" val="583135080"/>
+      </p:ext>
+    </p:extLst>
+  </p:cSld>
+  <p:clrMapOvr>
+    <a:masterClrMapping/>
+  </p:clrMapOvr>
+  <p:timing>
+    <p:tnLst>
+      <p:par>
+        <p:cTn id="1" dur="indefinite" restart="never" nodeType="tmRoot"/>
+      </p:par>
+    </p:tnLst>
+  </p:timing>
+</p:sld>
+</file>
+
+<file path=ppt/slides/slide12.xml><?xml version="1.0" encoding="utf-8"?>
+<p:sld xmlns:a="http://schemas.openxmlformats.org/drawingml/2006/main" xmlns:r="http://schemas.openxmlformats.org/officeDocument/2006/relationships" xmlns:p="http://schemas.openxmlformats.org/presentationml/2006/main">
+  <p:cSld>
+    <p:spTree>
+      <p:nvGrpSpPr>
+        <p:cNvPr id="1" name=""/>
+        <p:cNvGrpSpPr/>
+        <p:nvPr/>
+      </p:nvGrpSpPr>
+      <p:grpSpPr>
+        <a:xfrm>
+          <a:off x="0" y="0"/>
+          <a:ext cx="0" cy="0"/>
+          <a:chOff x="0" y="0"/>
+          <a:chExt cx="0" cy="0"/>
+        </a:xfrm>
+      </p:grpSpPr>
+      <p:sp>
+        <p:nvSpPr>
+          <p:cNvPr id="2" name="タイトル 1"/>
+          <p:cNvSpPr>
+            <a:spLocks noGrp="1"/>
+          </p:cNvSpPr>
+          <p:nvPr>
+            <p:ph type="title"/>
+          </p:nvPr>
+        </p:nvSpPr>
+        <p:spPr/>
+        <p:txBody>
+          <a:bodyPr/>
+          <a:lstStyle/>
+          <a:p>
             <a:r>
               <a:rPr kumimoji="1" lang="ja-JP" altLang="en-US" dirty="0" smtClean="0"/>
               <a:t>折れ線グラフ・棒グラフ</a:t>
@@ -5154,7 +5230,7 @@
 </p:sld>
 </file>
 
-<file path=ppt/slides/slide12.xml><?xml version="1.0" encoding="utf-8"?>
+<file path=ppt/slides/slide13.xml><?xml version="1.0" encoding="utf-8"?>
 <p:sld xmlns:a="http://schemas.openxmlformats.org/drawingml/2006/main" xmlns:r="http://schemas.openxmlformats.org/officeDocument/2006/relationships" xmlns:p="http://schemas.openxmlformats.org/presentationml/2006/main">
   <p:cSld>
     <p:spTree>
@@ -5233,7 +5309,7 @@
 </p:sld>
 </file>
 
-<file path=ppt/slides/slide13.xml><?xml version="1.0" encoding="utf-8"?>
+<file path=ppt/slides/slide14.xml><?xml version="1.0" encoding="utf-8"?>
 <p:sld xmlns:a="http://schemas.openxmlformats.org/drawingml/2006/main" xmlns:r="http://schemas.openxmlformats.org/officeDocument/2006/relationships" xmlns:p="http://schemas.openxmlformats.org/presentationml/2006/main">
   <p:cSld>
     <p:spTree>
@@ -5381,7 +5457,7 @@
 </p:sld>
 </file>
 
-<file path=ppt/slides/slide14.xml><?xml version="1.0" encoding="utf-8"?>
+<file path=ppt/slides/slide15.xml><?xml version="1.0" encoding="utf-8"?>
 <p:sld xmlns:a="http://schemas.openxmlformats.org/drawingml/2006/main" xmlns:r="http://schemas.openxmlformats.org/officeDocument/2006/relationships" xmlns:p="http://schemas.openxmlformats.org/presentationml/2006/main">
   <p:cSld>
     <p:spTree>
@@ -6244,6 +6320,20 @@
             <a:endParaRPr lang="en-US" altLang="ja-JP" dirty="0"/>
           </a:p>
           <a:p>
+            <a:r>
+              <a:rPr kumimoji="1" lang="ja-JP" altLang="en-US" dirty="0" smtClean="0"/>
+              <a:t>フォーマットの指定が容易</a:t>
+            </a:r>
+            <a:endParaRPr kumimoji="1" lang="en-US" altLang="ja-JP" dirty="0" smtClean="0"/>
+          </a:p>
+          <a:p>
+            <a:endParaRPr lang="en-US" altLang="ja-JP" dirty="0"/>
+          </a:p>
+          <a:p>
+            <a:r>
+              <a:rPr kumimoji="1" lang="ja-JP" altLang="en-US" dirty="0" smtClean="0"/>
+              <a:t>インタラクティブに動作</a:t>
+            </a:r>
             <a:endParaRPr kumimoji="1" lang="ja-JP" altLang="en-US" dirty="0"/>
           </a:p>
         </p:txBody>
@@ -6375,6 +6465,14 @@
             <a:r>
               <a:rPr lang="en-US" altLang="ja-JP" dirty="0" smtClean="0"/>
               <a:t>…</a:t>
+            </a:r>
+            <a:r>
+              <a:rPr lang="ja-JP" altLang="en-US" dirty="0"/>
+              <a:t>地</a:t>
+            </a:r>
+            <a:r>
+              <a:rPr lang="ja-JP" altLang="en-US" dirty="0" smtClean="0"/>
+              <a:t>図上の地域を量によって色分けした地図</a:t>
             </a:r>
             <a:endParaRPr lang="en-US" altLang="ja-JP" dirty="0"/>
           </a:p>

--- a/統計データの可視化.pptx
+++ b/統計データの可視化.pptx
@@ -5,7 +5,7 @@
     <p:sldMasterId id="2147483648" r:id="rId1"/>
   </p:sldMasterIdLst>
   <p:notesMasterIdLst>
-    <p:notesMasterId r:id="rId17"/>
+    <p:notesMasterId r:id="rId18"/>
   </p:notesMasterIdLst>
   <p:sldIdLst>
     <p:sldId id="256" r:id="rId2"/>
@@ -20,9 +20,10 @@
     <p:sldId id="274" r:id="rId11"/>
     <p:sldId id="277" r:id="rId12"/>
     <p:sldId id="270" r:id="rId13"/>
-    <p:sldId id="276" r:id="rId14"/>
-    <p:sldId id="267" r:id="rId15"/>
-    <p:sldId id="264" r:id="rId16"/>
+    <p:sldId id="279" r:id="rId14"/>
+    <p:sldId id="276" r:id="rId15"/>
+    <p:sldId id="267" r:id="rId16"/>
+    <p:sldId id="264" r:id="rId17"/>
   </p:sldIdLst>
   <p:sldSz cx="12192000" cy="6858000"/>
   <p:notesSz cx="6858000" cy="9144000"/>
@@ -1263,7 +1264,7 @@
           <a:p>
             <a:fld id="{B05A5F5C-BC8F-42F1-805F-F119BAB24EC1}" type="slidenum">
               <a:rPr kumimoji="1" lang="ja-JP" altLang="en-US" smtClean="0"/>
-              <a:t>14</a:t>
+              <a:t>15</a:t>
             </a:fld>
             <a:endParaRPr kumimoji="1" lang="ja-JP" altLang="en-US"/>
           </a:p>
@@ -1304,7 +1305,7 @@
           <p:cNvPr id="2" name="タイトル 1">
             <a:extLst>
               <a:ext uri="{FF2B5EF4-FFF2-40B4-BE49-F238E27FC236}">
-                <a16:creationId xmlns="" xmlns:a16="http://schemas.microsoft.com/office/drawing/2014/main" id="{D5DF3914-848A-5745-957C-528267F7C428}"/>
+                <a16:creationId xmlns:a16="http://schemas.microsoft.com/office/drawing/2014/main" xmlns="" id="{D5DF3914-848A-5745-957C-528267F7C428}"/>
               </a:ext>
             </a:extLst>
           </p:cNvPr>
@@ -1341,7 +1342,7 @@
           <p:cNvPr id="3" name="字幕 2">
             <a:extLst>
               <a:ext uri="{FF2B5EF4-FFF2-40B4-BE49-F238E27FC236}">
-                <a16:creationId xmlns="" xmlns:a16="http://schemas.microsoft.com/office/drawing/2014/main" id="{09ED48ED-F942-EA4B-837D-433A04D6B104}"/>
+                <a16:creationId xmlns:a16="http://schemas.microsoft.com/office/drawing/2014/main" xmlns="" id="{09ED48ED-F942-EA4B-837D-433A04D6B104}"/>
               </a:ext>
             </a:extLst>
           </p:cNvPr>
@@ -1411,7 +1412,7 @@
           <p:cNvPr id="4" name="日付プレースホルダー 3">
             <a:extLst>
               <a:ext uri="{FF2B5EF4-FFF2-40B4-BE49-F238E27FC236}">
-                <a16:creationId xmlns="" xmlns:a16="http://schemas.microsoft.com/office/drawing/2014/main" id="{3A0DDE53-FAF3-374A-B93B-6D7F5E526B83}"/>
+                <a16:creationId xmlns:a16="http://schemas.microsoft.com/office/drawing/2014/main" xmlns="" id="{3A0DDE53-FAF3-374A-B93B-6D7F5E526B83}"/>
               </a:ext>
             </a:extLst>
           </p:cNvPr>
@@ -1440,7 +1441,7 @@
           <p:cNvPr id="5" name="フッター プレースホルダー 4">
             <a:extLst>
               <a:ext uri="{FF2B5EF4-FFF2-40B4-BE49-F238E27FC236}">
-                <a16:creationId xmlns="" xmlns:a16="http://schemas.microsoft.com/office/drawing/2014/main" id="{83CD93A0-C601-B84D-B2EA-38118C6AE7FB}"/>
+                <a16:creationId xmlns:a16="http://schemas.microsoft.com/office/drawing/2014/main" xmlns="" id="{83CD93A0-C601-B84D-B2EA-38118C6AE7FB}"/>
               </a:ext>
             </a:extLst>
           </p:cNvPr>
@@ -1465,7 +1466,7 @@
           <p:cNvPr id="6" name="スライド番号プレースホルダー 5">
             <a:extLst>
               <a:ext uri="{FF2B5EF4-FFF2-40B4-BE49-F238E27FC236}">
-                <a16:creationId xmlns="" xmlns:a16="http://schemas.microsoft.com/office/drawing/2014/main" id="{8020DA69-1EC4-8D4B-8C3D-2ABD8A48C106}"/>
+                <a16:creationId xmlns:a16="http://schemas.microsoft.com/office/drawing/2014/main" xmlns="" id="{8020DA69-1EC4-8D4B-8C3D-2ABD8A48C106}"/>
               </a:ext>
             </a:extLst>
           </p:cNvPr>
@@ -1524,7 +1525,7 @@
           <p:cNvPr id="2" name="タイトル 1">
             <a:extLst>
               <a:ext uri="{FF2B5EF4-FFF2-40B4-BE49-F238E27FC236}">
-                <a16:creationId xmlns="" xmlns:a16="http://schemas.microsoft.com/office/drawing/2014/main" id="{BB3E10CC-A6BC-8949-B208-329D84FD4921}"/>
+                <a16:creationId xmlns:a16="http://schemas.microsoft.com/office/drawing/2014/main" xmlns="" id="{BB3E10CC-A6BC-8949-B208-329D84FD4921}"/>
               </a:ext>
             </a:extLst>
           </p:cNvPr>
@@ -1552,7 +1553,7 @@
           <p:cNvPr id="3" name="縦書きテキスト プレースホルダー 2">
             <a:extLst>
               <a:ext uri="{FF2B5EF4-FFF2-40B4-BE49-F238E27FC236}">
-                <a16:creationId xmlns="" xmlns:a16="http://schemas.microsoft.com/office/drawing/2014/main" id="{7219424D-BC1D-AD4E-B010-1F1D7A13D58F}"/>
+                <a16:creationId xmlns:a16="http://schemas.microsoft.com/office/drawing/2014/main" xmlns="" id="{7219424D-BC1D-AD4E-B010-1F1D7A13D58F}"/>
               </a:ext>
             </a:extLst>
           </p:cNvPr>
@@ -1641,7 +1642,7 @@
           <p:cNvPr id="4" name="日付プレースホルダー 3">
             <a:extLst>
               <a:ext uri="{FF2B5EF4-FFF2-40B4-BE49-F238E27FC236}">
-                <a16:creationId xmlns="" xmlns:a16="http://schemas.microsoft.com/office/drawing/2014/main" id="{A0EC3470-4F95-8440-8244-40DACC03B789}"/>
+                <a16:creationId xmlns:a16="http://schemas.microsoft.com/office/drawing/2014/main" xmlns="" id="{A0EC3470-4F95-8440-8244-40DACC03B789}"/>
               </a:ext>
             </a:extLst>
           </p:cNvPr>
@@ -1670,7 +1671,7 @@
           <p:cNvPr id="5" name="フッター プレースホルダー 4">
             <a:extLst>
               <a:ext uri="{FF2B5EF4-FFF2-40B4-BE49-F238E27FC236}">
-                <a16:creationId xmlns="" xmlns:a16="http://schemas.microsoft.com/office/drawing/2014/main" id="{66F14C45-11C0-E844-8F6B-65127DAC330E}"/>
+                <a16:creationId xmlns:a16="http://schemas.microsoft.com/office/drawing/2014/main" xmlns="" id="{66F14C45-11C0-E844-8F6B-65127DAC330E}"/>
               </a:ext>
             </a:extLst>
           </p:cNvPr>
@@ -1695,7 +1696,7 @@
           <p:cNvPr id="6" name="スライド番号プレースホルダー 5">
             <a:extLst>
               <a:ext uri="{FF2B5EF4-FFF2-40B4-BE49-F238E27FC236}">
-                <a16:creationId xmlns="" xmlns:a16="http://schemas.microsoft.com/office/drawing/2014/main" id="{0E725F07-7F0B-E14E-8116-981B96C66531}"/>
+                <a16:creationId xmlns:a16="http://schemas.microsoft.com/office/drawing/2014/main" xmlns="" id="{0E725F07-7F0B-E14E-8116-981B96C66531}"/>
               </a:ext>
             </a:extLst>
           </p:cNvPr>
@@ -1754,7 +1755,7 @@
           <p:cNvPr id="2" name="縦書きタイトル 1">
             <a:extLst>
               <a:ext uri="{FF2B5EF4-FFF2-40B4-BE49-F238E27FC236}">
-                <a16:creationId xmlns="" xmlns:a16="http://schemas.microsoft.com/office/drawing/2014/main" id="{39813C18-B35A-0B48-9CAB-63198D349B64}"/>
+                <a16:creationId xmlns:a16="http://schemas.microsoft.com/office/drawing/2014/main" xmlns="" id="{39813C18-B35A-0B48-9CAB-63198D349B64}"/>
               </a:ext>
             </a:extLst>
           </p:cNvPr>
@@ -1787,7 +1788,7 @@
           <p:cNvPr id="3" name="縦書きテキスト プレースホルダー 2">
             <a:extLst>
               <a:ext uri="{FF2B5EF4-FFF2-40B4-BE49-F238E27FC236}">
-                <a16:creationId xmlns="" xmlns:a16="http://schemas.microsoft.com/office/drawing/2014/main" id="{F67CE368-0F9E-2B42-A1E6-C2B1870B324A}"/>
+                <a16:creationId xmlns:a16="http://schemas.microsoft.com/office/drawing/2014/main" xmlns="" id="{F67CE368-0F9E-2B42-A1E6-C2B1870B324A}"/>
               </a:ext>
             </a:extLst>
           </p:cNvPr>
@@ -1881,7 +1882,7 @@
           <p:cNvPr id="4" name="日付プレースホルダー 3">
             <a:extLst>
               <a:ext uri="{FF2B5EF4-FFF2-40B4-BE49-F238E27FC236}">
-                <a16:creationId xmlns="" xmlns:a16="http://schemas.microsoft.com/office/drawing/2014/main" id="{867ACC2A-B8D1-7C41-9B9F-4C65056F947D}"/>
+                <a16:creationId xmlns:a16="http://schemas.microsoft.com/office/drawing/2014/main" xmlns="" id="{867ACC2A-B8D1-7C41-9B9F-4C65056F947D}"/>
               </a:ext>
             </a:extLst>
           </p:cNvPr>
@@ -1910,7 +1911,7 @@
           <p:cNvPr id="5" name="フッター プレースホルダー 4">
             <a:extLst>
               <a:ext uri="{FF2B5EF4-FFF2-40B4-BE49-F238E27FC236}">
-                <a16:creationId xmlns="" xmlns:a16="http://schemas.microsoft.com/office/drawing/2014/main" id="{087856E7-9E03-2C48-B6EC-72CF81629D1A}"/>
+                <a16:creationId xmlns:a16="http://schemas.microsoft.com/office/drawing/2014/main" xmlns="" id="{087856E7-9E03-2C48-B6EC-72CF81629D1A}"/>
               </a:ext>
             </a:extLst>
           </p:cNvPr>
@@ -1935,7 +1936,7 @@
           <p:cNvPr id="6" name="スライド番号プレースホルダー 5">
             <a:extLst>
               <a:ext uri="{FF2B5EF4-FFF2-40B4-BE49-F238E27FC236}">
-                <a16:creationId xmlns="" xmlns:a16="http://schemas.microsoft.com/office/drawing/2014/main" id="{C67C1FF0-41FF-734C-8215-5603860FCEB5}"/>
+                <a16:creationId xmlns:a16="http://schemas.microsoft.com/office/drawing/2014/main" xmlns="" id="{C67C1FF0-41FF-734C-8215-5603860FCEB5}"/>
               </a:ext>
             </a:extLst>
           </p:cNvPr>
@@ -1994,7 +1995,7 @@
           <p:cNvPr id="2" name="タイトル 1">
             <a:extLst>
               <a:ext uri="{FF2B5EF4-FFF2-40B4-BE49-F238E27FC236}">
-                <a16:creationId xmlns="" xmlns:a16="http://schemas.microsoft.com/office/drawing/2014/main" id="{79AD0717-2C6D-1447-94E8-005D647C12FA}"/>
+                <a16:creationId xmlns:a16="http://schemas.microsoft.com/office/drawing/2014/main" xmlns="" id="{79AD0717-2C6D-1447-94E8-005D647C12FA}"/>
               </a:ext>
             </a:extLst>
           </p:cNvPr>
@@ -2022,7 +2023,7 @@
           <p:cNvPr id="3" name="コンテンツ プレースホルダー 2">
             <a:extLst>
               <a:ext uri="{FF2B5EF4-FFF2-40B4-BE49-F238E27FC236}">
-                <a16:creationId xmlns="" xmlns:a16="http://schemas.microsoft.com/office/drawing/2014/main" id="{F692E943-D9F7-F64A-9495-77932297DAB9}"/>
+                <a16:creationId xmlns:a16="http://schemas.microsoft.com/office/drawing/2014/main" xmlns="" id="{F692E943-D9F7-F64A-9495-77932297DAB9}"/>
               </a:ext>
             </a:extLst>
           </p:cNvPr>
@@ -2111,7 +2112,7 @@
           <p:cNvPr id="4" name="日付プレースホルダー 3">
             <a:extLst>
               <a:ext uri="{FF2B5EF4-FFF2-40B4-BE49-F238E27FC236}">
-                <a16:creationId xmlns="" xmlns:a16="http://schemas.microsoft.com/office/drawing/2014/main" id="{46AF73F5-1F52-3C42-920C-52BCD964D9DB}"/>
+                <a16:creationId xmlns:a16="http://schemas.microsoft.com/office/drawing/2014/main" xmlns="" id="{46AF73F5-1F52-3C42-920C-52BCD964D9DB}"/>
               </a:ext>
             </a:extLst>
           </p:cNvPr>
@@ -2140,7 +2141,7 @@
           <p:cNvPr id="5" name="フッター プレースホルダー 4">
             <a:extLst>
               <a:ext uri="{FF2B5EF4-FFF2-40B4-BE49-F238E27FC236}">
-                <a16:creationId xmlns="" xmlns:a16="http://schemas.microsoft.com/office/drawing/2014/main" id="{68D477E9-E726-3440-9A60-D29AD7FFB974}"/>
+                <a16:creationId xmlns:a16="http://schemas.microsoft.com/office/drawing/2014/main" xmlns="" id="{68D477E9-E726-3440-9A60-D29AD7FFB974}"/>
               </a:ext>
             </a:extLst>
           </p:cNvPr>
@@ -2165,7 +2166,7 @@
           <p:cNvPr id="6" name="スライド番号プレースホルダー 5">
             <a:extLst>
               <a:ext uri="{FF2B5EF4-FFF2-40B4-BE49-F238E27FC236}">
-                <a16:creationId xmlns="" xmlns:a16="http://schemas.microsoft.com/office/drawing/2014/main" id="{281A8823-BFC8-2149-9684-D4368C50FB0C}"/>
+                <a16:creationId xmlns:a16="http://schemas.microsoft.com/office/drawing/2014/main" xmlns="" id="{281A8823-BFC8-2149-9684-D4368C50FB0C}"/>
               </a:ext>
             </a:extLst>
           </p:cNvPr>
@@ -2224,7 +2225,7 @@
           <p:cNvPr id="2" name="タイトル 1">
             <a:extLst>
               <a:ext uri="{FF2B5EF4-FFF2-40B4-BE49-F238E27FC236}">
-                <a16:creationId xmlns="" xmlns:a16="http://schemas.microsoft.com/office/drawing/2014/main" id="{11D7A484-CED8-0042-AB5C-E49584593BA4}"/>
+                <a16:creationId xmlns:a16="http://schemas.microsoft.com/office/drawing/2014/main" xmlns="" id="{11D7A484-CED8-0042-AB5C-E49584593BA4}"/>
               </a:ext>
             </a:extLst>
           </p:cNvPr>
@@ -2261,7 +2262,7 @@
           <p:cNvPr id="3" name="テキスト プレースホルダー 2">
             <a:extLst>
               <a:ext uri="{FF2B5EF4-FFF2-40B4-BE49-F238E27FC236}">
-                <a16:creationId xmlns="" xmlns:a16="http://schemas.microsoft.com/office/drawing/2014/main" id="{603AFF4A-337D-6F44-B171-9DAE74385387}"/>
+                <a16:creationId xmlns:a16="http://schemas.microsoft.com/office/drawing/2014/main" xmlns="" id="{603AFF4A-337D-6F44-B171-9DAE74385387}"/>
               </a:ext>
             </a:extLst>
           </p:cNvPr>
@@ -2386,7 +2387,7 @@
           <p:cNvPr id="4" name="日付プレースホルダー 3">
             <a:extLst>
               <a:ext uri="{FF2B5EF4-FFF2-40B4-BE49-F238E27FC236}">
-                <a16:creationId xmlns="" xmlns:a16="http://schemas.microsoft.com/office/drawing/2014/main" id="{B2D66AD0-01C1-914F-BB4D-24E1D0802D2B}"/>
+                <a16:creationId xmlns:a16="http://schemas.microsoft.com/office/drawing/2014/main" xmlns="" id="{B2D66AD0-01C1-914F-BB4D-24E1D0802D2B}"/>
               </a:ext>
             </a:extLst>
           </p:cNvPr>
@@ -2415,7 +2416,7 @@
           <p:cNvPr id="5" name="フッター プレースホルダー 4">
             <a:extLst>
               <a:ext uri="{FF2B5EF4-FFF2-40B4-BE49-F238E27FC236}">
-                <a16:creationId xmlns="" xmlns:a16="http://schemas.microsoft.com/office/drawing/2014/main" id="{CD674AB9-A292-CC49-B4AC-1151A77C96C1}"/>
+                <a16:creationId xmlns:a16="http://schemas.microsoft.com/office/drawing/2014/main" xmlns="" id="{CD674AB9-A292-CC49-B4AC-1151A77C96C1}"/>
               </a:ext>
             </a:extLst>
           </p:cNvPr>
@@ -2440,7 +2441,7 @@
           <p:cNvPr id="6" name="スライド番号プレースホルダー 5">
             <a:extLst>
               <a:ext uri="{FF2B5EF4-FFF2-40B4-BE49-F238E27FC236}">
-                <a16:creationId xmlns="" xmlns:a16="http://schemas.microsoft.com/office/drawing/2014/main" id="{C2194DD3-01FF-E24A-990B-531E6B1C8814}"/>
+                <a16:creationId xmlns:a16="http://schemas.microsoft.com/office/drawing/2014/main" xmlns="" id="{C2194DD3-01FF-E24A-990B-531E6B1C8814}"/>
               </a:ext>
             </a:extLst>
           </p:cNvPr>
@@ -2499,7 +2500,7 @@
           <p:cNvPr id="2" name="タイトル 1">
             <a:extLst>
               <a:ext uri="{FF2B5EF4-FFF2-40B4-BE49-F238E27FC236}">
-                <a16:creationId xmlns="" xmlns:a16="http://schemas.microsoft.com/office/drawing/2014/main" id="{AF4C0AFC-A229-8B43-A476-E19F9A12B5E9}"/>
+                <a16:creationId xmlns:a16="http://schemas.microsoft.com/office/drawing/2014/main" xmlns="" id="{AF4C0AFC-A229-8B43-A476-E19F9A12B5E9}"/>
               </a:ext>
             </a:extLst>
           </p:cNvPr>
@@ -2527,7 +2528,7 @@
           <p:cNvPr id="3" name="コンテンツ プレースホルダー 2">
             <a:extLst>
               <a:ext uri="{FF2B5EF4-FFF2-40B4-BE49-F238E27FC236}">
-                <a16:creationId xmlns="" xmlns:a16="http://schemas.microsoft.com/office/drawing/2014/main" id="{A77E57E2-40B9-0840-8854-0BB52DFB6AD7}"/>
+                <a16:creationId xmlns:a16="http://schemas.microsoft.com/office/drawing/2014/main" xmlns="" id="{A77E57E2-40B9-0840-8854-0BB52DFB6AD7}"/>
               </a:ext>
             </a:extLst>
           </p:cNvPr>
@@ -2621,7 +2622,7 @@
           <p:cNvPr id="4" name="コンテンツ プレースホルダー 3">
             <a:extLst>
               <a:ext uri="{FF2B5EF4-FFF2-40B4-BE49-F238E27FC236}">
-                <a16:creationId xmlns="" xmlns:a16="http://schemas.microsoft.com/office/drawing/2014/main" id="{5376FFAC-8690-B24D-9377-7FEEB22104AF}"/>
+                <a16:creationId xmlns:a16="http://schemas.microsoft.com/office/drawing/2014/main" xmlns="" id="{5376FFAC-8690-B24D-9377-7FEEB22104AF}"/>
               </a:ext>
             </a:extLst>
           </p:cNvPr>
@@ -2715,7 +2716,7 @@
           <p:cNvPr id="5" name="日付プレースホルダー 4">
             <a:extLst>
               <a:ext uri="{FF2B5EF4-FFF2-40B4-BE49-F238E27FC236}">
-                <a16:creationId xmlns="" xmlns:a16="http://schemas.microsoft.com/office/drawing/2014/main" id="{86E22A30-78E1-3F43-9E9C-5C7CBC5E207D}"/>
+                <a16:creationId xmlns:a16="http://schemas.microsoft.com/office/drawing/2014/main" xmlns="" id="{86E22A30-78E1-3F43-9E9C-5C7CBC5E207D}"/>
               </a:ext>
             </a:extLst>
           </p:cNvPr>
@@ -2744,7 +2745,7 @@
           <p:cNvPr id="6" name="フッター プレースホルダー 5">
             <a:extLst>
               <a:ext uri="{FF2B5EF4-FFF2-40B4-BE49-F238E27FC236}">
-                <a16:creationId xmlns="" xmlns:a16="http://schemas.microsoft.com/office/drawing/2014/main" id="{F7E1C133-61A1-3B48-99FD-9B44EDC7FA8F}"/>
+                <a16:creationId xmlns:a16="http://schemas.microsoft.com/office/drawing/2014/main" xmlns="" id="{F7E1C133-61A1-3B48-99FD-9B44EDC7FA8F}"/>
               </a:ext>
             </a:extLst>
           </p:cNvPr>
@@ -2769,7 +2770,7 @@
           <p:cNvPr id="7" name="スライド番号プレースホルダー 6">
             <a:extLst>
               <a:ext uri="{FF2B5EF4-FFF2-40B4-BE49-F238E27FC236}">
-                <a16:creationId xmlns="" xmlns:a16="http://schemas.microsoft.com/office/drawing/2014/main" id="{6AD892A4-0282-8C4E-BBCA-18D30829CEB8}"/>
+                <a16:creationId xmlns:a16="http://schemas.microsoft.com/office/drawing/2014/main" xmlns="" id="{6AD892A4-0282-8C4E-BBCA-18D30829CEB8}"/>
               </a:ext>
             </a:extLst>
           </p:cNvPr>
@@ -2828,7 +2829,7 @@
           <p:cNvPr id="2" name="タイトル 1">
             <a:extLst>
               <a:ext uri="{FF2B5EF4-FFF2-40B4-BE49-F238E27FC236}">
-                <a16:creationId xmlns="" xmlns:a16="http://schemas.microsoft.com/office/drawing/2014/main" id="{967A1187-E1C0-3F49-9BBB-3CEE05287960}"/>
+                <a16:creationId xmlns:a16="http://schemas.microsoft.com/office/drawing/2014/main" xmlns="" id="{967A1187-E1C0-3F49-9BBB-3CEE05287960}"/>
               </a:ext>
             </a:extLst>
           </p:cNvPr>
@@ -2861,7 +2862,7 @@
           <p:cNvPr id="3" name="テキスト プレースホルダー 2">
             <a:extLst>
               <a:ext uri="{FF2B5EF4-FFF2-40B4-BE49-F238E27FC236}">
-                <a16:creationId xmlns="" xmlns:a16="http://schemas.microsoft.com/office/drawing/2014/main" id="{0B8BED0F-B809-214C-854B-1E53659BAC87}"/>
+                <a16:creationId xmlns:a16="http://schemas.microsoft.com/office/drawing/2014/main" xmlns="" id="{0B8BED0F-B809-214C-854B-1E53659BAC87}"/>
               </a:ext>
             </a:extLst>
           </p:cNvPr>
@@ -2932,7 +2933,7 @@
           <p:cNvPr id="4" name="コンテンツ プレースホルダー 3">
             <a:extLst>
               <a:ext uri="{FF2B5EF4-FFF2-40B4-BE49-F238E27FC236}">
-                <a16:creationId xmlns="" xmlns:a16="http://schemas.microsoft.com/office/drawing/2014/main" id="{B73D82D9-99EB-F849-A598-D4B5491774B8}"/>
+                <a16:creationId xmlns:a16="http://schemas.microsoft.com/office/drawing/2014/main" xmlns="" id="{B73D82D9-99EB-F849-A598-D4B5491774B8}"/>
               </a:ext>
             </a:extLst>
           </p:cNvPr>
@@ -3026,7 +3027,7 @@
           <p:cNvPr id="5" name="テキスト プレースホルダー 4">
             <a:extLst>
               <a:ext uri="{FF2B5EF4-FFF2-40B4-BE49-F238E27FC236}">
-                <a16:creationId xmlns="" xmlns:a16="http://schemas.microsoft.com/office/drawing/2014/main" id="{75B659EC-3244-C545-B91A-A4A6995D5B1D}"/>
+                <a16:creationId xmlns:a16="http://schemas.microsoft.com/office/drawing/2014/main" xmlns="" id="{75B659EC-3244-C545-B91A-A4A6995D5B1D}"/>
               </a:ext>
             </a:extLst>
           </p:cNvPr>
@@ -3097,7 +3098,7 @@
           <p:cNvPr id="6" name="コンテンツ プレースホルダー 5">
             <a:extLst>
               <a:ext uri="{FF2B5EF4-FFF2-40B4-BE49-F238E27FC236}">
-                <a16:creationId xmlns="" xmlns:a16="http://schemas.microsoft.com/office/drawing/2014/main" id="{33D91E99-E03D-6E41-9187-88ABD7EB0D64}"/>
+                <a16:creationId xmlns:a16="http://schemas.microsoft.com/office/drawing/2014/main" xmlns="" id="{33D91E99-E03D-6E41-9187-88ABD7EB0D64}"/>
               </a:ext>
             </a:extLst>
           </p:cNvPr>
@@ -3191,7 +3192,7 @@
           <p:cNvPr id="7" name="日付プレースホルダー 6">
             <a:extLst>
               <a:ext uri="{FF2B5EF4-FFF2-40B4-BE49-F238E27FC236}">
-                <a16:creationId xmlns="" xmlns:a16="http://schemas.microsoft.com/office/drawing/2014/main" id="{968BA2AE-B4E8-BC4F-AAE2-2FE7F43CAF94}"/>
+                <a16:creationId xmlns:a16="http://schemas.microsoft.com/office/drawing/2014/main" xmlns="" id="{968BA2AE-B4E8-BC4F-AAE2-2FE7F43CAF94}"/>
               </a:ext>
             </a:extLst>
           </p:cNvPr>
@@ -3220,7 +3221,7 @@
           <p:cNvPr id="8" name="フッター プレースホルダー 7">
             <a:extLst>
               <a:ext uri="{FF2B5EF4-FFF2-40B4-BE49-F238E27FC236}">
-                <a16:creationId xmlns="" xmlns:a16="http://schemas.microsoft.com/office/drawing/2014/main" id="{75356495-EC54-F546-A091-DC1A785066CC}"/>
+                <a16:creationId xmlns:a16="http://schemas.microsoft.com/office/drawing/2014/main" xmlns="" id="{75356495-EC54-F546-A091-DC1A785066CC}"/>
               </a:ext>
             </a:extLst>
           </p:cNvPr>
@@ -3245,7 +3246,7 @@
           <p:cNvPr id="9" name="スライド番号プレースホルダー 8">
             <a:extLst>
               <a:ext uri="{FF2B5EF4-FFF2-40B4-BE49-F238E27FC236}">
-                <a16:creationId xmlns="" xmlns:a16="http://schemas.microsoft.com/office/drawing/2014/main" id="{A594F2B8-9C5A-B748-B626-F119CDBA795E}"/>
+                <a16:creationId xmlns:a16="http://schemas.microsoft.com/office/drawing/2014/main" xmlns="" id="{A594F2B8-9C5A-B748-B626-F119CDBA795E}"/>
               </a:ext>
             </a:extLst>
           </p:cNvPr>
@@ -3304,7 +3305,7 @@
           <p:cNvPr id="2" name="タイトル 1">
             <a:extLst>
               <a:ext uri="{FF2B5EF4-FFF2-40B4-BE49-F238E27FC236}">
-                <a16:creationId xmlns="" xmlns:a16="http://schemas.microsoft.com/office/drawing/2014/main" id="{4D2EAD1E-60F9-7641-8969-0A56C0A350EB}"/>
+                <a16:creationId xmlns:a16="http://schemas.microsoft.com/office/drawing/2014/main" xmlns="" id="{4D2EAD1E-60F9-7641-8969-0A56C0A350EB}"/>
               </a:ext>
             </a:extLst>
           </p:cNvPr>
@@ -3332,7 +3333,7 @@
           <p:cNvPr id="3" name="日付プレースホルダー 2">
             <a:extLst>
               <a:ext uri="{FF2B5EF4-FFF2-40B4-BE49-F238E27FC236}">
-                <a16:creationId xmlns="" xmlns:a16="http://schemas.microsoft.com/office/drawing/2014/main" id="{6F635876-01C2-A249-87FC-FA72E59558F1}"/>
+                <a16:creationId xmlns:a16="http://schemas.microsoft.com/office/drawing/2014/main" xmlns="" id="{6F635876-01C2-A249-87FC-FA72E59558F1}"/>
               </a:ext>
             </a:extLst>
           </p:cNvPr>
@@ -3361,7 +3362,7 @@
           <p:cNvPr id="4" name="フッター プレースホルダー 3">
             <a:extLst>
               <a:ext uri="{FF2B5EF4-FFF2-40B4-BE49-F238E27FC236}">
-                <a16:creationId xmlns="" xmlns:a16="http://schemas.microsoft.com/office/drawing/2014/main" id="{DA54D7D2-5C3F-4E49-A451-8903880D6AD8}"/>
+                <a16:creationId xmlns:a16="http://schemas.microsoft.com/office/drawing/2014/main" xmlns="" id="{DA54D7D2-5C3F-4E49-A451-8903880D6AD8}"/>
               </a:ext>
             </a:extLst>
           </p:cNvPr>
@@ -3386,7 +3387,7 @@
           <p:cNvPr id="5" name="スライド番号プレースホルダー 4">
             <a:extLst>
               <a:ext uri="{FF2B5EF4-FFF2-40B4-BE49-F238E27FC236}">
-                <a16:creationId xmlns="" xmlns:a16="http://schemas.microsoft.com/office/drawing/2014/main" id="{D7F36122-4EA4-C74A-B8E2-64720EB3ECD9}"/>
+                <a16:creationId xmlns:a16="http://schemas.microsoft.com/office/drawing/2014/main" xmlns="" id="{D7F36122-4EA4-C74A-B8E2-64720EB3ECD9}"/>
               </a:ext>
             </a:extLst>
           </p:cNvPr>
@@ -3445,7 +3446,7 @@
           <p:cNvPr id="2" name="日付プレースホルダー 1">
             <a:extLst>
               <a:ext uri="{FF2B5EF4-FFF2-40B4-BE49-F238E27FC236}">
-                <a16:creationId xmlns="" xmlns:a16="http://schemas.microsoft.com/office/drawing/2014/main" id="{8A8504EB-34C4-6F46-8241-1474E6181EAD}"/>
+                <a16:creationId xmlns:a16="http://schemas.microsoft.com/office/drawing/2014/main" xmlns="" id="{8A8504EB-34C4-6F46-8241-1474E6181EAD}"/>
               </a:ext>
             </a:extLst>
           </p:cNvPr>
@@ -3474,7 +3475,7 @@
           <p:cNvPr id="3" name="フッター プレースホルダー 2">
             <a:extLst>
               <a:ext uri="{FF2B5EF4-FFF2-40B4-BE49-F238E27FC236}">
-                <a16:creationId xmlns="" xmlns:a16="http://schemas.microsoft.com/office/drawing/2014/main" id="{8E4B51ED-6797-F542-AE04-9FB3D420CB9F}"/>
+                <a16:creationId xmlns:a16="http://schemas.microsoft.com/office/drawing/2014/main" xmlns="" id="{8E4B51ED-6797-F542-AE04-9FB3D420CB9F}"/>
               </a:ext>
             </a:extLst>
           </p:cNvPr>
@@ -3499,7 +3500,7 @@
           <p:cNvPr id="4" name="スライド番号プレースホルダー 3">
             <a:extLst>
               <a:ext uri="{FF2B5EF4-FFF2-40B4-BE49-F238E27FC236}">
-                <a16:creationId xmlns="" xmlns:a16="http://schemas.microsoft.com/office/drawing/2014/main" id="{0C423C5D-3A0A-4248-8EDC-76AAB818ADC7}"/>
+                <a16:creationId xmlns:a16="http://schemas.microsoft.com/office/drawing/2014/main" xmlns="" id="{0C423C5D-3A0A-4248-8EDC-76AAB818ADC7}"/>
               </a:ext>
             </a:extLst>
           </p:cNvPr>
@@ -3558,7 +3559,7 @@
           <p:cNvPr id="2" name="タイトル 1">
             <a:extLst>
               <a:ext uri="{FF2B5EF4-FFF2-40B4-BE49-F238E27FC236}">
-                <a16:creationId xmlns="" xmlns:a16="http://schemas.microsoft.com/office/drawing/2014/main" id="{5C0FE34A-22F2-3444-BB9C-4A78E0748F00}"/>
+                <a16:creationId xmlns:a16="http://schemas.microsoft.com/office/drawing/2014/main" xmlns="" id="{5C0FE34A-22F2-3444-BB9C-4A78E0748F00}"/>
               </a:ext>
             </a:extLst>
           </p:cNvPr>
@@ -3595,7 +3596,7 @@
           <p:cNvPr id="3" name="コンテンツ プレースホルダー 2">
             <a:extLst>
               <a:ext uri="{FF2B5EF4-FFF2-40B4-BE49-F238E27FC236}">
-                <a16:creationId xmlns="" xmlns:a16="http://schemas.microsoft.com/office/drawing/2014/main" id="{09BAAB2D-647B-BD4D-A2B8-C19C8B5806B4}"/>
+                <a16:creationId xmlns:a16="http://schemas.microsoft.com/office/drawing/2014/main" xmlns="" id="{09BAAB2D-647B-BD4D-A2B8-C19C8B5806B4}"/>
               </a:ext>
             </a:extLst>
           </p:cNvPr>
@@ -3717,7 +3718,7 @@
           <p:cNvPr id="4" name="テキスト プレースホルダー 3">
             <a:extLst>
               <a:ext uri="{FF2B5EF4-FFF2-40B4-BE49-F238E27FC236}">
-                <a16:creationId xmlns="" xmlns:a16="http://schemas.microsoft.com/office/drawing/2014/main" id="{B990BF36-195F-024D-A68C-39FD62D44CED}"/>
+                <a16:creationId xmlns:a16="http://schemas.microsoft.com/office/drawing/2014/main" xmlns="" id="{B990BF36-195F-024D-A68C-39FD62D44CED}"/>
               </a:ext>
             </a:extLst>
           </p:cNvPr>
@@ -3788,7 +3789,7 @@
           <p:cNvPr id="5" name="日付プレースホルダー 4">
             <a:extLst>
               <a:ext uri="{FF2B5EF4-FFF2-40B4-BE49-F238E27FC236}">
-                <a16:creationId xmlns="" xmlns:a16="http://schemas.microsoft.com/office/drawing/2014/main" id="{DC1FFC4A-CE0C-1F41-B7FF-34D1BB864561}"/>
+                <a16:creationId xmlns:a16="http://schemas.microsoft.com/office/drawing/2014/main" xmlns="" id="{DC1FFC4A-CE0C-1F41-B7FF-34D1BB864561}"/>
               </a:ext>
             </a:extLst>
           </p:cNvPr>
@@ -3817,7 +3818,7 @@
           <p:cNvPr id="6" name="フッター プレースホルダー 5">
             <a:extLst>
               <a:ext uri="{FF2B5EF4-FFF2-40B4-BE49-F238E27FC236}">
-                <a16:creationId xmlns="" xmlns:a16="http://schemas.microsoft.com/office/drawing/2014/main" id="{E17C14E4-63A5-054C-BC87-FAC762FBD5BD}"/>
+                <a16:creationId xmlns:a16="http://schemas.microsoft.com/office/drawing/2014/main" xmlns="" id="{E17C14E4-63A5-054C-BC87-FAC762FBD5BD}"/>
               </a:ext>
             </a:extLst>
           </p:cNvPr>
@@ -3842,7 +3843,7 @@
           <p:cNvPr id="7" name="スライド番号プレースホルダー 6">
             <a:extLst>
               <a:ext uri="{FF2B5EF4-FFF2-40B4-BE49-F238E27FC236}">
-                <a16:creationId xmlns="" xmlns:a16="http://schemas.microsoft.com/office/drawing/2014/main" id="{4CC39CDD-988A-9544-916A-E6BC31EF330A}"/>
+                <a16:creationId xmlns:a16="http://schemas.microsoft.com/office/drawing/2014/main" xmlns="" id="{4CC39CDD-988A-9544-916A-E6BC31EF330A}"/>
               </a:ext>
             </a:extLst>
           </p:cNvPr>
@@ -3901,7 +3902,7 @@
           <p:cNvPr id="2" name="タイトル 1">
             <a:extLst>
               <a:ext uri="{FF2B5EF4-FFF2-40B4-BE49-F238E27FC236}">
-                <a16:creationId xmlns="" xmlns:a16="http://schemas.microsoft.com/office/drawing/2014/main" id="{8DF74D26-4214-3A41-93DC-CB4F45E821D7}"/>
+                <a16:creationId xmlns:a16="http://schemas.microsoft.com/office/drawing/2014/main" xmlns="" id="{8DF74D26-4214-3A41-93DC-CB4F45E821D7}"/>
               </a:ext>
             </a:extLst>
           </p:cNvPr>
@@ -3938,7 +3939,7 @@
           <p:cNvPr id="3" name="図プレースホルダー 2">
             <a:extLst>
               <a:ext uri="{FF2B5EF4-FFF2-40B4-BE49-F238E27FC236}">
-                <a16:creationId xmlns="" xmlns:a16="http://schemas.microsoft.com/office/drawing/2014/main" id="{D940054E-68E5-484F-A4CF-426949E92B65}"/>
+                <a16:creationId xmlns:a16="http://schemas.microsoft.com/office/drawing/2014/main" xmlns="" id="{D940054E-68E5-484F-A4CF-426949E92B65}"/>
               </a:ext>
             </a:extLst>
           </p:cNvPr>
@@ -4005,7 +4006,7 @@
           <p:cNvPr id="4" name="テキスト プレースホルダー 3">
             <a:extLst>
               <a:ext uri="{FF2B5EF4-FFF2-40B4-BE49-F238E27FC236}">
-                <a16:creationId xmlns="" xmlns:a16="http://schemas.microsoft.com/office/drawing/2014/main" id="{352261EF-C0AC-DD47-80A3-9E3C6D693575}"/>
+                <a16:creationId xmlns:a16="http://schemas.microsoft.com/office/drawing/2014/main" xmlns="" id="{352261EF-C0AC-DD47-80A3-9E3C6D693575}"/>
               </a:ext>
             </a:extLst>
           </p:cNvPr>
@@ -4076,7 +4077,7 @@
           <p:cNvPr id="5" name="日付プレースホルダー 4">
             <a:extLst>
               <a:ext uri="{FF2B5EF4-FFF2-40B4-BE49-F238E27FC236}">
-                <a16:creationId xmlns="" xmlns:a16="http://schemas.microsoft.com/office/drawing/2014/main" id="{78345BD8-A5BE-2B4C-B50F-854BE8DA244E}"/>
+                <a16:creationId xmlns:a16="http://schemas.microsoft.com/office/drawing/2014/main" xmlns="" id="{78345BD8-A5BE-2B4C-B50F-854BE8DA244E}"/>
               </a:ext>
             </a:extLst>
           </p:cNvPr>
@@ -4105,7 +4106,7 @@
           <p:cNvPr id="6" name="フッター プレースホルダー 5">
             <a:extLst>
               <a:ext uri="{FF2B5EF4-FFF2-40B4-BE49-F238E27FC236}">
-                <a16:creationId xmlns="" xmlns:a16="http://schemas.microsoft.com/office/drawing/2014/main" id="{49B99FCF-ADF1-9D4F-88BE-3EABB8C04E28}"/>
+                <a16:creationId xmlns:a16="http://schemas.microsoft.com/office/drawing/2014/main" xmlns="" id="{49B99FCF-ADF1-9D4F-88BE-3EABB8C04E28}"/>
               </a:ext>
             </a:extLst>
           </p:cNvPr>
@@ -4130,7 +4131,7 @@
           <p:cNvPr id="7" name="スライド番号プレースホルダー 6">
             <a:extLst>
               <a:ext uri="{FF2B5EF4-FFF2-40B4-BE49-F238E27FC236}">
-                <a16:creationId xmlns="" xmlns:a16="http://schemas.microsoft.com/office/drawing/2014/main" id="{27455309-6FE4-1340-87BA-D1AD36515559}"/>
+                <a16:creationId xmlns:a16="http://schemas.microsoft.com/office/drawing/2014/main" xmlns="" id="{27455309-6FE4-1340-87BA-D1AD36515559}"/>
               </a:ext>
             </a:extLst>
           </p:cNvPr>
@@ -4194,7 +4195,7 @@
           <p:cNvPr id="2" name="タイトル プレースホルダー 1">
             <a:extLst>
               <a:ext uri="{FF2B5EF4-FFF2-40B4-BE49-F238E27FC236}">
-                <a16:creationId xmlns="" xmlns:a16="http://schemas.microsoft.com/office/drawing/2014/main" id="{2D34D946-D89E-6442-9075-ADE04490EE87}"/>
+                <a16:creationId xmlns:a16="http://schemas.microsoft.com/office/drawing/2014/main" xmlns="" id="{2D34D946-D89E-6442-9075-ADE04490EE87}"/>
               </a:ext>
             </a:extLst>
           </p:cNvPr>
@@ -4232,7 +4233,7 @@
           <p:cNvPr id="3" name="テキスト プレースホルダー 2">
             <a:extLst>
               <a:ext uri="{FF2B5EF4-FFF2-40B4-BE49-F238E27FC236}">
-                <a16:creationId xmlns="" xmlns:a16="http://schemas.microsoft.com/office/drawing/2014/main" id="{ECB16F28-657A-7547-9851-1F9FC0B19702}"/>
+                <a16:creationId xmlns:a16="http://schemas.microsoft.com/office/drawing/2014/main" xmlns="" id="{ECB16F28-657A-7547-9851-1F9FC0B19702}"/>
               </a:ext>
             </a:extLst>
           </p:cNvPr>
@@ -4331,7 +4332,7 @@
           <p:cNvPr id="4" name="日付プレースホルダー 3">
             <a:extLst>
               <a:ext uri="{FF2B5EF4-FFF2-40B4-BE49-F238E27FC236}">
-                <a16:creationId xmlns="" xmlns:a16="http://schemas.microsoft.com/office/drawing/2014/main" id="{AA47E054-8B17-264A-AFC9-BCC05E220C26}"/>
+                <a16:creationId xmlns:a16="http://schemas.microsoft.com/office/drawing/2014/main" xmlns="" id="{AA47E054-8B17-264A-AFC9-BCC05E220C26}"/>
               </a:ext>
             </a:extLst>
           </p:cNvPr>
@@ -4378,7 +4379,7 @@
           <p:cNvPr id="5" name="フッター プレースホルダー 4">
             <a:extLst>
               <a:ext uri="{FF2B5EF4-FFF2-40B4-BE49-F238E27FC236}">
-                <a16:creationId xmlns="" xmlns:a16="http://schemas.microsoft.com/office/drawing/2014/main" id="{C8FD813E-BA24-5E40-883A-DFDE11A12983}"/>
+                <a16:creationId xmlns:a16="http://schemas.microsoft.com/office/drawing/2014/main" xmlns="" id="{C8FD813E-BA24-5E40-883A-DFDE11A12983}"/>
               </a:ext>
             </a:extLst>
           </p:cNvPr>
@@ -4421,7 +4422,7 @@
           <p:cNvPr id="6" name="スライド番号プレースホルダー 5">
             <a:extLst>
               <a:ext uri="{FF2B5EF4-FFF2-40B4-BE49-F238E27FC236}">
-                <a16:creationId xmlns="" xmlns:a16="http://schemas.microsoft.com/office/drawing/2014/main" id="{5FB17BC1-8AA0-7843-B555-D51F4B1C5A23}"/>
+                <a16:creationId xmlns:a16="http://schemas.microsoft.com/office/drawing/2014/main" xmlns="" id="{5FB17BC1-8AA0-7843-B555-D51F4B1C5A23}"/>
               </a:ext>
             </a:extLst>
           </p:cNvPr>
@@ -4789,7 +4790,7 @@
           <p:cNvPr id="2" name="タイトル 1">
             <a:extLst>
               <a:ext uri="{FF2B5EF4-FFF2-40B4-BE49-F238E27FC236}">
-                <a16:creationId xmlns="" xmlns:a16="http://schemas.microsoft.com/office/drawing/2014/main" id="{4E9248D7-C77C-964F-B39C-A0CF57B18B5C}"/>
+                <a16:creationId xmlns:a16="http://schemas.microsoft.com/office/drawing/2014/main" xmlns="" id="{4E9248D7-C77C-964F-B39C-A0CF57B18B5C}"/>
               </a:ext>
             </a:extLst>
           </p:cNvPr>
@@ -4817,7 +4818,7 @@
           <p:cNvPr id="3" name="字幕 2">
             <a:extLst>
               <a:ext uri="{FF2B5EF4-FFF2-40B4-BE49-F238E27FC236}">
-                <a16:creationId xmlns="" xmlns:a16="http://schemas.microsoft.com/office/drawing/2014/main" id="{733749B4-8B89-A141-B0F8-D74350083502}"/>
+                <a16:creationId xmlns:a16="http://schemas.microsoft.com/office/drawing/2014/main" xmlns="" id="{733749B4-8B89-A141-B0F8-D74350083502}"/>
               </a:ext>
             </a:extLst>
           </p:cNvPr>
@@ -4863,6 +4864,13 @@
   <p:clrMapOvr>
     <a:masterClrMapping/>
   </p:clrMapOvr>
+  <p:timing>
+    <p:tnLst>
+      <p:par>
+        <p:cTn id="1" dur="indefinite" restart="never" nodeType="tmRoot"/>
+      </p:par>
+    </p:tnLst>
+  </p:timing>
 </p:sld>
 </file>
 
@@ -4986,36 +4994,6 @@
           </a:p>
         </p:txBody>
       </p:sp>
-      <p:pic>
-        <p:nvPicPr>
-          <p:cNvPr id="4" name="コンテンツ プレースホルダー 3"/>
-          <p:cNvPicPr>
-            <a:picLocks noChangeAspect="1"/>
-          </p:cNvPicPr>
-          <p:nvPr/>
-        </p:nvPicPr>
-        <p:blipFill>
-          <a:blip r:embed="rId2">
-            <a:extLst>
-              <a:ext uri="{28A0092B-C50C-407E-A947-70E740481C1C}">
-                <a14:useLocalDpi xmlns:a14="http://schemas.microsoft.com/office/drawing/2010/main" val="0"/>
-              </a:ext>
-            </a:extLst>
-          </a:blip>
-          <a:stretch>
-            <a:fillRect/>
-          </a:stretch>
-        </p:blipFill>
-        <p:spPr>
-          <a:xfrm>
-            <a:off x="6949786" y="1027906"/>
-            <a:ext cx="5242214" cy="3931660"/>
-          </a:xfrm>
-          <a:prstGeom prst="rect">
-            <a:avLst/>
-          </a:prstGeom>
-        </p:spPr>
-      </p:pic>
     </p:spTree>
     <p:extLst>
       <p:ext uri="{BB962C8B-B14F-4D97-AF65-F5344CB8AC3E}">
@@ -5053,41 +5031,346 @@
           <a:chExt cx="0" cy="0"/>
         </a:xfrm>
       </p:grpSpPr>
-      <p:sp>
-        <p:nvSpPr>
-          <p:cNvPr id="2" name="タイトル 1"/>
-          <p:cNvSpPr>
-            <a:spLocks noGrp="1"/>
-          </p:cNvSpPr>
-          <p:nvPr>
-            <p:ph type="title"/>
-          </p:nvPr>
-        </p:nvSpPr>
-        <p:spPr/>
-        <p:txBody>
-          <a:bodyPr/>
-          <a:lstStyle/>
-          <a:p>
-            <a:endParaRPr kumimoji="1" lang="ja-JP" altLang="en-US"/>
-          </a:p>
-        </p:txBody>
-      </p:sp>
-      <p:sp>
-        <p:nvSpPr>
-          <p:cNvPr id="3" name="コンテンツ プレースホルダー 2"/>
-          <p:cNvSpPr>
-            <a:spLocks noGrp="1"/>
-          </p:cNvSpPr>
-          <p:nvPr>
-            <p:ph idx="1"/>
-          </p:nvPr>
-        </p:nvSpPr>
-        <p:spPr/>
-        <p:txBody>
-          <a:bodyPr/>
-          <a:lstStyle/>
-          <a:p>
-            <a:endParaRPr kumimoji="1" lang="ja-JP" altLang="en-US"/>
+      <p:pic>
+        <p:nvPicPr>
+          <p:cNvPr id="4" name="コンテンツ プレースホルダー 3"/>
+          <p:cNvPicPr>
+            <a:picLocks noChangeAspect="1"/>
+          </p:cNvPicPr>
+          <p:nvPr/>
+        </p:nvPicPr>
+        <p:blipFill>
+          <a:blip r:embed="rId2">
+            <a:extLst>
+              <a:ext uri="{28A0092B-C50C-407E-A947-70E740481C1C}">
+                <a14:useLocalDpi xmlns:a14="http://schemas.microsoft.com/office/drawing/2010/main" val="0"/>
+              </a:ext>
+            </a:extLst>
+          </a:blip>
+          <a:stretch>
+            <a:fillRect/>
+          </a:stretch>
+        </p:blipFill>
+        <p:spPr>
+          <a:xfrm>
+            <a:off x="6949786" y="1825625"/>
+            <a:ext cx="5242214" cy="3931660"/>
+          </a:xfrm>
+          <a:prstGeom prst="rect">
+            <a:avLst/>
+          </a:prstGeom>
+        </p:spPr>
+      </p:pic>
+      <p:sp>
+        <p:nvSpPr>
+          <p:cNvPr id="5" name="正方形/長方形 4"/>
+          <p:cNvSpPr/>
+          <p:nvPr/>
+        </p:nvSpPr>
+        <p:spPr>
+          <a:xfrm>
+            <a:off x="-1" y="375134"/>
+            <a:ext cx="6550429" cy="5909310"/>
+          </a:xfrm>
+          <a:prstGeom prst="rect">
+            <a:avLst/>
+          </a:prstGeom>
+        </p:spPr>
+        <p:style>
+          <a:lnRef idx="2">
+            <a:schemeClr val="dk1"/>
+          </a:lnRef>
+          <a:fillRef idx="1">
+            <a:schemeClr val="lt1"/>
+          </a:fillRef>
+          <a:effectRef idx="0">
+            <a:schemeClr val="dk1"/>
+          </a:effectRef>
+          <a:fontRef idx="minor">
+            <a:schemeClr val="dk1"/>
+          </a:fontRef>
+        </p:style>
+        <p:txBody>
+          <a:bodyPr wrap="square">
+            <a:spAutoFit/>
+          </a:bodyPr>
+          <a:lstStyle/>
+          <a:p>
+            <a:r>
+              <a:rPr lang="ja-JP" altLang="en-US" dirty="0" smtClean="0">
+                <a:latin typeface="Ricty Diminished" panose="020B0509020203020207" pitchFamily="49" charset="-128"/>
+                <a:ea typeface="Ricty Diminished" panose="020B0509020203020207" pitchFamily="49" charset="-128"/>
+              </a:rPr>
+              <a:t>cd = pd.DataFrame(\</a:t>
+            </a:r>
+          </a:p>
+          <a:p>
+            <a:r>
+              <a:rPr lang="ja-JP" altLang="en-US" dirty="0" smtClean="0">
+                <a:latin typeface="Ricty Diminished" panose="020B0509020203020207" pitchFamily="49" charset="-128"/>
+                <a:ea typeface="Ricty Diminished" panose="020B0509020203020207" pitchFamily="49" charset="-128"/>
+              </a:rPr>
+              <a:t>[[2000, 38.8, 19.1],[2001, 37.9, 7.4], [2002, 38.6, 8.7], [2003, 39.6, 8.9],\</a:t>
+            </a:r>
+          </a:p>
+          <a:p>
+            <a:r>
+              <a:rPr lang="ja-JP" altLang="en-US" dirty="0" smtClean="0">
+                <a:latin typeface="Ricty Diminished" panose="020B0509020203020207" pitchFamily="49" charset="-128"/>
+                <a:ea typeface="Ricty Diminished" panose="020B0509020203020207" pitchFamily="49" charset="-128"/>
+              </a:rPr>
+              <a:t>[2004, 41.2, 10.3], [2005, 39.8, 12.0], [2006, 38.5, 14.5], [2007, 33.8, 16.7],\</a:t>
+            </a:r>
+          </a:p>
+          <a:p>
+            <a:r>
+              <a:rPr lang="ja-JP" altLang="en-US" dirty="0" smtClean="0">
+                <a:latin typeface="Ricty Diminished" panose="020B0509020203020207" pitchFamily="49" charset="-128"/>
+                <a:ea typeface="Ricty Diminished" panose="020B0509020203020207" pitchFamily="49" charset="-128"/>
+              </a:rPr>
+              <a:t>[2008, 28.7, 19.8], [2009, 24.2, 18.6], [2010, 19.5, 21.6], [2011, 16.0, 25.8],\</a:t>
+            </a:r>
+          </a:p>
+          <a:p>
+            <a:r>
+              <a:rPr lang="ja-JP" altLang="en-US" dirty="0" smtClean="0">
+                <a:latin typeface="Ricty Diminished" panose="020B0509020203020207" pitchFamily="49" charset="-128"/>
+                <a:ea typeface="Ricty Diminished" panose="020B0509020203020207" pitchFamily="49" charset="-128"/>
+              </a:rPr>
+              <a:t>[2012, 13.9, 29.3], [2013, 12.9, 32.7], [2014, 12.4, 35.9], [2015, 12.0, 37.9],\</a:t>
+            </a:r>
+          </a:p>
+          <a:p>
+            <a:r>
+              <a:rPr lang="ja-JP" altLang="en-US" dirty="0" smtClean="0">
+                <a:latin typeface="Ricty Diminished" panose="020B0509020203020207" pitchFamily="49" charset="-128"/>
+                <a:ea typeface="Ricty Diminished" panose="020B0509020203020207" pitchFamily="49" charset="-128"/>
+              </a:rPr>
+              <a:t>[2016, 11.8, 37.1], [2017,11.4,38.0]],\</a:t>
+            </a:r>
+          </a:p>
+          <a:p>
+            <a:r>
+              <a:rPr lang="ja-JP" altLang="en-US" dirty="0" smtClean="0">
+                <a:latin typeface="Ricty Diminished" panose="020B0509020203020207" pitchFamily="49" charset="-128"/>
+                <a:ea typeface="Ricty Diminished" panose="020B0509020203020207" pitchFamily="49" charset="-128"/>
+              </a:rPr>
+              <a:t>columns = ['年', 'コンゴ民主共和国のマラリアによる0~4歳の死亡率', 'GDP(10億米ドル)'])</a:t>
+            </a:r>
+            <a:endParaRPr lang="en-US" altLang="ja-JP" dirty="0" smtClean="0">
+              <a:latin typeface="Ricty Diminished" panose="020B0509020203020207" pitchFamily="49" charset="-128"/>
+              <a:ea typeface="Ricty Diminished" panose="020B0509020203020207" pitchFamily="49" charset="-128"/>
+            </a:endParaRPr>
+          </a:p>
+          <a:p>
+            <a:endParaRPr lang="en-US" altLang="ja-JP" dirty="0" smtClean="0">
+              <a:latin typeface="Ricty Diminished" panose="020B0509020203020207" pitchFamily="49" charset="-128"/>
+              <a:ea typeface="Ricty Diminished" panose="020B0509020203020207" pitchFamily="49" charset="-128"/>
+            </a:endParaRPr>
+          </a:p>
+          <a:p>
+            <a:r>
+              <a:rPr lang="en-US" altLang="ja-JP" dirty="0" smtClean="0">
+                <a:latin typeface="Ricty Diminished" panose="020B0509020203020207" pitchFamily="49" charset="-128"/>
+                <a:ea typeface="Ricty Diminished" panose="020B0509020203020207" pitchFamily="49" charset="-128"/>
+              </a:rPr>
+              <a:t>cd['</a:t>
+            </a:r>
+            <a:r>
+              <a:rPr lang="ja-JP" altLang="en-US" dirty="0" smtClean="0">
+                <a:latin typeface="Ricty Diminished" panose="020B0509020203020207" pitchFamily="49" charset="-128"/>
+                <a:ea typeface="Ricty Diminished" panose="020B0509020203020207" pitchFamily="49" charset="-128"/>
+              </a:rPr>
+              <a:t>コンゴ民主共和国のマラリアによる</a:t>
+            </a:r>
+            <a:r>
+              <a:rPr lang="en-US" altLang="ja-JP" dirty="0" smtClean="0">
+                <a:latin typeface="Ricty Diminished" panose="020B0509020203020207" pitchFamily="49" charset="-128"/>
+                <a:ea typeface="Ricty Diminished" panose="020B0509020203020207" pitchFamily="49" charset="-128"/>
+              </a:rPr>
+              <a:t>0~4</a:t>
+            </a:r>
+            <a:r>
+              <a:rPr lang="ja-JP" altLang="en-US" dirty="0" smtClean="0">
+                <a:latin typeface="Ricty Diminished" panose="020B0509020203020207" pitchFamily="49" charset="-128"/>
+                <a:ea typeface="Ricty Diminished" panose="020B0509020203020207" pitchFamily="49" charset="-128"/>
+              </a:rPr>
+              <a:t>歳の死亡率</a:t>
+            </a:r>
+            <a:r>
+              <a:rPr lang="en-US" altLang="ja-JP" dirty="0" smtClean="0">
+                <a:latin typeface="Ricty Diminished" panose="020B0509020203020207" pitchFamily="49" charset="-128"/>
+                <a:ea typeface="Ricty Diminished" panose="020B0509020203020207" pitchFamily="49" charset="-128"/>
+              </a:rPr>
+              <a:t>'].plot()</a:t>
+            </a:r>
+          </a:p>
+          <a:p>
+            <a:r>
+              <a:rPr lang="en-US" altLang="ja-JP" dirty="0" err="1" smtClean="0">
+                <a:latin typeface="Ricty Diminished" panose="020B0509020203020207" pitchFamily="49" charset="-128"/>
+                <a:ea typeface="Ricty Diminished" panose="020B0509020203020207" pitchFamily="49" charset="-128"/>
+              </a:rPr>
+              <a:t>plt.title</a:t>
+            </a:r>
+            <a:r>
+              <a:rPr lang="en-US" altLang="ja-JP" dirty="0" smtClean="0">
+                <a:latin typeface="Ricty Diminished" panose="020B0509020203020207" pitchFamily="49" charset="-128"/>
+                <a:ea typeface="Ricty Diminished" panose="020B0509020203020207" pitchFamily="49" charset="-128"/>
+              </a:rPr>
+              <a:t>('</a:t>
+            </a:r>
+            <a:r>
+              <a:rPr lang="ja-JP" altLang="en-US" dirty="0" smtClean="0">
+                <a:latin typeface="Ricty Diminished" panose="020B0509020203020207" pitchFamily="49" charset="-128"/>
+                <a:ea typeface="Ricty Diminished" panose="020B0509020203020207" pitchFamily="49" charset="-128"/>
+              </a:rPr>
+              <a:t>コンゴ民主共和国のマラリアによる</a:t>
+            </a:r>
+            <a:r>
+              <a:rPr lang="en-US" altLang="ja-JP" dirty="0" smtClean="0">
+                <a:latin typeface="Ricty Diminished" panose="020B0509020203020207" pitchFamily="49" charset="-128"/>
+                <a:ea typeface="Ricty Diminished" panose="020B0509020203020207" pitchFamily="49" charset="-128"/>
+              </a:rPr>
+              <a:t>0~4</a:t>
+            </a:r>
+            <a:r>
+              <a:rPr lang="ja-JP" altLang="en-US" dirty="0" smtClean="0">
+                <a:latin typeface="Ricty Diminished" panose="020B0509020203020207" pitchFamily="49" charset="-128"/>
+                <a:ea typeface="Ricty Diminished" panose="020B0509020203020207" pitchFamily="49" charset="-128"/>
+              </a:rPr>
+              <a:t>歳の死亡率</a:t>
+            </a:r>
+            <a:r>
+              <a:rPr lang="en-US" altLang="ja-JP" dirty="0" smtClean="0">
+                <a:latin typeface="Ricty Diminished" panose="020B0509020203020207" pitchFamily="49" charset="-128"/>
+                <a:ea typeface="Ricty Diminished" panose="020B0509020203020207" pitchFamily="49" charset="-128"/>
+              </a:rPr>
+              <a:t>')</a:t>
+            </a:r>
+          </a:p>
+          <a:p>
+            <a:r>
+              <a:rPr lang="en-US" altLang="ja-JP" dirty="0" err="1" smtClean="0">
+                <a:latin typeface="Ricty Diminished" panose="020B0509020203020207" pitchFamily="49" charset="-128"/>
+                <a:ea typeface="Ricty Diminished" panose="020B0509020203020207" pitchFamily="49" charset="-128"/>
+              </a:rPr>
+              <a:t>plt.xlabel</a:t>
+            </a:r>
+            <a:r>
+              <a:rPr lang="en-US" altLang="ja-JP" dirty="0" smtClean="0">
+                <a:latin typeface="Ricty Diminished" panose="020B0509020203020207" pitchFamily="49" charset="-128"/>
+                <a:ea typeface="Ricty Diminished" panose="020B0509020203020207" pitchFamily="49" charset="-128"/>
+              </a:rPr>
+              <a:t>('</a:t>
+            </a:r>
+            <a:r>
+              <a:rPr lang="ja-JP" altLang="en-US" dirty="0" smtClean="0">
+                <a:latin typeface="Ricty Diminished" panose="020B0509020203020207" pitchFamily="49" charset="-128"/>
+                <a:ea typeface="Ricty Diminished" panose="020B0509020203020207" pitchFamily="49" charset="-128"/>
+              </a:rPr>
+              <a:t>年</a:t>
+            </a:r>
+            <a:r>
+              <a:rPr lang="en-US" altLang="ja-JP" dirty="0" smtClean="0">
+                <a:latin typeface="Ricty Diminished" panose="020B0509020203020207" pitchFamily="49" charset="-128"/>
+                <a:ea typeface="Ricty Diminished" panose="020B0509020203020207" pitchFamily="49" charset="-128"/>
+              </a:rPr>
+              <a:t>')</a:t>
+            </a:r>
+          </a:p>
+          <a:p>
+            <a:r>
+              <a:rPr lang="en-US" altLang="ja-JP" dirty="0" err="1" smtClean="0">
+                <a:latin typeface="Ricty Diminished" panose="020B0509020203020207" pitchFamily="49" charset="-128"/>
+                <a:ea typeface="Ricty Diminished" panose="020B0509020203020207" pitchFamily="49" charset="-128"/>
+              </a:rPr>
+              <a:t>plt.ylabel</a:t>
+            </a:r>
+            <a:r>
+              <a:rPr lang="en-US" altLang="ja-JP" dirty="0" smtClean="0">
+                <a:latin typeface="Ricty Diminished" panose="020B0509020203020207" pitchFamily="49" charset="-128"/>
+                <a:ea typeface="Ricty Diminished" panose="020B0509020203020207" pitchFamily="49" charset="-128"/>
+              </a:rPr>
+              <a:t>('</a:t>
+            </a:r>
+            <a:r>
+              <a:rPr lang="ja-JP" altLang="en-US" dirty="0" smtClean="0">
+                <a:latin typeface="Ricty Diminished" panose="020B0509020203020207" pitchFamily="49" charset="-128"/>
+                <a:ea typeface="Ricty Diminished" panose="020B0509020203020207" pitchFamily="49" charset="-128"/>
+              </a:rPr>
+              <a:t>死亡率</a:t>
+            </a:r>
+            <a:r>
+              <a:rPr lang="en-US" altLang="ja-JP" dirty="0" smtClean="0">
+                <a:latin typeface="Ricty Diminished" panose="020B0509020203020207" pitchFamily="49" charset="-128"/>
+                <a:ea typeface="Ricty Diminished" panose="020B0509020203020207" pitchFamily="49" charset="-128"/>
+              </a:rPr>
+              <a:t>(‰)')</a:t>
+            </a:r>
+          </a:p>
+          <a:p>
+            <a:r>
+              <a:rPr lang="en-US" altLang="ja-JP" dirty="0" err="1" smtClean="0">
+                <a:latin typeface="Ricty Diminished" panose="020B0509020203020207" pitchFamily="49" charset="-128"/>
+                <a:ea typeface="Ricty Diminished" panose="020B0509020203020207" pitchFamily="49" charset="-128"/>
+              </a:rPr>
+              <a:t>plt.savefig</a:t>
+            </a:r>
+            <a:r>
+              <a:rPr lang="en-US" altLang="ja-JP" dirty="0" smtClean="0">
+                <a:latin typeface="Ricty Diminished" panose="020B0509020203020207" pitchFamily="49" charset="-128"/>
+                <a:ea typeface="Ricty Diminished" panose="020B0509020203020207" pitchFamily="49" charset="-128"/>
+              </a:rPr>
+              <a:t>('CDMDeathRate001.png')</a:t>
+            </a:r>
+          </a:p>
+          <a:p>
+            <a:endParaRPr lang="ja-JP" altLang="en-US" dirty="0"/>
+          </a:p>
+        </p:txBody>
+      </p:sp>
+      <p:sp>
+        <p:nvSpPr>
+          <p:cNvPr id="13" name="曲折矢印 12"/>
+          <p:cNvSpPr/>
+          <p:nvPr/>
+        </p:nvSpPr>
+        <p:spPr>
+          <a:xfrm rot="5008286">
+            <a:off x="6873461" y="459789"/>
+            <a:ext cx="1464379" cy="1450491"/>
+          </a:xfrm>
+          <a:prstGeom prst="bentArrow">
+            <a:avLst/>
+          </a:prstGeom>
+        </p:spPr>
+        <p:style>
+          <a:lnRef idx="2">
+            <a:schemeClr val="accent1">
+              <a:shade val="50000"/>
+            </a:schemeClr>
+          </a:lnRef>
+          <a:fillRef idx="1">
+            <a:schemeClr val="accent1"/>
+          </a:fillRef>
+          <a:effectRef idx="0">
+            <a:schemeClr val="accent1"/>
+          </a:effectRef>
+          <a:fontRef idx="minor">
+            <a:schemeClr val="lt1"/>
+          </a:fontRef>
+        </p:style>
+        <p:txBody>
+          <a:bodyPr rtlCol="0" anchor="ctr"/>
+          <a:lstStyle/>
+          <a:p>
+            <a:pPr algn="ctr"/>
+            <a:endParaRPr kumimoji="1" lang="ja-JP" altLang="en-US">
+              <a:solidFill>
+                <a:schemeClr val="tx1"/>
+              </a:solidFill>
+            </a:endParaRPr>
           </a:p>
         </p:txBody>
       </p:sp>
@@ -5254,7 +5537,7 @@
             <a:spLocks noGrp="1"/>
           </p:cNvSpPr>
           <p:nvPr>
-            <p:ph type="title"/>
+            <p:ph type="ctrTitle"/>
           </p:nvPr>
         </p:nvSpPr>
         <p:spPr/>
@@ -5264,7 +5547,7 @@
           <a:p>
             <a:r>
               <a:rPr kumimoji="1" lang="ja-JP" altLang="en-US" dirty="0" smtClean="0"/>
-              <a:t>まとめ</a:t>
+              <a:t>具体例の紹介</a:t>
             </a:r>
             <a:endParaRPr kumimoji="1" lang="ja-JP" altLang="en-US" dirty="0"/>
           </a:p>
@@ -5272,12 +5555,12 @@
       </p:sp>
       <p:sp>
         <p:nvSpPr>
-          <p:cNvPr id="3" name="コンテンツ プレースホルダー 2"/>
-          <p:cNvSpPr>
-            <a:spLocks noGrp="1"/>
-          </p:cNvSpPr>
-          <p:nvPr>
-            <p:ph idx="1"/>
+          <p:cNvPr id="3" name="サブタイトル 2"/>
+          <p:cNvSpPr>
+            <a:spLocks noGrp="1"/>
+          </p:cNvSpPr>
+          <p:nvPr>
+            <p:ph type="subTitle" idx="1"/>
           </p:nvPr>
         </p:nvSpPr>
         <p:spPr/>
@@ -5292,7 +5575,7 @@
     </p:spTree>
     <p:extLst>
       <p:ext uri="{BB962C8B-B14F-4D97-AF65-F5344CB8AC3E}">
-        <p14:creationId xmlns:p14="http://schemas.microsoft.com/office/powerpoint/2010/main" val="3533172223"/>
+        <p14:creationId xmlns:p14="http://schemas.microsoft.com/office/powerpoint/2010/main" val="2020135290"/>
       </p:ext>
     </p:extLst>
   </p:cSld>
@@ -5328,10 +5611,89 @@
       </p:grpSpPr>
       <p:sp>
         <p:nvSpPr>
+          <p:cNvPr id="2" name="タイトル 1"/>
+          <p:cNvSpPr>
+            <a:spLocks noGrp="1"/>
+          </p:cNvSpPr>
+          <p:nvPr>
+            <p:ph type="title"/>
+          </p:nvPr>
+        </p:nvSpPr>
+        <p:spPr/>
+        <p:txBody>
+          <a:bodyPr/>
+          <a:lstStyle/>
+          <a:p>
+            <a:r>
+              <a:rPr kumimoji="1" lang="ja-JP" altLang="en-US" dirty="0" smtClean="0"/>
+              <a:t>まとめ</a:t>
+            </a:r>
+            <a:endParaRPr kumimoji="1" lang="ja-JP" altLang="en-US" dirty="0"/>
+          </a:p>
+        </p:txBody>
+      </p:sp>
+      <p:sp>
+        <p:nvSpPr>
+          <p:cNvPr id="3" name="コンテンツ プレースホルダー 2"/>
+          <p:cNvSpPr>
+            <a:spLocks noGrp="1"/>
+          </p:cNvSpPr>
+          <p:nvPr>
+            <p:ph idx="1"/>
+          </p:nvPr>
+        </p:nvSpPr>
+        <p:spPr/>
+        <p:txBody>
+          <a:bodyPr/>
+          <a:lstStyle/>
+          <a:p>
+            <a:endParaRPr kumimoji="1" lang="ja-JP" altLang="en-US"/>
+          </a:p>
+        </p:txBody>
+      </p:sp>
+    </p:spTree>
+    <p:extLst>
+      <p:ext uri="{BB962C8B-B14F-4D97-AF65-F5344CB8AC3E}">
+        <p14:creationId xmlns:p14="http://schemas.microsoft.com/office/powerpoint/2010/main" val="3533172223"/>
+      </p:ext>
+    </p:extLst>
+  </p:cSld>
+  <p:clrMapOvr>
+    <a:masterClrMapping/>
+  </p:clrMapOvr>
+  <p:timing>
+    <p:tnLst>
+      <p:par>
+        <p:cTn id="1" dur="indefinite" restart="never" nodeType="tmRoot"/>
+      </p:par>
+    </p:tnLst>
+  </p:timing>
+</p:sld>
+</file>
+
+<file path=ppt/slides/slide15.xml><?xml version="1.0" encoding="utf-8"?>
+<p:sld xmlns:a="http://schemas.openxmlformats.org/drawingml/2006/main" xmlns:r="http://schemas.openxmlformats.org/officeDocument/2006/relationships" xmlns:p="http://schemas.openxmlformats.org/presentationml/2006/main">
+  <p:cSld>
+    <p:spTree>
+      <p:nvGrpSpPr>
+        <p:cNvPr id="1" name=""/>
+        <p:cNvGrpSpPr/>
+        <p:nvPr/>
+      </p:nvGrpSpPr>
+      <p:grpSpPr>
+        <a:xfrm>
+          <a:off x="0" y="0"/>
+          <a:ext cx="0" cy="0"/>
+          <a:chOff x="0" y="0"/>
+          <a:chExt cx="0" cy="0"/>
+        </a:xfrm>
+      </p:grpSpPr>
+      <p:sp>
+        <p:nvSpPr>
           <p:cNvPr id="2" name="タイトル 1">
             <a:extLst>
               <a:ext uri="{FF2B5EF4-FFF2-40B4-BE49-F238E27FC236}">
-                <a16:creationId xmlns="" xmlns:a16="http://schemas.microsoft.com/office/drawing/2014/main" id="{64A11CCF-73BE-084D-A8D7-B183386D4431}"/>
+                <a16:creationId xmlns:a16="http://schemas.microsoft.com/office/drawing/2014/main" xmlns="" id="{64A11CCF-73BE-084D-A8D7-B183386D4431}"/>
               </a:ext>
             </a:extLst>
           </p:cNvPr>
@@ -5364,7 +5726,7 @@
           <p:cNvPr id="3" name="コンテンツ プレースホルダー 2">
             <a:extLst>
               <a:ext uri="{FF2B5EF4-FFF2-40B4-BE49-F238E27FC236}">
-                <a16:creationId xmlns="" xmlns:a16="http://schemas.microsoft.com/office/drawing/2014/main" id="{DEFF8EDF-62D5-3044-8E76-F620FB00CBA7}"/>
+                <a16:creationId xmlns:a16="http://schemas.microsoft.com/office/drawing/2014/main" xmlns="" id="{DEFF8EDF-62D5-3044-8E76-F620FB00CBA7}"/>
               </a:ext>
             </a:extLst>
           </p:cNvPr>
@@ -5385,11 +5747,7 @@
           <a:p>
             <a:r>
               <a:rPr kumimoji="1" lang="ja-JP" altLang="en-US" dirty="0" smtClean="0"/>
-              <a:t>時系列に沿った変化が</a:t>
-            </a:r>
-            <a:r>
-              <a:rPr kumimoji="1" lang="ja-JP" altLang="en-US" dirty="0" smtClean="0"/>
-              <a:t>見やすい</a:t>
+              <a:t>時系列に沿った変化が見やすい</a:t>
             </a:r>
             <a:endParaRPr kumimoji="1" lang="en-US" altLang="ja-JP" dirty="0" smtClean="0"/>
           </a:p>
@@ -5457,7 +5815,7 @@
 </p:sld>
 </file>
 
-<file path=ppt/slides/slide15.xml><?xml version="1.0" encoding="utf-8"?>
+<file path=ppt/slides/slide16.xml><?xml version="1.0" encoding="utf-8"?>
 <p:sld xmlns:a="http://schemas.openxmlformats.org/drawingml/2006/main" xmlns:r="http://schemas.openxmlformats.org/officeDocument/2006/relationships" xmlns:p="http://schemas.openxmlformats.org/presentationml/2006/main">
   <p:cSld>
     <p:spTree>
@@ -5690,7 +6048,7 @@
           <p:cNvPr id="2" name="タイトル 1">
             <a:extLst>
               <a:ext uri="{FF2B5EF4-FFF2-40B4-BE49-F238E27FC236}">
-                <a16:creationId xmlns="" xmlns:a16="http://schemas.microsoft.com/office/drawing/2014/main" id="{896E4980-C4A7-5A4F-A462-99F235D2E767}"/>
+                <a16:creationId xmlns:a16="http://schemas.microsoft.com/office/drawing/2014/main" xmlns="" id="{896E4980-C4A7-5A4F-A462-99F235D2E767}"/>
               </a:ext>
             </a:extLst>
           </p:cNvPr>
@@ -5718,7 +6076,7 @@
           <p:cNvPr id="3" name="コンテンツ プレースホルダー 2">
             <a:extLst>
               <a:ext uri="{FF2B5EF4-FFF2-40B4-BE49-F238E27FC236}">
-                <a16:creationId xmlns="" xmlns:a16="http://schemas.microsoft.com/office/drawing/2014/main" id="{D83D92FA-7F8A-C342-A02E-997F9C036FFA}"/>
+                <a16:creationId xmlns:a16="http://schemas.microsoft.com/office/drawing/2014/main" xmlns="" id="{D83D92FA-7F8A-C342-A02E-997F9C036FFA}"/>
               </a:ext>
             </a:extLst>
           </p:cNvPr>
@@ -5814,7 +6172,7 @@
           <p:cNvPr id="2" name="タイトル 1">
             <a:extLst>
               <a:ext uri="{FF2B5EF4-FFF2-40B4-BE49-F238E27FC236}">
-                <a16:creationId xmlns="" xmlns:a16="http://schemas.microsoft.com/office/drawing/2014/main" id="{CBA8BA4B-598F-334C-AE25-93577CEDDC57}"/>
+                <a16:creationId xmlns:a16="http://schemas.microsoft.com/office/drawing/2014/main" xmlns="" id="{CBA8BA4B-598F-334C-AE25-93577CEDDC57}"/>
               </a:ext>
             </a:extLst>
           </p:cNvPr>
@@ -5843,7 +6201,7 @@
           <p:cNvPr id="3" name="コンテンツ プレースホルダー 2">
             <a:extLst>
               <a:ext uri="{FF2B5EF4-FFF2-40B4-BE49-F238E27FC236}">
-                <a16:creationId xmlns="" xmlns:a16="http://schemas.microsoft.com/office/drawing/2014/main" id="{2402BAF8-03EA-584A-B27B-7CF2D553193C}"/>
+                <a16:creationId xmlns:a16="http://schemas.microsoft.com/office/drawing/2014/main" xmlns="" id="{2402BAF8-03EA-584A-B27B-7CF2D553193C}"/>
               </a:ext>
             </a:extLst>
           </p:cNvPr>
@@ -6099,7 +6457,7 @@
           <p:cNvPr id="2" name="タイトル 1">
             <a:extLst>
               <a:ext uri="{FF2B5EF4-FFF2-40B4-BE49-F238E27FC236}">
-                <a16:creationId xmlns="" xmlns:a16="http://schemas.microsoft.com/office/drawing/2014/main" id="{9D35B7F5-C616-2546-AAE3-A4C37ADA891C}"/>
+                <a16:creationId xmlns:a16="http://schemas.microsoft.com/office/drawing/2014/main" xmlns="" id="{9D35B7F5-C616-2546-AAE3-A4C37ADA891C}"/>
               </a:ext>
             </a:extLst>
           </p:cNvPr>
@@ -6127,7 +6485,7 @@
           <p:cNvPr id="3" name="コンテンツ プレースホルダー 2">
             <a:extLst>
               <a:ext uri="{FF2B5EF4-FFF2-40B4-BE49-F238E27FC236}">
-                <a16:creationId xmlns="" xmlns:a16="http://schemas.microsoft.com/office/drawing/2014/main" id="{F5CDCC94-1BC0-9F45-BD6E-AEA44C88CDA1}"/>
+                <a16:creationId xmlns:a16="http://schemas.microsoft.com/office/drawing/2014/main" xmlns="" id="{F5CDCC94-1BC0-9F45-BD6E-AEA44C88CDA1}"/>
               </a:ext>
             </a:extLst>
           </p:cNvPr>
@@ -6185,11 +6543,7 @@
             </a:r>
             <a:r>
               <a:rPr lang="ja-JP" altLang="en-US" dirty="0" smtClean="0"/>
-              <a:t>の</a:t>
-            </a:r>
-            <a:r>
-              <a:rPr lang="ja-JP" altLang="en-US" dirty="0" smtClean="0"/>
-              <a:t>棒グラフ</a:t>
+              <a:t>の棒グラフ</a:t>
             </a:r>
             <a:endParaRPr lang="en-US" altLang="ja-JP" dirty="0"/>
           </a:p>
@@ -6579,7 +6933,7 @@
           <p:cNvPr id="5" name="コンテンツ プレースホルダー 4">
             <a:extLst>
               <a:ext uri="{FF2B5EF4-FFF2-40B4-BE49-F238E27FC236}">
-                <a16:creationId xmlns="" xmlns:a16="http://schemas.microsoft.com/office/drawing/2014/main" id="{1E5D8649-DA8C-214B-B91C-F807A6D4F3BF}"/>
+                <a16:creationId xmlns:a16="http://schemas.microsoft.com/office/drawing/2014/main" xmlns="" id="{1E5D8649-DA8C-214B-B91C-F807A6D4F3BF}"/>
               </a:ext>
             </a:extLst>
           </p:cNvPr>
@@ -6608,7 +6962,7 @@
           <p:cNvPr id="7" name="図 6">
             <a:extLst>
               <a:ext uri="{FF2B5EF4-FFF2-40B4-BE49-F238E27FC236}">
-                <a16:creationId xmlns="" xmlns:a16="http://schemas.microsoft.com/office/drawing/2014/main" id="{D606FACA-C735-7445-A696-121B917347DF}"/>
+                <a16:creationId xmlns:a16="http://schemas.microsoft.com/office/drawing/2014/main" xmlns="" id="{D606FACA-C735-7445-A696-121B917347DF}"/>
               </a:ext>
             </a:extLst>
           </p:cNvPr>
@@ -6638,7 +6992,7 @@
           <p:cNvPr id="13" name="図 12">
             <a:extLst>
               <a:ext uri="{FF2B5EF4-FFF2-40B4-BE49-F238E27FC236}">
-                <a16:creationId xmlns="" xmlns:a16="http://schemas.microsoft.com/office/drawing/2014/main" id="{1CA906F6-D528-7E4B-9F59-254A16A30401}"/>
+                <a16:creationId xmlns:a16="http://schemas.microsoft.com/office/drawing/2014/main" xmlns="" id="{1CA906F6-D528-7E4B-9F59-254A16A30401}"/>
               </a:ext>
             </a:extLst>
           </p:cNvPr>

--- a/統計データの可視化.pptx
+++ b/統計データの可視化.pptx
@@ -5,7 +5,7 @@
     <p:sldMasterId id="2147483648" r:id="rId1"/>
   </p:sldMasterIdLst>
   <p:notesMasterIdLst>
-    <p:notesMasterId r:id="rId18"/>
+    <p:notesMasterId r:id="rId17"/>
   </p:notesMasterIdLst>
   <p:sldIdLst>
     <p:sldId id="256" r:id="rId2"/>
@@ -16,14 +16,13 @@
     <p:sldId id="258" r:id="rId7"/>
     <p:sldId id="275" r:id="rId8"/>
     <p:sldId id="273" r:id="rId9"/>
-    <p:sldId id="269" r:id="rId10"/>
-    <p:sldId id="274" r:id="rId11"/>
-    <p:sldId id="277" r:id="rId12"/>
-    <p:sldId id="270" r:id="rId13"/>
-    <p:sldId id="279" r:id="rId14"/>
-    <p:sldId id="276" r:id="rId15"/>
-    <p:sldId id="267" r:id="rId16"/>
-    <p:sldId id="264" r:id="rId17"/>
+    <p:sldId id="274" r:id="rId10"/>
+    <p:sldId id="277" r:id="rId11"/>
+    <p:sldId id="270" r:id="rId12"/>
+    <p:sldId id="279" r:id="rId13"/>
+    <p:sldId id="276" r:id="rId14"/>
+    <p:sldId id="267" r:id="rId15"/>
+    <p:sldId id="264" r:id="rId16"/>
   </p:sldIdLst>
   <p:sldSz cx="12192000" cy="6858000"/>
   <p:notesSz cx="6858000" cy="9144000"/>
@@ -1264,7 +1263,7 @@
           <a:p>
             <a:fld id="{B05A5F5C-BC8F-42F1-805F-F119BAB24EC1}" type="slidenum">
               <a:rPr kumimoji="1" lang="ja-JP" altLang="en-US" smtClean="0"/>
-              <a:t>15</a:t>
+              <a:t>14</a:t>
             </a:fld>
             <a:endParaRPr kumimoji="1" lang="ja-JP" altLang="en-US"/>
           </a:p>
@@ -1305,7 +1304,7 @@
           <p:cNvPr id="2" name="タイトル 1">
             <a:extLst>
               <a:ext uri="{FF2B5EF4-FFF2-40B4-BE49-F238E27FC236}">
-                <a16:creationId xmlns:a16="http://schemas.microsoft.com/office/drawing/2014/main" xmlns="" id="{D5DF3914-848A-5745-957C-528267F7C428}"/>
+                <a16:creationId xmlns="" xmlns:a16="http://schemas.microsoft.com/office/drawing/2014/main" id="{D5DF3914-848A-5745-957C-528267F7C428}"/>
               </a:ext>
             </a:extLst>
           </p:cNvPr>
@@ -1342,7 +1341,7 @@
           <p:cNvPr id="3" name="字幕 2">
             <a:extLst>
               <a:ext uri="{FF2B5EF4-FFF2-40B4-BE49-F238E27FC236}">
-                <a16:creationId xmlns:a16="http://schemas.microsoft.com/office/drawing/2014/main" xmlns="" id="{09ED48ED-F942-EA4B-837D-433A04D6B104}"/>
+                <a16:creationId xmlns="" xmlns:a16="http://schemas.microsoft.com/office/drawing/2014/main" id="{09ED48ED-F942-EA4B-837D-433A04D6B104}"/>
               </a:ext>
             </a:extLst>
           </p:cNvPr>
@@ -1412,7 +1411,7 @@
           <p:cNvPr id="4" name="日付プレースホルダー 3">
             <a:extLst>
               <a:ext uri="{FF2B5EF4-FFF2-40B4-BE49-F238E27FC236}">
-                <a16:creationId xmlns:a16="http://schemas.microsoft.com/office/drawing/2014/main" xmlns="" id="{3A0DDE53-FAF3-374A-B93B-6D7F5E526B83}"/>
+                <a16:creationId xmlns="" xmlns:a16="http://schemas.microsoft.com/office/drawing/2014/main" id="{3A0DDE53-FAF3-374A-B93B-6D7F5E526B83}"/>
               </a:ext>
             </a:extLst>
           </p:cNvPr>
@@ -1441,7 +1440,7 @@
           <p:cNvPr id="5" name="フッター プレースホルダー 4">
             <a:extLst>
               <a:ext uri="{FF2B5EF4-FFF2-40B4-BE49-F238E27FC236}">
-                <a16:creationId xmlns:a16="http://schemas.microsoft.com/office/drawing/2014/main" xmlns="" id="{83CD93A0-C601-B84D-B2EA-38118C6AE7FB}"/>
+                <a16:creationId xmlns="" xmlns:a16="http://schemas.microsoft.com/office/drawing/2014/main" id="{83CD93A0-C601-B84D-B2EA-38118C6AE7FB}"/>
               </a:ext>
             </a:extLst>
           </p:cNvPr>
@@ -1466,7 +1465,7 @@
           <p:cNvPr id="6" name="スライド番号プレースホルダー 5">
             <a:extLst>
               <a:ext uri="{FF2B5EF4-FFF2-40B4-BE49-F238E27FC236}">
-                <a16:creationId xmlns:a16="http://schemas.microsoft.com/office/drawing/2014/main" xmlns="" id="{8020DA69-1EC4-8D4B-8C3D-2ABD8A48C106}"/>
+                <a16:creationId xmlns="" xmlns:a16="http://schemas.microsoft.com/office/drawing/2014/main" id="{8020DA69-1EC4-8D4B-8C3D-2ABD8A48C106}"/>
               </a:ext>
             </a:extLst>
           </p:cNvPr>
@@ -1525,7 +1524,7 @@
           <p:cNvPr id="2" name="タイトル 1">
             <a:extLst>
               <a:ext uri="{FF2B5EF4-FFF2-40B4-BE49-F238E27FC236}">
-                <a16:creationId xmlns:a16="http://schemas.microsoft.com/office/drawing/2014/main" xmlns="" id="{BB3E10CC-A6BC-8949-B208-329D84FD4921}"/>
+                <a16:creationId xmlns="" xmlns:a16="http://schemas.microsoft.com/office/drawing/2014/main" id="{BB3E10CC-A6BC-8949-B208-329D84FD4921}"/>
               </a:ext>
             </a:extLst>
           </p:cNvPr>
@@ -1553,7 +1552,7 @@
           <p:cNvPr id="3" name="縦書きテキスト プレースホルダー 2">
             <a:extLst>
               <a:ext uri="{FF2B5EF4-FFF2-40B4-BE49-F238E27FC236}">
-                <a16:creationId xmlns:a16="http://schemas.microsoft.com/office/drawing/2014/main" xmlns="" id="{7219424D-BC1D-AD4E-B010-1F1D7A13D58F}"/>
+                <a16:creationId xmlns="" xmlns:a16="http://schemas.microsoft.com/office/drawing/2014/main" id="{7219424D-BC1D-AD4E-B010-1F1D7A13D58F}"/>
               </a:ext>
             </a:extLst>
           </p:cNvPr>
@@ -1642,7 +1641,7 @@
           <p:cNvPr id="4" name="日付プレースホルダー 3">
             <a:extLst>
               <a:ext uri="{FF2B5EF4-FFF2-40B4-BE49-F238E27FC236}">
-                <a16:creationId xmlns:a16="http://schemas.microsoft.com/office/drawing/2014/main" xmlns="" id="{A0EC3470-4F95-8440-8244-40DACC03B789}"/>
+                <a16:creationId xmlns="" xmlns:a16="http://schemas.microsoft.com/office/drawing/2014/main" id="{A0EC3470-4F95-8440-8244-40DACC03B789}"/>
               </a:ext>
             </a:extLst>
           </p:cNvPr>
@@ -1671,7 +1670,7 @@
           <p:cNvPr id="5" name="フッター プレースホルダー 4">
             <a:extLst>
               <a:ext uri="{FF2B5EF4-FFF2-40B4-BE49-F238E27FC236}">
-                <a16:creationId xmlns:a16="http://schemas.microsoft.com/office/drawing/2014/main" xmlns="" id="{66F14C45-11C0-E844-8F6B-65127DAC330E}"/>
+                <a16:creationId xmlns="" xmlns:a16="http://schemas.microsoft.com/office/drawing/2014/main" id="{66F14C45-11C0-E844-8F6B-65127DAC330E}"/>
               </a:ext>
             </a:extLst>
           </p:cNvPr>
@@ -1696,7 +1695,7 @@
           <p:cNvPr id="6" name="スライド番号プレースホルダー 5">
             <a:extLst>
               <a:ext uri="{FF2B5EF4-FFF2-40B4-BE49-F238E27FC236}">
-                <a16:creationId xmlns:a16="http://schemas.microsoft.com/office/drawing/2014/main" xmlns="" id="{0E725F07-7F0B-E14E-8116-981B96C66531}"/>
+                <a16:creationId xmlns="" xmlns:a16="http://schemas.microsoft.com/office/drawing/2014/main" id="{0E725F07-7F0B-E14E-8116-981B96C66531}"/>
               </a:ext>
             </a:extLst>
           </p:cNvPr>
@@ -1755,7 +1754,7 @@
           <p:cNvPr id="2" name="縦書きタイトル 1">
             <a:extLst>
               <a:ext uri="{FF2B5EF4-FFF2-40B4-BE49-F238E27FC236}">
-                <a16:creationId xmlns:a16="http://schemas.microsoft.com/office/drawing/2014/main" xmlns="" id="{39813C18-B35A-0B48-9CAB-63198D349B64}"/>
+                <a16:creationId xmlns="" xmlns:a16="http://schemas.microsoft.com/office/drawing/2014/main" id="{39813C18-B35A-0B48-9CAB-63198D349B64}"/>
               </a:ext>
             </a:extLst>
           </p:cNvPr>
@@ -1788,7 +1787,7 @@
           <p:cNvPr id="3" name="縦書きテキスト プレースホルダー 2">
             <a:extLst>
               <a:ext uri="{FF2B5EF4-FFF2-40B4-BE49-F238E27FC236}">
-                <a16:creationId xmlns:a16="http://schemas.microsoft.com/office/drawing/2014/main" xmlns="" id="{F67CE368-0F9E-2B42-A1E6-C2B1870B324A}"/>
+                <a16:creationId xmlns="" xmlns:a16="http://schemas.microsoft.com/office/drawing/2014/main" id="{F67CE368-0F9E-2B42-A1E6-C2B1870B324A}"/>
               </a:ext>
             </a:extLst>
           </p:cNvPr>
@@ -1882,7 +1881,7 @@
           <p:cNvPr id="4" name="日付プレースホルダー 3">
             <a:extLst>
               <a:ext uri="{FF2B5EF4-FFF2-40B4-BE49-F238E27FC236}">
-                <a16:creationId xmlns:a16="http://schemas.microsoft.com/office/drawing/2014/main" xmlns="" id="{867ACC2A-B8D1-7C41-9B9F-4C65056F947D}"/>
+                <a16:creationId xmlns="" xmlns:a16="http://schemas.microsoft.com/office/drawing/2014/main" id="{867ACC2A-B8D1-7C41-9B9F-4C65056F947D}"/>
               </a:ext>
             </a:extLst>
           </p:cNvPr>
@@ -1911,7 +1910,7 @@
           <p:cNvPr id="5" name="フッター プレースホルダー 4">
             <a:extLst>
               <a:ext uri="{FF2B5EF4-FFF2-40B4-BE49-F238E27FC236}">
-                <a16:creationId xmlns:a16="http://schemas.microsoft.com/office/drawing/2014/main" xmlns="" id="{087856E7-9E03-2C48-B6EC-72CF81629D1A}"/>
+                <a16:creationId xmlns="" xmlns:a16="http://schemas.microsoft.com/office/drawing/2014/main" id="{087856E7-9E03-2C48-B6EC-72CF81629D1A}"/>
               </a:ext>
             </a:extLst>
           </p:cNvPr>
@@ -1936,7 +1935,7 @@
           <p:cNvPr id="6" name="スライド番号プレースホルダー 5">
             <a:extLst>
               <a:ext uri="{FF2B5EF4-FFF2-40B4-BE49-F238E27FC236}">
-                <a16:creationId xmlns:a16="http://schemas.microsoft.com/office/drawing/2014/main" xmlns="" id="{C67C1FF0-41FF-734C-8215-5603860FCEB5}"/>
+                <a16:creationId xmlns="" xmlns:a16="http://schemas.microsoft.com/office/drawing/2014/main" id="{C67C1FF0-41FF-734C-8215-5603860FCEB5}"/>
               </a:ext>
             </a:extLst>
           </p:cNvPr>
@@ -1995,7 +1994,7 @@
           <p:cNvPr id="2" name="タイトル 1">
             <a:extLst>
               <a:ext uri="{FF2B5EF4-FFF2-40B4-BE49-F238E27FC236}">
-                <a16:creationId xmlns:a16="http://schemas.microsoft.com/office/drawing/2014/main" xmlns="" id="{79AD0717-2C6D-1447-94E8-005D647C12FA}"/>
+                <a16:creationId xmlns="" xmlns:a16="http://schemas.microsoft.com/office/drawing/2014/main" id="{79AD0717-2C6D-1447-94E8-005D647C12FA}"/>
               </a:ext>
             </a:extLst>
           </p:cNvPr>
@@ -2023,7 +2022,7 @@
           <p:cNvPr id="3" name="コンテンツ プレースホルダー 2">
             <a:extLst>
               <a:ext uri="{FF2B5EF4-FFF2-40B4-BE49-F238E27FC236}">
-                <a16:creationId xmlns:a16="http://schemas.microsoft.com/office/drawing/2014/main" xmlns="" id="{F692E943-D9F7-F64A-9495-77932297DAB9}"/>
+                <a16:creationId xmlns="" xmlns:a16="http://schemas.microsoft.com/office/drawing/2014/main" id="{F692E943-D9F7-F64A-9495-77932297DAB9}"/>
               </a:ext>
             </a:extLst>
           </p:cNvPr>
@@ -2112,7 +2111,7 @@
           <p:cNvPr id="4" name="日付プレースホルダー 3">
             <a:extLst>
               <a:ext uri="{FF2B5EF4-FFF2-40B4-BE49-F238E27FC236}">
-                <a16:creationId xmlns:a16="http://schemas.microsoft.com/office/drawing/2014/main" xmlns="" id="{46AF73F5-1F52-3C42-920C-52BCD964D9DB}"/>
+                <a16:creationId xmlns="" xmlns:a16="http://schemas.microsoft.com/office/drawing/2014/main" id="{46AF73F5-1F52-3C42-920C-52BCD964D9DB}"/>
               </a:ext>
             </a:extLst>
           </p:cNvPr>
@@ -2141,7 +2140,7 @@
           <p:cNvPr id="5" name="フッター プレースホルダー 4">
             <a:extLst>
               <a:ext uri="{FF2B5EF4-FFF2-40B4-BE49-F238E27FC236}">
-                <a16:creationId xmlns:a16="http://schemas.microsoft.com/office/drawing/2014/main" xmlns="" id="{68D477E9-E726-3440-9A60-D29AD7FFB974}"/>
+                <a16:creationId xmlns="" xmlns:a16="http://schemas.microsoft.com/office/drawing/2014/main" id="{68D477E9-E726-3440-9A60-D29AD7FFB974}"/>
               </a:ext>
             </a:extLst>
           </p:cNvPr>
@@ -2166,7 +2165,7 @@
           <p:cNvPr id="6" name="スライド番号プレースホルダー 5">
             <a:extLst>
               <a:ext uri="{FF2B5EF4-FFF2-40B4-BE49-F238E27FC236}">
-                <a16:creationId xmlns:a16="http://schemas.microsoft.com/office/drawing/2014/main" xmlns="" id="{281A8823-BFC8-2149-9684-D4368C50FB0C}"/>
+                <a16:creationId xmlns="" xmlns:a16="http://schemas.microsoft.com/office/drawing/2014/main" id="{281A8823-BFC8-2149-9684-D4368C50FB0C}"/>
               </a:ext>
             </a:extLst>
           </p:cNvPr>
@@ -2225,7 +2224,7 @@
           <p:cNvPr id="2" name="タイトル 1">
             <a:extLst>
               <a:ext uri="{FF2B5EF4-FFF2-40B4-BE49-F238E27FC236}">
-                <a16:creationId xmlns:a16="http://schemas.microsoft.com/office/drawing/2014/main" xmlns="" id="{11D7A484-CED8-0042-AB5C-E49584593BA4}"/>
+                <a16:creationId xmlns="" xmlns:a16="http://schemas.microsoft.com/office/drawing/2014/main" id="{11D7A484-CED8-0042-AB5C-E49584593BA4}"/>
               </a:ext>
             </a:extLst>
           </p:cNvPr>
@@ -2262,7 +2261,7 @@
           <p:cNvPr id="3" name="テキスト プレースホルダー 2">
             <a:extLst>
               <a:ext uri="{FF2B5EF4-FFF2-40B4-BE49-F238E27FC236}">
-                <a16:creationId xmlns:a16="http://schemas.microsoft.com/office/drawing/2014/main" xmlns="" id="{603AFF4A-337D-6F44-B171-9DAE74385387}"/>
+                <a16:creationId xmlns="" xmlns:a16="http://schemas.microsoft.com/office/drawing/2014/main" id="{603AFF4A-337D-6F44-B171-9DAE74385387}"/>
               </a:ext>
             </a:extLst>
           </p:cNvPr>
@@ -2387,7 +2386,7 @@
           <p:cNvPr id="4" name="日付プレースホルダー 3">
             <a:extLst>
               <a:ext uri="{FF2B5EF4-FFF2-40B4-BE49-F238E27FC236}">
-                <a16:creationId xmlns:a16="http://schemas.microsoft.com/office/drawing/2014/main" xmlns="" id="{B2D66AD0-01C1-914F-BB4D-24E1D0802D2B}"/>
+                <a16:creationId xmlns="" xmlns:a16="http://schemas.microsoft.com/office/drawing/2014/main" id="{B2D66AD0-01C1-914F-BB4D-24E1D0802D2B}"/>
               </a:ext>
             </a:extLst>
           </p:cNvPr>
@@ -2416,7 +2415,7 @@
           <p:cNvPr id="5" name="フッター プレースホルダー 4">
             <a:extLst>
               <a:ext uri="{FF2B5EF4-FFF2-40B4-BE49-F238E27FC236}">
-                <a16:creationId xmlns:a16="http://schemas.microsoft.com/office/drawing/2014/main" xmlns="" id="{CD674AB9-A292-CC49-B4AC-1151A77C96C1}"/>
+                <a16:creationId xmlns="" xmlns:a16="http://schemas.microsoft.com/office/drawing/2014/main" id="{CD674AB9-A292-CC49-B4AC-1151A77C96C1}"/>
               </a:ext>
             </a:extLst>
           </p:cNvPr>
@@ -2441,7 +2440,7 @@
           <p:cNvPr id="6" name="スライド番号プレースホルダー 5">
             <a:extLst>
               <a:ext uri="{FF2B5EF4-FFF2-40B4-BE49-F238E27FC236}">
-                <a16:creationId xmlns:a16="http://schemas.microsoft.com/office/drawing/2014/main" xmlns="" id="{C2194DD3-01FF-E24A-990B-531E6B1C8814}"/>
+                <a16:creationId xmlns="" xmlns:a16="http://schemas.microsoft.com/office/drawing/2014/main" id="{C2194DD3-01FF-E24A-990B-531E6B1C8814}"/>
               </a:ext>
             </a:extLst>
           </p:cNvPr>
@@ -2500,7 +2499,7 @@
           <p:cNvPr id="2" name="タイトル 1">
             <a:extLst>
               <a:ext uri="{FF2B5EF4-FFF2-40B4-BE49-F238E27FC236}">
-                <a16:creationId xmlns:a16="http://schemas.microsoft.com/office/drawing/2014/main" xmlns="" id="{AF4C0AFC-A229-8B43-A476-E19F9A12B5E9}"/>
+                <a16:creationId xmlns="" xmlns:a16="http://schemas.microsoft.com/office/drawing/2014/main" id="{AF4C0AFC-A229-8B43-A476-E19F9A12B5E9}"/>
               </a:ext>
             </a:extLst>
           </p:cNvPr>
@@ -2528,7 +2527,7 @@
           <p:cNvPr id="3" name="コンテンツ プレースホルダー 2">
             <a:extLst>
               <a:ext uri="{FF2B5EF4-FFF2-40B4-BE49-F238E27FC236}">
-                <a16:creationId xmlns:a16="http://schemas.microsoft.com/office/drawing/2014/main" xmlns="" id="{A77E57E2-40B9-0840-8854-0BB52DFB6AD7}"/>
+                <a16:creationId xmlns="" xmlns:a16="http://schemas.microsoft.com/office/drawing/2014/main" id="{A77E57E2-40B9-0840-8854-0BB52DFB6AD7}"/>
               </a:ext>
             </a:extLst>
           </p:cNvPr>
@@ -2622,7 +2621,7 @@
           <p:cNvPr id="4" name="コンテンツ プレースホルダー 3">
             <a:extLst>
               <a:ext uri="{FF2B5EF4-FFF2-40B4-BE49-F238E27FC236}">
-                <a16:creationId xmlns:a16="http://schemas.microsoft.com/office/drawing/2014/main" xmlns="" id="{5376FFAC-8690-B24D-9377-7FEEB22104AF}"/>
+                <a16:creationId xmlns="" xmlns:a16="http://schemas.microsoft.com/office/drawing/2014/main" id="{5376FFAC-8690-B24D-9377-7FEEB22104AF}"/>
               </a:ext>
             </a:extLst>
           </p:cNvPr>
@@ -2716,7 +2715,7 @@
           <p:cNvPr id="5" name="日付プレースホルダー 4">
             <a:extLst>
               <a:ext uri="{FF2B5EF4-FFF2-40B4-BE49-F238E27FC236}">
-                <a16:creationId xmlns:a16="http://schemas.microsoft.com/office/drawing/2014/main" xmlns="" id="{86E22A30-78E1-3F43-9E9C-5C7CBC5E207D}"/>
+                <a16:creationId xmlns="" xmlns:a16="http://schemas.microsoft.com/office/drawing/2014/main" id="{86E22A30-78E1-3F43-9E9C-5C7CBC5E207D}"/>
               </a:ext>
             </a:extLst>
           </p:cNvPr>
@@ -2745,7 +2744,7 @@
           <p:cNvPr id="6" name="フッター プレースホルダー 5">
             <a:extLst>
               <a:ext uri="{FF2B5EF4-FFF2-40B4-BE49-F238E27FC236}">
-                <a16:creationId xmlns:a16="http://schemas.microsoft.com/office/drawing/2014/main" xmlns="" id="{F7E1C133-61A1-3B48-99FD-9B44EDC7FA8F}"/>
+                <a16:creationId xmlns="" xmlns:a16="http://schemas.microsoft.com/office/drawing/2014/main" id="{F7E1C133-61A1-3B48-99FD-9B44EDC7FA8F}"/>
               </a:ext>
             </a:extLst>
           </p:cNvPr>
@@ -2770,7 +2769,7 @@
           <p:cNvPr id="7" name="スライド番号プレースホルダー 6">
             <a:extLst>
               <a:ext uri="{FF2B5EF4-FFF2-40B4-BE49-F238E27FC236}">
-                <a16:creationId xmlns:a16="http://schemas.microsoft.com/office/drawing/2014/main" xmlns="" id="{6AD892A4-0282-8C4E-BBCA-18D30829CEB8}"/>
+                <a16:creationId xmlns="" xmlns:a16="http://schemas.microsoft.com/office/drawing/2014/main" id="{6AD892A4-0282-8C4E-BBCA-18D30829CEB8}"/>
               </a:ext>
             </a:extLst>
           </p:cNvPr>
@@ -2829,7 +2828,7 @@
           <p:cNvPr id="2" name="タイトル 1">
             <a:extLst>
               <a:ext uri="{FF2B5EF4-FFF2-40B4-BE49-F238E27FC236}">
-                <a16:creationId xmlns:a16="http://schemas.microsoft.com/office/drawing/2014/main" xmlns="" id="{967A1187-E1C0-3F49-9BBB-3CEE05287960}"/>
+                <a16:creationId xmlns="" xmlns:a16="http://schemas.microsoft.com/office/drawing/2014/main" id="{967A1187-E1C0-3F49-9BBB-3CEE05287960}"/>
               </a:ext>
             </a:extLst>
           </p:cNvPr>
@@ -2862,7 +2861,7 @@
           <p:cNvPr id="3" name="テキスト プレースホルダー 2">
             <a:extLst>
               <a:ext uri="{FF2B5EF4-FFF2-40B4-BE49-F238E27FC236}">
-                <a16:creationId xmlns:a16="http://schemas.microsoft.com/office/drawing/2014/main" xmlns="" id="{0B8BED0F-B809-214C-854B-1E53659BAC87}"/>
+                <a16:creationId xmlns="" xmlns:a16="http://schemas.microsoft.com/office/drawing/2014/main" id="{0B8BED0F-B809-214C-854B-1E53659BAC87}"/>
               </a:ext>
             </a:extLst>
           </p:cNvPr>
@@ -2933,7 +2932,7 @@
           <p:cNvPr id="4" name="コンテンツ プレースホルダー 3">
             <a:extLst>
               <a:ext uri="{FF2B5EF4-FFF2-40B4-BE49-F238E27FC236}">
-                <a16:creationId xmlns:a16="http://schemas.microsoft.com/office/drawing/2014/main" xmlns="" id="{B73D82D9-99EB-F849-A598-D4B5491774B8}"/>
+                <a16:creationId xmlns="" xmlns:a16="http://schemas.microsoft.com/office/drawing/2014/main" id="{B73D82D9-99EB-F849-A598-D4B5491774B8}"/>
               </a:ext>
             </a:extLst>
           </p:cNvPr>
@@ -3027,7 +3026,7 @@
           <p:cNvPr id="5" name="テキスト プレースホルダー 4">
             <a:extLst>
               <a:ext uri="{FF2B5EF4-FFF2-40B4-BE49-F238E27FC236}">
-                <a16:creationId xmlns:a16="http://schemas.microsoft.com/office/drawing/2014/main" xmlns="" id="{75B659EC-3244-C545-B91A-A4A6995D5B1D}"/>
+                <a16:creationId xmlns="" xmlns:a16="http://schemas.microsoft.com/office/drawing/2014/main" id="{75B659EC-3244-C545-B91A-A4A6995D5B1D}"/>
               </a:ext>
             </a:extLst>
           </p:cNvPr>
@@ -3098,7 +3097,7 @@
           <p:cNvPr id="6" name="コンテンツ プレースホルダー 5">
             <a:extLst>
               <a:ext uri="{FF2B5EF4-FFF2-40B4-BE49-F238E27FC236}">
-                <a16:creationId xmlns:a16="http://schemas.microsoft.com/office/drawing/2014/main" xmlns="" id="{33D91E99-E03D-6E41-9187-88ABD7EB0D64}"/>
+                <a16:creationId xmlns="" xmlns:a16="http://schemas.microsoft.com/office/drawing/2014/main" id="{33D91E99-E03D-6E41-9187-88ABD7EB0D64}"/>
               </a:ext>
             </a:extLst>
           </p:cNvPr>
@@ -3192,7 +3191,7 @@
           <p:cNvPr id="7" name="日付プレースホルダー 6">
             <a:extLst>
               <a:ext uri="{FF2B5EF4-FFF2-40B4-BE49-F238E27FC236}">
-                <a16:creationId xmlns:a16="http://schemas.microsoft.com/office/drawing/2014/main" xmlns="" id="{968BA2AE-B4E8-BC4F-AAE2-2FE7F43CAF94}"/>
+                <a16:creationId xmlns="" xmlns:a16="http://schemas.microsoft.com/office/drawing/2014/main" id="{968BA2AE-B4E8-BC4F-AAE2-2FE7F43CAF94}"/>
               </a:ext>
             </a:extLst>
           </p:cNvPr>
@@ -3221,7 +3220,7 @@
           <p:cNvPr id="8" name="フッター プレースホルダー 7">
             <a:extLst>
               <a:ext uri="{FF2B5EF4-FFF2-40B4-BE49-F238E27FC236}">
-                <a16:creationId xmlns:a16="http://schemas.microsoft.com/office/drawing/2014/main" xmlns="" id="{75356495-EC54-F546-A091-DC1A785066CC}"/>
+                <a16:creationId xmlns="" xmlns:a16="http://schemas.microsoft.com/office/drawing/2014/main" id="{75356495-EC54-F546-A091-DC1A785066CC}"/>
               </a:ext>
             </a:extLst>
           </p:cNvPr>
@@ -3246,7 +3245,7 @@
           <p:cNvPr id="9" name="スライド番号プレースホルダー 8">
             <a:extLst>
               <a:ext uri="{FF2B5EF4-FFF2-40B4-BE49-F238E27FC236}">
-                <a16:creationId xmlns:a16="http://schemas.microsoft.com/office/drawing/2014/main" xmlns="" id="{A594F2B8-9C5A-B748-B626-F119CDBA795E}"/>
+                <a16:creationId xmlns="" xmlns:a16="http://schemas.microsoft.com/office/drawing/2014/main" id="{A594F2B8-9C5A-B748-B626-F119CDBA795E}"/>
               </a:ext>
             </a:extLst>
           </p:cNvPr>
@@ -3305,7 +3304,7 @@
           <p:cNvPr id="2" name="タイトル 1">
             <a:extLst>
               <a:ext uri="{FF2B5EF4-FFF2-40B4-BE49-F238E27FC236}">
-                <a16:creationId xmlns:a16="http://schemas.microsoft.com/office/drawing/2014/main" xmlns="" id="{4D2EAD1E-60F9-7641-8969-0A56C0A350EB}"/>
+                <a16:creationId xmlns="" xmlns:a16="http://schemas.microsoft.com/office/drawing/2014/main" id="{4D2EAD1E-60F9-7641-8969-0A56C0A350EB}"/>
               </a:ext>
             </a:extLst>
           </p:cNvPr>
@@ -3333,7 +3332,7 @@
           <p:cNvPr id="3" name="日付プレースホルダー 2">
             <a:extLst>
               <a:ext uri="{FF2B5EF4-FFF2-40B4-BE49-F238E27FC236}">
-                <a16:creationId xmlns:a16="http://schemas.microsoft.com/office/drawing/2014/main" xmlns="" id="{6F635876-01C2-A249-87FC-FA72E59558F1}"/>
+                <a16:creationId xmlns="" xmlns:a16="http://schemas.microsoft.com/office/drawing/2014/main" id="{6F635876-01C2-A249-87FC-FA72E59558F1}"/>
               </a:ext>
             </a:extLst>
           </p:cNvPr>
@@ -3362,7 +3361,7 @@
           <p:cNvPr id="4" name="フッター プレースホルダー 3">
             <a:extLst>
               <a:ext uri="{FF2B5EF4-FFF2-40B4-BE49-F238E27FC236}">
-                <a16:creationId xmlns:a16="http://schemas.microsoft.com/office/drawing/2014/main" xmlns="" id="{DA54D7D2-5C3F-4E49-A451-8903880D6AD8}"/>
+                <a16:creationId xmlns="" xmlns:a16="http://schemas.microsoft.com/office/drawing/2014/main" id="{DA54D7D2-5C3F-4E49-A451-8903880D6AD8}"/>
               </a:ext>
             </a:extLst>
           </p:cNvPr>
@@ -3387,7 +3386,7 @@
           <p:cNvPr id="5" name="スライド番号プレースホルダー 4">
             <a:extLst>
               <a:ext uri="{FF2B5EF4-FFF2-40B4-BE49-F238E27FC236}">
-                <a16:creationId xmlns:a16="http://schemas.microsoft.com/office/drawing/2014/main" xmlns="" id="{D7F36122-4EA4-C74A-B8E2-64720EB3ECD9}"/>
+                <a16:creationId xmlns="" xmlns:a16="http://schemas.microsoft.com/office/drawing/2014/main" id="{D7F36122-4EA4-C74A-B8E2-64720EB3ECD9}"/>
               </a:ext>
             </a:extLst>
           </p:cNvPr>
@@ -3446,7 +3445,7 @@
           <p:cNvPr id="2" name="日付プレースホルダー 1">
             <a:extLst>
               <a:ext uri="{FF2B5EF4-FFF2-40B4-BE49-F238E27FC236}">
-                <a16:creationId xmlns:a16="http://schemas.microsoft.com/office/drawing/2014/main" xmlns="" id="{8A8504EB-34C4-6F46-8241-1474E6181EAD}"/>
+                <a16:creationId xmlns="" xmlns:a16="http://schemas.microsoft.com/office/drawing/2014/main" id="{8A8504EB-34C4-6F46-8241-1474E6181EAD}"/>
               </a:ext>
             </a:extLst>
           </p:cNvPr>
@@ -3475,7 +3474,7 @@
           <p:cNvPr id="3" name="フッター プレースホルダー 2">
             <a:extLst>
               <a:ext uri="{FF2B5EF4-FFF2-40B4-BE49-F238E27FC236}">
-                <a16:creationId xmlns:a16="http://schemas.microsoft.com/office/drawing/2014/main" xmlns="" id="{8E4B51ED-6797-F542-AE04-9FB3D420CB9F}"/>
+                <a16:creationId xmlns="" xmlns:a16="http://schemas.microsoft.com/office/drawing/2014/main" id="{8E4B51ED-6797-F542-AE04-9FB3D420CB9F}"/>
               </a:ext>
             </a:extLst>
           </p:cNvPr>
@@ -3500,7 +3499,7 @@
           <p:cNvPr id="4" name="スライド番号プレースホルダー 3">
             <a:extLst>
               <a:ext uri="{FF2B5EF4-FFF2-40B4-BE49-F238E27FC236}">
-                <a16:creationId xmlns:a16="http://schemas.microsoft.com/office/drawing/2014/main" xmlns="" id="{0C423C5D-3A0A-4248-8EDC-76AAB818ADC7}"/>
+                <a16:creationId xmlns="" xmlns:a16="http://schemas.microsoft.com/office/drawing/2014/main" id="{0C423C5D-3A0A-4248-8EDC-76AAB818ADC7}"/>
               </a:ext>
             </a:extLst>
           </p:cNvPr>
@@ -3559,7 +3558,7 @@
           <p:cNvPr id="2" name="タイトル 1">
             <a:extLst>
               <a:ext uri="{FF2B5EF4-FFF2-40B4-BE49-F238E27FC236}">
-                <a16:creationId xmlns:a16="http://schemas.microsoft.com/office/drawing/2014/main" xmlns="" id="{5C0FE34A-22F2-3444-BB9C-4A78E0748F00}"/>
+                <a16:creationId xmlns="" xmlns:a16="http://schemas.microsoft.com/office/drawing/2014/main" id="{5C0FE34A-22F2-3444-BB9C-4A78E0748F00}"/>
               </a:ext>
             </a:extLst>
           </p:cNvPr>
@@ -3596,7 +3595,7 @@
           <p:cNvPr id="3" name="コンテンツ プレースホルダー 2">
             <a:extLst>
               <a:ext uri="{FF2B5EF4-FFF2-40B4-BE49-F238E27FC236}">
-                <a16:creationId xmlns:a16="http://schemas.microsoft.com/office/drawing/2014/main" xmlns="" id="{09BAAB2D-647B-BD4D-A2B8-C19C8B5806B4}"/>
+                <a16:creationId xmlns="" xmlns:a16="http://schemas.microsoft.com/office/drawing/2014/main" id="{09BAAB2D-647B-BD4D-A2B8-C19C8B5806B4}"/>
               </a:ext>
             </a:extLst>
           </p:cNvPr>
@@ -3718,7 +3717,7 @@
           <p:cNvPr id="4" name="テキスト プレースホルダー 3">
             <a:extLst>
               <a:ext uri="{FF2B5EF4-FFF2-40B4-BE49-F238E27FC236}">
-                <a16:creationId xmlns:a16="http://schemas.microsoft.com/office/drawing/2014/main" xmlns="" id="{B990BF36-195F-024D-A68C-39FD62D44CED}"/>
+                <a16:creationId xmlns="" xmlns:a16="http://schemas.microsoft.com/office/drawing/2014/main" id="{B990BF36-195F-024D-A68C-39FD62D44CED}"/>
               </a:ext>
             </a:extLst>
           </p:cNvPr>
@@ -3789,7 +3788,7 @@
           <p:cNvPr id="5" name="日付プレースホルダー 4">
             <a:extLst>
               <a:ext uri="{FF2B5EF4-FFF2-40B4-BE49-F238E27FC236}">
-                <a16:creationId xmlns:a16="http://schemas.microsoft.com/office/drawing/2014/main" xmlns="" id="{DC1FFC4A-CE0C-1F41-B7FF-34D1BB864561}"/>
+                <a16:creationId xmlns="" xmlns:a16="http://schemas.microsoft.com/office/drawing/2014/main" id="{DC1FFC4A-CE0C-1F41-B7FF-34D1BB864561}"/>
               </a:ext>
             </a:extLst>
           </p:cNvPr>
@@ -3818,7 +3817,7 @@
           <p:cNvPr id="6" name="フッター プレースホルダー 5">
             <a:extLst>
               <a:ext uri="{FF2B5EF4-FFF2-40B4-BE49-F238E27FC236}">
-                <a16:creationId xmlns:a16="http://schemas.microsoft.com/office/drawing/2014/main" xmlns="" id="{E17C14E4-63A5-054C-BC87-FAC762FBD5BD}"/>
+                <a16:creationId xmlns="" xmlns:a16="http://schemas.microsoft.com/office/drawing/2014/main" id="{E17C14E4-63A5-054C-BC87-FAC762FBD5BD}"/>
               </a:ext>
             </a:extLst>
           </p:cNvPr>
@@ -3843,7 +3842,7 @@
           <p:cNvPr id="7" name="スライド番号プレースホルダー 6">
             <a:extLst>
               <a:ext uri="{FF2B5EF4-FFF2-40B4-BE49-F238E27FC236}">
-                <a16:creationId xmlns:a16="http://schemas.microsoft.com/office/drawing/2014/main" xmlns="" id="{4CC39CDD-988A-9544-916A-E6BC31EF330A}"/>
+                <a16:creationId xmlns="" xmlns:a16="http://schemas.microsoft.com/office/drawing/2014/main" id="{4CC39CDD-988A-9544-916A-E6BC31EF330A}"/>
               </a:ext>
             </a:extLst>
           </p:cNvPr>
@@ -3902,7 +3901,7 @@
           <p:cNvPr id="2" name="タイトル 1">
             <a:extLst>
               <a:ext uri="{FF2B5EF4-FFF2-40B4-BE49-F238E27FC236}">
-                <a16:creationId xmlns:a16="http://schemas.microsoft.com/office/drawing/2014/main" xmlns="" id="{8DF74D26-4214-3A41-93DC-CB4F45E821D7}"/>
+                <a16:creationId xmlns="" xmlns:a16="http://schemas.microsoft.com/office/drawing/2014/main" id="{8DF74D26-4214-3A41-93DC-CB4F45E821D7}"/>
               </a:ext>
             </a:extLst>
           </p:cNvPr>
@@ -3939,7 +3938,7 @@
           <p:cNvPr id="3" name="図プレースホルダー 2">
             <a:extLst>
               <a:ext uri="{FF2B5EF4-FFF2-40B4-BE49-F238E27FC236}">
-                <a16:creationId xmlns:a16="http://schemas.microsoft.com/office/drawing/2014/main" xmlns="" id="{D940054E-68E5-484F-A4CF-426949E92B65}"/>
+                <a16:creationId xmlns="" xmlns:a16="http://schemas.microsoft.com/office/drawing/2014/main" id="{D940054E-68E5-484F-A4CF-426949E92B65}"/>
               </a:ext>
             </a:extLst>
           </p:cNvPr>
@@ -4006,7 +4005,7 @@
           <p:cNvPr id="4" name="テキスト プレースホルダー 3">
             <a:extLst>
               <a:ext uri="{FF2B5EF4-FFF2-40B4-BE49-F238E27FC236}">
-                <a16:creationId xmlns:a16="http://schemas.microsoft.com/office/drawing/2014/main" xmlns="" id="{352261EF-C0AC-DD47-80A3-9E3C6D693575}"/>
+                <a16:creationId xmlns="" xmlns:a16="http://schemas.microsoft.com/office/drawing/2014/main" id="{352261EF-C0AC-DD47-80A3-9E3C6D693575}"/>
               </a:ext>
             </a:extLst>
           </p:cNvPr>
@@ -4077,7 +4076,7 @@
           <p:cNvPr id="5" name="日付プレースホルダー 4">
             <a:extLst>
               <a:ext uri="{FF2B5EF4-FFF2-40B4-BE49-F238E27FC236}">
-                <a16:creationId xmlns:a16="http://schemas.microsoft.com/office/drawing/2014/main" xmlns="" id="{78345BD8-A5BE-2B4C-B50F-854BE8DA244E}"/>
+                <a16:creationId xmlns="" xmlns:a16="http://schemas.microsoft.com/office/drawing/2014/main" id="{78345BD8-A5BE-2B4C-B50F-854BE8DA244E}"/>
               </a:ext>
             </a:extLst>
           </p:cNvPr>
@@ -4106,7 +4105,7 @@
           <p:cNvPr id="6" name="フッター プレースホルダー 5">
             <a:extLst>
               <a:ext uri="{FF2B5EF4-FFF2-40B4-BE49-F238E27FC236}">
-                <a16:creationId xmlns:a16="http://schemas.microsoft.com/office/drawing/2014/main" xmlns="" id="{49B99FCF-ADF1-9D4F-88BE-3EABB8C04E28}"/>
+                <a16:creationId xmlns="" xmlns:a16="http://schemas.microsoft.com/office/drawing/2014/main" id="{49B99FCF-ADF1-9D4F-88BE-3EABB8C04E28}"/>
               </a:ext>
             </a:extLst>
           </p:cNvPr>
@@ -4131,7 +4130,7 @@
           <p:cNvPr id="7" name="スライド番号プレースホルダー 6">
             <a:extLst>
               <a:ext uri="{FF2B5EF4-FFF2-40B4-BE49-F238E27FC236}">
-                <a16:creationId xmlns:a16="http://schemas.microsoft.com/office/drawing/2014/main" xmlns="" id="{27455309-6FE4-1340-87BA-D1AD36515559}"/>
+                <a16:creationId xmlns="" xmlns:a16="http://schemas.microsoft.com/office/drawing/2014/main" id="{27455309-6FE4-1340-87BA-D1AD36515559}"/>
               </a:ext>
             </a:extLst>
           </p:cNvPr>
@@ -4195,7 +4194,7 @@
           <p:cNvPr id="2" name="タイトル プレースホルダー 1">
             <a:extLst>
               <a:ext uri="{FF2B5EF4-FFF2-40B4-BE49-F238E27FC236}">
-                <a16:creationId xmlns:a16="http://schemas.microsoft.com/office/drawing/2014/main" xmlns="" id="{2D34D946-D89E-6442-9075-ADE04490EE87}"/>
+                <a16:creationId xmlns="" xmlns:a16="http://schemas.microsoft.com/office/drawing/2014/main" id="{2D34D946-D89E-6442-9075-ADE04490EE87}"/>
               </a:ext>
             </a:extLst>
           </p:cNvPr>
@@ -4233,7 +4232,7 @@
           <p:cNvPr id="3" name="テキスト プレースホルダー 2">
             <a:extLst>
               <a:ext uri="{FF2B5EF4-FFF2-40B4-BE49-F238E27FC236}">
-                <a16:creationId xmlns:a16="http://schemas.microsoft.com/office/drawing/2014/main" xmlns="" id="{ECB16F28-657A-7547-9851-1F9FC0B19702}"/>
+                <a16:creationId xmlns="" xmlns:a16="http://schemas.microsoft.com/office/drawing/2014/main" id="{ECB16F28-657A-7547-9851-1F9FC0B19702}"/>
               </a:ext>
             </a:extLst>
           </p:cNvPr>
@@ -4332,7 +4331,7 @@
           <p:cNvPr id="4" name="日付プレースホルダー 3">
             <a:extLst>
               <a:ext uri="{FF2B5EF4-FFF2-40B4-BE49-F238E27FC236}">
-                <a16:creationId xmlns:a16="http://schemas.microsoft.com/office/drawing/2014/main" xmlns="" id="{AA47E054-8B17-264A-AFC9-BCC05E220C26}"/>
+                <a16:creationId xmlns="" xmlns:a16="http://schemas.microsoft.com/office/drawing/2014/main" id="{AA47E054-8B17-264A-AFC9-BCC05E220C26}"/>
               </a:ext>
             </a:extLst>
           </p:cNvPr>
@@ -4379,7 +4378,7 @@
           <p:cNvPr id="5" name="フッター プレースホルダー 4">
             <a:extLst>
               <a:ext uri="{FF2B5EF4-FFF2-40B4-BE49-F238E27FC236}">
-                <a16:creationId xmlns:a16="http://schemas.microsoft.com/office/drawing/2014/main" xmlns="" id="{C8FD813E-BA24-5E40-883A-DFDE11A12983}"/>
+                <a16:creationId xmlns="" xmlns:a16="http://schemas.microsoft.com/office/drawing/2014/main" id="{C8FD813E-BA24-5E40-883A-DFDE11A12983}"/>
               </a:ext>
             </a:extLst>
           </p:cNvPr>
@@ -4422,7 +4421,7 @@
           <p:cNvPr id="6" name="スライド番号プレースホルダー 5">
             <a:extLst>
               <a:ext uri="{FF2B5EF4-FFF2-40B4-BE49-F238E27FC236}">
-                <a16:creationId xmlns:a16="http://schemas.microsoft.com/office/drawing/2014/main" xmlns="" id="{5FB17BC1-8AA0-7843-B555-D51F4B1C5A23}"/>
+                <a16:creationId xmlns="" xmlns:a16="http://schemas.microsoft.com/office/drawing/2014/main" id="{5FB17BC1-8AA0-7843-B555-D51F4B1C5A23}"/>
               </a:ext>
             </a:extLst>
           </p:cNvPr>
@@ -4790,7 +4789,7 @@
           <p:cNvPr id="2" name="タイトル 1">
             <a:extLst>
               <a:ext uri="{FF2B5EF4-FFF2-40B4-BE49-F238E27FC236}">
-                <a16:creationId xmlns:a16="http://schemas.microsoft.com/office/drawing/2014/main" xmlns="" id="{4E9248D7-C77C-964F-B39C-A0CF57B18B5C}"/>
+                <a16:creationId xmlns="" xmlns:a16="http://schemas.microsoft.com/office/drawing/2014/main" id="{4E9248D7-C77C-964F-B39C-A0CF57B18B5C}"/>
               </a:ext>
             </a:extLst>
           </p:cNvPr>
@@ -4818,7 +4817,7 @@
           <p:cNvPr id="3" name="字幕 2">
             <a:extLst>
               <a:ext uri="{FF2B5EF4-FFF2-40B4-BE49-F238E27FC236}">
-                <a16:creationId xmlns:a16="http://schemas.microsoft.com/office/drawing/2014/main" xmlns="" id="{733749B4-8B89-A141-B0F8-D74350083502}"/>
+                <a16:creationId xmlns="" xmlns:a16="http://schemas.microsoft.com/office/drawing/2014/main" id="{733749B4-8B89-A141-B0F8-D74350083502}"/>
               </a:ext>
             </a:extLst>
           </p:cNvPr>
@@ -4891,146 +4890,6 @@
           <a:chExt cx="0" cy="0"/>
         </a:xfrm>
       </p:grpSpPr>
-      <p:sp>
-        <p:nvSpPr>
-          <p:cNvPr id="2" name="タイトル 1"/>
-          <p:cNvSpPr>
-            <a:spLocks noGrp="1"/>
-          </p:cNvSpPr>
-          <p:nvPr>
-            <p:ph type="title"/>
-          </p:nvPr>
-        </p:nvSpPr>
-        <p:spPr/>
-        <p:txBody>
-          <a:bodyPr/>
-          <a:lstStyle/>
-          <a:p>
-            <a:r>
-              <a:rPr kumimoji="1" lang="en-US" altLang="ja-JP" dirty="0" err="1" smtClean="0"/>
-              <a:t>Matplotlib</a:t>
-            </a:r>
-            <a:r>
-              <a:rPr kumimoji="1" lang="ja-JP" altLang="en-US" dirty="0" smtClean="0"/>
-              <a:t>とは</a:t>
-            </a:r>
-            <a:endParaRPr kumimoji="1" lang="ja-JP" altLang="en-US" dirty="0"/>
-          </a:p>
-        </p:txBody>
-      </p:sp>
-      <p:sp>
-        <p:nvSpPr>
-          <p:cNvPr id="3" name="コンテンツ プレースホルダー 2"/>
-          <p:cNvSpPr>
-            <a:spLocks noGrp="1"/>
-          </p:cNvSpPr>
-          <p:nvPr>
-            <p:ph idx="1"/>
-          </p:nvPr>
-        </p:nvSpPr>
-        <p:spPr>
-          <a:xfrm>
-            <a:off x="838200" y="1825625"/>
-            <a:ext cx="5676900" cy="4351338"/>
-          </a:xfrm>
-        </p:spPr>
-        <p:txBody>
-          <a:bodyPr/>
-          <a:lstStyle/>
-          <a:p>
-            <a:r>
-              <a:rPr kumimoji="1" lang="en-US" altLang="ja-JP" dirty="0" smtClean="0"/>
-              <a:t>Python</a:t>
-            </a:r>
-            <a:r>
-              <a:rPr lang="ja-JP" altLang="en-US" dirty="0" smtClean="0"/>
-              <a:t>と科学計算用ライブラリ </a:t>
-            </a:r>
-            <a:r>
-              <a:rPr lang="en-US" altLang="ja-JP" dirty="0" err="1" smtClean="0"/>
-              <a:t>Numpy</a:t>
-            </a:r>
-            <a:r>
-              <a:rPr lang="ja-JP" altLang="en-US" dirty="0" smtClean="0"/>
-              <a:t>のための</a:t>
-            </a:r>
-            <a:r>
-              <a:rPr kumimoji="1" lang="ja-JP" altLang="en-US" dirty="0" smtClean="0"/>
-              <a:t>グラフ描画ライブラリ</a:t>
-            </a:r>
-            <a:endParaRPr kumimoji="1" lang="en-US" altLang="ja-JP" dirty="0" smtClean="0"/>
-          </a:p>
-          <a:p>
-            <a:endParaRPr lang="en-US" altLang="ja-JP" dirty="0"/>
-          </a:p>
-          <a:p>
-            <a:r>
-              <a:rPr lang="ja-JP" altLang="en-US" dirty="0"/>
-              <a:t>主</a:t>
-            </a:r>
-            <a:r>
-              <a:rPr lang="ja-JP" altLang="en-US" dirty="0" smtClean="0"/>
-              <a:t>に</a:t>
-            </a:r>
-            <a:r>
-              <a:rPr lang="en-US" altLang="ja-JP" dirty="0" smtClean="0"/>
-              <a:t>2</a:t>
-            </a:r>
-            <a:r>
-              <a:rPr lang="ja-JP" altLang="en-US" dirty="0" smtClean="0"/>
-              <a:t>次元プロットをサポート</a:t>
-            </a:r>
-            <a:endParaRPr lang="en-US" altLang="ja-JP" dirty="0" smtClean="0"/>
-          </a:p>
-          <a:p>
-            <a:endParaRPr kumimoji="1" lang="en-US" altLang="ja-JP" dirty="0"/>
-          </a:p>
-          <a:p>
-            <a:r>
-              <a:rPr lang="ja-JP" altLang="en-US" dirty="0" smtClean="0"/>
-              <a:t>多くのグラフ形式を提供</a:t>
-            </a:r>
-            <a:endParaRPr kumimoji="1" lang="ja-JP" altLang="en-US" dirty="0"/>
-          </a:p>
-        </p:txBody>
-      </p:sp>
-    </p:spTree>
-    <p:extLst>
-      <p:ext uri="{BB962C8B-B14F-4D97-AF65-F5344CB8AC3E}">
-        <p14:creationId xmlns:p14="http://schemas.microsoft.com/office/powerpoint/2010/main" val="1132357790"/>
-      </p:ext>
-    </p:extLst>
-  </p:cSld>
-  <p:clrMapOvr>
-    <a:masterClrMapping/>
-  </p:clrMapOvr>
-  <p:timing>
-    <p:tnLst>
-      <p:par>
-        <p:cTn id="1" dur="indefinite" restart="never" nodeType="tmRoot"/>
-      </p:par>
-    </p:tnLst>
-  </p:timing>
-</p:sld>
-</file>
-
-<file path=ppt/slides/slide11.xml><?xml version="1.0" encoding="utf-8"?>
-<p:sld xmlns:a="http://schemas.openxmlformats.org/drawingml/2006/main" xmlns:r="http://schemas.openxmlformats.org/officeDocument/2006/relationships" xmlns:p="http://schemas.openxmlformats.org/presentationml/2006/main">
-  <p:cSld>
-    <p:spTree>
-      <p:nvGrpSpPr>
-        <p:cNvPr id="1" name=""/>
-        <p:cNvGrpSpPr/>
-        <p:nvPr/>
-      </p:nvGrpSpPr>
-      <p:grpSpPr>
-        <a:xfrm>
-          <a:off x="0" y="0"/>
-          <a:ext cx="0" cy="0"/>
-          <a:chOff x="0" y="0"/>
-          <a:chExt cx="0" cy="0"/>
-        </a:xfrm>
-      </p:grpSpPr>
       <p:pic>
         <p:nvPicPr>
           <p:cNvPr id="4" name="コンテンツ プレースホルダー 3"/>
@@ -5059,6 +4918,11 @@
           <a:prstGeom prst="rect">
             <a:avLst/>
           </a:prstGeom>
+          <a:ln>
+            <a:solidFill>
+              <a:schemeClr val="tx1"/>
+            </a:solidFill>
+          </a:ln>
         </p:spPr>
       </p:pic>
       <p:sp>
@@ -5394,7 +5258,7 @@
 </p:sld>
 </file>
 
-<file path=ppt/slides/slide12.xml><?xml version="1.0" encoding="utf-8"?>
+<file path=ppt/slides/slide11.xml><?xml version="1.0" encoding="utf-8"?>
 <p:sld xmlns:a="http://schemas.openxmlformats.org/drawingml/2006/main" xmlns:r="http://schemas.openxmlformats.org/officeDocument/2006/relationships" xmlns:p="http://schemas.openxmlformats.org/presentationml/2006/main">
   <p:cSld>
     <p:spTree>
@@ -5513,6 +5377,85 @@
 </p:sld>
 </file>
 
+<file path=ppt/slides/slide12.xml><?xml version="1.0" encoding="utf-8"?>
+<p:sld xmlns:a="http://schemas.openxmlformats.org/drawingml/2006/main" xmlns:r="http://schemas.openxmlformats.org/officeDocument/2006/relationships" xmlns:p="http://schemas.openxmlformats.org/presentationml/2006/main">
+  <p:cSld>
+    <p:spTree>
+      <p:nvGrpSpPr>
+        <p:cNvPr id="1" name=""/>
+        <p:cNvGrpSpPr/>
+        <p:nvPr/>
+      </p:nvGrpSpPr>
+      <p:grpSpPr>
+        <a:xfrm>
+          <a:off x="0" y="0"/>
+          <a:ext cx="0" cy="0"/>
+          <a:chOff x="0" y="0"/>
+          <a:chExt cx="0" cy="0"/>
+        </a:xfrm>
+      </p:grpSpPr>
+      <p:sp>
+        <p:nvSpPr>
+          <p:cNvPr id="2" name="タイトル 1"/>
+          <p:cNvSpPr>
+            <a:spLocks noGrp="1"/>
+          </p:cNvSpPr>
+          <p:nvPr>
+            <p:ph type="ctrTitle"/>
+          </p:nvPr>
+        </p:nvSpPr>
+        <p:spPr/>
+        <p:txBody>
+          <a:bodyPr/>
+          <a:lstStyle/>
+          <a:p>
+            <a:r>
+              <a:rPr kumimoji="1" lang="ja-JP" altLang="en-US" dirty="0" smtClean="0"/>
+              <a:t>具体例の紹介</a:t>
+            </a:r>
+            <a:endParaRPr kumimoji="1" lang="ja-JP" altLang="en-US" dirty="0"/>
+          </a:p>
+        </p:txBody>
+      </p:sp>
+      <p:sp>
+        <p:nvSpPr>
+          <p:cNvPr id="3" name="サブタイトル 2"/>
+          <p:cNvSpPr>
+            <a:spLocks noGrp="1"/>
+          </p:cNvSpPr>
+          <p:nvPr>
+            <p:ph type="subTitle" idx="1"/>
+          </p:nvPr>
+        </p:nvSpPr>
+        <p:spPr/>
+        <p:txBody>
+          <a:bodyPr/>
+          <a:lstStyle/>
+          <a:p>
+            <a:endParaRPr kumimoji="1" lang="ja-JP" altLang="en-US"/>
+          </a:p>
+        </p:txBody>
+      </p:sp>
+    </p:spTree>
+    <p:extLst>
+      <p:ext uri="{BB962C8B-B14F-4D97-AF65-F5344CB8AC3E}">
+        <p14:creationId xmlns:p14="http://schemas.microsoft.com/office/powerpoint/2010/main" val="2020135290"/>
+      </p:ext>
+    </p:extLst>
+  </p:cSld>
+  <p:clrMapOvr>
+    <a:masterClrMapping/>
+  </p:clrMapOvr>
+  <p:timing>
+    <p:tnLst>
+      <p:par>
+        <p:cTn id="1" dur="indefinite" restart="never" nodeType="tmRoot"/>
+      </p:par>
+    </p:tnLst>
+  </p:timing>
+</p:sld>
+</file>
+
 <file path=ppt/slides/slide13.xml><?xml version="1.0" encoding="utf-8"?>
 <p:sld xmlns:a="http://schemas.openxmlformats.org/drawingml/2006/main" xmlns:r="http://schemas.openxmlformats.org/officeDocument/2006/relationships" xmlns:p="http://schemas.openxmlformats.org/presentationml/2006/main">
   <p:cSld>
@@ -5537,7 +5480,7 @@
             <a:spLocks noGrp="1"/>
           </p:cNvSpPr>
           <p:nvPr>
-            <p:ph type="ctrTitle"/>
+            <p:ph type="title"/>
           </p:nvPr>
         </p:nvSpPr>
         <p:spPr/>
@@ -5547,7 +5490,7 @@
           <a:p>
             <a:r>
               <a:rPr kumimoji="1" lang="ja-JP" altLang="en-US" dirty="0" smtClean="0"/>
-              <a:t>具体例の紹介</a:t>
+              <a:t>まとめ</a:t>
             </a:r>
             <a:endParaRPr kumimoji="1" lang="ja-JP" altLang="en-US" dirty="0"/>
           </a:p>
@@ -5555,12 +5498,12 @@
       </p:sp>
       <p:sp>
         <p:nvSpPr>
-          <p:cNvPr id="3" name="サブタイトル 2"/>
-          <p:cNvSpPr>
-            <a:spLocks noGrp="1"/>
-          </p:cNvSpPr>
-          <p:nvPr>
-            <p:ph type="subTitle" idx="1"/>
+          <p:cNvPr id="3" name="コンテンツ プレースホルダー 2"/>
+          <p:cNvSpPr>
+            <a:spLocks noGrp="1"/>
+          </p:cNvSpPr>
+          <p:nvPr>
+            <p:ph idx="1"/>
           </p:nvPr>
         </p:nvSpPr>
         <p:spPr/>
@@ -5575,7 +5518,7 @@
     </p:spTree>
     <p:extLst>
       <p:ext uri="{BB962C8B-B14F-4D97-AF65-F5344CB8AC3E}">
-        <p14:creationId xmlns:p14="http://schemas.microsoft.com/office/powerpoint/2010/main" val="2020135290"/>
+        <p14:creationId xmlns:p14="http://schemas.microsoft.com/office/powerpoint/2010/main" val="3533172223"/>
       </p:ext>
     </p:extLst>
   </p:cSld>
@@ -5611,89 +5554,10 @@
       </p:grpSpPr>
       <p:sp>
         <p:nvSpPr>
-          <p:cNvPr id="2" name="タイトル 1"/>
-          <p:cNvSpPr>
-            <a:spLocks noGrp="1"/>
-          </p:cNvSpPr>
-          <p:nvPr>
-            <p:ph type="title"/>
-          </p:nvPr>
-        </p:nvSpPr>
-        <p:spPr/>
-        <p:txBody>
-          <a:bodyPr/>
-          <a:lstStyle/>
-          <a:p>
-            <a:r>
-              <a:rPr kumimoji="1" lang="ja-JP" altLang="en-US" dirty="0" smtClean="0"/>
-              <a:t>まとめ</a:t>
-            </a:r>
-            <a:endParaRPr kumimoji="1" lang="ja-JP" altLang="en-US" dirty="0"/>
-          </a:p>
-        </p:txBody>
-      </p:sp>
-      <p:sp>
-        <p:nvSpPr>
-          <p:cNvPr id="3" name="コンテンツ プレースホルダー 2"/>
-          <p:cNvSpPr>
-            <a:spLocks noGrp="1"/>
-          </p:cNvSpPr>
-          <p:nvPr>
-            <p:ph idx="1"/>
-          </p:nvPr>
-        </p:nvSpPr>
-        <p:spPr/>
-        <p:txBody>
-          <a:bodyPr/>
-          <a:lstStyle/>
-          <a:p>
-            <a:endParaRPr kumimoji="1" lang="ja-JP" altLang="en-US"/>
-          </a:p>
-        </p:txBody>
-      </p:sp>
-    </p:spTree>
-    <p:extLst>
-      <p:ext uri="{BB962C8B-B14F-4D97-AF65-F5344CB8AC3E}">
-        <p14:creationId xmlns:p14="http://schemas.microsoft.com/office/powerpoint/2010/main" val="3533172223"/>
-      </p:ext>
-    </p:extLst>
-  </p:cSld>
-  <p:clrMapOvr>
-    <a:masterClrMapping/>
-  </p:clrMapOvr>
-  <p:timing>
-    <p:tnLst>
-      <p:par>
-        <p:cTn id="1" dur="indefinite" restart="never" nodeType="tmRoot"/>
-      </p:par>
-    </p:tnLst>
-  </p:timing>
-</p:sld>
-</file>
-
-<file path=ppt/slides/slide15.xml><?xml version="1.0" encoding="utf-8"?>
-<p:sld xmlns:a="http://schemas.openxmlformats.org/drawingml/2006/main" xmlns:r="http://schemas.openxmlformats.org/officeDocument/2006/relationships" xmlns:p="http://schemas.openxmlformats.org/presentationml/2006/main">
-  <p:cSld>
-    <p:spTree>
-      <p:nvGrpSpPr>
-        <p:cNvPr id="1" name=""/>
-        <p:cNvGrpSpPr/>
-        <p:nvPr/>
-      </p:nvGrpSpPr>
-      <p:grpSpPr>
-        <a:xfrm>
-          <a:off x="0" y="0"/>
-          <a:ext cx="0" cy="0"/>
-          <a:chOff x="0" y="0"/>
-          <a:chExt cx="0" cy="0"/>
-        </a:xfrm>
-      </p:grpSpPr>
-      <p:sp>
-        <p:nvSpPr>
           <p:cNvPr id="2" name="タイトル 1">
             <a:extLst>
               <a:ext uri="{FF2B5EF4-FFF2-40B4-BE49-F238E27FC236}">
-                <a16:creationId xmlns:a16="http://schemas.microsoft.com/office/drawing/2014/main" xmlns="" id="{64A11CCF-73BE-084D-A8D7-B183386D4431}"/>
+                <a16:creationId xmlns="" xmlns:a16="http://schemas.microsoft.com/office/drawing/2014/main" id="{64A11CCF-73BE-084D-A8D7-B183386D4431}"/>
               </a:ext>
             </a:extLst>
           </p:cNvPr>
@@ -5726,7 +5590,7 @@
           <p:cNvPr id="3" name="コンテンツ プレースホルダー 2">
             <a:extLst>
               <a:ext uri="{FF2B5EF4-FFF2-40B4-BE49-F238E27FC236}">
-                <a16:creationId xmlns:a16="http://schemas.microsoft.com/office/drawing/2014/main" xmlns="" id="{DEFF8EDF-62D5-3044-8E76-F620FB00CBA7}"/>
+                <a16:creationId xmlns="" xmlns:a16="http://schemas.microsoft.com/office/drawing/2014/main" id="{DEFF8EDF-62D5-3044-8E76-F620FB00CBA7}"/>
               </a:ext>
             </a:extLst>
           </p:cNvPr>
@@ -5815,7 +5679,7 @@
 </p:sld>
 </file>
 
-<file path=ppt/slides/slide16.xml><?xml version="1.0" encoding="utf-8"?>
+<file path=ppt/slides/slide15.xml><?xml version="1.0" encoding="utf-8"?>
 <p:sld xmlns:a="http://schemas.openxmlformats.org/drawingml/2006/main" xmlns:r="http://schemas.openxmlformats.org/officeDocument/2006/relationships" xmlns:p="http://schemas.openxmlformats.org/presentationml/2006/main">
   <p:cSld>
     <p:spTree>
@@ -6048,7 +5912,7 @@
           <p:cNvPr id="2" name="タイトル 1">
             <a:extLst>
               <a:ext uri="{FF2B5EF4-FFF2-40B4-BE49-F238E27FC236}">
-                <a16:creationId xmlns:a16="http://schemas.microsoft.com/office/drawing/2014/main" xmlns="" id="{896E4980-C4A7-5A4F-A462-99F235D2E767}"/>
+                <a16:creationId xmlns="" xmlns:a16="http://schemas.microsoft.com/office/drawing/2014/main" id="{896E4980-C4A7-5A4F-A462-99F235D2E767}"/>
               </a:ext>
             </a:extLst>
           </p:cNvPr>
@@ -6076,7 +5940,7 @@
           <p:cNvPr id="3" name="コンテンツ プレースホルダー 2">
             <a:extLst>
               <a:ext uri="{FF2B5EF4-FFF2-40B4-BE49-F238E27FC236}">
-                <a16:creationId xmlns:a16="http://schemas.microsoft.com/office/drawing/2014/main" xmlns="" id="{D83D92FA-7F8A-C342-A02E-997F9C036FFA}"/>
+                <a16:creationId xmlns="" xmlns:a16="http://schemas.microsoft.com/office/drawing/2014/main" id="{D83D92FA-7F8A-C342-A02E-997F9C036FFA}"/>
               </a:ext>
             </a:extLst>
           </p:cNvPr>
@@ -6172,7 +6036,7 @@
           <p:cNvPr id="2" name="タイトル 1">
             <a:extLst>
               <a:ext uri="{FF2B5EF4-FFF2-40B4-BE49-F238E27FC236}">
-                <a16:creationId xmlns:a16="http://schemas.microsoft.com/office/drawing/2014/main" xmlns="" id="{CBA8BA4B-598F-334C-AE25-93577CEDDC57}"/>
+                <a16:creationId xmlns="" xmlns:a16="http://schemas.microsoft.com/office/drawing/2014/main" id="{CBA8BA4B-598F-334C-AE25-93577CEDDC57}"/>
               </a:ext>
             </a:extLst>
           </p:cNvPr>
@@ -6201,7 +6065,7 @@
           <p:cNvPr id="3" name="コンテンツ プレースホルダー 2">
             <a:extLst>
               <a:ext uri="{FF2B5EF4-FFF2-40B4-BE49-F238E27FC236}">
-                <a16:creationId xmlns:a16="http://schemas.microsoft.com/office/drawing/2014/main" xmlns="" id="{2402BAF8-03EA-584A-B27B-7CF2D553193C}"/>
+                <a16:creationId xmlns="" xmlns:a16="http://schemas.microsoft.com/office/drawing/2014/main" id="{2402BAF8-03EA-584A-B27B-7CF2D553193C}"/>
               </a:ext>
             </a:extLst>
           </p:cNvPr>
@@ -6324,27 +6188,19 @@
           <a:p>
             <a:r>
               <a:rPr lang="ja-JP" altLang="en-US" dirty="0" smtClean="0"/>
-              <a:t>国別</a:t>
-            </a:r>
-            <a:r>
-              <a:rPr lang="en-US" altLang="ja-JP" dirty="0"/>
-              <a:t>HIV/AIDS</a:t>
+              <a:t>国別マラリア</a:t>
             </a:r>
             <a:r>
               <a:rPr lang="ja-JP" altLang="en-US" dirty="0"/>
-              <a:t>による年間死</a:t>
+              <a:t>による乳幼児の</a:t>
             </a:r>
             <a:r>
               <a:rPr lang="ja-JP" altLang="en-US" dirty="0" smtClean="0"/>
-              <a:t>亡者数</a:t>
+              <a:t>死亡率</a:t>
             </a:r>
             <a:r>
               <a:rPr lang="en-US" altLang="ja-JP" dirty="0" smtClean="0"/>
-              <a:t>(The</a:t>
-            </a:r>
-            <a:r>
-              <a:rPr lang="ja-JP" altLang="en-US" dirty="0" smtClean="0"/>
-              <a:t> </a:t>
+              <a:t>(The </a:t>
             </a:r>
             <a:r>
               <a:rPr lang="en-US" altLang="ja-JP" dirty="0" err="1" smtClean="0"/>
@@ -6364,12 +6220,16 @@
           </a:p>
           <a:p>
             <a:r>
+              <a:rPr lang="ja-JP" altLang="en-US" dirty="0" smtClean="0"/>
+              <a:t>国別マラリア</a:t>
+            </a:r>
+            <a:r>
               <a:rPr lang="ja-JP" altLang="en-US" dirty="0"/>
-              <a:t>国別乳児</a:t>
+              <a:t>による</a:t>
             </a:r>
             <a:r>
               <a:rPr lang="ja-JP" altLang="en-US" dirty="0" smtClean="0"/>
-              <a:t>死亡率</a:t>
+              <a:t>死亡者数</a:t>
             </a:r>
             <a:r>
               <a:rPr lang="en-US" altLang="ja-JP" dirty="0" smtClean="0"/>
@@ -6390,11 +6250,7 @@
           <a:p>
             <a:r>
               <a:rPr lang="ja-JP" altLang="en-US" dirty="0"/>
-              <a:t>国別人口</a:t>
-            </a:r>
-            <a:r>
-              <a:rPr lang="en-US" altLang="ja-JP" dirty="0"/>
-              <a:t>, </a:t>
+              <a:t>国別</a:t>
             </a:r>
             <a:r>
               <a:rPr lang="en-US" altLang="ja-JP" dirty="0" smtClean="0"/>
@@ -6402,15 +6258,12 @@
             </a:r>
             <a:r>
               <a:rPr lang="ja-JP" altLang="en-US" dirty="0" smtClean="0"/>
-              <a:t> より</a:t>
+              <a:t>より</a:t>
             </a:r>
             <a:r>
               <a:rPr lang="en-US" altLang="ja-JP" dirty="0" smtClean="0"/>
               <a:t>)</a:t>
             </a:r>
-            <a:endParaRPr lang="en-US" altLang="ja-JP" dirty="0"/>
-          </a:p>
-          <a:p>
             <a:endParaRPr kumimoji="1" lang="ja-JP" altLang="en-US" dirty="0"/>
           </a:p>
         </p:txBody>
@@ -6457,7 +6310,7 @@
           <p:cNvPr id="2" name="タイトル 1">
             <a:extLst>
               <a:ext uri="{FF2B5EF4-FFF2-40B4-BE49-F238E27FC236}">
-                <a16:creationId xmlns:a16="http://schemas.microsoft.com/office/drawing/2014/main" xmlns="" id="{9D35B7F5-C616-2546-AAE3-A4C37ADA891C}"/>
+                <a16:creationId xmlns="" xmlns:a16="http://schemas.microsoft.com/office/drawing/2014/main" id="{9D35B7F5-C616-2546-AAE3-A4C37ADA891C}"/>
               </a:ext>
             </a:extLst>
           </p:cNvPr>
@@ -6485,7 +6338,7 @@
           <p:cNvPr id="3" name="コンテンツ プレースホルダー 2">
             <a:extLst>
               <a:ext uri="{FF2B5EF4-FFF2-40B4-BE49-F238E27FC236}">
-                <a16:creationId xmlns:a16="http://schemas.microsoft.com/office/drawing/2014/main" xmlns="" id="{F5CDCC94-1BC0-9F45-BD6E-AEA44C88CDA1}"/>
+                <a16:creationId xmlns="" xmlns:a16="http://schemas.microsoft.com/office/drawing/2014/main" id="{F5CDCC94-1BC0-9F45-BD6E-AEA44C88CDA1}"/>
               </a:ext>
             </a:extLst>
           </p:cNvPr>
@@ -6675,8 +6528,20 @@
           </a:p>
           <a:p>
             <a:r>
+              <a:rPr lang="ja-JP" altLang="en-US" dirty="0"/>
+              <a:t>データ</a:t>
+            </a:r>
+            <a:r>
+              <a:rPr lang="ja-JP" altLang="en-US" dirty="0" smtClean="0"/>
+              <a:t>、</a:t>
+            </a:r>
+            <a:r>
               <a:rPr kumimoji="1" lang="ja-JP" altLang="en-US" dirty="0" smtClean="0"/>
-              <a:t>フォーマットの指定が容易</a:t>
+              <a:t>フォーマット</a:t>
+            </a:r>
+            <a:r>
+              <a:rPr kumimoji="1" lang="ja-JP" altLang="en-US" dirty="0" smtClean="0"/>
+              <a:t>の指定が容易</a:t>
             </a:r>
             <a:endParaRPr kumimoji="1" lang="en-US" altLang="ja-JP" dirty="0" smtClean="0"/>
           </a:p>
@@ -6826,7 +6691,15 @@
             </a:r>
             <a:r>
               <a:rPr lang="ja-JP" altLang="en-US" dirty="0" smtClean="0"/>
-              <a:t>図上の地域を量によって色分けした地図</a:t>
+              <a:t>図上の地域</a:t>
+            </a:r>
+            <a:r>
+              <a:rPr lang="ja-JP" altLang="en-US" dirty="0" smtClean="0"/>
+              <a:t>を階級に</a:t>
+            </a:r>
+            <a:r>
+              <a:rPr lang="ja-JP" altLang="en-US" dirty="0" smtClean="0"/>
+              <a:t>よって色分けした地図</a:t>
             </a:r>
             <a:endParaRPr lang="en-US" altLang="ja-JP" dirty="0"/>
           </a:p>
@@ -6928,99 +6801,121 @@
           <a:chExt cx="0" cy="0"/>
         </a:xfrm>
       </p:grpSpPr>
-      <p:pic>
-        <p:nvPicPr>
-          <p:cNvPr id="5" name="コンテンツ プレースホルダー 4">
-            <a:extLst>
-              <a:ext uri="{FF2B5EF4-FFF2-40B4-BE49-F238E27FC236}">
-                <a16:creationId xmlns:a16="http://schemas.microsoft.com/office/drawing/2014/main" xmlns="" id="{1E5D8649-DA8C-214B-B91C-F807A6D4F3BF}"/>
-              </a:ext>
-            </a:extLst>
-          </p:cNvPr>
-          <p:cNvPicPr>
-            <a:picLocks noGrp="1" noChangeAspect="1"/>
-          </p:cNvPicPr>
+      <p:sp>
+        <p:nvSpPr>
+          <p:cNvPr id="2" name="タイトル 1"/>
+          <p:cNvSpPr>
+            <a:spLocks noGrp="1"/>
+          </p:cNvSpPr>
+          <p:nvPr>
+            <p:ph type="title"/>
+          </p:nvPr>
+        </p:nvSpPr>
+        <p:spPr/>
+        <p:txBody>
+          <a:bodyPr/>
+          <a:lstStyle/>
+          <a:p>
+            <a:r>
+              <a:rPr kumimoji="1" lang="en-US" altLang="ja-JP" dirty="0" err="1" smtClean="0"/>
+              <a:t>Matplotlib</a:t>
+            </a:r>
+            <a:r>
+              <a:rPr kumimoji="1" lang="ja-JP" altLang="en-US" dirty="0" smtClean="0"/>
+              <a:t>とは</a:t>
+            </a:r>
+            <a:endParaRPr kumimoji="1" lang="ja-JP" altLang="en-US" dirty="0"/>
+          </a:p>
+        </p:txBody>
+      </p:sp>
+      <p:sp>
+        <p:nvSpPr>
+          <p:cNvPr id="3" name="コンテンツ プレースホルダー 2"/>
+          <p:cNvSpPr>
+            <a:spLocks noGrp="1"/>
+          </p:cNvSpPr>
           <p:nvPr>
             <p:ph idx="1"/>
           </p:nvPr>
-        </p:nvPicPr>
-        <p:blipFill>
-          <a:blip r:embed="rId2"/>
-          <a:stretch>
-            <a:fillRect/>
-          </a:stretch>
-        </p:blipFill>
+        </p:nvSpPr>
         <p:spPr>
           <a:xfrm>
-            <a:off x="1372870" y="286542"/>
-            <a:ext cx="4723130" cy="2951957"/>
+            <a:off x="838200" y="1825625"/>
+            <a:ext cx="10515600" cy="4351338"/>
           </a:xfrm>
         </p:spPr>
-      </p:pic>
-      <p:pic>
-        <p:nvPicPr>
-          <p:cNvPr id="7" name="図 6">
-            <a:extLst>
-              <a:ext uri="{FF2B5EF4-FFF2-40B4-BE49-F238E27FC236}">
-                <a16:creationId xmlns:a16="http://schemas.microsoft.com/office/drawing/2014/main" xmlns="" id="{D606FACA-C735-7445-A696-121B917347DF}"/>
-              </a:ext>
-            </a:extLst>
-          </p:cNvPr>
-          <p:cNvPicPr>
-            <a:picLocks noChangeAspect="1"/>
-          </p:cNvPicPr>
-          <p:nvPr/>
-        </p:nvPicPr>
-        <p:blipFill>
-          <a:blip r:embed="rId3"/>
-          <a:stretch>
-            <a:fillRect/>
-          </a:stretch>
-        </p:blipFill>
-        <p:spPr>
-          <a:xfrm>
-            <a:off x="6299198" y="286541"/>
-            <a:ext cx="4723130" cy="2951957"/>
-          </a:xfrm>
-          <a:prstGeom prst="rect">
-            <a:avLst/>
-          </a:prstGeom>
-        </p:spPr>
-      </p:pic>
-      <p:pic>
-        <p:nvPicPr>
-          <p:cNvPr id="13" name="図 12">
-            <a:extLst>
-              <a:ext uri="{FF2B5EF4-FFF2-40B4-BE49-F238E27FC236}">
-                <a16:creationId xmlns:a16="http://schemas.microsoft.com/office/drawing/2014/main" xmlns="" id="{1CA906F6-D528-7E4B-9F59-254A16A30401}"/>
-              </a:ext>
-            </a:extLst>
-          </p:cNvPr>
-          <p:cNvPicPr>
-            <a:picLocks noChangeAspect="1"/>
-          </p:cNvPicPr>
-          <p:nvPr/>
-        </p:nvPicPr>
-        <p:blipFill>
-          <a:blip r:embed="rId4"/>
-          <a:stretch>
-            <a:fillRect/>
-          </a:stretch>
-        </p:blipFill>
-        <p:spPr>
-          <a:xfrm>
-            <a:off x="1372870" y="3238501"/>
-            <a:ext cx="4723131" cy="2951957"/>
-          </a:xfrm>
-          <a:prstGeom prst="rect">
-            <a:avLst/>
-          </a:prstGeom>
-        </p:spPr>
-      </p:pic>
+        <p:txBody>
+          <a:bodyPr/>
+          <a:lstStyle/>
+          <a:p>
+            <a:r>
+              <a:rPr kumimoji="1" lang="en-US" altLang="ja-JP" dirty="0" smtClean="0"/>
+              <a:t>Python</a:t>
+            </a:r>
+            <a:r>
+              <a:rPr lang="ja-JP" altLang="en-US" dirty="0" smtClean="0"/>
+              <a:t>と科学計算用ライブラリ </a:t>
+            </a:r>
+            <a:r>
+              <a:rPr lang="en-US" altLang="ja-JP" dirty="0" err="1" smtClean="0"/>
+              <a:t>Numpy</a:t>
+            </a:r>
+            <a:r>
+              <a:rPr lang="ja-JP" altLang="en-US" dirty="0" smtClean="0"/>
+              <a:t>のための</a:t>
+            </a:r>
+            <a:r>
+              <a:rPr kumimoji="1" lang="ja-JP" altLang="en-US" dirty="0" smtClean="0"/>
+              <a:t>グラフ</a:t>
+            </a:r>
+            <a:r>
+              <a:rPr kumimoji="1" lang="ja-JP" altLang="en-US" dirty="0" smtClean="0"/>
+              <a:t>描画　ライブラリ</a:t>
+            </a:r>
+            <a:endParaRPr kumimoji="1" lang="en-US" altLang="ja-JP" dirty="0" smtClean="0"/>
+          </a:p>
+          <a:p>
+            <a:endParaRPr lang="en-US" altLang="ja-JP" dirty="0"/>
+          </a:p>
+          <a:p>
+            <a:r>
+              <a:rPr lang="ja-JP" altLang="en-US" dirty="0"/>
+              <a:t>主</a:t>
+            </a:r>
+            <a:r>
+              <a:rPr lang="ja-JP" altLang="en-US" dirty="0" smtClean="0"/>
+              <a:t>に</a:t>
+            </a:r>
+            <a:r>
+              <a:rPr lang="en-US" altLang="ja-JP" dirty="0" smtClean="0"/>
+              <a:t>2</a:t>
+            </a:r>
+            <a:r>
+              <a:rPr lang="ja-JP" altLang="en-US" dirty="0" smtClean="0"/>
+              <a:t>次元のプロット</a:t>
+            </a:r>
+            <a:r>
+              <a:rPr lang="ja-JP" altLang="en-US" dirty="0" smtClean="0"/>
+              <a:t>をサポート</a:t>
+            </a:r>
+            <a:endParaRPr lang="en-US" altLang="ja-JP" dirty="0" smtClean="0"/>
+          </a:p>
+          <a:p>
+            <a:endParaRPr kumimoji="1" lang="en-US" altLang="ja-JP" dirty="0"/>
+          </a:p>
+          <a:p>
+            <a:r>
+              <a:rPr lang="ja-JP" altLang="en-US" dirty="0" smtClean="0"/>
+              <a:t>多くのグラフ形式を提供</a:t>
+            </a:r>
+            <a:endParaRPr kumimoji="1" lang="ja-JP" altLang="en-US" dirty="0"/>
+          </a:p>
+        </p:txBody>
+      </p:sp>
     </p:spTree>
     <p:extLst>
       <p:ext uri="{BB962C8B-B14F-4D97-AF65-F5344CB8AC3E}">
-        <p14:creationId xmlns:p14="http://schemas.microsoft.com/office/powerpoint/2010/main" val="696814170"/>
+        <p14:creationId xmlns:p14="http://schemas.microsoft.com/office/powerpoint/2010/main" val="1132357790"/>
       </p:ext>
     </p:extLst>
   </p:cSld>

--- a/統計データの可視化.pptx
+++ b/統計データの可視化.pptx
@@ -1304,7 +1304,7 @@
           <p:cNvPr id="2" name="タイトル 1">
             <a:extLst>
               <a:ext uri="{FF2B5EF4-FFF2-40B4-BE49-F238E27FC236}">
-                <a16:creationId xmlns="" xmlns:a16="http://schemas.microsoft.com/office/drawing/2014/main" id="{D5DF3914-848A-5745-957C-528267F7C428}"/>
+                <a16:creationId xmlns:a16="http://schemas.microsoft.com/office/drawing/2014/main" xmlns="" id="{D5DF3914-848A-5745-957C-528267F7C428}"/>
               </a:ext>
             </a:extLst>
           </p:cNvPr>
@@ -1341,7 +1341,7 @@
           <p:cNvPr id="3" name="字幕 2">
             <a:extLst>
               <a:ext uri="{FF2B5EF4-FFF2-40B4-BE49-F238E27FC236}">
-                <a16:creationId xmlns="" xmlns:a16="http://schemas.microsoft.com/office/drawing/2014/main" id="{09ED48ED-F942-EA4B-837D-433A04D6B104}"/>
+                <a16:creationId xmlns:a16="http://schemas.microsoft.com/office/drawing/2014/main" xmlns="" id="{09ED48ED-F942-EA4B-837D-433A04D6B104}"/>
               </a:ext>
             </a:extLst>
           </p:cNvPr>
@@ -1411,7 +1411,7 @@
           <p:cNvPr id="4" name="日付プレースホルダー 3">
             <a:extLst>
               <a:ext uri="{FF2B5EF4-FFF2-40B4-BE49-F238E27FC236}">
-                <a16:creationId xmlns="" xmlns:a16="http://schemas.microsoft.com/office/drawing/2014/main" id="{3A0DDE53-FAF3-374A-B93B-6D7F5E526B83}"/>
+                <a16:creationId xmlns:a16="http://schemas.microsoft.com/office/drawing/2014/main" xmlns="" id="{3A0DDE53-FAF3-374A-B93B-6D7F5E526B83}"/>
               </a:ext>
             </a:extLst>
           </p:cNvPr>
@@ -1440,7 +1440,7 @@
           <p:cNvPr id="5" name="フッター プレースホルダー 4">
             <a:extLst>
               <a:ext uri="{FF2B5EF4-FFF2-40B4-BE49-F238E27FC236}">
-                <a16:creationId xmlns="" xmlns:a16="http://schemas.microsoft.com/office/drawing/2014/main" id="{83CD93A0-C601-B84D-B2EA-38118C6AE7FB}"/>
+                <a16:creationId xmlns:a16="http://schemas.microsoft.com/office/drawing/2014/main" xmlns="" id="{83CD93A0-C601-B84D-B2EA-38118C6AE7FB}"/>
               </a:ext>
             </a:extLst>
           </p:cNvPr>
@@ -1465,7 +1465,7 @@
           <p:cNvPr id="6" name="スライド番号プレースホルダー 5">
             <a:extLst>
               <a:ext uri="{FF2B5EF4-FFF2-40B4-BE49-F238E27FC236}">
-                <a16:creationId xmlns="" xmlns:a16="http://schemas.microsoft.com/office/drawing/2014/main" id="{8020DA69-1EC4-8D4B-8C3D-2ABD8A48C106}"/>
+                <a16:creationId xmlns:a16="http://schemas.microsoft.com/office/drawing/2014/main" xmlns="" id="{8020DA69-1EC4-8D4B-8C3D-2ABD8A48C106}"/>
               </a:ext>
             </a:extLst>
           </p:cNvPr>
@@ -1524,7 +1524,7 @@
           <p:cNvPr id="2" name="タイトル 1">
             <a:extLst>
               <a:ext uri="{FF2B5EF4-FFF2-40B4-BE49-F238E27FC236}">
-                <a16:creationId xmlns="" xmlns:a16="http://schemas.microsoft.com/office/drawing/2014/main" id="{BB3E10CC-A6BC-8949-B208-329D84FD4921}"/>
+                <a16:creationId xmlns:a16="http://schemas.microsoft.com/office/drawing/2014/main" xmlns="" id="{BB3E10CC-A6BC-8949-B208-329D84FD4921}"/>
               </a:ext>
             </a:extLst>
           </p:cNvPr>
@@ -1552,7 +1552,7 @@
           <p:cNvPr id="3" name="縦書きテキスト プレースホルダー 2">
             <a:extLst>
               <a:ext uri="{FF2B5EF4-FFF2-40B4-BE49-F238E27FC236}">
-                <a16:creationId xmlns="" xmlns:a16="http://schemas.microsoft.com/office/drawing/2014/main" id="{7219424D-BC1D-AD4E-B010-1F1D7A13D58F}"/>
+                <a16:creationId xmlns:a16="http://schemas.microsoft.com/office/drawing/2014/main" xmlns="" id="{7219424D-BC1D-AD4E-B010-1F1D7A13D58F}"/>
               </a:ext>
             </a:extLst>
           </p:cNvPr>
@@ -1641,7 +1641,7 @@
           <p:cNvPr id="4" name="日付プレースホルダー 3">
             <a:extLst>
               <a:ext uri="{FF2B5EF4-FFF2-40B4-BE49-F238E27FC236}">
-                <a16:creationId xmlns="" xmlns:a16="http://schemas.microsoft.com/office/drawing/2014/main" id="{A0EC3470-4F95-8440-8244-40DACC03B789}"/>
+                <a16:creationId xmlns:a16="http://schemas.microsoft.com/office/drawing/2014/main" xmlns="" id="{A0EC3470-4F95-8440-8244-40DACC03B789}"/>
               </a:ext>
             </a:extLst>
           </p:cNvPr>
@@ -1670,7 +1670,7 @@
           <p:cNvPr id="5" name="フッター プレースホルダー 4">
             <a:extLst>
               <a:ext uri="{FF2B5EF4-FFF2-40B4-BE49-F238E27FC236}">
-                <a16:creationId xmlns="" xmlns:a16="http://schemas.microsoft.com/office/drawing/2014/main" id="{66F14C45-11C0-E844-8F6B-65127DAC330E}"/>
+                <a16:creationId xmlns:a16="http://schemas.microsoft.com/office/drawing/2014/main" xmlns="" id="{66F14C45-11C0-E844-8F6B-65127DAC330E}"/>
               </a:ext>
             </a:extLst>
           </p:cNvPr>
@@ -1695,7 +1695,7 @@
           <p:cNvPr id="6" name="スライド番号プレースホルダー 5">
             <a:extLst>
               <a:ext uri="{FF2B5EF4-FFF2-40B4-BE49-F238E27FC236}">
-                <a16:creationId xmlns="" xmlns:a16="http://schemas.microsoft.com/office/drawing/2014/main" id="{0E725F07-7F0B-E14E-8116-981B96C66531}"/>
+                <a16:creationId xmlns:a16="http://schemas.microsoft.com/office/drawing/2014/main" xmlns="" id="{0E725F07-7F0B-E14E-8116-981B96C66531}"/>
               </a:ext>
             </a:extLst>
           </p:cNvPr>
@@ -1754,7 +1754,7 @@
           <p:cNvPr id="2" name="縦書きタイトル 1">
             <a:extLst>
               <a:ext uri="{FF2B5EF4-FFF2-40B4-BE49-F238E27FC236}">
-                <a16:creationId xmlns="" xmlns:a16="http://schemas.microsoft.com/office/drawing/2014/main" id="{39813C18-B35A-0B48-9CAB-63198D349B64}"/>
+                <a16:creationId xmlns:a16="http://schemas.microsoft.com/office/drawing/2014/main" xmlns="" id="{39813C18-B35A-0B48-9CAB-63198D349B64}"/>
               </a:ext>
             </a:extLst>
           </p:cNvPr>
@@ -1787,7 +1787,7 @@
           <p:cNvPr id="3" name="縦書きテキスト プレースホルダー 2">
             <a:extLst>
               <a:ext uri="{FF2B5EF4-FFF2-40B4-BE49-F238E27FC236}">
-                <a16:creationId xmlns="" xmlns:a16="http://schemas.microsoft.com/office/drawing/2014/main" id="{F67CE368-0F9E-2B42-A1E6-C2B1870B324A}"/>
+                <a16:creationId xmlns:a16="http://schemas.microsoft.com/office/drawing/2014/main" xmlns="" id="{F67CE368-0F9E-2B42-A1E6-C2B1870B324A}"/>
               </a:ext>
             </a:extLst>
           </p:cNvPr>
@@ -1881,7 +1881,7 @@
           <p:cNvPr id="4" name="日付プレースホルダー 3">
             <a:extLst>
               <a:ext uri="{FF2B5EF4-FFF2-40B4-BE49-F238E27FC236}">
-                <a16:creationId xmlns="" xmlns:a16="http://schemas.microsoft.com/office/drawing/2014/main" id="{867ACC2A-B8D1-7C41-9B9F-4C65056F947D}"/>
+                <a16:creationId xmlns:a16="http://schemas.microsoft.com/office/drawing/2014/main" xmlns="" id="{867ACC2A-B8D1-7C41-9B9F-4C65056F947D}"/>
               </a:ext>
             </a:extLst>
           </p:cNvPr>
@@ -1910,7 +1910,7 @@
           <p:cNvPr id="5" name="フッター プレースホルダー 4">
             <a:extLst>
               <a:ext uri="{FF2B5EF4-FFF2-40B4-BE49-F238E27FC236}">
-                <a16:creationId xmlns="" xmlns:a16="http://schemas.microsoft.com/office/drawing/2014/main" id="{087856E7-9E03-2C48-B6EC-72CF81629D1A}"/>
+                <a16:creationId xmlns:a16="http://schemas.microsoft.com/office/drawing/2014/main" xmlns="" id="{087856E7-9E03-2C48-B6EC-72CF81629D1A}"/>
               </a:ext>
             </a:extLst>
           </p:cNvPr>
@@ -1935,7 +1935,7 @@
           <p:cNvPr id="6" name="スライド番号プレースホルダー 5">
             <a:extLst>
               <a:ext uri="{FF2B5EF4-FFF2-40B4-BE49-F238E27FC236}">
-                <a16:creationId xmlns="" xmlns:a16="http://schemas.microsoft.com/office/drawing/2014/main" id="{C67C1FF0-41FF-734C-8215-5603860FCEB5}"/>
+                <a16:creationId xmlns:a16="http://schemas.microsoft.com/office/drawing/2014/main" xmlns="" id="{C67C1FF0-41FF-734C-8215-5603860FCEB5}"/>
               </a:ext>
             </a:extLst>
           </p:cNvPr>
@@ -1994,7 +1994,7 @@
           <p:cNvPr id="2" name="タイトル 1">
             <a:extLst>
               <a:ext uri="{FF2B5EF4-FFF2-40B4-BE49-F238E27FC236}">
-                <a16:creationId xmlns="" xmlns:a16="http://schemas.microsoft.com/office/drawing/2014/main" id="{79AD0717-2C6D-1447-94E8-005D647C12FA}"/>
+                <a16:creationId xmlns:a16="http://schemas.microsoft.com/office/drawing/2014/main" xmlns="" id="{79AD0717-2C6D-1447-94E8-005D647C12FA}"/>
               </a:ext>
             </a:extLst>
           </p:cNvPr>
@@ -2022,7 +2022,7 @@
           <p:cNvPr id="3" name="コンテンツ プレースホルダー 2">
             <a:extLst>
               <a:ext uri="{FF2B5EF4-FFF2-40B4-BE49-F238E27FC236}">
-                <a16:creationId xmlns="" xmlns:a16="http://schemas.microsoft.com/office/drawing/2014/main" id="{F692E943-D9F7-F64A-9495-77932297DAB9}"/>
+                <a16:creationId xmlns:a16="http://schemas.microsoft.com/office/drawing/2014/main" xmlns="" id="{F692E943-D9F7-F64A-9495-77932297DAB9}"/>
               </a:ext>
             </a:extLst>
           </p:cNvPr>
@@ -2111,7 +2111,7 @@
           <p:cNvPr id="4" name="日付プレースホルダー 3">
             <a:extLst>
               <a:ext uri="{FF2B5EF4-FFF2-40B4-BE49-F238E27FC236}">
-                <a16:creationId xmlns="" xmlns:a16="http://schemas.microsoft.com/office/drawing/2014/main" id="{46AF73F5-1F52-3C42-920C-52BCD964D9DB}"/>
+                <a16:creationId xmlns:a16="http://schemas.microsoft.com/office/drawing/2014/main" xmlns="" id="{46AF73F5-1F52-3C42-920C-52BCD964D9DB}"/>
               </a:ext>
             </a:extLst>
           </p:cNvPr>
@@ -2140,7 +2140,7 @@
           <p:cNvPr id="5" name="フッター プレースホルダー 4">
             <a:extLst>
               <a:ext uri="{FF2B5EF4-FFF2-40B4-BE49-F238E27FC236}">
-                <a16:creationId xmlns="" xmlns:a16="http://schemas.microsoft.com/office/drawing/2014/main" id="{68D477E9-E726-3440-9A60-D29AD7FFB974}"/>
+                <a16:creationId xmlns:a16="http://schemas.microsoft.com/office/drawing/2014/main" xmlns="" id="{68D477E9-E726-3440-9A60-D29AD7FFB974}"/>
               </a:ext>
             </a:extLst>
           </p:cNvPr>
@@ -2165,7 +2165,7 @@
           <p:cNvPr id="6" name="スライド番号プレースホルダー 5">
             <a:extLst>
               <a:ext uri="{FF2B5EF4-FFF2-40B4-BE49-F238E27FC236}">
-                <a16:creationId xmlns="" xmlns:a16="http://schemas.microsoft.com/office/drawing/2014/main" id="{281A8823-BFC8-2149-9684-D4368C50FB0C}"/>
+                <a16:creationId xmlns:a16="http://schemas.microsoft.com/office/drawing/2014/main" xmlns="" id="{281A8823-BFC8-2149-9684-D4368C50FB0C}"/>
               </a:ext>
             </a:extLst>
           </p:cNvPr>
@@ -2224,7 +2224,7 @@
           <p:cNvPr id="2" name="タイトル 1">
             <a:extLst>
               <a:ext uri="{FF2B5EF4-FFF2-40B4-BE49-F238E27FC236}">
-                <a16:creationId xmlns="" xmlns:a16="http://schemas.microsoft.com/office/drawing/2014/main" id="{11D7A484-CED8-0042-AB5C-E49584593BA4}"/>
+                <a16:creationId xmlns:a16="http://schemas.microsoft.com/office/drawing/2014/main" xmlns="" id="{11D7A484-CED8-0042-AB5C-E49584593BA4}"/>
               </a:ext>
             </a:extLst>
           </p:cNvPr>
@@ -2261,7 +2261,7 @@
           <p:cNvPr id="3" name="テキスト プレースホルダー 2">
             <a:extLst>
               <a:ext uri="{FF2B5EF4-FFF2-40B4-BE49-F238E27FC236}">
-                <a16:creationId xmlns="" xmlns:a16="http://schemas.microsoft.com/office/drawing/2014/main" id="{603AFF4A-337D-6F44-B171-9DAE74385387}"/>
+                <a16:creationId xmlns:a16="http://schemas.microsoft.com/office/drawing/2014/main" xmlns="" id="{603AFF4A-337D-6F44-B171-9DAE74385387}"/>
               </a:ext>
             </a:extLst>
           </p:cNvPr>
@@ -2386,7 +2386,7 @@
           <p:cNvPr id="4" name="日付プレースホルダー 3">
             <a:extLst>
               <a:ext uri="{FF2B5EF4-FFF2-40B4-BE49-F238E27FC236}">
-                <a16:creationId xmlns="" xmlns:a16="http://schemas.microsoft.com/office/drawing/2014/main" id="{B2D66AD0-01C1-914F-BB4D-24E1D0802D2B}"/>
+                <a16:creationId xmlns:a16="http://schemas.microsoft.com/office/drawing/2014/main" xmlns="" id="{B2D66AD0-01C1-914F-BB4D-24E1D0802D2B}"/>
               </a:ext>
             </a:extLst>
           </p:cNvPr>
@@ -2415,7 +2415,7 @@
           <p:cNvPr id="5" name="フッター プレースホルダー 4">
             <a:extLst>
               <a:ext uri="{FF2B5EF4-FFF2-40B4-BE49-F238E27FC236}">
-                <a16:creationId xmlns="" xmlns:a16="http://schemas.microsoft.com/office/drawing/2014/main" id="{CD674AB9-A292-CC49-B4AC-1151A77C96C1}"/>
+                <a16:creationId xmlns:a16="http://schemas.microsoft.com/office/drawing/2014/main" xmlns="" id="{CD674AB9-A292-CC49-B4AC-1151A77C96C1}"/>
               </a:ext>
             </a:extLst>
           </p:cNvPr>
@@ -2440,7 +2440,7 @@
           <p:cNvPr id="6" name="スライド番号プレースホルダー 5">
             <a:extLst>
               <a:ext uri="{FF2B5EF4-FFF2-40B4-BE49-F238E27FC236}">
-                <a16:creationId xmlns="" xmlns:a16="http://schemas.microsoft.com/office/drawing/2014/main" id="{C2194DD3-01FF-E24A-990B-531E6B1C8814}"/>
+                <a16:creationId xmlns:a16="http://schemas.microsoft.com/office/drawing/2014/main" xmlns="" id="{C2194DD3-01FF-E24A-990B-531E6B1C8814}"/>
               </a:ext>
             </a:extLst>
           </p:cNvPr>
@@ -2499,7 +2499,7 @@
           <p:cNvPr id="2" name="タイトル 1">
             <a:extLst>
               <a:ext uri="{FF2B5EF4-FFF2-40B4-BE49-F238E27FC236}">
-                <a16:creationId xmlns="" xmlns:a16="http://schemas.microsoft.com/office/drawing/2014/main" id="{AF4C0AFC-A229-8B43-A476-E19F9A12B5E9}"/>
+                <a16:creationId xmlns:a16="http://schemas.microsoft.com/office/drawing/2014/main" xmlns="" id="{AF4C0AFC-A229-8B43-A476-E19F9A12B5E9}"/>
               </a:ext>
             </a:extLst>
           </p:cNvPr>
@@ -2527,7 +2527,7 @@
           <p:cNvPr id="3" name="コンテンツ プレースホルダー 2">
             <a:extLst>
               <a:ext uri="{FF2B5EF4-FFF2-40B4-BE49-F238E27FC236}">
-                <a16:creationId xmlns="" xmlns:a16="http://schemas.microsoft.com/office/drawing/2014/main" id="{A77E57E2-40B9-0840-8854-0BB52DFB6AD7}"/>
+                <a16:creationId xmlns:a16="http://schemas.microsoft.com/office/drawing/2014/main" xmlns="" id="{A77E57E2-40B9-0840-8854-0BB52DFB6AD7}"/>
               </a:ext>
             </a:extLst>
           </p:cNvPr>
@@ -2621,7 +2621,7 @@
           <p:cNvPr id="4" name="コンテンツ プレースホルダー 3">
             <a:extLst>
               <a:ext uri="{FF2B5EF4-FFF2-40B4-BE49-F238E27FC236}">
-                <a16:creationId xmlns="" xmlns:a16="http://schemas.microsoft.com/office/drawing/2014/main" id="{5376FFAC-8690-B24D-9377-7FEEB22104AF}"/>
+                <a16:creationId xmlns:a16="http://schemas.microsoft.com/office/drawing/2014/main" xmlns="" id="{5376FFAC-8690-B24D-9377-7FEEB22104AF}"/>
               </a:ext>
             </a:extLst>
           </p:cNvPr>
@@ -2715,7 +2715,7 @@
           <p:cNvPr id="5" name="日付プレースホルダー 4">
             <a:extLst>
               <a:ext uri="{FF2B5EF4-FFF2-40B4-BE49-F238E27FC236}">
-                <a16:creationId xmlns="" xmlns:a16="http://schemas.microsoft.com/office/drawing/2014/main" id="{86E22A30-78E1-3F43-9E9C-5C7CBC5E207D}"/>
+                <a16:creationId xmlns:a16="http://schemas.microsoft.com/office/drawing/2014/main" xmlns="" id="{86E22A30-78E1-3F43-9E9C-5C7CBC5E207D}"/>
               </a:ext>
             </a:extLst>
           </p:cNvPr>
@@ -2744,7 +2744,7 @@
           <p:cNvPr id="6" name="フッター プレースホルダー 5">
             <a:extLst>
               <a:ext uri="{FF2B5EF4-FFF2-40B4-BE49-F238E27FC236}">
-                <a16:creationId xmlns="" xmlns:a16="http://schemas.microsoft.com/office/drawing/2014/main" id="{F7E1C133-61A1-3B48-99FD-9B44EDC7FA8F}"/>
+                <a16:creationId xmlns:a16="http://schemas.microsoft.com/office/drawing/2014/main" xmlns="" id="{F7E1C133-61A1-3B48-99FD-9B44EDC7FA8F}"/>
               </a:ext>
             </a:extLst>
           </p:cNvPr>
@@ -2769,7 +2769,7 @@
           <p:cNvPr id="7" name="スライド番号プレースホルダー 6">
             <a:extLst>
               <a:ext uri="{FF2B5EF4-FFF2-40B4-BE49-F238E27FC236}">
-                <a16:creationId xmlns="" xmlns:a16="http://schemas.microsoft.com/office/drawing/2014/main" id="{6AD892A4-0282-8C4E-BBCA-18D30829CEB8}"/>
+                <a16:creationId xmlns:a16="http://schemas.microsoft.com/office/drawing/2014/main" xmlns="" id="{6AD892A4-0282-8C4E-BBCA-18D30829CEB8}"/>
               </a:ext>
             </a:extLst>
           </p:cNvPr>
@@ -2828,7 +2828,7 @@
           <p:cNvPr id="2" name="タイトル 1">
             <a:extLst>
               <a:ext uri="{FF2B5EF4-FFF2-40B4-BE49-F238E27FC236}">
-                <a16:creationId xmlns="" xmlns:a16="http://schemas.microsoft.com/office/drawing/2014/main" id="{967A1187-E1C0-3F49-9BBB-3CEE05287960}"/>
+                <a16:creationId xmlns:a16="http://schemas.microsoft.com/office/drawing/2014/main" xmlns="" id="{967A1187-E1C0-3F49-9BBB-3CEE05287960}"/>
               </a:ext>
             </a:extLst>
           </p:cNvPr>
@@ -2861,7 +2861,7 @@
           <p:cNvPr id="3" name="テキスト プレースホルダー 2">
             <a:extLst>
               <a:ext uri="{FF2B5EF4-FFF2-40B4-BE49-F238E27FC236}">
-                <a16:creationId xmlns="" xmlns:a16="http://schemas.microsoft.com/office/drawing/2014/main" id="{0B8BED0F-B809-214C-854B-1E53659BAC87}"/>
+                <a16:creationId xmlns:a16="http://schemas.microsoft.com/office/drawing/2014/main" xmlns="" id="{0B8BED0F-B809-214C-854B-1E53659BAC87}"/>
               </a:ext>
             </a:extLst>
           </p:cNvPr>
@@ -2932,7 +2932,7 @@
           <p:cNvPr id="4" name="コンテンツ プレースホルダー 3">
             <a:extLst>
               <a:ext uri="{FF2B5EF4-FFF2-40B4-BE49-F238E27FC236}">
-                <a16:creationId xmlns="" xmlns:a16="http://schemas.microsoft.com/office/drawing/2014/main" id="{B73D82D9-99EB-F849-A598-D4B5491774B8}"/>
+                <a16:creationId xmlns:a16="http://schemas.microsoft.com/office/drawing/2014/main" xmlns="" id="{B73D82D9-99EB-F849-A598-D4B5491774B8}"/>
               </a:ext>
             </a:extLst>
           </p:cNvPr>
@@ -3026,7 +3026,7 @@
           <p:cNvPr id="5" name="テキスト プレースホルダー 4">
             <a:extLst>
               <a:ext uri="{FF2B5EF4-FFF2-40B4-BE49-F238E27FC236}">
-                <a16:creationId xmlns="" xmlns:a16="http://schemas.microsoft.com/office/drawing/2014/main" id="{75B659EC-3244-C545-B91A-A4A6995D5B1D}"/>
+                <a16:creationId xmlns:a16="http://schemas.microsoft.com/office/drawing/2014/main" xmlns="" id="{75B659EC-3244-C545-B91A-A4A6995D5B1D}"/>
               </a:ext>
             </a:extLst>
           </p:cNvPr>
@@ -3097,7 +3097,7 @@
           <p:cNvPr id="6" name="コンテンツ プレースホルダー 5">
             <a:extLst>
               <a:ext uri="{FF2B5EF4-FFF2-40B4-BE49-F238E27FC236}">
-                <a16:creationId xmlns="" xmlns:a16="http://schemas.microsoft.com/office/drawing/2014/main" id="{33D91E99-E03D-6E41-9187-88ABD7EB0D64}"/>
+                <a16:creationId xmlns:a16="http://schemas.microsoft.com/office/drawing/2014/main" xmlns="" id="{33D91E99-E03D-6E41-9187-88ABD7EB0D64}"/>
               </a:ext>
             </a:extLst>
           </p:cNvPr>
@@ -3191,7 +3191,7 @@
           <p:cNvPr id="7" name="日付プレースホルダー 6">
             <a:extLst>
               <a:ext uri="{FF2B5EF4-FFF2-40B4-BE49-F238E27FC236}">
-                <a16:creationId xmlns="" xmlns:a16="http://schemas.microsoft.com/office/drawing/2014/main" id="{968BA2AE-B4E8-BC4F-AAE2-2FE7F43CAF94}"/>
+                <a16:creationId xmlns:a16="http://schemas.microsoft.com/office/drawing/2014/main" xmlns="" id="{968BA2AE-B4E8-BC4F-AAE2-2FE7F43CAF94}"/>
               </a:ext>
             </a:extLst>
           </p:cNvPr>
@@ -3220,7 +3220,7 @@
           <p:cNvPr id="8" name="フッター プレースホルダー 7">
             <a:extLst>
               <a:ext uri="{FF2B5EF4-FFF2-40B4-BE49-F238E27FC236}">
-                <a16:creationId xmlns="" xmlns:a16="http://schemas.microsoft.com/office/drawing/2014/main" id="{75356495-EC54-F546-A091-DC1A785066CC}"/>
+                <a16:creationId xmlns:a16="http://schemas.microsoft.com/office/drawing/2014/main" xmlns="" id="{75356495-EC54-F546-A091-DC1A785066CC}"/>
               </a:ext>
             </a:extLst>
           </p:cNvPr>
@@ -3245,7 +3245,7 @@
           <p:cNvPr id="9" name="スライド番号プレースホルダー 8">
             <a:extLst>
               <a:ext uri="{FF2B5EF4-FFF2-40B4-BE49-F238E27FC236}">
-                <a16:creationId xmlns="" xmlns:a16="http://schemas.microsoft.com/office/drawing/2014/main" id="{A594F2B8-9C5A-B748-B626-F119CDBA795E}"/>
+                <a16:creationId xmlns:a16="http://schemas.microsoft.com/office/drawing/2014/main" xmlns="" id="{A594F2B8-9C5A-B748-B626-F119CDBA795E}"/>
               </a:ext>
             </a:extLst>
           </p:cNvPr>
@@ -3304,7 +3304,7 @@
           <p:cNvPr id="2" name="タイトル 1">
             <a:extLst>
               <a:ext uri="{FF2B5EF4-FFF2-40B4-BE49-F238E27FC236}">
-                <a16:creationId xmlns="" xmlns:a16="http://schemas.microsoft.com/office/drawing/2014/main" id="{4D2EAD1E-60F9-7641-8969-0A56C0A350EB}"/>
+                <a16:creationId xmlns:a16="http://schemas.microsoft.com/office/drawing/2014/main" xmlns="" id="{4D2EAD1E-60F9-7641-8969-0A56C0A350EB}"/>
               </a:ext>
             </a:extLst>
           </p:cNvPr>
@@ -3332,7 +3332,7 @@
           <p:cNvPr id="3" name="日付プレースホルダー 2">
             <a:extLst>
               <a:ext uri="{FF2B5EF4-FFF2-40B4-BE49-F238E27FC236}">
-                <a16:creationId xmlns="" xmlns:a16="http://schemas.microsoft.com/office/drawing/2014/main" id="{6F635876-01C2-A249-87FC-FA72E59558F1}"/>
+                <a16:creationId xmlns:a16="http://schemas.microsoft.com/office/drawing/2014/main" xmlns="" id="{6F635876-01C2-A249-87FC-FA72E59558F1}"/>
               </a:ext>
             </a:extLst>
           </p:cNvPr>
@@ -3361,7 +3361,7 @@
           <p:cNvPr id="4" name="フッター プレースホルダー 3">
             <a:extLst>
               <a:ext uri="{FF2B5EF4-FFF2-40B4-BE49-F238E27FC236}">
-                <a16:creationId xmlns="" xmlns:a16="http://schemas.microsoft.com/office/drawing/2014/main" id="{DA54D7D2-5C3F-4E49-A451-8903880D6AD8}"/>
+                <a16:creationId xmlns:a16="http://schemas.microsoft.com/office/drawing/2014/main" xmlns="" id="{DA54D7D2-5C3F-4E49-A451-8903880D6AD8}"/>
               </a:ext>
             </a:extLst>
           </p:cNvPr>
@@ -3386,7 +3386,7 @@
           <p:cNvPr id="5" name="スライド番号プレースホルダー 4">
             <a:extLst>
               <a:ext uri="{FF2B5EF4-FFF2-40B4-BE49-F238E27FC236}">
-                <a16:creationId xmlns="" xmlns:a16="http://schemas.microsoft.com/office/drawing/2014/main" id="{D7F36122-4EA4-C74A-B8E2-64720EB3ECD9}"/>
+                <a16:creationId xmlns:a16="http://schemas.microsoft.com/office/drawing/2014/main" xmlns="" id="{D7F36122-4EA4-C74A-B8E2-64720EB3ECD9}"/>
               </a:ext>
             </a:extLst>
           </p:cNvPr>
@@ -3445,7 +3445,7 @@
           <p:cNvPr id="2" name="日付プレースホルダー 1">
             <a:extLst>
               <a:ext uri="{FF2B5EF4-FFF2-40B4-BE49-F238E27FC236}">
-                <a16:creationId xmlns="" xmlns:a16="http://schemas.microsoft.com/office/drawing/2014/main" id="{8A8504EB-34C4-6F46-8241-1474E6181EAD}"/>
+                <a16:creationId xmlns:a16="http://schemas.microsoft.com/office/drawing/2014/main" xmlns="" id="{8A8504EB-34C4-6F46-8241-1474E6181EAD}"/>
               </a:ext>
             </a:extLst>
           </p:cNvPr>
@@ -3474,7 +3474,7 @@
           <p:cNvPr id="3" name="フッター プレースホルダー 2">
             <a:extLst>
               <a:ext uri="{FF2B5EF4-FFF2-40B4-BE49-F238E27FC236}">
-                <a16:creationId xmlns="" xmlns:a16="http://schemas.microsoft.com/office/drawing/2014/main" id="{8E4B51ED-6797-F542-AE04-9FB3D420CB9F}"/>
+                <a16:creationId xmlns:a16="http://schemas.microsoft.com/office/drawing/2014/main" xmlns="" id="{8E4B51ED-6797-F542-AE04-9FB3D420CB9F}"/>
               </a:ext>
             </a:extLst>
           </p:cNvPr>
@@ -3499,7 +3499,7 @@
           <p:cNvPr id="4" name="スライド番号プレースホルダー 3">
             <a:extLst>
               <a:ext uri="{FF2B5EF4-FFF2-40B4-BE49-F238E27FC236}">
-                <a16:creationId xmlns="" xmlns:a16="http://schemas.microsoft.com/office/drawing/2014/main" id="{0C423C5D-3A0A-4248-8EDC-76AAB818ADC7}"/>
+                <a16:creationId xmlns:a16="http://schemas.microsoft.com/office/drawing/2014/main" xmlns="" id="{0C423C5D-3A0A-4248-8EDC-76AAB818ADC7}"/>
               </a:ext>
             </a:extLst>
           </p:cNvPr>
@@ -3558,7 +3558,7 @@
           <p:cNvPr id="2" name="タイトル 1">
             <a:extLst>
               <a:ext uri="{FF2B5EF4-FFF2-40B4-BE49-F238E27FC236}">
-                <a16:creationId xmlns="" xmlns:a16="http://schemas.microsoft.com/office/drawing/2014/main" id="{5C0FE34A-22F2-3444-BB9C-4A78E0748F00}"/>
+                <a16:creationId xmlns:a16="http://schemas.microsoft.com/office/drawing/2014/main" xmlns="" id="{5C0FE34A-22F2-3444-BB9C-4A78E0748F00}"/>
               </a:ext>
             </a:extLst>
           </p:cNvPr>
@@ -3595,7 +3595,7 @@
           <p:cNvPr id="3" name="コンテンツ プレースホルダー 2">
             <a:extLst>
               <a:ext uri="{FF2B5EF4-FFF2-40B4-BE49-F238E27FC236}">
-                <a16:creationId xmlns="" xmlns:a16="http://schemas.microsoft.com/office/drawing/2014/main" id="{09BAAB2D-647B-BD4D-A2B8-C19C8B5806B4}"/>
+                <a16:creationId xmlns:a16="http://schemas.microsoft.com/office/drawing/2014/main" xmlns="" id="{09BAAB2D-647B-BD4D-A2B8-C19C8B5806B4}"/>
               </a:ext>
             </a:extLst>
           </p:cNvPr>
@@ -3717,7 +3717,7 @@
           <p:cNvPr id="4" name="テキスト プレースホルダー 3">
             <a:extLst>
               <a:ext uri="{FF2B5EF4-FFF2-40B4-BE49-F238E27FC236}">
-                <a16:creationId xmlns="" xmlns:a16="http://schemas.microsoft.com/office/drawing/2014/main" id="{B990BF36-195F-024D-A68C-39FD62D44CED}"/>
+                <a16:creationId xmlns:a16="http://schemas.microsoft.com/office/drawing/2014/main" xmlns="" id="{B990BF36-195F-024D-A68C-39FD62D44CED}"/>
               </a:ext>
             </a:extLst>
           </p:cNvPr>
@@ -3788,7 +3788,7 @@
           <p:cNvPr id="5" name="日付プレースホルダー 4">
             <a:extLst>
               <a:ext uri="{FF2B5EF4-FFF2-40B4-BE49-F238E27FC236}">
-                <a16:creationId xmlns="" xmlns:a16="http://schemas.microsoft.com/office/drawing/2014/main" id="{DC1FFC4A-CE0C-1F41-B7FF-34D1BB864561}"/>
+                <a16:creationId xmlns:a16="http://schemas.microsoft.com/office/drawing/2014/main" xmlns="" id="{DC1FFC4A-CE0C-1F41-B7FF-34D1BB864561}"/>
               </a:ext>
             </a:extLst>
           </p:cNvPr>
@@ -3817,7 +3817,7 @@
           <p:cNvPr id="6" name="フッター プレースホルダー 5">
             <a:extLst>
               <a:ext uri="{FF2B5EF4-FFF2-40B4-BE49-F238E27FC236}">
-                <a16:creationId xmlns="" xmlns:a16="http://schemas.microsoft.com/office/drawing/2014/main" id="{E17C14E4-63A5-054C-BC87-FAC762FBD5BD}"/>
+                <a16:creationId xmlns:a16="http://schemas.microsoft.com/office/drawing/2014/main" xmlns="" id="{E17C14E4-63A5-054C-BC87-FAC762FBD5BD}"/>
               </a:ext>
             </a:extLst>
           </p:cNvPr>
@@ -3842,7 +3842,7 @@
           <p:cNvPr id="7" name="スライド番号プレースホルダー 6">
             <a:extLst>
               <a:ext uri="{FF2B5EF4-FFF2-40B4-BE49-F238E27FC236}">
-                <a16:creationId xmlns="" xmlns:a16="http://schemas.microsoft.com/office/drawing/2014/main" id="{4CC39CDD-988A-9544-916A-E6BC31EF330A}"/>
+                <a16:creationId xmlns:a16="http://schemas.microsoft.com/office/drawing/2014/main" xmlns="" id="{4CC39CDD-988A-9544-916A-E6BC31EF330A}"/>
               </a:ext>
             </a:extLst>
           </p:cNvPr>
@@ -3901,7 +3901,7 @@
           <p:cNvPr id="2" name="タイトル 1">
             <a:extLst>
               <a:ext uri="{FF2B5EF4-FFF2-40B4-BE49-F238E27FC236}">
-                <a16:creationId xmlns="" xmlns:a16="http://schemas.microsoft.com/office/drawing/2014/main" id="{8DF74D26-4214-3A41-93DC-CB4F45E821D7}"/>
+                <a16:creationId xmlns:a16="http://schemas.microsoft.com/office/drawing/2014/main" xmlns="" id="{8DF74D26-4214-3A41-93DC-CB4F45E821D7}"/>
               </a:ext>
             </a:extLst>
           </p:cNvPr>
@@ -3938,7 +3938,7 @@
           <p:cNvPr id="3" name="図プレースホルダー 2">
             <a:extLst>
               <a:ext uri="{FF2B5EF4-FFF2-40B4-BE49-F238E27FC236}">
-                <a16:creationId xmlns="" xmlns:a16="http://schemas.microsoft.com/office/drawing/2014/main" id="{D940054E-68E5-484F-A4CF-426949E92B65}"/>
+                <a16:creationId xmlns:a16="http://schemas.microsoft.com/office/drawing/2014/main" xmlns="" id="{D940054E-68E5-484F-A4CF-426949E92B65}"/>
               </a:ext>
             </a:extLst>
           </p:cNvPr>
@@ -4005,7 +4005,7 @@
           <p:cNvPr id="4" name="テキスト プレースホルダー 3">
             <a:extLst>
               <a:ext uri="{FF2B5EF4-FFF2-40B4-BE49-F238E27FC236}">
-                <a16:creationId xmlns="" xmlns:a16="http://schemas.microsoft.com/office/drawing/2014/main" id="{352261EF-C0AC-DD47-80A3-9E3C6D693575}"/>
+                <a16:creationId xmlns:a16="http://schemas.microsoft.com/office/drawing/2014/main" xmlns="" id="{352261EF-C0AC-DD47-80A3-9E3C6D693575}"/>
               </a:ext>
             </a:extLst>
           </p:cNvPr>
@@ -4076,7 +4076,7 @@
           <p:cNvPr id="5" name="日付プレースホルダー 4">
             <a:extLst>
               <a:ext uri="{FF2B5EF4-FFF2-40B4-BE49-F238E27FC236}">
-                <a16:creationId xmlns="" xmlns:a16="http://schemas.microsoft.com/office/drawing/2014/main" id="{78345BD8-A5BE-2B4C-B50F-854BE8DA244E}"/>
+                <a16:creationId xmlns:a16="http://schemas.microsoft.com/office/drawing/2014/main" xmlns="" id="{78345BD8-A5BE-2B4C-B50F-854BE8DA244E}"/>
               </a:ext>
             </a:extLst>
           </p:cNvPr>
@@ -4105,7 +4105,7 @@
           <p:cNvPr id="6" name="フッター プレースホルダー 5">
             <a:extLst>
               <a:ext uri="{FF2B5EF4-FFF2-40B4-BE49-F238E27FC236}">
-                <a16:creationId xmlns="" xmlns:a16="http://schemas.microsoft.com/office/drawing/2014/main" id="{49B99FCF-ADF1-9D4F-88BE-3EABB8C04E28}"/>
+                <a16:creationId xmlns:a16="http://schemas.microsoft.com/office/drawing/2014/main" xmlns="" id="{49B99FCF-ADF1-9D4F-88BE-3EABB8C04E28}"/>
               </a:ext>
             </a:extLst>
           </p:cNvPr>
@@ -4130,7 +4130,7 @@
           <p:cNvPr id="7" name="スライド番号プレースホルダー 6">
             <a:extLst>
               <a:ext uri="{FF2B5EF4-FFF2-40B4-BE49-F238E27FC236}">
-                <a16:creationId xmlns="" xmlns:a16="http://schemas.microsoft.com/office/drawing/2014/main" id="{27455309-6FE4-1340-87BA-D1AD36515559}"/>
+                <a16:creationId xmlns:a16="http://schemas.microsoft.com/office/drawing/2014/main" xmlns="" id="{27455309-6FE4-1340-87BA-D1AD36515559}"/>
               </a:ext>
             </a:extLst>
           </p:cNvPr>
@@ -4194,7 +4194,7 @@
           <p:cNvPr id="2" name="タイトル プレースホルダー 1">
             <a:extLst>
               <a:ext uri="{FF2B5EF4-FFF2-40B4-BE49-F238E27FC236}">
-                <a16:creationId xmlns="" xmlns:a16="http://schemas.microsoft.com/office/drawing/2014/main" id="{2D34D946-D89E-6442-9075-ADE04490EE87}"/>
+                <a16:creationId xmlns:a16="http://schemas.microsoft.com/office/drawing/2014/main" xmlns="" id="{2D34D946-D89E-6442-9075-ADE04490EE87}"/>
               </a:ext>
             </a:extLst>
           </p:cNvPr>
@@ -4232,7 +4232,7 @@
           <p:cNvPr id="3" name="テキスト プレースホルダー 2">
             <a:extLst>
               <a:ext uri="{FF2B5EF4-FFF2-40B4-BE49-F238E27FC236}">
-                <a16:creationId xmlns="" xmlns:a16="http://schemas.microsoft.com/office/drawing/2014/main" id="{ECB16F28-657A-7547-9851-1F9FC0B19702}"/>
+                <a16:creationId xmlns:a16="http://schemas.microsoft.com/office/drawing/2014/main" xmlns="" id="{ECB16F28-657A-7547-9851-1F9FC0B19702}"/>
               </a:ext>
             </a:extLst>
           </p:cNvPr>
@@ -4331,7 +4331,7 @@
           <p:cNvPr id="4" name="日付プレースホルダー 3">
             <a:extLst>
               <a:ext uri="{FF2B5EF4-FFF2-40B4-BE49-F238E27FC236}">
-                <a16:creationId xmlns="" xmlns:a16="http://schemas.microsoft.com/office/drawing/2014/main" id="{AA47E054-8B17-264A-AFC9-BCC05E220C26}"/>
+                <a16:creationId xmlns:a16="http://schemas.microsoft.com/office/drawing/2014/main" xmlns="" id="{AA47E054-8B17-264A-AFC9-BCC05E220C26}"/>
               </a:ext>
             </a:extLst>
           </p:cNvPr>
@@ -4378,7 +4378,7 @@
           <p:cNvPr id="5" name="フッター プレースホルダー 4">
             <a:extLst>
               <a:ext uri="{FF2B5EF4-FFF2-40B4-BE49-F238E27FC236}">
-                <a16:creationId xmlns="" xmlns:a16="http://schemas.microsoft.com/office/drawing/2014/main" id="{C8FD813E-BA24-5E40-883A-DFDE11A12983}"/>
+                <a16:creationId xmlns:a16="http://schemas.microsoft.com/office/drawing/2014/main" xmlns="" id="{C8FD813E-BA24-5E40-883A-DFDE11A12983}"/>
               </a:ext>
             </a:extLst>
           </p:cNvPr>
@@ -4421,7 +4421,7 @@
           <p:cNvPr id="6" name="スライド番号プレースホルダー 5">
             <a:extLst>
               <a:ext uri="{FF2B5EF4-FFF2-40B4-BE49-F238E27FC236}">
-                <a16:creationId xmlns="" xmlns:a16="http://schemas.microsoft.com/office/drawing/2014/main" id="{5FB17BC1-8AA0-7843-B555-D51F4B1C5A23}"/>
+                <a16:creationId xmlns:a16="http://schemas.microsoft.com/office/drawing/2014/main" xmlns="" id="{5FB17BC1-8AA0-7843-B555-D51F4B1C5A23}"/>
               </a:ext>
             </a:extLst>
           </p:cNvPr>
@@ -4789,7 +4789,7 @@
           <p:cNvPr id="2" name="タイトル 1">
             <a:extLst>
               <a:ext uri="{FF2B5EF4-FFF2-40B4-BE49-F238E27FC236}">
-                <a16:creationId xmlns="" xmlns:a16="http://schemas.microsoft.com/office/drawing/2014/main" id="{4E9248D7-C77C-964F-B39C-A0CF57B18B5C}"/>
+                <a16:creationId xmlns:a16="http://schemas.microsoft.com/office/drawing/2014/main" xmlns="" id="{4E9248D7-C77C-964F-B39C-A0CF57B18B5C}"/>
               </a:ext>
             </a:extLst>
           </p:cNvPr>
@@ -4817,7 +4817,7 @@
           <p:cNvPr id="3" name="字幕 2">
             <a:extLst>
               <a:ext uri="{FF2B5EF4-FFF2-40B4-BE49-F238E27FC236}">
-                <a16:creationId xmlns="" xmlns:a16="http://schemas.microsoft.com/office/drawing/2014/main" id="{733749B4-8B89-A141-B0F8-D74350083502}"/>
+                <a16:creationId xmlns:a16="http://schemas.microsoft.com/office/drawing/2014/main" xmlns="" id="{733749B4-8B89-A141-B0F8-D74350083502}"/>
               </a:ext>
             </a:extLst>
           </p:cNvPr>
@@ -5557,7 +5557,7 @@
           <p:cNvPr id="2" name="タイトル 1">
             <a:extLst>
               <a:ext uri="{FF2B5EF4-FFF2-40B4-BE49-F238E27FC236}">
-                <a16:creationId xmlns="" xmlns:a16="http://schemas.microsoft.com/office/drawing/2014/main" id="{64A11CCF-73BE-084D-A8D7-B183386D4431}"/>
+                <a16:creationId xmlns:a16="http://schemas.microsoft.com/office/drawing/2014/main" xmlns="" id="{64A11CCF-73BE-084D-A8D7-B183386D4431}"/>
               </a:ext>
             </a:extLst>
           </p:cNvPr>
@@ -5590,7 +5590,7 @@
           <p:cNvPr id="3" name="コンテンツ プレースホルダー 2">
             <a:extLst>
               <a:ext uri="{FF2B5EF4-FFF2-40B4-BE49-F238E27FC236}">
-                <a16:creationId xmlns="" xmlns:a16="http://schemas.microsoft.com/office/drawing/2014/main" id="{DEFF8EDF-62D5-3044-8E76-F620FB00CBA7}"/>
+                <a16:creationId xmlns:a16="http://schemas.microsoft.com/office/drawing/2014/main" xmlns="" id="{DEFF8EDF-62D5-3044-8E76-F620FB00CBA7}"/>
               </a:ext>
             </a:extLst>
           </p:cNvPr>
@@ -5715,6 +5715,18 @@
               <a:rPr lang="en-US" altLang="ja-JP" dirty="0" err="1" smtClean="0"/>
               <a:t>GeoChart</a:t>
             </a:r>
+            <a:r>
+              <a:rPr lang="en-US" altLang="ja-JP" dirty="0" smtClean="0"/>
+              <a:t>(</a:t>
+            </a:r>
+            <a:r>
+              <a:rPr lang="ja-JP" altLang="en-US" dirty="0" smtClean="0"/>
+              <a:t>階級区分図</a:t>
+            </a:r>
+            <a:r>
+              <a:rPr lang="en-US" altLang="ja-JP" dirty="0" smtClean="0"/>
+              <a:t>)</a:t>
+            </a:r>
             <a:endParaRPr kumimoji="1" lang="ja-JP" altLang="en-US" dirty="0"/>
           </a:p>
         </p:txBody>
@@ -5912,7 +5924,7 @@
           <p:cNvPr id="2" name="タイトル 1">
             <a:extLst>
               <a:ext uri="{FF2B5EF4-FFF2-40B4-BE49-F238E27FC236}">
-                <a16:creationId xmlns="" xmlns:a16="http://schemas.microsoft.com/office/drawing/2014/main" id="{896E4980-C4A7-5A4F-A462-99F235D2E767}"/>
+                <a16:creationId xmlns:a16="http://schemas.microsoft.com/office/drawing/2014/main" xmlns="" id="{896E4980-C4A7-5A4F-A462-99F235D2E767}"/>
               </a:ext>
             </a:extLst>
           </p:cNvPr>
@@ -5940,7 +5952,7 @@
           <p:cNvPr id="3" name="コンテンツ プレースホルダー 2">
             <a:extLst>
               <a:ext uri="{FF2B5EF4-FFF2-40B4-BE49-F238E27FC236}">
-                <a16:creationId xmlns="" xmlns:a16="http://schemas.microsoft.com/office/drawing/2014/main" id="{D83D92FA-7F8A-C342-A02E-997F9C036FFA}"/>
+                <a16:creationId xmlns:a16="http://schemas.microsoft.com/office/drawing/2014/main" xmlns="" id="{D83D92FA-7F8A-C342-A02E-997F9C036FFA}"/>
               </a:ext>
             </a:extLst>
           </p:cNvPr>
@@ -6036,7 +6048,7 @@
           <p:cNvPr id="2" name="タイトル 1">
             <a:extLst>
               <a:ext uri="{FF2B5EF4-FFF2-40B4-BE49-F238E27FC236}">
-                <a16:creationId xmlns="" xmlns:a16="http://schemas.microsoft.com/office/drawing/2014/main" id="{CBA8BA4B-598F-334C-AE25-93577CEDDC57}"/>
+                <a16:creationId xmlns:a16="http://schemas.microsoft.com/office/drawing/2014/main" xmlns="" id="{CBA8BA4B-598F-334C-AE25-93577CEDDC57}"/>
               </a:ext>
             </a:extLst>
           </p:cNvPr>
@@ -6065,7 +6077,7 @@
           <p:cNvPr id="3" name="コンテンツ プレースホルダー 2">
             <a:extLst>
               <a:ext uri="{FF2B5EF4-FFF2-40B4-BE49-F238E27FC236}">
-                <a16:creationId xmlns="" xmlns:a16="http://schemas.microsoft.com/office/drawing/2014/main" id="{2402BAF8-03EA-584A-B27B-7CF2D553193C}"/>
+                <a16:creationId xmlns:a16="http://schemas.microsoft.com/office/drawing/2014/main" xmlns="" id="{2402BAF8-03EA-584A-B27B-7CF2D553193C}"/>
               </a:ext>
             </a:extLst>
           </p:cNvPr>
@@ -6310,7 +6322,7 @@
           <p:cNvPr id="2" name="タイトル 1">
             <a:extLst>
               <a:ext uri="{FF2B5EF4-FFF2-40B4-BE49-F238E27FC236}">
-                <a16:creationId xmlns="" xmlns:a16="http://schemas.microsoft.com/office/drawing/2014/main" id="{9D35B7F5-C616-2546-AAE3-A4C37ADA891C}"/>
+                <a16:creationId xmlns:a16="http://schemas.microsoft.com/office/drawing/2014/main" xmlns="" id="{9D35B7F5-C616-2546-AAE3-A4C37ADA891C}"/>
               </a:ext>
             </a:extLst>
           </p:cNvPr>
@@ -6338,7 +6350,7 @@
           <p:cNvPr id="3" name="コンテンツ プレースホルダー 2">
             <a:extLst>
               <a:ext uri="{FF2B5EF4-FFF2-40B4-BE49-F238E27FC236}">
-                <a16:creationId xmlns="" xmlns:a16="http://schemas.microsoft.com/office/drawing/2014/main" id="{F5CDCC94-1BC0-9F45-BD6E-AEA44C88CDA1}"/>
+                <a16:creationId xmlns:a16="http://schemas.microsoft.com/office/drawing/2014/main" xmlns="" id="{F5CDCC94-1BC0-9F45-BD6E-AEA44C88CDA1}"/>
               </a:ext>
             </a:extLst>
           </p:cNvPr>
@@ -6537,11 +6549,7 @@
             </a:r>
             <a:r>
               <a:rPr kumimoji="1" lang="ja-JP" altLang="en-US" dirty="0" smtClean="0"/>
-              <a:t>フォーマット</a:t>
-            </a:r>
-            <a:r>
-              <a:rPr kumimoji="1" lang="ja-JP" altLang="en-US" dirty="0" smtClean="0"/>
-              <a:t>の指定が容易</a:t>
+              <a:t>フォーマットの指定が容易</a:t>
             </a:r>
             <a:endParaRPr kumimoji="1" lang="en-US" altLang="ja-JP" dirty="0" smtClean="0"/>
           </a:p>
@@ -6691,15 +6699,7 @@
             </a:r>
             <a:r>
               <a:rPr lang="ja-JP" altLang="en-US" dirty="0" smtClean="0"/>
-              <a:t>図上の地域</a:t>
-            </a:r>
-            <a:r>
-              <a:rPr lang="ja-JP" altLang="en-US" dirty="0" smtClean="0"/>
-              <a:t>を階級に</a:t>
-            </a:r>
-            <a:r>
-              <a:rPr lang="ja-JP" altLang="en-US" dirty="0" smtClean="0"/>
-              <a:t>よって色分けした地図</a:t>
+              <a:t>図上の地域を階級によって色分けした地図</a:t>
             </a:r>
             <a:endParaRPr lang="en-US" altLang="ja-JP" dirty="0"/>
           </a:p>
@@ -6866,11 +6866,7 @@
             </a:r>
             <a:r>
               <a:rPr kumimoji="1" lang="ja-JP" altLang="en-US" dirty="0" smtClean="0"/>
-              <a:t>グラフ</a:t>
-            </a:r>
-            <a:r>
-              <a:rPr kumimoji="1" lang="ja-JP" altLang="en-US" dirty="0" smtClean="0"/>
-              <a:t>描画　ライブラリ</a:t>
+              <a:t>グラフ描画　ライブラリ</a:t>
             </a:r>
             <a:endParaRPr kumimoji="1" lang="en-US" altLang="ja-JP" dirty="0" smtClean="0"/>
           </a:p>
@@ -6892,11 +6888,7 @@
             </a:r>
             <a:r>
               <a:rPr lang="ja-JP" altLang="en-US" dirty="0" smtClean="0"/>
-              <a:t>次元のプロット</a:t>
-            </a:r>
-            <a:r>
-              <a:rPr lang="ja-JP" altLang="en-US" dirty="0" smtClean="0"/>
-              <a:t>をサポート</a:t>
+              <a:t>次元のプロットをサポート</a:t>
             </a:r>
             <a:endParaRPr lang="en-US" altLang="ja-JP" dirty="0" smtClean="0"/>
           </a:p>

--- a/統計データの可視化.pptx
+++ b/統計データの可視化.pptx
@@ -1199,6 +1199,94 @@
 </file>
 
 <file path=ppt/notesSlides/notesSlide8.xml><?xml version="1.0" encoding="utf-8"?>
+<p:notes xmlns:a="http://schemas.openxmlformats.org/drawingml/2006/main" xmlns:r="http://schemas.openxmlformats.org/officeDocument/2006/relationships" xmlns:p="http://schemas.openxmlformats.org/presentationml/2006/main">
+  <p:cSld>
+    <p:spTree>
+      <p:nvGrpSpPr>
+        <p:cNvPr id="1" name=""/>
+        <p:cNvGrpSpPr/>
+        <p:nvPr/>
+      </p:nvGrpSpPr>
+      <p:grpSpPr>
+        <a:xfrm>
+          <a:off x="0" y="0"/>
+          <a:ext cx="0" cy="0"/>
+          <a:chOff x="0" y="0"/>
+          <a:chExt cx="0" cy="0"/>
+        </a:xfrm>
+      </p:grpSpPr>
+      <p:sp>
+        <p:nvSpPr>
+          <p:cNvPr id="2" name="スライド イメージ プレースホルダー 1"/>
+          <p:cNvSpPr>
+            <a:spLocks noGrp="1" noRot="1" noChangeAspect="1"/>
+          </p:cNvSpPr>
+          <p:nvPr>
+            <p:ph type="sldImg"/>
+          </p:nvPr>
+        </p:nvSpPr>
+        <p:spPr/>
+      </p:sp>
+      <p:sp>
+        <p:nvSpPr>
+          <p:cNvPr id="3" name="ノート プレースホルダー 2"/>
+          <p:cNvSpPr>
+            <a:spLocks noGrp="1"/>
+          </p:cNvSpPr>
+          <p:nvPr>
+            <p:ph type="body" idx="1"/>
+          </p:nvPr>
+        </p:nvSpPr>
+        <p:spPr/>
+        <p:txBody>
+          <a:bodyPr/>
+          <a:lstStyle/>
+          <a:p>
+            <a:r>
+              <a:rPr kumimoji="1" lang="ja-JP" altLang="en-US" dirty="0" smtClean="0"/>
+              <a:t>実際にデータを使って描画したグラフを見ていきます</a:t>
+            </a:r>
+            <a:endParaRPr kumimoji="1" lang="ja-JP" altLang="en-US" dirty="0"/>
+          </a:p>
+        </p:txBody>
+      </p:sp>
+      <p:sp>
+        <p:nvSpPr>
+          <p:cNvPr id="4" name="スライド番号プレースホルダー 3"/>
+          <p:cNvSpPr>
+            <a:spLocks noGrp="1"/>
+          </p:cNvSpPr>
+          <p:nvPr>
+            <p:ph type="sldNum" sz="quarter" idx="10"/>
+          </p:nvPr>
+        </p:nvSpPr>
+        <p:spPr/>
+        <p:txBody>
+          <a:bodyPr/>
+          <a:lstStyle/>
+          <a:p>
+            <a:fld id="{B05A5F5C-BC8F-42F1-805F-F119BAB24EC1}" type="slidenum">
+              <a:rPr kumimoji="1" lang="ja-JP" altLang="en-US" smtClean="0"/>
+              <a:t>12</a:t>
+            </a:fld>
+            <a:endParaRPr kumimoji="1" lang="ja-JP" altLang="en-US"/>
+          </a:p>
+        </p:txBody>
+      </p:sp>
+    </p:spTree>
+    <p:extLst>
+      <p:ext uri="{BB962C8B-B14F-4D97-AF65-F5344CB8AC3E}">
+        <p14:creationId xmlns:p14="http://schemas.microsoft.com/office/powerpoint/2010/main" val="2580923235"/>
+      </p:ext>
+    </p:extLst>
+  </p:cSld>
+  <p:clrMapOvr>
+    <a:masterClrMapping/>
+  </p:clrMapOvr>
+</p:notes>
+</file>
+
+<file path=ppt/notesSlides/notesSlide9.xml><?xml version="1.0" encoding="utf-8"?>
 <p:notes xmlns:a="http://schemas.openxmlformats.org/drawingml/2006/main" xmlns:r="http://schemas.openxmlformats.org/officeDocument/2006/relationships" xmlns:p="http://schemas.openxmlformats.org/presentationml/2006/main">
   <p:cSld>
     <p:spTree>
@@ -5411,7 +5499,7 @@
           <a:p>
             <a:r>
               <a:rPr kumimoji="1" lang="ja-JP" altLang="en-US" dirty="0" smtClean="0"/>
-              <a:t>具体例の紹介</a:t>
+              <a:t>具体例</a:t>
             </a:r>
             <a:endParaRPr kumimoji="1" lang="ja-JP" altLang="en-US" dirty="0"/>
           </a:p>
@@ -5746,18 +5834,19 @@
           <a:bodyPr/>
           <a:lstStyle/>
           <a:p>
-            <a:endParaRPr lang="en-US" altLang="ja-JP" dirty="0"/>
-          </a:p>
-          <a:p>
             <a:pPr marL="0" indent="0">
               <a:buNone/>
             </a:pPr>
-            <a:endParaRPr kumimoji="1" lang="en-US" altLang="ja-JP" dirty="0"/>
-          </a:p>
-          <a:p>
+            <a:endParaRPr lang="en-US" altLang="ja-JP" dirty="0" smtClean="0"/>
+          </a:p>
+          <a:p>
+            <a:r>
+              <a:rPr lang="ja-JP" altLang="en-US" dirty="0" smtClean="0"/>
+              <a:t>地域</a:t>
+            </a:r>
             <a:r>
               <a:rPr lang="ja-JP" altLang="en-US" dirty="0"/>
-              <a:t>地域特性が見やすい</a:t>
+              <a:t>特性が見やすい</a:t>
             </a:r>
             <a:endParaRPr lang="en-US" altLang="ja-JP" dirty="0"/>
           </a:p>

--- a/統計データの可視化.pptx
+++ b/統計データの可視化.pptx
@@ -5,8 +5,11 @@
     <p:sldMasterId id="2147483648" r:id="rId1"/>
   </p:sldMasterIdLst>
   <p:notesMasterIdLst>
-    <p:notesMasterId r:id="rId17"/>
+    <p:notesMasterId r:id="rId29"/>
   </p:notesMasterIdLst>
+  <p:handoutMasterIdLst>
+    <p:handoutMasterId r:id="rId30"/>
+  </p:handoutMasterIdLst>
   <p:sldIdLst>
     <p:sldId id="256" r:id="rId2"/>
     <p:sldId id="261" r:id="rId3"/>
@@ -20,12 +23,24 @@
     <p:sldId id="277" r:id="rId11"/>
     <p:sldId id="270" r:id="rId12"/>
     <p:sldId id="279" r:id="rId13"/>
-    <p:sldId id="276" r:id="rId14"/>
-    <p:sldId id="267" r:id="rId15"/>
-    <p:sldId id="264" r:id="rId16"/>
+    <p:sldId id="280" r:id="rId14"/>
+    <p:sldId id="281" r:id="rId15"/>
+    <p:sldId id="282" r:id="rId16"/>
+    <p:sldId id="283" r:id="rId17"/>
+    <p:sldId id="284" r:id="rId18"/>
+    <p:sldId id="285" r:id="rId19"/>
+    <p:sldId id="286" r:id="rId20"/>
+    <p:sldId id="287" r:id="rId21"/>
+    <p:sldId id="288" r:id="rId22"/>
+    <p:sldId id="289" r:id="rId23"/>
+    <p:sldId id="290" r:id="rId24"/>
+    <p:sldId id="291" r:id="rId25"/>
+    <p:sldId id="276" r:id="rId26"/>
+    <p:sldId id="267" r:id="rId27"/>
+    <p:sldId id="264" r:id="rId28"/>
   </p:sldIdLst>
   <p:sldSz cx="12192000" cy="6858000"/>
-  <p:notesSz cx="6858000" cy="9144000"/>
+  <p:notesSz cx="7104063" cy="10234613"/>
   <p:defaultTextStyle>
     <a:defPPr>
       <a:defRPr lang="ja-JP"/>
@@ -129,6 +144,171 @@
 </p:presentation>
 </file>
 
+<file path=ppt/handoutMasters/handoutMaster1.xml><?xml version="1.0" encoding="utf-8"?>
+<p:handoutMaster xmlns:a="http://schemas.openxmlformats.org/drawingml/2006/main" xmlns:r="http://schemas.openxmlformats.org/officeDocument/2006/relationships" xmlns:p="http://schemas.openxmlformats.org/presentationml/2006/main">
+  <p:cSld>
+    <p:bg>
+      <p:bgRef idx="1001">
+        <a:schemeClr val="bg1"/>
+      </p:bgRef>
+    </p:bg>
+    <p:spTree>
+      <p:nvGrpSpPr>
+        <p:cNvPr id="1" name=""/>
+        <p:cNvGrpSpPr/>
+        <p:nvPr/>
+      </p:nvGrpSpPr>
+      <p:grpSpPr>
+        <a:xfrm>
+          <a:off x="0" y="0"/>
+          <a:ext cx="0" cy="0"/>
+          <a:chOff x="0" y="0"/>
+          <a:chExt cx="0" cy="0"/>
+        </a:xfrm>
+      </p:grpSpPr>
+      <p:sp>
+        <p:nvSpPr>
+          <p:cNvPr id="2" name="ヘッダー プレースホルダー 1"/>
+          <p:cNvSpPr>
+            <a:spLocks noGrp="1"/>
+          </p:cNvSpPr>
+          <p:nvPr>
+            <p:ph type="hdr" sz="quarter"/>
+          </p:nvPr>
+        </p:nvSpPr>
+        <p:spPr>
+          <a:xfrm>
+            <a:off x="0" y="0"/>
+            <a:ext cx="3078163" cy="512763"/>
+          </a:xfrm>
+          <a:prstGeom prst="rect">
+            <a:avLst/>
+          </a:prstGeom>
+        </p:spPr>
+        <p:txBody>
+          <a:bodyPr vert="horz" lIns="91440" tIns="45720" rIns="91440" bIns="45720" rtlCol="0"/>
+          <a:lstStyle>
+            <a:lvl1pPr algn="l">
+              <a:defRPr sz="1200"/>
+            </a:lvl1pPr>
+          </a:lstStyle>
+          <a:p>
+            <a:endParaRPr kumimoji="1" lang="ja-JP" altLang="en-US"/>
+          </a:p>
+        </p:txBody>
+      </p:sp>
+      <p:sp>
+        <p:nvSpPr>
+          <p:cNvPr id="3" name="日付プレースホルダー 2"/>
+          <p:cNvSpPr>
+            <a:spLocks noGrp="1"/>
+          </p:cNvSpPr>
+          <p:nvPr>
+            <p:ph type="dt" sz="quarter" idx="1"/>
+          </p:nvPr>
+        </p:nvSpPr>
+        <p:spPr>
+          <a:xfrm>
+            <a:off x="4024313" y="0"/>
+            <a:ext cx="3078162" cy="512763"/>
+          </a:xfrm>
+          <a:prstGeom prst="rect">
+            <a:avLst/>
+          </a:prstGeom>
+        </p:spPr>
+        <p:txBody>
+          <a:bodyPr vert="horz" lIns="91440" tIns="45720" rIns="91440" bIns="45720" rtlCol="0"/>
+          <a:lstStyle>
+            <a:lvl1pPr algn="r">
+              <a:defRPr sz="1200"/>
+            </a:lvl1pPr>
+          </a:lstStyle>
+          <a:p>
+            <a:fld id="{239317F3-D45B-4FA4-8805-262E55DB2444}" type="datetimeFigureOut">
+              <a:rPr kumimoji="1" lang="ja-JP" altLang="en-US" smtClean="0"/>
+              <a:t>2019/11/5</a:t>
+            </a:fld>
+            <a:endParaRPr kumimoji="1" lang="ja-JP" altLang="en-US"/>
+          </a:p>
+        </p:txBody>
+      </p:sp>
+      <p:sp>
+        <p:nvSpPr>
+          <p:cNvPr id="4" name="フッター プレースホルダー 3"/>
+          <p:cNvSpPr>
+            <a:spLocks noGrp="1"/>
+          </p:cNvSpPr>
+          <p:nvPr>
+            <p:ph type="ftr" sz="quarter" idx="2"/>
+          </p:nvPr>
+        </p:nvSpPr>
+        <p:spPr>
+          <a:xfrm>
+            <a:off x="0" y="9721850"/>
+            <a:ext cx="3078163" cy="512763"/>
+          </a:xfrm>
+          <a:prstGeom prst="rect">
+            <a:avLst/>
+          </a:prstGeom>
+        </p:spPr>
+        <p:txBody>
+          <a:bodyPr vert="horz" lIns="91440" tIns="45720" rIns="91440" bIns="45720" rtlCol="0" anchor="b"/>
+          <a:lstStyle>
+            <a:lvl1pPr algn="l">
+              <a:defRPr sz="1200"/>
+            </a:lvl1pPr>
+          </a:lstStyle>
+          <a:p>
+            <a:endParaRPr kumimoji="1" lang="ja-JP" altLang="en-US"/>
+          </a:p>
+        </p:txBody>
+      </p:sp>
+      <p:sp>
+        <p:nvSpPr>
+          <p:cNvPr id="5" name="スライド番号プレースホルダー 4"/>
+          <p:cNvSpPr>
+            <a:spLocks noGrp="1"/>
+          </p:cNvSpPr>
+          <p:nvPr>
+            <p:ph type="sldNum" sz="quarter" idx="3"/>
+          </p:nvPr>
+        </p:nvSpPr>
+        <p:spPr>
+          <a:xfrm>
+            <a:off x="4024313" y="9721850"/>
+            <a:ext cx="3078162" cy="512763"/>
+          </a:xfrm>
+          <a:prstGeom prst="rect">
+            <a:avLst/>
+          </a:prstGeom>
+        </p:spPr>
+        <p:txBody>
+          <a:bodyPr vert="horz" lIns="91440" tIns="45720" rIns="91440" bIns="45720" rtlCol="0" anchor="b"/>
+          <a:lstStyle>
+            <a:lvl1pPr algn="r">
+              <a:defRPr sz="1200"/>
+            </a:lvl1pPr>
+          </a:lstStyle>
+          <a:p>
+            <a:fld id="{273E98D5-381F-4882-B4C3-4CD57B3EFA32}" type="slidenum">
+              <a:rPr kumimoji="1" lang="ja-JP" altLang="en-US" smtClean="0"/>
+              <a:t>‹#›</a:t>
+            </a:fld>
+            <a:endParaRPr kumimoji="1" lang="ja-JP" altLang="en-US"/>
+          </a:p>
+        </p:txBody>
+      </p:sp>
+    </p:spTree>
+    <p:extLst>
+      <p:ext uri="{BB962C8B-B14F-4D97-AF65-F5344CB8AC3E}">
+        <p14:creationId xmlns:p14="http://schemas.microsoft.com/office/powerpoint/2010/main" val="2422705202"/>
+      </p:ext>
+    </p:extLst>
+  </p:cSld>
+  <p:clrMap bg1="lt1" tx1="dk1" bg2="lt2" tx2="dk2" accent1="accent1" accent2="accent2" accent3="accent3" accent4="accent4" accent5="accent5" accent6="accent6" hlink="hlink" folHlink="folHlink"/>
+</p:handoutMaster>
+</file>
+
 <file path=ppt/notesMasters/notesMaster1.xml><?xml version="1.0" encoding="utf-8"?>
 <p:notesMaster xmlns:a="http://schemas.openxmlformats.org/drawingml/2006/main" xmlns:r="http://schemas.openxmlformats.org/officeDocument/2006/relationships" xmlns:p="http://schemas.openxmlformats.org/presentationml/2006/main">
   <p:cSld>
@@ -164,17 +344,17 @@
         <p:spPr>
           <a:xfrm>
             <a:off x="0" y="0"/>
-            <a:ext cx="2971800" cy="458788"/>
+            <a:ext cx="3078427" cy="513508"/>
           </a:xfrm>
           <a:prstGeom prst="rect">
             <a:avLst/>
           </a:prstGeom>
         </p:spPr>
         <p:txBody>
-          <a:bodyPr vert="horz" lIns="91440" tIns="45720" rIns="91440" bIns="45720" rtlCol="0"/>
+          <a:bodyPr vert="horz" lIns="99075" tIns="49538" rIns="99075" bIns="49538" rtlCol="0"/>
           <a:lstStyle>
             <a:lvl1pPr algn="l">
-              <a:defRPr sz="1200"/>
+              <a:defRPr sz="1300"/>
             </a:lvl1pPr>
           </a:lstStyle>
           <a:p>
@@ -194,18 +374,18 @@
         </p:nvSpPr>
         <p:spPr>
           <a:xfrm>
-            <a:off x="3884613" y="0"/>
-            <a:ext cx="2971800" cy="458788"/>
+            <a:off x="4023992" y="0"/>
+            <a:ext cx="3078427" cy="513508"/>
           </a:xfrm>
           <a:prstGeom prst="rect">
             <a:avLst/>
           </a:prstGeom>
         </p:spPr>
         <p:txBody>
-          <a:bodyPr vert="horz" lIns="91440" tIns="45720" rIns="91440" bIns="45720" rtlCol="0"/>
+          <a:bodyPr vert="horz" lIns="99075" tIns="49538" rIns="99075" bIns="49538" rtlCol="0"/>
           <a:lstStyle>
             <a:lvl1pPr algn="r">
-              <a:defRPr sz="1200"/>
+              <a:defRPr sz="1300"/>
             </a:lvl1pPr>
           </a:lstStyle>
           <a:p>
@@ -229,8 +409,8 @@
         </p:nvSpPr>
         <p:spPr>
           <a:xfrm>
-            <a:off x="685800" y="1143000"/>
-            <a:ext cx="5486400" cy="3086100"/>
+            <a:off x="482600" y="1279525"/>
+            <a:ext cx="6140450" cy="3454400"/>
           </a:xfrm>
           <a:prstGeom prst="rect">
             <a:avLst/>
@@ -243,7 +423,7 @@
           </a:ln>
         </p:spPr>
         <p:txBody>
-          <a:bodyPr vert="horz" lIns="91440" tIns="45720" rIns="91440" bIns="45720" rtlCol="0" anchor="ctr"/>
+          <a:bodyPr vert="horz" lIns="99075" tIns="49538" rIns="99075" bIns="49538" rtlCol="0" anchor="ctr"/>
           <a:lstStyle/>
           <a:p>
             <a:endParaRPr lang="ja-JP" altLang="en-US"/>
@@ -262,15 +442,15 @@
         </p:nvSpPr>
         <p:spPr>
           <a:xfrm>
-            <a:off x="685800" y="4400550"/>
-            <a:ext cx="5486400" cy="3600450"/>
+            <a:off x="710407" y="4925407"/>
+            <a:ext cx="5683250" cy="4029879"/>
           </a:xfrm>
           <a:prstGeom prst="rect">
             <a:avLst/>
           </a:prstGeom>
         </p:spPr>
         <p:txBody>
-          <a:bodyPr vert="horz" lIns="91440" tIns="45720" rIns="91440" bIns="45720" rtlCol="0"/>
+          <a:bodyPr vert="horz" lIns="99075" tIns="49538" rIns="99075" bIns="49538" rtlCol="0"/>
           <a:lstStyle/>
           <a:p>
             <a:pPr lvl="0"/>
@@ -353,18 +533,18 @@
         </p:nvSpPr>
         <p:spPr>
           <a:xfrm>
-            <a:off x="0" y="8685213"/>
-            <a:ext cx="2971800" cy="458787"/>
+            <a:off x="0" y="9721107"/>
+            <a:ext cx="3078427" cy="513507"/>
           </a:xfrm>
           <a:prstGeom prst="rect">
             <a:avLst/>
           </a:prstGeom>
         </p:spPr>
         <p:txBody>
-          <a:bodyPr vert="horz" lIns="91440" tIns="45720" rIns="91440" bIns="45720" rtlCol="0" anchor="b"/>
+          <a:bodyPr vert="horz" lIns="99075" tIns="49538" rIns="99075" bIns="49538" rtlCol="0" anchor="b"/>
           <a:lstStyle>
             <a:lvl1pPr algn="l">
-              <a:defRPr sz="1200"/>
+              <a:defRPr sz="1300"/>
             </a:lvl1pPr>
           </a:lstStyle>
           <a:p>
@@ -384,18 +564,18 @@
         </p:nvSpPr>
         <p:spPr>
           <a:xfrm>
-            <a:off x="3884613" y="8685213"/>
-            <a:ext cx="2971800" cy="458787"/>
+            <a:off x="4023992" y="9721107"/>
+            <a:ext cx="3078427" cy="513507"/>
           </a:xfrm>
           <a:prstGeom prst="rect">
             <a:avLst/>
           </a:prstGeom>
         </p:spPr>
         <p:txBody>
-          <a:bodyPr vert="horz" lIns="91440" tIns="45720" rIns="91440" bIns="45720" rtlCol="0" anchor="b"/>
+          <a:bodyPr vert="horz" lIns="99075" tIns="49538" rIns="99075" bIns="49538" rtlCol="0" anchor="b"/>
           <a:lstStyle>
             <a:lvl1pPr algn="r">
-              <a:defRPr sz="1200"/>
+              <a:defRPr sz="1300"/>
             </a:lvl1pPr>
           </a:lstStyle>
           <a:p>
@@ -598,6 +778,264 @@
 </p:notes>
 </file>
 
+<file path=ppt/notesSlides/notesSlide10.xml><?xml version="1.0" encoding="utf-8"?>
+<p:notes xmlns:a="http://schemas.openxmlformats.org/drawingml/2006/main" xmlns:r="http://schemas.openxmlformats.org/officeDocument/2006/relationships" xmlns:p="http://schemas.openxmlformats.org/presentationml/2006/main">
+  <p:cSld>
+    <p:spTree>
+      <p:nvGrpSpPr>
+        <p:cNvPr id="1" name=""/>
+        <p:cNvGrpSpPr/>
+        <p:nvPr/>
+      </p:nvGrpSpPr>
+      <p:grpSpPr>
+        <a:xfrm>
+          <a:off x="0" y="0"/>
+          <a:ext cx="0" cy="0"/>
+          <a:chOff x="0" y="0"/>
+          <a:chExt cx="0" cy="0"/>
+        </a:xfrm>
+      </p:grpSpPr>
+      <p:sp>
+        <p:nvSpPr>
+          <p:cNvPr id="2" name="スライド イメージ プレースホルダー 1"/>
+          <p:cNvSpPr>
+            <a:spLocks noGrp="1" noRot="1" noChangeAspect="1"/>
+          </p:cNvSpPr>
+          <p:nvPr>
+            <p:ph type="sldImg"/>
+          </p:nvPr>
+        </p:nvSpPr>
+        <p:spPr/>
+      </p:sp>
+      <p:sp>
+        <p:nvSpPr>
+          <p:cNvPr id="3" name="ノート プレースホルダー 2"/>
+          <p:cNvSpPr>
+            <a:spLocks noGrp="1"/>
+          </p:cNvSpPr>
+          <p:nvPr>
+            <p:ph type="body" idx="1"/>
+          </p:nvPr>
+        </p:nvSpPr>
+        <p:spPr/>
+        <p:txBody>
+          <a:bodyPr/>
+          <a:lstStyle/>
+          <a:p>
+            <a:r>
+              <a:rPr kumimoji="1" lang="en-US" altLang="ja-JP" dirty="0" smtClean="0"/>
+              <a:t>2015</a:t>
+            </a:r>
+          </a:p>
+          <a:p>
+            <a:endParaRPr kumimoji="1" lang="ja-JP" altLang="en-US" dirty="0"/>
+          </a:p>
+        </p:txBody>
+      </p:sp>
+      <p:sp>
+        <p:nvSpPr>
+          <p:cNvPr id="4" name="スライド番号プレースホルダー 3"/>
+          <p:cNvSpPr>
+            <a:spLocks noGrp="1"/>
+          </p:cNvSpPr>
+          <p:nvPr>
+            <p:ph type="sldNum" sz="quarter" idx="10"/>
+          </p:nvPr>
+        </p:nvSpPr>
+        <p:spPr/>
+        <p:txBody>
+          <a:bodyPr/>
+          <a:lstStyle/>
+          <a:p>
+            <a:fld id="{B680F6D6-D21C-A54D-92DD-980E7FE5B593}" type="slidenum">
+              <a:rPr kumimoji="1" lang="ja-JP" altLang="en-US" smtClean="0"/>
+              <a:t>14</a:t>
+            </a:fld>
+            <a:endParaRPr kumimoji="1" lang="ja-JP" altLang="en-US"/>
+          </a:p>
+        </p:txBody>
+      </p:sp>
+    </p:spTree>
+    <p:extLst>
+      <p:ext uri="{BB962C8B-B14F-4D97-AF65-F5344CB8AC3E}">
+        <p14:creationId xmlns:p14="http://schemas.microsoft.com/office/powerpoint/2010/main" val="1999361511"/>
+      </p:ext>
+    </p:extLst>
+  </p:cSld>
+  <p:clrMapOvr>
+    <a:masterClrMapping/>
+  </p:clrMapOvr>
+</p:notes>
+</file>
+
+<file path=ppt/notesSlides/notesSlide11.xml><?xml version="1.0" encoding="utf-8"?>
+<p:notes xmlns:a="http://schemas.openxmlformats.org/drawingml/2006/main" xmlns:r="http://schemas.openxmlformats.org/officeDocument/2006/relationships" xmlns:p="http://schemas.openxmlformats.org/presentationml/2006/main">
+  <p:cSld>
+    <p:spTree>
+      <p:nvGrpSpPr>
+        <p:cNvPr id="1" name=""/>
+        <p:cNvGrpSpPr/>
+        <p:nvPr/>
+      </p:nvGrpSpPr>
+      <p:grpSpPr>
+        <a:xfrm>
+          <a:off x="0" y="0"/>
+          <a:ext cx="0" cy="0"/>
+          <a:chOff x="0" y="0"/>
+          <a:chExt cx="0" cy="0"/>
+        </a:xfrm>
+      </p:grpSpPr>
+      <p:sp>
+        <p:nvSpPr>
+          <p:cNvPr id="2" name="スライド イメージ プレースホルダー 1"/>
+          <p:cNvSpPr>
+            <a:spLocks noGrp="1" noRot="1" noChangeAspect="1"/>
+          </p:cNvSpPr>
+          <p:nvPr>
+            <p:ph type="sldImg"/>
+          </p:nvPr>
+        </p:nvSpPr>
+        <p:spPr/>
+      </p:sp>
+      <p:sp>
+        <p:nvSpPr>
+          <p:cNvPr id="3" name="ノート プレースホルダー 2"/>
+          <p:cNvSpPr>
+            <a:spLocks noGrp="1"/>
+          </p:cNvSpPr>
+          <p:nvPr>
+            <p:ph type="body" idx="1"/>
+          </p:nvPr>
+        </p:nvSpPr>
+        <p:spPr/>
+        <p:txBody>
+          <a:bodyPr/>
+          <a:lstStyle/>
+          <a:p>
+            <a:endParaRPr kumimoji="1" lang="ja-JP" altLang="en-US" dirty="0"/>
+          </a:p>
+        </p:txBody>
+      </p:sp>
+      <p:sp>
+        <p:nvSpPr>
+          <p:cNvPr id="4" name="スライド番号プレースホルダー 3"/>
+          <p:cNvSpPr>
+            <a:spLocks noGrp="1"/>
+          </p:cNvSpPr>
+          <p:nvPr>
+            <p:ph type="sldNum" sz="quarter" idx="10"/>
+          </p:nvPr>
+        </p:nvSpPr>
+        <p:spPr/>
+        <p:txBody>
+          <a:bodyPr/>
+          <a:lstStyle/>
+          <a:p>
+            <a:fld id="{B680F6D6-D21C-A54D-92DD-980E7FE5B593}" type="slidenum">
+              <a:rPr kumimoji="1" lang="ja-JP" altLang="en-US" smtClean="0"/>
+              <a:t>17</a:t>
+            </a:fld>
+            <a:endParaRPr kumimoji="1" lang="ja-JP" altLang="en-US"/>
+          </a:p>
+        </p:txBody>
+      </p:sp>
+    </p:spTree>
+    <p:extLst>
+      <p:ext uri="{BB962C8B-B14F-4D97-AF65-F5344CB8AC3E}">
+        <p14:creationId xmlns:p14="http://schemas.microsoft.com/office/powerpoint/2010/main" val="3339864066"/>
+      </p:ext>
+    </p:extLst>
+  </p:cSld>
+  <p:clrMapOvr>
+    <a:masterClrMapping/>
+  </p:clrMapOvr>
+</p:notes>
+</file>
+
+<file path=ppt/notesSlides/notesSlide12.xml><?xml version="1.0" encoding="utf-8"?>
+<p:notes xmlns:a="http://schemas.openxmlformats.org/drawingml/2006/main" xmlns:r="http://schemas.openxmlformats.org/officeDocument/2006/relationships" xmlns:p="http://schemas.openxmlformats.org/presentationml/2006/main">
+  <p:cSld>
+    <p:spTree>
+      <p:nvGrpSpPr>
+        <p:cNvPr id="1" name=""/>
+        <p:cNvGrpSpPr/>
+        <p:nvPr/>
+      </p:nvGrpSpPr>
+      <p:grpSpPr>
+        <a:xfrm>
+          <a:off x="0" y="0"/>
+          <a:ext cx="0" cy="0"/>
+          <a:chOff x="0" y="0"/>
+          <a:chExt cx="0" cy="0"/>
+        </a:xfrm>
+      </p:grpSpPr>
+      <p:sp>
+        <p:nvSpPr>
+          <p:cNvPr id="2" name="スライド イメージ プレースホルダー 1"/>
+          <p:cNvSpPr>
+            <a:spLocks noGrp="1" noRot="1" noChangeAspect="1"/>
+          </p:cNvSpPr>
+          <p:nvPr>
+            <p:ph type="sldImg"/>
+          </p:nvPr>
+        </p:nvSpPr>
+        <p:spPr/>
+      </p:sp>
+      <p:sp>
+        <p:nvSpPr>
+          <p:cNvPr id="3" name="ノート プレースホルダー 2"/>
+          <p:cNvSpPr>
+            <a:spLocks noGrp="1"/>
+          </p:cNvSpPr>
+          <p:nvPr>
+            <p:ph type="body" idx="1"/>
+          </p:nvPr>
+        </p:nvSpPr>
+        <p:spPr/>
+        <p:txBody>
+          <a:bodyPr/>
+          <a:lstStyle/>
+          <a:p>
+            <a:endParaRPr kumimoji="1" lang="ja-JP" altLang="en-US"/>
+          </a:p>
+        </p:txBody>
+      </p:sp>
+      <p:sp>
+        <p:nvSpPr>
+          <p:cNvPr id="4" name="スライド番号プレースホルダー 3"/>
+          <p:cNvSpPr>
+            <a:spLocks noGrp="1"/>
+          </p:cNvSpPr>
+          <p:nvPr>
+            <p:ph type="sldNum" sz="quarter" idx="5"/>
+          </p:nvPr>
+        </p:nvSpPr>
+        <p:spPr/>
+        <p:txBody>
+          <a:bodyPr/>
+          <a:lstStyle/>
+          <a:p>
+            <a:fld id="{B05A5F5C-BC8F-42F1-805F-F119BAB24EC1}" type="slidenum">
+              <a:rPr kumimoji="1" lang="ja-JP" altLang="en-US" smtClean="0"/>
+              <a:t>26</a:t>
+            </a:fld>
+            <a:endParaRPr kumimoji="1" lang="ja-JP" altLang="en-US"/>
+          </a:p>
+        </p:txBody>
+      </p:sp>
+    </p:spTree>
+    <p:extLst>
+      <p:ext uri="{BB962C8B-B14F-4D97-AF65-F5344CB8AC3E}">
+        <p14:creationId xmlns:p14="http://schemas.microsoft.com/office/powerpoint/2010/main" val="162175"/>
+      </p:ext>
+    </p:extLst>
+  </p:cSld>
+  <p:clrMapOvr>
+    <a:masterClrMapping/>
+  </p:clrMapOvr>
+</p:notes>
+</file>
+
 <file path=ppt/notesSlides/notesSlide2.xml><?xml version="1.0" encoding="utf-8"?>
 <p:notes xmlns:a="http://schemas.openxmlformats.org/drawingml/2006/main" xmlns:r="http://schemas.openxmlformats.org/officeDocument/2006/relationships" xmlns:p="http://schemas.openxmlformats.org/presentationml/2006/main">
   <p:cSld>
@@ -1330,7 +1768,75 @@
           <a:bodyPr/>
           <a:lstStyle/>
           <a:p>
-            <a:endParaRPr kumimoji="1" lang="ja-JP" altLang="en-US"/>
+            <a:r>
+              <a:rPr kumimoji="1" lang="ja-JP" altLang="en-US" dirty="0" smtClean="0"/>
+              <a:t>具体例</a:t>
+            </a:r>
+            <a:r>
+              <a:rPr kumimoji="1" lang="en-US" altLang="ja-JP" dirty="0" smtClean="0"/>
+              <a:t>)</a:t>
+            </a:r>
+            <a:r>
+              <a:rPr kumimoji="1" lang="ja-JP" altLang="en-US" dirty="0" smtClean="0"/>
+              <a:t> </a:t>
+            </a:r>
+            <a:r>
+              <a:rPr kumimoji="1" lang="en-US" altLang="ja-JP" dirty="0" err="1" smtClean="0"/>
+              <a:t>geochart</a:t>
+            </a:r>
+            <a:r>
+              <a:rPr kumimoji="1" lang="ja-JP" altLang="en-US" dirty="0" smtClean="0"/>
+              <a:t>の例から</a:t>
+            </a:r>
+            <a:r>
+              <a:rPr kumimoji="1" lang="en-US" altLang="ja-JP" dirty="0" smtClean="0"/>
+              <a:t>2017 2016/2</a:t>
+            </a:r>
+          </a:p>
+          <a:p>
+            <a:r>
+              <a:rPr kumimoji="1" lang="ja-JP" altLang="en-US" dirty="0" smtClean="0"/>
+              <a:t>色が濃い地域が死者の多い地域、薄い少ない</a:t>
+            </a:r>
+            <a:endParaRPr kumimoji="1" lang="en-US" altLang="ja-JP" dirty="0" smtClean="0"/>
+          </a:p>
+          <a:p>
+            <a:r>
+              <a:rPr kumimoji="1" lang="ja-JP" altLang="en-US" dirty="0" smtClean="0"/>
+              <a:t>どこが色の濃い地域</a:t>
+            </a:r>
+            <a:r>
+              <a:rPr kumimoji="1" lang="en-US" altLang="ja-JP" dirty="0" smtClean="0"/>
+              <a:t>(</a:t>
+            </a:r>
+            <a:r>
+              <a:rPr kumimoji="1" lang="ja-JP" altLang="en-US" dirty="0" smtClean="0"/>
+              <a:t>死者が多い地域</a:t>
+            </a:r>
+            <a:r>
+              <a:rPr kumimoji="1" lang="en-US" altLang="ja-JP" dirty="0" smtClean="0"/>
+              <a:t>)</a:t>
+            </a:r>
+            <a:r>
+              <a:rPr kumimoji="1" lang="ja-JP" altLang="en-US" dirty="0" smtClean="0"/>
+              <a:t>かはわかりやすい。</a:t>
+            </a:r>
+            <a:endParaRPr kumimoji="1" lang="en-US" altLang="ja-JP" dirty="0" smtClean="0"/>
+          </a:p>
+          <a:p>
+            <a:r>
+              <a:rPr kumimoji="1" lang="ja-JP" altLang="en-US" dirty="0" smtClean="0"/>
+              <a:t>色の濃い部分の</a:t>
+            </a:r>
+            <a:r>
+              <a:rPr kumimoji="1" lang="en-US" altLang="ja-JP" dirty="0" smtClean="0"/>
+              <a:t>3</a:t>
+            </a:r>
+            <a:r>
+              <a:rPr kumimoji="1" lang="ja-JP" altLang="en-US" dirty="0" smtClean="0"/>
+              <a:t>年間の変化はわかりにくい</a:t>
+            </a:r>
+            <a:endParaRPr kumimoji="1" lang="ja-JP" altLang="en-US" dirty="0"/>
           </a:p>
         </p:txBody>
       </p:sp>
@@ -1341,17 +1847,17 @@
             <a:spLocks noGrp="1"/>
           </p:cNvSpPr>
           <p:nvPr>
-            <p:ph type="sldNum" sz="quarter" idx="5"/>
-          </p:nvPr>
-        </p:nvSpPr>
-        <p:spPr/>
-        <p:txBody>
-          <a:bodyPr/>
-          <a:lstStyle/>
-          <a:p>
-            <a:fld id="{B05A5F5C-BC8F-42F1-805F-F119BAB24EC1}" type="slidenum">
+            <p:ph type="sldNum" sz="quarter" idx="10"/>
+          </p:nvPr>
+        </p:nvSpPr>
+        <p:spPr/>
+        <p:txBody>
+          <a:bodyPr/>
+          <a:lstStyle/>
+          <a:p>
+            <a:fld id="{B680F6D6-D21C-A54D-92DD-980E7FE5B593}" type="slidenum">
               <a:rPr kumimoji="1" lang="ja-JP" altLang="en-US" smtClean="0"/>
-              <a:t>14</a:t>
+              <a:t>13</a:t>
             </a:fld>
             <a:endParaRPr kumimoji="1" lang="ja-JP" altLang="en-US"/>
           </a:p>
@@ -1360,7 +1866,7 @@
     </p:spTree>
     <p:extLst>
       <p:ext uri="{BB962C8B-B14F-4D97-AF65-F5344CB8AC3E}">
-        <p14:creationId xmlns:p14="http://schemas.microsoft.com/office/powerpoint/2010/main" val="162175"/>
+        <p14:creationId xmlns:p14="http://schemas.microsoft.com/office/powerpoint/2010/main" val="2404738985"/>
       </p:ext>
     </p:extLst>
   </p:cSld>
@@ -5571,42 +6077,152 @@
             <p:ph type="title"/>
           </p:nvPr>
         </p:nvSpPr>
-        <p:spPr/>
-        <p:txBody>
-          <a:bodyPr/>
-          <a:lstStyle/>
-          <a:p>
+        <p:spPr>
+          <a:xfrm>
+            <a:off x="191086" y="0"/>
+            <a:ext cx="10515600" cy="1338996"/>
+          </a:xfrm>
+        </p:spPr>
+        <p:txBody>
+          <a:bodyPr/>
+          <a:lstStyle/>
+          <a:p>
+            <a:r>
+              <a:rPr kumimoji="1" lang="en-US" altLang="ja-JP" dirty="0" smtClean="0"/>
+              <a:t>3</a:t>
+            </a:r>
             <a:r>
               <a:rPr kumimoji="1" lang="ja-JP" altLang="en-US" dirty="0" smtClean="0"/>
-              <a:t>まとめ</a:t>
+              <a:t>年間のマラリアによる死亡数の推移</a:t>
             </a:r>
             <a:endParaRPr kumimoji="1" lang="ja-JP" altLang="en-US" dirty="0"/>
           </a:p>
         </p:txBody>
       </p:sp>
-      <p:sp>
-        <p:nvSpPr>
-          <p:cNvPr id="3" name="コンテンツ プレースホルダー 2"/>
-          <p:cNvSpPr>
-            <a:spLocks noGrp="1"/>
-          </p:cNvSpPr>
-          <p:nvPr>
-            <p:ph idx="1"/>
-          </p:nvPr>
-        </p:nvSpPr>
-        <p:spPr/>
-        <p:txBody>
-          <a:bodyPr/>
-          <a:lstStyle/>
-          <a:p>
-            <a:endParaRPr kumimoji="1" lang="ja-JP" altLang="en-US"/>
+      <p:pic>
+        <p:nvPicPr>
+          <p:cNvPr id="4" name="図 3"/>
+          <p:cNvPicPr>
+            <a:picLocks noChangeAspect="1"/>
+          </p:cNvPicPr>
+          <p:nvPr/>
+        </p:nvPicPr>
+        <p:blipFill>
+          <a:blip r:embed="rId3">
+            <a:extLst>
+              <a:ext uri="{28A0092B-C50C-407E-A947-70E740481C1C}">
+                <a14:useLocalDpi xmlns:a14="http://schemas.microsoft.com/office/drawing/2010/main" val="0"/>
+              </a:ext>
+            </a:extLst>
+          </a:blip>
+          <a:stretch>
+            <a:fillRect/>
+          </a:stretch>
+        </p:blipFill>
+        <p:spPr>
+          <a:xfrm>
+            <a:off x="682811" y="925302"/>
+            <a:ext cx="5344796" cy="3017129"/>
+          </a:xfrm>
+          <a:prstGeom prst="rect">
+            <a:avLst/>
+          </a:prstGeom>
+        </p:spPr>
+      </p:pic>
+      <p:sp>
+        <p:nvSpPr>
+          <p:cNvPr id="5" name="テキスト ボックス 4"/>
+          <p:cNvSpPr txBox="1"/>
+          <p:nvPr/>
+        </p:nvSpPr>
+        <p:spPr>
+          <a:xfrm>
+            <a:off x="333997" y="1154330"/>
+            <a:ext cx="749736" cy="400110"/>
+          </a:xfrm>
+          <a:prstGeom prst="rect">
+            <a:avLst/>
+          </a:prstGeom>
+          <a:noFill/>
+        </p:spPr>
+        <p:txBody>
+          <a:bodyPr wrap="square" rtlCol="0">
+            <a:spAutoFit/>
+          </a:bodyPr>
+          <a:lstStyle/>
+          <a:p>
+            <a:r>
+              <a:rPr kumimoji="1" lang="en-US" altLang="ja-JP" sz="2000" dirty="0" smtClean="0"/>
+              <a:t>2017</a:t>
+            </a:r>
+            <a:endParaRPr kumimoji="1" lang="ja-JP" altLang="en-US" sz="2000" dirty="0"/>
+          </a:p>
+        </p:txBody>
+      </p:sp>
+      <p:pic>
+        <p:nvPicPr>
+          <p:cNvPr id="6" name="図 5"/>
+          <p:cNvPicPr>
+            <a:picLocks noChangeAspect="1"/>
+          </p:cNvPicPr>
+          <p:nvPr/>
+        </p:nvPicPr>
+        <p:blipFill>
+          <a:blip r:embed="rId4">
+            <a:extLst>
+              <a:ext uri="{28A0092B-C50C-407E-A947-70E740481C1C}">
+                <a14:useLocalDpi xmlns:a14="http://schemas.microsoft.com/office/drawing/2010/main" val="0"/>
+              </a:ext>
+            </a:extLst>
+          </a:blip>
+          <a:stretch>
+            <a:fillRect/>
+          </a:stretch>
+        </p:blipFill>
+        <p:spPr>
+          <a:xfrm>
+            <a:off x="6163074" y="3407898"/>
+            <a:ext cx="5736167" cy="3238057"/>
+          </a:xfrm>
+          <a:prstGeom prst="rect">
+            <a:avLst/>
+          </a:prstGeom>
+        </p:spPr>
+      </p:pic>
+      <p:sp>
+        <p:nvSpPr>
+          <p:cNvPr id="7" name="テキスト ボックス 6"/>
+          <p:cNvSpPr txBox="1"/>
+          <p:nvPr/>
+        </p:nvSpPr>
+        <p:spPr>
+          <a:xfrm>
+            <a:off x="5248674" y="6011333"/>
+            <a:ext cx="914400" cy="369332"/>
+          </a:xfrm>
+          <a:prstGeom prst="rect">
+            <a:avLst/>
+          </a:prstGeom>
+          <a:noFill/>
+        </p:spPr>
+        <p:txBody>
+          <a:bodyPr wrap="square" rtlCol="0">
+            <a:spAutoFit/>
+          </a:bodyPr>
+          <a:lstStyle/>
+          <a:p>
+            <a:r>
+              <a:rPr kumimoji="1" lang="en-US" altLang="ja-JP" dirty="0" smtClean="0"/>
+              <a:t>2016</a:t>
+            </a:r>
+            <a:endParaRPr kumimoji="1" lang="ja-JP" altLang="en-US" dirty="0"/>
           </a:p>
         </p:txBody>
       </p:sp>
     </p:spTree>
     <p:extLst>
       <p:ext uri="{BB962C8B-B14F-4D97-AF65-F5344CB8AC3E}">
-        <p14:creationId xmlns:p14="http://schemas.microsoft.com/office/powerpoint/2010/main" val="3533172223"/>
+        <p14:creationId xmlns:p14="http://schemas.microsoft.com/office/powerpoint/2010/main" val="3215055383"/>
       </p:ext>
     </p:extLst>
   </p:cSld>
@@ -5640,123 +6256,76 @@
           <a:chExt cx="0" cy="0"/>
         </a:xfrm>
       </p:grpSpPr>
-      <p:sp>
-        <p:nvSpPr>
-          <p:cNvPr id="2" name="タイトル 1">
+      <p:pic>
+        <p:nvPicPr>
+          <p:cNvPr id="5" name="図 4"/>
+          <p:cNvPicPr>
+            <a:picLocks noChangeAspect="1"/>
+          </p:cNvPicPr>
+          <p:nvPr/>
+        </p:nvPicPr>
+        <p:blipFill>
+          <a:blip r:embed="rId3">
             <a:extLst>
-              <a:ext uri="{FF2B5EF4-FFF2-40B4-BE49-F238E27FC236}">
-                <a16:creationId xmlns:a16="http://schemas.microsoft.com/office/drawing/2014/main" xmlns="" id="{64A11CCF-73BE-084D-A8D7-B183386D4431}"/>
+              <a:ext uri="{28A0092B-C50C-407E-A947-70E740481C1C}">
+                <a14:useLocalDpi xmlns:a14="http://schemas.microsoft.com/office/drawing/2010/main" val="0"/>
               </a:ext>
             </a:extLst>
-          </p:cNvPr>
-          <p:cNvSpPr>
-            <a:spLocks noGrp="1"/>
-          </p:cNvSpPr>
-          <p:nvPr>
-            <p:ph type="title"/>
-          </p:nvPr>
-        </p:nvSpPr>
-        <p:spPr/>
-        <p:txBody>
-          <a:bodyPr/>
-          <a:lstStyle/>
-          <a:p>
-            <a:r>
-              <a:rPr lang="ja-JP" altLang="en-US" dirty="0"/>
-              <a:t>折れ線</a:t>
-            </a:r>
-            <a:r>
-              <a:rPr lang="ja-JP" altLang="en-US" dirty="0" smtClean="0"/>
-              <a:t>グラフ・棒グラフ</a:t>
-            </a:r>
-            <a:endParaRPr kumimoji="1" lang="ja-JP" altLang="en-US" dirty="0"/>
-          </a:p>
-        </p:txBody>
-      </p:sp>
-      <p:sp>
-        <p:nvSpPr>
-          <p:cNvPr id="3" name="コンテンツ プレースホルダー 2">
-            <a:extLst>
-              <a:ext uri="{FF2B5EF4-FFF2-40B4-BE49-F238E27FC236}">
-                <a16:creationId xmlns:a16="http://schemas.microsoft.com/office/drawing/2014/main" xmlns="" id="{DEFF8EDF-62D5-3044-8E76-F620FB00CBA7}"/>
-              </a:ext>
-            </a:extLst>
-          </p:cNvPr>
-          <p:cNvSpPr>
-            <a:spLocks noGrp="1"/>
-          </p:cNvSpPr>
-          <p:nvPr>
-            <p:ph idx="1"/>
-          </p:nvPr>
-        </p:nvSpPr>
-        <p:spPr/>
-        <p:txBody>
-          <a:bodyPr/>
-          <a:lstStyle/>
-          <a:p>
-            <a:endParaRPr lang="en-US" altLang="ja-JP" dirty="0"/>
-          </a:p>
-          <a:p>
-            <a:r>
-              <a:rPr kumimoji="1" lang="ja-JP" altLang="en-US" dirty="0" smtClean="0"/>
-              <a:t>時系列に沿った変化が見やすい</a:t>
-            </a:r>
-            <a:endParaRPr kumimoji="1" lang="en-US" altLang="ja-JP" dirty="0" smtClean="0"/>
-          </a:p>
-          <a:p>
-            <a:endParaRPr lang="en-US" altLang="ja-JP" dirty="0"/>
-          </a:p>
-          <a:p>
-            <a:r>
-              <a:rPr kumimoji="1" lang="en-US" altLang="ja-JP" dirty="0" smtClean="0"/>
-              <a:t>2</a:t>
-            </a:r>
-            <a:r>
-              <a:rPr kumimoji="1" lang="ja-JP" altLang="en-US" dirty="0" err="1" smtClean="0"/>
-              <a:t>つの</a:t>
-            </a:r>
-            <a:r>
-              <a:rPr kumimoji="1" lang="ja-JP" altLang="en-US" dirty="0" smtClean="0"/>
-              <a:t>要素を比較することができる</a:t>
-            </a:r>
-            <a:endParaRPr kumimoji="1" lang="en-US" altLang="ja-JP" dirty="0" smtClean="0"/>
-          </a:p>
-          <a:p>
-            <a:endParaRPr lang="en-US" altLang="ja-JP" dirty="0"/>
-          </a:p>
-          <a:p>
-            <a:endParaRPr kumimoji="1" lang="en-US" altLang="ja-JP" dirty="0" smtClean="0"/>
-          </a:p>
-          <a:p>
-            <a:endParaRPr lang="en-US" altLang="ja-JP" dirty="0" smtClean="0"/>
-          </a:p>
-          <a:p>
-            <a:endParaRPr lang="en-US" altLang="ja-JP" dirty="0"/>
+          </a:blip>
+          <a:stretch>
+            <a:fillRect/>
+          </a:stretch>
+        </p:blipFill>
+        <p:spPr>
+          <a:xfrm>
+            <a:off x="3200401" y="368301"/>
+            <a:ext cx="8111067" cy="4572502"/>
+          </a:xfrm>
+          <a:prstGeom prst="rect">
+            <a:avLst/>
+          </a:prstGeom>
+        </p:spPr>
+      </p:pic>
+      <p:sp>
+        <p:nvSpPr>
+          <p:cNvPr id="6" name="テキスト ボックス 5"/>
+          <p:cNvSpPr txBox="1"/>
+          <p:nvPr/>
+        </p:nvSpPr>
+        <p:spPr>
+          <a:xfrm>
+            <a:off x="1134533" y="880533"/>
+            <a:ext cx="914399" cy="461665"/>
+          </a:xfrm>
+          <a:prstGeom prst="rect">
+            <a:avLst/>
+          </a:prstGeom>
+          <a:noFill/>
+        </p:spPr>
+        <p:txBody>
+          <a:bodyPr wrap="square" rtlCol="0">
+            <a:spAutoFit/>
+          </a:bodyPr>
+          <a:lstStyle/>
+          <a:p>
+            <a:r>
+              <a:rPr kumimoji="1" lang="en-US" altLang="ja-JP" sz="2400" dirty="0" smtClean="0"/>
+              <a:t>2015</a:t>
+            </a:r>
+            <a:endParaRPr kumimoji="1" lang="ja-JP" altLang="en-US" sz="2400" dirty="0"/>
           </a:p>
         </p:txBody>
       </p:sp>
     </p:spTree>
     <p:extLst>
       <p:ext uri="{BB962C8B-B14F-4D97-AF65-F5344CB8AC3E}">
-        <p14:creationId xmlns:p14="http://schemas.microsoft.com/office/powerpoint/2010/main" val="11634133"/>
+        <p14:creationId xmlns:p14="http://schemas.microsoft.com/office/powerpoint/2010/main" val="1978358647"/>
       </p:ext>
     </p:extLst>
   </p:cSld>
   <p:clrMapOvr>
     <a:masterClrMapping/>
   </p:clrMapOvr>
-  <mc:AlternateContent xmlns:mc="http://schemas.openxmlformats.org/markup-compatibility/2006" xmlns:p14="http://schemas.microsoft.com/office/powerpoint/2010/main">
-    <mc:Choice Requires="p14">
-      <p:transition p14:dur="100">
-        <p:cut/>
-      </p:transition>
-    </mc:Choice>
-    <mc:Fallback xmlns="">
-      <p:transition>
-        <p:cut/>
-      </p:transition>
-    </mc:Fallback>
-  </mc:AlternateContent>
   <p:timing>
     <p:tnLst>
       <p:par>
@@ -5784,94 +6353,648 @@
           <a:chExt cx="0" cy="0"/>
         </a:xfrm>
       </p:grpSpPr>
-      <p:sp>
-        <p:nvSpPr>
-          <p:cNvPr id="2" name="タイトル 1"/>
-          <p:cNvSpPr>
-            <a:spLocks noGrp="1"/>
-          </p:cNvSpPr>
-          <p:nvPr>
-            <p:ph type="title"/>
-          </p:nvPr>
-        </p:nvSpPr>
-        <p:spPr/>
-        <p:txBody>
-          <a:bodyPr/>
-          <a:lstStyle/>
-          <a:p>
-            <a:r>
-              <a:rPr lang="en-US" altLang="ja-JP" dirty="0" err="1" smtClean="0"/>
-              <a:t>GeoChart</a:t>
-            </a:r>
-            <a:r>
-              <a:rPr lang="en-US" altLang="ja-JP" dirty="0" smtClean="0"/>
-              <a:t>(</a:t>
-            </a:r>
-            <a:r>
-              <a:rPr lang="ja-JP" altLang="en-US" dirty="0" smtClean="0"/>
-              <a:t>階級区分図</a:t>
-            </a:r>
-            <a:r>
-              <a:rPr lang="en-US" altLang="ja-JP" dirty="0" smtClean="0"/>
-              <a:t>)</a:t>
+      <p:pic>
+        <p:nvPicPr>
+          <p:cNvPr id="4" name="図 3"/>
+          <p:cNvPicPr>
+            <a:picLocks noChangeAspect="1"/>
+          </p:cNvPicPr>
+          <p:nvPr/>
+        </p:nvPicPr>
+        <p:blipFill>
+          <a:blip r:embed="rId2">
+            <a:extLst>
+              <a:ext uri="{28A0092B-C50C-407E-A947-70E740481C1C}">
+                <a14:useLocalDpi xmlns:a14="http://schemas.microsoft.com/office/drawing/2010/main" val="0"/>
+              </a:ext>
+            </a:extLst>
+          </a:blip>
+          <a:stretch>
+            <a:fillRect/>
+          </a:stretch>
+        </p:blipFill>
+        <p:spPr>
+          <a:xfrm>
+            <a:off x="1388533" y="1151467"/>
+            <a:ext cx="3988430" cy="3265788"/>
+          </a:xfrm>
+          <a:prstGeom prst="rect">
+            <a:avLst/>
+          </a:prstGeom>
+        </p:spPr>
+      </p:pic>
+      <p:sp>
+        <p:nvSpPr>
+          <p:cNvPr id="5" name="テキスト ボックス 4"/>
+          <p:cNvSpPr txBox="1"/>
+          <p:nvPr/>
+        </p:nvSpPr>
+        <p:spPr>
+          <a:xfrm>
+            <a:off x="524934" y="1151467"/>
+            <a:ext cx="1066800" cy="369332"/>
+          </a:xfrm>
+          <a:prstGeom prst="rect">
+            <a:avLst/>
+          </a:prstGeom>
+          <a:noFill/>
+        </p:spPr>
+        <p:txBody>
+          <a:bodyPr wrap="square" rtlCol="0">
+            <a:spAutoFit/>
+          </a:bodyPr>
+          <a:lstStyle/>
+          <a:p>
+            <a:r>
+              <a:rPr kumimoji="1" lang="en-US" altLang="ja-JP" dirty="0" smtClean="0"/>
+              <a:t>2017</a:t>
             </a:r>
             <a:endParaRPr kumimoji="1" lang="ja-JP" altLang="en-US" dirty="0"/>
           </a:p>
         </p:txBody>
       </p:sp>
-      <p:sp>
-        <p:nvSpPr>
-          <p:cNvPr id="3" name="コンテンツ プレースホルダー 2"/>
-          <p:cNvSpPr>
-            <a:spLocks noGrp="1"/>
-          </p:cNvSpPr>
-          <p:nvPr>
-            <p:ph idx="1"/>
-          </p:nvPr>
-        </p:nvSpPr>
-        <p:spPr/>
-        <p:txBody>
-          <a:bodyPr/>
-          <a:lstStyle/>
-          <a:p>
-            <a:pPr marL="0" indent="0">
-              <a:buNone/>
-            </a:pPr>
-            <a:endParaRPr lang="en-US" altLang="ja-JP" dirty="0" smtClean="0"/>
-          </a:p>
-          <a:p>
-            <a:r>
-              <a:rPr lang="ja-JP" altLang="en-US" dirty="0" smtClean="0"/>
-              <a:t>地域</a:t>
-            </a:r>
-            <a:r>
-              <a:rPr lang="ja-JP" altLang="en-US" dirty="0"/>
-              <a:t>特性が見やすい</a:t>
-            </a:r>
-            <a:endParaRPr lang="en-US" altLang="ja-JP" dirty="0"/>
-          </a:p>
-          <a:p>
-            <a:endParaRPr lang="en-US" altLang="ja-JP" dirty="0"/>
-          </a:p>
-          <a:p>
-            <a:r>
-              <a:rPr lang="ja-JP" altLang="en-US" dirty="0" smtClean="0"/>
-              <a:t>時間的推移</a:t>
-            </a:r>
-            <a:r>
-              <a:rPr lang="ja-JP" altLang="en-US" dirty="0"/>
-              <a:t>が見にくい</a:t>
-            </a:r>
-          </a:p>
-          <a:p>
-            <a:endParaRPr kumimoji="1" lang="en-US" altLang="ja-JP" dirty="0"/>
+      <p:pic>
+        <p:nvPicPr>
+          <p:cNvPr id="2" name="図 1"/>
+          <p:cNvPicPr>
+            <a:picLocks/>
+          </p:cNvPicPr>
+          <p:nvPr/>
+        </p:nvPicPr>
+        <p:blipFill>
+          <a:blip r:embed="rId3">
+            <a:extLst>
+              <a:ext uri="{28A0092B-C50C-407E-A947-70E740481C1C}">
+                <a14:useLocalDpi xmlns:a14="http://schemas.microsoft.com/office/drawing/2010/main" val="0"/>
+              </a:ext>
+            </a:extLst>
+          </a:blip>
+          <a:stretch>
+            <a:fillRect/>
+          </a:stretch>
+        </p:blipFill>
+        <p:spPr>
+          <a:xfrm>
+            <a:off x="6682153" y="1151467"/>
+            <a:ext cx="4389121" cy="3265788"/>
+          </a:xfrm>
+          <a:prstGeom prst="rect">
+            <a:avLst/>
+          </a:prstGeom>
+        </p:spPr>
+      </p:pic>
+      <p:sp>
+        <p:nvSpPr>
+          <p:cNvPr id="3" name="テキスト ボックス 2"/>
+          <p:cNvSpPr txBox="1"/>
+          <p:nvPr/>
+        </p:nvSpPr>
+        <p:spPr>
+          <a:xfrm>
+            <a:off x="5548218" y="1151467"/>
+            <a:ext cx="697627" cy="369332"/>
+          </a:xfrm>
+          <a:prstGeom prst="rect">
+            <a:avLst/>
+          </a:prstGeom>
+          <a:noFill/>
+        </p:spPr>
+        <p:txBody>
+          <a:bodyPr wrap="none" rtlCol="0">
+            <a:spAutoFit/>
+          </a:bodyPr>
+          <a:lstStyle/>
+          <a:p>
+            <a:r>
+              <a:rPr kumimoji="1" lang="en-US" altLang="ja-JP" dirty="0" smtClean="0"/>
+              <a:t>2016</a:t>
+            </a:r>
+            <a:endParaRPr kumimoji="1" lang="ja-JP" altLang="en-US" dirty="0"/>
           </a:p>
         </p:txBody>
       </p:sp>
     </p:spTree>
     <p:extLst>
       <p:ext uri="{BB962C8B-B14F-4D97-AF65-F5344CB8AC3E}">
-        <p14:creationId xmlns:p14="http://schemas.microsoft.com/office/powerpoint/2010/main" val="2117400784"/>
+        <p14:creationId xmlns:p14="http://schemas.microsoft.com/office/powerpoint/2010/main" val="3611277321"/>
+      </p:ext>
+    </p:extLst>
+  </p:cSld>
+  <p:clrMapOvr>
+    <a:masterClrMapping/>
+  </p:clrMapOvr>
+  <p:timing>
+    <p:tnLst>
+      <p:par>
+        <p:cTn id="1" dur="indefinite" restart="never" nodeType="tmRoot"/>
+      </p:par>
+    </p:tnLst>
+  </p:timing>
+</p:sld>
+</file>
+
+<file path=ppt/slides/slide16.xml><?xml version="1.0" encoding="utf-8"?>
+<p:sld xmlns:a="http://schemas.openxmlformats.org/drawingml/2006/main" xmlns:r="http://schemas.openxmlformats.org/officeDocument/2006/relationships" xmlns:p="http://schemas.openxmlformats.org/presentationml/2006/main">
+  <p:cSld>
+    <p:spTree>
+      <p:nvGrpSpPr>
+        <p:cNvPr id="1" name=""/>
+        <p:cNvGrpSpPr/>
+        <p:nvPr/>
+      </p:nvGrpSpPr>
+      <p:grpSpPr>
+        <a:xfrm>
+          <a:off x="0" y="0"/>
+          <a:ext cx="0" cy="0"/>
+          <a:chOff x="0" y="0"/>
+          <a:chExt cx="0" cy="0"/>
+        </a:xfrm>
+      </p:grpSpPr>
+      <p:pic>
+        <p:nvPicPr>
+          <p:cNvPr id="4" name="図 3"/>
+          <p:cNvPicPr>
+            <a:picLocks noChangeAspect="1"/>
+          </p:cNvPicPr>
+          <p:nvPr/>
+        </p:nvPicPr>
+        <p:blipFill>
+          <a:blip r:embed="rId2">
+            <a:extLst>
+              <a:ext uri="{28A0092B-C50C-407E-A947-70E740481C1C}">
+                <a14:useLocalDpi xmlns:a14="http://schemas.microsoft.com/office/drawing/2010/main" val="0"/>
+              </a:ext>
+            </a:extLst>
+          </a:blip>
+          <a:stretch>
+            <a:fillRect/>
+          </a:stretch>
+        </p:blipFill>
+        <p:spPr>
+          <a:xfrm>
+            <a:off x="4316826" y="1129908"/>
+            <a:ext cx="5563647" cy="3878189"/>
+          </a:xfrm>
+          <a:prstGeom prst="rect">
+            <a:avLst/>
+          </a:prstGeom>
+        </p:spPr>
+      </p:pic>
+      <p:sp>
+        <p:nvSpPr>
+          <p:cNvPr id="5" name="テキスト ボックス 4"/>
+          <p:cNvSpPr txBox="1"/>
+          <p:nvPr/>
+        </p:nvSpPr>
+        <p:spPr>
+          <a:xfrm>
+            <a:off x="1786597" y="1129908"/>
+            <a:ext cx="870751" cy="461665"/>
+          </a:xfrm>
+          <a:prstGeom prst="rect">
+            <a:avLst/>
+          </a:prstGeom>
+          <a:noFill/>
+        </p:spPr>
+        <p:txBody>
+          <a:bodyPr wrap="none" rtlCol="0">
+            <a:spAutoFit/>
+          </a:bodyPr>
+          <a:lstStyle/>
+          <a:p>
+            <a:r>
+              <a:rPr kumimoji="1" lang="en-US" altLang="ja-JP" sz="2400" dirty="0" smtClean="0"/>
+              <a:t>2015</a:t>
+            </a:r>
+            <a:endParaRPr kumimoji="1" lang="ja-JP" altLang="en-US" sz="2400" dirty="0"/>
+          </a:p>
+        </p:txBody>
+      </p:sp>
+    </p:spTree>
+    <p:extLst>
+      <p:ext uri="{BB962C8B-B14F-4D97-AF65-F5344CB8AC3E}">
+        <p14:creationId xmlns:p14="http://schemas.microsoft.com/office/powerpoint/2010/main" val="2819464297"/>
+      </p:ext>
+    </p:extLst>
+  </p:cSld>
+  <p:clrMapOvr>
+    <a:masterClrMapping/>
+  </p:clrMapOvr>
+  <p:timing>
+    <p:tnLst>
+      <p:par>
+        <p:cTn id="1" dur="indefinite" restart="never" nodeType="tmRoot"/>
+      </p:par>
+    </p:tnLst>
+  </p:timing>
+</p:sld>
+</file>
+
+<file path=ppt/slides/slide17.xml><?xml version="1.0" encoding="utf-8"?>
+<p:sld xmlns:a="http://schemas.openxmlformats.org/drawingml/2006/main" xmlns:r="http://schemas.openxmlformats.org/officeDocument/2006/relationships" xmlns:p="http://schemas.openxmlformats.org/presentationml/2006/main">
+  <p:cSld>
+    <p:spTree>
+      <p:nvGrpSpPr>
+        <p:cNvPr id="1" name=""/>
+        <p:cNvGrpSpPr/>
+        <p:nvPr/>
+      </p:nvGrpSpPr>
+      <p:grpSpPr>
+        <a:xfrm>
+          <a:off x="0" y="0"/>
+          <a:ext cx="0" cy="0"/>
+          <a:chOff x="0" y="0"/>
+          <a:chExt cx="0" cy="0"/>
+        </a:xfrm>
+      </p:grpSpPr>
+      <p:sp>
+        <p:nvSpPr>
+          <p:cNvPr id="2" name="タイトル 1"/>
+          <p:cNvSpPr>
+            <a:spLocks noGrp="1"/>
+          </p:cNvSpPr>
+          <p:nvPr>
+            <p:ph type="title"/>
+          </p:nvPr>
+        </p:nvSpPr>
+        <p:spPr/>
+        <p:txBody>
+          <a:bodyPr/>
+          <a:lstStyle/>
+          <a:p>
+            <a:r>
+              <a:rPr kumimoji="1" lang="ja-JP" altLang="en-US" dirty="0" smtClean="0"/>
+              <a:t>マラリアによる死亡率の推移</a:t>
+            </a:r>
+            <a:endParaRPr kumimoji="1" lang="ja-JP" altLang="en-US" dirty="0"/>
+          </a:p>
+        </p:txBody>
+      </p:sp>
+      <p:pic>
+        <p:nvPicPr>
+          <p:cNvPr id="4" name="コンテンツ プレースホルダー 3"/>
+          <p:cNvPicPr>
+            <a:picLocks noGrp="1" noChangeAspect="1"/>
+          </p:cNvPicPr>
+          <p:nvPr>
+            <p:ph idx="1"/>
+          </p:nvPr>
+        </p:nvPicPr>
+        <p:blipFill>
+          <a:blip r:embed="rId3">
+            <a:extLst>
+              <a:ext uri="{28A0092B-C50C-407E-A947-70E740481C1C}">
+                <a14:useLocalDpi xmlns:a14="http://schemas.microsoft.com/office/drawing/2010/main" val="0"/>
+              </a:ext>
+            </a:extLst>
+          </a:blip>
+          <a:stretch>
+            <a:fillRect/>
+          </a:stretch>
+        </p:blipFill>
+        <p:spPr>
+          <a:xfrm>
+            <a:off x="465668" y="2387599"/>
+            <a:ext cx="5343466" cy="3425059"/>
+          </a:xfrm>
+        </p:spPr>
+      </p:pic>
+      <p:sp>
+        <p:nvSpPr>
+          <p:cNvPr id="5" name="テキスト ボックス 4"/>
+          <p:cNvSpPr txBox="1"/>
+          <p:nvPr/>
+        </p:nvSpPr>
+        <p:spPr>
+          <a:xfrm>
+            <a:off x="465667" y="1459855"/>
+            <a:ext cx="1016000" cy="461665"/>
+          </a:xfrm>
+          <a:prstGeom prst="rect">
+            <a:avLst/>
+          </a:prstGeom>
+          <a:noFill/>
+        </p:spPr>
+        <p:txBody>
+          <a:bodyPr wrap="square" rtlCol="0">
+            <a:spAutoFit/>
+          </a:bodyPr>
+          <a:lstStyle/>
+          <a:p>
+            <a:r>
+              <a:rPr kumimoji="1" lang="en-US" altLang="ja-JP" sz="2400" dirty="0" smtClean="0"/>
+              <a:t>2017</a:t>
+            </a:r>
+            <a:endParaRPr kumimoji="1" lang="ja-JP" altLang="en-US" sz="2400" dirty="0"/>
+          </a:p>
+        </p:txBody>
+      </p:sp>
+      <p:sp>
+        <p:nvSpPr>
+          <p:cNvPr id="6" name="テキスト ボックス 5"/>
+          <p:cNvSpPr txBox="1"/>
+          <p:nvPr/>
+        </p:nvSpPr>
+        <p:spPr>
+          <a:xfrm>
+            <a:off x="6082676" y="1459855"/>
+            <a:ext cx="999067" cy="461665"/>
+          </a:xfrm>
+          <a:prstGeom prst="rect">
+            <a:avLst/>
+          </a:prstGeom>
+          <a:noFill/>
+        </p:spPr>
+        <p:txBody>
+          <a:bodyPr wrap="square" rtlCol="0">
+            <a:spAutoFit/>
+          </a:bodyPr>
+          <a:lstStyle/>
+          <a:p>
+            <a:r>
+              <a:rPr kumimoji="1" lang="en-US" altLang="ja-JP" sz="2400" dirty="0" smtClean="0"/>
+              <a:t>2016</a:t>
+            </a:r>
+            <a:endParaRPr kumimoji="1" lang="ja-JP" altLang="en-US" sz="2400" dirty="0"/>
+          </a:p>
+        </p:txBody>
+      </p:sp>
+      <p:pic>
+        <p:nvPicPr>
+          <p:cNvPr id="3" name="図 2"/>
+          <p:cNvPicPr>
+            <a:picLocks noChangeAspect="1"/>
+          </p:cNvPicPr>
+          <p:nvPr/>
+        </p:nvPicPr>
+        <p:blipFill>
+          <a:blip r:embed="rId4">
+            <a:extLst>
+              <a:ext uri="{28A0092B-C50C-407E-A947-70E740481C1C}">
+                <a14:useLocalDpi xmlns:a14="http://schemas.microsoft.com/office/drawing/2010/main" val="0"/>
+              </a:ext>
+            </a:extLst>
+          </a:blip>
+          <a:stretch>
+            <a:fillRect/>
+          </a:stretch>
+        </p:blipFill>
+        <p:spPr>
+          <a:xfrm>
+            <a:off x="6082676" y="2329875"/>
+            <a:ext cx="5470188" cy="3482783"/>
+          </a:xfrm>
+          <a:prstGeom prst="rect">
+            <a:avLst/>
+          </a:prstGeom>
+        </p:spPr>
+      </p:pic>
+    </p:spTree>
+    <p:extLst>
+      <p:ext uri="{BB962C8B-B14F-4D97-AF65-F5344CB8AC3E}">
+        <p14:creationId xmlns:p14="http://schemas.microsoft.com/office/powerpoint/2010/main" val="1974731316"/>
+      </p:ext>
+    </p:extLst>
+  </p:cSld>
+  <p:clrMapOvr>
+    <a:masterClrMapping/>
+  </p:clrMapOvr>
+  <p:timing>
+    <p:tnLst>
+      <p:par>
+        <p:cTn id="1" dur="indefinite" restart="never" nodeType="tmRoot"/>
+      </p:par>
+    </p:tnLst>
+  </p:timing>
+</p:sld>
+</file>
+
+<file path=ppt/slides/slide18.xml><?xml version="1.0" encoding="utf-8"?>
+<p:sld xmlns:a="http://schemas.openxmlformats.org/drawingml/2006/main" xmlns:r="http://schemas.openxmlformats.org/officeDocument/2006/relationships" xmlns:p="http://schemas.openxmlformats.org/presentationml/2006/main">
+  <p:cSld>
+    <p:spTree>
+      <p:nvGrpSpPr>
+        <p:cNvPr id="1" name=""/>
+        <p:cNvGrpSpPr/>
+        <p:nvPr/>
+      </p:nvGrpSpPr>
+      <p:grpSpPr>
+        <a:xfrm>
+          <a:off x="0" y="0"/>
+          <a:ext cx="0" cy="0"/>
+          <a:chOff x="0" y="0"/>
+          <a:chExt cx="0" cy="0"/>
+        </a:xfrm>
+      </p:grpSpPr>
+      <p:sp>
+        <p:nvSpPr>
+          <p:cNvPr id="4" name="テキスト ボックス 3"/>
+          <p:cNvSpPr txBox="1"/>
+          <p:nvPr/>
+        </p:nvSpPr>
+        <p:spPr>
+          <a:xfrm>
+            <a:off x="1463040" y="745588"/>
+            <a:ext cx="697627" cy="369332"/>
+          </a:xfrm>
+          <a:prstGeom prst="rect">
+            <a:avLst/>
+          </a:prstGeom>
+          <a:noFill/>
+        </p:spPr>
+        <p:txBody>
+          <a:bodyPr wrap="none" rtlCol="0">
+            <a:spAutoFit/>
+          </a:bodyPr>
+          <a:lstStyle/>
+          <a:p>
+            <a:r>
+              <a:rPr kumimoji="1" lang="en-US" altLang="ja-JP" smtClean="0"/>
+              <a:t>2015</a:t>
+            </a:r>
+            <a:endParaRPr kumimoji="1" lang="ja-JP" altLang="en-US" dirty="0"/>
+          </a:p>
+        </p:txBody>
+      </p:sp>
+      <p:pic>
+        <p:nvPicPr>
+          <p:cNvPr id="5" name="図 4"/>
+          <p:cNvPicPr>
+            <a:picLocks noChangeAspect="1"/>
+          </p:cNvPicPr>
+          <p:nvPr/>
+        </p:nvPicPr>
+        <p:blipFill>
+          <a:blip r:embed="rId2">
+            <a:extLst>
+              <a:ext uri="{28A0092B-C50C-407E-A947-70E740481C1C}">
+                <a14:useLocalDpi xmlns:a14="http://schemas.microsoft.com/office/drawing/2010/main" val="0"/>
+              </a:ext>
+            </a:extLst>
+          </a:blip>
+          <a:stretch>
+            <a:fillRect/>
+          </a:stretch>
+        </p:blipFill>
+        <p:spPr>
+          <a:xfrm>
+            <a:off x="2476500" y="1092200"/>
+            <a:ext cx="7226300" cy="4673600"/>
+          </a:xfrm>
+          <a:prstGeom prst="rect">
+            <a:avLst/>
+          </a:prstGeom>
+        </p:spPr>
+      </p:pic>
+    </p:spTree>
+    <p:extLst>
+      <p:ext uri="{BB962C8B-B14F-4D97-AF65-F5344CB8AC3E}">
+        <p14:creationId xmlns:p14="http://schemas.microsoft.com/office/powerpoint/2010/main" val="2129031304"/>
+      </p:ext>
+    </p:extLst>
+  </p:cSld>
+  <p:clrMapOvr>
+    <a:masterClrMapping/>
+  </p:clrMapOvr>
+  <p:timing>
+    <p:tnLst>
+      <p:par>
+        <p:cTn id="1" dur="indefinite" restart="never" nodeType="tmRoot"/>
+      </p:par>
+    </p:tnLst>
+  </p:timing>
+</p:sld>
+</file>
+
+<file path=ppt/slides/slide19.xml><?xml version="1.0" encoding="utf-8"?>
+<p:sld xmlns:a="http://schemas.openxmlformats.org/drawingml/2006/main" xmlns:r="http://schemas.openxmlformats.org/officeDocument/2006/relationships" xmlns:p="http://schemas.openxmlformats.org/presentationml/2006/main">
+  <p:cSld>
+    <p:spTree>
+      <p:nvGrpSpPr>
+        <p:cNvPr id="1" name=""/>
+        <p:cNvGrpSpPr/>
+        <p:nvPr/>
+      </p:nvGrpSpPr>
+      <p:grpSpPr>
+        <a:xfrm>
+          <a:off x="0" y="0"/>
+          <a:ext cx="0" cy="0"/>
+          <a:chOff x="0" y="0"/>
+          <a:chExt cx="0" cy="0"/>
+        </a:xfrm>
+      </p:grpSpPr>
+      <p:pic>
+        <p:nvPicPr>
+          <p:cNvPr id="4" name="図 3"/>
+          <p:cNvPicPr>
+            <a:picLocks noChangeAspect="1"/>
+          </p:cNvPicPr>
+          <p:nvPr/>
+        </p:nvPicPr>
+        <p:blipFill>
+          <a:blip r:embed="rId2"/>
+          <a:stretch>
+            <a:fillRect/>
+          </a:stretch>
+        </p:blipFill>
+        <p:spPr>
+          <a:xfrm>
+            <a:off x="6443240" y="2011679"/>
+            <a:ext cx="4066751" cy="3629465"/>
+          </a:xfrm>
+          <a:prstGeom prst="rect">
+            <a:avLst/>
+          </a:prstGeom>
+        </p:spPr>
+      </p:pic>
+      <p:sp>
+        <p:nvSpPr>
+          <p:cNvPr id="5" name="テキスト ボックス 4"/>
+          <p:cNvSpPr txBox="1"/>
+          <p:nvPr/>
+        </p:nvSpPr>
+        <p:spPr>
+          <a:xfrm>
+            <a:off x="6696222" y="1280160"/>
+            <a:ext cx="870751" cy="461665"/>
+          </a:xfrm>
+          <a:prstGeom prst="rect">
+            <a:avLst/>
+          </a:prstGeom>
+          <a:noFill/>
+        </p:spPr>
+        <p:txBody>
+          <a:bodyPr wrap="none" rtlCol="0">
+            <a:spAutoFit/>
+          </a:bodyPr>
+          <a:lstStyle/>
+          <a:p>
+            <a:r>
+              <a:rPr kumimoji="1" lang="en-US" altLang="ja-JP" sz="2400" dirty="0" smtClean="0"/>
+              <a:t>2016</a:t>
+            </a:r>
+            <a:endParaRPr kumimoji="1" lang="ja-JP" altLang="en-US" sz="2400" dirty="0"/>
+          </a:p>
+        </p:txBody>
+      </p:sp>
+      <p:pic>
+        <p:nvPicPr>
+          <p:cNvPr id="6" name="図 5"/>
+          <p:cNvPicPr>
+            <a:picLocks noChangeAspect="1"/>
+          </p:cNvPicPr>
+          <p:nvPr/>
+        </p:nvPicPr>
+        <p:blipFill>
+          <a:blip r:embed="rId3"/>
+          <a:stretch>
+            <a:fillRect/>
+          </a:stretch>
+        </p:blipFill>
+        <p:spPr>
+          <a:xfrm>
+            <a:off x="1209821" y="2011679"/>
+            <a:ext cx="3762437" cy="3742635"/>
+          </a:xfrm>
+          <a:prstGeom prst="rect">
+            <a:avLst/>
+          </a:prstGeom>
+        </p:spPr>
+      </p:pic>
+      <p:sp>
+        <p:nvSpPr>
+          <p:cNvPr id="7" name="テキスト ボックス 6"/>
+          <p:cNvSpPr txBox="1"/>
+          <p:nvPr/>
+        </p:nvSpPr>
+        <p:spPr>
+          <a:xfrm>
+            <a:off x="1209821" y="1280160"/>
+            <a:ext cx="870751" cy="461665"/>
+          </a:xfrm>
+          <a:prstGeom prst="rect">
+            <a:avLst/>
+          </a:prstGeom>
+          <a:noFill/>
+        </p:spPr>
+        <p:txBody>
+          <a:bodyPr wrap="none" rtlCol="0">
+            <a:spAutoFit/>
+          </a:bodyPr>
+          <a:lstStyle/>
+          <a:p>
+            <a:r>
+              <a:rPr kumimoji="1" lang="en-US" altLang="ja-JP" sz="2400" dirty="0" smtClean="0"/>
+              <a:t>2017</a:t>
+            </a:r>
+            <a:endParaRPr kumimoji="1" lang="ja-JP" altLang="en-US" sz="2400" dirty="0"/>
+          </a:p>
+        </p:txBody>
+      </p:sp>
+    </p:spTree>
+    <p:extLst>
+      <p:ext uri="{BB962C8B-B14F-4D97-AF65-F5344CB8AC3E}">
+        <p14:creationId xmlns:p14="http://schemas.microsoft.com/office/powerpoint/2010/main" val="4014225122"/>
       </p:ext>
     </p:extLst>
   </p:cSld>
@@ -5975,6 +7098,860 @@
     <p:extLst>
       <p:ext uri="{BB962C8B-B14F-4D97-AF65-F5344CB8AC3E}">
         <p14:creationId xmlns:p14="http://schemas.microsoft.com/office/powerpoint/2010/main" val="2570613706"/>
+      </p:ext>
+    </p:extLst>
+  </p:cSld>
+  <p:clrMapOvr>
+    <a:masterClrMapping/>
+  </p:clrMapOvr>
+  <p:timing>
+    <p:tnLst>
+      <p:par>
+        <p:cTn id="1" dur="indefinite" restart="never" nodeType="tmRoot"/>
+      </p:par>
+    </p:tnLst>
+  </p:timing>
+</p:sld>
+</file>
+
+<file path=ppt/slides/slide20.xml><?xml version="1.0" encoding="utf-8"?>
+<p:sld xmlns:a="http://schemas.openxmlformats.org/drawingml/2006/main" xmlns:r="http://schemas.openxmlformats.org/officeDocument/2006/relationships" xmlns:p="http://schemas.openxmlformats.org/presentationml/2006/main">
+  <p:cSld>
+    <p:spTree>
+      <p:nvGrpSpPr>
+        <p:cNvPr id="1" name=""/>
+        <p:cNvGrpSpPr/>
+        <p:nvPr/>
+      </p:nvGrpSpPr>
+      <p:grpSpPr>
+        <a:xfrm>
+          <a:off x="0" y="0"/>
+          <a:ext cx="0" cy="0"/>
+          <a:chOff x="0" y="0"/>
+          <a:chExt cx="0" cy="0"/>
+        </a:xfrm>
+      </p:grpSpPr>
+      <p:pic>
+        <p:nvPicPr>
+          <p:cNvPr id="4" name="図 3"/>
+          <p:cNvPicPr>
+            <a:picLocks noChangeAspect="1"/>
+          </p:cNvPicPr>
+          <p:nvPr/>
+        </p:nvPicPr>
+        <p:blipFill>
+          <a:blip r:embed="rId2"/>
+          <a:stretch>
+            <a:fillRect/>
+          </a:stretch>
+        </p:blipFill>
+        <p:spPr>
+          <a:xfrm>
+            <a:off x="3849999" y="1747812"/>
+            <a:ext cx="4098246" cy="4076213"/>
+          </a:xfrm>
+          <a:prstGeom prst="rect">
+            <a:avLst/>
+          </a:prstGeom>
+        </p:spPr>
+      </p:pic>
+      <p:sp>
+        <p:nvSpPr>
+          <p:cNvPr id="5" name="テキスト ボックス 4"/>
+          <p:cNvSpPr txBox="1"/>
+          <p:nvPr/>
+        </p:nvSpPr>
+        <p:spPr>
+          <a:xfrm>
+            <a:off x="1856935" y="928468"/>
+            <a:ext cx="1420837" cy="461665"/>
+          </a:xfrm>
+          <a:prstGeom prst="rect">
+            <a:avLst/>
+          </a:prstGeom>
+          <a:noFill/>
+        </p:spPr>
+        <p:txBody>
+          <a:bodyPr wrap="square" rtlCol="0">
+            <a:spAutoFit/>
+          </a:bodyPr>
+          <a:lstStyle/>
+          <a:p>
+            <a:r>
+              <a:rPr kumimoji="1" lang="en-US" altLang="ja-JP" sz="2400" dirty="0" smtClean="0"/>
+              <a:t>2015</a:t>
+            </a:r>
+            <a:endParaRPr kumimoji="1" lang="ja-JP" altLang="en-US" sz="2400" dirty="0"/>
+          </a:p>
+        </p:txBody>
+      </p:sp>
+    </p:spTree>
+    <p:extLst>
+      <p:ext uri="{BB962C8B-B14F-4D97-AF65-F5344CB8AC3E}">
+        <p14:creationId xmlns:p14="http://schemas.microsoft.com/office/powerpoint/2010/main" val="1010558244"/>
+      </p:ext>
+    </p:extLst>
+  </p:cSld>
+  <p:clrMapOvr>
+    <a:masterClrMapping/>
+  </p:clrMapOvr>
+  <p:timing>
+    <p:tnLst>
+      <p:par>
+        <p:cTn id="1" dur="indefinite" restart="never" nodeType="tmRoot"/>
+      </p:par>
+    </p:tnLst>
+  </p:timing>
+</p:sld>
+</file>
+
+<file path=ppt/slides/slide21.xml><?xml version="1.0" encoding="utf-8"?>
+<p:sld xmlns:a="http://schemas.openxmlformats.org/drawingml/2006/main" xmlns:r="http://schemas.openxmlformats.org/officeDocument/2006/relationships" xmlns:p="http://schemas.openxmlformats.org/presentationml/2006/main">
+  <p:cSld>
+    <p:spTree>
+      <p:nvGrpSpPr>
+        <p:cNvPr id="1" name=""/>
+        <p:cNvGrpSpPr/>
+        <p:nvPr/>
+      </p:nvGrpSpPr>
+      <p:grpSpPr>
+        <a:xfrm>
+          <a:off x="0" y="0"/>
+          <a:ext cx="0" cy="0"/>
+          <a:chOff x="0" y="0"/>
+          <a:chExt cx="0" cy="0"/>
+        </a:xfrm>
+      </p:grpSpPr>
+      <p:sp>
+        <p:nvSpPr>
+          <p:cNvPr id="2" name="タイトル 1"/>
+          <p:cNvSpPr>
+            <a:spLocks noGrp="1"/>
+          </p:cNvSpPr>
+          <p:nvPr>
+            <p:ph type="title"/>
+          </p:nvPr>
+        </p:nvSpPr>
+        <p:spPr/>
+        <p:txBody>
+          <a:bodyPr/>
+          <a:lstStyle/>
+          <a:p>
+            <a:r>
+              <a:rPr kumimoji="1" lang="ja-JP" altLang="en-US" dirty="0" smtClean="0"/>
+              <a:t>折れ線グラフで見る死亡率の推移</a:t>
+            </a:r>
+            <a:endParaRPr kumimoji="1" lang="ja-JP" altLang="en-US" dirty="0"/>
+          </a:p>
+        </p:txBody>
+      </p:sp>
+      <p:pic>
+        <p:nvPicPr>
+          <p:cNvPr id="4" name="図 3"/>
+          <p:cNvPicPr>
+            <a:picLocks noChangeAspect="1"/>
+          </p:cNvPicPr>
+          <p:nvPr/>
+        </p:nvPicPr>
+        <p:blipFill>
+          <a:blip r:embed="rId2">
+            <a:extLst>
+              <a:ext uri="{28A0092B-C50C-407E-A947-70E740481C1C}">
+                <a14:useLocalDpi xmlns:a14="http://schemas.microsoft.com/office/drawing/2010/main" val="0"/>
+              </a:ext>
+            </a:extLst>
+          </a:blip>
+          <a:stretch>
+            <a:fillRect/>
+          </a:stretch>
+        </p:blipFill>
+        <p:spPr>
+          <a:xfrm>
+            <a:off x="452967" y="1690688"/>
+            <a:ext cx="5852160" cy="4389120"/>
+          </a:xfrm>
+          <a:prstGeom prst="rect">
+            <a:avLst/>
+          </a:prstGeom>
+        </p:spPr>
+      </p:pic>
+      <p:pic>
+        <p:nvPicPr>
+          <p:cNvPr id="5" name="図 4"/>
+          <p:cNvPicPr>
+            <a:picLocks noChangeAspect="1"/>
+          </p:cNvPicPr>
+          <p:nvPr/>
+        </p:nvPicPr>
+        <p:blipFill>
+          <a:blip r:embed="rId3">
+            <a:extLst>
+              <a:ext uri="{28A0092B-C50C-407E-A947-70E740481C1C}">
+                <a14:useLocalDpi xmlns:a14="http://schemas.microsoft.com/office/drawing/2010/main" val="0"/>
+              </a:ext>
+            </a:extLst>
+          </a:blip>
+          <a:stretch>
+            <a:fillRect/>
+          </a:stretch>
+        </p:blipFill>
+        <p:spPr>
+          <a:xfrm>
+            <a:off x="6096000" y="1570567"/>
+            <a:ext cx="5852160" cy="4389120"/>
+          </a:xfrm>
+          <a:prstGeom prst="rect">
+            <a:avLst/>
+          </a:prstGeom>
+        </p:spPr>
+      </p:pic>
+    </p:spTree>
+    <p:extLst>
+      <p:ext uri="{BB962C8B-B14F-4D97-AF65-F5344CB8AC3E}">
+        <p14:creationId xmlns:p14="http://schemas.microsoft.com/office/powerpoint/2010/main" val="2584077000"/>
+      </p:ext>
+    </p:extLst>
+  </p:cSld>
+  <p:clrMapOvr>
+    <a:masterClrMapping/>
+  </p:clrMapOvr>
+  <p:timing>
+    <p:tnLst>
+      <p:par>
+        <p:cTn id="1" dur="indefinite" restart="never" nodeType="tmRoot"/>
+      </p:par>
+    </p:tnLst>
+  </p:timing>
+</p:sld>
+</file>
+
+<file path=ppt/slides/slide22.xml><?xml version="1.0" encoding="utf-8"?>
+<p:sld xmlns:a="http://schemas.openxmlformats.org/drawingml/2006/main" xmlns:r="http://schemas.openxmlformats.org/officeDocument/2006/relationships" xmlns:p="http://schemas.openxmlformats.org/presentationml/2006/main">
+  <p:cSld>
+    <p:spTree>
+      <p:nvGrpSpPr>
+        <p:cNvPr id="1" name=""/>
+        <p:cNvGrpSpPr/>
+        <p:nvPr/>
+      </p:nvGrpSpPr>
+      <p:grpSpPr>
+        <a:xfrm>
+          <a:off x="0" y="0"/>
+          <a:ext cx="0" cy="0"/>
+          <a:chOff x="0" y="0"/>
+          <a:chExt cx="0" cy="0"/>
+        </a:xfrm>
+      </p:grpSpPr>
+      <p:sp>
+        <p:nvSpPr>
+          <p:cNvPr id="2" name="タイトル 1"/>
+          <p:cNvSpPr>
+            <a:spLocks noGrp="1"/>
+          </p:cNvSpPr>
+          <p:nvPr>
+            <p:ph type="title"/>
+          </p:nvPr>
+        </p:nvSpPr>
+        <p:spPr/>
+        <p:txBody>
+          <a:bodyPr/>
+          <a:lstStyle/>
+          <a:p>
+            <a:r>
+              <a:rPr kumimoji="1" lang="ja-JP" altLang="en-US" dirty="0" smtClean="0"/>
+              <a:t>折れ線グラフと棒グラフを用いた比較</a:t>
+            </a:r>
+            <a:endParaRPr kumimoji="1" lang="ja-JP" altLang="en-US" dirty="0"/>
+          </a:p>
+        </p:txBody>
+      </p:sp>
+      <p:pic>
+        <p:nvPicPr>
+          <p:cNvPr id="5" name="コンテンツ プレースホルダー 4"/>
+          <p:cNvPicPr>
+            <a:picLocks noGrp="1" noChangeAspect="1"/>
+          </p:cNvPicPr>
+          <p:nvPr>
+            <p:ph idx="1"/>
+          </p:nvPr>
+        </p:nvPicPr>
+        <p:blipFill>
+          <a:blip r:embed="rId2">
+            <a:extLst>
+              <a:ext uri="{28A0092B-C50C-407E-A947-70E740481C1C}">
+                <a14:useLocalDpi xmlns:a14="http://schemas.microsoft.com/office/drawing/2010/main" val="0"/>
+              </a:ext>
+            </a:extLst>
+          </a:blip>
+          <a:stretch>
+            <a:fillRect/>
+          </a:stretch>
+        </p:blipFill>
+        <p:spPr>
+          <a:xfrm>
+            <a:off x="3195108" y="1825625"/>
+            <a:ext cx="5801784" cy="4351338"/>
+          </a:xfrm>
+        </p:spPr>
+      </p:pic>
+    </p:spTree>
+    <p:extLst>
+      <p:ext uri="{BB962C8B-B14F-4D97-AF65-F5344CB8AC3E}">
+        <p14:creationId xmlns:p14="http://schemas.microsoft.com/office/powerpoint/2010/main" val="4163097606"/>
+      </p:ext>
+    </p:extLst>
+  </p:cSld>
+  <p:clrMapOvr>
+    <a:masterClrMapping/>
+  </p:clrMapOvr>
+  <p:timing>
+    <p:tnLst>
+      <p:par>
+        <p:cTn id="1" dur="indefinite" restart="never" nodeType="tmRoot"/>
+      </p:par>
+    </p:tnLst>
+  </p:timing>
+</p:sld>
+</file>
+
+<file path=ppt/slides/slide23.xml><?xml version="1.0" encoding="utf-8"?>
+<p:sld xmlns:a="http://schemas.openxmlformats.org/drawingml/2006/main" xmlns:r="http://schemas.openxmlformats.org/officeDocument/2006/relationships" xmlns:p="http://schemas.openxmlformats.org/presentationml/2006/main">
+  <p:cSld>
+    <p:spTree>
+      <p:nvGrpSpPr>
+        <p:cNvPr id="1" name=""/>
+        <p:cNvGrpSpPr/>
+        <p:nvPr/>
+      </p:nvGrpSpPr>
+      <p:grpSpPr>
+        <a:xfrm>
+          <a:off x="0" y="0"/>
+          <a:ext cx="0" cy="0"/>
+          <a:chOff x="0" y="0"/>
+          <a:chExt cx="0" cy="0"/>
+        </a:xfrm>
+      </p:grpSpPr>
+      <p:sp>
+        <p:nvSpPr>
+          <p:cNvPr id="2" name="タイトル 1"/>
+          <p:cNvSpPr>
+            <a:spLocks noGrp="1"/>
+          </p:cNvSpPr>
+          <p:nvPr>
+            <p:ph type="title"/>
+          </p:nvPr>
+        </p:nvSpPr>
+        <p:spPr/>
+        <p:txBody>
+          <a:bodyPr/>
+          <a:lstStyle/>
+          <a:p>
+            <a:r>
+              <a:rPr kumimoji="1" lang="ja-JP" altLang="en-US" dirty="0" smtClean="0"/>
+              <a:t>折れ線グラフで見る死亡率の推移</a:t>
+            </a:r>
+            <a:endParaRPr kumimoji="1" lang="ja-JP" altLang="en-US" dirty="0"/>
+          </a:p>
+        </p:txBody>
+      </p:sp>
+      <p:pic>
+        <p:nvPicPr>
+          <p:cNvPr id="4" name="図 3"/>
+          <p:cNvPicPr>
+            <a:picLocks noChangeAspect="1"/>
+          </p:cNvPicPr>
+          <p:nvPr/>
+        </p:nvPicPr>
+        <p:blipFill>
+          <a:blip r:embed="rId2">
+            <a:extLst>
+              <a:ext uri="{28A0092B-C50C-407E-A947-70E740481C1C}">
+                <a14:useLocalDpi xmlns:a14="http://schemas.microsoft.com/office/drawing/2010/main" val="0"/>
+              </a:ext>
+            </a:extLst>
+          </a:blip>
+          <a:stretch>
+            <a:fillRect/>
+          </a:stretch>
+        </p:blipFill>
+        <p:spPr>
+          <a:xfrm>
+            <a:off x="487680" y="1546226"/>
+            <a:ext cx="5852160" cy="4389120"/>
+          </a:xfrm>
+          <a:prstGeom prst="rect">
+            <a:avLst/>
+          </a:prstGeom>
+        </p:spPr>
+      </p:pic>
+      <p:pic>
+        <p:nvPicPr>
+          <p:cNvPr id="5" name="図 4"/>
+          <p:cNvPicPr>
+            <a:picLocks noChangeAspect="1"/>
+          </p:cNvPicPr>
+          <p:nvPr/>
+        </p:nvPicPr>
+        <p:blipFill>
+          <a:blip r:embed="rId3">
+            <a:extLst>
+              <a:ext uri="{28A0092B-C50C-407E-A947-70E740481C1C}">
+                <a14:useLocalDpi xmlns:a14="http://schemas.microsoft.com/office/drawing/2010/main" val="0"/>
+              </a:ext>
+            </a:extLst>
+          </a:blip>
+          <a:stretch>
+            <a:fillRect/>
+          </a:stretch>
+        </p:blipFill>
+        <p:spPr>
+          <a:xfrm>
+            <a:off x="6339840" y="1401764"/>
+            <a:ext cx="5852160" cy="4389120"/>
+          </a:xfrm>
+          <a:prstGeom prst="rect">
+            <a:avLst/>
+          </a:prstGeom>
+        </p:spPr>
+      </p:pic>
+    </p:spTree>
+    <p:extLst>
+      <p:ext uri="{BB962C8B-B14F-4D97-AF65-F5344CB8AC3E}">
+        <p14:creationId xmlns:p14="http://schemas.microsoft.com/office/powerpoint/2010/main" val="3582324436"/>
+      </p:ext>
+    </p:extLst>
+  </p:cSld>
+  <p:clrMapOvr>
+    <a:masterClrMapping/>
+  </p:clrMapOvr>
+  <p:timing>
+    <p:tnLst>
+      <p:par>
+        <p:cTn id="1" dur="indefinite" restart="never" nodeType="tmRoot"/>
+      </p:par>
+    </p:tnLst>
+  </p:timing>
+</p:sld>
+</file>
+
+<file path=ppt/slides/slide24.xml><?xml version="1.0" encoding="utf-8"?>
+<p:sld xmlns:a="http://schemas.openxmlformats.org/drawingml/2006/main" xmlns:r="http://schemas.openxmlformats.org/officeDocument/2006/relationships" xmlns:p="http://schemas.openxmlformats.org/presentationml/2006/main">
+  <p:cSld>
+    <p:spTree>
+      <p:nvGrpSpPr>
+        <p:cNvPr id="1" name=""/>
+        <p:cNvGrpSpPr/>
+        <p:nvPr/>
+      </p:nvGrpSpPr>
+      <p:grpSpPr>
+        <a:xfrm>
+          <a:off x="0" y="0"/>
+          <a:ext cx="0" cy="0"/>
+          <a:chOff x="0" y="0"/>
+          <a:chExt cx="0" cy="0"/>
+        </a:xfrm>
+      </p:grpSpPr>
+      <p:sp>
+        <p:nvSpPr>
+          <p:cNvPr id="2" name="タイトル 1"/>
+          <p:cNvSpPr>
+            <a:spLocks noGrp="1"/>
+          </p:cNvSpPr>
+          <p:nvPr>
+            <p:ph type="title"/>
+          </p:nvPr>
+        </p:nvSpPr>
+        <p:spPr/>
+        <p:txBody>
+          <a:bodyPr/>
+          <a:lstStyle/>
+          <a:p>
+            <a:r>
+              <a:rPr kumimoji="1" lang="ja-JP" altLang="en-US" dirty="0" smtClean="0"/>
+              <a:t>折れ線グラフと棒グラフを用いた比較</a:t>
+            </a:r>
+            <a:endParaRPr kumimoji="1" lang="ja-JP" altLang="en-US" dirty="0"/>
+          </a:p>
+        </p:txBody>
+      </p:sp>
+      <p:pic>
+        <p:nvPicPr>
+          <p:cNvPr id="3" name="図 2"/>
+          <p:cNvPicPr>
+            <a:picLocks noChangeAspect="1"/>
+          </p:cNvPicPr>
+          <p:nvPr/>
+        </p:nvPicPr>
+        <p:blipFill>
+          <a:blip r:embed="rId2">
+            <a:extLst>
+              <a:ext uri="{28A0092B-C50C-407E-A947-70E740481C1C}">
+                <a14:useLocalDpi xmlns:a14="http://schemas.microsoft.com/office/drawing/2010/main" val="0"/>
+              </a:ext>
+            </a:extLst>
+          </a:blip>
+          <a:stretch>
+            <a:fillRect/>
+          </a:stretch>
+        </p:blipFill>
+        <p:spPr>
+          <a:xfrm>
+            <a:off x="2883876" y="1690688"/>
+            <a:ext cx="5945945" cy="4459459"/>
+          </a:xfrm>
+          <a:prstGeom prst="rect">
+            <a:avLst/>
+          </a:prstGeom>
+        </p:spPr>
+      </p:pic>
+    </p:spTree>
+    <p:extLst>
+      <p:ext uri="{BB962C8B-B14F-4D97-AF65-F5344CB8AC3E}">
+        <p14:creationId xmlns:p14="http://schemas.microsoft.com/office/powerpoint/2010/main" val="3599496744"/>
+      </p:ext>
+    </p:extLst>
+  </p:cSld>
+  <p:clrMapOvr>
+    <a:masterClrMapping/>
+  </p:clrMapOvr>
+  <p:timing>
+    <p:tnLst>
+      <p:par>
+        <p:cTn id="1" dur="indefinite" restart="never" nodeType="tmRoot"/>
+      </p:par>
+    </p:tnLst>
+  </p:timing>
+</p:sld>
+</file>
+
+<file path=ppt/slides/slide25.xml><?xml version="1.0" encoding="utf-8"?>
+<p:sld xmlns:a="http://schemas.openxmlformats.org/drawingml/2006/main" xmlns:r="http://schemas.openxmlformats.org/officeDocument/2006/relationships" xmlns:p="http://schemas.openxmlformats.org/presentationml/2006/main">
+  <p:cSld>
+    <p:spTree>
+      <p:nvGrpSpPr>
+        <p:cNvPr id="1" name=""/>
+        <p:cNvGrpSpPr/>
+        <p:nvPr/>
+      </p:nvGrpSpPr>
+      <p:grpSpPr>
+        <a:xfrm>
+          <a:off x="0" y="0"/>
+          <a:ext cx="0" cy="0"/>
+          <a:chOff x="0" y="0"/>
+          <a:chExt cx="0" cy="0"/>
+        </a:xfrm>
+      </p:grpSpPr>
+      <p:sp>
+        <p:nvSpPr>
+          <p:cNvPr id="2" name="タイトル 1"/>
+          <p:cNvSpPr>
+            <a:spLocks noGrp="1"/>
+          </p:cNvSpPr>
+          <p:nvPr>
+            <p:ph type="title"/>
+          </p:nvPr>
+        </p:nvSpPr>
+        <p:spPr/>
+        <p:txBody>
+          <a:bodyPr/>
+          <a:lstStyle/>
+          <a:p>
+            <a:r>
+              <a:rPr kumimoji="1" lang="ja-JP" altLang="en-US" dirty="0" smtClean="0"/>
+              <a:t>まとめ</a:t>
+            </a:r>
+            <a:endParaRPr kumimoji="1" lang="ja-JP" altLang="en-US" dirty="0"/>
+          </a:p>
+        </p:txBody>
+      </p:sp>
+      <p:sp>
+        <p:nvSpPr>
+          <p:cNvPr id="3" name="コンテンツ プレースホルダー 2"/>
+          <p:cNvSpPr>
+            <a:spLocks noGrp="1"/>
+          </p:cNvSpPr>
+          <p:nvPr>
+            <p:ph idx="1"/>
+          </p:nvPr>
+        </p:nvSpPr>
+        <p:spPr/>
+        <p:txBody>
+          <a:bodyPr/>
+          <a:lstStyle/>
+          <a:p>
+            <a:endParaRPr kumimoji="1" lang="ja-JP" altLang="en-US"/>
+          </a:p>
+        </p:txBody>
+      </p:sp>
+    </p:spTree>
+    <p:extLst>
+      <p:ext uri="{BB962C8B-B14F-4D97-AF65-F5344CB8AC3E}">
+        <p14:creationId xmlns:p14="http://schemas.microsoft.com/office/powerpoint/2010/main" val="3533172223"/>
+      </p:ext>
+    </p:extLst>
+  </p:cSld>
+  <p:clrMapOvr>
+    <a:masterClrMapping/>
+  </p:clrMapOvr>
+  <p:timing>
+    <p:tnLst>
+      <p:par>
+        <p:cTn id="1" dur="indefinite" restart="never" nodeType="tmRoot"/>
+      </p:par>
+    </p:tnLst>
+  </p:timing>
+</p:sld>
+</file>
+
+<file path=ppt/slides/slide26.xml><?xml version="1.0" encoding="utf-8"?>
+<p:sld xmlns:a="http://schemas.openxmlformats.org/drawingml/2006/main" xmlns:r="http://schemas.openxmlformats.org/officeDocument/2006/relationships" xmlns:p="http://schemas.openxmlformats.org/presentationml/2006/main">
+  <p:cSld>
+    <p:spTree>
+      <p:nvGrpSpPr>
+        <p:cNvPr id="1" name=""/>
+        <p:cNvGrpSpPr/>
+        <p:nvPr/>
+      </p:nvGrpSpPr>
+      <p:grpSpPr>
+        <a:xfrm>
+          <a:off x="0" y="0"/>
+          <a:ext cx="0" cy="0"/>
+          <a:chOff x="0" y="0"/>
+          <a:chExt cx="0" cy="0"/>
+        </a:xfrm>
+      </p:grpSpPr>
+      <p:sp>
+        <p:nvSpPr>
+          <p:cNvPr id="2" name="タイトル 1">
+            <a:extLst>
+              <a:ext uri="{FF2B5EF4-FFF2-40B4-BE49-F238E27FC236}">
+                <a16:creationId xmlns:a16="http://schemas.microsoft.com/office/drawing/2014/main" xmlns="" id="{64A11CCF-73BE-084D-A8D7-B183386D4431}"/>
+              </a:ext>
+            </a:extLst>
+          </p:cNvPr>
+          <p:cNvSpPr>
+            <a:spLocks noGrp="1"/>
+          </p:cNvSpPr>
+          <p:nvPr>
+            <p:ph type="title"/>
+          </p:nvPr>
+        </p:nvSpPr>
+        <p:spPr/>
+        <p:txBody>
+          <a:bodyPr/>
+          <a:lstStyle/>
+          <a:p>
+            <a:r>
+              <a:rPr lang="ja-JP" altLang="en-US" dirty="0"/>
+              <a:t>折れ線</a:t>
+            </a:r>
+            <a:r>
+              <a:rPr lang="ja-JP" altLang="en-US" dirty="0" smtClean="0"/>
+              <a:t>グラフ・棒グラフ</a:t>
+            </a:r>
+            <a:endParaRPr kumimoji="1" lang="ja-JP" altLang="en-US" dirty="0"/>
+          </a:p>
+        </p:txBody>
+      </p:sp>
+      <p:sp>
+        <p:nvSpPr>
+          <p:cNvPr id="3" name="コンテンツ プレースホルダー 2">
+            <a:extLst>
+              <a:ext uri="{FF2B5EF4-FFF2-40B4-BE49-F238E27FC236}">
+                <a16:creationId xmlns:a16="http://schemas.microsoft.com/office/drawing/2014/main" xmlns="" id="{DEFF8EDF-62D5-3044-8E76-F620FB00CBA7}"/>
+              </a:ext>
+            </a:extLst>
+          </p:cNvPr>
+          <p:cNvSpPr>
+            <a:spLocks noGrp="1"/>
+          </p:cNvSpPr>
+          <p:nvPr>
+            <p:ph idx="1"/>
+          </p:nvPr>
+        </p:nvSpPr>
+        <p:spPr/>
+        <p:txBody>
+          <a:bodyPr/>
+          <a:lstStyle/>
+          <a:p>
+            <a:endParaRPr lang="en-US" altLang="ja-JP" dirty="0"/>
+          </a:p>
+          <a:p>
+            <a:r>
+              <a:rPr kumimoji="1" lang="ja-JP" altLang="en-US" dirty="0" smtClean="0"/>
+              <a:t>時系列に沿った変化が見やすい</a:t>
+            </a:r>
+            <a:endParaRPr kumimoji="1" lang="en-US" altLang="ja-JP" dirty="0" smtClean="0"/>
+          </a:p>
+          <a:p>
+            <a:endParaRPr lang="en-US" altLang="ja-JP" dirty="0"/>
+          </a:p>
+          <a:p>
+            <a:r>
+              <a:rPr kumimoji="1" lang="en-US" altLang="ja-JP" dirty="0" smtClean="0"/>
+              <a:t>2</a:t>
+            </a:r>
+            <a:r>
+              <a:rPr kumimoji="1" lang="ja-JP" altLang="en-US" dirty="0" err="1" smtClean="0"/>
+              <a:t>つの</a:t>
+            </a:r>
+            <a:r>
+              <a:rPr kumimoji="1" lang="ja-JP" altLang="en-US" dirty="0" smtClean="0"/>
+              <a:t>要素を比較することができる</a:t>
+            </a:r>
+            <a:endParaRPr kumimoji="1" lang="en-US" altLang="ja-JP" dirty="0" smtClean="0"/>
+          </a:p>
+          <a:p>
+            <a:endParaRPr lang="en-US" altLang="ja-JP" dirty="0"/>
+          </a:p>
+          <a:p>
+            <a:endParaRPr kumimoji="1" lang="en-US" altLang="ja-JP" dirty="0" smtClean="0"/>
+          </a:p>
+          <a:p>
+            <a:endParaRPr lang="en-US" altLang="ja-JP" dirty="0" smtClean="0"/>
+          </a:p>
+          <a:p>
+            <a:endParaRPr lang="en-US" altLang="ja-JP" dirty="0"/>
+          </a:p>
+        </p:txBody>
+      </p:sp>
+    </p:spTree>
+    <p:extLst>
+      <p:ext uri="{BB962C8B-B14F-4D97-AF65-F5344CB8AC3E}">
+        <p14:creationId xmlns:p14="http://schemas.microsoft.com/office/powerpoint/2010/main" val="11634133"/>
+      </p:ext>
+    </p:extLst>
+  </p:cSld>
+  <p:clrMapOvr>
+    <a:masterClrMapping/>
+  </p:clrMapOvr>
+  <mc:AlternateContent xmlns:mc="http://schemas.openxmlformats.org/markup-compatibility/2006" xmlns:p14="http://schemas.microsoft.com/office/powerpoint/2010/main">
+    <mc:Choice Requires="p14">
+      <p:transition p14:dur="100">
+        <p:cut/>
+      </p:transition>
+    </mc:Choice>
+    <mc:Fallback xmlns="">
+      <p:transition>
+        <p:cut/>
+      </p:transition>
+    </mc:Fallback>
+  </mc:AlternateContent>
+  <p:timing>
+    <p:tnLst>
+      <p:par>
+        <p:cTn id="1" dur="indefinite" restart="never" nodeType="tmRoot"/>
+      </p:par>
+    </p:tnLst>
+  </p:timing>
+</p:sld>
+</file>
+
+<file path=ppt/slides/slide27.xml><?xml version="1.0" encoding="utf-8"?>
+<p:sld xmlns:a="http://schemas.openxmlformats.org/drawingml/2006/main" xmlns:r="http://schemas.openxmlformats.org/officeDocument/2006/relationships" xmlns:p="http://schemas.openxmlformats.org/presentationml/2006/main">
+  <p:cSld>
+    <p:spTree>
+      <p:nvGrpSpPr>
+        <p:cNvPr id="1" name=""/>
+        <p:cNvGrpSpPr/>
+        <p:nvPr/>
+      </p:nvGrpSpPr>
+      <p:grpSpPr>
+        <a:xfrm>
+          <a:off x="0" y="0"/>
+          <a:ext cx="0" cy="0"/>
+          <a:chOff x="0" y="0"/>
+          <a:chExt cx="0" cy="0"/>
+        </a:xfrm>
+      </p:grpSpPr>
+      <p:sp>
+        <p:nvSpPr>
+          <p:cNvPr id="2" name="タイトル 1"/>
+          <p:cNvSpPr>
+            <a:spLocks noGrp="1"/>
+          </p:cNvSpPr>
+          <p:nvPr>
+            <p:ph type="title"/>
+          </p:nvPr>
+        </p:nvSpPr>
+        <p:spPr/>
+        <p:txBody>
+          <a:bodyPr/>
+          <a:lstStyle/>
+          <a:p>
+            <a:r>
+              <a:rPr lang="en-US" altLang="ja-JP" dirty="0" err="1" smtClean="0"/>
+              <a:t>GeoChart</a:t>
+            </a:r>
+            <a:r>
+              <a:rPr lang="en-US" altLang="ja-JP" dirty="0" smtClean="0"/>
+              <a:t>(</a:t>
+            </a:r>
+            <a:r>
+              <a:rPr lang="ja-JP" altLang="en-US" dirty="0" smtClean="0"/>
+              <a:t>階級区分図</a:t>
+            </a:r>
+            <a:r>
+              <a:rPr lang="en-US" altLang="ja-JP" dirty="0" smtClean="0"/>
+              <a:t>)</a:t>
+            </a:r>
+            <a:endParaRPr kumimoji="1" lang="ja-JP" altLang="en-US" dirty="0"/>
+          </a:p>
+        </p:txBody>
+      </p:sp>
+      <p:sp>
+        <p:nvSpPr>
+          <p:cNvPr id="3" name="コンテンツ プレースホルダー 2"/>
+          <p:cNvSpPr>
+            <a:spLocks noGrp="1"/>
+          </p:cNvSpPr>
+          <p:nvPr>
+            <p:ph idx="1"/>
+          </p:nvPr>
+        </p:nvSpPr>
+        <p:spPr/>
+        <p:txBody>
+          <a:bodyPr/>
+          <a:lstStyle/>
+          <a:p>
+            <a:pPr marL="0" indent="0">
+              <a:buNone/>
+            </a:pPr>
+            <a:endParaRPr lang="en-US" altLang="ja-JP" dirty="0" smtClean="0"/>
+          </a:p>
+          <a:p>
+            <a:r>
+              <a:rPr lang="ja-JP" altLang="en-US" dirty="0" smtClean="0"/>
+              <a:t>地域</a:t>
+            </a:r>
+            <a:r>
+              <a:rPr lang="ja-JP" altLang="en-US" dirty="0"/>
+              <a:t>特性が見やすい</a:t>
+            </a:r>
+            <a:endParaRPr lang="en-US" altLang="ja-JP" dirty="0"/>
+          </a:p>
+          <a:p>
+            <a:endParaRPr lang="en-US" altLang="ja-JP" dirty="0"/>
+          </a:p>
+          <a:p>
+            <a:r>
+              <a:rPr lang="ja-JP" altLang="en-US" dirty="0" smtClean="0"/>
+              <a:t>時間的推移</a:t>
+            </a:r>
+            <a:r>
+              <a:rPr lang="ja-JP" altLang="en-US" dirty="0"/>
+              <a:t>が見にくい</a:t>
+            </a:r>
+          </a:p>
+          <a:p>
+            <a:endParaRPr kumimoji="1" lang="en-US" altLang="ja-JP" dirty="0"/>
+          </a:p>
+        </p:txBody>
+      </p:sp>
+    </p:spTree>
+    <p:extLst>
+      <p:ext uri="{BB962C8B-B14F-4D97-AF65-F5344CB8AC3E}">
+        <p14:creationId xmlns:p14="http://schemas.microsoft.com/office/powerpoint/2010/main" val="2117400784"/>
       </p:ext>
     </p:extLst>
   </p:cSld>
@@ -7567,4 +9544,265 @@
     </a:ext>
   </a:extLst>
 </a:theme>
+</file>
+
+<file path=ppt/theme/theme3.xml><?xml version="1.0" encoding="utf-8"?>
+<a:theme xmlns:a="http://schemas.openxmlformats.org/drawingml/2006/main" name="Office テーマ">
+  <a:themeElements>
+    <a:clrScheme name="Office">
+      <a:dk1>
+        <a:sysClr val="windowText" lastClr="000000"/>
+      </a:dk1>
+      <a:lt1>
+        <a:sysClr val="window" lastClr="FFFFFF"/>
+      </a:lt1>
+      <a:dk2>
+        <a:srgbClr val="44546A"/>
+      </a:dk2>
+      <a:lt2>
+        <a:srgbClr val="E7E6E6"/>
+      </a:lt2>
+      <a:accent1>
+        <a:srgbClr val="5B9BD5"/>
+      </a:accent1>
+      <a:accent2>
+        <a:srgbClr val="ED7D31"/>
+      </a:accent2>
+      <a:accent3>
+        <a:srgbClr val="A5A5A5"/>
+      </a:accent3>
+      <a:accent4>
+        <a:srgbClr val="FFC000"/>
+      </a:accent4>
+      <a:accent5>
+        <a:srgbClr val="4472C4"/>
+      </a:accent5>
+      <a:accent6>
+        <a:srgbClr val="70AD47"/>
+      </a:accent6>
+      <a:hlink>
+        <a:srgbClr val="0563C1"/>
+      </a:hlink>
+      <a:folHlink>
+        <a:srgbClr val="954F72"/>
+      </a:folHlink>
+    </a:clrScheme>
+    <a:fontScheme name="Office">
+      <a:majorFont>
+        <a:latin typeface="Calibri Light" panose="020F0302020204030204"/>
+        <a:ea typeface=""/>
+        <a:cs typeface=""/>
+        <a:font script="Jpan" typeface="ＭＳ Ｐゴシック"/>
+        <a:font script="Hang" typeface="맑은 고딕"/>
+        <a:font script="Hans" typeface="宋体"/>
+        <a:font script="Hant" typeface="新細明體"/>
+        <a:font script="Arab" typeface="Times New Roman"/>
+        <a:font script="Hebr" typeface="Times New Roman"/>
+        <a:font script="Thai" typeface="Angsana New"/>
+        <a:font script="Ethi" typeface="Nyala"/>
+        <a:font script="Beng" typeface="Vrinda"/>
+        <a:font script="Gujr" typeface="Shruti"/>
+        <a:font script="Khmr" typeface="MoolBoran"/>
+        <a:font script="Knda" typeface="Tunga"/>
+        <a:font script="Guru" typeface="Raavi"/>
+        <a:font script="Cans" typeface="Euphemia"/>
+        <a:font script="Cher" typeface="Plantagenet Cherokee"/>
+        <a:font script="Yiii" typeface="Microsoft Yi Baiti"/>
+        <a:font script="Tibt" typeface="Microsoft Himalaya"/>
+        <a:font script="Thaa" typeface="MV Boli"/>
+        <a:font script="Deva" typeface="Mangal"/>
+        <a:font script="Telu" typeface="Gautami"/>
+        <a:font script="Taml" typeface="Latha"/>
+        <a:font script="Syrc" typeface="Estrangelo Edessa"/>
+        <a:font script="Orya" typeface="Kalinga"/>
+        <a:font script="Mlym" typeface="Kartika"/>
+        <a:font script="Laoo" typeface="DokChampa"/>
+        <a:font script="Sinh" typeface="Iskoola Pota"/>
+        <a:font script="Mong" typeface="Mongolian Baiti"/>
+        <a:font script="Viet" typeface="Times New Roman"/>
+        <a:font script="Uigh" typeface="Microsoft Uighur"/>
+        <a:font script="Geor" typeface="Sylfaen"/>
+      </a:majorFont>
+      <a:minorFont>
+        <a:latin typeface="Calibri" panose="020F0502020204030204"/>
+        <a:ea typeface=""/>
+        <a:cs typeface=""/>
+        <a:font script="Jpan" typeface="ＭＳ Ｐゴシック"/>
+        <a:font script="Hang" typeface="맑은 고딕"/>
+        <a:font script="Hans" typeface="宋体"/>
+        <a:font script="Hant" typeface="新細明體"/>
+        <a:font script="Arab" typeface="Arial"/>
+        <a:font script="Hebr" typeface="Arial"/>
+        <a:font script="Thai" typeface="Cordia New"/>
+        <a:font script="Ethi" typeface="Nyala"/>
+        <a:font script="Beng" typeface="Vrinda"/>
+        <a:font script="Gujr" typeface="Shruti"/>
+        <a:font script="Khmr" typeface="DaunPenh"/>
+        <a:font script="Knda" typeface="Tunga"/>
+        <a:font script="Guru" typeface="Raavi"/>
+        <a:font script="Cans" typeface="Euphemia"/>
+        <a:font script="Cher" typeface="Plantagenet Cherokee"/>
+        <a:font script="Yiii" typeface="Microsoft Yi Baiti"/>
+        <a:font script="Tibt" typeface="Microsoft Himalaya"/>
+        <a:font script="Thaa" typeface="MV Boli"/>
+        <a:font script="Deva" typeface="Mangal"/>
+        <a:font script="Telu" typeface="Gautami"/>
+        <a:font script="Taml" typeface="Latha"/>
+        <a:font script="Syrc" typeface="Estrangelo Edessa"/>
+        <a:font script="Orya" typeface="Kalinga"/>
+        <a:font script="Mlym" typeface="Kartika"/>
+        <a:font script="Laoo" typeface="DokChampa"/>
+        <a:font script="Sinh" typeface="Iskoola Pota"/>
+        <a:font script="Mong" typeface="Mongolian Baiti"/>
+        <a:font script="Viet" typeface="Arial"/>
+        <a:font script="Uigh" typeface="Microsoft Uighur"/>
+        <a:font script="Geor" typeface="Sylfaen"/>
+      </a:minorFont>
+    </a:fontScheme>
+    <a:fmtScheme name="Office">
+      <a:fillStyleLst>
+        <a:solidFill>
+          <a:schemeClr val="phClr"/>
+        </a:solidFill>
+        <a:gradFill rotWithShape="1">
+          <a:gsLst>
+            <a:gs pos="0">
+              <a:schemeClr val="phClr">
+                <a:lumMod val="110000"/>
+                <a:satMod val="105000"/>
+                <a:tint val="67000"/>
+              </a:schemeClr>
+            </a:gs>
+            <a:gs pos="50000">
+              <a:schemeClr val="phClr">
+                <a:lumMod val="105000"/>
+                <a:satMod val="103000"/>
+                <a:tint val="73000"/>
+              </a:schemeClr>
+            </a:gs>
+            <a:gs pos="100000">
+              <a:schemeClr val="phClr">
+                <a:lumMod val="105000"/>
+                <a:satMod val="109000"/>
+                <a:tint val="81000"/>
+              </a:schemeClr>
+            </a:gs>
+          </a:gsLst>
+          <a:lin ang="5400000" scaled="0"/>
+        </a:gradFill>
+        <a:gradFill rotWithShape="1">
+          <a:gsLst>
+            <a:gs pos="0">
+              <a:schemeClr val="phClr">
+                <a:satMod val="103000"/>
+                <a:lumMod val="102000"/>
+                <a:tint val="94000"/>
+              </a:schemeClr>
+            </a:gs>
+            <a:gs pos="50000">
+              <a:schemeClr val="phClr">
+                <a:satMod val="110000"/>
+                <a:lumMod val="100000"/>
+                <a:shade val="100000"/>
+              </a:schemeClr>
+            </a:gs>
+            <a:gs pos="100000">
+              <a:schemeClr val="phClr">
+                <a:lumMod val="99000"/>
+                <a:satMod val="120000"/>
+                <a:shade val="78000"/>
+              </a:schemeClr>
+            </a:gs>
+          </a:gsLst>
+          <a:lin ang="5400000" scaled="0"/>
+        </a:gradFill>
+      </a:fillStyleLst>
+      <a:lnStyleLst>
+        <a:ln w="6350" cap="flat" cmpd="sng" algn="ctr">
+          <a:solidFill>
+            <a:schemeClr val="phClr"/>
+          </a:solidFill>
+          <a:prstDash val="solid"/>
+          <a:miter lim="800000"/>
+        </a:ln>
+        <a:ln w="12700" cap="flat" cmpd="sng" algn="ctr">
+          <a:solidFill>
+            <a:schemeClr val="phClr"/>
+          </a:solidFill>
+          <a:prstDash val="solid"/>
+          <a:miter lim="800000"/>
+        </a:ln>
+        <a:ln w="19050" cap="flat" cmpd="sng" algn="ctr">
+          <a:solidFill>
+            <a:schemeClr val="phClr"/>
+          </a:solidFill>
+          <a:prstDash val="solid"/>
+          <a:miter lim="800000"/>
+        </a:ln>
+      </a:lnStyleLst>
+      <a:effectStyleLst>
+        <a:effectStyle>
+          <a:effectLst/>
+        </a:effectStyle>
+        <a:effectStyle>
+          <a:effectLst/>
+        </a:effectStyle>
+        <a:effectStyle>
+          <a:effectLst>
+            <a:outerShdw blurRad="57150" dist="19050" dir="5400000" algn="ctr" rotWithShape="0">
+              <a:srgbClr val="000000">
+                <a:alpha val="63000"/>
+              </a:srgbClr>
+            </a:outerShdw>
+          </a:effectLst>
+        </a:effectStyle>
+      </a:effectStyleLst>
+      <a:bgFillStyleLst>
+        <a:solidFill>
+          <a:schemeClr val="phClr"/>
+        </a:solidFill>
+        <a:solidFill>
+          <a:schemeClr val="phClr">
+            <a:tint val="95000"/>
+            <a:satMod val="170000"/>
+          </a:schemeClr>
+        </a:solidFill>
+        <a:gradFill rotWithShape="1">
+          <a:gsLst>
+            <a:gs pos="0">
+              <a:schemeClr val="phClr">
+                <a:tint val="93000"/>
+                <a:satMod val="150000"/>
+                <a:shade val="98000"/>
+                <a:lumMod val="102000"/>
+              </a:schemeClr>
+            </a:gs>
+            <a:gs pos="50000">
+              <a:schemeClr val="phClr">
+                <a:tint val="98000"/>
+                <a:satMod val="130000"/>
+                <a:shade val="90000"/>
+                <a:lumMod val="103000"/>
+              </a:schemeClr>
+            </a:gs>
+            <a:gs pos="100000">
+              <a:schemeClr val="phClr">
+                <a:shade val="63000"/>
+                <a:satMod val="120000"/>
+              </a:schemeClr>
+            </a:gs>
+          </a:gsLst>
+          <a:lin ang="5400000" scaled="0"/>
+        </a:gradFill>
+      </a:bgFillStyleLst>
+    </a:fmtScheme>
+  </a:themeElements>
+  <a:objectDefaults/>
+  <a:extraClrSchemeLst/>
+  <a:extLst>
+    <a:ext uri="{05A4C25C-085E-4340-85A3-A5531E510DB2}">
+      <thm15:themeFamily xmlns:thm15="http://schemas.microsoft.com/office/thememl/2012/main" name="Office Theme" id="{62F939B6-93AF-4DB8-9C6B-D6C7DFDC589F}" vid="{4A3C46E8-61CC-4603-A589-7422A47A8E4A}"/>
+    </a:ext>
+  </a:extLst>
+</a:theme>
 </file>